--- a/presentation/Building Node.js Applications on Windows Azure.pptx
+++ b/presentation/Building Node.js Applications on Windows Azure.pptx
@@ -9629,7 +9629,6 @@
               <a:rPr lang="en-AU" sz="4800" dirty="0"/>
               <a:t>Building Node.js Applications on Windows Azure</a:t>
             </a:r>
-            <a:endParaRPr lang="en-AU" sz="4800" dirty="0"/>
           </a:p>
         </p:txBody>
       </p:sp>
@@ -9806,15 +9805,12 @@
             </a:lvl9pPr>
           </a:lstStyle>
           <a:p>
+            <a:endParaRPr lang="en-AU" dirty="0" smtClean="0"/>
+          </a:p>
+          <a:p>
             <a:r>
               <a:rPr lang="en-AU" dirty="0" smtClean="0"/>
               <a:t>Aidan Casey </a:t>
-            </a:r>
-          </a:p>
-          <a:p>
-            <a:r>
-              <a:rPr lang="en-AU" dirty="0" smtClean="0"/>
-              <a:t>Solutions Architect , MYOB</a:t>
             </a:r>
           </a:p>
           <a:p>
@@ -10752,6 +10748,13 @@
   <p:transition>
     <p:fade thruBlk="1"/>
   </p:transition>
+  <p:timing>
+    <p:tnLst>
+      <p:par>
+        <p:cTn id="1" dur="indefinite" restart="never" nodeType="tmRoot"/>
+      </p:par>
+    </p:tnLst>
+  </p:timing>
 </p:sld>
 </file>
 
@@ -10827,6 +10830,13 @@
   <p:transition>
     <p:fade thruBlk="1"/>
   </p:transition>
+  <p:timing>
+    <p:tnLst>
+      <p:par>
+        <p:cTn id="1" dur="indefinite" restart="never" nodeType="tmRoot"/>
+      </p:par>
+    </p:tnLst>
+  </p:timing>
 </p:sld>
 </file>
 
@@ -10971,6 +10981,13 @@
   <p:transition>
     <p:fade thruBlk="1"/>
   </p:transition>
+  <p:timing>
+    <p:tnLst>
+      <p:par>
+        <p:cTn id="1" dur="indefinite" restart="never" nodeType="tmRoot"/>
+      </p:par>
+    </p:tnLst>
+  </p:timing>
 </p:sld>
 </file>
 
@@ -11013,11 +11030,7 @@
           <a:p>
             <a:r>
               <a:rPr lang="en-AU" dirty="0" smtClean="0"/>
-              <a:t>About </a:t>
-            </a:r>
-            <a:r>
-              <a:rPr lang="en-AU" dirty="0" smtClean="0"/>
-              <a:t>Me</a:t>
+              <a:t>Introduce myself</a:t>
             </a:r>
             <a:endParaRPr lang="en-AU" dirty="0"/>
           </a:p>
@@ -11052,15 +11065,7 @@
             </a:r>
             <a:r>
               <a:rPr lang="en-AU" dirty="0" smtClean="0"/>
-              <a:t>rchitect </a:t>
-            </a:r>
-            <a:r>
-              <a:rPr lang="en-AU" dirty="0" smtClean="0"/>
-              <a:t>at </a:t>
-            </a:r>
-            <a:r>
-              <a:rPr lang="en-AU" dirty="0" smtClean="0"/>
-              <a:t>MYOB</a:t>
+              <a:t>rchitect at MYOB</a:t>
             </a:r>
           </a:p>
           <a:p>
@@ -11074,7 +11079,6 @@
               <a:rPr lang="en-AU" dirty="0" smtClean="0"/>
               <a:t>16 years development experience working with Microsoft technologies</a:t>
             </a:r>
-            <a:endParaRPr lang="en-AU" dirty="0" smtClean="0"/>
           </a:p>
           <a:p>
             <a:r>
@@ -11087,18 +11091,20 @@
             </a:r>
             <a:r>
               <a:rPr lang="en-AU" dirty="0" smtClean="0"/>
-              <a:t>a cloud platform </a:t>
+              <a:t>a cloud </a:t>
+            </a:r>
+            <a:r>
+              <a:rPr lang="en-AU" dirty="0" smtClean="0"/>
+              <a:t>platform </a:t>
             </a:r>
             <a:r>
               <a:rPr lang="en-AU" dirty="0"/>
-              <a:t>for the next generation of MYOB’s accounting </a:t>
+              <a:t>for the next generation of MYOB’s </a:t>
             </a:r>
             <a:r>
               <a:rPr lang="en-AU" dirty="0" smtClean="0"/>
-              <a:t>products.</a:t>
-            </a:r>
-          </a:p>
-          <a:p>
+              <a:t>accounting products – (C#.NET ,WCF, SQL Server, .NET 4.0)</a:t>
+            </a:r>
             <a:endParaRPr lang="en-AU" dirty="0" smtClean="0"/>
           </a:p>
           <a:p>
@@ -11107,8 +11113,246 @@
             </a:pPr>
             <a:endParaRPr lang="en-AU" dirty="0" smtClean="0"/>
           </a:p>
-        </p:txBody>
-      </p:sp>
+          <a:p>
+            <a:pPr marL="538163" lvl="2" indent="0">
+              <a:buNone/>
+            </a:pPr>
+            <a:r>
+              <a:rPr lang="en-AU" sz="1400" dirty="0" smtClean="0"/>
+              <a:t> 			aidancasey@gmail.com</a:t>
+            </a:r>
+          </a:p>
+          <a:p>
+            <a:pPr marL="538163" lvl="2" indent="0">
+              <a:buNone/>
+            </a:pPr>
+            <a:r>
+              <a:rPr lang="en-AU" sz="1400" dirty="0" smtClean="0"/>
+              <a:t>  			http://www.linkedin.com/pub/aidan-casey/2/a71/353</a:t>
+            </a:r>
+          </a:p>
+          <a:p>
+            <a:pPr marL="538163" lvl="2" indent="0">
+              <a:buNone/>
+            </a:pPr>
+            <a:r>
+              <a:rPr lang="en-AU" sz="1400" dirty="0" smtClean="0"/>
+              <a:t>			</a:t>
+            </a:r>
+            <a:r>
+              <a:rPr lang="en-AU" sz="1400" dirty="0" err="1" smtClean="0"/>
+              <a:t>git@github.com:aidancasey</a:t>
+            </a:r>
+            <a:r>
+              <a:rPr lang="en-AU" sz="1400" dirty="0" smtClean="0"/>
+              <a:t>/</a:t>
+            </a:r>
+            <a:r>
+              <a:rPr lang="en-AU" sz="1400" dirty="0" err="1" smtClean="0"/>
+              <a:t>AzureNodeChatClient.git</a:t>
+            </a:r>
+            <a:endParaRPr lang="en-AU" sz="1400" dirty="0" smtClean="0"/>
+          </a:p>
+          <a:p>
+            <a:pPr marL="0" indent="0">
+              <a:buNone/>
+            </a:pPr>
+            <a:endParaRPr lang="en-AU" dirty="0" smtClean="0"/>
+          </a:p>
+        </p:txBody>
+      </p:sp>
+      <p:pic>
+        <p:nvPicPr>
+          <p:cNvPr id="1026" name="Picture 2"/>
+          <p:cNvPicPr>
+            <a:picLocks noChangeAspect="1" noChangeArrowheads="1"/>
+          </p:cNvPicPr>
+          <p:nvPr/>
+        </p:nvPicPr>
+        <p:blipFill>
+          <a:blip r:embed="rId2" cstate="print">
+            <a:extLst>
+              <a:ext uri="{28A0092B-C50C-407E-A947-70E740481C1C}">
+                <a14:useLocalDpi xmlns:a14="http://schemas.microsoft.com/office/drawing/2010/main" val="0"/>
+              </a:ext>
+            </a:extLst>
+          </a:blip>
+          <a:srcRect/>
+          <a:stretch>
+            <a:fillRect/>
+          </a:stretch>
+        </p:blipFill>
+        <p:spPr bwMode="auto">
+          <a:xfrm>
+            <a:off x="1187624" y="5496834"/>
+            <a:ext cx="864096" cy="244095"/>
+          </a:xfrm>
+          <a:prstGeom prst="rect">
+            <a:avLst/>
+          </a:prstGeom>
+          <a:noFill/>
+          <a:ln>
+            <a:noFill/>
+          </a:ln>
+          <a:effectLst/>
+          <a:extLst>
+            <a:ext uri="{909E8E84-426E-40DD-AFC4-6F175D3DCCD1}">
+              <a14:hiddenFill xmlns:a14="http://schemas.microsoft.com/office/drawing/2010/main">
+                <a:solidFill>
+                  <a:schemeClr val="accent1"/>
+                </a:solidFill>
+              </a14:hiddenFill>
+            </a:ext>
+            <a:ext uri="{91240B29-F687-4F45-9708-019B960494DF}">
+              <a14:hiddenLine xmlns:a14="http://schemas.microsoft.com/office/drawing/2010/main" w="9525">
+                <a:solidFill>
+                  <a:schemeClr val="tx1"/>
+                </a:solidFill>
+                <a:miter lim="800000"/>
+                <a:headEnd/>
+                <a:tailEnd/>
+              </a14:hiddenLine>
+            </a:ext>
+            <a:ext uri="{AF507438-7753-43E0-B8FC-AC1667EBCBE1}">
+              <a14:hiddenEffects xmlns:a14="http://schemas.microsoft.com/office/drawing/2010/main">
+                <a:effectLst>
+                  <a:outerShdw dist="35921" dir="2700000" algn="ctr" rotWithShape="0">
+                    <a:schemeClr val="bg2"/>
+                  </a:outerShdw>
+                </a:effectLst>
+              </a14:hiddenEffects>
+            </a:ext>
+          </a:extLst>
+        </p:spPr>
+      </p:pic>
+      <p:pic>
+        <p:nvPicPr>
+          <p:cNvPr id="1027" name="Picture 3"/>
+          <p:cNvPicPr>
+            <a:picLocks noChangeAspect="1" noChangeArrowheads="1"/>
+          </p:cNvPicPr>
+          <p:nvPr/>
+        </p:nvPicPr>
+        <p:blipFill>
+          <a:blip r:embed="rId3" cstate="print">
+            <a:extLst>
+              <a:ext uri="{28A0092B-C50C-407E-A947-70E740481C1C}">
+                <a14:useLocalDpi xmlns:a14="http://schemas.microsoft.com/office/drawing/2010/main" val="0"/>
+              </a:ext>
+            </a:extLst>
+          </a:blip>
+          <a:srcRect/>
+          <a:stretch>
+            <a:fillRect/>
+          </a:stretch>
+        </p:blipFill>
+        <p:spPr bwMode="auto">
+          <a:xfrm>
+            <a:off x="995747" y="5745313"/>
+            <a:ext cx="1127981" cy="447303"/>
+          </a:xfrm>
+          <a:prstGeom prst="rect">
+            <a:avLst/>
+          </a:prstGeom>
+          <a:noFill/>
+          <a:ln>
+            <a:noFill/>
+          </a:ln>
+          <a:effectLst/>
+          <a:extLst>
+            <a:ext uri="{909E8E84-426E-40DD-AFC4-6F175D3DCCD1}">
+              <a14:hiddenFill xmlns:a14="http://schemas.microsoft.com/office/drawing/2010/main">
+                <a:solidFill>
+                  <a:schemeClr val="accent1"/>
+                </a:solidFill>
+              </a14:hiddenFill>
+            </a:ext>
+            <a:ext uri="{91240B29-F687-4F45-9708-019B960494DF}">
+              <a14:hiddenLine xmlns:a14="http://schemas.microsoft.com/office/drawing/2010/main" w="9525">
+                <a:solidFill>
+                  <a:schemeClr val="tx1"/>
+                </a:solidFill>
+                <a:miter lim="800000"/>
+                <a:headEnd/>
+                <a:tailEnd/>
+              </a14:hiddenLine>
+            </a:ext>
+            <a:ext uri="{AF507438-7753-43E0-B8FC-AC1667EBCBE1}">
+              <a14:hiddenEffects xmlns:a14="http://schemas.microsoft.com/office/drawing/2010/main">
+                <a:effectLst>
+                  <a:outerShdw dist="35921" dir="2700000" algn="ctr" rotWithShape="0">
+                    <a:schemeClr val="bg2"/>
+                  </a:outerShdw>
+                </a:effectLst>
+              </a14:hiddenEffects>
+            </a:ext>
+          </a:extLst>
+        </p:spPr>
+      </p:pic>
+      <p:pic>
+        <p:nvPicPr>
+          <p:cNvPr id="1029" name="Picture 5"/>
+          <p:cNvPicPr>
+            <a:picLocks noChangeAspect="1" noChangeArrowheads="1"/>
+          </p:cNvPicPr>
+          <p:nvPr/>
+        </p:nvPicPr>
+        <p:blipFill>
+          <a:blip r:embed="rId4" cstate="print">
+            <a:extLst>
+              <a:ext uri="{28A0092B-C50C-407E-A947-70E740481C1C}">
+                <a14:useLocalDpi xmlns:a14="http://schemas.microsoft.com/office/drawing/2010/main" val="0"/>
+              </a:ext>
+            </a:extLst>
+          </a:blip>
+          <a:srcRect/>
+          <a:stretch>
+            <a:fillRect/>
+          </a:stretch>
+        </p:blipFill>
+        <p:spPr bwMode="auto">
+          <a:xfrm>
+            <a:off x="1647850" y="4883449"/>
+            <a:ext cx="547886" cy="633783"/>
+          </a:xfrm>
+          <a:prstGeom prst="rect">
+            <a:avLst/>
+          </a:prstGeom>
+          <a:noFill/>
+          <a:ln>
+            <a:noFill/>
+          </a:ln>
+          <a:effectLst/>
+          <a:extLst>
+            <a:ext uri="{909E8E84-426E-40DD-AFC4-6F175D3DCCD1}">
+              <a14:hiddenFill xmlns:a14="http://schemas.microsoft.com/office/drawing/2010/main">
+                <a:solidFill>
+                  <a:schemeClr val="accent1"/>
+                </a:solidFill>
+              </a14:hiddenFill>
+            </a:ext>
+            <a:ext uri="{91240B29-F687-4F45-9708-019B960494DF}">
+              <a14:hiddenLine xmlns:a14="http://schemas.microsoft.com/office/drawing/2010/main" w="9525">
+                <a:solidFill>
+                  <a:schemeClr val="tx1"/>
+                </a:solidFill>
+                <a:miter lim="800000"/>
+                <a:headEnd/>
+                <a:tailEnd/>
+              </a14:hiddenLine>
+            </a:ext>
+            <a:ext uri="{AF507438-7753-43E0-B8FC-AC1667EBCBE1}">
+              <a14:hiddenEffects xmlns:a14="http://schemas.microsoft.com/office/drawing/2010/main">
+                <a:effectLst>
+                  <a:outerShdw dist="35921" dir="2700000" algn="ctr" rotWithShape="0">
+                    <a:schemeClr val="bg2"/>
+                  </a:outerShdw>
+                </a:effectLst>
+              </a14:hiddenEffects>
+            </a:ext>
+          </a:extLst>
+        </p:spPr>
+      </p:pic>
     </p:spTree>
     <p:extLst>
       <p:ext uri="{BB962C8B-B14F-4D97-AF65-F5344CB8AC3E}">
@@ -11273,7 +11517,7 @@
           <a:p>
             <a:r>
               <a:rPr lang="en-AU" dirty="0" smtClean="0"/>
-              <a:t>Session objectives</a:t>
+              <a:t>Agenda</a:t>
             </a:r>
             <a:endParaRPr lang="en-AU" dirty="0"/>
           </a:p>

--- a/presentation/Building Node.js Applications on Windows Azure.pptx
+++ b/presentation/Building Node.js Applications on Windows Azure.pptx
@@ -11091,11 +11091,7 @@
             </a:r>
             <a:r>
               <a:rPr lang="en-AU" dirty="0" smtClean="0"/>
-              <a:t>a cloud </a:t>
-            </a:r>
-            <a:r>
-              <a:rPr lang="en-AU" dirty="0" smtClean="0"/>
-              <a:t>platform </a:t>
+              <a:t>a cloud platform </a:t>
             </a:r>
             <a:r>
               <a:rPr lang="en-AU" dirty="0"/>
@@ -11105,7 +11101,6 @@
               <a:rPr lang="en-AU" dirty="0" smtClean="0"/>
               <a:t>accounting products – (C#.NET ,WCF, SQL Server, .NET 4.0)</a:t>
             </a:r>
-            <a:endParaRPr lang="en-AU" dirty="0" smtClean="0"/>
           </a:p>
           <a:p>
             <a:pPr marL="0" indent="0">
@@ -11143,20 +11138,6 @@
               <a:rPr lang="en-AU" sz="1400" dirty="0" err="1" smtClean="0"/>
               <a:t>git@github.com:aidancasey</a:t>
             </a:r>
-            <a:r>
-              <a:rPr lang="en-AU" sz="1400" dirty="0" smtClean="0"/>
-              <a:t>/</a:t>
-            </a:r>
-            <a:r>
-              <a:rPr lang="en-AU" sz="1400" dirty="0" err="1" smtClean="0"/>
-              <a:t>AzureNodeChatClient.git</a:t>
-            </a:r>
-            <a:endParaRPr lang="en-AU" sz="1400" dirty="0" smtClean="0"/>
-          </a:p>
-          <a:p>
-            <a:pPr marL="0" indent="0">
-              <a:buNone/>
-            </a:pPr>
             <a:endParaRPr lang="en-AU" dirty="0" smtClean="0"/>
           </a:p>
         </p:txBody>
@@ -11184,7 +11165,7 @@
         </p:blipFill>
         <p:spPr bwMode="auto">
           <a:xfrm>
-            <a:off x="1187624" y="5496834"/>
+            <a:off x="1259632" y="5496834"/>
             <a:ext cx="864096" cy="244095"/>
           </a:xfrm>
           <a:prstGeom prst="rect">
@@ -11248,7 +11229,7 @@
         </p:blipFill>
         <p:spPr bwMode="auto">
           <a:xfrm>
-            <a:off x="995747" y="5745313"/>
+            <a:off x="1067755" y="5790009"/>
             <a:ext cx="1127981" cy="447303"/>
           </a:xfrm>
           <a:prstGeom prst="rect">
@@ -11312,8 +11293,8 @@
         </p:blipFill>
         <p:spPr bwMode="auto">
           <a:xfrm>
-            <a:off x="1647850" y="4883449"/>
-            <a:ext cx="547886" cy="633783"/>
+            <a:off x="1719858" y="4966746"/>
+            <a:ext cx="475878" cy="550486"/>
           </a:xfrm>
           <a:prstGeom prst="rect">
             <a:avLst/>
@@ -13588,21 +13569,6 @@
 </file>
 
 <file path=customXml/item1.xml><?xml version="1.0" encoding="utf-8"?>
-<p:properties xmlns:p="http://schemas.microsoft.com/office/2006/metadata/properties" xmlns:xsi="http://www.w3.org/2001/XMLSchema-instance">
-  <documentManagement/>
-</p:properties>
-</file>
-
-<file path=customXml/item2.xml><?xml version="1.0" encoding="utf-8"?>
-<?mso-contentType ?>
-<FormTemplates xmlns="http://schemas.microsoft.com/sharepoint/v3/contenttype/forms">
-  <Display>DocumentLibraryForm</Display>
-  <Edit>DocumentLibraryForm</Edit>
-  <New>DocumentLibraryForm</New>
-</FormTemplates>
-</file>
-
-<file path=customXml/item3.xml><?xml version="1.0" encoding="utf-8"?>
 <?mso-contentType ?>
 <rca:RCAuthoringProperties xmlns:rca="urn:sharePointPublishingRcaProperties">
   <rca:Converter rca:guid="6dfdc5b4-2a28-4a06-b0c6-ad3901e3a807">
@@ -13618,6 +13584,21 @@
     <rca:property rca:type="ConverterSpecificSettings"/>
   </rca:Converter>
 </rca:RCAuthoringProperties>
+</file>
+
+<file path=customXml/item2.xml><?xml version="1.0" encoding="utf-8"?>
+<?mso-contentType ?>
+<FormTemplates xmlns="http://schemas.microsoft.com/sharepoint/v3/contenttype/forms">
+  <Display>DocumentLibraryForm</Display>
+  <Edit>DocumentLibraryForm</Edit>
+  <New>DocumentLibraryForm</New>
+</FormTemplates>
+</file>
+
+<file path=customXml/item3.xml><?xml version="1.0" encoding="utf-8"?>
+<p:properties xmlns:p="http://schemas.microsoft.com/office/2006/metadata/properties" xmlns:xsi="http://www.w3.org/2001/XMLSchema-instance">
+  <documentManagement/>
+</p:properties>
 </file>
 
 <file path=customXml/item4.xml><?xml version="1.0" encoding="utf-8"?>
@@ -13670,15 +13651,9 @@
 </file>
 
 <file path=customXml/itemProps1.xml><?xml version="1.0" encoding="utf-8"?>
-<ds:datastoreItem xmlns:ds="http://schemas.openxmlformats.org/officeDocument/2006/customXml" ds:itemID="{BDEC00FF-5F1B-415D-9C89-173832172D95}">
+<ds:datastoreItem xmlns:ds="http://schemas.openxmlformats.org/officeDocument/2006/customXml" ds:itemID="{37DE6E84-255A-45E8-8353-BCD6A4998E02}">
   <ds:schemaRefs>
-    <ds:schemaRef ds:uri="http://schemas.microsoft.com/office/2006/metadata/properties"/>
-    <ds:schemaRef ds:uri="http://schemas.openxmlformats.org/package/2006/metadata/core-properties"/>
-    <ds:schemaRef ds:uri="http://schemas.microsoft.com/office/2006/documentManagement/types"/>
-    <ds:schemaRef ds:uri="http://purl.org/dc/elements/1.1/"/>
-    <ds:schemaRef ds:uri="http://purl.org/dc/dcmitype/"/>
-    <ds:schemaRef ds:uri="http://purl.org/dc/terms/"/>
-    <ds:schemaRef ds:uri="http://www.w3.org/XML/1998/namespace"/>
+    <ds:schemaRef ds:uri="urn:sharePointPublishingRcaProperties"/>
   </ds:schemaRefs>
 </ds:datastoreItem>
 </file>
@@ -13692,9 +13667,15 @@
 </file>
 
 <file path=customXml/itemProps3.xml><?xml version="1.0" encoding="utf-8"?>
-<ds:datastoreItem xmlns:ds="http://schemas.openxmlformats.org/officeDocument/2006/customXml" ds:itemID="{37DE6E84-255A-45E8-8353-BCD6A4998E02}">
+<ds:datastoreItem xmlns:ds="http://schemas.openxmlformats.org/officeDocument/2006/customXml" ds:itemID="{BDEC00FF-5F1B-415D-9C89-173832172D95}">
   <ds:schemaRefs>
-    <ds:schemaRef ds:uri="urn:sharePointPublishingRcaProperties"/>
+    <ds:schemaRef ds:uri="http://schemas.microsoft.com/office/2006/metadata/properties"/>
+    <ds:schemaRef ds:uri="http://schemas.openxmlformats.org/package/2006/metadata/core-properties"/>
+    <ds:schemaRef ds:uri="http://schemas.microsoft.com/office/2006/documentManagement/types"/>
+    <ds:schemaRef ds:uri="http://purl.org/dc/elements/1.1/"/>
+    <ds:schemaRef ds:uri="http://purl.org/dc/dcmitype/"/>
+    <ds:schemaRef ds:uri="http://purl.org/dc/terms/"/>
+    <ds:schemaRef ds:uri="http://www.w3.org/XML/1998/namespace"/>
   </ds:schemaRefs>
 </ds:datastoreItem>
 </file>

--- a/presentation/Building Node.js Applications on Windows Azure.pptx
+++ b/presentation/Building Node.js Applications on Windows Azure.pptx
@@ -7,32 +7,29 @@
     <p:sldMasterId id="2147483681" r:id="rId7"/>
   </p:sldMasterIdLst>
   <p:notesMasterIdLst>
-    <p:notesMasterId r:id="rId28"/>
+    <p:notesMasterId r:id="rId25"/>
   </p:notesMasterIdLst>
   <p:handoutMasterIdLst>
-    <p:handoutMasterId r:id="rId29"/>
+    <p:handoutMasterId r:id="rId26"/>
   </p:handoutMasterIdLst>
   <p:sldIdLst>
     <p:sldId id="256" r:id="rId8"/>
     <p:sldId id="257" r:id="rId9"/>
     <p:sldId id="258" r:id="rId10"/>
-    <p:sldId id="260" r:id="rId11"/>
-    <p:sldId id="261" r:id="rId12"/>
-    <p:sldId id="267" r:id="rId13"/>
-    <p:sldId id="262" r:id="rId14"/>
-    <p:sldId id="266" r:id="rId15"/>
-    <p:sldId id="265" r:id="rId16"/>
-    <p:sldId id="264" r:id="rId17"/>
-    <p:sldId id="263" r:id="rId18"/>
-    <p:sldId id="270" r:id="rId19"/>
-    <p:sldId id="271" r:id="rId20"/>
-    <p:sldId id="272" r:id="rId21"/>
-    <p:sldId id="273" r:id="rId22"/>
-    <p:sldId id="259" r:id="rId23"/>
-    <p:sldId id="276" r:id="rId24"/>
-    <p:sldId id="275" r:id="rId25"/>
-    <p:sldId id="274" r:id="rId26"/>
-    <p:sldId id="269" r:id="rId27"/>
+    <p:sldId id="280" r:id="rId11"/>
+    <p:sldId id="260" r:id="rId12"/>
+    <p:sldId id="279" r:id="rId13"/>
+    <p:sldId id="277" r:id="rId14"/>
+    <p:sldId id="278" r:id="rId15"/>
+    <p:sldId id="270" r:id="rId16"/>
+    <p:sldId id="271" r:id="rId17"/>
+    <p:sldId id="272" r:id="rId18"/>
+    <p:sldId id="273" r:id="rId19"/>
+    <p:sldId id="259" r:id="rId20"/>
+    <p:sldId id="276" r:id="rId21"/>
+    <p:sldId id="275" r:id="rId22"/>
+    <p:sldId id="274" r:id="rId23"/>
+    <p:sldId id="269" r:id="rId24"/>
   </p:sldIdLst>
   <p:sldSz cx="9144000" cy="6858000" type="screen4x3"/>
   <p:notesSz cx="7099300" cy="10234613"/>
@@ -140,6 +137,2636 @@
 </p:cmAuthorLst>
 </file>
 
+<file path=ppt/diagrams/colors1.xml><?xml version="1.0" encoding="utf-8"?>
+<dgm:colorsDef xmlns:dgm="http://schemas.openxmlformats.org/drawingml/2006/diagram" xmlns:a="http://schemas.openxmlformats.org/drawingml/2006/main" uniqueId="urn:microsoft.com/office/officeart/2005/8/colors/accent1_2">
+  <dgm:title val=""/>
+  <dgm:desc val=""/>
+  <dgm:catLst>
+    <dgm:cat type="accent1" pri="11200"/>
+  </dgm:catLst>
+  <dgm:styleLbl name="node0">
+    <dgm:fillClrLst meth="repeat">
+      <a:schemeClr val="accent1"/>
+    </dgm:fillClrLst>
+    <dgm:linClrLst meth="repeat">
+      <a:schemeClr val="lt1"/>
+    </dgm:linClrLst>
+    <dgm:effectClrLst/>
+    <dgm:txLinClrLst/>
+    <dgm:txFillClrLst/>
+    <dgm:txEffectClrLst/>
+  </dgm:styleLbl>
+  <dgm:styleLbl name="alignNode1">
+    <dgm:fillClrLst meth="repeat">
+      <a:schemeClr val="accent1"/>
+    </dgm:fillClrLst>
+    <dgm:linClrLst meth="repeat">
+      <a:schemeClr val="accent1"/>
+    </dgm:linClrLst>
+    <dgm:effectClrLst/>
+    <dgm:txLinClrLst/>
+    <dgm:txFillClrLst/>
+    <dgm:txEffectClrLst/>
+  </dgm:styleLbl>
+  <dgm:styleLbl name="node1">
+    <dgm:fillClrLst meth="repeat">
+      <a:schemeClr val="accent1"/>
+    </dgm:fillClrLst>
+    <dgm:linClrLst meth="repeat">
+      <a:schemeClr val="lt1"/>
+    </dgm:linClrLst>
+    <dgm:effectClrLst/>
+    <dgm:txLinClrLst/>
+    <dgm:txFillClrLst/>
+    <dgm:txEffectClrLst/>
+  </dgm:styleLbl>
+  <dgm:styleLbl name="lnNode1">
+    <dgm:fillClrLst meth="repeat">
+      <a:schemeClr val="accent1"/>
+    </dgm:fillClrLst>
+    <dgm:linClrLst meth="repeat">
+      <a:schemeClr val="lt1"/>
+    </dgm:linClrLst>
+    <dgm:effectClrLst/>
+    <dgm:txLinClrLst/>
+    <dgm:txFillClrLst/>
+    <dgm:txEffectClrLst/>
+  </dgm:styleLbl>
+  <dgm:styleLbl name="vennNode1">
+    <dgm:fillClrLst meth="repeat">
+      <a:schemeClr val="accent1">
+        <a:alpha val="50000"/>
+      </a:schemeClr>
+    </dgm:fillClrLst>
+    <dgm:linClrLst meth="repeat">
+      <a:schemeClr val="lt1"/>
+    </dgm:linClrLst>
+    <dgm:effectClrLst/>
+    <dgm:txLinClrLst/>
+    <dgm:txFillClrLst/>
+    <dgm:txEffectClrLst/>
+  </dgm:styleLbl>
+  <dgm:styleLbl name="node2">
+    <dgm:fillClrLst meth="repeat">
+      <a:schemeClr val="accent1"/>
+    </dgm:fillClrLst>
+    <dgm:linClrLst meth="repeat">
+      <a:schemeClr val="lt1"/>
+    </dgm:linClrLst>
+    <dgm:effectClrLst/>
+    <dgm:txLinClrLst/>
+    <dgm:txFillClrLst/>
+    <dgm:txEffectClrLst/>
+  </dgm:styleLbl>
+  <dgm:styleLbl name="node3">
+    <dgm:fillClrLst meth="repeat">
+      <a:schemeClr val="accent1"/>
+    </dgm:fillClrLst>
+    <dgm:linClrLst meth="repeat">
+      <a:schemeClr val="lt1"/>
+    </dgm:linClrLst>
+    <dgm:effectClrLst/>
+    <dgm:txLinClrLst/>
+    <dgm:txFillClrLst/>
+    <dgm:txEffectClrLst/>
+  </dgm:styleLbl>
+  <dgm:styleLbl name="node4">
+    <dgm:fillClrLst meth="repeat">
+      <a:schemeClr val="accent1"/>
+    </dgm:fillClrLst>
+    <dgm:linClrLst meth="repeat">
+      <a:schemeClr val="lt1"/>
+    </dgm:linClrLst>
+    <dgm:effectClrLst/>
+    <dgm:txLinClrLst/>
+    <dgm:txFillClrLst/>
+    <dgm:txEffectClrLst/>
+  </dgm:styleLbl>
+  <dgm:styleLbl name="fgImgPlace1">
+    <dgm:fillClrLst meth="repeat">
+      <a:schemeClr val="accent1">
+        <a:tint val="50000"/>
+      </a:schemeClr>
+    </dgm:fillClrLst>
+    <dgm:linClrLst meth="repeat">
+      <a:schemeClr val="lt1"/>
+    </dgm:linClrLst>
+    <dgm:effectClrLst/>
+    <dgm:txLinClrLst/>
+    <dgm:txFillClrLst meth="repeat">
+      <a:schemeClr val="lt1"/>
+    </dgm:txFillClrLst>
+    <dgm:txEffectClrLst/>
+  </dgm:styleLbl>
+  <dgm:styleLbl name="alignImgPlace1">
+    <dgm:fillClrLst meth="repeat">
+      <a:schemeClr val="accent1">
+        <a:tint val="50000"/>
+      </a:schemeClr>
+    </dgm:fillClrLst>
+    <dgm:linClrLst meth="repeat">
+      <a:schemeClr val="lt1"/>
+    </dgm:linClrLst>
+    <dgm:effectClrLst/>
+    <dgm:txLinClrLst/>
+    <dgm:txFillClrLst meth="repeat">
+      <a:schemeClr val="lt1"/>
+    </dgm:txFillClrLst>
+    <dgm:txEffectClrLst/>
+  </dgm:styleLbl>
+  <dgm:styleLbl name="bgImgPlace1">
+    <dgm:fillClrLst meth="repeat">
+      <a:schemeClr val="accent1">
+        <a:tint val="50000"/>
+      </a:schemeClr>
+    </dgm:fillClrLst>
+    <dgm:linClrLst meth="repeat">
+      <a:schemeClr val="lt1"/>
+    </dgm:linClrLst>
+    <dgm:effectClrLst/>
+    <dgm:txLinClrLst/>
+    <dgm:txFillClrLst meth="repeat">
+      <a:schemeClr val="lt1"/>
+    </dgm:txFillClrLst>
+    <dgm:txEffectClrLst/>
+  </dgm:styleLbl>
+  <dgm:styleLbl name="sibTrans2D1">
+    <dgm:fillClrLst meth="repeat">
+      <a:schemeClr val="accent1">
+        <a:tint val="60000"/>
+      </a:schemeClr>
+    </dgm:fillClrLst>
+    <dgm:linClrLst meth="repeat">
+      <a:schemeClr val="accent1">
+        <a:tint val="60000"/>
+      </a:schemeClr>
+    </dgm:linClrLst>
+    <dgm:effectClrLst/>
+    <dgm:txLinClrLst/>
+    <dgm:txFillClrLst/>
+    <dgm:txEffectClrLst/>
+  </dgm:styleLbl>
+  <dgm:styleLbl name="fgSibTrans2D1">
+    <dgm:fillClrLst meth="repeat">
+      <a:schemeClr val="accent1">
+        <a:tint val="60000"/>
+      </a:schemeClr>
+    </dgm:fillClrLst>
+    <dgm:linClrLst meth="repeat">
+      <a:schemeClr val="accent1">
+        <a:tint val="60000"/>
+      </a:schemeClr>
+    </dgm:linClrLst>
+    <dgm:effectClrLst/>
+    <dgm:txLinClrLst/>
+    <dgm:txFillClrLst/>
+    <dgm:txEffectClrLst/>
+  </dgm:styleLbl>
+  <dgm:styleLbl name="bgSibTrans2D1">
+    <dgm:fillClrLst meth="repeat">
+      <a:schemeClr val="accent1">
+        <a:tint val="60000"/>
+      </a:schemeClr>
+    </dgm:fillClrLst>
+    <dgm:linClrLst meth="repeat">
+      <a:schemeClr val="accent1">
+        <a:tint val="60000"/>
+      </a:schemeClr>
+    </dgm:linClrLst>
+    <dgm:effectClrLst/>
+    <dgm:txLinClrLst/>
+    <dgm:txFillClrLst/>
+    <dgm:txEffectClrLst/>
+  </dgm:styleLbl>
+  <dgm:styleLbl name="sibTrans1D1">
+    <dgm:fillClrLst meth="repeat">
+      <a:schemeClr val="accent1"/>
+    </dgm:fillClrLst>
+    <dgm:linClrLst meth="repeat">
+      <a:schemeClr val="accent1"/>
+    </dgm:linClrLst>
+    <dgm:effectClrLst/>
+    <dgm:txLinClrLst/>
+    <dgm:txFillClrLst meth="repeat">
+      <a:schemeClr val="tx1"/>
+    </dgm:txFillClrLst>
+    <dgm:txEffectClrLst/>
+  </dgm:styleLbl>
+  <dgm:styleLbl name="callout">
+    <dgm:fillClrLst meth="repeat">
+      <a:schemeClr val="accent1"/>
+    </dgm:fillClrLst>
+    <dgm:linClrLst meth="repeat">
+      <a:schemeClr val="accent1">
+        <a:tint val="50000"/>
+      </a:schemeClr>
+    </dgm:linClrLst>
+    <dgm:effectClrLst/>
+    <dgm:txLinClrLst/>
+    <dgm:txFillClrLst meth="repeat">
+      <a:schemeClr val="tx1"/>
+    </dgm:txFillClrLst>
+    <dgm:txEffectClrLst/>
+  </dgm:styleLbl>
+  <dgm:styleLbl name="asst0">
+    <dgm:fillClrLst meth="repeat">
+      <a:schemeClr val="accent1"/>
+    </dgm:fillClrLst>
+    <dgm:linClrLst meth="repeat">
+      <a:schemeClr val="lt1"/>
+    </dgm:linClrLst>
+    <dgm:effectClrLst/>
+    <dgm:txLinClrLst/>
+    <dgm:txFillClrLst/>
+    <dgm:txEffectClrLst/>
+  </dgm:styleLbl>
+  <dgm:styleLbl name="asst1">
+    <dgm:fillClrLst meth="repeat">
+      <a:schemeClr val="accent1"/>
+    </dgm:fillClrLst>
+    <dgm:linClrLst meth="repeat">
+      <a:schemeClr val="lt1"/>
+    </dgm:linClrLst>
+    <dgm:effectClrLst/>
+    <dgm:txLinClrLst/>
+    <dgm:txFillClrLst/>
+    <dgm:txEffectClrLst/>
+  </dgm:styleLbl>
+  <dgm:styleLbl name="asst2">
+    <dgm:fillClrLst meth="repeat">
+      <a:schemeClr val="accent1"/>
+    </dgm:fillClrLst>
+    <dgm:linClrLst meth="repeat">
+      <a:schemeClr val="lt1"/>
+    </dgm:linClrLst>
+    <dgm:effectClrLst/>
+    <dgm:txLinClrLst/>
+    <dgm:txFillClrLst/>
+    <dgm:txEffectClrLst/>
+  </dgm:styleLbl>
+  <dgm:styleLbl name="asst3">
+    <dgm:fillClrLst meth="repeat">
+      <a:schemeClr val="accent1"/>
+    </dgm:fillClrLst>
+    <dgm:linClrLst meth="repeat">
+      <a:schemeClr val="lt1"/>
+    </dgm:linClrLst>
+    <dgm:effectClrLst/>
+    <dgm:txLinClrLst/>
+    <dgm:txFillClrLst/>
+    <dgm:txEffectClrLst/>
+  </dgm:styleLbl>
+  <dgm:styleLbl name="asst4">
+    <dgm:fillClrLst meth="repeat">
+      <a:schemeClr val="accent1"/>
+    </dgm:fillClrLst>
+    <dgm:linClrLst meth="repeat">
+      <a:schemeClr val="lt1"/>
+    </dgm:linClrLst>
+    <dgm:effectClrLst/>
+    <dgm:txLinClrLst/>
+    <dgm:txFillClrLst/>
+    <dgm:txEffectClrLst/>
+  </dgm:styleLbl>
+  <dgm:styleLbl name="parChTrans2D1">
+    <dgm:fillClrLst meth="repeat">
+      <a:schemeClr val="accent1">
+        <a:tint val="60000"/>
+      </a:schemeClr>
+    </dgm:fillClrLst>
+    <dgm:linClrLst meth="repeat">
+      <a:schemeClr val="accent1">
+        <a:tint val="60000"/>
+      </a:schemeClr>
+    </dgm:linClrLst>
+    <dgm:effectClrLst/>
+    <dgm:txLinClrLst/>
+    <dgm:txFillClrLst meth="repeat">
+      <a:schemeClr val="lt1"/>
+    </dgm:txFillClrLst>
+    <dgm:txEffectClrLst/>
+  </dgm:styleLbl>
+  <dgm:styleLbl name="parChTrans2D2">
+    <dgm:fillClrLst meth="repeat">
+      <a:schemeClr val="accent1"/>
+    </dgm:fillClrLst>
+    <dgm:linClrLst meth="repeat">
+      <a:schemeClr val="accent1"/>
+    </dgm:linClrLst>
+    <dgm:effectClrLst/>
+    <dgm:txLinClrLst/>
+    <dgm:txFillClrLst meth="repeat">
+      <a:schemeClr val="lt1"/>
+    </dgm:txFillClrLst>
+    <dgm:txEffectClrLst/>
+  </dgm:styleLbl>
+  <dgm:styleLbl name="parChTrans2D3">
+    <dgm:fillClrLst meth="repeat">
+      <a:schemeClr val="accent1"/>
+    </dgm:fillClrLst>
+    <dgm:linClrLst meth="repeat">
+      <a:schemeClr val="accent1"/>
+    </dgm:linClrLst>
+    <dgm:effectClrLst/>
+    <dgm:txLinClrLst/>
+    <dgm:txFillClrLst meth="repeat">
+      <a:schemeClr val="lt1"/>
+    </dgm:txFillClrLst>
+    <dgm:txEffectClrLst/>
+  </dgm:styleLbl>
+  <dgm:styleLbl name="parChTrans2D4">
+    <dgm:fillClrLst meth="repeat">
+      <a:schemeClr val="accent1"/>
+    </dgm:fillClrLst>
+    <dgm:linClrLst meth="repeat">
+      <a:schemeClr val="accent1"/>
+    </dgm:linClrLst>
+    <dgm:effectClrLst/>
+    <dgm:txLinClrLst/>
+    <dgm:txFillClrLst meth="repeat">
+      <a:schemeClr val="lt1"/>
+    </dgm:txFillClrLst>
+    <dgm:txEffectClrLst/>
+  </dgm:styleLbl>
+  <dgm:styleLbl name="parChTrans1D1">
+    <dgm:fillClrLst meth="repeat">
+      <a:schemeClr val="accent1"/>
+    </dgm:fillClrLst>
+    <dgm:linClrLst meth="repeat">
+      <a:schemeClr val="accent1">
+        <a:shade val="60000"/>
+      </a:schemeClr>
+    </dgm:linClrLst>
+    <dgm:effectClrLst/>
+    <dgm:txLinClrLst/>
+    <dgm:txFillClrLst meth="repeat">
+      <a:schemeClr val="tx1"/>
+    </dgm:txFillClrLst>
+    <dgm:txEffectClrLst/>
+  </dgm:styleLbl>
+  <dgm:styleLbl name="parChTrans1D2">
+    <dgm:fillClrLst meth="repeat">
+      <a:schemeClr val="accent1"/>
+    </dgm:fillClrLst>
+    <dgm:linClrLst meth="repeat">
+      <a:schemeClr val="accent1">
+        <a:shade val="60000"/>
+      </a:schemeClr>
+    </dgm:linClrLst>
+    <dgm:effectClrLst/>
+    <dgm:txLinClrLst/>
+    <dgm:txFillClrLst meth="repeat">
+      <a:schemeClr val="tx1"/>
+    </dgm:txFillClrLst>
+    <dgm:txEffectClrLst/>
+  </dgm:styleLbl>
+  <dgm:styleLbl name="parChTrans1D3">
+    <dgm:fillClrLst meth="repeat">
+      <a:schemeClr val="accent1"/>
+    </dgm:fillClrLst>
+    <dgm:linClrLst meth="repeat">
+      <a:schemeClr val="accent1">
+        <a:shade val="80000"/>
+      </a:schemeClr>
+    </dgm:linClrLst>
+    <dgm:effectClrLst/>
+    <dgm:txLinClrLst/>
+    <dgm:txFillClrLst meth="repeat">
+      <a:schemeClr val="tx1"/>
+    </dgm:txFillClrLst>
+    <dgm:txEffectClrLst/>
+  </dgm:styleLbl>
+  <dgm:styleLbl name="parChTrans1D4">
+    <dgm:fillClrLst meth="repeat">
+      <a:schemeClr val="accent1"/>
+    </dgm:fillClrLst>
+    <dgm:linClrLst meth="repeat">
+      <a:schemeClr val="accent1">
+        <a:shade val="80000"/>
+      </a:schemeClr>
+    </dgm:linClrLst>
+    <dgm:effectClrLst/>
+    <dgm:txLinClrLst/>
+    <dgm:txFillClrLst meth="repeat">
+      <a:schemeClr val="tx1"/>
+    </dgm:txFillClrLst>
+    <dgm:txEffectClrLst/>
+  </dgm:styleLbl>
+  <dgm:styleLbl name="fgAcc1">
+    <dgm:fillClrLst meth="repeat">
+      <a:schemeClr val="lt1">
+        <a:alpha val="90000"/>
+      </a:schemeClr>
+    </dgm:fillClrLst>
+    <dgm:linClrLst meth="repeat">
+      <a:schemeClr val="accent1"/>
+    </dgm:linClrLst>
+    <dgm:effectClrLst/>
+    <dgm:txLinClrLst/>
+    <dgm:txFillClrLst meth="repeat">
+      <a:schemeClr val="dk1"/>
+    </dgm:txFillClrLst>
+    <dgm:txEffectClrLst/>
+  </dgm:styleLbl>
+  <dgm:styleLbl name="conFgAcc1">
+    <dgm:fillClrLst meth="repeat">
+      <a:schemeClr val="lt1">
+        <a:alpha val="90000"/>
+      </a:schemeClr>
+    </dgm:fillClrLst>
+    <dgm:linClrLst meth="repeat">
+      <a:schemeClr val="accent1"/>
+    </dgm:linClrLst>
+    <dgm:effectClrLst/>
+    <dgm:txLinClrLst/>
+    <dgm:txFillClrLst meth="repeat">
+      <a:schemeClr val="dk1"/>
+    </dgm:txFillClrLst>
+    <dgm:txEffectClrLst/>
+  </dgm:styleLbl>
+  <dgm:styleLbl name="alignAcc1">
+    <dgm:fillClrLst meth="repeat">
+      <a:schemeClr val="lt1">
+        <a:alpha val="90000"/>
+      </a:schemeClr>
+    </dgm:fillClrLst>
+    <dgm:linClrLst meth="repeat">
+      <a:schemeClr val="accent1"/>
+    </dgm:linClrLst>
+    <dgm:effectClrLst/>
+    <dgm:txLinClrLst/>
+    <dgm:txFillClrLst meth="repeat">
+      <a:schemeClr val="dk1"/>
+    </dgm:txFillClrLst>
+    <dgm:txEffectClrLst/>
+  </dgm:styleLbl>
+  <dgm:styleLbl name="trAlignAcc1">
+    <dgm:fillClrLst meth="repeat">
+      <a:schemeClr val="lt1">
+        <a:alpha val="40000"/>
+      </a:schemeClr>
+    </dgm:fillClrLst>
+    <dgm:linClrLst meth="repeat">
+      <a:schemeClr val="accent1"/>
+    </dgm:linClrLst>
+    <dgm:effectClrLst/>
+    <dgm:txLinClrLst/>
+    <dgm:txFillClrLst meth="repeat">
+      <a:schemeClr val="dk1"/>
+    </dgm:txFillClrLst>
+    <dgm:txEffectClrLst/>
+  </dgm:styleLbl>
+  <dgm:styleLbl name="bgAcc1">
+    <dgm:fillClrLst meth="repeat">
+      <a:schemeClr val="lt1">
+        <a:alpha val="90000"/>
+      </a:schemeClr>
+    </dgm:fillClrLst>
+    <dgm:linClrLst meth="repeat">
+      <a:schemeClr val="accent1"/>
+    </dgm:linClrLst>
+    <dgm:effectClrLst/>
+    <dgm:txLinClrLst/>
+    <dgm:txFillClrLst meth="repeat">
+      <a:schemeClr val="dk1"/>
+    </dgm:txFillClrLst>
+    <dgm:txEffectClrLst/>
+  </dgm:styleLbl>
+  <dgm:styleLbl name="solidFgAcc1">
+    <dgm:fillClrLst meth="repeat">
+      <a:schemeClr val="lt1"/>
+    </dgm:fillClrLst>
+    <dgm:linClrLst meth="repeat">
+      <a:schemeClr val="accent1"/>
+    </dgm:linClrLst>
+    <dgm:effectClrLst/>
+    <dgm:txLinClrLst/>
+    <dgm:txFillClrLst meth="repeat">
+      <a:schemeClr val="dk1"/>
+    </dgm:txFillClrLst>
+    <dgm:txEffectClrLst/>
+  </dgm:styleLbl>
+  <dgm:styleLbl name="solidAlignAcc1">
+    <dgm:fillClrLst meth="repeat">
+      <a:schemeClr val="lt1"/>
+    </dgm:fillClrLst>
+    <dgm:linClrLst meth="repeat">
+      <a:schemeClr val="accent1"/>
+    </dgm:linClrLst>
+    <dgm:effectClrLst/>
+    <dgm:txLinClrLst/>
+    <dgm:txFillClrLst meth="repeat">
+      <a:schemeClr val="dk1"/>
+    </dgm:txFillClrLst>
+    <dgm:txEffectClrLst/>
+  </dgm:styleLbl>
+  <dgm:styleLbl name="solidBgAcc1">
+    <dgm:fillClrLst meth="repeat">
+      <a:schemeClr val="lt1"/>
+    </dgm:fillClrLst>
+    <dgm:linClrLst meth="repeat">
+      <a:schemeClr val="accent1"/>
+    </dgm:linClrLst>
+    <dgm:effectClrLst/>
+    <dgm:txLinClrLst/>
+    <dgm:txFillClrLst meth="repeat">
+      <a:schemeClr val="dk1"/>
+    </dgm:txFillClrLst>
+    <dgm:txEffectClrLst/>
+  </dgm:styleLbl>
+  <dgm:styleLbl name="fgAccFollowNode1">
+    <dgm:fillClrLst meth="repeat">
+      <a:schemeClr val="accent1">
+        <a:alpha val="90000"/>
+        <a:tint val="40000"/>
+      </a:schemeClr>
+    </dgm:fillClrLst>
+    <dgm:linClrLst meth="repeat">
+      <a:schemeClr val="accent1">
+        <a:alpha val="90000"/>
+        <a:tint val="40000"/>
+      </a:schemeClr>
+    </dgm:linClrLst>
+    <dgm:effectClrLst/>
+    <dgm:txLinClrLst/>
+    <dgm:txFillClrLst meth="repeat">
+      <a:schemeClr val="dk1"/>
+    </dgm:txFillClrLst>
+    <dgm:txEffectClrLst/>
+  </dgm:styleLbl>
+  <dgm:styleLbl name="alignAccFollowNode1">
+    <dgm:fillClrLst meth="repeat">
+      <a:schemeClr val="accent1">
+        <a:alpha val="90000"/>
+        <a:tint val="40000"/>
+      </a:schemeClr>
+    </dgm:fillClrLst>
+    <dgm:linClrLst meth="repeat">
+      <a:schemeClr val="accent1">
+        <a:alpha val="90000"/>
+        <a:tint val="40000"/>
+      </a:schemeClr>
+    </dgm:linClrLst>
+    <dgm:effectClrLst/>
+    <dgm:txLinClrLst/>
+    <dgm:txFillClrLst meth="repeat">
+      <a:schemeClr val="dk1"/>
+    </dgm:txFillClrLst>
+    <dgm:txEffectClrLst/>
+  </dgm:styleLbl>
+  <dgm:styleLbl name="bgAccFollowNode1">
+    <dgm:fillClrLst meth="repeat">
+      <a:schemeClr val="accent1">
+        <a:alpha val="90000"/>
+        <a:tint val="40000"/>
+      </a:schemeClr>
+    </dgm:fillClrLst>
+    <dgm:linClrLst meth="repeat">
+      <a:schemeClr val="accent1">
+        <a:alpha val="90000"/>
+        <a:tint val="40000"/>
+      </a:schemeClr>
+    </dgm:linClrLst>
+    <dgm:effectClrLst/>
+    <dgm:txLinClrLst/>
+    <dgm:txFillClrLst meth="repeat">
+      <a:schemeClr val="dk1"/>
+    </dgm:txFillClrLst>
+    <dgm:txEffectClrLst/>
+  </dgm:styleLbl>
+  <dgm:styleLbl name="fgAcc0">
+    <dgm:fillClrLst meth="repeat">
+      <a:schemeClr val="lt1">
+        <a:alpha val="90000"/>
+      </a:schemeClr>
+    </dgm:fillClrLst>
+    <dgm:linClrLst meth="repeat">
+      <a:schemeClr val="accent1"/>
+    </dgm:linClrLst>
+    <dgm:effectClrLst/>
+    <dgm:txLinClrLst/>
+    <dgm:txFillClrLst meth="repeat">
+      <a:schemeClr val="dk1"/>
+    </dgm:txFillClrLst>
+    <dgm:txEffectClrLst/>
+  </dgm:styleLbl>
+  <dgm:styleLbl name="fgAcc2">
+    <dgm:fillClrLst meth="repeat">
+      <a:schemeClr val="lt1">
+        <a:alpha val="90000"/>
+      </a:schemeClr>
+    </dgm:fillClrLst>
+    <dgm:linClrLst meth="repeat">
+      <a:schemeClr val="accent1"/>
+    </dgm:linClrLst>
+    <dgm:effectClrLst/>
+    <dgm:txLinClrLst/>
+    <dgm:txFillClrLst meth="repeat">
+      <a:schemeClr val="dk1"/>
+    </dgm:txFillClrLst>
+    <dgm:txEffectClrLst/>
+  </dgm:styleLbl>
+  <dgm:styleLbl name="fgAcc3">
+    <dgm:fillClrLst meth="repeat">
+      <a:schemeClr val="lt1">
+        <a:alpha val="90000"/>
+      </a:schemeClr>
+    </dgm:fillClrLst>
+    <dgm:linClrLst meth="repeat">
+      <a:schemeClr val="accent1"/>
+    </dgm:linClrLst>
+    <dgm:effectClrLst/>
+    <dgm:txLinClrLst/>
+    <dgm:txFillClrLst meth="repeat">
+      <a:schemeClr val="dk1"/>
+    </dgm:txFillClrLst>
+    <dgm:txEffectClrLst/>
+  </dgm:styleLbl>
+  <dgm:styleLbl name="fgAcc4">
+    <dgm:fillClrLst meth="repeat">
+      <a:schemeClr val="lt1">
+        <a:alpha val="90000"/>
+      </a:schemeClr>
+    </dgm:fillClrLst>
+    <dgm:linClrLst meth="repeat">
+      <a:schemeClr val="accent1"/>
+    </dgm:linClrLst>
+    <dgm:effectClrLst/>
+    <dgm:txLinClrLst/>
+    <dgm:txFillClrLst meth="repeat">
+      <a:schemeClr val="dk1"/>
+    </dgm:txFillClrLst>
+    <dgm:txEffectClrLst/>
+  </dgm:styleLbl>
+  <dgm:styleLbl name="bgShp">
+    <dgm:fillClrLst meth="repeat">
+      <a:schemeClr val="accent1">
+        <a:tint val="40000"/>
+      </a:schemeClr>
+    </dgm:fillClrLst>
+    <dgm:linClrLst meth="repeat">
+      <a:schemeClr val="accent1"/>
+    </dgm:linClrLst>
+    <dgm:effectClrLst/>
+    <dgm:txLinClrLst/>
+    <dgm:txFillClrLst meth="repeat">
+      <a:schemeClr val="dk1"/>
+    </dgm:txFillClrLst>
+    <dgm:txEffectClrLst/>
+  </dgm:styleLbl>
+  <dgm:styleLbl name="dkBgShp">
+    <dgm:fillClrLst meth="repeat">
+      <a:schemeClr val="accent1">
+        <a:shade val="80000"/>
+      </a:schemeClr>
+    </dgm:fillClrLst>
+    <dgm:linClrLst meth="repeat">
+      <a:schemeClr val="accent1"/>
+    </dgm:linClrLst>
+    <dgm:effectClrLst/>
+    <dgm:txLinClrLst/>
+    <dgm:txFillClrLst meth="repeat">
+      <a:schemeClr val="lt1"/>
+    </dgm:txFillClrLst>
+    <dgm:txEffectClrLst/>
+  </dgm:styleLbl>
+  <dgm:styleLbl name="trBgShp">
+    <dgm:fillClrLst meth="repeat">
+      <a:schemeClr val="accent1">
+        <a:tint val="50000"/>
+        <a:alpha val="40000"/>
+      </a:schemeClr>
+    </dgm:fillClrLst>
+    <dgm:linClrLst meth="repeat">
+      <a:schemeClr val="accent1"/>
+    </dgm:linClrLst>
+    <dgm:effectClrLst/>
+    <dgm:txLinClrLst/>
+    <dgm:txFillClrLst meth="repeat">
+      <a:schemeClr val="lt1"/>
+    </dgm:txFillClrLst>
+    <dgm:txEffectClrLst/>
+  </dgm:styleLbl>
+  <dgm:styleLbl name="fgShp">
+    <dgm:fillClrLst meth="repeat">
+      <a:schemeClr val="accent1">
+        <a:tint val="60000"/>
+      </a:schemeClr>
+    </dgm:fillClrLst>
+    <dgm:linClrLst meth="repeat">
+      <a:schemeClr val="lt1"/>
+    </dgm:linClrLst>
+    <dgm:effectClrLst/>
+    <dgm:txLinClrLst/>
+    <dgm:txFillClrLst meth="repeat">
+      <a:schemeClr val="dk1"/>
+    </dgm:txFillClrLst>
+    <dgm:txEffectClrLst/>
+  </dgm:styleLbl>
+  <dgm:styleLbl name="revTx">
+    <dgm:fillClrLst meth="repeat">
+      <a:schemeClr val="lt1">
+        <a:alpha val="0"/>
+      </a:schemeClr>
+    </dgm:fillClrLst>
+    <dgm:linClrLst meth="repeat">
+      <a:schemeClr val="dk1">
+        <a:alpha val="0"/>
+      </a:schemeClr>
+    </dgm:linClrLst>
+    <dgm:effectClrLst/>
+    <dgm:txLinClrLst/>
+    <dgm:txFillClrLst meth="repeat">
+      <a:schemeClr val="tx1"/>
+    </dgm:txFillClrLst>
+    <dgm:txEffectClrLst/>
+  </dgm:styleLbl>
+</dgm:colorsDef>
+</file>
+
+<file path=ppt/diagrams/data1.xml><?xml version="1.0" encoding="utf-8"?>
+<dgm:dataModel xmlns:dgm="http://schemas.openxmlformats.org/drawingml/2006/diagram" xmlns:a="http://schemas.openxmlformats.org/drawingml/2006/main">
+  <dgm:ptLst>
+    <dgm:pt modelId="{764F8FAE-CC00-4942-B53A-AA70EF46AC5A}" type="doc">
+      <dgm:prSet loTypeId="urn:microsoft.com/office/officeart/2005/8/layout/chevron1" loCatId="process" qsTypeId="urn:microsoft.com/office/officeart/2005/8/quickstyle/simple1" qsCatId="simple" csTypeId="urn:microsoft.com/office/officeart/2005/8/colors/accent1_2" csCatId="accent1" phldr="1"/>
+      <dgm:spPr/>
+    </dgm:pt>
+    <dgm:pt modelId="{0ED74664-8DAE-4245-9AE9-8355FA29E067}">
+      <dgm:prSet phldrT="[Text]"/>
+      <dgm:spPr/>
+      <dgm:t>
+        <a:bodyPr/>
+        <a:lstStyle/>
+        <a:p>
+          <a:r>
+            <a:rPr lang="en-AU" dirty="0" smtClean="0"/>
+            <a:t>2009</a:t>
+          </a:r>
+          <a:endParaRPr lang="en-AU" dirty="0"/>
+        </a:p>
+      </dgm:t>
+    </dgm:pt>
+    <dgm:pt modelId="{D3B9861D-8967-4E86-8385-9A0491D262AB}" type="parTrans" cxnId="{A6BD3BA5-1E97-4037-A4A9-243AE5ABDC03}">
+      <dgm:prSet/>
+      <dgm:spPr/>
+      <dgm:t>
+        <a:bodyPr/>
+        <a:lstStyle/>
+        <a:p>
+          <a:endParaRPr lang="en-AU"/>
+        </a:p>
+      </dgm:t>
+    </dgm:pt>
+    <dgm:pt modelId="{8E5BA653-03E0-474A-A087-E2959794F608}" type="sibTrans" cxnId="{A6BD3BA5-1E97-4037-A4A9-243AE5ABDC03}">
+      <dgm:prSet/>
+      <dgm:spPr/>
+      <dgm:t>
+        <a:bodyPr/>
+        <a:lstStyle/>
+        <a:p>
+          <a:endParaRPr lang="en-AU"/>
+        </a:p>
+      </dgm:t>
+    </dgm:pt>
+    <dgm:pt modelId="{901742A5-03E5-4CF1-BA60-07F2F0974059}">
+      <dgm:prSet phldrT="[Text]"/>
+      <dgm:spPr/>
+      <dgm:t>
+        <a:bodyPr/>
+        <a:lstStyle/>
+        <a:p>
+          <a:r>
+            <a:rPr lang="en-AU" dirty="0" smtClean="0"/>
+            <a:t>2010</a:t>
+          </a:r>
+          <a:endParaRPr lang="en-AU" dirty="0"/>
+        </a:p>
+      </dgm:t>
+    </dgm:pt>
+    <dgm:pt modelId="{A358C4E3-5168-44AB-940A-CD199675B823}" type="parTrans" cxnId="{83F05025-AE12-4536-83B4-1B2D6014C84A}">
+      <dgm:prSet/>
+      <dgm:spPr/>
+      <dgm:t>
+        <a:bodyPr/>
+        <a:lstStyle/>
+        <a:p>
+          <a:endParaRPr lang="en-AU"/>
+        </a:p>
+      </dgm:t>
+    </dgm:pt>
+    <dgm:pt modelId="{78556EE3-83B4-4B4D-99AE-DA06506B6759}" type="sibTrans" cxnId="{83F05025-AE12-4536-83B4-1B2D6014C84A}">
+      <dgm:prSet/>
+      <dgm:spPr/>
+      <dgm:t>
+        <a:bodyPr/>
+        <a:lstStyle/>
+        <a:p>
+          <a:endParaRPr lang="en-AU"/>
+        </a:p>
+      </dgm:t>
+    </dgm:pt>
+    <dgm:pt modelId="{62BECE46-B620-436E-AD09-627D52C5D830}">
+      <dgm:prSet phldrT="[Text]"/>
+      <dgm:spPr/>
+      <dgm:t>
+        <a:bodyPr/>
+        <a:lstStyle/>
+        <a:p>
+          <a:r>
+            <a:rPr lang="en-AU" dirty="0" smtClean="0"/>
+            <a:t>2011</a:t>
+          </a:r>
+          <a:endParaRPr lang="en-AU" dirty="0"/>
+        </a:p>
+      </dgm:t>
+    </dgm:pt>
+    <dgm:pt modelId="{E6314A4E-54E6-4948-BA8B-2B5A9C9E1B0E}" type="parTrans" cxnId="{4BD39314-D505-40A8-8E72-0060F8A43E3F}">
+      <dgm:prSet/>
+      <dgm:spPr/>
+      <dgm:t>
+        <a:bodyPr/>
+        <a:lstStyle/>
+        <a:p>
+          <a:endParaRPr lang="en-AU"/>
+        </a:p>
+      </dgm:t>
+    </dgm:pt>
+    <dgm:pt modelId="{8EB6D816-027F-4E9D-B0E3-62BE52DD870F}" type="sibTrans" cxnId="{4BD39314-D505-40A8-8E72-0060F8A43E3F}">
+      <dgm:prSet/>
+      <dgm:spPr/>
+      <dgm:t>
+        <a:bodyPr/>
+        <a:lstStyle/>
+        <a:p>
+          <a:endParaRPr lang="en-AU"/>
+        </a:p>
+      </dgm:t>
+    </dgm:pt>
+    <dgm:pt modelId="{5358D70C-B95B-4E8B-AC6C-A448DDD0F73A}">
+      <dgm:prSet phldrT="[Text]"/>
+      <dgm:spPr/>
+      <dgm:t>
+        <a:bodyPr/>
+        <a:lstStyle/>
+        <a:p>
+          <a:r>
+            <a:rPr lang="en-AU" dirty="0" smtClean="0"/>
+            <a:t>2012</a:t>
+          </a:r>
+          <a:endParaRPr lang="en-AU" dirty="0"/>
+        </a:p>
+      </dgm:t>
+    </dgm:pt>
+    <dgm:pt modelId="{4ADB51D2-8CF1-4367-ADAF-66A29FCA6FC2}" type="parTrans" cxnId="{83B38D8D-C830-4CF8-B499-7E2397FE8551}">
+      <dgm:prSet/>
+      <dgm:spPr/>
+      <dgm:t>
+        <a:bodyPr/>
+        <a:lstStyle/>
+        <a:p>
+          <a:endParaRPr lang="en-AU"/>
+        </a:p>
+      </dgm:t>
+    </dgm:pt>
+    <dgm:pt modelId="{0BD84F99-DDE1-43BE-AEA4-E74338D58ED8}" type="sibTrans" cxnId="{83B38D8D-C830-4CF8-B499-7E2397FE8551}">
+      <dgm:prSet/>
+      <dgm:spPr/>
+      <dgm:t>
+        <a:bodyPr/>
+        <a:lstStyle/>
+        <a:p>
+          <a:endParaRPr lang="en-AU"/>
+        </a:p>
+      </dgm:t>
+    </dgm:pt>
+    <dgm:pt modelId="{200D737A-227D-4A71-AACF-243E954E2171}" type="pres">
+      <dgm:prSet presAssocID="{764F8FAE-CC00-4942-B53A-AA70EF46AC5A}" presName="Name0" presStyleCnt="0">
+        <dgm:presLayoutVars>
+          <dgm:dir/>
+          <dgm:animLvl val="lvl"/>
+          <dgm:resizeHandles val="exact"/>
+        </dgm:presLayoutVars>
+      </dgm:prSet>
+      <dgm:spPr/>
+    </dgm:pt>
+    <dgm:pt modelId="{C11A80C6-E77A-4B39-A058-D49B3905BAC9}" type="pres">
+      <dgm:prSet presAssocID="{0ED74664-8DAE-4245-9AE9-8355FA29E067}" presName="parTxOnly" presStyleLbl="node1" presStyleIdx="0" presStyleCnt="4">
+        <dgm:presLayoutVars>
+          <dgm:chMax val="0"/>
+          <dgm:chPref val="0"/>
+          <dgm:bulletEnabled val="1"/>
+        </dgm:presLayoutVars>
+      </dgm:prSet>
+      <dgm:spPr/>
+    </dgm:pt>
+    <dgm:pt modelId="{17D4AE39-5638-44B8-831A-189B208E1464}" type="pres">
+      <dgm:prSet presAssocID="{8E5BA653-03E0-474A-A087-E2959794F608}" presName="parTxOnlySpace" presStyleCnt="0"/>
+      <dgm:spPr/>
+    </dgm:pt>
+    <dgm:pt modelId="{EA03D565-A112-4E2B-B850-A29E36FE76F0}" type="pres">
+      <dgm:prSet presAssocID="{901742A5-03E5-4CF1-BA60-07F2F0974059}" presName="parTxOnly" presStyleLbl="node1" presStyleIdx="1" presStyleCnt="4" custLinFactNeighborX="-12193">
+        <dgm:presLayoutVars>
+          <dgm:chMax val="0"/>
+          <dgm:chPref val="0"/>
+          <dgm:bulletEnabled val="1"/>
+        </dgm:presLayoutVars>
+      </dgm:prSet>
+      <dgm:spPr/>
+    </dgm:pt>
+    <dgm:pt modelId="{997A58B8-DD3E-4F36-820A-6E234AD9CCD0}" type="pres">
+      <dgm:prSet presAssocID="{78556EE3-83B4-4B4D-99AE-DA06506B6759}" presName="parTxOnlySpace" presStyleCnt="0"/>
+      <dgm:spPr/>
+    </dgm:pt>
+    <dgm:pt modelId="{E36A0135-6BBD-41A3-B936-63669A4F89FC}" type="pres">
+      <dgm:prSet presAssocID="{62BECE46-B620-436E-AD09-627D52C5D830}" presName="parTxOnly" presStyleLbl="node1" presStyleIdx="2" presStyleCnt="4">
+        <dgm:presLayoutVars>
+          <dgm:chMax val="0"/>
+          <dgm:chPref val="0"/>
+          <dgm:bulletEnabled val="1"/>
+        </dgm:presLayoutVars>
+      </dgm:prSet>
+      <dgm:spPr/>
+    </dgm:pt>
+    <dgm:pt modelId="{F4134CE9-D160-4F17-9DCC-09F4B36D48AF}" type="pres">
+      <dgm:prSet presAssocID="{8EB6D816-027F-4E9D-B0E3-62BE52DD870F}" presName="parTxOnlySpace" presStyleCnt="0"/>
+      <dgm:spPr/>
+    </dgm:pt>
+    <dgm:pt modelId="{EDE5C4B0-015E-49BE-8648-BEB1AB22E31D}" type="pres">
+      <dgm:prSet presAssocID="{5358D70C-B95B-4E8B-AC6C-A448DDD0F73A}" presName="parTxOnly" presStyleLbl="node1" presStyleIdx="3" presStyleCnt="4">
+        <dgm:presLayoutVars>
+          <dgm:chMax val="0"/>
+          <dgm:chPref val="0"/>
+          <dgm:bulletEnabled val="1"/>
+        </dgm:presLayoutVars>
+      </dgm:prSet>
+      <dgm:spPr/>
+    </dgm:pt>
+  </dgm:ptLst>
+  <dgm:cxnLst>
+    <dgm:cxn modelId="{F57F4E3C-22ED-4A7F-9D54-89902EC48B23}" type="presOf" srcId="{0ED74664-8DAE-4245-9AE9-8355FA29E067}" destId="{C11A80C6-E77A-4B39-A058-D49B3905BAC9}" srcOrd="0" destOrd="0" presId="urn:microsoft.com/office/officeart/2005/8/layout/chevron1"/>
+    <dgm:cxn modelId="{78B097F9-6FED-44B1-A0B5-B103510E5F8F}" type="presOf" srcId="{62BECE46-B620-436E-AD09-627D52C5D830}" destId="{E36A0135-6BBD-41A3-B936-63669A4F89FC}" srcOrd="0" destOrd="0" presId="urn:microsoft.com/office/officeart/2005/8/layout/chevron1"/>
+    <dgm:cxn modelId="{83B38D8D-C830-4CF8-B499-7E2397FE8551}" srcId="{764F8FAE-CC00-4942-B53A-AA70EF46AC5A}" destId="{5358D70C-B95B-4E8B-AC6C-A448DDD0F73A}" srcOrd="3" destOrd="0" parTransId="{4ADB51D2-8CF1-4367-ADAF-66A29FCA6FC2}" sibTransId="{0BD84F99-DDE1-43BE-AEA4-E74338D58ED8}"/>
+    <dgm:cxn modelId="{29C4B8DB-CD92-4107-A24E-7F7F5D977CD2}" type="presOf" srcId="{901742A5-03E5-4CF1-BA60-07F2F0974059}" destId="{EA03D565-A112-4E2B-B850-A29E36FE76F0}" srcOrd="0" destOrd="0" presId="urn:microsoft.com/office/officeart/2005/8/layout/chevron1"/>
+    <dgm:cxn modelId="{4BD39314-D505-40A8-8E72-0060F8A43E3F}" srcId="{764F8FAE-CC00-4942-B53A-AA70EF46AC5A}" destId="{62BECE46-B620-436E-AD09-627D52C5D830}" srcOrd="2" destOrd="0" parTransId="{E6314A4E-54E6-4948-BA8B-2B5A9C9E1B0E}" sibTransId="{8EB6D816-027F-4E9D-B0E3-62BE52DD870F}"/>
+    <dgm:cxn modelId="{97365224-948E-49B3-9432-5E73B2462751}" type="presOf" srcId="{5358D70C-B95B-4E8B-AC6C-A448DDD0F73A}" destId="{EDE5C4B0-015E-49BE-8648-BEB1AB22E31D}" srcOrd="0" destOrd="0" presId="urn:microsoft.com/office/officeart/2005/8/layout/chevron1"/>
+    <dgm:cxn modelId="{A6BD3BA5-1E97-4037-A4A9-243AE5ABDC03}" srcId="{764F8FAE-CC00-4942-B53A-AA70EF46AC5A}" destId="{0ED74664-8DAE-4245-9AE9-8355FA29E067}" srcOrd="0" destOrd="0" parTransId="{D3B9861D-8967-4E86-8385-9A0491D262AB}" sibTransId="{8E5BA653-03E0-474A-A087-E2959794F608}"/>
+    <dgm:cxn modelId="{83F05025-AE12-4536-83B4-1B2D6014C84A}" srcId="{764F8FAE-CC00-4942-B53A-AA70EF46AC5A}" destId="{901742A5-03E5-4CF1-BA60-07F2F0974059}" srcOrd="1" destOrd="0" parTransId="{A358C4E3-5168-44AB-940A-CD199675B823}" sibTransId="{78556EE3-83B4-4B4D-99AE-DA06506B6759}"/>
+    <dgm:cxn modelId="{37E450AF-6BF5-4CA0-A2EC-ACD827FC24A1}" type="presOf" srcId="{764F8FAE-CC00-4942-B53A-AA70EF46AC5A}" destId="{200D737A-227D-4A71-AACF-243E954E2171}" srcOrd="0" destOrd="0" presId="urn:microsoft.com/office/officeart/2005/8/layout/chevron1"/>
+    <dgm:cxn modelId="{82436DA7-D269-47A4-96BB-53BDD62C011B}" type="presParOf" srcId="{200D737A-227D-4A71-AACF-243E954E2171}" destId="{C11A80C6-E77A-4B39-A058-D49B3905BAC9}" srcOrd="0" destOrd="0" presId="urn:microsoft.com/office/officeart/2005/8/layout/chevron1"/>
+    <dgm:cxn modelId="{87DA264B-EBD2-4020-AF4C-B354ED24BAE2}" type="presParOf" srcId="{200D737A-227D-4A71-AACF-243E954E2171}" destId="{17D4AE39-5638-44B8-831A-189B208E1464}" srcOrd="1" destOrd="0" presId="urn:microsoft.com/office/officeart/2005/8/layout/chevron1"/>
+    <dgm:cxn modelId="{B917CEEC-2DB4-4FA8-8673-AEF97EF293A4}" type="presParOf" srcId="{200D737A-227D-4A71-AACF-243E954E2171}" destId="{EA03D565-A112-4E2B-B850-A29E36FE76F0}" srcOrd="2" destOrd="0" presId="urn:microsoft.com/office/officeart/2005/8/layout/chevron1"/>
+    <dgm:cxn modelId="{ED8A7884-C7ED-4378-AEBE-BD8EF268E42E}" type="presParOf" srcId="{200D737A-227D-4A71-AACF-243E954E2171}" destId="{997A58B8-DD3E-4F36-820A-6E234AD9CCD0}" srcOrd="3" destOrd="0" presId="urn:microsoft.com/office/officeart/2005/8/layout/chevron1"/>
+    <dgm:cxn modelId="{4B706008-8D80-433B-A855-CDA934F32349}" type="presParOf" srcId="{200D737A-227D-4A71-AACF-243E954E2171}" destId="{E36A0135-6BBD-41A3-B936-63669A4F89FC}" srcOrd="4" destOrd="0" presId="urn:microsoft.com/office/officeart/2005/8/layout/chevron1"/>
+    <dgm:cxn modelId="{2E408BB7-C73A-432D-8F4D-CEBF52C20D49}" type="presParOf" srcId="{200D737A-227D-4A71-AACF-243E954E2171}" destId="{F4134CE9-D160-4F17-9DCC-09F4B36D48AF}" srcOrd="5" destOrd="0" presId="urn:microsoft.com/office/officeart/2005/8/layout/chevron1"/>
+    <dgm:cxn modelId="{ADF44C69-4637-4DFA-8B86-2094858748D3}" type="presParOf" srcId="{200D737A-227D-4A71-AACF-243E954E2171}" destId="{EDE5C4B0-015E-49BE-8648-BEB1AB22E31D}" srcOrd="6" destOrd="0" presId="urn:microsoft.com/office/officeart/2005/8/layout/chevron1"/>
+  </dgm:cxnLst>
+  <dgm:bg/>
+  <dgm:whole/>
+  <dgm:extLst>
+    <a:ext uri="http://schemas.microsoft.com/office/drawing/2008/diagram">
+      <dsp:dataModelExt xmlns:dsp="http://schemas.microsoft.com/office/drawing/2008/diagram" relId="rId6" minVer="http://schemas.openxmlformats.org/drawingml/2006/diagram"/>
+    </a:ext>
+  </dgm:extLst>
+</dgm:dataModel>
+</file>
+
+<file path=ppt/diagrams/drawing1.xml><?xml version="1.0" encoding="utf-8"?>
+<dsp:drawing xmlns:dgm="http://schemas.openxmlformats.org/drawingml/2006/diagram" xmlns:dsp="http://schemas.microsoft.com/office/drawing/2008/diagram" xmlns:a="http://schemas.openxmlformats.org/drawingml/2006/main">
+  <dsp:spTree>
+    <dsp:nvGrpSpPr>
+      <dsp:cNvPr id="0" name=""/>
+      <dsp:cNvGrpSpPr/>
+    </dsp:nvGrpSpPr>
+    <dsp:grpSpPr/>
+    <dsp:sp modelId="{C11A80C6-E77A-4B39-A058-D49B3905BAC9}">
+      <dsp:nvSpPr>
+        <dsp:cNvPr id="0" name=""/>
+        <dsp:cNvSpPr/>
+      </dsp:nvSpPr>
+      <dsp:spPr>
+        <a:xfrm>
+          <a:off x="4041" y="0"/>
+          <a:ext cx="2352671" cy="360040"/>
+        </a:xfrm>
+        <a:prstGeom prst="chevron">
+          <a:avLst/>
+        </a:prstGeom>
+        <a:solidFill>
+          <a:schemeClr val="accent1">
+            <a:hueOff val="0"/>
+            <a:satOff val="0"/>
+            <a:lumOff val="0"/>
+            <a:alphaOff val="0"/>
+          </a:schemeClr>
+        </a:solidFill>
+        <a:ln w="25400" cap="flat" cmpd="sng" algn="ctr">
+          <a:solidFill>
+            <a:schemeClr val="lt1">
+              <a:hueOff val="0"/>
+              <a:satOff val="0"/>
+              <a:lumOff val="0"/>
+              <a:alphaOff val="0"/>
+            </a:schemeClr>
+          </a:solidFill>
+          <a:prstDash val="solid"/>
+        </a:ln>
+        <a:effectLst/>
+      </dsp:spPr>
+      <dsp:style>
+        <a:lnRef idx="2">
+          <a:scrgbClr r="0" g="0" b="0"/>
+        </a:lnRef>
+        <a:fillRef idx="1">
+          <a:scrgbClr r="0" g="0" b="0"/>
+        </a:fillRef>
+        <a:effectRef idx="0">
+          <a:scrgbClr r="0" g="0" b="0"/>
+        </a:effectRef>
+        <a:fontRef idx="minor">
+          <a:schemeClr val="lt1"/>
+        </a:fontRef>
+      </dsp:style>
+      <dsp:txBody>
+        <a:bodyPr spcFirstLastPara="0" vert="horz" wrap="square" lIns="84011" tIns="28004" rIns="28004" bIns="28004" numCol="1" spcCol="1270" anchor="ctr" anchorCtr="0">
+          <a:noAutofit/>
+        </a:bodyPr>
+        <a:lstStyle/>
+        <a:p>
+          <a:pPr lvl="0" algn="ctr" defTabSz="933450">
+            <a:lnSpc>
+              <a:spcPct val="90000"/>
+            </a:lnSpc>
+            <a:spcBef>
+              <a:spcPct val="0"/>
+            </a:spcBef>
+            <a:spcAft>
+              <a:spcPct val="35000"/>
+            </a:spcAft>
+          </a:pPr>
+          <a:r>
+            <a:rPr lang="en-AU" sz="2100" kern="1200" dirty="0" smtClean="0"/>
+            <a:t>2009</a:t>
+          </a:r>
+          <a:endParaRPr lang="en-AU" sz="2100" kern="1200" dirty="0"/>
+        </a:p>
+      </dsp:txBody>
+      <dsp:txXfrm>
+        <a:off x="184061" y="0"/>
+        <a:ext cx="1992631" cy="360040"/>
+      </dsp:txXfrm>
+    </dsp:sp>
+    <dsp:sp modelId="{EA03D565-A112-4E2B-B850-A29E36FE76F0}">
+      <dsp:nvSpPr>
+        <dsp:cNvPr id="0" name=""/>
+        <dsp:cNvSpPr/>
+      </dsp:nvSpPr>
+      <dsp:spPr>
+        <a:xfrm>
+          <a:off x="2092759" y="0"/>
+          <a:ext cx="2352671" cy="360040"/>
+        </a:xfrm>
+        <a:prstGeom prst="chevron">
+          <a:avLst/>
+        </a:prstGeom>
+        <a:solidFill>
+          <a:schemeClr val="accent1">
+            <a:hueOff val="0"/>
+            <a:satOff val="0"/>
+            <a:lumOff val="0"/>
+            <a:alphaOff val="0"/>
+          </a:schemeClr>
+        </a:solidFill>
+        <a:ln w="25400" cap="flat" cmpd="sng" algn="ctr">
+          <a:solidFill>
+            <a:schemeClr val="lt1">
+              <a:hueOff val="0"/>
+              <a:satOff val="0"/>
+              <a:lumOff val="0"/>
+              <a:alphaOff val="0"/>
+            </a:schemeClr>
+          </a:solidFill>
+          <a:prstDash val="solid"/>
+        </a:ln>
+        <a:effectLst/>
+      </dsp:spPr>
+      <dsp:style>
+        <a:lnRef idx="2">
+          <a:scrgbClr r="0" g="0" b="0"/>
+        </a:lnRef>
+        <a:fillRef idx="1">
+          <a:scrgbClr r="0" g="0" b="0"/>
+        </a:fillRef>
+        <a:effectRef idx="0">
+          <a:scrgbClr r="0" g="0" b="0"/>
+        </a:effectRef>
+        <a:fontRef idx="minor">
+          <a:schemeClr val="lt1"/>
+        </a:fontRef>
+      </dsp:style>
+      <dsp:txBody>
+        <a:bodyPr spcFirstLastPara="0" vert="horz" wrap="square" lIns="84011" tIns="28004" rIns="28004" bIns="28004" numCol="1" spcCol="1270" anchor="ctr" anchorCtr="0">
+          <a:noAutofit/>
+        </a:bodyPr>
+        <a:lstStyle/>
+        <a:p>
+          <a:pPr lvl="0" algn="ctr" defTabSz="933450">
+            <a:lnSpc>
+              <a:spcPct val="90000"/>
+            </a:lnSpc>
+            <a:spcBef>
+              <a:spcPct val="0"/>
+            </a:spcBef>
+            <a:spcAft>
+              <a:spcPct val="35000"/>
+            </a:spcAft>
+          </a:pPr>
+          <a:r>
+            <a:rPr lang="en-AU" sz="2100" kern="1200" dirty="0" smtClean="0"/>
+            <a:t>2010</a:t>
+          </a:r>
+          <a:endParaRPr lang="en-AU" sz="2100" kern="1200" dirty="0"/>
+        </a:p>
+      </dsp:txBody>
+      <dsp:txXfrm>
+        <a:off x="2272779" y="0"/>
+        <a:ext cx="1992631" cy="360040"/>
+      </dsp:txXfrm>
+    </dsp:sp>
+    <dsp:sp modelId="{E36A0135-6BBD-41A3-B936-63669A4F89FC}">
+      <dsp:nvSpPr>
+        <dsp:cNvPr id="0" name=""/>
+        <dsp:cNvSpPr/>
+      </dsp:nvSpPr>
+      <dsp:spPr>
+        <a:xfrm>
+          <a:off x="4238850" y="0"/>
+          <a:ext cx="2352671" cy="360040"/>
+        </a:xfrm>
+        <a:prstGeom prst="chevron">
+          <a:avLst/>
+        </a:prstGeom>
+        <a:solidFill>
+          <a:schemeClr val="accent1">
+            <a:hueOff val="0"/>
+            <a:satOff val="0"/>
+            <a:lumOff val="0"/>
+            <a:alphaOff val="0"/>
+          </a:schemeClr>
+        </a:solidFill>
+        <a:ln w="25400" cap="flat" cmpd="sng" algn="ctr">
+          <a:solidFill>
+            <a:schemeClr val="lt1">
+              <a:hueOff val="0"/>
+              <a:satOff val="0"/>
+              <a:lumOff val="0"/>
+              <a:alphaOff val="0"/>
+            </a:schemeClr>
+          </a:solidFill>
+          <a:prstDash val="solid"/>
+        </a:ln>
+        <a:effectLst/>
+      </dsp:spPr>
+      <dsp:style>
+        <a:lnRef idx="2">
+          <a:scrgbClr r="0" g="0" b="0"/>
+        </a:lnRef>
+        <a:fillRef idx="1">
+          <a:scrgbClr r="0" g="0" b="0"/>
+        </a:fillRef>
+        <a:effectRef idx="0">
+          <a:scrgbClr r="0" g="0" b="0"/>
+        </a:effectRef>
+        <a:fontRef idx="minor">
+          <a:schemeClr val="lt1"/>
+        </a:fontRef>
+      </dsp:style>
+      <dsp:txBody>
+        <a:bodyPr spcFirstLastPara="0" vert="horz" wrap="square" lIns="84011" tIns="28004" rIns="28004" bIns="28004" numCol="1" spcCol="1270" anchor="ctr" anchorCtr="0">
+          <a:noAutofit/>
+        </a:bodyPr>
+        <a:lstStyle/>
+        <a:p>
+          <a:pPr lvl="0" algn="ctr" defTabSz="933450">
+            <a:lnSpc>
+              <a:spcPct val="90000"/>
+            </a:lnSpc>
+            <a:spcBef>
+              <a:spcPct val="0"/>
+            </a:spcBef>
+            <a:spcAft>
+              <a:spcPct val="35000"/>
+            </a:spcAft>
+          </a:pPr>
+          <a:r>
+            <a:rPr lang="en-AU" sz="2100" kern="1200" dirty="0" smtClean="0"/>
+            <a:t>2011</a:t>
+          </a:r>
+          <a:endParaRPr lang="en-AU" sz="2100" kern="1200" dirty="0"/>
+        </a:p>
+      </dsp:txBody>
+      <dsp:txXfrm>
+        <a:off x="4418870" y="0"/>
+        <a:ext cx="1992631" cy="360040"/>
+      </dsp:txXfrm>
+    </dsp:sp>
+    <dsp:sp modelId="{EDE5C4B0-015E-49BE-8648-BEB1AB22E31D}">
+      <dsp:nvSpPr>
+        <dsp:cNvPr id="0" name=""/>
+        <dsp:cNvSpPr/>
+      </dsp:nvSpPr>
+      <dsp:spPr>
+        <a:xfrm>
+          <a:off x="6356254" y="0"/>
+          <a:ext cx="2352671" cy="360040"/>
+        </a:xfrm>
+        <a:prstGeom prst="chevron">
+          <a:avLst/>
+        </a:prstGeom>
+        <a:solidFill>
+          <a:schemeClr val="accent1">
+            <a:hueOff val="0"/>
+            <a:satOff val="0"/>
+            <a:lumOff val="0"/>
+            <a:alphaOff val="0"/>
+          </a:schemeClr>
+        </a:solidFill>
+        <a:ln w="25400" cap="flat" cmpd="sng" algn="ctr">
+          <a:solidFill>
+            <a:schemeClr val="lt1">
+              <a:hueOff val="0"/>
+              <a:satOff val="0"/>
+              <a:lumOff val="0"/>
+              <a:alphaOff val="0"/>
+            </a:schemeClr>
+          </a:solidFill>
+          <a:prstDash val="solid"/>
+        </a:ln>
+        <a:effectLst/>
+      </dsp:spPr>
+      <dsp:style>
+        <a:lnRef idx="2">
+          <a:scrgbClr r="0" g="0" b="0"/>
+        </a:lnRef>
+        <a:fillRef idx="1">
+          <a:scrgbClr r="0" g="0" b="0"/>
+        </a:fillRef>
+        <a:effectRef idx="0">
+          <a:scrgbClr r="0" g="0" b="0"/>
+        </a:effectRef>
+        <a:fontRef idx="minor">
+          <a:schemeClr val="lt1"/>
+        </a:fontRef>
+      </dsp:style>
+      <dsp:txBody>
+        <a:bodyPr spcFirstLastPara="0" vert="horz" wrap="square" lIns="84011" tIns="28004" rIns="28004" bIns="28004" numCol="1" spcCol="1270" anchor="ctr" anchorCtr="0">
+          <a:noAutofit/>
+        </a:bodyPr>
+        <a:lstStyle/>
+        <a:p>
+          <a:pPr lvl="0" algn="ctr" defTabSz="933450">
+            <a:lnSpc>
+              <a:spcPct val="90000"/>
+            </a:lnSpc>
+            <a:spcBef>
+              <a:spcPct val="0"/>
+            </a:spcBef>
+            <a:spcAft>
+              <a:spcPct val="35000"/>
+            </a:spcAft>
+          </a:pPr>
+          <a:r>
+            <a:rPr lang="en-AU" sz="2100" kern="1200" dirty="0" smtClean="0"/>
+            <a:t>2012</a:t>
+          </a:r>
+          <a:endParaRPr lang="en-AU" sz="2100" kern="1200" dirty="0"/>
+        </a:p>
+      </dsp:txBody>
+      <dsp:txXfrm>
+        <a:off x="6536274" y="0"/>
+        <a:ext cx="1992631" cy="360040"/>
+      </dsp:txXfrm>
+    </dsp:sp>
+  </dsp:spTree>
+</dsp:drawing>
+</file>
+
+<file path=ppt/diagrams/layout1.xml><?xml version="1.0" encoding="utf-8"?>
+<dgm:layoutDef xmlns:dgm="http://schemas.openxmlformats.org/drawingml/2006/diagram" xmlns:a="http://schemas.openxmlformats.org/drawingml/2006/main" uniqueId="urn:microsoft.com/office/officeart/2005/8/layout/chevron1">
+  <dgm:title val=""/>
+  <dgm:desc val=""/>
+  <dgm:catLst>
+    <dgm:cat type="process" pri="9000"/>
+  </dgm:catLst>
+  <dgm:sampData useDef="1">
+    <dgm:dataModel>
+      <dgm:ptLst/>
+      <dgm:bg/>
+      <dgm:whole/>
+    </dgm:dataModel>
+  </dgm:sampData>
+  <dgm:styleData>
+    <dgm:dataModel>
+      <dgm:ptLst>
+        <dgm:pt modelId="0" type="doc"/>
+        <dgm:pt modelId="1"/>
+        <dgm:pt modelId="2"/>
+      </dgm:ptLst>
+      <dgm:cxnLst>
+        <dgm:cxn modelId="3" srcId="0" destId="1" srcOrd="0" destOrd="0"/>
+        <dgm:cxn modelId="4" srcId="0" destId="2" srcOrd="1" destOrd="0"/>
+      </dgm:cxnLst>
+      <dgm:bg/>
+      <dgm:whole/>
+    </dgm:dataModel>
+  </dgm:styleData>
+  <dgm:clrData>
+    <dgm:dataModel>
+      <dgm:ptLst>
+        <dgm:pt modelId="0" type="doc"/>
+        <dgm:pt modelId="1"/>
+        <dgm:pt modelId="2"/>
+        <dgm:pt modelId="3"/>
+        <dgm:pt modelId="4"/>
+      </dgm:ptLst>
+      <dgm:cxnLst>
+        <dgm:cxn modelId="5" srcId="0" destId="1" srcOrd="0" destOrd="0"/>
+        <dgm:cxn modelId="6" srcId="0" destId="2" srcOrd="1" destOrd="0"/>
+        <dgm:cxn modelId="7" srcId="0" destId="3" srcOrd="2" destOrd="0"/>
+        <dgm:cxn modelId="8" srcId="0" destId="4" srcOrd="3" destOrd="0"/>
+      </dgm:cxnLst>
+      <dgm:bg/>
+      <dgm:whole/>
+    </dgm:dataModel>
+  </dgm:clrData>
+  <dgm:layoutNode name="Name0">
+    <dgm:varLst>
+      <dgm:dir/>
+      <dgm:animLvl val="lvl"/>
+      <dgm:resizeHandles val="exact"/>
+    </dgm:varLst>
+    <dgm:choose name="Name1">
+      <dgm:if name="Name2" func="var" arg="dir" op="equ" val="norm">
+        <dgm:alg type="lin"/>
+      </dgm:if>
+      <dgm:else name="Name3">
+        <dgm:alg type="lin">
+          <dgm:param type="linDir" val="fromR"/>
+        </dgm:alg>
+      </dgm:else>
+    </dgm:choose>
+    <dgm:shape xmlns:r="http://schemas.openxmlformats.org/officeDocument/2006/relationships" r:blip="">
+      <dgm:adjLst/>
+    </dgm:shape>
+    <dgm:presOf/>
+    <dgm:choose name="Name4">
+      <dgm:if name="Name5" axis="des" func="maxDepth" op="gte" val="2">
+        <dgm:constrLst>
+          <dgm:constr type="h" for="ch" forName="composite" refType="h"/>
+          <dgm:constr type="w" for="ch" forName="composite" refType="w"/>
+          <dgm:constr type="w" for="des" forName="parTx"/>
+          <dgm:constr type="h" for="des" forName="parTx" op="equ"/>
+          <dgm:constr type="w" for="des" forName="desTx"/>
+          <dgm:constr type="h" for="des" forName="desTx" op="equ"/>
+          <dgm:constr type="primFontSz" for="des" forName="parTx" val="65"/>
+          <dgm:constr type="secFontSz" for="des" forName="desTx" refType="primFontSz" refFor="des" refForName="parTx" op="equ"/>
+          <dgm:constr type="h" for="des" forName="parTx" refType="primFontSz" refFor="des" refForName="parTx" fact="1.5"/>
+          <dgm:constr type="h" for="des" forName="desTx" refType="primFontSz" refFor="des" refForName="parTx" fact="0.5"/>
+          <dgm:constr type="w" for="ch" forName="space" op="equ" val="-6"/>
+        </dgm:constrLst>
+        <dgm:ruleLst>
+          <dgm:rule type="w" for="ch" forName="composite" val="0" fact="NaN" max="NaN"/>
+          <dgm:rule type="primFontSz" for="des" forName="parTx" val="5" fact="NaN" max="NaN"/>
+        </dgm:ruleLst>
+        <dgm:forEach name="Name6" axis="ch" ptType="node">
+          <dgm:layoutNode name="composite">
+            <dgm:alg type="composite"/>
+            <dgm:shape xmlns:r="http://schemas.openxmlformats.org/officeDocument/2006/relationships" r:blip="">
+              <dgm:adjLst/>
+            </dgm:shape>
+            <dgm:presOf/>
+            <dgm:choose name="Name7">
+              <dgm:if name="Name8" func="var" arg="dir" op="equ" val="norm">
+                <dgm:constrLst>
+                  <dgm:constr type="l" for="ch" forName="parTx"/>
+                  <dgm:constr type="w" for="ch" forName="parTx" refType="w"/>
+                  <dgm:constr type="t" for="ch" forName="parTx"/>
+                  <dgm:constr type="l" for="ch" forName="desTx"/>
+                  <dgm:constr type="w" for="ch" forName="desTx" refType="w" refFor="ch" refForName="parTx" fact="0.8"/>
+                  <dgm:constr type="t" for="ch" forName="desTx" refType="h" refFor="ch" refForName="parTx" fact="1.125"/>
+                </dgm:constrLst>
+              </dgm:if>
+              <dgm:else name="Name9">
+                <dgm:constrLst>
+                  <dgm:constr type="l" for="ch" forName="parTx"/>
+                  <dgm:constr type="w" for="ch" forName="parTx" refType="w"/>
+                  <dgm:constr type="t" for="ch" forName="parTx"/>
+                  <dgm:constr type="l" for="ch" forName="desTx" refType="w" fact="0.2"/>
+                  <dgm:constr type="w" for="ch" forName="desTx" refType="w" refFor="ch" refForName="parTx" fact="0.8"/>
+                  <dgm:constr type="t" for="ch" forName="desTx" refType="h" refFor="ch" refForName="parTx" fact="1.125"/>
+                </dgm:constrLst>
+              </dgm:else>
+            </dgm:choose>
+            <dgm:ruleLst>
+              <dgm:rule type="h" val="INF" fact="NaN" max="NaN"/>
+            </dgm:ruleLst>
+            <dgm:layoutNode name="parTx">
+              <dgm:varLst>
+                <dgm:chMax val="0"/>
+                <dgm:chPref val="0"/>
+                <dgm:bulletEnabled val="1"/>
+              </dgm:varLst>
+              <dgm:alg type="tx"/>
+              <dgm:choose name="Name10">
+                <dgm:if name="Name11" func="var" arg="dir" op="equ" val="norm">
+                  <dgm:shape xmlns:r="http://schemas.openxmlformats.org/officeDocument/2006/relationships" type="chevron" r:blip="">
+                    <dgm:adjLst/>
+                  </dgm:shape>
+                </dgm:if>
+                <dgm:else name="Name12">
+                  <dgm:shape xmlns:r="http://schemas.openxmlformats.org/officeDocument/2006/relationships" rot="180" type="chevron" r:blip="">
+                    <dgm:adjLst/>
+                  </dgm:shape>
+                </dgm:else>
+              </dgm:choose>
+              <dgm:presOf axis="self" ptType="node"/>
+              <dgm:choose name="Name13">
+                <dgm:if name="Name14" func="var" arg="dir" op="equ" val="norm">
+                  <dgm:constrLst>
+                    <dgm:constr type="h" refType="w" op="lte" fact="0.4"/>
+                    <dgm:constr type="h"/>
+                    <dgm:constr type="tMarg" refType="primFontSz" fact="0.105"/>
+                    <dgm:constr type="bMarg" refType="primFontSz" fact="0.105"/>
+                    <dgm:constr type="lMarg" refType="primFontSz" fact="0.315"/>
+                    <dgm:constr type="rMarg" refType="primFontSz" fact="0.105"/>
+                  </dgm:constrLst>
+                </dgm:if>
+                <dgm:else name="Name15">
+                  <dgm:constrLst>
+                    <dgm:constr type="h" refType="w" op="lte" fact="0.4"/>
+                    <dgm:constr type="h"/>
+                    <dgm:constr type="tMarg" refType="primFontSz" fact="0.105"/>
+                    <dgm:constr type="bMarg" refType="primFontSz" fact="0.105"/>
+                    <dgm:constr type="lMarg" refType="primFontSz" fact="0.105"/>
+                    <dgm:constr type="rMarg" refType="primFontSz" fact="0.315"/>
+                  </dgm:constrLst>
+                </dgm:else>
+              </dgm:choose>
+              <dgm:ruleLst>
+                <dgm:rule type="h" val="INF" fact="NaN" max="NaN"/>
+              </dgm:ruleLst>
+            </dgm:layoutNode>
+            <dgm:layoutNode name="desTx" styleLbl="revTx">
+              <dgm:varLst>
+                <dgm:bulletEnabled val="1"/>
+              </dgm:varLst>
+              <dgm:alg type="tx">
+                <dgm:param type="stBulletLvl" val="1"/>
+              </dgm:alg>
+              <dgm:choose name="Name16">
+                <dgm:if name="Name17" axis="ch" ptType="node" func="cnt" op="gte" val="1">
+                  <dgm:shape xmlns:r="http://schemas.openxmlformats.org/officeDocument/2006/relationships" type="rect" r:blip="">
+                    <dgm:adjLst/>
+                  </dgm:shape>
+                </dgm:if>
+                <dgm:else name="Name18">
+                  <dgm:shape xmlns:r="http://schemas.openxmlformats.org/officeDocument/2006/relationships" type="rect" r:blip="" hideGeom="1">
+                    <dgm:adjLst/>
+                  </dgm:shape>
+                </dgm:else>
+              </dgm:choose>
+              <dgm:presOf axis="des" ptType="node"/>
+              <dgm:constrLst>
+                <dgm:constr type="secFontSz" val="65"/>
+                <dgm:constr type="primFontSz" refType="secFontSz"/>
+                <dgm:constr type="h"/>
+                <dgm:constr type="tMarg"/>
+                <dgm:constr type="bMarg"/>
+                <dgm:constr type="rMarg"/>
+                <dgm:constr type="lMarg"/>
+              </dgm:constrLst>
+              <dgm:ruleLst>
+                <dgm:rule type="h" val="INF" fact="NaN" max="NaN"/>
+              </dgm:ruleLst>
+            </dgm:layoutNode>
+          </dgm:layoutNode>
+          <dgm:forEach name="Name19" axis="followSib" ptType="sibTrans" cnt="1">
+            <dgm:layoutNode name="space">
+              <dgm:alg type="sp"/>
+              <dgm:shape xmlns:r="http://schemas.openxmlformats.org/officeDocument/2006/relationships" r:blip="">
+                <dgm:adjLst/>
+              </dgm:shape>
+              <dgm:presOf/>
+              <dgm:constrLst/>
+              <dgm:ruleLst/>
+            </dgm:layoutNode>
+          </dgm:forEach>
+        </dgm:forEach>
+      </dgm:if>
+      <dgm:else name="Name20">
+        <dgm:constrLst>
+          <dgm:constr type="w" for="ch" forName="parTxOnly" refType="w"/>
+          <dgm:constr type="h" for="des" forName="parTxOnly" op="equ"/>
+          <dgm:constr type="primFontSz" for="des" forName="parTxOnly" op="equ" val="65"/>
+          <dgm:constr type="w" for="ch" forName="parTxOnlySpace" refType="w" refFor="ch" refForName="parTxOnly" fact="-0.1"/>
+        </dgm:constrLst>
+        <dgm:ruleLst/>
+        <dgm:forEach name="Name21" axis="ch" ptType="node">
+          <dgm:layoutNode name="parTxOnly">
+            <dgm:varLst>
+              <dgm:chMax val="0"/>
+              <dgm:chPref val="0"/>
+              <dgm:bulletEnabled val="1"/>
+            </dgm:varLst>
+            <dgm:alg type="tx"/>
+            <dgm:choose name="Name22">
+              <dgm:if name="Name23" func="var" arg="dir" op="equ" val="norm">
+                <dgm:shape xmlns:r="http://schemas.openxmlformats.org/officeDocument/2006/relationships" type="chevron" r:blip="">
+                  <dgm:adjLst/>
+                </dgm:shape>
+              </dgm:if>
+              <dgm:else name="Name24">
+                <dgm:shape xmlns:r="http://schemas.openxmlformats.org/officeDocument/2006/relationships" rot="180" type="chevron" r:blip="">
+                  <dgm:adjLst/>
+                </dgm:shape>
+              </dgm:else>
+            </dgm:choose>
+            <dgm:presOf axis="self" ptType="node"/>
+            <dgm:choose name="Name25">
+              <dgm:if name="Name26" func="var" arg="dir" op="equ" val="norm">
+                <dgm:constrLst>
+                  <dgm:constr type="h" refType="w" op="equ" fact="0.4"/>
+                  <dgm:constr type="tMarg" refType="primFontSz" fact="0.105"/>
+                  <dgm:constr type="bMarg" refType="primFontSz" fact="0.105"/>
+                  <dgm:constr type="lMarg" refType="primFontSz" fact="0.315"/>
+                  <dgm:constr type="rMarg" refType="primFontSz" fact="0.105"/>
+                </dgm:constrLst>
+              </dgm:if>
+              <dgm:else name="Name27">
+                <dgm:constrLst>
+                  <dgm:constr type="h" refType="w" op="equ" fact="0.4"/>
+                  <dgm:constr type="tMarg" refType="primFontSz" fact="0.105"/>
+                  <dgm:constr type="bMarg" refType="primFontSz" fact="0.105"/>
+                  <dgm:constr type="lMarg" refType="primFontSz" fact="0.105"/>
+                  <dgm:constr type="rMarg" refType="primFontSz" fact="0.315"/>
+                </dgm:constrLst>
+              </dgm:else>
+            </dgm:choose>
+            <dgm:ruleLst>
+              <dgm:rule type="primFontSz" val="5" fact="NaN" max="NaN"/>
+            </dgm:ruleLst>
+          </dgm:layoutNode>
+          <dgm:forEach name="Name28" axis="followSib" ptType="sibTrans" cnt="1">
+            <dgm:layoutNode name="parTxOnlySpace">
+              <dgm:alg type="sp"/>
+              <dgm:shape xmlns:r="http://schemas.openxmlformats.org/officeDocument/2006/relationships" r:blip="">
+                <dgm:adjLst/>
+              </dgm:shape>
+              <dgm:presOf/>
+              <dgm:constrLst/>
+              <dgm:ruleLst/>
+            </dgm:layoutNode>
+          </dgm:forEach>
+        </dgm:forEach>
+      </dgm:else>
+    </dgm:choose>
+  </dgm:layoutNode>
+</dgm:layoutDef>
+</file>
+
+<file path=ppt/diagrams/quickStyle1.xml><?xml version="1.0" encoding="utf-8"?>
+<dgm:styleDef xmlns:dgm="http://schemas.openxmlformats.org/drawingml/2006/diagram" xmlns:a="http://schemas.openxmlformats.org/drawingml/2006/main" uniqueId="urn:microsoft.com/office/officeart/2005/8/quickstyle/simple1">
+  <dgm:title val=""/>
+  <dgm:desc val=""/>
+  <dgm:catLst>
+    <dgm:cat type="simple" pri="10100"/>
+  </dgm:catLst>
+  <dgm:scene3d>
+    <a:camera prst="orthographicFront"/>
+    <a:lightRig rig="threePt" dir="t"/>
+  </dgm:scene3d>
+  <dgm:styleLbl name="node0">
+    <dgm:scene3d>
+      <a:camera prst="orthographicFront"/>
+      <a:lightRig rig="threePt" dir="t"/>
+    </dgm:scene3d>
+    <dgm:sp3d/>
+    <dgm:txPr/>
+    <dgm:style>
+      <a:lnRef idx="2">
+        <a:scrgbClr r="0" g="0" b="0"/>
+      </a:lnRef>
+      <a:fillRef idx="1">
+        <a:scrgbClr r="0" g="0" b="0"/>
+      </a:fillRef>
+      <a:effectRef idx="0">
+        <a:scrgbClr r="0" g="0" b="0"/>
+      </a:effectRef>
+      <a:fontRef idx="minor">
+        <a:schemeClr val="lt1"/>
+      </a:fontRef>
+    </dgm:style>
+  </dgm:styleLbl>
+  <dgm:styleLbl name="lnNode1">
+    <dgm:scene3d>
+      <a:camera prst="orthographicFront"/>
+      <a:lightRig rig="threePt" dir="t"/>
+    </dgm:scene3d>
+    <dgm:sp3d/>
+    <dgm:txPr/>
+    <dgm:style>
+      <a:lnRef idx="2">
+        <a:scrgbClr r="0" g="0" b="0"/>
+      </a:lnRef>
+      <a:fillRef idx="1">
+        <a:scrgbClr r="0" g="0" b="0"/>
+      </a:fillRef>
+      <a:effectRef idx="0">
+        <a:scrgbClr r="0" g="0" b="0"/>
+      </a:effectRef>
+      <a:fontRef idx="minor">
+        <a:schemeClr val="lt1"/>
+      </a:fontRef>
+    </dgm:style>
+  </dgm:styleLbl>
+  <dgm:styleLbl name="vennNode1">
+    <dgm:scene3d>
+      <a:camera prst="orthographicFront"/>
+      <a:lightRig rig="threePt" dir="t"/>
+    </dgm:scene3d>
+    <dgm:sp3d/>
+    <dgm:txPr/>
+    <dgm:style>
+      <a:lnRef idx="2">
+        <a:scrgbClr r="0" g="0" b="0"/>
+      </a:lnRef>
+      <a:fillRef idx="1">
+        <a:scrgbClr r="0" g="0" b="0"/>
+      </a:fillRef>
+      <a:effectRef idx="0">
+        <a:scrgbClr r="0" g="0" b="0"/>
+      </a:effectRef>
+      <a:fontRef idx="minor">
+        <a:schemeClr val="tx1"/>
+      </a:fontRef>
+    </dgm:style>
+  </dgm:styleLbl>
+  <dgm:styleLbl name="alignNode1">
+    <dgm:scene3d>
+      <a:camera prst="orthographicFront"/>
+      <a:lightRig rig="threePt" dir="t"/>
+    </dgm:scene3d>
+    <dgm:sp3d/>
+    <dgm:txPr/>
+    <dgm:style>
+      <a:lnRef idx="2">
+        <a:scrgbClr r="0" g="0" b="0"/>
+      </a:lnRef>
+      <a:fillRef idx="1">
+        <a:scrgbClr r="0" g="0" b="0"/>
+      </a:fillRef>
+      <a:effectRef idx="0">
+        <a:scrgbClr r="0" g="0" b="0"/>
+      </a:effectRef>
+      <a:fontRef idx="minor">
+        <a:schemeClr val="lt1"/>
+      </a:fontRef>
+    </dgm:style>
+  </dgm:styleLbl>
+  <dgm:styleLbl name="node1">
+    <dgm:scene3d>
+      <a:camera prst="orthographicFront"/>
+      <a:lightRig rig="threePt" dir="t"/>
+    </dgm:scene3d>
+    <dgm:sp3d/>
+    <dgm:txPr/>
+    <dgm:style>
+      <a:lnRef idx="2">
+        <a:scrgbClr r="0" g="0" b="0"/>
+      </a:lnRef>
+      <a:fillRef idx="1">
+        <a:scrgbClr r="0" g="0" b="0"/>
+      </a:fillRef>
+      <a:effectRef idx="0">
+        <a:scrgbClr r="0" g="0" b="0"/>
+      </a:effectRef>
+      <a:fontRef idx="minor">
+        <a:schemeClr val="lt1"/>
+      </a:fontRef>
+    </dgm:style>
+  </dgm:styleLbl>
+  <dgm:styleLbl name="node2">
+    <dgm:scene3d>
+      <a:camera prst="orthographicFront"/>
+      <a:lightRig rig="threePt" dir="t"/>
+    </dgm:scene3d>
+    <dgm:sp3d/>
+    <dgm:txPr/>
+    <dgm:style>
+      <a:lnRef idx="2">
+        <a:scrgbClr r="0" g="0" b="0"/>
+      </a:lnRef>
+      <a:fillRef idx="1">
+        <a:scrgbClr r="0" g="0" b="0"/>
+      </a:fillRef>
+      <a:effectRef idx="0">
+        <a:scrgbClr r="0" g="0" b="0"/>
+      </a:effectRef>
+      <a:fontRef idx="minor">
+        <a:schemeClr val="lt1"/>
+      </a:fontRef>
+    </dgm:style>
+  </dgm:styleLbl>
+  <dgm:styleLbl name="node3">
+    <dgm:scene3d>
+      <a:camera prst="orthographicFront"/>
+      <a:lightRig rig="threePt" dir="t"/>
+    </dgm:scene3d>
+    <dgm:sp3d/>
+    <dgm:txPr/>
+    <dgm:style>
+      <a:lnRef idx="2">
+        <a:scrgbClr r="0" g="0" b="0"/>
+      </a:lnRef>
+      <a:fillRef idx="1">
+        <a:scrgbClr r="0" g="0" b="0"/>
+      </a:fillRef>
+      <a:effectRef idx="0">
+        <a:scrgbClr r="0" g="0" b="0"/>
+      </a:effectRef>
+      <a:fontRef idx="minor">
+        <a:schemeClr val="lt1"/>
+      </a:fontRef>
+    </dgm:style>
+  </dgm:styleLbl>
+  <dgm:styleLbl name="node4">
+    <dgm:scene3d>
+      <a:camera prst="orthographicFront"/>
+      <a:lightRig rig="threePt" dir="t"/>
+    </dgm:scene3d>
+    <dgm:sp3d/>
+    <dgm:txPr/>
+    <dgm:style>
+      <a:lnRef idx="2">
+        <a:scrgbClr r="0" g="0" b="0"/>
+      </a:lnRef>
+      <a:fillRef idx="1">
+        <a:scrgbClr r="0" g="0" b="0"/>
+      </a:fillRef>
+      <a:effectRef idx="0">
+        <a:scrgbClr r="0" g="0" b="0"/>
+      </a:effectRef>
+      <a:fontRef idx="minor">
+        <a:schemeClr val="lt1"/>
+      </a:fontRef>
+    </dgm:style>
+  </dgm:styleLbl>
+  <dgm:styleLbl name="fgImgPlace1">
+    <dgm:scene3d>
+      <a:camera prst="orthographicFront"/>
+      <a:lightRig rig="threePt" dir="t"/>
+    </dgm:scene3d>
+    <dgm:sp3d/>
+    <dgm:txPr/>
+    <dgm:style>
+      <a:lnRef idx="2">
+        <a:scrgbClr r="0" g="0" b="0"/>
+      </a:lnRef>
+      <a:fillRef idx="1">
+        <a:scrgbClr r="0" g="0" b="0"/>
+      </a:fillRef>
+      <a:effectRef idx="0">
+        <a:scrgbClr r="0" g="0" b="0"/>
+      </a:effectRef>
+      <a:fontRef idx="minor"/>
+    </dgm:style>
+  </dgm:styleLbl>
+  <dgm:styleLbl name="alignImgPlace1">
+    <dgm:scene3d>
+      <a:camera prst="orthographicFront"/>
+      <a:lightRig rig="threePt" dir="t"/>
+    </dgm:scene3d>
+    <dgm:sp3d/>
+    <dgm:txPr/>
+    <dgm:style>
+      <a:lnRef idx="2">
+        <a:scrgbClr r="0" g="0" b="0"/>
+      </a:lnRef>
+      <a:fillRef idx="1">
+        <a:scrgbClr r="0" g="0" b="0"/>
+      </a:fillRef>
+      <a:effectRef idx="0">
+        <a:scrgbClr r="0" g="0" b="0"/>
+      </a:effectRef>
+      <a:fontRef idx="minor"/>
+    </dgm:style>
+  </dgm:styleLbl>
+  <dgm:styleLbl name="bgImgPlace1">
+    <dgm:scene3d>
+      <a:camera prst="orthographicFront"/>
+      <a:lightRig rig="threePt" dir="t"/>
+    </dgm:scene3d>
+    <dgm:sp3d/>
+    <dgm:txPr/>
+    <dgm:style>
+      <a:lnRef idx="2">
+        <a:scrgbClr r="0" g="0" b="0"/>
+      </a:lnRef>
+      <a:fillRef idx="1">
+        <a:scrgbClr r="0" g="0" b="0"/>
+      </a:fillRef>
+      <a:effectRef idx="0">
+        <a:scrgbClr r="0" g="0" b="0"/>
+      </a:effectRef>
+      <a:fontRef idx="minor"/>
+    </dgm:style>
+  </dgm:styleLbl>
+  <dgm:styleLbl name="sibTrans2D1">
+    <dgm:scene3d>
+      <a:camera prst="orthographicFront"/>
+      <a:lightRig rig="threePt" dir="t"/>
+    </dgm:scene3d>
+    <dgm:sp3d/>
+    <dgm:txPr/>
+    <dgm:style>
+      <a:lnRef idx="0">
+        <a:scrgbClr r="0" g="0" b="0"/>
+      </a:lnRef>
+      <a:fillRef idx="1">
+        <a:scrgbClr r="0" g="0" b="0"/>
+      </a:fillRef>
+      <a:effectRef idx="0">
+        <a:scrgbClr r="0" g="0" b="0"/>
+      </a:effectRef>
+      <a:fontRef idx="minor">
+        <a:schemeClr val="lt1"/>
+      </a:fontRef>
+    </dgm:style>
+  </dgm:styleLbl>
+  <dgm:styleLbl name="fgSibTrans2D1">
+    <dgm:scene3d>
+      <a:camera prst="orthographicFront"/>
+      <a:lightRig rig="threePt" dir="t"/>
+    </dgm:scene3d>
+    <dgm:sp3d/>
+    <dgm:txPr/>
+    <dgm:style>
+      <a:lnRef idx="0">
+        <a:scrgbClr r="0" g="0" b="0"/>
+      </a:lnRef>
+      <a:fillRef idx="1">
+        <a:scrgbClr r="0" g="0" b="0"/>
+      </a:fillRef>
+      <a:effectRef idx="0">
+        <a:scrgbClr r="0" g="0" b="0"/>
+      </a:effectRef>
+      <a:fontRef idx="minor">
+        <a:schemeClr val="lt1"/>
+      </a:fontRef>
+    </dgm:style>
+  </dgm:styleLbl>
+  <dgm:styleLbl name="bgSibTrans2D1">
+    <dgm:scene3d>
+      <a:camera prst="orthographicFront"/>
+      <a:lightRig rig="threePt" dir="t"/>
+    </dgm:scene3d>
+    <dgm:sp3d/>
+    <dgm:txPr/>
+    <dgm:style>
+      <a:lnRef idx="0">
+        <a:scrgbClr r="0" g="0" b="0"/>
+      </a:lnRef>
+      <a:fillRef idx="1">
+        <a:scrgbClr r="0" g="0" b="0"/>
+      </a:fillRef>
+      <a:effectRef idx="0">
+        <a:scrgbClr r="0" g="0" b="0"/>
+      </a:effectRef>
+      <a:fontRef idx="minor">
+        <a:schemeClr val="lt1"/>
+      </a:fontRef>
+    </dgm:style>
+  </dgm:styleLbl>
+  <dgm:styleLbl name="sibTrans1D1">
+    <dgm:scene3d>
+      <a:camera prst="orthographicFront"/>
+      <a:lightRig rig="threePt" dir="t"/>
+    </dgm:scene3d>
+    <dgm:sp3d/>
+    <dgm:txPr/>
+    <dgm:style>
+      <a:lnRef idx="1">
+        <a:scrgbClr r="0" g="0" b="0"/>
+      </a:lnRef>
+      <a:fillRef idx="0">
+        <a:scrgbClr r="0" g="0" b="0"/>
+      </a:fillRef>
+      <a:effectRef idx="0">
+        <a:scrgbClr r="0" g="0" b="0"/>
+      </a:effectRef>
+      <a:fontRef idx="minor"/>
+    </dgm:style>
+  </dgm:styleLbl>
+  <dgm:styleLbl name="callout">
+    <dgm:scene3d>
+      <a:camera prst="orthographicFront"/>
+      <a:lightRig rig="threePt" dir="t"/>
+    </dgm:scene3d>
+    <dgm:sp3d/>
+    <dgm:txPr/>
+    <dgm:style>
+      <a:lnRef idx="2">
+        <a:scrgbClr r="0" g="0" b="0"/>
+      </a:lnRef>
+      <a:fillRef idx="1">
+        <a:scrgbClr r="0" g="0" b="0"/>
+      </a:fillRef>
+      <a:effectRef idx="0">
+        <a:scrgbClr r="0" g="0" b="0"/>
+      </a:effectRef>
+      <a:fontRef idx="minor"/>
+    </dgm:style>
+  </dgm:styleLbl>
+  <dgm:styleLbl name="asst0">
+    <dgm:scene3d>
+      <a:camera prst="orthographicFront"/>
+      <a:lightRig rig="threePt" dir="t"/>
+    </dgm:scene3d>
+    <dgm:sp3d/>
+    <dgm:txPr/>
+    <dgm:style>
+      <a:lnRef idx="2">
+        <a:scrgbClr r="0" g="0" b="0"/>
+      </a:lnRef>
+      <a:fillRef idx="1">
+        <a:scrgbClr r="0" g="0" b="0"/>
+      </a:fillRef>
+      <a:effectRef idx="0">
+        <a:scrgbClr r="0" g="0" b="0"/>
+      </a:effectRef>
+      <a:fontRef idx="minor">
+        <a:schemeClr val="lt1"/>
+      </a:fontRef>
+    </dgm:style>
+  </dgm:styleLbl>
+  <dgm:styleLbl name="asst1">
+    <dgm:scene3d>
+      <a:camera prst="orthographicFront"/>
+      <a:lightRig rig="threePt" dir="t"/>
+    </dgm:scene3d>
+    <dgm:sp3d/>
+    <dgm:txPr/>
+    <dgm:style>
+      <a:lnRef idx="2">
+        <a:scrgbClr r="0" g="0" b="0"/>
+      </a:lnRef>
+      <a:fillRef idx="1">
+        <a:scrgbClr r="0" g="0" b="0"/>
+      </a:fillRef>
+      <a:effectRef idx="0">
+        <a:scrgbClr r="0" g="0" b="0"/>
+      </a:effectRef>
+      <a:fontRef idx="minor">
+        <a:schemeClr val="lt1"/>
+      </a:fontRef>
+    </dgm:style>
+  </dgm:styleLbl>
+  <dgm:styleLbl name="asst2">
+    <dgm:scene3d>
+      <a:camera prst="orthographicFront"/>
+      <a:lightRig rig="threePt" dir="t"/>
+    </dgm:scene3d>
+    <dgm:sp3d/>
+    <dgm:txPr/>
+    <dgm:style>
+      <a:lnRef idx="2">
+        <a:scrgbClr r="0" g="0" b="0"/>
+      </a:lnRef>
+      <a:fillRef idx="1">
+        <a:scrgbClr r="0" g="0" b="0"/>
+      </a:fillRef>
+      <a:effectRef idx="0">
+        <a:scrgbClr r="0" g="0" b="0"/>
+      </a:effectRef>
+      <a:fontRef idx="minor">
+        <a:schemeClr val="lt1"/>
+      </a:fontRef>
+    </dgm:style>
+  </dgm:styleLbl>
+  <dgm:styleLbl name="asst3">
+    <dgm:scene3d>
+      <a:camera prst="orthographicFront"/>
+      <a:lightRig rig="threePt" dir="t"/>
+    </dgm:scene3d>
+    <dgm:sp3d/>
+    <dgm:txPr/>
+    <dgm:style>
+      <a:lnRef idx="2">
+        <a:scrgbClr r="0" g="0" b="0"/>
+      </a:lnRef>
+      <a:fillRef idx="1">
+        <a:scrgbClr r="0" g="0" b="0"/>
+      </a:fillRef>
+      <a:effectRef idx="0">
+        <a:scrgbClr r="0" g="0" b="0"/>
+      </a:effectRef>
+      <a:fontRef idx="minor">
+        <a:schemeClr val="lt1"/>
+      </a:fontRef>
+    </dgm:style>
+  </dgm:styleLbl>
+  <dgm:styleLbl name="asst4">
+    <dgm:scene3d>
+      <a:camera prst="orthographicFront"/>
+      <a:lightRig rig="threePt" dir="t"/>
+    </dgm:scene3d>
+    <dgm:sp3d/>
+    <dgm:txPr/>
+    <dgm:style>
+      <a:lnRef idx="2">
+        <a:scrgbClr r="0" g="0" b="0"/>
+      </a:lnRef>
+      <a:fillRef idx="1">
+        <a:scrgbClr r="0" g="0" b="0"/>
+      </a:fillRef>
+      <a:effectRef idx="0">
+        <a:scrgbClr r="0" g="0" b="0"/>
+      </a:effectRef>
+      <a:fontRef idx="minor">
+        <a:schemeClr val="lt1"/>
+      </a:fontRef>
+    </dgm:style>
+  </dgm:styleLbl>
+  <dgm:styleLbl name="parChTrans2D1">
+    <dgm:scene3d>
+      <a:camera prst="orthographicFront"/>
+      <a:lightRig rig="threePt" dir="t"/>
+    </dgm:scene3d>
+    <dgm:sp3d/>
+    <dgm:txPr/>
+    <dgm:style>
+      <a:lnRef idx="2">
+        <a:scrgbClr r="0" g="0" b="0"/>
+      </a:lnRef>
+      <a:fillRef idx="1">
+        <a:scrgbClr r="0" g="0" b="0"/>
+      </a:fillRef>
+      <a:effectRef idx="0">
+        <a:scrgbClr r="0" g="0" b="0"/>
+      </a:effectRef>
+      <a:fontRef idx="minor">
+        <a:schemeClr val="lt1"/>
+      </a:fontRef>
+    </dgm:style>
+  </dgm:styleLbl>
+  <dgm:styleLbl name="parChTrans2D2">
+    <dgm:scene3d>
+      <a:camera prst="orthographicFront"/>
+      <a:lightRig rig="threePt" dir="t"/>
+    </dgm:scene3d>
+    <dgm:sp3d/>
+    <dgm:txPr/>
+    <dgm:style>
+      <a:lnRef idx="2">
+        <a:scrgbClr r="0" g="0" b="0"/>
+      </a:lnRef>
+      <a:fillRef idx="1">
+        <a:scrgbClr r="0" g="0" b="0"/>
+      </a:fillRef>
+      <a:effectRef idx="0">
+        <a:scrgbClr r="0" g="0" b="0"/>
+      </a:effectRef>
+      <a:fontRef idx="minor">
+        <a:schemeClr val="lt1"/>
+      </a:fontRef>
+    </dgm:style>
+  </dgm:styleLbl>
+  <dgm:styleLbl name="parChTrans2D3">
+    <dgm:scene3d>
+      <a:camera prst="orthographicFront"/>
+      <a:lightRig rig="threePt" dir="t"/>
+    </dgm:scene3d>
+    <dgm:sp3d/>
+    <dgm:txPr/>
+    <dgm:style>
+      <a:lnRef idx="2">
+        <a:scrgbClr r="0" g="0" b="0"/>
+      </a:lnRef>
+      <a:fillRef idx="1">
+        <a:scrgbClr r="0" g="0" b="0"/>
+      </a:fillRef>
+      <a:effectRef idx="0">
+        <a:scrgbClr r="0" g="0" b="0"/>
+      </a:effectRef>
+      <a:fontRef idx="minor">
+        <a:schemeClr val="lt1"/>
+      </a:fontRef>
+    </dgm:style>
+  </dgm:styleLbl>
+  <dgm:styleLbl name="parChTrans2D4">
+    <dgm:scene3d>
+      <a:camera prst="orthographicFront"/>
+      <a:lightRig rig="threePt" dir="t"/>
+    </dgm:scene3d>
+    <dgm:sp3d/>
+    <dgm:txPr/>
+    <dgm:style>
+      <a:lnRef idx="2">
+        <a:scrgbClr r="0" g="0" b="0"/>
+      </a:lnRef>
+      <a:fillRef idx="1">
+        <a:scrgbClr r="0" g="0" b="0"/>
+      </a:fillRef>
+      <a:effectRef idx="0">
+        <a:scrgbClr r="0" g="0" b="0"/>
+      </a:effectRef>
+      <a:fontRef idx="minor">
+        <a:schemeClr val="lt1"/>
+      </a:fontRef>
+    </dgm:style>
+  </dgm:styleLbl>
+  <dgm:styleLbl name="parChTrans1D1">
+    <dgm:scene3d>
+      <a:camera prst="orthographicFront"/>
+      <a:lightRig rig="threePt" dir="t"/>
+    </dgm:scene3d>
+    <dgm:sp3d/>
+    <dgm:txPr/>
+    <dgm:style>
+      <a:lnRef idx="2">
+        <a:scrgbClr r="0" g="0" b="0"/>
+      </a:lnRef>
+      <a:fillRef idx="0">
+        <a:scrgbClr r="0" g="0" b="0"/>
+      </a:fillRef>
+      <a:effectRef idx="0">
+        <a:scrgbClr r="0" g="0" b="0"/>
+      </a:effectRef>
+      <a:fontRef idx="minor"/>
+    </dgm:style>
+  </dgm:styleLbl>
+  <dgm:styleLbl name="parChTrans1D2">
+    <dgm:scene3d>
+      <a:camera prst="orthographicFront"/>
+      <a:lightRig rig="threePt" dir="t"/>
+    </dgm:scene3d>
+    <dgm:sp3d/>
+    <dgm:txPr/>
+    <dgm:style>
+      <a:lnRef idx="2">
+        <a:scrgbClr r="0" g="0" b="0"/>
+      </a:lnRef>
+      <a:fillRef idx="0">
+        <a:scrgbClr r="0" g="0" b="0"/>
+      </a:fillRef>
+      <a:effectRef idx="0">
+        <a:scrgbClr r="0" g="0" b="0"/>
+      </a:effectRef>
+      <a:fontRef idx="minor"/>
+    </dgm:style>
+  </dgm:styleLbl>
+  <dgm:styleLbl name="parChTrans1D3">
+    <dgm:scene3d>
+      <a:camera prst="orthographicFront"/>
+      <a:lightRig rig="threePt" dir="t"/>
+    </dgm:scene3d>
+    <dgm:sp3d/>
+    <dgm:txPr/>
+    <dgm:style>
+      <a:lnRef idx="2">
+        <a:scrgbClr r="0" g="0" b="0"/>
+      </a:lnRef>
+      <a:fillRef idx="0">
+        <a:scrgbClr r="0" g="0" b="0"/>
+      </a:fillRef>
+      <a:effectRef idx="0">
+        <a:scrgbClr r="0" g="0" b="0"/>
+      </a:effectRef>
+      <a:fontRef idx="minor"/>
+    </dgm:style>
+  </dgm:styleLbl>
+  <dgm:styleLbl name="parChTrans1D4">
+    <dgm:scene3d>
+      <a:camera prst="orthographicFront"/>
+      <a:lightRig rig="threePt" dir="t"/>
+    </dgm:scene3d>
+    <dgm:sp3d/>
+    <dgm:txPr/>
+    <dgm:style>
+      <a:lnRef idx="2">
+        <a:scrgbClr r="0" g="0" b="0"/>
+      </a:lnRef>
+      <a:fillRef idx="0">
+        <a:scrgbClr r="0" g="0" b="0"/>
+      </a:fillRef>
+      <a:effectRef idx="0">
+        <a:scrgbClr r="0" g="0" b="0"/>
+      </a:effectRef>
+      <a:fontRef idx="minor"/>
+    </dgm:style>
+  </dgm:styleLbl>
+  <dgm:styleLbl name="fgAcc1">
+    <dgm:scene3d>
+      <a:camera prst="orthographicFront"/>
+      <a:lightRig rig="threePt" dir="t"/>
+    </dgm:scene3d>
+    <dgm:sp3d/>
+    <dgm:txPr/>
+    <dgm:style>
+      <a:lnRef idx="2">
+        <a:scrgbClr r="0" g="0" b="0"/>
+      </a:lnRef>
+      <a:fillRef idx="1">
+        <a:scrgbClr r="0" g="0" b="0"/>
+      </a:fillRef>
+      <a:effectRef idx="0">
+        <a:scrgbClr r="0" g="0" b="0"/>
+      </a:effectRef>
+      <a:fontRef idx="minor"/>
+    </dgm:style>
+  </dgm:styleLbl>
+  <dgm:styleLbl name="conFgAcc1">
+    <dgm:scene3d>
+      <a:camera prst="orthographicFront"/>
+      <a:lightRig rig="threePt" dir="t"/>
+    </dgm:scene3d>
+    <dgm:sp3d/>
+    <dgm:txPr/>
+    <dgm:style>
+      <a:lnRef idx="2">
+        <a:scrgbClr r="0" g="0" b="0"/>
+      </a:lnRef>
+      <a:fillRef idx="1">
+        <a:scrgbClr r="0" g="0" b="0"/>
+      </a:fillRef>
+      <a:effectRef idx="0">
+        <a:scrgbClr r="0" g="0" b="0"/>
+      </a:effectRef>
+      <a:fontRef idx="minor"/>
+    </dgm:style>
+  </dgm:styleLbl>
+  <dgm:styleLbl name="alignAcc1">
+    <dgm:scene3d>
+      <a:camera prst="orthographicFront"/>
+      <a:lightRig rig="threePt" dir="t"/>
+    </dgm:scene3d>
+    <dgm:sp3d/>
+    <dgm:txPr/>
+    <dgm:style>
+      <a:lnRef idx="2">
+        <a:scrgbClr r="0" g="0" b="0"/>
+      </a:lnRef>
+      <a:fillRef idx="1">
+        <a:scrgbClr r="0" g="0" b="0"/>
+      </a:fillRef>
+      <a:effectRef idx="0">
+        <a:scrgbClr r="0" g="0" b="0"/>
+      </a:effectRef>
+      <a:fontRef idx="minor"/>
+    </dgm:style>
+  </dgm:styleLbl>
+  <dgm:styleLbl name="trAlignAcc1">
+    <dgm:scene3d>
+      <a:camera prst="orthographicFront"/>
+      <a:lightRig rig="threePt" dir="t"/>
+    </dgm:scene3d>
+    <dgm:sp3d/>
+    <dgm:txPr/>
+    <dgm:style>
+      <a:lnRef idx="1">
+        <a:scrgbClr r="0" g="0" b="0"/>
+      </a:lnRef>
+      <a:fillRef idx="1">
+        <a:scrgbClr r="0" g="0" b="0"/>
+      </a:fillRef>
+      <a:effectRef idx="0">
+        <a:scrgbClr r="0" g="0" b="0"/>
+      </a:effectRef>
+      <a:fontRef idx="minor"/>
+    </dgm:style>
+  </dgm:styleLbl>
+  <dgm:styleLbl name="bgAcc1">
+    <dgm:scene3d>
+      <a:camera prst="orthographicFront"/>
+      <a:lightRig rig="threePt" dir="t"/>
+    </dgm:scene3d>
+    <dgm:sp3d/>
+    <dgm:txPr/>
+    <dgm:style>
+      <a:lnRef idx="2">
+        <a:scrgbClr r="0" g="0" b="0"/>
+      </a:lnRef>
+      <a:fillRef idx="1">
+        <a:scrgbClr r="0" g="0" b="0"/>
+      </a:fillRef>
+      <a:effectRef idx="0">
+        <a:scrgbClr r="0" g="0" b="0"/>
+      </a:effectRef>
+      <a:fontRef idx="minor"/>
+    </dgm:style>
+  </dgm:styleLbl>
+  <dgm:styleLbl name="solidFgAcc1">
+    <dgm:scene3d>
+      <a:camera prst="orthographicFront"/>
+      <a:lightRig rig="threePt" dir="t"/>
+    </dgm:scene3d>
+    <dgm:sp3d/>
+    <dgm:txPr/>
+    <dgm:style>
+      <a:lnRef idx="2">
+        <a:scrgbClr r="0" g="0" b="0"/>
+      </a:lnRef>
+      <a:fillRef idx="1">
+        <a:scrgbClr r="0" g="0" b="0"/>
+      </a:fillRef>
+      <a:effectRef idx="0">
+        <a:scrgbClr r="0" g="0" b="0"/>
+      </a:effectRef>
+      <a:fontRef idx="minor"/>
+    </dgm:style>
+  </dgm:styleLbl>
+  <dgm:styleLbl name="solidAlignAcc1">
+    <dgm:scene3d>
+      <a:camera prst="orthographicFront"/>
+      <a:lightRig rig="threePt" dir="t"/>
+    </dgm:scene3d>
+    <dgm:sp3d/>
+    <dgm:txPr/>
+    <dgm:style>
+      <a:lnRef idx="2">
+        <a:scrgbClr r="0" g="0" b="0"/>
+      </a:lnRef>
+      <a:fillRef idx="1">
+        <a:scrgbClr r="0" g="0" b="0"/>
+      </a:fillRef>
+      <a:effectRef idx="0">
+        <a:scrgbClr r="0" g="0" b="0"/>
+      </a:effectRef>
+      <a:fontRef idx="minor"/>
+    </dgm:style>
+  </dgm:styleLbl>
+  <dgm:styleLbl name="solidBgAcc1">
+    <dgm:scene3d>
+      <a:camera prst="orthographicFront"/>
+      <a:lightRig rig="threePt" dir="t"/>
+    </dgm:scene3d>
+    <dgm:sp3d/>
+    <dgm:txPr/>
+    <dgm:style>
+      <a:lnRef idx="2">
+        <a:scrgbClr r="0" g="0" b="0"/>
+      </a:lnRef>
+      <a:fillRef idx="1">
+        <a:scrgbClr r="0" g="0" b="0"/>
+      </a:fillRef>
+      <a:effectRef idx="0">
+        <a:scrgbClr r="0" g="0" b="0"/>
+      </a:effectRef>
+      <a:fontRef idx="minor"/>
+    </dgm:style>
+  </dgm:styleLbl>
+  <dgm:styleLbl name="fgAccFollowNode1">
+    <dgm:scene3d>
+      <a:camera prst="orthographicFront"/>
+      <a:lightRig rig="threePt" dir="t"/>
+    </dgm:scene3d>
+    <dgm:sp3d/>
+    <dgm:txPr/>
+    <dgm:style>
+      <a:lnRef idx="2">
+        <a:scrgbClr r="0" g="0" b="0"/>
+      </a:lnRef>
+      <a:fillRef idx="1">
+        <a:scrgbClr r="0" g="0" b="0"/>
+      </a:fillRef>
+      <a:effectRef idx="0">
+        <a:scrgbClr r="0" g="0" b="0"/>
+      </a:effectRef>
+      <a:fontRef idx="minor"/>
+    </dgm:style>
+  </dgm:styleLbl>
+  <dgm:styleLbl name="alignAccFollowNode1">
+    <dgm:scene3d>
+      <a:camera prst="orthographicFront"/>
+      <a:lightRig rig="threePt" dir="t"/>
+    </dgm:scene3d>
+    <dgm:sp3d/>
+    <dgm:txPr/>
+    <dgm:style>
+      <a:lnRef idx="2">
+        <a:scrgbClr r="0" g="0" b="0"/>
+      </a:lnRef>
+      <a:fillRef idx="1">
+        <a:scrgbClr r="0" g="0" b="0"/>
+      </a:fillRef>
+      <a:effectRef idx="0">
+        <a:scrgbClr r="0" g="0" b="0"/>
+      </a:effectRef>
+      <a:fontRef idx="minor"/>
+    </dgm:style>
+  </dgm:styleLbl>
+  <dgm:styleLbl name="bgAccFollowNode1">
+    <dgm:scene3d>
+      <a:camera prst="orthographicFront"/>
+      <a:lightRig rig="threePt" dir="t"/>
+    </dgm:scene3d>
+    <dgm:sp3d/>
+    <dgm:txPr/>
+    <dgm:style>
+      <a:lnRef idx="2">
+        <a:scrgbClr r="0" g="0" b="0"/>
+      </a:lnRef>
+      <a:fillRef idx="1">
+        <a:scrgbClr r="0" g="0" b="0"/>
+      </a:fillRef>
+      <a:effectRef idx="0">
+        <a:scrgbClr r="0" g="0" b="0"/>
+      </a:effectRef>
+      <a:fontRef idx="minor"/>
+    </dgm:style>
+  </dgm:styleLbl>
+  <dgm:styleLbl name="fgAcc0">
+    <dgm:scene3d>
+      <a:camera prst="orthographicFront"/>
+      <a:lightRig rig="threePt" dir="t"/>
+    </dgm:scene3d>
+    <dgm:sp3d/>
+    <dgm:txPr/>
+    <dgm:style>
+      <a:lnRef idx="2">
+        <a:scrgbClr r="0" g="0" b="0"/>
+      </a:lnRef>
+      <a:fillRef idx="1">
+        <a:scrgbClr r="0" g="0" b="0"/>
+      </a:fillRef>
+      <a:effectRef idx="0">
+        <a:scrgbClr r="0" g="0" b="0"/>
+      </a:effectRef>
+      <a:fontRef idx="minor"/>
+    </dgm:style>
+  </dgm:styleLbl>
+  <dgm:styleLbl name="fgAcc2">
+    <dgm:scene3d>
+      <a:camera prst="orthographicFront"/>
+      <a:lightRig rig="threePt" dir="t"/>
+    </dgm:scene3d>
+    <dgm:sp3d/>
+    <dgm:txPr/>
+    <dgm:style>
+      <a:lnRef idx="2">
+        <a:scrgbClr r="0" g="0" b="0"/>
+      </a:lnRef>
+      <a:fillRef idx="1">
+        <a:scrgbClr r="0" g="0" b="0"/>
+      </a:fillRef>
+      <a:effectRef idx="0">
+        <a:scrgbClr r="0" g="0" b="0"/>
+      </a:effectRef>
+      <a:fontRef idx="minor"/>
+    </dgm:style>
+  </dgm:styleLbl>
+  <dgm:styleLbl name="fgAcc3">
+    <dgm:scene3d>
+      <a:camera prst="orthographicFront"/>
+      <a:lightRig rig="threePt" dir="t"/>
+    </dgm:scene3d>
+    <dgm:sp3d/>
+    <dgm:txPr/>
+    <dgm:style>
+      <a:lnRef idx="2">
+        <a:scrgbClr r="0" g="0" b="0"/>
+      </a:lnRef>
+      <a:fillRef idx="1">
+        <a:scrgbClr r="0" g="0" b="0"/>
+      </a:fillRef>
+      <a:effectRef idx="0">
+        <a:scrgbClr r="0" g="0" b="0"/>
+      </a:effectRef>
+      <a:fontRef idx="minor"/>
+    </dgm:style>
+  </dgm:styleLbl>
+  <dgm:styleLbl name="fgAcc4">
+    <dgm:scene3d>
+      <a:camera prst="orthographicFront"/>
+      <a:lightRig rig="threePt" dir="t"/>
+    </dgm:scene3d>
+    <dgm:sp3d/>
+    <dgm:txPr/>
+    <dgm:style>
+      <a:lnRef idx="2">
+        <a:scrgbClr r="0" g="0" b="0"/>
+      </a:lnRef>
+      <a:fillRef idx="1">
+        <a:scrgbClr r="0" g="0" b="0"/>
+      </a:fillRef>
+      <a:effectRef idx="0">
+        <a:scrgbClr r="0" g="0" b="0"/>
+      </a:effectRef>
+      <a:fontRef idx="minor"/>
+    </dgm:style>
+  </dgm:styleLbl>
+  <dgm:styleLbl name="bgShp">
+    <dgm:scene3d>
+      <a:camera prst="orthographicFront"/>
+      <a:lightRig rig="threePt" dir="t"/>
+    </dgm:scene3d>
+    <dgm:sp3d/>
+    <dgm:txPr/>
+    <dgm:style>
+      <a:lnRef idx="0">
+        <a:scrgbClr r="0" g="0" b="0"/>
+      </a:lnRef>
+      <a:fillRef idx="1">
+        <a:scrgbClr r="0" g="0" b="0"/>
+      </a:fillRef>
+      <a:effectRef idx="0">
+        <a:scrgbClr r="0" g="0" b="0"/>
+      </a:effectRef>
+      <a:fontRef idx="minor"/>
+    </dgm:style>
+  </dgm:styleLbl>
+  <dgm:styleLbl name="dkBgShp">
+    <dgm:scene3d>
+      <a:camera prst="orthographicFront"/>
+      <a:lightRig rig="threePt" dir="t"/>
+    </dgm:scene3d>
+    <dgm:sp3d/>
+    <dgm:txPr/>
+    <dgm:style>
+      <a:lnRef idx="0">
+        <a:scrgbClr r="0" g="0" b="0"/>
+      </a:lnRef>
+      <a:fillRef idx="1">
+        <a:scrgbClr r="0" g="0" b="0"/>
+      </a:fillRef>
+      <a:effectRef idx="0">
+        <a:scrgbClr r="0" g="0" b="0"/>
+      </a:effectRef>
+      <a:fontRef idx="minor"/>
+    </dgm:style>
+  </dgm:styleLbl>
+  <dgm:styleLbl name="trBgShp">
+    <dgm:scene3d>
+      <a:camera prst="orthographicFront"/>
+      <a:lightRig rig="threePt" dir="t"/>
+    </dgm:scene3d>
+    <dgm:sp3d/>
+    <dgm:txPr/>
+    <dgm:style>
+      <a:lnRef idx="0">
+        <a:scrgbClr r="0" g="0" b="0"/>
+      </a:lnRef>
+      <a:fillRef idx="1">
+        <a:scrgbClr r="0" g="0" b="0"/>
+      </a:fillRef>
+      <a:effectRef idx="0">
+        <a:scrgbClr r="0" g="0" b="0"/>
+      </a:effectRef>
+      <a:fontRef idx="minor"/>
+    </dgm:style>
+  </dgm:styleLbl>
+  <dgm:styleLbl name="fgShp">
+    <dgm:scene3d>
+      <a:camera prst="orthographicFront"/>
+      <a:lightRig rig="threePt" dir="t"/>
+    </dgm:scene3d>
+    <dgm:sp3d/>
+    <dgm:txPr/>
+    <dgm:style>
+      <a:lnRef idx="2">
+        <a:scrgbClr r="0" g="0" b="0"/>
+      </a:lnRef>
+      <a:fillRef idx="1">
+        <a:scrgbClr r="0" g="0" b="0"/>
+      </a:fillRef>
+      <a:effectRef idx="0">
+        <a:scrgbClr r="0" g="0" b="0"/>
+      </a:effectRef>
+      <a:fontRef idx="minor"/>
+    </dgm:style>
+  </dgm:styleLbl>
+  <dgm:styleLbl name="revTx">
+    <dgm:scene3d>
+      <a:camera prst="orthographicFront"/>
+      <a:lightRig rig="threePt" dir="t"/>
+    </dgm:scene3d>
+    <dgm:sp3d/>
+    <dgm:txPr/>
+    <dgm:style>
+      <a:lnRef idx="0">
+        <a:scrgbClr r="0" g="0" b="0"/>
+      </a:lnRef>
+      <a:fillRef idx="0">
+        <a:scrgbClr r="0" g="0" b="0"/>
+      </a:fillRef>
+      <a:effectRef idx="0">
+        <a:scrgbClr r="0" g="0" b="0"/>
+      </a:effectRef>
+      <a:fontRef idx="minor"/>
+    </dgm:style>
+  </dgm:styleLbl>
+</dgm:styleDef>
+</file>
+
 <file path=ppt/handoutMasters/handoutMaster1.xml><?xml version="1.0" encoding="utf-8"?>
 <p:handoutMaster xmlns:a="http://schemas.openxmlformats.org/drawingml/2006/main" xmlns:r="http://schemas.openxmlformats.org/officeDocument/2006/relationships" xmlns:p="http://schemas.openxmlformats.org/presentationml/2006/main">
   <p:cSld>
@@ -223,7 +2850,7 @@
             <a:fld id="{7785875F-706E-40BB-864A-2D06F0E4670E}" type="datetimeFigureOut">
               <a:rPr lang="en-AU" smtClean="0"/>
               <a:pPr/>
-              <a:t>4/03/2012</a:t>
+              <a:t>5/03/2012</a:t>
             </a:fld>
             <a:endParaRPr lang="en-AU" dirty="0"/>
           </a:p>
@@ -390,7 +3017,7 @@
             <a:fld id="{7DDF49B5-0C03-42A4-A086-8D97D52D2493}" type="datetimeFigureOut">
               <a:rPr lang="en-AU" smtClean="0"/>
               <a:pPr/>
-              <a:t>4/03/2012</a:t>
+              <a:t>5/03/2012</a:t>
             </a:fld>
             <a:endParaRPr lang="en-AU" dirty="0"/>
           </a:p>
@@ -746,6 +3373,213 @@
 </p:notes>
 </file>
 
+<file path=ppt/notesSlides/notesSlide2.xml><?xml version="1.0" encoding="utf-8"?>
+<p:notes xmlns:a="http://schemas.openxmlformats.org/drawingml/2006/main" xmlns:r="http://schemas.openxmlformats.org/officeDocument/2006/relationships" xmlns:p="http://schemas.openxmlformats.org/presentationml/2006/main">
+  <p:cSld>
+    <p:spTree>
+      <p:nvGrpSpPr>
+        <p:cNvPr id="1" name=""/>
+        <p:cNvGrpSpPr/>
+        <p:nvPr/>
+      </p:nvGrpSpPr>
+      <p:grpSpPr>
+        <a:xfrm>
+          <a:off x="0" y="0"/>
+          <a:ext cx="0" cy="0"/>
+          <a:chOff x="0" y="0"/>
+          <a:chExt cx="0" cy="0"/>
+        </a:xfrm>
+      </p:grpSpPr>
+      <p:sp>
+        <p:nvSpPr>
+          <p:cNvPr id="2" name="Slide Image Placeholder 1"/>
+          <p:cNvSpPr>
+            <a:spLocks noGrp="1" noRot="1" noChangeAspect="1"/>
+          </p:cNvSpPr>
+          <p:nvPr>
+            <p:ph type="sldImg"/>
+          </p:nvPr>
+        </p:nvSpPr>
+        <p:spPr/>
+      </p:sp>
+      <p:sp>
+        <p:nvSpPr>
+          <p:cNvPr id="3" name="Notes Placeholder 2"/>
+          <p:cNvSpPr>
+            <a:spLocks noGrp="1"/>
+          </p:cNvSpPr>
+          <p:nvPr>
+            <p:ph type="body" idx="1"/>
+          </p:nvPr>
+        </p:nvSpPr>
+        <p:spPr/>
+        <p:txBody>
+          <a:bodyPr/>
+          <a:lstStyle/>
+          <a:p>
+            <a:endParaRPr lang="en-AU" dirty="0"/>
+          </a:p>
+        </p:txBody>
+      </p:sp>
+      <p:sp>
+        <p:nvSpPr>
+          <p:cNvPr id="4" name="Slide Number Placeholder 3"/>
+          <p:cNvSpPr>
+            <a:spLocks noGrp="1"/>
+          </p:cNvSpPr>
+          <p:nvPr>
+            <p:ph type="sldNum" sz="quarter" idx="10"/>
+          </p:nvPr>
+        </p:nvSpPr>
+        <p:spPr/>
+        <p:txBody>
+          <a:bodyPr/>
+          <a:lstStyle/>
+          <a:p>
+            <a:fld id="{0C6F02B4-1092-4461-B0F9-3B294B1D8DE8}" type="slidenum">
+              <a:rPr lang="en-AU" smtClean="0"/>
+              <a:pPr/>
+              <a:t>7</a:t>
+            </a:fld>
+            <a:endParaRPr lang="en-AU" dirty="0"/>
+          </a:p>
+        </p:txBody>
+      </p:sp>
+    </p:spTree>
+    <p:extLst>
+      <p:ext uri="{BB962C8B-B14F-4D97-AF65-F5344CB8AC3E}">
+        <p14:creationId xmlns:p14="http://schemas.microsoft.com/office/powerpoint/2010/main" val="1649983232"/>
+      </p:ext>
+    </p:extLst>
+  </p:cSld>
+  <p:clrMapOvr>
+    <a:masterClrMapping/>
+  </p:clrMapOvr>
+</p:notes>
+</file>
+
+<file path=ppt/notesSlides/notesSlide3.xml><?xml version="1.0" encoding="utf-8"?>
+<p:notes xmlns:a="http://schemas.openxmlformats.org/drawingml/2006/main" xmlns:r="http://schemas.openxmlformats.org/officeDocument/2006/relationships" xmlns:p="http://schemas.openxmlformats.org/presentationml/2006/main">
+  <p:cSld>
+    <p:spTree>
+      <p:nvGrpSpPr>
+        <p:cNvPr id="1" name=""/>
+        <p:cNvGrpSpPr/>
+        <p:nvPr/>
+      </p:nvGrpSpPr>
+      <p:grpSpPr>
+        <a:xfrm>
+          <a:off x="0" y="0"/>
+          <a:ext cx="0" cy="0"/>
+          <a:chOff x="0" y="0"/>
+          <a:chExt cx="0" cy="0"/>
+        </a:xfrm>
+      </p:grpSpPr>
+      <p:sp>
+        <p:nvSpPr>
+          <p:cNvPr id="2" name="Slide Image Placeholder 1"/>
+          <p:cNvSpPr>
+            <a:spLocks noGrp="1" noRot="1" noChangeAspect="1"/>
+          </p:cNvSpPr>
+          <p:nvPr>
+            <p:ph type="sldImg"/>
+          </p:nvPr>
+        </p:nvSpPr>
+        <p:spPr/>
+      </p:sp>
+      <p:sp>
+        <p:nvSpPr>
+          <p:cNvPr id="3" name="Notes Placeholder 2"/>
+          <p:cNvSpPr>
+            <a:spLocks noGrp="1"/>
+          </p:cNvSpPr>
+          <p:nvPr>
+            <p:ph type="body" idx="1"/>
+          </p:nvPr>
+        </p:nvSpPr>
+        <p:spPr/>
+        <p:txBody>
+          <a:bodyPr/>
+          <a:lstStyle/>
+          <a:p>
+            <a:r>
+              <a:rPr lang="en-AU" dirty="0" smtClean="0"/>
+              <a:t>In node.js only</a:t>
+            </a:r>
+            <a:r>
+              <a:rPr lang="en-AU" baseline="0" dirty="0" smtClean="0"/>
+              <a:t> one piece of code is ever executing at any one time , everything is single threaded. Whenever you write code that will perform some I/O you wrap it in a function specifying a call back to execute when it completes.</a:t>
+            </a:r>
+          </a:p>
+          <a:p>
+            <a:endParaRPr lang="en-AU" baseline="0" dirty="0" smtClean="0"/>
+          </a:p>
+          <a:p>
+            <a:r>
+              <a:rPr lang="en-AU" baseline="0" dirty="0" smtClean="0"/>
+              <a:t>Downside is if you write bad code you can block EVERYBODY.</a:t>
+            </a:r>
+          </a:p>
+          <a:p>
+            <a:endParaRPr lang="en-AU" baseline="0" dirty="0" smtClean="0"/>
+          </a:p>
+          <a:p>
+            <a:r>
+              <a:rPr lang="en-AU" baseline="0" dirty="0" smtClean="0"/>
+              <a:t>The event loop co-ordinates what code executes next..</a:t>
+            </a:r>
+          </a:p>
+          <a:p>
+            <a:endParaRPr lang="en-AU" baseline="0" dirty="0" smtClean="0"/>
+          </a:p>
+          <a:p>
+            <a:r>
+              <a:rPr lang="en-AU" baseline="0" dirty="0" smtClean="0"/>
+              <a:t>Under the covers a small number threads execute the I/O operations but you don’t have any control over this…</a:t>
+            </a:r>
+          </a:p>
+          <a:p>
+            <a:endParaRPr lang="en-AU" dirty="0"/>
+          </a:p>
+        </p:txBody>
+      </p:sp>
+      <p:sp>
+        <p:nvSpPr>
+          <p:cNvPr id="4" name="Slide Number Placeholder 3"/>
+          <p:cNvSpPr>
+            <a:spLocks noGrp="1"/>
+          </p:cNvSpPr>
+          <p:nvPr>
+            <p:ph type="sldNum" sz="quarter" idx="10"/>
+          </p:nvPr>
+        </p:nvSpPr>
+        <p:spPr/>
+        <p:txBody>
+          <a:bodyPr/>
+          <a:lstStyle/>
+          <a:p>
+            <a:fld id="{0C6F02B4-1092-4461-B0F9-3B294B1D8DE8}" type="slidenum">
+              <a:rPr lang="en-AU" smtClean="0"/>
+              <a:pPr/>
+              <a:t>8</a:t>
+            </a:fld>
+            <a:endParaRPr lang="en-AU" dirty="0"/>
+          </a:p>
+        </p:txBody>
+      </p:sp>
+    </p:spTree>
+    <p:extLst>
+      <p:ext uri="{BB962C8B-B14F-4D97-AF65-F5344CB8AC3E}">
+        <p14:creationId xmlns:p14="http://schemas.microsoft.com/office/powerpoint/2010/main" val="541688045"/>
+      </p:ext>
+    </p:extLst>
+  </p:cSld>
+  <p:clrMapOvr>
+    <a:masterClrMapping/>
+  </p:clrMapOvr>
+</p:notes>
+</file>
+
 <file path=ppt/slideLayouts/slideLayout1.xml><?xml version="1.0" encoding="utf-8"?>
 <p:sldLayout xmlns:a="http://schemas.openxmlformats.org/drawingml/2006/main" xmlns:r="http://schemas.openxmlformats.org/officeDocument/2006/relationships" xmlns:p="http://schemas.openxmlformats.org/presentationml/2006/main" type="title" preserve="1">
   <p:cSld name="Presentation Title Slide">
@@ -2685,7 +5519,7 @@
             <a:fld id="{CA10310C-7EC1-470A-8BF5-D51EF2D864BA}" type="datetimeFigureOut">
               <a:rPr lang="en-AU" smtClean="0"/>
               <a:pPr/>
-              <a:t>4/03/2012</a:t>
+              <a:t>5/03/2012</a:t>
             </a:fld>
             <a:endParaRPr lang="en-AU"/>
           </a:p>
@@ -2852,7 +5686,7 @@
             <a:fld id="{CA10310C-7EC1-470A-8BF5-D51EF2D864BA}" type="datetimeFigureOut">
               <a:rPr lang="en-AU" smtClean="0"/>
               <a:pPr/>
-              <a:t>4/03/2012</a:t>
+              <a:t>5/03/2012</a:t>
             </a:fld>
             <a:endParaRPr lang="en-AU"/>
           </a:p>
@@ -3095,7 +5929,7 @@
             <a:fld id="{CA10310C-7EC1-470A-8BF5-D51EF2D864BA}" type="datetimeFigureOut">
               <a:rPr lang="en-AU" smtClean="0"/>
               <a:pPr/>
-              <a:t>4/03/2012</a:t>
+              <a:t>5/03/2012</a:t>
             </a:fld>
             <a:endParaRPr lang="en-AU"/>
           </a:p>
@@ -3380,7 +6214,7 @@
             <a:fld id="{CA10310C-7EC1-470A-8BF5-D51EF2D864BA}" type="datetimeFigureOut">
               <a:rPr lang="en-AU" smtClean="0"/>
               <a:pPr/>
-              <a:t>4/03/2012</a:t>
+              <a:t>5/03/2012</a:t>
             </a:fld>
             <a:endParaRPr lang="en-AU"/>
           </a:p>
@@ -3799,7 +6633,7 @@
             <a:fld id="{CA10310C-7EC1-470A-8BF5-D51EF2D864BA}" type="datetimeFigureOut">
               <a:rPr lang="en-AU" smtClean="0"/>
               <a:pPr/>
-              <a:t>4/03/2012</a:t>
+              <a:t>5/03/2012</a:t>
             </a:fld>
             <a:endParaRPr lang="en-AU"/>
           </a:p>
@@ -3914,7 +6748,7 @@
             <a:fld id="{CA10310C-7EC1-470A-8BF5-D51EF2D864BA}" type="datetimeFigureOut">
               <a:rPr lang="en-AU" smtClean="0"/>
               <a:pPr/>
-              <a:t>4/03/2012</a:t>
+              <a:t>5/03/2012</a:t>
             </a:fld>
             <a:endParaRPr lang="en-AU"/>
           </a:p>
@@ -4006,7 +6840,7 @@
             <a:fld id="{CA10310C-7EC1-470A-8BF5-D51EF2D864BA}" type="datetimeFigureOut">
               <a:rPr lang="en-AU" smtClean="0"/>
               <a:pPr/>
-              <a:t>4/03/2012</a:t>
+              <a:t>5/03/2012</a:t>
             </a:fld>
             <a:endParaRPr lang="en-AU"/>
           </a:p>
@@ -4280,7 +7114,7 @@
             <a:fld id="{CA10310C-7EC1-470A-8BF5-D51EF2D864BA}" type="datetimeFigureOut">
               <a:rPr lang="en-AU" smtClean="0"/>
               <a:pPr/>
-              <a:t>4/03/2012</a:t>
+              <a:t>5/03/2012</a:t>
             </a:fld>
             <a:endParaRPr lang="en-AU"/>
           </a:p>
@@ -4530,7 +7364,7 @@
             <a:fld id="{CA10310C-7EC1-470A-8BF5-D51EF2D864BA}" type="datetimeFigureOut">
               <a:rPr lang="en-AU" smtClean="0"/>
               <a:pPr/>
-              <a:t>4/03/2012</a:t>
+              <a:t>5/03/2012</a:t>
             </a:fld>
             <a:endParaRPr lang="en-AU"/>
           </a:p>
@@ -4697,7 +7531,7 @@
             <a:fld id="{CA10310C-7EC1-470A-8BF5-D51EF2D864BA}" type="datetimeFigureOut">
               <a:rPr lang="en-AU" smtClean="0"/>
               <a:pPr/>
-              <a:t>4/03/2012</a:t>
+              <a:t>5/03/2012</a:t>
             </a:fld>
             <a:endParaRPr lang="en-AU"/>
           </a:p>
@@ -4983,7 +7817,7 @@
             <a:fld id="{CA10310C-7EC1-470A-8BF5-D51EF2D864BA}" type="datetimeFigureOut">
               <a:rPr lang="en-AU" smtClean="0"/>
               <a:pPr/>
-              <a:t>4/03/2012</a:t>
+              <a:t>5/03/2012</a:t>
             </a:fld>
             <a:endParaRPr lang="en-AU"/>
           </a:p>
@@ -5222,7 +8056,7 @@
             <a:fld id="{85CE8AA0-9735-4FA2-95DD-391EE93AFE89}" type="datetimeFigureOut">
               <a:rPr lang="en-AU" smtClean="0"/>
               <a:pPr/>
-              <a:t>4/03/2012</a:t>
+              <a:t>5/03/2012</a:t>
             </a:fld>
             <a:endParaRPr lang="en-AU"/>
           </a:p>
@@ -5389,7 +8223,7 @@
             <a:fld id="{85CE8AA0-9735-4FA2-95DD-391EE93AFE89}" type="datetimeFigureOut">
               <a:rPr lang="en-AU" smtClean="0"/>
               <a:pPr/>
-              <a:t>4/03/2012</a:t>
+              <a:t>5/03/2012</a:t>
             </a:fld>
             <a:endParaRPr lang="en-AU"/>
           </a:p>
@@ -5632,7 +8466,7 @@
             <a:fld id="{85CE8AA0-9735-4FA2-95DD-391EE93AFE89}" type="datetimeFigureOut">
               <a:rPr lang="en-AU" smtClean="0"/>
               <a:pPr/>
-              <a:t>4/03/2012</a:t>
+              <a:t>5/03/2012</a:t>
             </a:fld>
             <a:endParaRPr lang="en-AU"/>
           </a:p>
@@ -5917,7 +8751,7 @@
             <a:fld id="{85CE8AA0-9735-4FA2-95DD-391EE93AFE89}" type="datetimeFigureOut">
               <a:rPr lang="en-AU" smtClean="0"/>
               <a:pPr/>
-              <a:t>4/03/2012</a:t>
+              <a:t>5/03/2012</a:t>
             </a:fld>
             <a:endParaRPr lang="en-AU"/>
           </a:p>
@@ -6336,7 +9170,7 @@
             <a:fld id="{85CE8AA0-9735-4FA2-95DD-391EE93AFE89}" type="datetimeFigureOut">
               <a:rPr lang="en-AU" smtClean="0"/>
               <a:pPr/>
-              <a:t>4/03/2012</a:t>
+              <a:t>5/03/2012</a:t>
             </a:fld>
             <a:endParaRPr lang="en-AU"/>
           </a:p>
@@ -6451,7 +9285,7 @@
             <a:fld id="{85CE8AA0-9735-4FA2-95DD-391EE93AFE89}" type="datetimeFigureOut">
               <a:rPr lang="en-AU" smtClean="0"/>
               <a:pPr/>
-              <a:t>4/03/2012</a:t>
+              <a:t>5/03/2012</a:t>
             </a:fld>
             <a:endParaRPr lang="en-AU"/>
           </a:p>
@@ -6543,7 +9377,7 @@
             <a:fld id="{85CE8AA0-9735-4FA2-95DD-391EE93AFE89}" type="datetimeFigureOut">
               <a:rPr lang="en-AU" smtClean="0"/>
               <a:pPr/>
-              <a:t>4/03/2012</a:t>
+              <a:t>5/03/2012</a:t>
             </a:fld>
             <a:endParaRPr lang="en-AU"/>
           </a:p>
@@ -6817,7 +9651,7 @@
             <a:fld id="{85CE8AA0-9735-4FA2-95DD-391EE93AFE89}" type="datetimeFigureOut">
               <a:rPr lang="en-AU" smtClean="0"/>
               <a:pPr/>
-              <a:t>4/03/2012</a:t>
+              <a:t>5/03/2012</a:t>
             </a:fld>
             <a:endParaRPr lang="en-AU"/>
           </a:p>
@@ -7067,7 +9901,7 @@
             <a:fld id="{85CE8AA0-9735-4FA2-95DD-391EE93AFE89}" type="datetimeFigureOut">
               <a:rPr lang="en-AU" smtClean="0"/>
               <a:pPr/>
-              <a:t>4/03/2012</a:t>
+              <a:t>5/03/2012</a:t>
             </a:fld>
             <a:endParaRPr lang="en-AU"/>
           </a:p>
@@ -7343,7 +10177,7 @@
             <a:fld id="{85CE8AA0-9735-4FA2-95DD-391EE93AFE89}" type="datetimeFigureOut">
               <a:rPr lang="en-AU" smtClean="0"/>
               <a:pPr/>
-              <a:t>4/03/2012</a:t>
+              <a:t>5/03/2012</a:t>
             </a:fld>
             <a:endParaRPr lang="en-AU"/>
           </a:p>
@@ -7520,7 +10354,7 @@
             <a:fld id="{85CE8AA0-9735-4FA2-95DD-391EE93AFE89}" type="datetimeFigureOut">
               <a:rPr lang="en-AU" smtClean="0"/>
               <a:pPr/>
-              <a:t>4/03/2012</a:t>
+              <a:t>5/03/2012</a:t>
             </a:fld>
             <a:endParaRPr lang="en-AU"/>
           </a:p>
@@ -7635,7 +10469,7 @@
             <a:fld id="{85CE8AA0-9735-4FA2-95DD-391EE93AFE89}" type="datetimeFigureOut">
               <a:rPr lang="en-AU" smtClean="0"/>
               <a:pPr/>
-              <a:t>4/03/2012</a:t>
+              <a:t>5/03/2012</a:t>
             </a:fld>
             <a:endParaRPr lang="en-AU"/>
           </a:p>
@@ -8723,7 +11557,7 @@
             <a:fld id="{CA10310C-7EC1-470A-8BF5-D51EF2D864BA}" type="datetimeFigureOut">
               <a:rPr lang="en-AU" smtClean="0"/>
               <a:pPr/>
-              <a:t>4/03/2012</a:t>
+              <a:t>5/03/2012</a:t>
             </a:fld>
             <a:endParaRPr lang="en-AU"/>
           </a:p>
@@ -9233,7 +12067,7 @@
             <a:fld id="{85CE8AA0-9735-4FA2-95DD-391EE93AFE89}" type="datetimeFigureOut">
               <a:rPr lang="en-AU" smtClean="0"/>
               <a:pPr/>
-              <a:t>4/03/2012</a:t>
+              <a:t>5/03/2012</a:t>
             </a:fld>
             <a:endParaRPr lang="en-AU"/>
           </a:p>
@@ -9859,40 +12693,76 @@
           <a:chExt cx="0" cy="0"/>
         </a:xfrm>
       </p:grpSpPr>
-      <p:pic>
-        <p:nvPicPr>
-          <p:cNvPr id="2" name="Picture 1"/>
-          <p:cNvPicPr>
-            <a:picLocks noChangeAspect="1"/>
-          </p:cNvPicPr>
-          <p:nvPr/>
-        </p:nvPicPr>
-        <p:blipFill>
-          <a:blip r:embed="rId2">
-            <a:extLst>
-              <a:ext uri="{28A0092B-C50C-407E-A947-70E740481C1C}">
-                <a14:useLocalDpi xmlns:a14="http://schemas.microsoft.com/office/drawing/2010/main" val="0"/>
-              </a:ext>
-            </a:extLst>
-          </a:blip>
-          <a:stretch>
-            <a:fillRect/>
-          </a:stretch>
-        </p:blipFill>
-        <p:spPr>
-          <a:xfrm>
-            <a:off x="94625" y="75732"/>
-            <a:ext cx="8954750" cy="6706536"/>
-          </a:xfrm>
-          <a:prstGeom prst="rect">
-            <a:avLst/>
-          </a:prstGeom>
-        </p:spPr>
-      </p:pic>
+      <p:sp>
+        <p:nvSpPr>
+          <p:cNvPr id="2" name="Title 1"/>
+          <p:cNvSpPr>
+            <a:spLocks noGrp="1"/>
+          </p:cNvSpPr>
+          <p:nvPr>
+            <p:ph type="title"/>
+          </p:nvPr>
+        </p:nvSpPr>
+        <p:spPr/>
+        <p:txBody>
+          <a:bodyPr/>
+          <a:lstStyle/>
+          <a:p>
+            <a:r>
+              <a:rPr lang="en-AU" dirty="0" smtClean="0"/>
+              <a:t>Why JavaScript?</a:t>
+            </a:r>
+            <a:endParaRPr lang="en-AU" dirty="0"/>
+          </a:p>
+        </p:txBody>
+      </p:sp>
+      <p:sp>
+        <p:nvSpPr>
+          <p:cNvPr id="3" name="Text Placeholder 2"/>
+          <p:cNvSpPr>
+            <a:spLocks noGrp="1"/>
+          </p:cNvSpPr>
+          <p:nvPr>
+            <p:ph type="body" sz="quarter" idx="10"/>
+          </p:nvPr>
+        </p:nvSpPr>
+        <p:spPr/>
+        <p:txBody>
+          <a:bodyPr/>
+          <a:lstStyle/>
+          <a:p>
+            <a:r>
+              <a:rPr lang="en-AU" dirty="0" smtClean="0"/>
+              <a:t>Include fact that functions are first class objects !</a:t>
+            </a:r>
+          </a:p>
+          <a:p>
+            <a:endParaRPr lang="en-AU" dirty="0"/>
+          </a:p>
+          <a:p>
+            <a:r>
+              <a:rPr lang="en-AU" dirty="0">
+                <a:hlinkClick r:id="rId2"/>
+              </a:rPr>
+              <a:t>http://</a:t>
+            </a:r>
+            <a:r>
+              <a:rPr lang="en-AU" dirty="0" smtClean="0">
+                <a:hlinkClick r:id="rId2"/>
+              </a:rPr>
+              <a:t>nodetuts.com/pdf/handson-nodejs-sample.pdf</a:t>
+            </a:r>
+            <a:endParaRPr lang="en-AU" dirty="0" smtClean="0"/>
+          </a:p>
+          <a:p>
+            <a:endParaRPr lang="en-AU" dirty="0"/>
+          </a:p>
+        </p:txBody>
+      </p:sp>
     </p:spTree>
     <p:extLst>
       <p:ext uri="{BB962C8B-B14F-4D97-AF65-F5344CB8AC3E}">
-        <p14:creationId xmlns:p14="http://schemas.microsoft.com/office/powerpoint/2010/main" val="1050224995"/>
+        <p14:creationId xmlns:p14="http://schemas.microsoft.com/office/powerpoint/2010/main" val="3422043080"/>
       </p:ext>
     </p:extLst>
   </p:cSld>
@@ -9929,40 +12799,120 @@
           <a:chExt cx="0" cy="0"/>
         </a:xfrm>
       </p:grpSpPr>
-      <p:pic>
-        <p:nvPicPr>
-          <p:cNvPr id="4" name="Picture 3"/>
-          <p:cNvPicPr>
-            <a:picLocks noChangeAspect="1"/>
-          </p:cNvPicPr>
-          <p:nvPr/>
-        </p:nvPicPr>
-        <p:blipFill>
-          <a:blip r:embed="rId2">
-            <a:extLst>
-              <a:ext uri="{28A0092B-C50C-407E-A947-70E740481C1C}">
-                <a14:useLocalDpi xmlns:a14="http://schemas.microsoft.com/office/drawing/2010/main" val="0"/>
-              </a:ext>
-            </a:extLst>
-          </a:blip>
-          <a:stretch>
-            <a:fillRect/>
-          </a:stretch>
-        </p:blipFill>
-        <p:spPr>
-          <a:xfrm>
-            <a:off x="66046" y="42389"/>
-            <a:ext cx="9011908" cy="6773221"/>
-          </a:xfrm>
-          <a:prstGeom prst="rect">
-            <a:avLst/>
-          </a:prstGeom>
-        </p:spPr>
-      </p:pic>
+      <p:sp>
+        <p:nvSpPr>
+          <p:cNvPr id="2" name="Title 1"/>
+          <p:cNvSpPr>
+            <a:spLocks noGrp="1"/>
+          </p:cNvSpPr>
+          <p:nvPr>
+            <p:ph type="title"/>
+          </p:nvPr>
+        </p:nvSpPr>
+        <p:spPr/>
+        <p:txBody>
+          <a:bodyPr/>
+          <a:lstStyle/>
+          <a:p>
+            <a:r>
+              <a:rPr lang="en-AU" dirty="0" smtClean="0"/>
+              <a:t>NPM  node package manger</a:t>
+            </a:r>
+            <a:endParaRPr lang="en-AU" dirty="0"/>
+          </a:p>
+        </p:txBody>
+      </p:sp>
+      <p:sp>
+        <p:nvSpPr>
+          <p:cNvPr id="3" name="Text Placeholder 2"/>
+          <p:cNvSpPr>
+            <a:spLocks noGrp="1"/>
+          </p:cNvSpPr>
+          <p:nvPr>
+            <p:ph type="body" sz="quarter" idx="10"/>
+          </p:nvPr>
+        </p:nvSpPr>
+        <p:spPr/>
+        <p:txBody>
+          <a:bodyPr/>
+          <a:lstStyle/>
+          <a:p>
+            <a:r>
+              <a:rPr lang="en-AU" dirty="0" smtClean="0"/>
+              <a:t>JavaScript  closures run on different threads from event loop</a:t>
+            </a:r>
+          </a:p>
+          <a:p>
+            <a:r>
+              <a:rPr lang="en-AU" dirty="0" smtClean="0"/>
+              <a:t>Mention </a:t>
+            </a:r>
+            <a:r>
+              <a:rPr lang="en-AU" dirty="0" err="1" smtClean="0"/>
+              <a:t>joyet</a:t>
+            </a:r>
+            <a:r>
+              <a:rPr lang="en-AU" dirty="0" smtClean="0"/>
+              <a:t> and Ryan ?</a:t>
+            </a:r>
+          </a:p>
+          <a:p>
+            <a:r>
+              <a:rPr lang="en-AU" dirty="0" smtClean="0"/>
+              <a:t>Only uses 1 core .. Need to run Cluster ?? To  get  multi core </a:t>
+            </a:r>
+            <a:r>
+              <a:rPr lang="en-AU" dirty="0"/>
+              <a:t> </a:t>
+            </a:r>
+            <a:r>
+              <a:rPr lang="en-AU" dirty="0" smtClean="0"/>
+              <a:t>and then there is no inter process </a:t>
+            </a:r>
+            <a:r>
+              <a:rPr lang="en-AU" dirty="0" err="1" smtClean="0"/>
+              <a:t>comms</a:t>
+            </a:r>
+            <a:endParaRPr lang="en-AU" dirty="0" smtClean="0"/>
+          </a:p>
+          <a:p>
+            <a:r>
+              <a:rPr lang="en-AU" dirty="0" smtClean="0"/>
+              <a:t>Like no </a:t>
+            </a:r>
+            <a:r>
+              <a:rPr lang="en-AU" dirty="0" err="1" smtClean="0"/>
+              <a:t>sql</a:t>
+            </a:r>
+            <a:r>
+              <a:rPr lang="en-AU" dirty="0" smtClean="0"/>
+              <a:t> </a:t>
+            </a:r>
+            <a:r>
+              <a:rPr lang="en-AU" dirty="0" err="1" smtClean="0"/>
+              <a:t>ovement</a:t>
+            </a:r>
+            <a:r>
+              <a:rPr lang="en-AU" dirty="0" smtClean="0"/>
+              <a:t> for </a:t>
+            </a:r>
+            <a:r>
+              <a:rPr lang="en-AU" smtClean="0"/>
+              <a:t>web servers…</a:t>
+            </a:r>
+          </a:p>
+          <a:p>
+            <a:endParaRPr lang="en-AU" dirty="0" smtClean="0"/>
+          </a:p>
+          <a:p>
+            <a:endParaRPr lang="en-AU" dirty="0"/>
+          </a:p>
+        </p:txBody>
+      </p:sp>
     </p:spTree>
     <p:extLst>
       <p:ext uri="{BB962C8B-B14F-4D97-AF65-F5344CB8AC3E}">
-        <p14:creationId xmlns:p14="http://schemas.microsoft.com/office/powerpoint/2010/main" val="2324894496"/>
+        <p14:creationId xmlns:p14="http://schemas.microsoft.com/office/powerpoint/2010/main" val="1050928964"/>
       </p:ext>
     </p:extLst>
   </p:cSld>
@@ -10016,161 +12966,30 @@
           <a:p>
             <a:r>
               <a:rPr lang="en-AU" dirty="0" smtClean="0"/>
-              <a:t>Don’t Block!</a:t>
+              <a:t>Hello World!	</a:t>
             </a:r>
             <a:endParaRPr lang="en-AU" dirty="0"/>
           </a:p>
         </p:txBody>
       </p:sp>
-      <p:pic>
-        <p:nvPicPr>
-          <p:cNvPr id="6" name="Picture 5"/>
-          <p:cNvPicPr>
-            <a:picLocks noChangeAspect="1"/>
-          </p:cNvPicPr>
-          <p:nvPr/>
-        </p:nvPicPr>
-        <p:blipFill>
-          <a:blip r:embed="rId2">
-            <a:extLst>
-              <a:ext uri="{28A0092B-C50C-407E-A947-70E740481C1C}">
-                <a14:useLocalDpi xmlns:a14="http://schemas.microsoft.com/office/drawing/2010/main" val="0"/>
-              </a:ext>
-            </a:extLst>
-          </a:blip>
-          <a:stretch>
-            <a:fillRect/>
-          </a:stretch>
-        </p:blipFill>
-        <p:spPr>
-          <a:xfrm>
-            <a:off x="755576" y="2842012"/>
-            <a:ext cx="5630061" cy="809738"/>
-          </a:xfrm>
-          <a:prstGeom prst="rect">
-            <a:avLst/>
-          </a:prstGeom>
-        </p:spPr>
-      </p:pic>
-      <p:pic>
-        <p:nvPicPr>
-          <p:cNvPr id="7" name="Picture 6"/>
-          <p:cNvPicPr>
-            <a:picLocks noChangeAspect="1"/>
-          </p:cNvPicPr>
-          <p:nvPr/>
-        </p:nvPicPr>
-        <p:blipFill>
-          <a:blip r:embed="rId3">
-            <a:extLst>
-              <a:ext uri="{28A0092B-C50C-407E-A947-70E740481C1C}">
-                <a14:useLocalDpi xmlns:a14="http://schemas.microsoft.com/office/drawing/2010/main" val="0"/>
-              </a:ext>
-            </a:extLst>
-          </a:blip>
-          <a:stretch>
-            <a:fillRect/>
-          </a:stretch>
-        </p:blipFill>
-        <p:spPr>
-          <a:xfrm>
-            <a:off x="755576" y="4587854"/>
-            <a:ext cx="5582429" cy="857370"/>
-          </a:xfrm>
-          <a:prstGeom prst="rect">
-            <a:avLst/>
-          </a:prstGeom>
-        </p:spPr>
-      </p:pic>
-      <p:sp>
-        <p:nvSpPr>
-          <p:cNvPr id="8" name="TextBox 7"/>
-          <p:cNvSpPr txBox="1"/>
-          <p:nvPr/>
-        </p:nvSpPr>
-        <p:spPr>
-          <a:xfrm>
-            <a:off x="755576" y="2314956"/>
-            <a:ext cx="2018566" cy="369332"/>
-          </a:xfrm>
-          <a:prstGeom prst="rect">
-            <a:avLst/>
-          </a:prstGeom>
-          <a:noFill/>
-        </p:spPr>
-        <p:txBody>
-          <a:bodyPr wrap="none" rtlCol="0">
-            <a:spAutoFit/>
-          </a:bodyPr>
+      <p:sp>
+        <p:nvSpPr>
+          <p:cNvPr id="3" name="Text Placeholder 2"/>
+          <p:cNvSpPr>
+            <a:spLocks noGrp="1"/>
+          </p:cNvSpPr>
+          <p:nvPr>
+            <p:ph type="body" sz="quarter" idx="10"/>
+          </p:nvPr>
+        </p:nvSpPr>
+        <p:spPr/>
+        <p:txBody>
+          <a:bodyPr/>
           <a:lstStyle/>
           <a:p>
             <a:r>
               <a:rPr lang="en-AU" dirty="0" smtClean="0"/>
-              <a:t>Bad code snippet….</a:t>
-            </a:r>
-            <a:endParaRPr lang="en-AU" dirty="0"/>
-          </a:p>
-        </p:txBody>
-      </p:sp>
-      <p:sp>
-        <p:nvSpPr>
-          <p:cNvPr id="9" name="TextBox 8"/>
-          <p:cNvSpPr txBox="1"/>
-          <p:nvPr/>
-        </p:nvSpPr>
-        <p:spPr>
-          <a:xfrm>
-            <a:off x="761331" y="4083798"/>
-            <a:ext cx="2225353" cy="369332"/>
-          </a:xfrm>
-          <a:prstGeom prst="rect">
-            <a:avLst/>
-          </a:prstGeom>
-          <a:noFill/>
-        </p:spPr>
-        <p:txBody>
-          <a:bodyPr wrap="none" rtlCol="0">
-            <a:spAutoFit/>
-          </a:bodyPr>
-          <a:lstStyle/>
-          <a:p>
-            <a:r>
-              <a:rPr lang="en-AU" dirty="0" smtClean="0"/>
-              <a:t>Good code snippet…. </a:t>
-            </a:r>
-            <a:endParaRPr lang="en-AU" dirty="0"/>
-          </a:p>
-        </p:txBody>
-      </p:sp>
-      <p:sp>
-        <p:nvSpPr>
-          <p:cNvPr id="10" name="TextBox 9"/>
-          <p:cNvSpPr txBox="1"/>
-          <p:nvPr/>
-        </p:nvSpPr>
-        <p:spPr>
-          <a:xfrm>
-            <a:off x="570845" y="1280220"/>
-            <a:ext cx="8524321" cy="369332"/>
-          </a:xfrm>
-          <a:prstGeom prst="rect">
-            <a:avLst/>
-          </a:prstGeom>
-          <a:noFill/>
-        </p:spPr>
-        <p:txBody>
-          <a:bodyPr wrap="none" rtlCol="0">
-            <a:spAutoFit/>
-          </a:bodyPr>
-          <a:lstStyle/>
-          <a:p>
-            <a:pPr marL="285750" indent="-285750">
-              <a:buFont typeface="Arial" pitchFamily="34" charset="0"/>
-              <a:buChar char="•"/>
-            </a:pPr>
-            <a:r>
-              <a:rPr lang="en-AU" dirty="0" smtClean="0"/>
-              <a:t>Since the Event Loop runs on a single thread you must avoid blocking calls at all times </a:t>
+              <a:t>Build a http webserver in 5 lines of code !!!</a:t>
             </a:r>
             <a:endParaRPr lang="en-AU" dirty="0"/>
           </a:p>
@@ -10179,7 +12998,7 @@
     </p:spTree>
     <p:extLst>
       <p:ext uri="{BB962C8B-B14F-4D97-AF65-F5344CB8AC3E}">
-        <p14:creationId xmlns:p14="http://schemas.microsoft.com/office/powerpoint/2010/main" val="665949321"/>
+        <p14:creationId xmlns:p14="http://schemas.microsoft.com/office/powerpoint/2010/main" val="830066254"/>
       </p:ext>
     </p:extLst>
   </p:cSld>
@@ -10218,12 +13037,12 @@
       </p:grpSpPr>
       <p:sp>
         <p:nvSpPr>
-          <p:cNvPr id="2" name="Title 1"/>
-          <p:cNvSpPr>
-            <a:spLocks noGrp="1"/>
-          </p:cNvSpPr>
-          <p:nvPr>
-            <p:ph type="title"/>
+          <p:cNvPr id="3" name="Text Placeholder 2"/>
+          <p:cNvSpPr>
+            <a:spLocks noGrp="1"/>
+          </p:cNvSpPr>
+          <p:nvPr>
+            <p:ph type="body" sz="quarter" idx="10"/>
           </p:nvPr>
         </p:nvSpPr>
         <p:spPr/>
@@ -10231,61 +13050,76 @@
           <a:bodyPr/>
           <a:lstStyle/>
           <a:p>
-            <a:r>
-              <a:rPr lang="en-AU" dirty="0" smtClean="0"/>
-              <a:t>Why JavaScript?</a:t>
-            </a:r>
-            <a:endParaRPr lang="en-AU" dirty="0"/>
-          </a:p>
-        </p:txBody>
-      </p:sp>
-      <p:sp>
-        <p:nvSpPr>
-          <p:cNvPr id="3" name="Text Placeholder 2"/>
-          <p:cNvSpPr>
-            <a:spLocks noGrp="1"/>
-          </p:cNvSpPr>
-          <p:nvPr>
-            <p:ph type="body" sz="quarter" idx="10"/>
-          </p:nvPr>
-        </p:nvSpPr>
-        <p:spPr/>
-        <p:txBody>
-          <a:bodyPr/>
-          <a:lstStyle/>
-          <a:p>
-            <a:r>
-              <a:rPr lang="en-AU" dirty="0" smtClean="0"/>
-              <a:t>Include fact that functions are first class objects !</a:t>
-            </a:r>
-          </a:p>
-          <a:p>
-            <a:endParaRPr lang="en-AU" dirty="0"/>
-          </a:p>
-          <a:p>
-            <a:r>
-              <a:rPr lang="en-AU" dirty="0">
-                <a:hlinkClick r:id="rId2"/>
-              </a:rPr>
-              <a:t>http://</a:t>
-            </a:r>
-            <a:r>
-              <a:rPr lang="en-AU" dirty="0" smtClean="0">
-                <a:hlinkClick r:id="rId2"/>
-              </a:rPr>
-              <a:t>nodetuts.com/pdf/handson-nodejs-sample.pdf</a:t>
-            </a:r>
-            <a:endParaRPr lang="en-AU" dirty="0" smtClean="0"/>
-          </a:p>
-          <a:p>
-            <a:endParaRPr lang="en-AU" dirty="0"/>
+            <a:pPr marL="0" indent="0">
+              <a:buNone/>
+            </a:pPr>
+            <a:r>
+              <a:rPr lang="en-AU" sz="3200" dirty="0" smtClean="0"/>
+              <a:t>Thanks for listening!</a:t>
+            </a:r>
+          </a:p>
+          <a:p>
+            <a:pPr marL="0" indent="0">
+              <a:buNone/>
+            </a:pPr>
+            <a:endParaRPr lang="en-AU" sz="3200" dirty="0" smtClean="0"/>
+          </a:p>
+          <a:p>
+            <a:pPr marL="0" indent="0">
+              <a:buNone/>
+            </a:pPr>
+            <a:endParaRPr lang="en-AU" sz="3200" dirty="0"/>
+          </a:p>
+          <a:p>
+            <a:pPr marL="0" indent="0">
+              <a:buNone/>
+            </a:pPr>
+            <a:endParaRPr lang="en-AU" sz="3200" dirty="0" smtClean="0"/>
+          </a:p>
+          <a:p>
+            <a:pPr marL="0" indent="0">
+              <a:buNone/>
+            </a:pPr>
+            <a:endParaRPr lang="en-AU" sz="3200" dirty="0" smtClean="0"/>
+          </a:p>
+          <a:p>
+            <a:pPr marL="0" indent="0">
+              <a:buNone/>
+            </a:pPr>
+            <a:r>
+              <a:rPr lang="en-AU" sz="1600" dirty="0" smtClean="0"/>
+              <a:t>email 		aidancasey@gmail.com </a:t>
+            </a:r>
+            <a:endParaRPr lang="en-AU" sz="1600" dirty="0"/>
+          </a:p>
+          <a:p>
+            <a:pPr marL="0" indent="0">
+              <a:buNone/>
+            </a:pPr>
+            <a:r>
+              <a:rPr lang="en-AU" sz="1600" dirty="0"/>
+              <a:t>LinkedIn	</a:t>
+            </a:r>
+            <a:r>
+              <a:rPr lang="en-AU" sz="1600" dirty="0" smtClean="0"/>
+              <a:t>	http</a:t>
+            </a:r>
+            <a:r>
+              <a:rPr lang="en-AU" sz="1600" dirty="0"/>
+              <a:t>://</a:t>
+            </a:r>
+            <a:r>
+              <a:rPr lang="en-AU" sz="1600" dirty="0" smtClean="0"/>
+              <a:t>www.linkedin.com/pub/aidan-casey/2/a71/353</a:t>
+            </a:r>
+            <a:endParaRPr lang="en-AU" sz="1600" dirty="0"/>
           </a:p>
         </p:txBody>
       </p:sp>
     </p:spTree>
     <p:extLst>
       <p:ext uri="{BB962C8B-B14F-4D97-AF65-F5344CB8AC3E}">
-        <p14:creationId xmlns:p14="http://schemas.microsoft.com/office/powerpoint/2010/main" val="3422043080"/>
+        <p14:creationId xmlns:p14="http://schemas.microsoft.com/office/powerpoint/2010/main" val="2340990883"/>
       </p:ext>
     </p:extLst>
   </p:cSld>
@@ -10339,7 +13173,7 @@
           <a:p>
             <a:r>
               <a:rPr lang="en-AU" dirty="0" smtClean="0"/>
-              <a:t>NPM  node package manger</a:t>
+              <a:t>Debugging	</a:t>
             </a:r>
             <a:endParaRPr lang="en-AU" dirty="0"/>
           </a:p>
@@ -10362,80 +13196,26 @@
           <a:p>
             <a:r>
               <a:rPr lang="en-AU" dirty="0" smtClean="0"/>
-              <a:t>JavaScript  closures run on different threads from event loop</a:t>
+              <a:t>Quick demo of node inspector &amp; point out it doesn’t work in IE !!!</a:t>
             </a:r>
           </a:p>
           <a:p>
             <a:r>
               <a:rPr lang="en-AU" dirty="0" smtClean="0"/>
-              <a:t>Mention </a:t>
-            </a:r>
-            <a:r>
-              <a:rPr lang="en-AU" dirty="0" err="1" smtClean="0"/>
-              <a:t>joyet</a:t>
-            </a:r>
-            <a:r>
-              <a:rPr lang="en-AU" dirty="0" smtClean="0"/>
-              <a:t> and Ryan ?</a:t>
-            </a:r>
-          </a:p>
-          <a:p>
-            <a:r>
-              <a:rPr lang="en-AU" dirty="0" smtClean="0"/>
-              <a:t>Only uses 1 core .. Need to run Cluster ?? To  get  multi core </a:t>
-            </a:r>
-            <a:r>
-              <a:rPr lang="en-AU" dirty="0"/>
-              <a:t> </a:t>
-            </a:r>
-            <a:r>
-              <a:rPr lang="en-AU" dirty="0" smtClean="0"/>
-              <a:t>and then there is no inter process </a:t>
-            </a:r>
-            <a:r>
-              <a:rPr lang="en-AU" dirty="0" err="1" smtClean="0"/>
-              <a:t>comms</a:t>
-            </a:r>
-            <a:endParaRPr lang="en-AU" dirty="0" smtClean="0"/>
-          </a:p>
-          <a:p>
-            <a:r>
-              <a:rPr lang="en-AU" dirty="0" smtClean="0"/>
-              <a:t>Like no </a:t>
-            </a:r>
-            <a:r>
-              <a:rPr lang="en-AU" dirty="0" err="1" smtClean="0"/>
-              <a:t>sql</a:t>
-            </a:r>
-            <a:r>
-              <a:rPr lang="en-AU" dirty="0" smtClean="0"/>
-              <a:t> </a:t>
-            </a:r>
-            <a:r>
-              <a:rPr lang="en-AU" dirty="0" err="1" smtClean="0"/>
-              <a:t>ovement</a:t>
-            </a:r>
-            <a:r>
-              <a:rPr lang="en-AU" dirty="0" smtClean="0"/>
-              <a:t> for </a:t>
+              <a:t>Can you debug </a:t>
             </a:r>
             <a:r>
               <a:rPr lang="en-AU" smtClean="0"/>
-              <a:t>web servers…</a:t>
-            </a:r>
-          </a:p>
-          <a:p>
-            <a:endParaRPr lang="en-AU" dirty="0" smtClean="0"/>
-          </a:p>
-          <a:p>
-            <a:endParaRPr lang="en-AU" dirty="0"/>
+              <a:t>in cloud 9…</a:t>
+            </a:r>
+            <a:endParaRPr lang="en-AU"/>
           </a:p>
         </p:txBody>
       </p:sp>
     </p:spTree>
     <p:extLst>
       <p:ext uri="{BB962C8B-B14F-4D97-AF65-F5344CB8AC3E}">
-        <p14:creationId xmlns:p14="http://schemas.microsoft.com/office/powerpoint/2010/main" val="1050928964"/>
+        <p14:creationId xmlns:p14="http://schemas.microsoft.com/office/powerpoint/2010/main" val="1919157066"/>
       </p:ext>
     </p:extLst>
   </p:cSld>
@@ -10489,7 +13269,7 @@
           <a:p>
             <a:r>
               <a:rPr lang="en-AU" dirty="0" smtClean="0"/>
-              <a:t>Hello World!	</a:t>
+              <a:t>Demo building simple chat client and deploying to azure</a:t>
             </a:r>
             <a:endParaRPr lang="en-AU" dirty="0"/>
           </a:p>
@@ -10510,18 +13290,14 @@
           <a:bodyPr/>
           <a:lstStyle/>
           <a:p>
-            <a:r>
-              <a:rPr lang="en-AU" dirty="0" smtClean="0"/>
-              <a:t>Build a http webserver in 5 lines of code !!!</a:t>
-            </a:r>
-            <a:endParaRPr lang="en-AU" dirty="0"/>
+            <a:endParaRPr lang="en-AU"/>
           </a:p>
         </p:txBody>
       </p:sp>
     </p:spTree>
     <p:extLst>
       <p:ext uri="{BB962C8B-B14F-4D97-AF65-F5344CB8AC3E}">
-        <p14:creationId xmlns:p14="http://schemas.microsoft.com/office/powerpoint/2010/main" val="830066254"/>
+        <p14:creationId xmlns:p14="http://schemas.microsoft.com/office/powerpoint/2010/main" val="3133931461"/>
       </p:ext>
     </p:extLst>
   </p:cSld>
@@ -10560,6 +13336,29 @@
       </p:grpSpPr>
       <p:sp>
         <p:nvSpPr>
+          <p:cNvPr id="2" name="Title 1"/>
+          <p:cNvSpPr>
+            <a:spLocks noGrp="1"/>
+          </p:cNvSpPr>
+          <p:nvPr>
+            <p:ph type="title"/>
+          </p:nvPr>
+        </p:nvSpPr>
+        <p:spPr/>
+        <p:txBody>
+          <a:bodyPr/>
+          <a:lstStyle/>
+          <a:p>
+            <a:r>
+              <a:rPr lang="en-AU" dirty="0" smtClean="0"/>
+              <a:t>Tools</a:t>
+            </a:r>
+            <a:endParaRPr lang="en-AU" dirty="0"/>
+          </a:p>
+        </p:txBody>
+      </p:sp>
+      <p:sp>
+        <p:nvSpPr>
           <p:cNvPr id="3" name="Text Placeholder 2"/>
           <p:cNvSpPr>
             <a:spLocks noGrp="1"/>
@@ -10577,72 +13376,79 @@
               <a:buNone/>
             </a:pPr>
             <a:r>
-              <a:rPr lang="en-AU" sz="3200" dirty="0" smtClean="0"/>
-              <a:t>Thanks for listening!</a:t>
+              <a:rPr lang="en-AU" dirty="0" smtClean="0"/>
+              <a:t>IISNODE</a:t>
             </a:r>
           </a:p>
           <a:p>
             <a:pPr marL="0" indent="0">
               <a:buNone/>
             </a:pPr>
-            <a:endParaRPr lang="en-AU" sz="3200" dirty="0" smtClean="0"/>
+            <a:endParaRPr lang="en-AU" dirty="0"/>
           </a:p>
           <a:p>
             <a:pPr marL="0" indent="0">
               <a:buNone/>
             </a:pPr>
-            <a:endParaRPr lang="en-AU" sz="3200" dirty="0"/>
+            <a:r>
+              <a:rPr lang="en-AU" dirty="0" smtClean="0"/>
+              <a:t>DEBUGGING</a:t>
+            </a:r>
           </a:p>
           <a:p>
             <a:pPr marL="0" indent="0">
               <a:buNone/>
             </a:pPr>
-            <a:endParaRPr lang="en-AU" sz="3200" dirty="0" smtClean="0"/>
+            <a:endParaRPr lang="en-AU" dirty="0"/>
           </a:p>
           <a:p>
             <a:pPr marL="0" indent="0">
               <a:buNone/>
             </a:pPr>
-            <a:endParaRPr lang="en-AU" sz="3200" dirty="0" smtClean="0"/>
+            <a:r>
+              <a:rPr lang="en-AU" dirty="0" smtClean="0"/>
+              <a:t>POWERSHELL..</a:t>
+            </a:r>
           </a:p>
           <a:p>
             <a:pPr marL="0" indent="0">
               <a:buNone/>
             </a:pPr>
-            <a:r>
-              <a:rPr lang="en-AU" sz="1600" dirty="0" smtClean="0"/>
-              <a:t>email 		aidancasey@gmail.com </a:t>
-            </a:r>
-            <a:endParaRPr lang="en-AU" sz="1600" dirty="0"/>
+            <a:endParaRPr lang="en-AU" dirty="0"/>
           </a:p>
           <a:p>
             <a:pPr marL="0" indent="0">
               <a:buNone/>
             </a:pPr>
             <a:r>
-              <a:rPr lang="en-AU" sz="1600" dirty="0"/>
-              <a:t>LinkedIn	</a:t>
-            </a:r>
-            <a:r>
-              <a:rPr lang="en-AU" sz="1600" dirty="0" smtClean="0"/>
-              <a:t>	http</a:t>
-            </a:r>
-            <a:r>
-              <a:rPr lang="en-AU" sz="1600" dirty="0"/>
-              <a:t>://</a:t>
-            </a:r>
-            <a:r>
-              <a:rPr lang="en-AU" sz="1600" dirty="0" smtClean="0"/>
-              <a:t>www.linkedin.com/pub/aidan-casey/2/a71/353</a:t>
-            </a:r>
-            <a:endParaRPr lang="en-AU" sz="1600" dirty="0"/>
+              <a:rPr lang="en-AU" dirty="0" smtClean="0"/>
+              <a:t>Cloud9ide – built purely on node</a:t>
+            </a:r>
+          </a:p>
+          <a:p>
+            <a:pPr marL="0" indent="0">
+              <a:buNone/>
+            </a:pPr>
+            <a:r>
+              <a:rPr lang="en-AU" dirty="0" smtClean="0"/>
+              <a:t>Node more active followers than </a:t>
+            </a:r>
+            <a:r>
+              <a:rPr lang="en-AU" dirty="0" err="1" smtClean="0"/>
+              <a:t>jquery</a:t>
+            </a:r>
+            <a:r>
+              <a:rPr lang="en-AU" dirty="0" smtClean="0"/>
+              <a:t>…</a:t>
+            </a:r>
+            <a:endParaRPr lang="en-AU" dirty="0"/>
           </a:p>
         </p:txBody>
       </p:sp>
     </p:spTree>
     <p:extLst>
       <p:ext uri="{BB962C8B-B14F-4D97-AF65-F5344CB8AC3E}">
-        <p14:creationId xmlns:p14="http://schemas.microsoft.com/office/powerpoint/2010/main" val="2340990883"/>
+        <p14:creationId xmlns:p14="http://schemas.microsoft.com/office/powerpoint/2010/main" val="1314991676"/>
       </p:ext>
     </p:extLst>
   </p:cSld>
@@ -10696,7 +13502,7 @@
           <a:p>
             <a:r>
               <a:rPr lang="en-AU" dirty="0" smtClean="0"/>
-              <a:t>Debugging	</a:t>
+              <a:t>References</a:t>
             </a:r>
             <a:endParaRPr lang="en-AU" dirty="0"/>
           </a:p>
@@ -10704,7 +13510,7 @@
       </p:sp>
       <p:sp>
         <p:nvSpPr>
-          <p:cNvPr id="3" name="Text Placeholder 2"/>
+          <p:cNvPr id="4" name="Title 1"/>
           <p:cNvSpPr>
             <a:spLocks noGrp="1"/>
           </p:cNvSpPr>
@@ -10719,259 +13525,37 @@
           <a:p>
             <a:r>
               <a:rPr lang="en-AU" dirty="0" smtClean="0"/>
-              <a:t>Quick demo of node inspector &amp; point out it doesn’t work in IE !!!</a:t>
-            </a:r>
-          </a:p>
-          <a:p>
-            <a:r>
-              <a:rPr lang="en-AU" dirty="0" smtClean="0"/>
-              <a:t>Can you debug </a:t>
-            </a:r>
-            <a:r>
-              <a:rPr lang="en-AU" smtClean="0"/>
-              <a:t>in cloud 9…</a:t>
-            </a:r>
-            <a:endParaRPr lang="en-AU"/>
+              <a:t>Evented I/O explained </a:t>
+            </a:r>
+            <a:r>
+              <a:rPr lang="en-AU" sz="2000" dirty="0" smtClean="0"/>
+              <a:t>( </a:t>
+            </a:r>
+            <a:r>
+              <a:rPr lang="en-AU" sz="2000" dirty="0"/>
+              <a:t>courtesy of Simon </a:t>
+            </a:r>
+            <a:r>
+              <a:rPr lang="en-AU" sz="2000" dirty="0" err="1" smtClean="0"/>
+              <a:t>Willison</a:t>
+            </a:r>
+            <a:r>
+              <a:rPr lang="en-AU" sz="2000" dirty="0" smtClean="0"/>
+              <a:t>)</a:t>
+            </a:r>
+          </a:p>
+          <a:p>
+            <a:r>
+              <a:rPr lang="en-AU" sz="2000" dirty="0"/>
+              <a:t>http://www.slideshare.net/simon/evented-io-based-web-servers-explained-using-bunnies</a:t>
+            </a:r>
           </a:p>
         </p:txBody>
       </p:sp>
     </p:spTree>
     <p:extLst>
       <p:ext uri="{BB962C8B-B14F-4D97-AF65-F5344CB8AC3E}">
-        <p14:creationId xmlns:p14="http://schemas.microsoft.com/office/powerpoint/2010/main" val="1919157066"/>
-      </p:ext>
-    </p:extLst>
-  </p:cSld>
-  <p:clrMapOvr>
-    <a:masterClrMapping/>
-  </p:clrMapOvr>
-  <p:transition>
-    <p:fade thruBlk="1"/>
-  </p:transition>
-  <p:timing>
-    <p:tnLst>
-      <p:par>
-        <p:cTn id="1" dur="indefinite" restart="never" nodeType="tmRoot"/>
-      </p:par>
-    </p:tnLst>
-  </p:timing>
-</p:sld>
-</file>
-
-<file path=ppt/slides/slide18.xml><?xml version="1.0" encoding="utf-8"?>
-<p:sld xmlns:a="http://schemas.openxmlformats.org/drawingml/2006/main" xmlns:r="http://schemas.openxmlformats.org/officeDocument/2006/relationships" xmlns:p="http://schemas.openxmlformats.org/presentationml/2006/main">
-  <p:cSld>
-    <p:spTree>
-      <p:nvGrpSpPr>
-        <p:cNvPr id="1" name=""/>
-        <p:cNvGrpSpPr/>
-        <p:nvPr/>
-      </p:nvGrpSpPr>
-      <p:grpSpPr>
-        <a:xfrm>
-          <a:off x="0" y="0"/>
-          <a:ext cx="0" cy="0"/>
-          <a:chOff x="0" y="0"/>
-          <a:chExt cx="0" cy="0"/>
-        </a:xfrm>
-      </p:grpSpPr>
-      <p:sp>
-        <p:nvSpPr>
-          <p:cNvPr id="2" name="Title 1"/>
-          <p:cNvSpPr>
-            <a:spLocks noGrp="1"/>
-          </p:cNvSpPr>
-          <p:nvPr>
-            <p:ph type="title"/>
-          </p:nvPr>
-        </p:nvSpPr>
-        <p:spPr/>
-        <p:txBody>
-          <a:bodyPr/>
-          <a:lstStyle/>
-          <a:p>
-            <a:r>
-              <a:rPr lang="en-AU" dirty="0" smtClean="0"/>
-              <a:t>Demo building simple chat client and deploying to azure</a:t>
-            </a:r>
-            <a:endParaRPr lang="en-AU" dirty="0"/>
-          </a:p>
-        </p:txBody>
-      </p:sp>
-      <p:sp>
-        <p:nvSpPr>
-          <p:cNvPr id="3" name="Text Placeholder 2"/>
-          <p:cNvSpPr>
-            <a:spLocks noGrp="1"/>
-          </p:cNvSpPr>
-          <p:nvPr>
-            <p:ph type="body" sz="quarter" idx="10"/>
-          </p:nvPr>
-        </p:nvSpPr>
-        <p:spPr/>
-        <p:txBody>
-          <a:bodyPr/>
-          <a:lstStyle/>
-          <a:p>
-            <a:endParaRPr lang="en-AU"/>
-          </a:p>
-        </p:txBody>
-      </p:sp>
-    </p:spTree>
-    <p:extLst>
-      <p:ext uri="{BB962C8B-B14F-4D97-AF65-F5344CB8AC3E}">
-        <p14:creationId xmlns:p14="http://schemas.microsoft.com/office/powerpoint/2010/main" val="3133931461"/>
-      </p:ext>
-    </p:extLst>
-  </p:cSld>
-  <p:clrMapOvr>
-    <a:masterClrMapping/>
-  </p:clrMapOvr>
-  <p:transition>
-    <p:fade thruBlk="1"/>
-  </p:transition>
-  <p:timing>
-    <p:tnLst>
-      <p:par>
-        <p:cTn id="1" dur="indefinite" restart="never" nodeType="tmRoot"/>
-      </p:par>
-    </p:tnLst>
-  </p:timing>
-</p:sld>
-</file>
-
-<file path=ppt/slides/slide19.xml><?xml version="1.0" encoding="utf-8"?>
-<p:sld xmlns:a="http://schemas.openxmlformats.org/drawingml/2006/main" xmlns:r="http://schemas.openxmlformats.org/officeDocument/2006/relationships" xmlns:p="http://schemas.openxmlformats.org/presentationml/2006/main">
-  <p:cSld>
-    <p:spTree>
-      <p:nvGrpSpPr>
-        <p:cNvPr id="1" name=""/>
-        <p:cNvGrpSpPr/>
-        <p:nvPr/>
-      </p:nvGrpSpPr>
-      <p:grpSpPr>
-        <a:xfrm>
-          <a:off x="0" y="0"/>
-          <a:ext cx="0" cy="0"/>
-          <a:chOff x="0" y="0"/>
-          <a:chExt cx="0" cy="0"/>
-        </a:xfrm>
-      </p:grpSpPr>
-      <p:sp>
-        <p:nvSpPr>
-          <p:cNvPr id="2" name="Title 1"/>
-          <p:cNvSpPr>
-            <a:spLocks noGrp="1"/>
-          </p:cNvSpPr>
-          <p:nvPr>
-            <p:ph type="title"/>
-          </p:nvPr>
-        </p:nvSpPr>
-        <p:spPr/>
-        <p:txBody>
-          <a:bodyPr/>
-          <a:lstStyle/>
-          <a:p>
-            <a:r>
-              <a:rPr lang="en-AU" dirty="0" smtClean="0"/>
-              <a:t>Tools</a:t>
-            </a:r>
-            <a:endParaRPr lang="en-AU" dirty="0"/>
-          </a:p>
-        </p:txBody>
-      </p:sp>
-      <p:sp>
-        <p:nvSpPr>
-          <p:cNvPr id="3" name="Text Placeholder 2"/>
-          <p:cNvSpPr>
-            <a:spLocks noGrp="1"/>
-          </p:cNvSpPr>
-          <p:nvPr>
-            <p:ph type="body" sz="quarter" idx="10"/>
-          </p:nvPr>
-        </p:nvSpPr>
-        <p:spPr/>
-        <p:txBody>
-          <a:bodyPr/>
-          <a:lstStyle/>
-          <a:p>
-            <a:pPr marL="0" indent="0">
-              <a:buNone/>
-            </a:pPr>
-            <a:r>
-              <a:rPr lang="en-AU" dirty="0" smtClean="0"/>
-              <a:t>IISNODE</a:t>
-            </a:r>
-          </a:p>
-          <a:p>
-            <a:pPr marL="0" indent="0">
-              <a:buNone/>
-            </a:pPr>
-            <a:endParaRPr lang="en-AU" dirty="0"/>
-          </a:p>
-          <a:p>
-            <a:pPr marL="0" indent="0">
-              <a:buNone/>
-            </a:pPr>
-            <a:r>
-              <a:rPr lang="en-AU" dirty="0" smtClean="0"/>
-              <a:t>DEBUGGING</a:t>
-            </a:r>
-          </a:p>
-          <a:p>
-            <a:pPr marL="0" indent="0">
-              <a:buNone/>
-            </a:pPr>
-            <a:endParaRPr lang="en-AU" dirty="0"/>
-          </a:p>
-          <a:p>
-            <a:pPr marL="0" indent="0">
-              <a:buNone/>
-            </a:pPr>
-            <a:r>
-              <a:rPr lang="en-AU" dirty="0" smtClean="0"/>
-              <a:t>POWERSHELL..</a:t>
-            </a:r>
-          </a:p>
-          <a:p>
-            <a:pPr marL="0" indent="0">
-              <a:buNone/>
-            </a:pPr>
-            <a:endParaRPr lang="en-AU" dirty="0"/>
-          </a:p>
-          <a:p>
-            <a:pPr marL="0" indent="0">
-              <a:buNone/>
-            </a:pPr>
-            <a:r>
-              <a:rPr lang="en-AU" dirty="0" smtClean="0"/>
-              <a:t>Cloud9ide – built purely on node</a:t>
-            </a:r>
-          </a:p>
-          <a:p>
-            <a:pPr marL="0" indent="0">
-              <a:buNone/>
-            </a:pPr>
-            <a:r>
-              <a:rPr lang="en-AU" dirty="0" smtClean="0"/>
-              <a:t>Node more active followers than </a:t>
-            </a:r>
-            <a:r>
-              <a:rPr lang="en-AU" dirty="0" err="1" smtClean="0"/>
-              <a:t>jquery</a:t>
-            </a:r>
-            <a:r>
-              <a:rPr lang="en-AU" dirty="0" smtClean="0"/>
-              <a:t>…</a:t>
-            </a:r>
-            <a:endParaRPr lang="en-AU" dirty="0"/>
-          </a:p>
-        </p:txBody>
-      </p:sp>
-    </p:spTree>
-    <p:extLst>
-      <p:ext uri="{BB962C8B-B14F-4D97-AF65-F5344CB8AC3E}">
-        <p14:creationId xmlns:p14="http://schemas.microsoft.com/office/powerpoint/2010/main" val="1314991676"/>
+        <p14:creationId xmlns:p14="http://schemas.microsoft.com/office/powerpoint/2010/main" val="252603141"/>
       </p:ext>
     </p:extLst>
   </p:cSld>
@@ -11293,7 +13877,7 @@
         </p:blipFill>
         <p:spPr bwMode="auto">
           <a:xfrm>
-            <a:off x="1719858" y="4966746"/>
+            <a:off x="1763688" y="4966746"/>
             <a:ext cx="475878" cy="550486"/>
           </a:xfrm>
           <a:prstGeom prst="rect">
@@ -11357,113 +13941,6 @@
 </p:sld>
 </file>
 
-<file path=ppt/slides/slide20.xml><?xml version="1.0" encoding="utf-8"?>
-<p:sld xmlns:a="http://schemas.openxmlformats.org/drawingml/2006/main" xmlns:r="http://schemas.openxmlformats.org/officeDocument/2006/relationships" xmlns:p="http://schemas.openxmlformats.org/presentationml/2006/main">
-  <p:cSld>
-    <p:spTree>
-      <p:nvGrpSpPr>
-        <p:cNvPr id="1" name=""/>
-        <p:cNvGrpSpPr/>
-        <p:nvPr/>
-      </p:nvGrpSpPr>
-      <p:grpSpPr>
-        <a:xfrm>
-          <a:off x="0" y="0"/>
-          <a:ext cx="0" cy="0"/>
-          <a:chOff x="0" y="0"/>
-          <a:chExt cx="0" cy="0"/>
-        </a:xfrm>
-      </p:grpSpPr>
-      <p:sp>
-        <p:nvSpPr>
-          <p:cNvPr id="2" name="Title 1"/>
-          <p:cNvSpPr>
-            <a:spLocks noGrp="1"/>
-          </p:cNvSpPr>
-          <p:nvPr>
-            <p:ph type="title"/>
-          </p:nvPr>
-        </p:nvSpPr>
-        <p:spPr/>
-        <p:txBody>
-          <a:bodyPr/>
-          <a:lstStyle/>
-          <a:p>
-            <a:r>
-              <a:rPr lang="en-AU" dirty="0" smtClean="0"/>
-              <a:t>References</a:t>
-            </a:r>
-            <a:endParaRPr lang="en-AU" dirty="0"/>
-          </a:p>
-        </p:txBody>
-      </p:sp>
-      <p:sp>
-        <p:nvSpPr>
-          <p:cNvPr id="4" name="Title 1"/>
-          <p:cNvSpPr>
-            <a:spLocks noGrp="1"/>
-          </p:cNvSpPr>
-          <p:nvPr>
-            <p:ph type="body" sz="quarter" idx="10"/>
-          </p:nvPr>
-        </p:nvSpPr>
-        <p:spPr/>
-        <p:txBody>
-          <a:bodyPr/>
-          <a:lstStyle/>
-          <a:p>
-            <a:r>
-              <a:rPr lang="en-AU" dirty="0" smtClean="0"/>
-              <a:t>Evented I/O explained </a:t>
-            </a:r>
-            <a:r>
-              <a:rPr lang="en-AU" sz="2000" dirty="0" smtClean="0"/>
-              <a:t>( </a:t>
-            </a:r>
-            <a:r>
-              <a:rPr lang="en-AU" sz="2000" dirty="0"/>
-              <a:t>courtesy of Simon </a:t>
-            </a:r>
-            <a:r>
-              <a:rPr lang="en-AU" sz="2000" dirty="0" err="1" smtClean="0"/>
-              <a:t>Willison</a:t>
-            </a:r>
-            <a:r>
-              <a:rPr lang="en-AU" sz="2000" dirty="0" smtClean="0"/>
-              <a:t>)</a:t>
-            </a:r>
-          </a:p>
-          <a:p>
-            <a:r>
-              <a:rPr lang="en-AU" sz="2000" dirty="0"/>
-              <a:t>http://www.slideshare.net/simon/evented-io-based-web-servers-explained-using-bunnies</a:t>
-            </a:r>
-          </a:p>
-        </p:txBody>
-      </p:sp>
-    </p:spTree>
-    <p:extLst>
-      <p:ext uri="{BB962C8B-B14F-4D97-AF65-F5344CB8AC3E}">
-        <p14:creationId xmlns:p14="http://schemas.microsoft.com/office/powerpoint/2010/main" val="252603141"/>
-      </p:ext>
-    </p:extLst>
-  </p:cSld>
-  <p:clrMapOvr>
-    <a:masterClrMapping/>
-  </p:clrMapOvr>
-  <p:transition>
-    <p:fade thruBlk="1"/>
-  </p:transition>
-  <p:timing>
-    <p:tnLst>
-      <p:par>
-        <p:cTn id="1" dur="indefinite" restart="never" nodeType="tmRoot"/>
-      </p:par>
-    </p:tnLst>
-  </p:timing>
-</p:sld>
-</file>
-
 <file path=ppt/slides/slide3.xml><?xml version="1.0" encoding="utf-8"?>
 <p:sld xmlns:a="http://schemas.openxmlformats.org/drawingml/2006/main" xmlns:r="http://schemas.openxmlformats.org/officeDocument/2006/relationships" xmlns:p="http://schemas.openxmlformats.org/presentationml/2006/main">
   <p:cSld>
@@ -11523,6 +14000,7 @@
               <a:rPr lang="en-AU" dirty="0" smtClean="0"/>
               <a:t>Introduction to node.js</a:t>
             </a:r>
+            <a:endParaRPr lang="en-AU" dirty="0" smtClean="0"/>
           </a:p>
           <a:p>
             <a:r>
@@ -11623,108 +14101,367 @@
             <p:ph type="title"/>
           </p:nvPr>
         </p:nvSpPr>
+        <p:spPr/>
+        <p:txBody>
+          <a:bodyPr/>
+          <a:lstStyle/>
+          <a:p>
+            <a:r>
+              <a:rPr lang="en-AU" dirty="0" smtClean="0"/>
+              <a:t>Timeline</a:t>
+            </a:r>
+            <a:endParaRPr lang="en-AU" dirty="0"/>
+          </a:p>
+        </p:txBody>
+      </p:sp>
+      <p:graphicFrame>
+        <p:nvGraphicFramePr>
+          <p:cNvPr id="6" name="Diagram 5"/>
+          <p:cNvGraphicFramePr/>
+          <p:nvPr>
+            <p:extLst>
+              <p:ext uri="{D42A27DB-BD31-4B8C-83A1-F6EECF244321}">
+                <p14:modId xmlns:p14="http://schemas.microsoft.com/office/powerpoint/2010/main" val="442790857"/>
+              </p:ext>
+            </p:extLst>
+          </p:nvPr>
+        </p:nvGraphicFramePr>
+        <p:xfrm>
+          <a:off x="179512" y="3284984"/>
+          <a:ext cx="8712968" cy="360040"/>
+        </p:xfrm>
+        <a:graphic>
+          <a:graphicData uri="http://schemas.openxmlformats.org/drawingml/2006/diagram">
+            <dgm:relIds xmlns:dgm="http://schemas.openxmlformats.org/drawingml/2006/diagram" xmlns:r="http://schemas.openxmlformats.org/officeDocument/2006/relationships" r:dm="rId2" r:lo="rId3" r:qs="rId4" r:cs="rId5"/>
+          </a:graphicData>
+        </a:graphic>
+      </p:graphicFrame>
+      <p:sp>
+        <p:nvSpPr>
+          <p:cNvPr id="8" name="TextBox 7"/>
+          <p:cNvSpPr txBox="1"/>
+          <p:nvPr/>
+        </p:nvSpPr>
         <p:spPr>
           <a:xfrm>
-            <a:off x="457200" y="274638"/>
-            <a:ext cx="2890664" cy="885295"/>
+            <a:off x="118989" y="1930334"/>
+            <a:ext cx="1284659" cy="400110"/>
           </a:xfrm>
+          <a:prstGeom prst="rect">
+            <a:avLst/>
+          </a:prstGeom>
+          <a:noFill/>
         </p:spPr>
         <p:txBody>
-          <a:bodyPr/>
+          <a:bodyPr wrap="square" rtlCol="0">
+            <a:spAutoFit/>
+          </a:bodyPr>
           <a:lstStyle/>
           <a:p>
             <a:r>
-              <a:rPr lang="en-AU" dirty="0" smtClean="0"/>
-              <a:t>What is node.js</a:t>
-            </a:r>
-            <a:endParaRPr lang="en-AU" dirty="0"/>
-          </a:p>
-        </p:txBody>
-      </p:sp>
-      <p:sp>
-        <p:nvSpPr>
-          <p:cNvPr id="3" name="Text Placeholder 2"/>
-          <p:cNvSpPr>
-            <a:spLocks noGrp="1"/>
-          </p:cNvSpPr>
-          <p:nvPr>
-            <p:ph type="body" sz="quarter" idx="10"/>
-          </p:nvPr>
-        </p:nvSpPr>
-        <p:spPr/>
-        <p:txBody>
-          <a:bodyPr/>
+              <a:rPr lang="en-AU" sz="1000" b="1" dirty="0" smtClean="0"/>
+              <a:t>Jan 2009</a:t>
+            </a:r>
+          </a:p>
+          <a:p>
+            <a:r>
+              <a:rPr lang="en-AU" sz="1000" dirty="0" smtClean="0"/>
+              <a:t>Created </a:t>
+            </a:r>
+            <a:r>
+              <a:rPr lang="en-AU" sz="1000" b="1" dirty="0" smtClean="0"/>
+              <a:t>Ryan Dahl</a:t>
+            </a:r>
+            <a:endParaRPr lang="en-AU" sz="1000" b="1" dirty="0"/>
+          </a:p>
+        </p:txBody>
+      </p:sp>
+      <p:cxnSp>
+        <p:nvCxnSpPr>
+          <p:cNvPr id="14" name="Straight Connector 13"/>
+          <p:cNvCxnSpPr/>
+          <p:nvPr/>
+        </p:nvCxnSpPr>
+        <p:spPr>
+          <a:xfrm>
+            <a:off x="395536" y="2420888"/>
+            <a:ext cx="0" cy="864096"/>
+          </a:xfrm>
+          <a:prstGeom prst="line">
+            <a:avLst/>
+          </a:prstGeom>
+          <a:ln>
+            <a:prstDash val="sysDot"/>
+          </a:ln>
+        </p:spPr>
+        <p:style>
+          <a:lnRef idx="2">
+            <a:schemeClr val="accent1"/>
+          </a:lnRef>
+          <a:fillRef idx="0">
+            <a:schemeClr val="accent1"/>
+          </a:fillRef>
+          <a:effectRef idx="1">
+            <a:schemeClr val="accent1"/>
+          </a:effectRef>
+          <a:fontRef idx="minor">
+            <a:schemeClr val="tx1"/>
+          </a:fontRef>
+        </p:style>
+      </p:cxnSp>
+      <p:sp>
+        <p:nvSpPr>
+          <p:cNvPr id="17" name="TextBox 16"/>
+          <p:cNvSpPr txBox="1"/>
+          <p:nvPr/>
+        </p:nvSpPr>
+        <p:spPr>
+          <a:xfrm>
+            <a:off x="2699792" y="1971129"/>
+            <a:ext cx="1140643" cy="553998"/>
+          </a:xfrm>
+          <a:prstGeom prst="rect">
+            <a:avLst/>
+          </a:prstGeom>
+          <a:noFill/>
+        </p:spPr>
+        <p:txBody>
+          <a:bodyPr wrap="square" rtlCol="0">
+            <a:spAutoFit/>
+          </a:bodyPr>
           <a:lstStyle/>
           <a:p>
             <a:r>
-              <a:rPr lang="en-AU" dirty="0" smtClean="0"/>
-              <a:t>Open source project started in 2009</a:t>
-            </a:r>
-          </a:p>
-          <a:p>
-            <a:r>
-              <a:rPr lang="en-AU" dirty="0" smtClean="0"/>
-              <a:t>Server side technology for building scalable network programs.</a:t>
-            </a:r>
-          </a:p>
-          <a:p>
-            <a:r>
-              <a:rPr lang="en-AU" dirty="0" smtClean="0"/>
-              <a:t>Executes server side JavaScript code using Google's V8 JavaScript engine</a:t>
-            </a:r>
-          </a:p>
-          <a:p>
-            <a:r>
-              <a:rPr lang="en-AU" dirty="0" smtClean="0"/>
-              <a:t>Asynchronous architecture - pure evented  I/O with non blocking infrastructure , everything executes on a single thread</a:t>
-            </a:r>
-          </a:p>
-          <a:p>
-            <a:r>
-              <a:rPr lang="en-AU" dirty="0" smtClean="0"/>
-              <a:t>Very popular amongst the developer community, large ecosystem of open source modules has emerged</a:t>
-            </a:r>
-          </a:p>
-          <a:p>
-            <a:r>
-              <a:rPr lang="en-AU" dirty="0" smtClean="0"/>
-              <a:t>Many hosting options – Azure, </a:t>
-            </a:r>
-            <a:r>
-              <a:rPr lang="en-AU" dirty="0" err="1" smtClean="0"/>
-              <a:t>AppHarbour</a:t>
-            </a:r>
-            <a:r>
-              <a:rPr lang="en-AU" dirty="0" smtClean="0"/>
-              <a:t>, </a:t>
-            </a:r>
-            <a:r>
-              <a:rPr lang="en-AU" dirty="0" err="1" smtClean="0"/>
+              <a:rPr lang="en-AU" sz="1000" b="1" dirty="0"/>
+              <a:t>April 2010  </a:t>
+            </a:r>
+            <a:r>
+              <a:rPr lang="en-AU" sz="1000" b="1" dirty="0" err="1"/>
               <a:t>Heroku</a:t>
             </a:r>
             <a:r>
-              <a:rPr lang="en-AU" dirty="0" smtClean="0"/>
-              <a:t>, NodeSter.com(EC2,Rackspace,GoGrid!)  </a:t>
-            </a:r>
-          </a:p>
-          <a:p>
-            <a:endParaRPr lang="en-AU" dirty="0" smtClean="0"/>
-          </a:p>
-          <a:p>
-            <a:endParaRPr lang="en-AU" dirty="0"/>
-          </a:p>
-        </p:txBody>
-      </p:sp>
+              <a:rPr lang="en-AU" sz="1000" dirty="0"/>
+              <a:t>  launches node support</a:t>
+            </a:r>
+            <a:endParaRPr lang="en-AU" sz="1000" b="1" dirty="0"/>
+          </a:p>
+        </p:txBody>
+      </p:sp>
+      <p:cxnSp>
+        <p:nvCxnSpPr>
+          <p:cNvPr id="18" name="Straight Connector 17"/>
+          <p:cNvCxnSpPr/>
+          <p:nvPr/>
+        </p:nvCxnSpPr>
+        <p:spPr>
+          <a:xfrm>
+            <a:off x="2976339" y="2461683"/>
+            <a:ext cx="0" cy="864096"/>
+          </a:xfrm>
+          <a:prstGeom prst="line">
+            <a:avLst/>
+          </a:prstGeom>
+          <a:ln>
+            <a:prstDash val="sysDot"/>
+          </a:ln>
+        </p:spPr>
+        <p:style>
+          <a:lnRef idx="2">
+            <a:schemeClr val="accent1"/>
+          </a:lnRef>
+          <a:fillRef idx="0">
+            <a:schemeClr val="accent1"/>
+          </a:fillRef>
+          <a:effectRef idx="1">
+            <a:schemeClr val="accent1"/>
+          </a:effectRef>
+          <a:fontRef idx="minor">
+            <a:schemeClr val="tx1"/>
+          </a:fontRef>
+        </p:style>
+      </p:cxnSp>
+      <p:sp>
+        <p:nvSpPr>
+          <p:cNvPr id="19" name="TextBox 18"/>
+          <p:cNvSpPr txBox="1"/>
+          <p:nvPr/>
+        </p:nvSpPr>
+        <p:spPr>
+          <a:xfrm>
+            <a:off x="5850159" y="984355"/>
+            <a:ext cx="1140643" cy="1477328"/>
+          </a:xfrm>
+          <a:prstGeom prst="rect">
+            <a:avLst/>
+          </a:prstGeom>
+          <a:noFill/>
+        </p:spPr>
+        <p:txBody>
+          <a:bodyPr wrap="square" rtlCol="0">
+            <a:spAutoFit/>
+          </a:bodyPr>
+          <a:lstStyle/>
+          <a:p>
+            <a:r>
+              <a:rPr lang="en-AU" sz="1000" b="1" dirty="0"/>
+              <a:t>Nov 2011  Windows Azure </a:t>
+            </a:r>
+            <a:r>
+              <a:rPr lang="en-AU" sz="1000" dirty="0" smtClean="0"/>
+              <a:t>support</a:t>
+            </a:r>
+          </a:p>
+          <a:p>
+            <a:endParaRPr lang="en-AU" sz="1000" dirty="0"/>
+          </a:p>
+          <a:p>
+            <a:r>
+              <a:rPr lang="en-AU" sz="1000" b="1" dirty="0" smtClean="0"/>
+              <a:t>EBay</a:t>
+            </a:r>
+            <a:r>
+              <a:rPr lang="en-AU" sz="1000" dirty="0" smtClean="0"/>
+              <a:t> releases API built on node</a:t>
+            </a:r>
+          </a:p>
+          <a:p>
+            <a:endParaRPr lang="en-AU" sz="1000" dirty="0"/>
+          </a:p>
+          <a:p>
+            <a:r>
+              <a:rPr lang="en-AU" sz="1000" b="1" dirty="0"/>
+              <a:t>C</a:t>
+            </a:r>
+            <a:r>
+              <a:rPr lang="en-AU" sz="1000" b="1" dirty="0" smtClean="0"/>
+              <a:t>loud9IDE</a:t>
+            </a:r>
+            <a:r>
+              <a:rPr lang="en-AU" sz="1000" dirty="0" smtClean="0"/>
+              <a:t> launched</a:t>
+            </a:r>
+            <a:endParaRPr lang="en-AU" sz="1000" dirty="0"/>
+          </a:p>
+        </p:txBody>
+      </p:sp>
+      <p:cxnSp>
+        <p:nvCxnSpPr>
+          <p:cNvPr id="20" name="Straight Connector 19"/>
+          <p:cNvCxnSpPr/>
+          <p:nvPr/>
+        </p:nvCxnSpPr>
+        <p:spPr>
+          <a:xfrm>
+            <a:off x="6144691" y="2489712"/>
+            <a:ext cx="0" cy="864096"/>
+          </a:xfrm>
+          <a:prstGeom prst="line">
+            <a:avLst/>
+          </a:prstGeom>
+          <a:ln>
+            <a:prstDash val="sysDot"/>
+          </a:ln>
+        </p:spPr>
+        <p:style>
+          <a:lnRef idx="2">
+            <a:schemeClr val="accent1"/>
+          </a:lnRef>
+          <a:fillRef idx="0">
+            <a:schemeClr val="accent1"/>
+          </a:fillRef>
+          <a:effectRef idx="1">
+            <a:schemeClr val="accent1"/>
+          </a:effectRef>
+          <a:fontRef idx="minor">
+            <a:schemeClr val="tx1"/>
+          </a:fontRef>
+        </p:style>
+      </p:cxnSp>
+      <p:sp>
+        <p:nvSpPr>
+          <p:cNvPr id="21" name="TextBox 20"/>
+          <p:cNvSpPr txBox="1"/>
+          <p:nvPr/>
+        </p:nvSpPr>
+        <p:spPr>
+          <a:xfrm>
+            <a:off x="6027724" y="4548915"/>
+            <a:ext cx="1140643" cy="707886"/>
+          </a:xfrm>
+          <a:prstGeom prst="rect">
+            <a:avLst/>
+          </a:prstGeom>
+          <a:noFill/>
+        </p:spPr>
+        <p:txBody>
+          <a:bodyPr wrap="square" rtlCol="0">
+            <a:spAutoFit/>
+          </a:bodyPr>
+          <a:lstStyle/>
+          <a:p>
+            <a:r>
+              <a:rPr lang="en-AU" sz="1000" b="1" dirty="0" smtClean="0"/>
+              <a:t>Oct 2011  </a:t>
+            </a:r>
+            <a:r>
+              <a:rPr lang="en-AU" sz="1000" b="1" dirty="0"/>
+              <a:t>overtakes Ruby </a:t>
+            </a:r>
+            <a:r>
+              <a:rPr lang="en-AU" sz="1000" dirty="0"/>
+              <a:t>as most popular repo on </a:t>
+            </a:r>
+            <a:r>
+              <a:rPr lang="en-AU" sz="1000" dirty="0" err="1"/>
+              <a:t>gitHub</a:t>
+            </a:r>
+            <a:endParaRPr lang="en-AU" sz="1000" b="1" dirty="0"/>
+          </a:p>
+        </p:txBody>
+      </p:sp>
+      <p:cxnSp>
+        <p:nvCxnSpPr>
+          <p:cNvPr id="22" name="Straight Connector 21"/>
+          <p:cNvCxnSpPr/>
+          <p:nvPr/>
+        </p:nvCxnSpPr>
+        <p:spPr>
+          <a:xfrm>
+            <a:off x="6091026" y="3645024"/>
+            <a:ext cx="0" cy="864096"/>
+          </a:xfrm>
+          <a:prstGeom prst="line">
+            <a:avLst/>
+          </a:prstGeom>
+          <a:ln>
+            <a:prstDash val="sysDot"/>
+          </a:ln>
+        </p:spPr>
+        <p:style>
+          <a:lnRef idx="2">
+            <a:schemeClr val="accent1"/>
+          </a:lnRef>
+          <a:fillRef idx="0">
+            <a:schemeClr val="accent1"/>
+          </a:fillRef>
+          <a:effectRef idx="1">
+            <a:schemeClr val="accent1"/>
+          </a:effectRef>
+          <a:fontRef idx="minor">
+            <a:schemeClr val="tx1"/>
+          </a:fontRef>
+        </p:style>
+      </p:cxnSp>
       <p:pic>
         <p:nvPicPr>
-          <p:cNvPr id="6" name="Picture 5"/>
+          <p:cNvPr id="23" name="Picture 22"/>
           <p:cNvPicPr>
             <a:picLocks noChangeAspect="1"/>
           </p:cNvPicPr>
           <p:nvPr/>
         </p:nvPicPr>
         <p:blipFill>
-          <a:blip r:embed="rId2" cstate="print">
+          <a:blip r:embed="rId7" cstate="print">
             <a:extLst>
               <a:ext uri="{28A0092B-C50C-407E-A947-70E740481C1C}">
                 <a14:useLocalDpi xmlns:a14="http://schemas.microsoft.com/office/drawing/2010/main" val="0"/>
@@ -11737,18 +14474,258 @@
         </p:blipFill>
         <p:spPr>
           <a:xfrm>
-            <a:off x="6876256" y="116633"/>
-            <a:ext cx="2123728" cy="1088057"/>
+            <a:off x="7179752" y="188641"/>
+            <a:ext cx="1686589" cy="864096"/>
           </a:xfrm>
           <a:prstGeom prst="rect">
             <a:avLst/>
           </a:prstGeom>
         </p:spPr>
       </p:pic>
+      <p:sp>
+        <p:nvSpPr>
+          <p:cNvPr id="26" name="TextBox 25"/>
+          <p:cNvSpPr txBox="1"/>
+          <p:nvPr/>
+        </p:nvSpPr>
+        <p:spPr>
+          <a:xfrm>
+            <a:off x="6880790" y="1971129"/>
+            <a:ext cx="1140643" cy="553998"/>
+          </a:xfrm>
+          <a:prstGeom prst="rect">
+            <a:avLst/>
+          </a:prstGeom>
+          <a:noFill/>
+        </p:spPr>
+        <p:txBody>
+          <a:bodyPr wrap="square" rtlCol="0">
+            <a:spAutoFit/>
+          </a:bodyPr>
+          <a:lstStyle/>
+          <a:p>
+            <a:r>
+              <a:rPr lang="en-AU" sz="1000" b="1" dirty="0" smtClean="0"/>
+              <a:t>Feb  2012 </a:t>
+            </a:r>
+          </a:p>
+          <a:p>
+            <a:r>
+              <a:rPr lang="en-AU" sz="1000" b="1" dirty="0" smtClean="0"/>
+              <a:t> App Harbour </a:t>
+            </a:r>
+          </a:p>
+          <a:p>
+            <a:r>
+              <a:rPr lang="en-AU" sz="1000" dirty="0" smtClean="0"/>
+              <a:t> support</a:t>
+            </a:r>
+            <a:endParaRPr lang="en-AU" sz="1000" dirty="0"/>
+          </a:p>
+        </p:txBody>
+      </p:sp>
+      <p:cxnSp>
+        <p:nvCxnSpPr>
+          <p:cNvPr id="27" name="Straight Connector 26"/>
+          <p:cNvCxnSpPr/>
+          <p:nvPr/>
+        </p:nvCxnSpPr>
+        <p:spPr>
+          <a:xfrm>
+            <a:off x="6885977" y="2461683"/>
+            <a:ext cx="0" cy="864096"/>
+          </a:xfrm>
+          <a:prstGeom prst="line">
+            <a:avLst/>
+          </a:prstGeom>
+          <a:ln>
+            <a:prstDash val="sysDot"/>
+          </a:ln>
+        </p:spPr>
+        <p:style>
+          <a:lnRef idx="2">
+            <a:schemeClr val="accent1"/>
+          </a:lnRef>
+          <a:fillRef idx="0">
+            <a:schemeClr val="accent1"/>
+          </a:fillRef>
+          <a:effectRef idx="1">
+            <a:schemeClr val="accent1"/>
+          </a:effectRef>
+          <a:fontRef idx="minor">
+            <a:schemeClr val="tx1"/>
+          </a:fontRef>
+        </p:style>
+      </p:cxnSp>
+      <p:sp>
+        <p:nvSpPr>
+          <p:cNvPr id="28" name="TextBox 27"/>
+          <p:cNvSpPr txBox="1"/>
+          <p:nvPr/>
+        </p:nvSpPr>
+        <p:spPr>
+          <a:xfrm>
+            <a:off x="4689697" y="939201"/>
+            <a:ext cx="1140643" cy="1323439"/>
+          </a:xfrm>
+          <a:prstGeom prst="rect">
+            <a:avLst/>
+          </a:prstGeom>
+          <a:noFill/>
+        </p:spPr>
+        <p:txBody>
+          <a:bodyPr wrap="square" rtlCol="0">
+            <a:spAutoFit/>
+          </a:bodyPr>
+          <a:lstStyle/>
+          <a:p>
+            <a:r>
+              <a:rPr lang="en-AU" sz="1000" b="1" dirty="0" smtClean="0"/>
+              <a:t>July 2011  </a:t>
+            </a:r>
+          </a:p>
+          <a:p>
+            <a:endParaRPr lang="en-AU" sz="1000" b="1" dirty="0" smtClean="0"/>
+          </a:p>
+          <a:p>
+            <a:r>
+              <a:rPr lang="en-AU" sz="1000" b="1" dirty="0" smtClean="0"/>
+              <a:t>LinkedIn </a:t>
+            </a:r>
+            <a:r>
+              <a:rPr lang="en-AU" sz="1000" dirty="0" smtClean="0"/>
+              <a:t>adopts node for mobile platform</a:t>
+            </a:r>
+          </a:p>
+          <a:p>
+            <a:endParaRPr lang="en-AU" sz="1000" dirty="0"/>
+          </a:p>
+          <a:p>
+            <a:r>
+              <a:rPr lang="en-AU" sz="1000" b="1" dirty="0" err="1" smtClean="0"/>
+              <a:t>IISNode</a:t>
+            </a:r>
+            <a:endParaRPr lang="en-AU" sz="1000" b="1" dirty="0" smtClean="0"/>
+          </a:p>
+          <a:p>
+            <a:r>
+              <a:rPr lang="en-AU" sz="1000" dirty="0" smtClean="0"/>
+              <a:t>(port to Windows)</a:t>
+            </a:r>
+            <a:endParaRPr lang="en-AU" sz="1000" dirty="0"/>
+          </a:p>
+        </p:txBody>
+      </p:sp>
+      <p:cxnSp>
+        <p:nvCxnSpPr>
+          <p:cNvPr id="29" name="Straight Connector 28"/>
+          <p:cNvCxnSpPr/>
+          <p:nvPr/>
+        </p:nvCxnSpPr>
+        <p:spPr>
+          <a:xfrm>
+            <a:off x="5394460" y="2492896"/>
+            <a:ext cx="0" cy="864096"/>
+          </a:xfrm>
+          <a:prstGeom prst="line">
+            <a:avLst/>
+          </a:prstGeom>
+          <a:ln>
+            <a:prstDash val="sysDot"/>
+          </a:ln>
+        </p:spPr>
+        <p:style>
+          <a:lnRef idx="2">
+            <a:schemeClr val="accent1"/>
+          </a:lnRef>
+          <a:fillRef idx="0">
+            <a:schemeClr val="accent1"/>
+          </a:fillRef>
+          <a:effectRef idx="1">
+            <a:schemeClr val="accent1"/>
+          </a:effectRef>
+          <a:fontRef idx="minor">
+            <a:schemeClr val="tx1"/>
+          </a:fontRef>
+        </p:style>
+      </p:cxnSp>
+      <p:sp>
+        <p:nvSpPr>
+          <p:cNvPr id="30" name="TextBox 29"/>
+          <p:cNvSpPr txBox="1"/>
+          <p:nvPr/>
+        </p:nvSpPr>
+        <p:spPr>
+          <a:xfrm>
+            <a:off x="3274974" y="4797474"/>
+            <a:ext cx="1140643" cy="553998"/>
+          </a:xfrm>
+          <a:prstGeom prst="rect">
+            <a:avLst/>
+          </a:prstGeom>
+          <a:noFill/>
+        </p:spPr>
+        <p:txBody>
+          <a:bodyPr wrap="square" rtlCol="0">
+            <a:spAutoFit/>
+          </a:bodyPr>
+          <a:lstStyle/>
+          <a:p>
+            <a:r>
+              <a:rPr lang="en-AU" sz="1000" b="1" dirty="0" smtClean="0"/>
+              <a:t>July 2010 </a:t>
+            </a:r>
+          </a:p>
+          <a:p>
+            <a:r>
+              <a:rPr lang="en-AU" sz="1000" b="1" dirty="0" smtClean="0"/>
+              <a:t>Yammer</a:t>
+            </a:r>
+            <a:r>
+              <a:rPr lang="en-AU" sz="1000" dirty="0" smtClean="0"/>
+              <a:t> adopts node.js</a:t>
+            </a:r>
+            <a:endParaRPr lang="en-AU" sz="1000" dirty="0"/>
+          </a:p>
+        </p:txBody>
+      </p:sp>
+      <p:cxnSp>
+        <p:nvCxnSpPr>
+          <p:cNvPr id="31" name="Straight Connector 30"/>
+          <p:cNvCxnSpPr/>
+          <p:nvPr/>
+        </p:nvCxnSpPr>
+        <p:spPr>
+          <a:xfrm>
+            <a:off x="3419872" y="3645024"/>
+            <a:ext cx="0" cy="864096"/>
+          </a:xfrm>
+          <a:prstGeom prst="line">
+            <a:avLst/>
+          </a:prstGeom>
+          <a:ln>
+            <a:prstDash val="sysDot"/>
+          </a:ln>
+        </p:spPr>
+        <p:style>
+          <a:lnRef idx="2">
+            <a:schemeClr val="accent1"/>
+          </a:lnRef>
+          <a:fillRef idx="0">
+            <a:schemeClr val="accent1"/>
+          </a:fillRef>
+          <a:effectRef idx="1">
+            <a:schemeClr val="accent1"/>
+          </a:effectRef>
+          <a:fontRef idx="minor">
+            <a:schemeClr val="tx1"/>
+          </a:fontRef>
+        </p:style>
+      </p:cxnSp>
     </p:spTree>
     <p:extLst>
       <p:ext uri="{BB962C8B-B14F-4D97-AF65-F5344CB8AC3E}">
-        <p14:creationId xmlns:p14="http://schemas.microsoft.com/office/powerpoint/2010/main" val="2051269822"/>
+        <p14:creationId xmlns:p14="http://schemas.microsoft.com/office/powerpoint/2010/main" val="434415150"/>
       </p:ext>
     </p:extLst>
   </p:cSld>
@@ -11785,16 +14762,108 @@
           <a:chExt cx="0" cy="0"/>
         </a:xfrm>
       </p:grpSpPr>
+      <p:sp>
+        <p:nvSpPr>
+          <p:cNvPr id="2" name="Title 1"/>
+          <p:cNvSpPr>
+            <a:spLocks noGrp="1"/>
+          </p:cNvSpPr>
+          <p:nvPr>
+            <p:ph type="title"/>
+          </p:nvPr>
+        </p:nvSpPr>
+        <p:spPr>
+          <a:xfrm>
+            <a:off x="457200" y="274638"/>
+            <a:ext cx="2890664" cy="885295"/>
+          </a:xfrm>
+        </p:spPr>
+        <p:txBody>
+          <a:bodyPr/>
+          <a:lstStyle/>
+          <a:p>
+            <a:r>
+              <a:rPr lang="en-AU" dirty="0" smtClean="0"/>
+              <a:t>What is node.js</a:t>
+            </a:r>
+            <a:endParaRPr lang="en-AU" dirty="0"/>
+          </a:p>
+        </p:txBody>
+      </p:sp>
+      <p:sp>
+        <p:nvSpPr>
+          <p:cNvPr id="3" name="Text Placeholder 2"/>
+          <p:cNvSpPr>
+            <a:spLocks noGrp="1"/>
+          </p:cNvSpPr>
+          <p:nvPr>
+            <p:ph type="body" sz="quarter" idx="10"/>
+          </p:nvPr>
+        </p:nvSpPr>
+        <p:spPr/>
+        <p:txBody>
+          <a:bodyPr/>
+          <a:lstStyle/>
+          <a:p>
+            <a:r>
+              <a:rPr lang="en-AU" dirty="0" smtClean="0"/>
+              <a:t>Server </a:t>
+            </a:r>
+            <a:r>
+              <a:rPr lang="en-AU" dirty="0" smtClean="0"/>
+              <a:t>side technology for building scalable network programs.</a:t>
+            </a:r>
+          </a:p>
+          <a:p>
+            <a:r>
+              <a:rPr lang="en-AU" dirty="0" smtClean="0"/>
+              <a:t>Executes server side JavaScript code using Google's V8 JavaScript engine</a:t>
+            </a:r>
+          </a:p>
+          <a:p>
+            <a:r>
+              <a:rPr lang="en-AU" dirty="0" smtClean="0"/>
+              <a:t>Many </a:t>
+            </a:r>
+            <a:r>
+              <a:rPr lang="en-AU" dirty="0" smtClean="0"/>
+              <a:t>hosting options – Azure, </a:t>
+            </a:r>
+            <a:r>
+              <a:rPr lang="en-AU" dirty="0" err="1" smtClean="0"/>
+              <a:t>AppHarbour</a:t>
+            </a:r>
+            <a:r>
+              <a:rPr lang="en-AU" dirty="0" smtClean="0"/>
+              <a:t>, </a:t>
+            </a:r>
+            <a:r>
+              <a:rPr lang="en-AU" dirty="0" err="1" smtClean="0"/>
+              <a:t>Heroku</a:t>
+            </a:r>
+            <a:r>
+              <a:rPr lang="en-AU" dirty="0" smtClean="0"/>
+              <a:t>, NodeSter.com(EC2,Rackspace,GoGrid!)  </a:t>
+            </a:r>
+          </a:p>
+          <a:p>
+            <a:endParaRPr lang="en-AU" dirty="0" smtClean="0"/>
+          </a:p>
+          <a:p>
+            <a:endParaRPr lang="en-AU" dirty="0"/>
+          </a:p>
+        </p:txBody>
+      </p:sp>
       <p:pic>
         <p:nvPicPr>
-          <p:cNvPr id="5" name="Picture 4"/>
+          <p:cNvPr id="6" name="Picture 5"/>
           <p:cNvPicPr>
             <a:picLocks noChangeAspect="1"/>
           </p:cNvPicPr>
           <p:nvPr/>
         </p:nvPicPr>
         <p:blipFill>
-          <a:blip r:embed="rId2">
+          <a:blip r:embed="rId2" cstate="print">
             <a:extLst>
               <a:ext uri="{28A0092B-C50C-407E-A947-70E740481C1C}">
                 <a14:useLocalDpi xmlns:a14="http://schemas.microsoft.com/office/drawing/2010/main" val="0"/>
@@ -11807,8 +14876,8 @@
         </p:blipFill>
         <p:spPr>
           <a:xfrm>
-            <a:off x="251520" y="188640"/>
-            <a:ext cx="8550207" cy="6389370"/>
+            <a:off x="7020272" y="61690"/>
+            <a:ext cx="2123728" cy="1088057"/>
           </a:xfrm>
           <a:prstGeom prst="rect">
             <a:avLst/>
@@ -11818,7 +14887,7 @@
     </p:spTree>
     <p:extLst>
       <p:ext uri="{BB962C8B-B14F-4D97-AF65-F5344CB8AC3E}">
-        <p14:creationId xmlns:p14="http://schemas.microsoft.com/office/powerpoint/2010/main" val="1470723158"/>
+        <p14:creationId xmlns:p14="http://schemas.microsoft.com/office/powerpoint/2010/main" val="2051269822"/>
       </p:ext>
     </p:extLst>
   </p:cSld>
@@ -11855,40 +14924,33 @@
           <a:chExt cx="0" cy="0"/>
         </a:xfrm>
       </p:grpSpPr>
-      <p:pic>
-        <p:nvPicPr>
-          <p:cNvPr id="2" name="Picture 1"/>
-          <p:cNvPicPr>
-            <a:picLocks noChangeAspect="1"/>
-          </p:cNvPicPr>
-          <p:nvPr/>
-        </p:nvPicPr>
-        <p:blipFill>
-          <a:blip r:embed="rId2">
-            <a:extLst>
-              <a:ext uri="{28A0092B-C50C-407E-A947-70E740481C1C}">
-                <a14:useLocalDpi xmlns:a14="http://schemas.microsoft.com/office/drawing/2010/main" val="0"/>
-              </a:ext>
-            </a:extLst>
-          </a:blip>
-          <a:stretch>
-            <a:fillRect/>
-          </a:stretch>
-        </p:blipFill>
-        <p:spPr>
-          <a:xfrm>
-            <a:off x="60158" y="0"/>
-            <a:ext cx="9023684" cy="6858000"/>
-          </a:xfrm>
-          <a:prstGeom prst="rect">
-            <a:avLst/>
-          </a:prstGeom>
-        </p:spPr>
-      </p:pic>
+      <p:sp>
+        <p:nvSpPr>
+          <p:cNvPr id="6" name="Title 5"/>
+          <p:cNvSpPr>
+            <a:spLocks noGrp="1"/>
+          </p:cNvSpPr>
+          <p:nvPr>
+            <p:ph type="ctrTitle"/>
+          </p:nvPr>
+        </p:nvSpPr>
+        <p:spPr/>
+        <p:txBody>
+          <a:bodyPr/>
+          <a:lstStyle/>
+          <a:p>
+            <a:r>
+              <a:rPr lang="en-AU" dirty="0" smtClean="0"/>
+              <a:t>Event Loop Processing Explained</a:t>
+            </a:r>
+            <a:endParaRPr lang="en-AU" dirty="0"/>
+          </a:p>
+        </p:txBody>
+      </p:sp>
     </p:spTree>
     <p:extLst>
       <p:ext uri="{BB962C8B-B14F-4D97-AF65-F5344CB8AC3E}">
-        <p14:creationId xmlns:p14="http://schemas.microsoft.com/office/powerpoint/2010/main" val="2207183074"/>
+        <p14:creationId xmlns:p14="http://schemas.microsoft.com/office/powerpoint/2010/main" val="2671936879"/>
       </p:ext>
     </p:extLst>
   </p:cSld>
@@ -11925,40 +14987,873 @@
           <a:chExt cx="0" cy="0"/>
         </a:xfrm>
       </p:grpSpPr>
-      <p:pic>
-        <p:nvPicPr>
-          <p:cNvPr id="4" name="Picture 3"/>
-          <p:cNvPicPr>
-            <a:picLocks noChangeAspect="1"/>
-          </p:cNvPicPr>
-          <p:nvPr/>
-        </p:nvPicPr>
-        <p:blipFill>
-          <a:blip r:embed="rId2">
-            <a:extLst>
-              <a:ext uri="{28A0092B-C50C-407E-A947-70E740481C1C}">
-                <a14:useLocalDpi xmlns:a14="http://schemas.microsoft.com/office/drawing/2010/main" val="0"/>
-              </a:ext>
-            </a:extLst>
-          </a:blip>
-          <a:stretch>
-            <a:fillRect/>
-          </a:stretch>
-        </p:blipFill>
+      <p:sp>
+        <p:nvSpPr>
+          <p:cNvPr id="2" name="Title 1"/>
+          <p:cNvSpPr>
+            <a:spLocks noGrp="1"/>
+          </p:cNvSpPr>
+          <p:nvPr>
+            <p:ph type="title"/>
+          </p:nvPr>
+        </p:nvSpPr>
         <p:spPr>
           <a:xfrm>
-            <a:off x="174435" y="108195"/>
-            <a:ext cx="8795130" cy="6641610"/>
+            <a:off x="461178" y="188640"/>
+            <a:ext cx="8229600" cy="885295"/>
+          </a:xfrm>
+        </p:spPr>
+        <p:txBody>
+          <a:bodyPr/>
+          <a:lstStyle/>
+          <a:p>
+            <a:r>
+              <a:rPr lang="en-AU" dirty="0"/>
+              <a:t>t</a:t>
+            </a:r>
+            <a:r>
+              <a:rPr lang="en-AU" dirty="0" smtClean="0"/>
+              <a:t>raditional  web server synchronous I/O model</a:t>
+            </a:r>
+            <a:endParaRPr lang="en-AU" dirty="0"/>
+          </a:p>
+        </p:txBody>
+      </p:sp>
+      <p:sp>
+        <p:nvSpPr>
+          <p:cNvPr id="4" name="Rectangle 3"/>
+          <p:cNvSpPr/>
+          <p:nvPr/>
+        </p:nvSpPr>
+        <p:spPr>
+          <a:xfrm>
+            <a:off x="4427984" y="1286269"/>
+            <a:ext cx="4104456" cy="4715862"/>
           </a:xfrm>
           <a:prstGeom prst="rect">
             <a:avLst/>
           </a:prstGeom>
+          <a:solidFill>
+            <a:schemeClr val="bg1"/>
+          </a:solidFill>
         </p:spPr>
-      </p:pic>
+        <p:style>
+          <a:lnRef idx="1">
+            <a:schemeClr val="accent1"/>
+          </a:lnRef>
+          <a:fillRef idx="3">
+            <a:schemeClr val="accent1"/>
+          </a:fillRef>
+          <a:effectRef idx="2">
+            <a:schemeClr val="accent1"/>
+          </a:effectRef>
+          <a:fontRef idx="minor">
+            <a:schemeClr val="lt1"/>
+          </a:fontRef>
+        </p:style>
+        <p:txBody>
+          <a:bodyPr rtlCol="0" anchor="ctr"/>
+          <a:lstStyle/>
+          <a:p>
+            <a:pPr algn="ctr"/>
+            <a:endParaRPr lang="en-AU"/>
+          </a:p>
+        </p:txBody>
+      </p:sp>
+      <p:cxnSp>
+        <p:nvCxnSpPr>
+          <p:cNvPr id="6" name="Straight Arrow Connector 5"/>
+          <p:cNvCxnSpPr/>
+          <p:nvPr/>
+        </p:nvCxnSpPr>
+        <p:spPr>
+          <a:xfrm>
+            <a:off x="2483768" y="1772816"/>
+            <a:ext cx="1944216" cy="0"/>
+          </a:xfrm>
+          <a:prstGeom prst="straightConnector1">
+            <a:avLst/>
+          </a:prstGeom>
+          <a:ln>
+            <a:solidFill>
+              <a:srgbClr val="FF0000"/>
+            </a:solidFill>
+            <a:tailEnd type="arrow"/>
+          </a:ln>
+        </p:spPr>
+        <p:style>
+          <a:lnRef idx="2">
+            <a:schemeClr val="accent1"/>
+          </a:lnRef>
+          <a:fillRef idx="0">
+            <a:schemeClr val="accent1"/>
+          </a:fillRef>
+          <a:effectRef idx="1">
+            <a:schemeClr val="accent1"/>
+          </a:effectRef>
+          <a:fontRef idx="minor">
+            <a:schemeClr val="tx1"/>
+          </a:fontRef>
+        </p:style>
+      </p:cxnSp>
+      <p:sp>
+        <p:nvSpPr>
+          <p:cNvPr id="7" name="TextBox 6"/>
+          <p:cNvSpPr txBox="1"/>
+          <p:nvPr/>
+        </p:nvSpPr>
+        <p:spPr>
+          <a:xfrm>
+            <a:off x="2483768" y="1259468"/>
+            <a:ext cx="1114216" cy="369332"/>
+          </a:xfrm>
+          <a:prstGeom prst="rect">
+            <a:avLst/>
+          </a:prstGeom>
+          <a:noFill/>
+        </p:spPr>
+        <p:txBody>
+          <a:bodyPr wrap="none" rtlCol="0">
+            <a:spAutoFit/>
+          </a:bodyPr>
+          <a:lstStyle/>
+          <a:p>
+            <a:r>
+              <a:rPr lang="en-AU" dirty="0" smtClean="0">
+                <a:solidFill>
+                  <a:srgbClr val="FF0000"/>
+                </a:solidFill>
+              </a:rPr>
+              <a:t>Request</a:t>
+            </a:r>
+            <a:r>
+              <a:rPr lang="en-AU" dirty="0" smtClean="0"/>
+              <a:t> </a:t>
+            </a:r>
+            <a:r>
+              <a:rPr lang="en-AU" dirty="0" smtClean="0">
+                <a:solidFill>
+                  <a:srgbClr val="C00000"/>
+                </a:solidFill>
+              </a:rPr>
+              <a:t>1</a:t>
+            </a:r>
+            <a:endParaRPr lang="en-AU" dirty="0">
+              <a:solidFill>
+                <a:srgbClr val="C00000"/>
+              </a:solidFill>
+            </a:endParaRPr>
+          </a:p>
+        </p:txBody>
+      </p:sp>
+      <p:sp>
+        <p:nvSpPr>
+          <p:cNvPr id="12" name="TextBox 11"/>
+          <p:cNvSpPr txBox="1"/>
+          <p:nvPr/>
+        </p:nvSpPr>
+        <p:spPr>
+          <a:xfrm>
+            <a:off x="5111701" y="1772816"/>
+            <a:ext cx="3085012" cy="646331"/>
+          </a:xfrm>
+          <a:prstGeom prst="rect">
+            <a:avLst/>
+          </a:prstGeom>
+          <a:noFill/>
+        </p:spPr>
+        <p:txBody>
+          <a:bodyPr wrap="none" rtlCol="0">
+            <a:spAutoFit/>
+          </a:bodyPr>
+          <a:lstStyle/>
+          <a:p>
+            <a:r>
+              <a:rPr lang="en-AU" dirty="0" smtClean="0"/>
+              <a:t>thread 1 processes the request</a:t>
+            </a:r>
+          </a:p>
+          <a:p>
+            <a:r>
+              <a:rPr lang="en-AU" dirty="0"/>
+              <a:t>a</a:t>
+            </a:r>
+            <a:r>
+              <a:rPr lang="en-AU" dirty="0" smtClean="0"/>
+              <a:t>nd blocks till completion</a:t>
+            </a:r>
+            <a:endParaRPr lang="en-AU" dirty="0"/>
+          </a:p>
+        </p:txBody>
+      </p:sp>
+      <p:cxnSp>
+        <p:nvCxnSpPr>
+          <p:cNvPr id="13" name="Straight Arrow Connector 12"/>
+          <p:cNvCxnSpPr/>
+          <p:nvPr/>
+        </p:nvCxnSpPr>
+        <p:spPr>
+          <a:xfrm flipH="1">
+            <a:off x="2483768" y="2214156"/>
+            <a:ext cx="2289040" cy="0"/>
+          </a:xfrm>
+          <a:prstGeom prst="straightConnector1">
+            <a:avLst/>
+          </a:prstGeom>
+          <a:ln>
+            <a:tailEnd type="arrow"/>
+          </a:ln>
+        </p:spPr>
+        <p:style>
+          <a:lnRef idx="2">
+            <a:schemeClr val="accent1"/>
+          </a:lnRef>
+          <a:fillRef idx="0">
+            <a:schemeClr val="accent1"/>
+          </a:fillRef>
+          <a:effectRef idx="1">
+            <a:schemeClr val="accent1"/>
+          </a:effectRef>
+          <a:fontRef idx="minor">
+            <a:schemeClr val="tx1"/>
+          </a:fontRef>
+        </p:style>
+      </p:cxnSp>
+      <p:sp>
+        <p:nvSpPr>
+          <p:cNvPr id="17" name="TextBox 16"/>
+          <p:cNvSpPr txBox="1"/>
+          <p:nvPr/>
+        </p:nvSpPr>
+        <p:spPr>
+          <a:xfrm>
+            <a:off x="3548671" y="2276872"/>
+            <a:ext cx="1251433" cy="369332"/>
+          </a:xfrm>
+          <a:prstGeom prst="rect">
+            <a:avLst/>
+          </a:prstGeom>
+          <a:noFill/>
+        </p:spPr>
+        <p:txBody>
+          <a:bodyPr wrap="none" rtlCol="0">
+            <a:spAutoFit/>
+          </a:bodyPr>
+          <a:lstStyle/>
+          <a:p>
+            <a:r>
+              <a:rPr lang="en-AU" dirty="0" smtClean="0"/>
+              <a:t>Response 1</a:t>
+            </a:r>
+            <a:endParaRPr lang="en-AU" dirty="0"/>
+          </a:p>
+        </p:txBody>
+      </p:sp>
+      <p:sp>
+        <p:nvSpPr>
+          <p:cNvPr id="18" name="Curved Up Arrow 17"/>
+          <p:cNvSpPr/>
+          <p:nvPr/>
+        </p:nvSpPr>
+        <p:spPr>
+          <a:xfrm flipV="1">
+            <a:off x="4575978" y="1728797"/>
+            <a:ext cx="473751" cy="324698"/>
+          </a:xfrm>
+          <a:prstGeom prst="curvedUpArrow">
+            <a:avLst/>
+          </a:prstGeom>
+        </p:spPr>
+        <p:style>
+          <a:lnRef idx="1">
+            <a:schemeClr val="accent1"/>
+          </a:lnRef>
+          <a:fillRef idx="3">
+            <a:schemeClr val="accent1"/>
+          </a:fillRef>
+          <a:effectRef idx="2">
+            <a:schemeClr val="accent1"/>
+          </a:effectRef>
+          <a:fontRef idx="minor">
+            <a:schemeClr val="lt1"/>
+          </a:fontRef>
+        </p:style>
+        <p:txBody>
+          <a:bodyPr rtlCol="0" anchor="ctr"/>
+          <a:lstStyle/>
+          <a:p>
+            <a:pPr algn="ctr"/>
+            <a:endParaRPr lang="en-AU">
+              <a:solidFill>
+                <a:schemeClr val="tx1"/>
+              </a:solidFill>
+            </a:endParaRPr>
+          </a:p>
+        </p:txBody>
+      </p:sp>
+      <p:sp>
+        <p:nvSpPr>
+          <p:cNvPr id="22" name="TextBox 21"/>
+          <p:cNvSpPr txBox="1"/>
+          <p:nvPr/>
+        </p:nvSpPr>
+        <p:spPr>
+          <a:xfrm>
+            <a:off x="5111701" y="3544455"/>
+            <a:ext cx="3436069" cy="646331"/>
+          </a:xfrm>
+          <a:prstGeom prst="rect">
+            <a:avLst/>
+          </a:prstGeom>
+          <a:noFill/>
+        </p:spPr>
+        <p:txBody>
+          <a:bodyPr wrap="none" rtlCol="0">
+            <a:spAutoFit/>
+          </a:bodyPr>
+          <a:lstStyle/>
+          <a:p>
+            <a:r>
+              <a:rPr lang="en-AU" dirty="0" smtClean="0"/>
+              <a:t>thread 1000 processes the request</a:t>
+            </a:r>
+          </a:p>
+          <a:p>
+            <a:r>
+              <a:rPr lang="en-AU" dirty="0"/>
+              <a:t>and blocks till completion</a:t>
+            </a:r>
+            <a:endParaRPr lang="en-AU" dirty="0"/>
+          </a:p>
+        </p:txBody>
+      </p:sp>
+      <p:sp>
+        <p:nvSpPr>
+          <p:cNvPr id="25" name="Curved Up Arrow 24"/>
+          <p:cNvSpPr/>
+          <p:nvPr/>
+        </p:nvSpPr>
+        <p:spPr>
+          <a:xfrm flipV="1">
+            <a:off x="4560825" y="3544455"/>
+            <a:ext cx="504056" cy="324698"/>
+          </a:xfrm>
+          <a:prstGeom prst="curvedUpArrow">
+            <a:avLst/>
+          </a:prstGeom>
+        </p:spPr>
+        <p:style>
+          <a:lnRef idx="1">
+            <a:schemeClr val="accent1"/>
+          </a:lnRef>
+          <a:fillRef idx="3">
+            <a:schemeClr val="accent1"/>
+          </a:fillRef>
+          <a:effectRef idx="2">
+            <a:schemeClr val="accent1"/>
+          </a:effectRef>
+          <a:fontRef idx="minor">
+            <a:schemeClr val="lt1"/>
+          </a:fontRef>
+        </p:style>
+        <p:txBody>
+          <a:bodyPr rtlCol="0" anchor="ctr"/>
+          <a:lstStyle/>
+          <a:p>
+            <a:pPr algn="ctr"/>
+            <a:endParaRPr lang="en-AU">
+              <a:solidFill>
+                <a:schemeClr val="tx1"/>
+              </a:solidFill>
+            </a:endParaRPr>
+          </a:p>
+        </p:txBody>
+      </p:sp>
+      <p:sp>
+        <p:nvSpPr>
+          <p:cNvPr id="27" name="TextBox 26"/>
+          <p:cNvSpPr txBox="1"/>
+          <p:nvPr/>
+        </p:nvSpPr>
+        <p:spPr>
+          <a:xfrm>
+            <a:off x="4560825" y="1286269"/>
+            <a:ext cx="3272434" cy="369332"/>
+          </a:xfrm>
+          <a:prstGeom prst="rect">
+            <a:avLst/>
+          </a:prstGeom>
+          <a:noFill/>
+        </p:spPr>
+        <p:txBody>
+          <a:bodyPr wrap="none" rtlCol="0">
+            <a:spAutoFit/>
+          </a:bodyPr>
+          <a:lstStyle/>
+          <a:p>
+            <a:r>
+              <a:rPr lang="en-AU" b="1" dirty="0" smtClean="0"/>
+              <a:t>Web Server (with 1000 threads)</a:t>
+            </a:r>
+            <a:endParaRPr lang="en-AU" b="1" dirty="0"/>
+          </a:p>
+        </p:txBody>
+      </p:sp>
+      <p:cxnSp>
+        <p:nvCxnSpPr>
+          <p:cNvPr id="42" name="Straight Arrow Connector 41"/>
+          <p:cNvCxnSpPr>
+            <a:endCxn id="4" idx="1"/>
+          </p:cNvCxnSpPr>
+          <p:nvPr/>
+        </p:nvCxnSpPr>
+        <p:spPr>
+          <a:xfrm>
+            <a:off x="2538728" y="3644200"/>
+            <a:ext cx="1889256" cy="0"/>
+          </a:xfrm>
+          <a:prstGeom prst="straightConnector1">
+            <a:avLst/>
+          </a:prstGeom>
+          <a:ln>
+            <a:solidFill>
+              <a:srgbClr val="FF0000"/>
+            </a:solidFill>
+            <a:tailEnd type="arrow"/>
+          </a:ln>
+        </p:spPr>
+        <p:style>
+          <a:lnRef idx="2">
+            <a:schemeClr val="accent1"/>
+          </a:lnRef>
+          <a:fillRef idx="0">
+            <a:schemeClr val="accent1"/>
+          </a:fillRef>
+          <a:effectRef idx="1">
+            <a:schemeClr val="accent1"/>
+          </a:effectRef>
+          <a:fontRef idx="minor">
+            <a:schemeClr val="tx1"/>
+          </a:fontRef>
+        </p:style>
+      </p:cxnSp>
+      <p:sp>
+        <p:nvSpPr>
+          <p:cNvPr id="43" name="TextBox 42"/>
+          <p:cNvSpPr txBox="1"/>
+          <p:nvPr/>
+        </p:nvSpPr>
+        <p:spPr>
+          <a:xfrm>
+            <a:off x="2538728" y="3130852"/>
+            <a:ext cx="1465273" cy="369332"/>
+          </a:xfrm>
+          <a:prstGeom prst="rect">
+            <a:avLst/>
+          </a:prstGeom>
+          <a:noFill/>
+        </p:spPr>
+        <p:txBody>
+          <a:bodyPr wrap="none" rtlCol="0">
+            <a:spAutoFit/>
+          </a:bodyPr>
+          <a:lstStyle/>
+          <a:p>
+            <a:r>
+              <a:rPr lang="en-AU" dirty="0" smtClean="0">
+                <a:solidFill>
+                  <a:srgbClr val="FF0000"/>
+                </a:solidFill>
+              </a:rPr>
+              <a:t>Request</a:t>
+            </a:r>
+            <a:r>
+              <a:rPr lang="en-AU" dirty="0" smtClean="0"/>
+              <a:t> </a:t>
+            </a:r>
+            <a:r>
+              <a:rPr lang="en-AU" dirty="0" smtClean="0">
+                <a:solidFill>
+                  <a:srgbClr val="C00000"/>
+                </a:solidFill>
+              </a:rPr>
+              <a:t>1000</a:t>
+            </a:r>
+            <a:endParaRPr lang="en-AU" dirty="0">
+              <a:solidFill>
+                <a:srgbClr val="C00000"/>
+              </a:solidFill>
+            </a:endParaRPr>
+          </a:p>
+        </p:txBody>
+      </p:sp>
+      <p:cxnSp>
+        <p:nvCxnSpPr>
+          <p:cNvPr id="44" name="Straight Arrow Connector 43"/>
+          <p:cNvCxnSpPr/>
+          <p:nvPr/>
+        </p:nvCxnSpPr>
+        <p:spPr>
+          <a:xfrm flipH="1">
+            <a:off x="2538728" y="4104781"/>
+            <a:ext cx="2037722" cy="0"/>
+          </a:xfrm>
+          <a:prstGeom prst="straightConnector1">
+            <a:avLst/>
+          </a:prstGeom>
+          <a:ln>
+            <a:tailEnd type="arrow"/>
+          </a:ln>
+        </p:spPr>
+        <p:style>
+          <a:lnRef idx="2">
+            <a:schemeClr val="accent1"/>
+          </a:lnRef>
+          <a:fillRef idx="0">
+            <a:schemeClr val="accent1"/>
+          </a:fillRef>
+          <a:effectRef idx="1">
+            <a:schemeClr val="accent1"/>
+          </a:effectRef>
+          <a:fontRef idx="minor">
+            <a:schemeClr val="tx1"/>
+          </a:fontRef>
+        </p:style>
+      </p:cxnSp>
+      <p:sp>
+        <p:nvSpPr>
+          <p:cNvPr id="45" name="TextBox 44"/>
+          <p:cNvSpPr txBox="1"/>
+          <p:nvPr/>
+        </p:nvSpPr>
+        <p:spPr>
+          <a:xfrm>
+            <a:off x="3407274" y="4167497"/>
+            <a:ext cx="1602490" cy="369332"/>
+          </a:xfrm>
+          <a:prstGeom prst="rect">
+            <a:avLst/>
+          </a:prstGeom>
+          <a:noFill/>
+        </p:spPr>
+        <p:txBody>
+          <a:bodyPr wrap="none" rtlCol="0">
+            <a:spAutoFit/>
+          </a:bodyPr>
+          <a:lstStyle/>
+          <a:p>
+            <a:r>
+              <a:rPr lang="en-AU" dirty="0" smtClean="0"/>
+              <a:t>Response 1000</a:t>
+            </a:r>
+            <a:endParaRPr lang="en-AU" dirty="0"/>
+          </a:p>
+        </p:txBody>
+      </p:sp>
+      <p:cxnSp>
+        <p:nvCxnSpPr>
+          <p:cNvPr id="46" name="Straight Arrow Connector 45"/>
+          <p:cNvCxnSpPr/>
+          <p:nvPr/>
+        </p:nvCxnSpPr>
+        <p:spPr>
+          <a:xfrm>
+            <a:off x="179512" y="1728797"/>
+            <a:ext cx="1224136" cy="0"/>
+          </a:xfrm>
+          <a:prstGeom prst="straightConnector1">
+            <a:avLst/>
+          </a:prstGeom>
+          <a:ln>
+            <a:solidFill>
+              <a:srgbClr val="FF0000"/>
+            </a:solidFill>
+            <a:tailEnd type="arrow"/>
+          </a:ln>
+        </p:spPr>
+        <p:style>
+          <a:lnRef idx="2">
+            <a:schemeClr val="accent1"/>
+          </a:lnRef>
+          <a:fillRef idx="0">
+            <a:schemeClr val="accent1"/>
+          </a:fillRef>
+          <a:effectRef idx="1">
+            <a:schemeClr val="accent1"/>
+          </a:effectRef>
+          <a:fontRef idx="minor">
+            <a:schemeClr val="tx1"/>
+          </a:fontRef>
+        </p:style>
+      </p:cxnSp>
+      <p:cxnSp>
+        <p:nvCxnSpPr>
+          <p:cNvPr id="47" name="Straight Arrow Connector 46"/>
+          <p:cNvCxnSpPr/>
+          <p:nvPr/>
+        </p:nvCxnSpPr>
+        <p:spPr>
+          <a:xfrm>
+            <a:off x="196213" y="2276872"/>
+            <a:ext cx="1224136" cy="0"/>
+          </a:xfrm>
+          <a:prstGeom prst="straightConnector1">
+            <a:avLst/>
+          </a:prstGeom>
+          <a:ln>
+            <a:solidFill>
+              <a:srgbClr val="FF0000"/>
+            </a:solidFill>
+            <a:tailEnd type="arrow"/>
+          </a:ln>
+        </p:spPr>
+        <p:style>
+          <a:lnRef idx="2">
+            <a:schemeClr val="accent1"/>
+          </a:lnRef>
+          <a:fillRef idx="0">
+            <a:schemeClr val="accent1"/>
+          </a:fillRef>
+          <a:effectRef idx="1">
+            <a:schemeClr val="accent1"/>
+          </a:effectRef>
+          <a:fontRef idx="minor">
+            <a:schemeClr val="tx1"/>
+          </a:fontRef>
+        </p:style>
+      </p:cxnSp>
+      <p:sp>
+        <p:nvSpPr>
+          <p:cNvPr id="49" name="TextBox 48"/>
+          <p:cNvSpPr txBox="1"/>
+          <p:nvPr/>
+        </p:nvSpPr>
+        <p:spPr>
+          <a:xfrm>
+            <a:off x="107504" y="1320098"/>
+            <a:ext cx="1465273" cy="369332"/>
+          </a:xfrm>
+          <a:prstGeom prst="rect">
+            <a:avLst/>
+          </a:prstGeom>
+          <a:noFill/>
+        </p:spPr>
+        <p:txBody>
+          <a:bodyPr wrap="none" rtlCol="0">
+            <a:spAutoFit/>
+          </a:bodyPr>
+          <a:lstStyle/>
+          <a:p>
+            <a:r>
+              <a:rPr lang="en-AU" dirty="0" smtClean="0">
+                <a:solidFill>
+                  <a:srgbClr val="FF0000"/>
+                </a:solidFill>
+              </a:rPr>
+              <a:t>Request</a:t>
+            </a:r>
+            <a:r>
+              <a:rPr lang="en-AU" dirty="0" smtClean="0"/>
+              <a:t> </a:t>
+            </a:r>
+            <a:r>
+              <a:rPr lang="en-AU" dirty="0" smtClean="0">
+                <a:solidFill>
+                  <a:srgbClr val="C00000"/>
+                </a:solidFill>
+              </a:rPr>
+              <a:t>1001</a:t>
+            </a:r>
+            <a:endParaRPr lang="en-AU" dirty="0">
+              <a:solidFill>
+                <a:srgbClr val="C00000"/>
+              </a:solidFill>
+            </a:endParaRPr>
+          </a:p>
+        </p:txBody>
+      </p:sp>
+      <p:sp>
+        <p:nvSpPr>
+          <p:cNvPr id="50" name="TextBox 49"/>
+          <p:cNvSpPr txBox="1"/>
+          <p:nvPr/>
+        </p:nvSpPr>
+        <p:spPr>
+          <a:xfrm>
+            <a:off x="107504" y="1835532"/>
+            <a:ext cx="1465273" cy="369332"/>
+          </a:xfrm>
+          <a:prstGeom prst="rect">
+            <a:avLst/>
+          </a:prstGeom>
+          <a:noFill/>
+        </p:spPr>
+        <p:txBody>
+          <a:bodyPr wrap="none" rtlCol="0">
+            <a:spAutoFit/>
+          </a:bodyPr>
+          <a:lstStyle/>
+          <a:p>
+            <a:r>
+              <a:rPr lang="en-AU" dirty="0" smtClean="0">
+                <a:solidFill>
+                  <a:srgbClr val="FF0000"/>
+                </a:solidFill>
+              </a:rPr>
+              <a:t>Request</a:t>
+            </a:r>
+            <a:r>
+              <a:rPr lang="en-AU" dirty="0" smtClean="0"/>
+              <a:t> </a:t>
+            </a:r>
+            <a:r>
+              <a:rPr lang="en-AU" dirty="0" smtClean="0">
+                <a:solidFill>
+                  <a:srgbClr val="C00000"/>
+                </a:solidFill>
+              </a:rPr>
+              <a:t>1002</a:t>
+            </a:r>
+            <a:endParaRPr lang="en-AU" dirty="0">
+              <a:solidFill>
+                <a:srgbClr val="C00000"/>
+              </a:solidFill>
+            </a:endParaRPr>
+          </a:p>
+        </p:txBody>
+      </p:sp>
+      <p:cxnSp>
+        <p:nvCxnSpPr>
+          <p:cNvPr id="51" name="Straight Arrow Connector 50"/>
+          <p:cNvCxnSpPr/>
+          <p:nvPr/>
+        </p:nvCxnSpPr>
+        <p:spPr>
+          <a:xfrm>
+            <a:off x="179512" y="2780928"/>
+            <a:ext cx="1224136" cy="0"/>
+          </a:xfrm>
+          <a:prstGeom prst="straightConnector1">
+            <a:avLst/>
+          </a:prstGeom>
+          <a:ln>
+            <a:solidFill>
+              <a:srgbClr val="FF0000"/>
+            </a:solidFill>
+            <a:tailEnd type="arrow"/>
+          </a:ln>
+        </p:spPr>
+        <p:style>
+          <a:lnRef idx="2">
+            <a:schemeClr val="accent1"/>
+          </a:lnRef>
+          <a:fillRef idx="0">
+            <a:schemeClr val="accent1"/>
+          </a:fillRef>
+          <a:effectRef idx="1">
+            <a:schemeClr val="accent1"/>
+          </a:effectRef>
+          <a:fontRef idx="minor">
+            <a:schemeClr val="tx1"/>
+          </a:fontRef>
+        </p:style>
+      </p:cxnSp>
+      <p:sp>
+        <p:nvSpPr>
+          <p:cNvPr id="52" name="TextBox 51"/>
+          <p:cNvSpPr txBox="1"/>
+          <p:nvPr/>
+        </p:nvSpPr>
+        <p:spPr>
+          <a:xfrm>
+            <a:off x="107504" y="2348880"/>
+            <a:ext cx="1465273" cy="369332"/>
+          </a:xfrm>
+          <a:prstGeom prst="rect">
+            <a:avLst/>
+          </a:prstGeom>
+          <a:noFill/>
+        </p:spPr>
+        <p:txBody>
+          <a:bodyPr wrap="none" rtlCol="0">
+            <a:spAutoFit/>
+          </a:bodyPr>
+          <a:lstStyle/>
+          <a:p>
+            <a:r>
+              <a:rPr lang="en-AU" dirty="0" smtClean="0">
+                <a:solidFill>
+                  <a:srgbClr val="FF0000"/>
+                </a:solidFill>
+              </a:rPr>
+              <a:t>Request</a:t>
+            </a:r>
+            <a:r>
+              <a:rPr lang="en-AU" dirty="0" smtClean="0"/>
+              <a:t> </a:t>
+            </a:r>
+            <a:r>
+              <a:rPr lang="en-AU" dirty="0" smtClean="0">
+                <a:solidFill>
+                  <a:srgbClr val="C00000"/>
+                </a:solidFill>
+              </a:rPr>
+              <a:t>1003</a:t>
+            </a:r>
+            <a:endParaRPr lang="en-AU" dirty="0">
+              <a:solidFill>
+                <a:srgbClr val="C00000"/>
+              </a:solidFill>
+            </a:endParaRPr>
+          </a:p>
+        </p:txBody>
+      </p:sp>
+      <p:sp>
+        <p:nvSpPr>
+          <p:cNvPr id="53" name="Folded Corner 52"/>
+          <p:cNvSpPr/>
+          <p:nvPr/>
+        </p:nvSpPr>
+        <p:spPr>
+          <a:xfrm>
+            <a:off x="179512" y="3891350"/>
+            <a:ext cx="1728191" cy="1049818"/>
+          </a:xfrm>
+          <a:prstGeom prst="foldedCorner">
+            <a:avLst/>
+          </a:prstGeom>
+        </p:spPr>
+        <p:style>
+          <a:lnRef idx="2">
+            <a:schemeClr val="dk1"/>
+          </a:lnRef>
+          <a:fillRef idx="1">
+            <a:schemeClr val="lt1"/>
+          </a:fillRef>
+          <a:effectRef idx="0">
+            <a:schemeClr val="dk1"/>
+          </a:effectRef>
+          <a:fontRef idx="minor">
+            <a:schemeClr val="dk1"/>
+          </a:fontRef>
+        </p:style>
+        <p:txBody>
+          <a:bodyPr rtlCol="0" anchor="ctr"/>
+          <a:lstStyle/>
+          <a:p>
+            <a:pPr algn="ctr"/>
+            <a:r>
+              <a:rPr lang="en-AU" sz="1400" dirty="0" smtClean="0"/>
+              <a:t>Requests queue up as blocked threads wait on server</a:t>
+            </a:r>
+            <a:endParaRPr lang="en-AU" sz="1400" dirty="0"/>
+          </a:p>
+        </p:txBody>
+      </p:sp>
     </p:spTree>
     <p:extLst>
       <p:ext uri="{BB962C8B-B14F-4D97-AF65-F5344CB8AC3E}">
-        <p14:creationId xmlns:p14="http://schemas.microsoft.com/office/powerpoint/2010/main" val="1783339836"/>
+        <p14:creationId xmlns:p14="http://schemas.microsoft.com/office/powerpoint/2010/main" val="2849970091"/>
       </p:ext>
     </p:extLst>
   </p:cSld>
@@ -11971,9 +15866,429 @@
   <p:timing>
     <p:tnLst>
       <p:par>
-        <p:cTn id="1" dur="indefinite" restart="never" nodeType="tmRoot"/>
+        <p:cTn id="1" dur="indefinite" restart="never" nodeType="tmRoot">
+          <p:childTnLst>
+            <p:seq concurrent="1" nextAc="seek">
+              <p:cTn id="2" dur="indefinite" nodeType="mainSeq">
+                <p:childTnLst>
+                  <p:par>
+                    <p:cTn id="3" fill="hold">
+                      <p:stCondLst>
+                        <p:cond delay="indefinite"/>
+                      </p:stCondLst>
+                      <p:childTnLst>
+                        <p:par>
+                          <p:cTn id="4" fill="hold">
+                            <p:stCondLst>
+                              <p:cond delay="0"/>
+                            </p:stCondLst>
+                            <p:childTnLst>
+                              <p:par>
+                                <p:cTn id="5" presetID="1" presetClass="entr" presetSubtype="0" fill="hold" grpId="0" nodeType="clickEffect">
+                                  <p:stCondLst>
+                                    <p:cond delay="0"/>
+                                  </p:stCondLst>
+                                  <p:childTnLst>
+                                    <p:set>
+                                      <p:cBhvr>
+                                        <p:cTn id="6" dur="1" fill="hold">
+                                          <p:stCondLst>
+                                            <p:cond delay="0"/>
+                                          </p:stCondLst>
+                                        </p:cTn>
+                                        <p:tgtEl>
+                                          <p:spTgt spid="43"/>
+                                        </p:tgtEl>
+                                        <p:attrNameLst>
+                                          <p:attrName>style.visibility</p:attrName>
+                                        </p:attrNameLst>
+                                      </p:cBhvr>
+                                      <p:to>
+                                        <p:strVal val="visible"/>
+                                      </p:to>
+                                    </p:set>
+                                  </p:childTnLst>
+                                </p:cTn>
+                              </p:par>
+                              <p:par>
+                                <p:cTn id="7" presetID="1" presetClass="entr" presetSubtype="0" fill="hold" nodeType="withEffect">
+                                  <p:stCondLst>
+                                    <p:cond delay="0"/>
+                                  </p:stCondLst>
+                                  <p:childTnLst>
+                                    <p:set>
+                                      <p:cBhvr>
+                                        <p:cTn id="8" dur="1" fill="hold">
+                                          <p:stCondLst>
+                                            <p:cond delay="0"/>
+                                          </p:stCondLst>
+                                        </p:cTn>
+                                        <p:tgtEl>
+                                          <p:spTgt spid="42"/>
+                                        </p:tgtEl>
+                                        <p:attrNameLst>
+                                          <p:attrName>style.visibility</p:attrName>
+                                        </p:attrNameLst>
+                                      </p:cBhvr>
+                                      <p:to>
+                                        <p:strVal val="visible"/>
+                                      </p:to>
+                                    </p:set>
+                                  </p:childTnLst>
+                                </p:cTn>
+                              </p:par>
+                              <p:par>
+                                <p:cTn id="9" presetID="1" presetClass="entr" presetSubtype="0" fill="hold" nodeType="withEffect">
+                                  <p:stCondLst>
+                                    <p:cond delay="0"/>
+                                  </p:stCondLst>
+                                  <p:childTnLst>
+                                    <p:set>
+                                      <p:cBhvr>
+                                        <p:cTn id="10" dur="1" fill="hold">
+                                          <p:stCondLst>
+                                            <p:cond delay="0"/>
+                                          </p:stCondLst>
+                                        </p:cTn>
+                                        <p:tgtEl>
+                                          <p:spTgt spid="44"/>
+                                        </p:tgtEl>
+                                        <p:attrNameLst>
+                                          <p:attrName>style.visibility</p:attrName>
+                                        </p:attrNameLst>
+                                      </p:cBhvr>
+                                      <p:to>
+                                        <p:strVal val="visible"/>
+                                      </p:to>
+                                    </p:set>
+                                  </p:childTnLst>
+                                </p:cTn>
+                              </p:par>
+                              <p:par>
+                                <p:cTn id="11" presetID="1" presetClass="entr" presetSubtype="0" fill="hold" grpId="0" nodeType="withEffect">
+                                  <p:stCondLst>
+                                    <p:cond delay="0"/>
+                                  </p:stCondLst>
+                                  <p:childTnLst>
+                                    <p:set>
+                                      <p:cBhvr>
+                                        <p:cTn id="12" dur="1" fill="hold">
+                                          <p:stCondLst>
+                                            <p:cond delay="0"/>
+                                          </p:stCondLst>
+                                        </p:cTn>
+                                        <p:tgtEl>
+                                          <p:spTgt spid="45"/>
+                                        </p:tgtEl>
+                                        <p:attrNameLst>
+                                          <p:attrName>style.visibility</p:attrName>
+                                        </p:attrNameLst>
+                                      </p:cBhvr>
+                                      <p:to>
+                                        <p:strVal val="visible"/>
+                                      </p:to>
+                                    </p:set>
+                                  </p:childTnLst>
+                                </p:cTn>
+                              </p:par>
+                              <p:par>
+                                <p:cTn id="13" presetID="1" presetClass="entr" presetSubtype="0" fill="hold" grpId="0" nodeType="withEffect">
+                                  <p:stCondLst>
+                                    <p:cond delay="0"/>
+                                  </p:stCondLst>
+                                  <p:childTnLst>
+                                    <p:set>
+                                      <p:cBhvr>
+                                        <p:cTn id="14" dur="1" fill="hold">
+                                          <p:stCondLst>
+                                            <p:cond delay="0"/>
+                                          </p:stCondLst>
+                                        </p:cTn>
+                                        <p:tgtEl>
+                                          <p:spTgt spid="25"/>
+                                        </p:tgtEl>
+                                        <p:attrNameLst>
+                                          <p:attrName>style.visibility</p:attrName>
+                                        </p:attrNameLst>
+                                      </p:cBhvr>
+                                      <p:to>
+                                        <p:strVal val="visible"/>
+                                      </p:to>
+                                    </p:set>
+                                  </p:childTnLst>
+                                </p:cTn>
+                              </p:par>
+                              <p:par>
+                                <p:cTn id="15" presetID="1" presetClass="entr" presetSubtype="0" fill="hold" grpId="0" nodeType="withEffect">
+                                  <p:stCondLst>
+                                    <p:cond delay="0"/>
+                                  </p:stCondLst>
+                                  <p:childTnLst>
+                                    <p:set>
+                                      <p:cBhvr>
+                                        <p:cTn id="16" dur="1" fill="hold">
+                                          <p:stCondLst>
+                                            <p:cond delay="0"/>
+                                          </p:stCondLst>
+                                        </p:cTn>
+                                        <p:tgtEl>
+                                          <p:spTgt spid="22"/>
+                                        </p:tgtEl>
+                                        <p:attrNameLst>
+                                          <p:attrName>style.visibility</p:attrName>
+                                        </p:attrNameLst>
+                                      </p:cBhvr>
+                                      <p:to>
+                                        <p:strVal val="visible"/>
+                                      </p:to>
+                                    </p:set>
+                                  </p:childTnLst>
+                                </p:cTn>
+                              </p:par>
+                            </p:childTnLst>
+                          </p:cTn>
+                        </p:par>
+                      </p:childTnLst>
+                    </p:cTn>
+                  </p:par>
+                  <p:par>
+                    <p:cTn id="17" fill="hold">
+                      <p:stCondLst>
+                        <p:cond delay="indefinite"/>
+                      </p:stCondLst>
+                      <p:childTnLst>
+                        <p:par>
+                          <p:cTn id="18" fill="hold">
+                            <p:stCondLst>
+                              <p:cond delay="0"/>
+                            </p:stCondLst>
+                            <p:childTnLst>
+                              <p:par>
+                                <p:cTn id="19" presetID="1" presetClass="entr" presetSubtype="0" fill="hold" grpId="0" nodeType="clickEffect">
+                                  <p:stCondLst>
+                                    <p:cond delay="0"/>
+                                  </p:stCondLst>
+                                  <p:childTnLst>
+                                    <p:set>
+                                      <p:cBhvr>
+                                        <p:cTn id="20" dur="1" fill="hold">
+                                          <p:stCondLst>
+                                            <p:cond delay="0"/>
+                                          </p:stCondLst>
+                                        </p:cTn>
+                                        <p:tgtEl>
+                                          <p:spTgt spid="53"/>
+                                        </p:tgtEl>
+                                        <p:attrNameLst>
+                                          <p:attrName>style.visibility</p:attrName>
+                                        </p:attrNameLst>
+                                      </p:cBhvr>
+                                      <p:to>
+                                        <p:strVal val="visible"/>
+                                      </p:to>
+                                    </p:set>
+                                  </p:childTnLst>
+                                </p:cTn>
+                              </p:par>
+                              <p:par>
+                                <p:cTn id="21" presetID="1" presetClass="entr" presetSubtype="0" fill="hold" nodeType="withEffect">
+                                  <p:stCondLst>
+                                    <p:cond delay="0"/>
+                                  </p:stCondLst>
+                                  <p:childTnLst>
+                                    <p:set>
+                                      <p:cBhvr>
+                                        <p:cTn id="22" dur="1" fill="hold">
+                                          <p:stCondLst>
+                                            <p:cond delay="0"/>
+                                          </p:stCondLst>
+                                        </p:cTn>
+                                        <p:tgtEl>
+                                          <p:spTgt spid="51"/>
+                                        </p:tgtEl>
+                                        <p:attrNameLst>
+                                          <p:attrName>style.visibility</p:attrName>
+                                        </p:attrNameLst>
+                                      </p:cBhvr>
+                                      <p:to>
+                                        <p:strVal val="visible"/>
+                                      </p:to>
+                                    </p:set>
+                                  </p:childTnLst>
+                                </p:cTn>
+                              </p:par>
+                              <p:par>
+                                <p:cTn id="23" presetID="1" presetClass="entr" presetSubtype="0" fill="hold" grpId="0" nodeType="withEffect">
+                                  <p:stCondLst>
+                                    <p:cond delay="0"/>
+                                  </p:stCondLst>
+                                  <p:childTnLst>
+                                    <p:set>
+                                      <p:cBhvr>
+                                        <p:cTn id="24" dur="1" fill="hold">
+                                          <p:stCondLst>
+                                            <p:cond delay="0"/>
+                                          </p:stCondLst>
+                                        </p:cTn>
+                                        <p:tgtEl>
+                                          <p:spTgt spid="52"/>
+                                        </p:tgtEl>
+                                        <p:attrNameLst>
+                                          <p:attrName>style.visibility</p:attrName>
+                                        </p:attrNameLst>
+                                      </p:cBhvr>
+                                      <p:to>
+                                        <p:strVal val="visible"/>
+                                      </p:to>
+                                    </p:set>
+                                  </p:childTnLst>
+                                </p:cTn>
+                              </p:par>
+                              <p:par>
+                                <p:cTn id="25" presetID="1" presetClass="entr" presetSubtype="0" fill="hold" nodeType="withEffect">
+                                  <p:stCondLst>
+                                    <p:cond delay="0"/>
+                                  </p:stCondLst>
+                                  <p:childTnLst>
+                                    <p:set>
+                                      <p:cBhvr>
+                                        <p:cTn id="26" dur="1" fill="hold">
+                                          <p:stCondLst>
+                                            <p:cond delay="0"/>
+                                          </p:stCondLst>
+                                        </p:cTn>
+                                        <p:tgtEl>
+                                          <p:spTgt spid="47"/>
+                                        </p:tgtEl>
+                                        <p:attrNameLst>
+                                          <p:attrName>style.visibility</p:attrName>
+                                        </p:attrNameLst>
+                                      </p:cBhvr>
+                                      <p:to>
+                                        <p:strVal val="visible"/>
+                                      </p:to>
+                                    </p:set>
+                                  </p:childTnLst>
+                                </p:cTn>
+                              </p:par>
+                              <p:par>
+                                <p:cTn id="27" presetID="1" presetClass="entr" presetSubtype="0" fill="hold" grpId="0" nodeType="withEffect">
+                                  <p:stCondLst>
+                                    <p:cond delay="0"/>
+                                  </p:stCondLst>
+                                  <p:childTnLst>
+                                    <p:set>
+                                      <p:cBhvr>
+                                        <p:cTn id="28" dur="1" fill="hold">
+                                          <p:stCondLst>
+                                            <p:cond delay="0"/>
+                                          </p:stCondLst>
+                                        </p:cTn>
+                                        <p:tgtEl>
+                                          <p:spTgt spid="50"/>
+                                        </p:tgtEl>
+                                        <p:attrNameLst>
+                                          <p:attrName>style.visibility</p:attrName>
+                                        </p:attrNameLst>
+                                      </p:cBhvr>
+                                      <p:to>
+                                        <p:strVal val="visible"/>
+                                      </p:to>
+                                    </p:set>
+                                  </p:childTnLst>
+                                </p:cTn>
+                              </p:par>
+                              <p:par>
+                                <p:cTn id="29" presetID="1" presetClass="entr" presetSubtype="0" fill="hold" nodeType="withEffect">
+                                  <p:stCondLst>
+                                    <p:cond delay="0"/>
+                                  </p:stCondLst>
+                                  <p:childTnLst>
+                                    <p:set>
+                                      <p:cBhvr>
+                                        <p:cTn id="30" dur="1" fill="hold">
+                                          <p:stCondLst>
+                                            <p:cond delay="0"/>
+                                          </p:stCondLst>
+                                        </p:cTn>
+                                        <p:tgtEl>
+                                          <p:spTgt spid="46"/>
+                                        </p:tgtEl>
+                                        <p:attrNameLst>
+                                          <p:attrName>style.visibility</p:attrName>
+                                        </p:attrNameLst>
+                                      </p:cBhvr>
+                                      <p:to>
+                                        <p:strVal val="visible"/>
+                                      </p:to>
+                                    </p:set>
+                                  </p:childTnLst>
+                                </p:cTn>
+                              </p:par>
+                              <p:par>
+                                <p:cTn id="31" presetID="1" presetClass="entr" presetSubtype="0" fill="hold" grpId="0" nodeType="withEffect">
+                                  <p:stCondLst>
+                                    <p:cond delay="0"/>
+                                  </p:stCondLst>
+                                  <p:childTnLst>
+                                    <p:set>
+                                      <p:cBhvr>
+                                        <p:cTn id="32" dur="1" fill="hold">
+                                          <p:stCondLst>
+                                            <p:cond delay="0"/>
+                                          </p:stCondLst>
+                                        </p:cTn>
+                                        <p:tgtEl>
+                                          <p:spTgt spid="49"/>
+                                        </p:tgtEl>
+                                        <p:attrNameLst>
+                                          <p:attrName>style.visibility</p:attrName>
+                                        </p:attrNameLst>
+                                      </p:cBhvr>
+                                      <p:to>
+                                        <p:strVal val="visible"/>
+                                      </p:to>
+                                    </p:set>
+                                  </p:childTnLst>
+                                </p:cTn>
+                              </p:par>
+                            </p:childTnLst>
+                          </p:cTn>
+                        </p:par>
+                      </p:childTnLst>
+                    </p:cTn>
+                  </p:par>
+                </p:childTnLst>
+              </p:cTn>
+              <p:prevCondLst>
+                <p:cond evt="onPrev" delay="0">
+                  <p:tgtEl>
+                    <p:sldTgt/>
+                  </p:tgtEl>
+                </p:cond>
+              </p:prevCondLst>
+              <p:nextCondLst>
+                <p:cond evt="onNext" delay="0">
+                  <p:tgtEl>
+                    <p:sldTgt/>
+                  </p:tgtEl>
+                </p:cond>
+              </p:nextCondLst>
+            </p:seq>
+          </p:childTnLst>
+        </p:cTn>
       </p:par>
     </p:tnLst>
+    <p:bldLst>
+      <p:bldP spid="22" grpId="0"/>
+      <p:bldP spid="25" grpId="0" animBg="1"/>
+      <p:bldP spid="43" grpId="0"/>
+      <p:bldP spid="45" grpId="0"/>
+      <p:bldP spid="49" grpId="0"/>
+      <p:bldP spid="50" grpId="0"/>
+      <p:bldP spid="52" grpId="0"/>
+      <p:bldP spid="53" grpId="0" animBg="1"/>
+    </p:bldLst>
   </p:timing>
 </p:sld>
 </file>
@@ -11995,40 +16310,704 @@
           <a:chExt cx="0" cy="0"/>
         </a:xfrm>
       </p:grpSpPr>
-      <p:pic>
-        <p:nvPicPr>
-          <p:cNvPr id="2" name="Picture 1"/>
-          <p:cNvPicPr>
-            <a:picLocks noChangeAspect="1"/>
-          </p:cNvPicPr>
+      <p:sp>
+        <p:nvSpPr>
+          <p:cNvPr id="2" name="Title 1"/>
+          <p:cNvSpPr>
+            <a:spLocks noGrp="1"/>
+          </p:cNvSpPr>
+          <p:nvPr>
+            <p:ph type="title"/>
+          </p:nvPr>
+        </p:nvSpPr>
+        <p:spPr/>
+        <p:txBody>
+          <a:bodyPr/>
+          <a:lstStyle/>
+          <a:p>
+            <a:r>
+              <a:rPr lang="en-AU" dirty="0" smtClean="0"/>
+              <a:t>Single threaded event loop model</a:t>
+            </a:r>
+            <a:endParaRPr lang="en-AU" dirty="0"/>
+          </a:p>
+        </p:txBody>
+      </p:sp>
+      <p:sp>
+        <p:nvSpPr>
+          <p:cNvPr id="4" name="Rectangle 3"/>
+          <p:cNvSpPr/>
           <p:nvPr/>
-        </p:nvPicPr>
-        <p:blipFill>
-          <a:blip r:embed="rId2">
-            <a:extLst>
-              <a:ext uri="{28A0092B-C50C-407E-A947-70E740481C1C}">
-                <a14:useLocalDpi xmlns:a14="http://schemas.microsoft.com/office/drawing/2010/main" val="0"/>
-              </a:ext>
-            </a:extLst>
-          </a:blip>
-          <a:stretch>
-            <a:fillRect/>
-          </a:stretch>
-        </p:blipFill>
+        </p:nvSpPr>
         <p:spPr>
           <a:xfrm>
-            <a:off x="89861" y="142416"/>
-            <a:ext cx="8964277" cy="6573168"/>
+            <a:off x="4427984" y="1286269"/>
+            <a:ext cx="4104456" cy="4715862"/>
           </a:xfrm>
           <a:prstGeom prst="rect">
             <a:avLst/>
           </a:prstGeom>
+          <a:solidFill>
+            <a:schemeClr val="bg1"/>
+          </a:solidFill>
         </p:spPr>
-      </p:pic>
+        <p:style>
+          <a:lnRef idx="1">
+            <a:schemeClr val="accent1"/>
+          </a:lnRef>
+          <a:fillRef idx="3">
+            <a:schemeClr val="accent1"/>
+          </a:fillRef>
+          <a:effectRef idx="2">
+            <a:schemeClr val="accent1"/>
+          </a:effectRef>
+          <a:fontRef idx="minor">
+            <a:schemeClr val="lt1"/>
+          </a:fontRef>
+        </p:style>
+        <p:txBody>
+          <a:bodyPr rtlCol="0" anchor="ctr"/>
+          <a:lstStyle/>
+          <a:p>
+            <a:pPr algn="ctr"/>
+            <a:endParaRPr lang="en-AU"/>
+          </a:p>
+        </p:txBody>
+      </p:sp>
+      <p:sp>
+        <p:nvSpPr>
+          <p:cNvPr id="6" name="TextBox 5"/>
+          <p:cNvSpPr txBox="1"/>
+          <p:nvPr/>
+        </p:nvSpPr>
+        <p:spPr>
+          <a:xfrm>
+            <a:off x="4560825" y="1286269"/>
+            <a:ext cx="1343381" cy="369332"/>
+          </a:xfrm>
+          <a:prstGeom prst="rect">
+            <a:avLst/>
+          </a:prstGeom>
+          <a:noFill/>
+        </p:spPr>
+        <p:txBody>
+          <a:bodyPr wrap="none" rtlCol="0">
+            <a:spAutoFit/>
+          </a:bodyPr>
+          <a:lstStyle/>
+          <a:p>
+            <a:r>
+              <a:rPr lang="en-AU" b="1" dirty="0" smtClean="0"/>
+              <a:t>Web Server </a:t>
+            </a:r>
+            <a:endParaRPr lang="en-AU" b="1" dirty="0"/>
+          </a:p>
+        </p:txBody>
+      </p:sp>
+      <p:cxnSp>
+        <p:nvCxnSpPr>
+          <p:cNvPr id="7" name="Straight Arrow Connector 6"/>
+          <p:cNvCxnSpPr/>
+          <p:nvPr/>
+        </p:nvCxnSpPr>
+        <p:spPr>
+          <a:xfrm>
+            <a:off x="3059832" y="1844824"/>
+            <a:ext cx="1368152" cy="7164"/>
+          </a:xfrm>
+          <a:prstGeom prst="straightConnector1">
+            <a:avLst/>
+          </a:prstGeom>
+          <a:ln>
+            <a:solidFill>
+              <a:srgbClr val="FF0000"/>
+            </a:solidFill>
+            <a:tailEnd type="arrow"/>
+          </a:ln>
+        </p:spPr>
+        <p:style>
+          <a:lnRef idx="2">
+            <a:schemeClr val="accent1"/>
+          </a:lnRef>
+          <a:fillRef idx="0">
+            <a:schemeClr val="accent1"/>
+          </a:fillRef>
+          <a:effectRef idx="1">
+            <a:schemeClr val="accent1"/>
+          </a:effectRef>
+          <a:fontRef idx="minor">
+            <a:schemeClr val="tx1"/>
+          </a:fontRef>
+        </p:style>
+      </p:cxnSp>
+      <p:sp>
+        <p:nvSpPr>
+          <p:cNvPr id="8" name="TextBox 7"/>
+          <p:cNvSpPr txBox="1"/>
+          <p:nvPr/>
+        </p:nvSpPr>
+        <p:spPr>
+          <a:xfrm>
+            <a:off x="2993469" y="1482656"/>
+            <a:ext cx="1114216" cy="369332"/>
+          </a:xfrm>
+          <a:prstGeom prst="rect">
+            <a:avLst/>
+          </a:prstGeom>
+          <a:noFill/>
+        </p:spPr>
+        <p:txBody>
+          <a:bodyPr wrap="none" rtlCol="0">
+            <a:spAutoFit/>
+          </a:bodyPr>
+          <a:lstStyle/>
+          <a:p>
+            <a:r>
+              <a:rPr lang="en-AU" dirty="0" smtClean="0">
+                <a:solidFill>
+                  <a:srgbClr val="FF0000"/>
+                </a:solidFill>
+              </a:rPr>
+              <a:t>Request 1</a:t>
+            </a:r>
+            <a:endParaRPr lang="en-AU" dirty="0">
+              <a:solidFill>
+                <a:srgbClr val="C00000"/>
+              </a:solidFill>
+            </a:endParaRPr>
+          </a:p>
+        </p:txBody>
+      </p:sp>
+      <p:cxnSp>
+        <p:nvCxnSpPr>
+          <p:cNvPr id="9" name="Straight Arrow Connector 8"/>
+          <p:cNvCxnSpPr/>
+          <p:nvPr/>
+        </p:nvCxnSpPr>
+        <p:spPr>
+          <a:xfrm flipH="1">
+            <a:off x="3482505" y="3942348"/>
+            <a:ext cx="1224136" cy="0"/>
+          </a:xfrm>
+          <a:prstGeom prst="straightConnector1">
+            <a:avLst/>
+          </a:prstGeom>
+          <a:ln>
+            <a:tailEnd type="arrow"/>
+          </a:ln>
+        </p:spPr>
+        <p:style>
+          <a:lnRef idx="2">
+            <a:schemeClr val="accent1"/>
+          </a:lnRef>
+          <a:fillRef idx="0">
+            <a:schemeClr val="accent1"/>
+          </a:fillRef>
+          <a:effectRef idx="1">
+            <a:schemeClr val="accent1"/>
+          </a:effectRef>
+          <a:fontRef idx="minor">
+            <a:schemeClr val="tx1"/>
+          </a:fontRef>
+        </p:style>
+      </p:cxnSp>
+      <p:cxnSp>
+        <p:nvCxnSpPr>
+          <p:cNvPr id="11" name="Straight Arrow Connector 10"/>
+          <p:cNvCxnSpPr/>
+          <p:nvPr/>
+        </p:nvCxnSpPr>
+        <p:spPr>
+          <a:xfrm>
+            <a:off x="3059832" y="2351008"/>
+            <a:ext cx="1368152" cy="1454"/>
+          </a:xfrm>
+          <a:prstGeom prst="straightConnector1">
+            <a:avLst/>
+          </a:prstGeom>
+          <a:ln>
+            <a:solidFill>
+              <a:srgbClr val="FF0000"/>
+            </a:solidFill>
+            <a:tailEnd type="arrow"/>
+          </a:ln>
+        </p:spPr>
+        <p:style>
+          <a:lnRef idx="2">
+            <a:schemeClr val="accent1"/>
+          </a:lnRef>
+          <a:fillRef idx="0">
+            <a:schemeClr val="accent1"/>
+          </a:fillRef>
+          <a:effectRef idx="1">
+            <a:schemeClr val="accent1"/>
+          </a:effectRef>
+          <a:fontRef idx="minor">
+            <a:schemeClr val="tx1"/>
+          </a:fontRef>
+        </p:style>
+      </p:cxnSp>
+      <p:sp>
+        <p:nvSpPr>
+          <p:cNvPr id="12" name="TextBox 11"/>
+          <p:cNvSpPr txBox="1"/>
+          <p:nvPr/>
+        </p:nvSpPr>
+        <p:spPr>
+          <a:xfrm>
+            <a:off x="2993469" y="1988840"/>
+            <a:ext cx="1465273" cy="369332"/>
+          </a:xfrm>
+          <a:prstGeom prst="rect">
+            <a:avLst/>
+          </a:prstGeom>
+          <a:noFill/>
+        </p:spPr>
+        <p:txBody>
+          <a:bodyPr wrap="none" rtlCol="0">
+            <a:spAutoFit/>
+          </a:bodyPr>
+          <a:lstStyle/>
+          <a:p>
+            <a:r>
+              <a:rPr lang="en-AU" dirty="0" smtClean="0">
+                <a:solidFill>
+                  <a:srgbClr val="FF0000"/>
+                </a:solidFill>
+              </a:rPr>
+              <a:t>Request 1000</a:t>
+            </a:r>
+            <a:endParaRPr lang="en-AU" dirty="0">
+              <a:solidFill>
+                <a:srgbClr val="C00000"/>
+              </a:solidFill>
+            </a:endParaRPr>
+          </a:p>
+        </p:txBody>
+      </p:sp>
+      <p:sp>
+        <p:nvSpPr>
+          <p:cNvPr id="16" name="Curved Right Arrow 15"/>
+          <p:cNvSpPr/>
+          <p:nvPr/>
+        </p:nvSpPr>
+        <p:spPr>
+          <a:xfrm>
+            <a:off x="4560825" y="1851988"/>
+            <a:ext cx="443223" cy="1000948"/>
+          </a:xfrm>
+          <a:prstGeom prst="curvedRightArrow">
+            <a:avLst/>
+          </a:prstGeom>
+        </p:spPr>
+        <p:style>
+          <a:lnRef idx="1">
+            <a:schemeClr val="accent1"/>
+          </a:lnRef>
+          <a:fillRef idx="3">
+            <a:schemeClr val="accent1"/>
+          </a:fillRef>
+          <a:effectRef idx="2">
+            <a:schemeClr val="accent1"/>
+          </a:effectRef>
+          <a:fontRef idx="minor">
+            <a:schemeClr val="lt1"/>
+          </a:fontRef>
+        </p:style>
+        <p:txBody>
+          <a:bodyPr rtlCol="0" anchor="ctr"/>
+          <a:lstStyle/>
+          <a:p>
+            <a:pPr algn="ctr"/>
+            <a:endParaRPr lang="en-AU">
+              <a:solidFill>
+                <a:schemeClr val="tx1"/>
+              </a:solidFill>
+            </a:endParaRPr>
+          </a:p>
+        </p:txBody>
+      </p:sp>
+      <p:sp>
+        <p:nvSpPr>
+          <p:cNvPr id="17" name="Curved Right Arrow 16"/>
+          <p:cNvSpPr/>
+          <p:nvPr/>
+        </p:nvSpPr>
+        <p:spPr>
+          <a:xfrm flipH="1">
+            <a:off x="5904206" y="1822976"/>
+            <a:ext cx="532454" cy="1029960"/>
+          </a:xfrm>
+          <a:prstGeom prst="curvedRightArrow">
+            <a:avLst/>
+          </a:prstGeom>
+        </p:spPr>
+        <p:style>
+          <a:lnRef idx="1">
+            <a:schemeClr val="accent1"/>
+          </a:lnRef>
+          <a:fillRef idx="3">
+            <a:schemeClr val="accent1"/>
+          </a:fillRef>
+          <a:effectRef idx="2">
+            <a:schemeClr val="accent1"/>
+          </a:effectRef>
+          <a:fontRef idx="minor">
+            <a:schemeClr val="lt1"/>
+          </a:fontRef>
+        </p:style>
+        <p:txBody>
+          <a:bodyPr rtlCol="0" anchor="ctr"/>
+          <a:lstStyle/>
+          <a:p>
+            <a:pPr algn="ctr"/>
+            <a:endParaRPr lang="en-AU">
+              <a:solidFill>
+                <a:schemeClr val="tx1"/>
+              </a:solidFill>
+            </a:endParaRPr>
+          </a:p>
+        </p:txBody>
+      </p:sp>
+      <p:sp>
+        <p:nvSpPr>
+          <p:cNvPr id="18" name="TextBox 17"/>
+          <p:cNvSpPr txBox="1"/>
+          <p:nvPr/>
+        </p:nvSpPr>
+        <p:spPr>
+          <a:xfrm>
+            <a:off x="4782436" y="2028083"/>
+            <a:ext cx="1656415" cy="646331"/>
+          </a:xfrm>
+          <a:prstGeom prst="rect">
+            <a:avLst/>
+          </a:prstGeom>
+          <a:noFill/>
+        </p:spPr>
+        <p:txBody>
+          <a:bodyPr wrap="none" rtlCol="0">
+            <a:spAutoFit/>
+          </a:bodyPr>
+          <a:lstStyle/>
+          <a:p>
+            <a:r>
+              <a:rPr lang="en-AU" dirty="0" smtClean="0"/>
+              <a:t>Single threaded</a:t>
+            </a:r>
+          </a:p>
+          <a:p>
+            <a:r>
+              <a:rPr lang="en-AU" dirty="0" smtClean="0"/>
+              <a:t> event Loop</a:t>
+            </a:r>
+            <a:endParaRPr lang="en-AU" dirty="0"/>
+          </a:p>
+        </p:txBody>
+      </p:sp>
+      <p:cxnSp>
+        <p:nvCxnSpPr>
+          <p:cNvPr id="19" name="Straight Arrow Connector 18"/>
+          <p:cNvCxnSpPr/>
+          <p:nvPr/>
+        </p:nvCxnSpPr>
+        <p:spPr>
+          <a:xfrm>
+            <a:off x="5244025" y="3068960"/>
+            <a:ext cx="1344199" cy="0"/>
+          </a:xfrm>
+          <a:prstGeom prst="straightConnector1">
+            <a:avLst/>
+          </a:prstGeom>
+          <a:ln>
+            <a:tailEnd type="arrow"/>
+          </a:ln>
+        </p:spPr>
+        <p:style>
+          <a:lnRef idx="2">
+            <a:schemeClr val="accent1"/>
+          </a:lnRef>
+          <a:fillRef idx="0">
+            <a:schemeClr val="accent1"/>
+          </a:fillRef>
+          <a:effectRef idx="1">
+            <a:schemeClr val="accent1"/>
+          </a:effectRef>
+          <a:fontRef idx="minor">
+            <a:schemeClr val="tx1"/>
+          </a:fontRef>
+        </p:style>
+      </p:cxnSp>
+      <p:sp>
+        <p:nvSpPr>
+          <p:cNvPr id="21" name="TextBox 20"/>
+          <p:cNvSpPr txBox="1"/>
+          <p:nvPr/>
+        </p:nvSpPr>
+        <p:spPr>
+          <a:xfrm>
+            <a:off x="4870766" y="3182535"/>
+            <a:ext cx="3487814" cy="2031325"/>
+          </a:xfrm>
+          <a:prstGeom prst="rect">
+            <a:avLst/>
+          </a:prstGeom>
+          <a:noFill/>
+        </p:spPr>
+        <p:txBody>
+          <a:bodyPr wrap="none" rtlCol="0">
+            <a:spAutoFit/>
+          </a:bodyPr>
+          <a:lstStyle/>
+          <a:p>
+            <a:pPr marL="285750" indent="-285750">
+              <a:buFont typeface="Arial" pitchFamily="34" charset="0"/>
+              <a:buChar char="•"/>
+            </a:pPr>
+            <a:r>
+              <a:rPr lang="en-AU" dirty="0" smtClean="0"/>
+              <a:t>Listen for requests</a:t>
+            </a:r>
+          </a:p>
+          <a:p>
+            <a:pPr marL="285750" indent="-285750">
+              <a:buFont typeface="Arial" pitchFamily="34" charset="0"/>
+              <a:buChar char="•"/>
+            </a:pPr>
+            <a:r>
+              <a:rPr lang="en-AU" dirty="0" smtClean="0"/>
+              <a:t>starts any I/O operations by</a:t>
+            </a:r>
+          </a:p>
+          <a:p>
+            <a:r>
+              <a:rPr lang="en-AU" dirty="0" smtClean="0"/>
+              <a:t>     specifying a call back to execute </a:t>
+            </a:r>
+          </a:p>
+          <a:p>
+            <a:r>
+              <a:rPr lang="en-AU" dirty="0" smtClean="0"/>
+              <a:t>      on completion</a:t>
+            </a:r>
+          </a:p>
+          <a:p>
+            <a:pPr marL="285750" indent="-285750">
+              <a:buFont typeface="Arial" pitchFamily="34" charset="0"/>
+              <a:buChar char="•"/>
+            </a:pPr>
+            <a:r>
+              <a:rPr lang="en-AU" dirty="0" smtClean="0"/>
+              <a:t>Continue to listen for requests</a:t>
+            </a:r>
+          </a:p>
+          <a:p>
+            <a:r>
+              <a:rPr lang="en-AU" dirty="0" smtClean="0"/>
+              <a:t> </a:t>
+            </a:r>
+          </a:p>
+          <a:p>
+            <a:endParaRPr lang="en-AU" dirty="0"/>
+          </a:p>
+        </p:txBody>
+      </p:sp>
+      <p:cxnSp>
+        <p:nvCxnSpPr>
+          <p:cNvPr id="22" name="Straight Arrow Connector 21"/>
+          <p:cNvCxnSpPr/>
+          <p:nvPr/>
+        </p:nvCxnSpPr>
+        <p:spPr>
+          <a:xfrm flipH="1">
+            <a:off x="3482505" y="3573016"/>
+            <a:ext cx="1224136" cy="0"/>
+          </a:xfrm>
+          <a:prstGeom prst="straightConnector1">
+            <a:avLst/>
+          </a:prstGeom>
+          <a:ln>
+            <a:tailEnd type="arrow"/>
+          </a:ln>
+        </p:spPr>
+        <p:style>
+          <a:lnRef idx="2">
+            <a:schemeClr val="accent1"/>
+          </a:lnRef>
+          <a:fillRef idx="0">
+            <a:schemeClr val="accent1"/>
+          </a:fillRef>
+          <a:effectRef idx="1">
+            <a:schemeClr val="accent1"/>
+          </a:effectRef>
+          <a:fontRef idx="minor">
+            <a:schemeClr val="tx1"/>
+          </a:fontRef>
+        </p:style>
+      </p:cxnSp>
+      <p:sp>
+        <p:nvSpPr>
+          <p:cNvPr id="23" name="TextBox 22"/>
+          <p:cNvSpPr txBox="1"/>
+          <p:nvPr/>
+        </p:nvSpPr>
+        <p:spPr>
+          <a:xfrm>
+            <a:off x="3305986" y="3182535"/>
+            <a:ext cx="1251433" cy="369332"/>
+          </a:xfrm>
+          <a:prstGeom prst="rect">
+            <a:avLst/>
+          </a:prstGeom>
+          <a:noFill/>
+        </p:spPr>
+        <p:txBody>
+          <a:bodyPr wrap="none" rtlCol="0">
+            <a:spAutoFit/>
+          </a:bodyPr>
+          <a:lstStyle/>
+          <a:p>
+            <a:r>
+              <a:rPr lang="en-AU" dirty="0" smtClean="0"/>
+              <a:t>Response 5</a:t>
+            </a:r>
+            <a:endParaRPr lang="en-AU" dirty="0"/>
+          </a:p>
+        </p:txBody>
+      </p:sp>
+      <p:sp>
+        <p:nvSpPr>
+          <p:cNvPr id="24" name="TextBox 23"/>
+          <p:cNvSpPr txBox="1"/>
+          <p:nvPr/>
+        </p:nvSpPr>
+        <p:spPr>
+          <a:xfrm>
+            <a:off x="3305987" y="3568946"/>
+            <a:ext cx="1251433" cy="369332"/>
+          </a:xfrm>
+          <a:prstGeom prst="rect">
+            <a:avLst/>
+          </a:prstGeom>
+          <a:noFill/>
+        </p:spPr>
+        <p:txBody>
+          <a:bodyPr wrap="none" rtlCol="0">
+            <a:spAutoFit/>
+          </a:bodyPr>
+          <a:lstStyle/>
+          <a:p>
+            <a:r>
+              <a:rPr lang="en-AU" dirty="0" smtClean="0"/>
+              <a:t>Response 1</a:t>
+            </a:r>
+            <a:endParaRPr lang="en-AU" dirty="0"/>
+          </a:p>
+        </p:txBody>
+      </p:sp>
+      <p:sp>
+        <p:nvSpPr>
+          <p:cNvPr id="26" name="TextBox 25"/>
+          <p:cNvSpPr txBox="1"/>
+          <p:nvPr/>
+        </p:nvSpPr>
+        <p:spPr>
+          <a:xfrm>
+            <a:off x="227757" y="4653136"/>
+            <a:ext cx="4051365" cy="646331"/>
+          </a:xfrm>
+          <a:prstGeom prst="rect">
+            <a:avLst/>
+          </a:prstGeom>
+          <a:noFill/>
+        </p:spPr>
+        <p:txBody>
+          <a:bodyPr wrap="none" rtlCol="0">
+            <a:spAutoFit/>
+          </a:bodyPr>
+          <a:lstStyle/>
+          <a:p>
+            <a:r>
+              <a:rPr lang="en-AU" b="1" dirty="0" smtClean="0"/>
+              <a:t>“With node.js everything runs in parallel</a:t>
+            </a:r>
+          </a:p>
+          <a:p>
+            <a:r>
+              <a:rPr lang="en-AU" b="1" dirty="0" smtClean="0"/>
+              <a:t>Except your code ! ”</a:t>
+            </a:r>
+            <a:endParaRPr lang="en-AU" b="1" dirty="0"/>
+          </a:p>
+        </p:txBody>
+      </p:sp>
+      <p:cxnSp>
+        <p:nvCxnSpPr>
+          <p:cNvPr id="27" name="Straight Arrow Connector 26"/>
+          <p:cNvCxnSpPr/>
+          <p:nvPr/>
+        </p:nvCxnSpPr>
+        <p:spPr>
+          <a:xfrm flipH="1">
+            <a:off x="3402735" y="4364279"/>
+            <a:ext cx="1224136" cy="0"/>
+          </a:xfrm>
+          <a:prstGeom prst="straightConnector1">
+            <a:avLst/>
+          </a:prstGeom>
+          <a:ln>
+            <a:tailEnd type="arrow"/>
+          </a:ln>
+        </p:spPr>
+        <p:style>
+          <a:lnRef idx="2">
+            <a:schemeClr val="accent1"/>
+          </a:lnRef>
+          <a:fillRef idx="0">
+            <a:schemeClr val="accent1"/>
+          </a:fillRef>
+          <a:effectRef idx="1">
+            <a:schemeClr val="accent1"/>
+          </a:effectRef>
+          <a:fontRef idx="minor">
+            <a:schemeClr val="tx1"/>
+          </a:fontRef>
+        </p:style>
+      </p:cxnSp>
+      <p:sp>
+        <p:nvSpPr>
+          <p:cNvPr id="28" name="TextBox 27"/>
+          <p:cNvSpPr txBox="1"/>
+          <p:nvPr/>
+        </p:nvSpPr>
+        <p:spPr>
+          <a:xfrm>
+            <a:off x="3249489" y="4013531"/>
+            <a:ext cx="1602490" cy="369332"/>
+          </a:xfrm>
+          <a:prstGeom prst="rect">
+            <a:avLst/>
+          </a:prstGeom>
+          <a:noFill/>
+        </p:spPr>
+        <p:txBody>
+          <a:bodyPr wrap="none" rtlCol="0">
+            <a:spAutoFit/>
+          </a:bodyPr>
+          <a:lstStyle/>
+          <a:p>
+            <a:r>
+              <a:rPr lang="en-AU" dirty="0" smtClean="0"/>
+              <a:t>Response 1000</a:t>
+            </a:r>
+            <a:endParaRPr lang="en-AU" dirty="0"/>
+          </a:p>
+        </p:txBody>
+      </p:sp>
     </p:spTree>
     <p:extLst>
       <p:ext uri="{BB962C8B-B14F-4D97-AF65-F5344CB8AC3E}">
-        <p14:creationId xmlns:p14="http://schemas.microsoft.com/office/powerpoint/2010/main" val="1050224995"/>
+        <p14:creationId xmlns:p14="http://schemas.microsoft.com/office/powerpoint/2010/main" val="4104905218"/>
       </p:ext>
     </p:extLst>
   </p:cSld>
@@ -12041,9 +17020,309 @@
   <p:timing>
     <p:tnLst>
       <p:par>
-        <p:cTn id="1" dur="indefinite" restart="never" nodeType="tmRoot"/>
+        <p:cTn id="1" dur="indefinite" restart="never" nodeType="tmRoot">
+          <p:childTnLst>
+            <p:seq concurrent="1" nextAc="seek">
+              <p:cTn id="2" dur="indefinite" nodeType="mainSeq">
+                <p:childTnLst>
+                  <p:par>
+                    <p:cTn id="3" fill="hold">
+                      <p:stCondLst>
+                        <p:cond delay="indefinite"/>
+                      </p:stCondLst>
+                      <p:childTnLst>
+                        <p:par>
+                          <p:cTn id="4" fill="hold">
+                            <p:stCondLst>
+                              <p:cond delay="0"/>
+                            </p:stCondLst>
+                            <p:childTnLst>
+                              <p:par>
+                                <p:cTn id="5" presetID="1" presetClass="entr" presetSubtype="0" fill="hold" grpId="0" nodeType="clickEffect">
+                                  <p:stCondLst>
+                                    <p:cond delay="0"/>
+                                  </p:stCondLst>
+                                  <p:childTnLst>
+                                    <p:set>
+                                      <p:cBhvr>
+                                        <p:cTn id="6" dur="1" fill="hold">
+                                          <p:stCondLst>
+                                            <p:cond delay="0"/>
+                                          </p:stCondLst>
+                                        </p:cTn>
+                                        <p:tgtEl>
+                                          <p:spTgt spid="26"/>
+                                        </p:tgtEl>
+                                        <p:attrNameLst>
+                                          <p:attrName>style.visibility</p:attrName>
+                                        </p:attrNameLst>
+                                      </p:cBhvr>
+                                      <p:to>
+                                        <p:strVal val="visible"/>
+                                      </p:to>
+                                    </p:set>
+                                  </p:childTnLst>
+                                </p:cTn>
+                              </p:par>
+                            </p:childTnLst>
+                          </p:cTn>
+                        </p:par>
+                      </p:childTnLst>
+                    </p:cTn>
+                  </p:par>
+                  <p:par>
+                    <p:cTn id="7" fill="hold">
+                      <p:stCondLst>
+                        <p:cond delay="indefinite"/>
+                      </p:stCondLst>
+                      <p:childTnLst>
+                        <p:par>
+                          <p:cTn id="8" fill="hold">
+                            <p:stCondLst>
+                              <p:cond delay="0"/>
+                            </p:stCondLst>
+                            <p:childTnLst>
+                              <p:par>
+                                <p:cTn id="9" presetID="1" presetClass="entr" presetSubtype="0" fill="hold" grpId="0" nodeType="clickEffect">
+                                  <p:stCondLst>
+                                    <p:cond delay="0"/>
+                                  </p:stCondLst>
+                                  <p:childTnLst>
+                                    <p:set>
+                                      <p:cBhvr>
+                                        <p:cTn id="10" dur="1" fill="hold">
+                                          <p:stCondLst>
+                                            <p:cond delay="0"/>
+                                          </p:stCondLst>
+                                        </p:cTn>
+                                        <p:tgtEl>
+                                          <p:spTgt spid="21"/>
+                                        </p:tgtEl>
+                                        <p:attrNameLst>
+                                          <p:attrName>style.visibility</p:attrName>
+                                        </p:attrNameLst>
+                                      </p:cBhvr>
+                                      <p:to>
+                                        <p:strVal val="visible"/>
+                                      </p:to>
+                                    </p:set>
+                                  </p:childTnLst>
+                                </p:cTn>
+                              </p:par>
+                            </p:childTnLst>
+                          </p:cTn>
+                        </p:par>
+                      </p:childTnLst>
+                    </p:cTn>
+                  </p:par>
+                  <p:par>
+                    <p:cTn id="11" fill="hold">
+                      <p:stCondLst>
+                        <p:cond delay="indefinite"/>
+                      </p:stCondLst>
+                      <p:childTnLst>
+                        <p:par>
+                          <p:cTn id="12" fill="hold">
+                            <p:stCondLst>
+                              <p:cond delay="0"/>
+                            </p:stCondLst>
+                            <p:childTnLst>
+                              <p:par>
+                                <p:cTn id="13" presetID="1" presetClass="entr" presetSubtype="0" fill="hold" grpId="0" nodeType="clickEffect">
+                                  <p:stCondLst>
+                                    <p:cond delay="0"/>
+                                  </p:stCondLst>
+                                  <p:childTnLst>
+                                    <p:set>
+                                      <p:cBhvr>
+                                        <p:cTn id="14" dur="1" fill="hold">
+                                          <p:stCondLst>
+                                            <p:cond delay="0"/>
+                                          </p:stCondLst>
+                                        </p:cTn>
+                                        <p:tgtEl>
+                                          <p:spTgt spid="24"/>
+                                        </p:tgtEl>
+                                        <p:attrNameLst>
+                                          <p:attrName>style.visibility</p:attrName>
+                                        </p:attrNameLst>
+                                      </p:cBhvr>
+                                      <p:to>
+                                        <p:strVal val="visible"/>
+                                      </p:to>
+                                    </p:set>
+                                  </p:childTnLst>
+                                </p:cTn>
+                              </p:par>
+                              <p:par>
+                                <p:cTn id="15" presetID="1" presetClass="entr" presetSubtype="0" fill="hold" grpId="0" nodeType="withEffect">
+                                  <p:stCondLst>
+                                    <p:cond delay="0"/>
+                                  </p:stCondLst>
+                                  <p:childTnLst>
+                                    <p:set>
+                                      <p:cBhvr>
+                                        <p:cTn id="16" dur="1" fill="hold">
+                                          <p:stCondLst>
+                                            <p:cond delay="0"/>
+                                          </p:stCondLst>
+                                        </p:cTn>
+                                        <p:tgtEl>
+                                          <p:spTgt spid="23"/>
+                                        </p:tgtEl>
+                                        <p:attrNameLst>
+                                          <p:attrName>style.visibility</p:attrName>
+                                        </p:attrNameLst>
+                                      </p:cBhvr>
+                                      <p:to>
+                                        <p:strVal val="visible"/>
+                                      </p:to>
+                                    </p:set>
+                                  </p:childTnLst>
+                                </p:cTn>
+                              </p:par>
+                              <p:par>
+                                <p:cTn id="17" presetID="1" presetClass="entr" presetSubtype="0" fill="hold" nodeType="withEffect">
+                                  <p:stCondLst>
+                                    <p:cond delay="0"/>
+                                  </p:stCondLst>
+                                  <p:childTnLst>
+                                    <p:set>
+                                      <p:cBhvr>
+                                        <p:cTn id="18" dur="1" fill="hold">
+                                          <p:stCondLst>
+                                            <p:cond delay="0"/>
+                                          </p:stCondLst>
+                                        </p:cTn>
+                                        <p:tgtEl>
+                                          <p:spTgt spid="22"/>
+                                        </p:tgtEl>
+                                        <p:attrNameLst>
+                                          <p:attrName>style.visibility</p:attrName>
+                                        </p:attrNameLst>
+                                      </p:cBhvr>
+                                      <p:to>
+                                        <p:strVal val="visible"/>
+                                      </p:to>
+                                    </p:set>
+                                  </p:childTnLst>
+                                </p:cTn>
+                              </p:par>
+                              <p:par>
+                                <p:cTn id="19" presetID="1" presetClass="entr" presetSubtype="0" fill="hold" nodeType="withEffect">
+                                  <p:stCondLst>
+                                    <p:cond delay="0"/>
+                                  </p:stCondLst>
+                                  <p:childTnLst>
+                                    <p:set>
+                                      <p:cBhvr>
+                                        <p:cTn id="20" dur="1" fill="hold">
+                                          <p:stCondLst>
+                                            <p:cond delay="0"/>
+                                          </p:stCondLst>
+                                        </p:cTn>
+                                        <p:tgtEl>
+                                          <p:spTgt spid="9"/>
+                                        </p:tgtEl>
+                                        <p:attrNameLst>
+                                          <p:attrName>style.visibility</p:attrName>
+                                        </p:attrNameLst>
+                                      </p:cBhvr>
+                                      <p:to>
+                                        <p:strVal val="visible"/>
+                                      </p:to>
+                                    </p:set>
+                                  </p:childTnLst>
+                                </p:cTn>
+                              </p:par>
+                              <p:par>
+                                <p:cTn id="21" presetID="1" presetClass="entr" presetSubtype="0" fill="hold" grpId="0" nodeType="withEffect">
+                                  <p:stCondLst>
+                                    <p:cond delay="0"/>
+                                  </p:stCondLst>
+                                  <p:childTnLst>
+                                    <p:set>
+                                      <p:cBhvr>
+                                        <p:cTn id="22" dur="1" fill="hold">
+                                          <p:stCondLst>
+                                            <p:cond delay="0"/>
+                                          </p:stCondLst>
+                                        </p:cTn>
+                                        <p:tgtEl>
+                                          <p:spTgt spid="28"/>
+                                        </p:tgtEl>
+                                        <p:attrNameLst>
+                                          <p:attrName>style.visibility</p:attrName>
+                                        </p:attrNameLst>
+                                      </p:cBhvr>
+                                      <p:to>
+                                        <p:strVal val="visible"/>
+                                      </p:to>
+                                    </p:set>
+                                  </p:childTnLst>
+                                </p:cTn>
+                              </p:par>
+                              <p:par>
+                                <p:cTn id="23" presetID="1" presetClass="entr" presetSubtype="0" fill="hold" nodeType="withEffect">
+                                  <p:stCondLst>
+                                    <p:cond delay="0"/>
+                                  </p:stCondLst>
+                                  <p:childTnLst>
+                                    <p:set>
+                                      <p:cBhvr>
+                                        <p:cTn id="24" dur="1" fill="hold">
+                                          <p:stCondLst>
+                                            <p:cond delay="0"/>
+                                          </p:stCondLst>
+                                        </p:cTn>
+                                        <p:tgtEl>
+                                          <p:spTgt spid="27"/>
+                                        </p:tgtEl>
+                                        <p:attrNameLst>
+                                          <p:attrName>style.visibility</p:attrName>
+                                        </p:attrNameLst>
+                                      </p:cBhvr>
+                                      <p:to>
+                                        <p:strVal val="visible"/>
+                                      </p:to>
+                                    </p:set>
+                                  </p:childTnLst>
+                                </p:cTn>
+                              </p:par>
+                            </p:childTnLst>
+                          </p:cTn>
+                        </p:par>
+                      </p:childTnLst>
+                    </p:cTn>
+                  </p:par>
+                </p:childTnLst>
+              </p:cTn>
+              <p:prevCondLst>
+                <p:cond evt="onPrev" delay="0">
+                  <p:tgtEl>
+                    <p:sldTgt/>
+                  </p:tgtEl>
+                </p:cond>
+              </p:prevCondLst>
+              <p:nextCondLst>
+                <p:cond evt="onNext" delay="0">
+                  <p:tgtEl>
+                    <p:sldTgt/>
+                  </p:tgtEl>
+                </p:cond>
+              </p:nextCondLst>
+            </p:seq>
+          </p:childTnLst>
+        </p:cTn>
       </p:par>
     </p:tnLst>
+    <p:bldLst>
+      <p:bldP spid="21" grpId="0"/>
+      <p:bldP spid="23" grpId="0"/>
+      <p:bldP spid="24" grpId="0"/>
+      <p:bldP spid="26" grpId="0"/>
+      <p:bldP spid="28" grpId="0"/>
+    </p:bldLst>
   </p:timing>
 </p:sld>
 </file>
@@ -12065,9 +17344,32 @@
           <a:chExt cx="0" cy="0"/>
         </a:xfrm>
       </p:grpSpPr>
+      <p:sp>
+        <p:nvSpPr>
+          <p:cNvPr id="2" name="Title 1"/>
+          <p:cNvSpPr>
+            <a:spLocks noGrp="1"/>
+          </p:cNvSpPr>
+          <p:nvPr>
+            <p:ph type="title"/>
+          </p:nvPr>
+        </p:nvSpPr>
+        <p:spPr/>
+        <p:txBody>
+          <a:bodyPr/>
+          <a:lstStyle/>
+          <a:p>
+            <a:r>
+              <a:rPr lang="en-AU" dirty="0" smtClean="0"/>
+              <a:t>Don’t Block!</a:t>
+            </a:r>
+            <a:endParaRPr lang="en-AU" dirty="0"/>
+          </a:p>
+        </p:txBody>
+      </p:sp>
       <p:pic>
         <p:nvPicPr>
-          <p:cNvPr id="2" name="Picture 1"/>
+          <p:cNvPr id="6" name="Picture 5"/>
           <p:cNvPicPr>
             <a:picLocks noChangeAspect="1"/>
           </p:cNvPicPr>
@@ -12087,18 +17389,142 @@
         </p:blipFill>
         <p:spPr>
           <a:xfrm>
-            <a:off x="175598" y="99547"/>
-            <a:ext cx="8792803" cy="6658905"/>
+            <a:off x="755576" y="2842012"/>
+            <a:ext cx="5630061" cy="809738"/>
           </a:xfrm>
           <a:prstGeom prst="rect">
             <a:avLst/>
           </a:prstGeom>
         </p:spPr>
       </p:pic>
+      <p:pic>
+        <p:nvPicPr>
+          <p:cNvPr id="7" name="Picture 6"/>
+          <p:cNvPicPr>
+            <a:picLocks noChangeAspect="1"/>
+          </p:cNvPicPr>
+          <p:nvPr/>
+        </p:nvPicPr>
+        <p:blipFill>
+          <a:blip r:embed="rId3">
+            <a:extLst>
+              <a:ext uri="{28A0092B-C50C-407E-A947-70E740481C1C}">
+                <a14:useLocalDpi xmlns:a14="http://schemas.microsoft.com/office/drawing/2010/main" val="0"/>
+              </a:ext>
+            </a:extLst>
+          </a:blip>
+          <a:stretch>
+            <a:fillRect/>
+          </a:stretch>
+        </p:blipFill>
+        <p:spPr>
+          <a:xfrm>
+            <a:off x="755576" y="4587854"/>
+            <a:ext cx="5582429" cy="857370"/>
+          </a:xfrm>
+          <a:prstGeom prst="rect">
+            <a:avLst/>
+          </a:prstGeom>
+        </p:spPr>
+      </p:pic>
+      <p:sp>
+        <p:nvSpPr>
+          <p:cNvPr id="8" name="TextBox 7"/>
+          <p:cNvSpPr txBox="1"/>
+          <p:nvPr/>
+        </p:nvSpPr>
+        <p:spPr>
+          <a:xfrm>
+            <a:off x="755576" y="2314956"/>
+            <a:ext cx="2018566" cy="369332"/>
+          </a:xfrm>
+          <a:prstGeom prst="rect">
+            <a:avLst/>
+          </a:prstGeom>
+          <a:noFill/>
+        </p:spPr>
+        <p:txBody>
+          <a:bodyPr wrap="none" rtlCol="0">
+            <a:spAutoFit/>
+          </a:bodyPr>
+          <a:lstStyle/>
+          <a:p>
+            <a:r>
+              <a:rPr lang="en-AU" dirty="0" smtClean="0"/>
+              <a:t>Bad code snippet….</a:t>
+            </a:r>
+            <a:endParaRPr lang="en-AU" dirty="0"/>
+          </a:p>
+        </p:txBody>
+      </p:sp>
+      <p:sp>
+        <p:nvSpPr>
+          <p:cNvPr id="9" name="TextBox 8"/>
+          <p:cNvSpPr txBox="1"/>
+          <p:nvPr/>
+        </p:nvSpPr>
+        <p:spPr>
+          <a:xfrm>
+            <a:off x="761331" y="4083798"/>
+            <a:ext cx="2225353" cy="369332"/>
+          </a:xfrm>
+          <a:prstGeom prst="rect">
+            <a:avLst/>
+          </a:prstGeom>
+          <a:noFill/>
+        </p:spPr>
+        <p:txBody>
+          <a:bodyPr wrap="none" rtlCol="0">
+            <a:spAutoFit/>
+          </a:bodyPr>
+          <a:lstStyle/>
+          <a:p>
+            <a:r>
+              <a:rPr lang="en-AU" dirty="0" smtClean="0"/>
+              <a:t>Good code snippet…. </a:t>
+            </a:r>
+            <a:endParaRPr lang="en-AU" dirty="0"/>
+          </a:p>
+        </p:txBody>
+      </p:sp>
+      <p:sp>
+        <p:nvSpPr>
+          <p:cNvPr id="10" name="TextBox 9"/>
+          <p:cNvSpPr txBox="1"/>
+          <p:nvPr/>
+        </p:nvSpPr>
+        <p:spPr>
+          <a:xfrm>
+            <a:off x="570845" y="1280220"/>
+            <a:ext cx="8524321" cy="369332"/>
+          </a:xfrm>
+          <a:prstGeom prst="rect">
+            <a:avLst/>
+          </a:prstGeom>
+          <a:noFill/>
+        </p:spPr>
+        <p:txBody>
+          <a:bodyPr wrap="none" rtlCol="0">
+            <a:spAutoFit/>
+          </a:bodyPr>
+          <a:lstStyle/>
+          <a:p>
+            <a:pPr marL="285750" indent="-285750">
+              <a:buFont typeface="Arial" pitchFamily="34" charset="0"/>
+              <a:buChar char="•"/>
+            </a:pPr>
+            <a:r>
+              <a:rPr lang="en-AU" dirty="0" smtClean="0"/>
+              <a:t>Since the Event Loop runs on a single thread you must avoid blocking calls at all times </a:t>
+            </a:r>
+            <a:endParaRPr lang="en-AU" dirty="0"/>
+          </a:p>
+        </p:txBody>
+      </p:sp>
     </p:spTree>
     <p:extLst>
       <p:ext uri="{BB962C8B-B14F-4D97-AF65-F5344CB8AC3E}">
-        <p14:creationId xmlns:p14="http://schemas.microsoft.com/office/powerpoint/2010/main" val="1050224995"/>
+        <p14:creationId xmlns:p14="http://schemas.microsoft.com/office/powerpoint/2010/main" val="665949321"/>
       </p:ext>
     </p:extLst>
   </p:cSld>
@@ -13569,6 +18995,21 @@
 </file>
 
 <file path=customXml/item1.xml><?xml version="1.0" encoding="utf-8"?>
+<p:properties xmlns:p="http://schemas.microsoft.com/office/2006/metadata/properties" xmlns:xsi="http://www.w3.org/2001/XMLSchema-instance">
+  <documentManagement/>
+</p:properties>
+</file>
+
+<file path=customXml/item2.xml><?xml version="1.0" encoding="utf-8"?>
+<?mso-contentType ?>
+<FormTemplates xmlns="http://schemas.microsoft.com/sharepoint/v3/contenttype/forms">
+  <Display>DocumentLibraryForm</Display>
+  <Edit>DocumentLibraryForm</Edit>
+  <New>DocumentLibraryForm</New>
+</FormTemplates>
+</file>
+
+<file path=customXml/item3.xml><?xml version="1.0" encoding="utf-8"?>
 <?mso-contentType ?>
 <rca:RCAuthoringProperties xmlns:rca="urn:sharePointPublishingRcaProperties">
   <rca:Converter rca:guid="6dfdc5b4-2a28-4a06-b0c6-ad3901e3a807">
@@ -13584,21 +19025,6 @@
     <rca:property rca:type="ConverterSpecificSettings"/>
   </rca:Converter>
 </rca:RCAuthoringProperties>
-</file>
-
-<file path=customXml/item2.xml><?xml version="1.0" encoding="utf-8"?>
-<?mso-contentType ?>
-<FormTemplates xmlns="http://schemas.microsoft.com/sharepoint/v3/contenttype/forms">
-  <Display>DocumentLibraryForm</Display>
-  <Edit>DocumentLibraryForm</Edit>
-  <New>DocumentLibraryForm</New>
-</FormTemplates>
-</file>
-
-<file path=customXml/item3.xml><?xml version="1.0" encoding="utf-8"?>
-<p:properties xmlns:p="http://schemas.microsoft.com/office/2006/metadata/properties" xmlns:xsi="http://www.w3.org/2001/XMLSchema-instance">
-  <documentManagement/>
-</p:properties>
 </file>
 
 <file path=customXml/item4.xml><?xml version="1.0" encoding="utf-8"?>
@@ -13651,9 +19077,15 @@
 </file>
 
 <file path=customXml/itemProps1.xml><?xml version="1.0" encoding="utf-8"?>
-<ds:datastoreItem xmlns:ds="http://schemas.openxmlformats.org/officeDocument/2006/customXml" ds:itemID="{37DE6E84-255A-45E8-8353-BCD6A4998E02}">
+<ds:datastoreItem xmlns:ds="http://schemas.openxmlformats.org/officeDocument/2006/customXml" ds:itemID="{BDEC00FF-5F1B-415D-9C89-173832172D95}">
   <ds:schemaRefs>
-    <ds:schemaRef ds:uri="urn:sharePointPublishingRcaProperties"/>
+    <ds:schemaRef ds:uri="http://schemas.microsoft.com/office/2006/metadata/properties"/>
+    <ds:schemaRef ds:uri="http://schemas.openxmlformats.org/package/2006/metadata/core-properties"/>
+    <ds:schemaRef ds:uri="http://schemas.microsoft.com/office/2006/documentManagement/types"/>
+    <ds:schemaRef ds:uri="http://purl.org/dc/elements/1.1/"/>
+    <ds:schemaRef ds:uri="http://purl.org/dc/dcmitype/"/>
+    <ds:schemaRef ds:uri="http://purl.org/dc/terms/"/>
+    <ds:schemaRef ds:uri="http://www.w3.org/XML/1998/namespace"/>
   </ds:schemaRefs>
 </ds:datastoreItem>
 </file>
@@ -13667,15 +19099,9 @@
 </file>
 
 <file path=customXml/itemProps3.xml><?xml version="1.0" encoding="utf-8"?>
-<ds:datastoreItem xmlns:ds="http://schemas.openxmlformats.org/officeDocument/2006/customXml" ds:itemID="{BDEC00FF-5F1B-415D-9C89-173832172D95}">
+<ds:datastoreItem xmlns:ds="http://schemas.openxmlformats.org/officeDocument/2006/customXml" ds:itemID="{37DE6E84-255A-45E8-8353-BCD6A4998E02}">
   <ds:schemaRefs>
-    <ds:schemaRef ds:uri="http://schemas.microsoft.com/office/2006/metadata/properties"/>
-    <ds:schemaRef ds:uri="http://schemas.openxmlformats.org/package/2006/metadata/core-properties"/>
-    <ds:schemaRef ds:uri="http://schemas.microsoft.com/office/2006/documentManagement/types"/>
-    <ds:schemaRef ds:uri="http://purl.org/dc/elements/1.1/"/>
-    <ds:schemaRef ds:uri="http://purl.org/dc/dcmitype/"/>
-    <ds:schemaRef ds:uri="http://purl.org/dc/terms/"/>
-    <ds:schemaRef ds:uri="http://www.w3.org/XML/1998/namespace"/>
+    <ds:schemaRef ds:uri="urn:sharePointPublishingRcaProperties"/>
   </ds:schemaRefs>
 </ds:datastoreItem>
 </file>

--- a/presentation/Building Node.js Applications on Windows Azure.pptx
+++ b/presentation/Building Node.js Applications on Windows Azure.pptx
@@ -1058,6 +1058,13 @@
         </dgm:presLayoutVars>
       </dgm:prSet>
       <dgm:spPr/>
+      <dgm:t>
+        <a:bodyPr/>
+        <a:lstStyle/>
+        <a:p>
+          <a:endParaRPr lang="en-AU"/>
+        </a:p>
+      </dgm:t>
     </dgm:pt>
     <dgm:pt modelId="{17D4AE39-5638-44B8-831A-189B208E1464}" type="pres">
       <dgm:prSet presAssocID="{8E5BA653-03E0-474A-A087-E2959794F608}" presName="parTxOnlySpace" presStyleCnt="0"/>
@@ -1072,6 +1079,13 @@
         </dgm:presLayoutVars>
       </dgm:prSet>
       <dgm:spPr/>
+      <dgm:t>
+        <a:bodyPr/>
+        <a:lstStyle/>
+        <a:p>
+          <a:endParaRPr lang="en-AU"/>
+        </a:p>
+      </dgm:t>
     </dgm:pt>
     <dgm:pt modelId="{997A58B8-DD3E-4F36-820A-6E234AD9CCD0}" type="pres">
       <dgm:prSet presAssocID="{78556EE3-83B4-4B4D-99AE-DA06506B6759}" presName="parTxOnlySpace" presStyleCnt="0"/>
@@ -1086,6 +1100,13 @@
         </dgm:presLayoutVars>
       </dgm:prSet>
       <dgm:spPr/>
+      <dgm:t>
+        <a:bodyPr/>
+        <a:lstStyle/>
+        <a:p>
+          <a:endParaRPr lang="en-AU"/>
+        </a:p>
+      </dgm:t>
     </dgm:pt>
     <dgm:pt modelId="{F4134CE9-D160-4F17-9DCC-09F4B36D48AF}" type="pres">
       <dgm:prSet presAssocID="{8EB6D816-027F-4E9D-B0E3-62BE52DD870F}" presName="parTxOnlySpace" presStyleCnt="0"/>
@@ -1100,18 +1121,25 @@
         </dgm:presLayoutVars>
       </dgm:prSet>
       <dgm:spPr/>
+      <dgm:t>
+        <a:bodyPr/>
+        <a:lstStyle/>
+        <a:p>
+          <a:endParaRPr lang="en-AU"/>
+        </a:p>
+      </dgm:t>
     </dgm:pt>
   </dgm:ptLst>
   <dgm:cxnLst>
+    <dgm:cxn modelId="{78B097F9-6FED-44B1-A0B5-B103510E5F8F}" type="presOf" srcId="{62BECE46-B620-436E-AD09-627D52C5D830}" destId="{E36A0135-6BBD-41A3-B936-63669A4F89FC}" srcOrd="0" destOrd="0" presId="urn:microsoft.com/office/officeart/2005/8/layout/chevron1"/>
     <dgm:cxn modelId="{F57F4E3C-22ED-4A7F-9D54-89902EC48B23}" type="presOf" srcId="{0ED74664-8DAE-4245-9AE9-8355FA29E067}" destId="{C11A80C6-E77A-4B39-A058-D49B3905BAC9}" srcOrd="0" destOrd="0" presId="urn:microsoft.com/office/officeart/2005/8/layout/chevron1"/>
-    <dgm:cxn modelId="{78B097F9-6FED-44B1-A0B5-B103510E5F8F}" type="presOf" srcId="{62BECE46-B620-436E-AD09-627D52C5D830}" destId="{E36A0135-6BBD-41A3-B936-63669A4F89FC}" srcOrd="0" destOrd="0" presId="urn:microsoft.com/office/officeart/2005/8/layout/chevron1"/>
+    <dgm:cxn modelId="{29C4B8DB-CD92-4107-A24E-7F7F5D977CD2}" type="presOf" srcId="{901742A5-03E5-4CF1-BA60-07F2F0974059}" destId="{EA03D565-A112-4E2B-B850-A29E36FE76F0}" srcOrd="0" destOrd="0" presId="urn:microsoft.com/office/officeart/2005/8/layout/chevron1"/>
     <dgm:cxn modelId="{83B38D8D-C830-4CF8-B499-7E2397FE8551}" srcId="{764F8FAE-CC00-4942-B53A-AA70EF46AC5A}" destId="{5358D70C-B95B-4E8B-AC6C-A448DDD0F73A}" srcOrd="3" destOrd="0" parTransId="{4ADB51D2-8CF1-4367-ADAF-66A29FCA6FC2}" sibTransId="{0BD84F99-DDE1-43BE-AEA4-E74338D58ED8}"/>
-    <dgm:cxn modelId="{29C4B8DB-CD92-4107-A24E-7F7F5D977CD2}" type="presOf" srcId="{901742A5-03E5-4CF1-BA60-07F2F0974059}" destId="{EA03D565-A112-4E2B-B850-A29E36FE76F0}" srcOrd="0" destOrd="0" presId="urn:microsoft.com/office/officeart/2005/8/layout/chevron1"/>
-    <dgm:cxn modelId="{4BD39314-D505-40A8-8E72-0060F8A43E3F}" srcId="{764F8FAE-CC00-4942-B53A-AA70EF46AC5A}" destId="{62BECE46-B620-436E-AD09-627D52C5D830}" srcOrd="2" destOrd="0" parTransId="{E6314A4E-54E6-4948-BA8B-2B5A9C9E1B0E}" sibTransId="{8EB6D816-027F-4E9D-B0E3-62BE52DD870F}"/>
+    <dgm:cxn modelId="{83F05025-AE12-4536-83B4-1B2D6014C84A}" srcId="{764F8FAE-CC00-4942-B53A-AA70EF46AC5A}" destId="{901742A5-03E5-4CF1-BA60-07F2F0974059}" srcOrd="1" destOrd="0" parTransId="{A358C4E3-5168-44AB-940A-CD199675B823}" sibTransId="{78556EE3-83B4-4B4D-99AE-DA06506B6759}"/>
+    <dgm:cxn modelId="{37E450AF-6BF5-4CA0-A2EC-ACD827FC24A1}" type="presOf" srcId="{764F8FAE-CC00-4942-B53A-AA70EF46AC5A}" destId="{200D737A-227D-4A71-AACF-243E954E2171}" srcOrd="0" destOrd="0" presId="urn:microsoft.com/office/officeart/2005/8/layout/chevron1"/>
     <dgm:cxn modelId="{97365224-948E-49B3-9432-5E73B2462751}" type="presOf" srcId="{5358D70C-B95B-4E8B-AC6C-A448DDD0F73A}" destId="{EDE5C4B0-015E-49BE-8648-BEB1AB22E31D}" srcOrd="0" destOrd="0" presId="urn:microsoft.com/office/officeart/2005/8/layout/chevron1"/>
     <dgm:cxn modelId="{A6BD3BA5-1E97-4037-A4A9-243AE5ABDC03}" srcId="{764F8FAE-CC00-4942-B53A-AA70EF46AC5A}" destId="{0ED74664-8DAE-4245-9AE9-8355FA29E067}" srcOrd="0" destOrd="0" parTransId="{D3B9861D-8967-4E86-8385-9A0491D262AB}" sibTransId="{8E5BA653-03E0-474A-A087-E2959794F608}"/>
-    <dgm:cxn modelId="{83F05025-AE12-4536-83B4-1B2D6014C84A}" srcId="{764F8FAE-CC00-4942-B53A-AA70EF46AC5A}" destId="{901742A5-03E5-4CF1-BA60-07F2F0974059}" srcOrd="1" destOrd="0" parTransId="{A358C4E3-5168-44AB-940A-CD199675B823}" sibTransId="{78556EE3-83B4-4B4D-99AE-DA06506B6759}"/>
-    <dgm:cxn modelId="{37E450AF-6BF5-4CA0-A2EC-ACD827FC24A1}" type="presOf" srcId="{764F8FAE-CC00-4942-B53A-AA70EF46AC5A}" destId="{200D737A-227D-4A71-AACF-243E954E2171}" srcOrd="0" destOrd="0" presId="urn:microsoft.com/office/officeart/2005/8/layout/chevron1"/>
+    <dgm:cxn modelId="{4BD39314-D505-40A8-8E72-0060F8A43E3F}" srcId="{764F8FAE-CC00-4942-B53A-AA70EF46AC5A}" destId="{62BECE46-B620-436E-AD09-627D52C5D830}" srcOrd="2" destOrd="0" parTransId="{E6314A4E-54E6-4948-BA8B-2B5A9C9E1B0E}" sibTransId="{8EB6D816-027F-4E9D-B0E3-62BE52DD870F}"/>
     <dgm:cxn modelId="{82436DA7-D269-47A4-96BB-53BDD62C011B}" type="presParOf" srcId="{200D737A-227D-4A71-AACF-243E954E2171}" destId="{C11A80C6-E77A-4B39-A058-D49B3905BAC9}" srcOrd="0" destOrd="0" presId="urn:microsoft.com/office/officeart/2005/8/layout/chevron1"/>
     <dgm:cxn modelId="{87DA264B-EBD2-4020-AF4C-B354ED24BAE2}" type="presParOf" srcId="{200D737A-227D-4A71-AACF-243E954E2171}" destId="{17D4AE39-5638-44B8-831A-189B208E1464}" srcOrd="1" destOrd="0" presId="urn:microsoft.com/office/officeart/2005/8/layout/chevron1"/>
     <dgm:cxn modelId="{B917CEEC-2DB4-4FA8-8673-AEF97EF293A4}" type="presParOf" srcId="{200D737A-227D-4A71-AACF-243E954E2171}" destId="{EA03D565-A112-4E2B-B850-A29E36FE76F0}" srcOrd="2" destOrd="0" presId="urn:microsoft.com/office/officeart/2005/8/layout/chevron1"/>
@@ -12476,7 +12504,7 @@
         </p:nvSpPr>
         <p:spPr>
           <a:xfrm>
-            <a:off x="755576" y="4725144"/>
+            <a:off x="395536" y="5064435"/>
             <a:ext cx="7200800" cy="411882"/>
           </a:xfrm>
           <a:prstGeom prst="rect">
@@ -14000,7 +14028,6 @@
               <a:rPr lang="en-AU" dirty="0" smtClean="0"/>
               <a:t>Introduction to node.js</a:t>
             </a:r>
-            <a:endParaRPr lang="en-AU" dirty="0" smtClean="0"/>
           </a:p>
           <a:p>
             <a:r>
@@ -14401,11 +14428,19 @@
           <a:p>
             <a:r>
               <a:rPr lang="en-AU" sz="1000" b="1" dirty="0" smtClean="0"/>
-              <a:t>Oct 2011  </a:t>
+              <a:t> Oct </a:t>
+            </a:r>
+            <a:r>
+              <a:rPr lang="en-AU" sz="1000" b="1" dirty="0" smtClean="0"/>
+              <a:t>2011  </a:t>
+            </a:r>
+            <a:r>
+              <a:rPr lang="en-AU" sz="1000" b="1" dirty="0" smtClean="0"/>
+              <a:t>node.js overtakes </a:t>
             </a:r>
             <a:r>
               <a:rPr lang="en-AU" sz="1000" b="1" dirty="0"/>
-              <a:t>overtakes Ruby </a:t>
+              <a:t>Ruby </a:t>
             </a:r>
             <a:r>
               <a:rPr lang="en-AU" sz="1000" dirty="0"/>
@@ -14474,8 +14509,8 @@
         </p:blipFill>
         <p:spPr>
           <a:xfrm>
-            <a:off x="7179752" y="188641"/>
-            <a:ext cx="1686589" cy="864096"/>
+            <a:off x="7601401" y="188641"/>
+            <a:ext cx="1264940" cy="648071"/>
           </a:xfrm>
           <a:prstGeom prst="rect">
             <a:avLst/>
@@ -14807,11 +14842,7 @@
           <a:p>
             <a:r>
               <a:rPr lang="en-AU" dirty="0" smtClean="0"/>
-              <a:t>Server </a:t>
-            </a:r>
-            <a:r>
-              <a:rPr lang="en-AU" dirty="0" smtClean="0"/>
-              <a:t>side technology for building scalable network programs.</a:t>
+              <a:t>Server side technology for building scalable network programs.</a:t>
             </a:r>
           </a:p>
           <a:p>
@@ -14823,11 +14854,7 @@
           <a:p>
             <a:r>
               <a:rPr lang="en-AU" dirty="0" smtClean="0"/>
-              <a:t>Many </a:t>
-            </a:r>
-            <a:r>
-              <a:rPr lang="en-AU" dirty="0" smtClean="0"/>
-              <a:t>hosting options – Azure, </a:t>
+              <a:t>Many hosting options – Azure, </a:t>
             </a:r>
             <a:r>
               <a:rPr lang="en-AU" dirty="0" err="1" smtClean="0"/>
@@ -14854,36 +14881,6 @@
           </a:p>
         </p:txBody>
       </p:sp>
-      <p:pic>
-        <p:nvPicPr>
-          <p:cNvPr id="6" name="Picture 5"/>
-          <p:cNvPicPr>
-            <a:picLocks noChangeAspect="1"/>
-          </p:cNvPicPr>
-          <p:nvPr/>
-        </p:nvPicPr>
-        <p:blipFill>
-          <a:blip r:embed="rId2" cstate="print">
-            <a:extLst>
-              <a:ext uri="{28A0092B-C50C-407E-A947-70E740481C1C}">
-                <a14:useLocalDpi xmlns:a14="http://schemas.microsoft.com/office/drawing/2010/main" val="0"/>
-              </a:ext>
-            </a:extLst>
-          </a:blip>
-          <a:stretch>
-            <a:fillRect/>
-          </a:stretch>
-        </p:blipFill>
-        <p:spPr>
-          <a:xfrm>
-            <a:off x="7020272" y="61690"/>
-            <a:ext cx="2123728" cy="1088057"/>
-          </a:xfrm>
-          <a:prstGeom prst="rect">
-            <a:avLst/>
-          </a:prstGeom>
-        </p:spPr>
-      </p:pic>
     </p:spTree>
     <p:extLst>
       <p:ext uri="{BB962C8B-B14F-4D97-AF65-F5344CB8AC3E}">
@@ -15323,7 +15320,6 @@
               <a:rPr lang="en-AU" dirty="0"/>
               <a:t>and blocks till completion</a:t>
             </a:r>
-            <a:endParaRPr lang="en-AU" dirty="0"/>
           </a:p>
         </p:txBody>
       </p:sp>
@@ -18995,21 +18991,6 @@
 </file>
 
 <file path=customXml/item1.xml><?xml version="1.0" encoding="utf-8"?>
-<p:properties xmlns:p="http://schemas.microsoft.com/office/2006/metadata/properties" xmlns:xsi="http://www.w3.org/2001/XMLSchema-instance">
-  <documentManagement/>
-</p:properties>
-</file>
-
-<file path=customXml/item2.xml><?xml version="1.0" encoding="utf-8"?>
-<?mso-contentType ?>
-<FormTemplates xmlns="http://schemas.microsoft.com/sharepoint/v3/contenttype/forms">
-  <Display>DocumentLibraryForm</Display>
-  <Edit>DocumentLibraryForm</Edit>
-  <New>DocumentLibraryForm</New>
-</FormTemplates>
-</file>
-
-<file path=customXml/item3.xml><?xml version="1.0" encoding="utf-8"?>
 <?mso-contentType ?>
 <rca:RCAuthoringProperties xmlns:rca="urn:sharePointPublishingRcaProperties">
   <rca:Converter rca:guid="6dfdc5b4-2a28-4a06-b0c6-ad3901e3a807">
@@ -19025,6 +19006,21 @@
     <rca:property rca:type="ConverterSpecificSettings"/>
   </rca:Converter>
 </rca:RCAuthoringProperties>
+</file>
+
+<file path=customXml/item2.xml><?xml version="1.0" encoding="utf-8"?>
+<?mso-contentType ?>
+<FormTemplates xmlns="http://schemas.microsoft.com/sharepoint/v3/contenttype/forms">
+  <Display>DocumentLibraryForm</Display>
+  <Edit>DocumentLibraryForm</Edit>
+  <New>DocumentLibraryForm</New>
+</FormTemplates>
+</file>
+
+<file path=customXml/item3.xml><?xml version="1.0" encoding="utf-8"?>
+<p:properties xmlns:p="http://schemas.microsoft.com/office/2006/metadata/properties" xmlns:xsi="http://www.w3.org/2001/XMLSchema-instance">
+  <documentManagement/>
+</p:properties>
 </file>
 
 <file path=customXml/item4.xml><?xml version="1.0" encoding="utf-8"?>
@@ -19077,15 +19073,9 @@
 </file>
 
 <file path=customXml/itemProps1.xml><?xml version="1.0" encoding="utf-8"?>
-<ds:datastoreItem xmlns:ds="http://schemas.openxmlformats.org/officeDocument/2006/customXml" ds:itemID="{BDEC00FF-5F1B-415D-9C89-173832172D95}">
+<ds:datastoreItem xmlns:ds="http://schemas.openxmlformats.org/officeDocument/2006/customXml" ds:itemID="{37DE6E84-255A-45E8-8353-BCD6A4998E02}">
   <ds:schemaRefs>
-    <ds:schemaRef ds:uri="http://schemas.microsoft.com/office/2006/metadata/properties"/>
-    <ds:schemaRef ds:uri="http://schemas.openxmlformats.org/package/2006/metadata/core-properties"/>
-    <ds:schemaRef ds:uri="http://schemas.microsoft.com/office/2006/documentManagement/types"/>
-    <ds:schemaRef ds:uri="http://purl.org/dc/elements/1.1/"/>
-    <ds:schemaRef ds:uri="http://purl.org/dc/dcmitype/"/>
-    <ds:schemaRef ds:uri="http://purl.org/dc/terms/"/>
-    <ds:schemaRef ds:uri="http://www.w3.org/XML/1998/namespace"/>
+    <ds:schemaRef ds:uri="urn:sharePointPublishingRcaProperties"/>
   </ds:schemaRefs>
 </ds:datastoreItem>
 </file>
@@ -19099,9 +19089,15 @@
 </file>
 
 <file path=customXml/itemProps3.xml><?xml version="1.0" encoding="utf-8"?>
-<ds:datastoreItem xmlns:ds="http://schemas.openxmlformats.org/officeDocument/2006/customXml" ds:itemID="{37DE6E84-255A-45E8-8353-BCD6A4998E02}">
+<ds:datastoreItem xmlns:ds="http://schemas.openxmlformats.org/officeDocument/2006/customXml" ds:itemID="{BDEC00FF-5F1B-415D-9C89-173832172D95}">
   <ds:schemaRefs>
-    <ds:schemaRef ds:uri="urn:sharePointPublishingRcaProperties"/>
+    <ds:schemaRef ds:uri="http://schemas.microsoft.com/office/2006/metadata/properties"/>
+    <ds:schemaRef ds:uri="http://schemas.openxmlformats.org/package/2006/metadata/core-properties"/>
+    <ds:schemaRef ds:uri="http://schemas.microsoft.com/office/2006/documentManagement/types"/>
+    <ds:schemaRef ds:uri="http://purl.org/dc/elements/1.1/"/>
+    <ds:schemaRef ds:uri="http://purl.org/dc/dcmitype/"/>
+    <ds:schemaRef ds:uri="http://purl.org/dc/terms/"/>
+    <ds:schemaRef ds:uri="http://www.w3.org/XML/1998/namespace"/>
   </ds:schemaRefs>
 </ds:datastoreItem>
 </file>

--- a/presentation/Building Node.js Applications on Windows Azure.pptx
+++ b/presentation/Building Node.js Applications on Windows Azure.pptx
@@ -14316,7 +14316,7 @@
         <p:spPr>
           <a:xfrm>
             <a:off x="5850159" y="984355"/>
-            <a:ext cx="1140643" cy="1477328"/>
+            <a:ext cx="1140643" cy="1631216"/>
           </a:xfrm>
           <a:prstGeom prst="rect">
             <a:avLst/>
@@ -14348,7 +14348,11 @@
             </a:r>
             <a:r>
               <a:rPr lang="en-AU" sz="1000" dirty="0" smtClean="0"/>
-              <a:t> releases API built on node</a:t>
+              <a:t> releases API built on </a:t>
+            </a:r>
+            <a:r>
+              <a:rPr lang="en-AU" sz="1000" dirty="0" smtClean="0"/>
+              <a:t>node</a:t>
             </a:r>
           </a:p>
           <a:p>
@@ -14356,17 +14360,22 @@
           </a:p>
           <a:p>
             <a:r>
-              <a:rPr lang="en-AU" sz="1000" b="1" dirty="0"/>
-              <a:t>C</a:t>
-            </a:r>
-            <a:r>
               <a:rPr lang="en-AU" sz="1000" b="1" dirty="0" smtClean="0"/>
-              <a:t>loud9IDE</a:t>
+              <a:t>Cloud9IDE</a:t>
             </a:r>
             <a:r>
               <a:rPr lang="en-AU" sz="1000" dirty="0" smtClean="0"/>
-              <a:t> launched</a:t>
-            </a:r>
+              <a:t> azure</a:t>
+            </a:r>
+          </a:p>
+          <a:p>
+            <a:r>
+              <a:rPr lang="en-AU" sz="1000" dirty="0" smtClean="0"/>
+              <a:t>support</a:t>
+            </a:r>
+            <a:endParaRPr lang="en-AU" sz="1000" dirty="0" smtClean="0"/>
+          </a:p>
+          <a:p>
             <a:endParaRPr lang="en-AU" sz="1000" dirty="0"/>
           </a:p>
         </p:txBody>
@@ -14428,15 +14437,7 @@
           <a:p>
             <a:r>
               <a:rPr lang="en-AU" sz="1000" b="1" dirty="0" smtClean="0"/>
-              <a:t> Oct </a:t>
-            </a:r>
-            <a:r>
-              <a:rPr lang="en-AU" sz="1000" b="1" dirty="0" smtClean="0"/>
-              <a:t>2011  </a:t>
-            </a:r>
-            <a:r>
-              <a:rPr lang="en-AU" sz="1000" b="1" dirty="0" smtClean="0"/>
-              <a:t>node.js overtakes </a:t>
+              <a:t> Oct 2011  node.js overtakes </a:t>
             </a:r>
             <a:r>
               <a:rPr lang="en-AU" sz="1000" b="1" dirty="0"/>
@@ -14487,36 +14488,6 @@
           </a:fontRef>
         </p:style>
       </p:cxnSp>
-      <p:pic>
-        <p:nvPicPr>
-          <p:cNvPr id="23" name="Picture 22"/>
-          <p:cNvPicPr>
-            <a:picLocks noChangeAspect="1"/>
-          </p:cNvPicPr>
-          <p:nvPr/>
-        </p:nvPicPr>
-        <p:blipFill>
-          <a:blip r:embed="rId7" cstate="print">
-            <a:extLst>
-              <a:ext uri="{28A0092B-C50C-407E-A947-70E740481C1C}">
-                <a14:useLocalDpi xmlns:a14="http://schemas.microsoft.com/office/drawing/2010/main" val="0"/>
-              </a:ext>
-            </a:extLst>
-          </a:blip>
-          <a:stretch>
-            <a:fillRect/>
-          </a:stretch>
-        </p:blipFill>
-        <p:spPr>
-          <a:xfrm>
-            <a:off x="7601401" y="188641"/>
-            <a:ext cx="1264940" cy="648071"/>
-          </a:xfrm>
-          <a:prstGeom prst="rect">
-            <a:avLst/>
-          </a:prstGeom>
-        </p:spPr>
-      </p:pic>
       <p:sp>
         <p:nvSpPr>
           <p:cNvPr id="26" name="TextBox 25"/>
@@ -14757,6 +14728,147 @@
           </a:fontRef>
         </p:style>
       </p:cxnSp>
+      <p:pic>
+        <p:nvPicPr>
+          <p:cNvPr id="1026" name="Picture 2"/>
+          <p:cNvPicPr>
+            <a:picLocks noChangeAspect="1" noChangeArrowheads="1"/>
+          </p:cNvPicPr>
+          <p:nvPr/>
+        </p:nvPicPr>
+        <p:blipFill>
+          <a:blip r:embed="rId7">
+            <a:extLst>
+              <a:ext uri="{28A0092B-C50C-407E-A947-70E740481C1C}">
+                <a14:useLocalDpi xmlns:a14="http://schemas.microsoft.com/office/drawing/2010/main" val="0"/>
+              </a:ext>
+            </a:extLst>
+          </a:blip>
+          <a:srcRect/>
+          <a:stretch>
+            <a:fillRect/>
+          </a:stretch>
+        </p:blipFill>
+        <p:spPr bwMode="auto">
+          <a:xfrm>
+            <a:off x="5817020" y="72936"/>
+            <a:ext cx="3075460" cy="911419"/>
+          </a:xfrm>
+          <a:prstGeom prst="rect">
+            <a:avLst/>
+          </a:prstGeom>
+          <a:noFill/>
+          <a:ln>
+            <a:noFill/>
+          </a:ln>
+          <a:effectLst/>
+          <a:extLst>
+            <a:ext uri="{909E8E84-426E-40DD-AFC4-6F175D3DCCD1}">
+              <a14:hiddenFill xmlns:a14="http://schemas.microsoft.com/office/drawing/2010/main">
+                <a:solidFill>
+                  <a:schemeClr val="accent1"/>
+                </a:solidFill>
+              </a14:hiddenFill>
+            </a:ext>
+            <a:ext uri="{91240B29-F687-4F45-9708-019B960494DF}">
+              <a14:hiddenLine xmlns:a14="http://schemas.microsoft.com/office/drawing/2010/main" w="9525">
+                <a:solidFill>
+                  <a:schemeClr val="tx1"/>
+                </a:solidFill>
+                <a:miter lim="800000"/>
+                <a:headEnd/>
+                <a:tailEnd/>
+              </a14:hiddenLine>
+            </a:ext>
+            <a:ext uri="{AF507438-7753-43E0-B8FC-AC1667EBCBE1}">
+              <a14:hiddenEffects xmlns:a14="http://schemas.microsoft.com/office/drawing/2010/main">
+                <a:effectLst>
+                  <a:outerShdw dist="35921" dir="2700000" algn="ctr" rotWithShape="0">
+                    <a:schemeClr val="bg2"/>
+                  </a:outerShdw>
+                </a:effectLst>
+              </a14:hiddenEffects>
+            </a:ext>
+          </a:extLst>
+        </p:spPr>
+      </p:pic>
+      <p:cxnSp>
+        <p:nvCxnSpPr>
+          <p:cNvPr id="24" name="Straight Connector 23"/>
+          <p:cNvCxnSpPr/>
+          <p:nvPr/>
+        </p:nvCxnSpPr>
+        <p:spPr>
+          <a:xfrm>
+            <a:off x="4067944" y="1930334"/>
+            <a:ext cx="0" cy="1354650"/>
+          </a:xfrm>
+          <a:prstGeom prst="line">
+            <a:avLst/>
+          </a:prstGeom>
+          <a:ln>
+            <a:prstDash val="sysDot"/>
+          </a:ln>
+        </p:spPr>
+        <p:style>
+          <a:lnRef idx="2">
+            <a:schemeClr val="accent1"/>
+          </a:lnRef>
+          <a:fillRef idx="0">
+            <a:schemeClr val="accent1"/>
+          </a:fillRef>
+          <a:effectRef idx="1">
+            <a:schemeClr val="accent1"/>
+          </a:effectRef>
+          <a:fontRef idx="minor">
+            <a:schemeClr val="tx1"/>
+          </a:fontRef>
+        </p:style>
+      </p:cxnSp>
+      <p:sp>
+        <p:nvSpPr>
+          <p:cNvPr id="25" name="TextBox 24"/>
+          <p:cNvSpPr txBox="1"/>
+          <p:nvPr/>
+        </p:nvSpPr>
+        <p:spPr>
+          <a:xfrm>
+            <a:off x="3628774" y="1292131"/>
+            <a:ext cx="786843" cy="553998"/>
+          </a:xfrm>
+          <a:prstGeom prst="rect">
+            <a:avLst/>
+          </a:prstGeom>
+          <a:noFill/>
+        </p:spPr>
+        <p:txBody>
+          <a:bodyPr wrap="square" rtlCol="0">
+            <a:spAutoFit/>
+          </a:bodyPr>
+          <a:lstStyle/>
+          <a:p>
+            <a:r>
+              <a:rPr lang="en-AU" sz="1000" b="1" dirty="0" smtClean="0"/>
+              <a:t>Nov </a:t>
+            </a:r>
+            <a:r>
+              <a:rPr lang="en-AU" sz="1000" b="1" dirty="0" smtClean="0"/>
+              <a:t>2010  Cloud9IDE</a:t>
+            </a:r>
+          </a:p>
+          <a:p>
+            <a:r>
+              <a:rPr lang="en-AU" sz="1000" b="1" dirty="0" smtClean="0"/>
+              <a:t> </a:t>
+            </a:r>
+            <a:r>
+              <a:rPr lang="en-AU" sz="1000" dirty="0" smtClean="0"/>
+              <a:t>launches</a:t>
+            </a:r>
+            <a:endParaRPr lang="en-AU" sz="1000" b="1" dirty="0"/>
+          </a:p>
+        </p:txBody>
+      </p:sp>
     </p:spTree>
     <p:extLst>
       <p:ext uri="{BB962C8B-B14F-4D97-AF65-F5344CB8AC3E}">
@@ -18991,6 +19103,21 @@
 </file>
 
 <file path=customXml/item1.xml><?xml version="1.0" encoding="utf-8"?>
+<p:properties xmlns:p="http://schemas.microsoft.com/office/2006/metadata/properties" xmlns:xsi="http://www.w3.org/2001/XMLSchema-instance">
+  <documentManagement/>
+</p:properties>
+</file>
+
+<file path=customXml/item2.xml><?xml version="1.0" encoding="utf-8"?>
+<?mso-contentType ?>
+<FormTemplates xmlns="http://schemas.microsoft.com/sharepoint/v3/contenttype/forms">
+  <Display>DocumentLibraryForm</Display>
+  <Edit>DocumentLibraryForm</Edit>
+  <New>DocumentLibraryForm</New>
+</FormTemplates>
+</file>
+
+<file path=customXml/item3.xml><?xml version="1.0" encoding="utf-8"?>
 <?mso-contentType ?>
 <rca:RCAuthoringProperties xmlns:rca="urn:sharePointPublishingRcaProperties">
   <rca:Converter rca:guid="6dfdc5b4-2a28-4a06-b0c6-ad3901e3a807">
@@ -19006,21 +19133,6 @@
     <rca:property rca:type="ConverterSpecificSettings"/>
   </rca:Converter>
 </rca:RCAuthoringProperties>
-</file>
-
-<file path=customXml/item2.xml><?xml version="1.0" encoding="utf-8"?>
-<?mso-contentType ?>
-<FormTemplates xmlns="http://schemas.microsoft.com/sharepoint/v3/contenttype/forms">
-  <Display>DocumentLibraryForm</Display>
-  <Edit>DocumentLibraryForm</Edit>
-  <New>DocumentLibraryForm</New>
-</FormTemplates>
-</file>
-
-<file path=customXml/item3.xml><?xml version="1.0" encoding="utf-8"?>
-<p:properties xmlns:p="http://schemas.microsoft.com/office/2006/metadata/properties" xmlns:xsi="http://www.w3.org/2001/XMLSchema-instance">
-  <documentManagement/>
-</p:properties>
 </file>
 
 <file path=customXml/item4.xml><?xml version="1.0" encoding="utf-8"?>
@@ -19073,9 +19185,15 @@
 </file>
 
 <file path=customXml/itemProps1.xml><?xml version="1.0" encoding="utf-8"?>
-<ds:datastoreItem xmlns:ds="http://schemas.openxmlformats.org/officeDocument/2006/customXml" ds:itemID="{37DE6E84-255A-45E8-8353-BCD6A4998E02}">
+<ds:datastoreItem xmlns:ds="http://schemas.openxmlformats.org/officeDocument/2006/customXml" ds:itemID="{BDEC00FF-5F1B-415D-9C89-173832172D95}">
   <ds:schemaRefs>
-    <ds:schemaRef ds:uri="urn:sharePointPublishingRcaProperties"/>
+    <ds:schemaRef ds:uri="http://schemas.microsoft.com/office/2006/metadata/properties"/>
+    <ds:schemaRef ds:uri="http://schemas.openxmlformats.org/package/2006/metadata/core-properties"/>
+    <ds:schemaRef ds:uri="http://schemas.microsoft.com/office/2006/documentManagement/types"/>
+    <ds:schemaRef ds:uri="http://purl.org/dc/elements/1.1/"/>
+    <ds:schemaRef ds:uri="http://purl.org/dc/dcmitype/"/>
+    <ds:schemaRef ds:uri="http://purl.org/dc/terms/"/>
+    <ds:schemaRef ds:uri="http://www.w3.org/XML/1998/namespace"/>
   </ds:schemaRefs>
 </ds:datastoreItem>
 </file>
@@ -19089,15 +19207,9 @@
 </file>
 
 <file path=customXml/itemProps3.xml><?xml version="1.0" encoding="utf-8"?>
-<ds:datastoreItem xmlns:ds="http://schemas.openxmlformats.org/officeDocument/2006/customXml" ds:itemID="{BDEC00FF-5F1B-415D-9C89-173832172D95}">
+<ds:datastoreItem xmlns:ds="http://schemas.openxmlformats.org/officeDocument/2006/customXml" ds:itemID="{37DE6E84-255A-45E8-8353-BCD6A4998E02}">
   <ds:schemaRefs>
-    <ds:schemaRef ds:uri="http://schemas.microsoft.com/office/2006/metadata/properties"/>
-    <ds:schemaRef ds:uri="http://schemas.openxmlformats.org/package/2006/metadata/core-properties"/>
-    <ds:schemaRef ds:uri="http://schemas.microsoft.com/office/2006/documentManagement/types"/>
-    <ds:schemaRef ds:uri="http://purl.org/dc/elements/1.1/"/>
-    <ds:schemaRef ds:uri="http://purl.org/dc/dcmitype/"/>
-    <ds:schemaRef ds:uri="http://purl.org/dc/terms/"/>
-    <ds:schemaRef ds:uri="http://www.w3.org/XML/1998/namespace"/>
+    <ds:schemaRef ds:uri="urn:sharePointPublishingRcaProperties"/>
   </ds:schemaRefs>
 </ds:datastoreItem>
 </file>

--- a/presentation/Building Node.js Applications on Windows Azure.pptx
+++ b/presentation/Building Node.js Applications on Windows Azure.pptx
@@ -12994,7 +12994,11 @@
           <a:p>
             <a:r>
               <a:rPr lang="en-AU" dirty="0" smtClean="0"/>
-              <a:t>Hello World!	</a:t>
+              <a:t>When should I use it?</a:t>
+            </a:r>
+            <a:r>
+              <a:rPr lang="en-AU" dirty="0" smtClean="0"/>
+              <a:t>	</a:t>
             </a:r>
             <a:endParaRPr lang="en-AU" dirty="0"/>
           </a:p>
@@ -13017,7 +13021,39 @@
           <a:p>
             <a:r>
               <a:rPr lang="en-AU" dirty="0" smtClean="0"/>
-              <a:t>Build a http webserver in 5 lines of code !!!</a:t>
+              <a:t>Chat/Messaging Apps</a:t>
+            </a:r>
+          </a:p>
+          <a:p>
+            <a:r>
+              <a:rPr lang="en-AU" dirty="0" smtClean="0"/>
+              <a:t>Real time Apps ( stocks / ticker tape)</a:t>
+            </a:r>
+          </a:p>
+          <a:p>
+            <a:r>
+              <a:rPr lang="en-AU" dirty="0" smtClean="0"/>
+              <a:t>Highly Concurrent apps</a:t>
+            </a:r>
+          </a:p>
+          <a:p>
+            <a:r>
+              <a:rPr lang="en-AU" dirty="0" smtClean="0"/>
+              <a:t>Single page apps with lots of asynchronous calls (Gmail </a:t>
+            </a:r>
+            <a:r>
+              <a:rPr lang="en-AU" dirty="0" err="1" smtClean="0"/>
+              <a:t>etc</a:t>
+            </a:r>
+            <a:r>
+              <a:rPr lang="en-AU" dirty="0" smtClean="0"/>
+              <a:t>)</a:t>
+            </a:r>
+          </a:p>
+          <a:p>
+            <a:r>
+              <a:rPr lang="en-AU" dirty="0" smtClean="0"/>
+              <a:t>Serving lots of dynamic content</a:t>
             </a:r>
             <a:endParaRPr lang="en-AU" dirty="0"/>
           </a:p>
@@ -14348,11 +14384,7 @@
             </a:r>
             <a:r>
               <a:rPr lang="en-AU" sz="1000" dirty="0" smtClean="0"/>
-              <a:t> releases API built on </a:t>
-            </a:r>
-            <a:r>
-              <a:rPr lang="en-AU" sz="1000" dirty="0" smtClean="0"/>
-              <a:t>node</a:t>
+              <a:t> releases API built on node</a:t>
             </a:r>
           </a:p>
           <a:p>
@@ -14373,7 +14405,6 @@
               <a:rPr lang="en-AU" sz="1000" dirty="0" smtClean="0"/>
               <a:t>support</a:t>
             </a:r>
-            <a:endParaRPr lang="en-AU" sz="1000" dirty="0" smtClean="0"/>
           </a:p>
           <a:p>
             <a:endParaRPr lang="en-AU" sz="1000" dirty="0"/>
@@ -14849,11 +14880,7 @@
           <a:p>
             <a:r>
               <a:rPr lang="en-AU" sz="1000" b="1" dirty="0" smtClean="0"/>
-              <a:t>Nov </a:t>
-            </a:r>
-            <a:r>
-              <a:rPr lang="en-AU" sz="1000" b="1" dirty="0" smtClean="0"/>
-              <a:t>2010  Cloud9IDE</a:t>
+              <a:t>Nov 2010  Cloud9IDE</a:t>
             </a:r>
           </a:p>
           <a:p>
@@ -19103,21 +19130,6 @@
 </file>
 
 <file path=customXml/item1.xml><?xml version="1.0" encoding="utf-8"?>
-<p:properties xmlns:p="http://schemas.microsoft.com/office/2006/metadata/properties" xmlns:xsi="http://www.w3.org/2001/XMLSchema-instance">
-  <documentManagement/>
-</p:properties>
-</file>
-
-<file path=customXml/item2.xml><?xml version="1.0" encoding="utf-8"?>
-<?mso-contentType ?>
-<FormTemplates xmlns="http://schemas.microsoft.com/sharepoint/v3/contenttype/forms">
-  <Display>DocumentLibraryForm</Display>
-  <Edit>DocumentLibraryForm</Edit>
-  <New>DocumentLibraryForm</New>
-</FormTemplates>
-</file>
-
-<file path=customXml/item3.xml><?xml version="1.0" encoding="utf-8"?>
 <?mso-contentType ?>
 <rca:RCAuthoringProperties xmlns:rca="urn:sharePointPublishingRcaProperties">
   <rca:Converter rca:guid="6dfdc5b4-2a28-4a06-b0c6-ad3901e3a807">
@@ -19133,6 +19145,21 @@
     <rca:property rca:type="ConverterSpecificSettings"/>
   </rca:Converter>
 </rca:RCAuthoringProperties>
+</file>
+
+<file path=customXml/item2.xml><?xml version="1.0" encoding="utf-8"?>
+<?mso-contentType ?>
+<FormTemplates xmlns="http://schemas.microsoft.com/sharepoint/v3/contenttype/forms">
+  <Display>DocumentLibraryForm</Display>
+  <Edit>DocumentLibraryForm</Edit>
+  <New>DocumentLibraryForm</New>
+</FormTemplates>
+</file>
+
+<file path=customXml/item3.xml><?xml version="1.0" encoding="utf-8"?>
+<p:properties xmlns:p="http://schemas.microsoft.com/office/2006/metadata/properties" xmlns:xsi="http://www.w3.org/2001/XMLSchema-instance">
+  <documentManagement/>
+</p:properties>
 </file>
 
 <file path=customXml/item4.xml><?xml version="1.0" encoding="utf-8"?>
@@ -19185,15 +19212,9 @@
 </file>
 
 <file path=customXml/itemProps1.xml><?xml version="1.0" encoding="utf-8"?>
-<ds:datastoreItem xmlns:ds="http://schemas.openxmlformats.org/officeDocument/2006/customXml" ds:itemID="{BDEC00FF-5F1B-415D-9C89-173832172D95}">
+<ds:datastoreItem xmlns:ds="http://schemas.openxmlformats.org/officeDocument/2006/customXml" ds:itemID="{37DE6E84-255A-45E8-8353-BCD6A4998E02}">
   <ds:schemaRefs>
-    <ds:schemaRef ds:uri="http://schemas.microsoft.com/office/2006/metadata/properties"/>
-    <ds:schemaRef ds:uri="http://schemas.openxmlformats.org/package/2006/metadata/core-properties"/>
-    <ds:schemaRef ds:uri="http://schemas.microsoft.com/office/2006/documentManagement/types"/>
-    <ds:schemaRef ds:uri="http://purl.org/dc/elements/1.1/"/>
-    <ds:schemaRef ds:uri="http://purl.org/dc/dcmitype/"/>
-    <ds:schemaRef ds:uri="http://purl.org/dc/terms/"/>
-    <ds:schemaRef ds:uri="http://www.w3.org/XML/1998/namespace"/>
+    <ds:schemaRef ds:uri="urn:sharePointPublishingRcaProperties"/>
   </ds:schemaRefs>
 </ds:datastoreItem>
 </file>
@@ -19207,9 +19228,15 @@
 </file>
 
 <file path=customXml/itemProps3.xml><?xml version="1.0" encoding="utf-8"?>
-<ds:datastoreItem xmlns:ds="http://schemas.openxmlformats.org/officeDocument/2006/customXml" ds:itemID="{37DE6E84-255A-45E8-8353-BCD6A4998E02}">
+<ds:datastoreItem xmlns:ds="http://schemas.openxmlformats.org/officeDocument/2006/customXml" ds:itemID="{BDEC00FF-5F1B-415D-9C89-173832172D95}">
   <ds:schemaRefs>
-    <ds:schemaRef ds:uri="urn:sharePointPublishingRcaProperties"/>
+    <ds:schemaRef ds:uri="http://schemas.microsoft.com/office/2006/metadata/properties"/>
+    <ds:schemaRef ds:uri="http://schemas.openxmlformats.org/package/2006/metadata/core-properties"/>
+    <ds:schemaRef ds:uri="http://schemas.microsoft.com/office/2006/documentManagement/types"/>
+    <ds:schemaRef ds:uri="http://purl.org/dc/elements/1.1/"/>
+    <ds:schemaRef ds:uri="http://purl.org/dc/dcmitype/"/>
+    <ds:schemaRef ds:uri="http://purl.org/dc/terms/"/>
+    <ds:schemaRef ds:uri="http://www.w3.org/XML/1998/namespace"/>
   </ds:schemaRefs>
 </ds:datastoreItem>
 </file>

--- a/presentation/Building Node.js Applications on Windows Azure.pptx
+++ b/presentation/Building Node.js Applications on Windows Azure.pptx
@@ -2878,7 +2878,7 @@
             <a:fld id="{7785875F-706E-40BB-864A-2D06F0E4670E}" type="datetimeFigureOut">
               <a:rPr lang="en-AU" smtClean="0"/>
               <a:pPr/>
-              <a:t>5/03/2012</a:t>
+              <a:t>6/03/2012</a:t>
             </a:fld>
             <a:endParaRPr lang="en-AU" dirty="0"/>
           </a:p>
@@ -3045,7 +3045,7 @@
             <a:fld id="{7DDF49B5-0C03-42A4-A086-8D97D52D2493}" type="datetimeFigureOut">
               <a:rPr lang="en-AU" smtClean="0"/>
               <a:pPr/>
-              <a:t>5/03/2012</a:t>
+              <a:t>6/03/2012</a:t>
             </a:fld>
             <a:endParaRPr lang="en-AU" dirty="0"/>
           </a:p>
@@ -5547,7 +5547,7 @@
             <a:fld id="{CA10310C-7EC1-470A-8BF5-D51EF2D864BA}" type="datetimeFigureOut">
               <a:rPr lang="en-AU" smtClean="0"/>
               <a:pPr/>
-              <a:t>5/03/2012</a:t>
+              <a:t>6/03/2012</a:t>
             </a:fld>
             <a:endParaRPr lang="en-AU"/>
           </a:p>
@@ -5714,7 +5714,7 @@
             <a:fld id="{CA10310C-7EC1-470A-8BF5-D51EF2D864BA}" type="datetimeFigureOut">
               <a:rPr lang="en-AU" smtClean="0"/>
               <a:pPr/>
-              <a:t>5/03/2012</a:t>
+              <a:t>6/03/2012</a:t>
             </a:fld>
             <a:endParaRPr lang="en-AU"/>
           </a:p>
@@ -5957,7 +5957,7 @@
             <a:fld id="{CA10310C-7EC1-470A-8BF5-D51EF2D864BA}" type="datetimeFigureOut">
               <a:rPr lang="en-AU" smtClean="0"/>
               <a:pPr/>
-              <a:t>5/03/2012</a:t>
+              <a:t>6/03/2012</a:t>
             </a:fld>
             <a:endParaRPr lang="en-AU"/>
           </a:p>
@@ -6242,7 +6242,7 @@
             <a:fld id="{CA10310C-7EC1-470A-8BF5-D51EF2D864BA}" type="datetimeFigureOut">
               <a:rPr lang="en-AU" smtClean="0"/>
               <a:pPr/>
-              <a:t>5/03/2012</a:t>
+              <a:t>6/03/2012</a:t>
             </a:fld>
             <a:endParaRPr lang="en-AU"/>
           </a:p>
@@ -6661,7 +6661,7 @@
             <a:fld id="{CA10310C-7EC1-470A-8BF5-D51EF2D864BA}" type="datetimeFigureOut">
               <a:rPr lang="en-AU" smtClean="0"/>
               <a:pPr/>
-              <a:t>5/03/2012</a:t>
+              <a:t>6/03/2012</a:t>
             </a:fld>
             <a:endParaRPr lang="en-AU"/>
           </a:p>
@@ -6776,7 +6776,7 @@
             <a:fld id="{CA10310C-7EC1-470A-8BF5-D51EF2D864BA}" type="datetimeFigureOut">
               <a:rPr lang="en-AU" smtClean="0"/>
               <a:pPr/>
-              <a:t>5/03/2012</a:t>
+              <a:t>6/03/2012</a:t>
             </a:fld>
             <a:endParaRPr lang="en-AU"/>
           </a:p>
@@ -6868,7 +6868,7 @@
             <a:fld id="{CA10310C-7EC1-470A-8BF5-D51EF2D864BA}" type="datetimeFigureOut">
               <a:rPr lang="en-AU" smtClean="0"/>
               <a:pPr/>
-              <a:t>5/03/2012</a:t>
+              <a:t>6/03/2012</a:t>
             </a:fld>
             <a:endParaRPr lang="en-AU"/>
           </a:p>
@@ -7142,7 +7142,7 @@
             <a:fld id="{CA10310C-7EC1-470A-8BF5-D51EF2D864BA}" type="datetimeFigureOut">
               <a:rPr lang="en-AU" smtClean="0"/>
               <a:pPr/>
-              <a:t>5/03/2012</a:t>
+              <a:t>6/03/2012</a:t>
             </a:fld>
             <a:endParaRPr lang="en-AU"/>
           </a:p>
@@ -7392,7 +7392,7 @@
             <a:fld id="{CA10310C-7EC1-470A-8BF5-D51EF2D864BA}" type="datetimeFigureOut">
               <a:rPr lang="en-AU" smtClean="0"/>
               <a:pPr/>
-              <a:t>5/03/2012</a:t>
+              <a:t>6/03/2012</a:t>
             </a:fld>
             <a:endParaRPr lang="en-AU"/>
           </a:p>
@@ -7559,7 +7559,7 @@
             <a:fld id="{CA10310C-7EC1-470A-8BF5-D51EF2D864BA}" type="datetimeFigureOut">
               <a:rPr lang="en-AU" smtClean="0"/>
               <a:pPr/>
-              <a:t>5/03/2012</a:t>
+              <a:t>6/03/2012</a:t>
             </a:fld>
             <a:endParaRPr lang="en-AU"/>
           </a:p>
@@ -7845,7 +7845,7 @@
             <a:fld id="{CA10310C-7EC1-470A-8BF5-D51EF2D864BA}" type="datetimeFigureOut">
               <a:rPr lang="en-AU" smtClean="0"/>
               <a:pPr/>
-              <a:t>5/03/2012</a:t>
+              <a:t>6/03/2012</a:t>
             </a:fld>
             <a:endParaRPr lang="en-AU"/>
           </a:p>
@@ -8084,7 +8084,7 @@
             <a:fld id="{85CE8AA0-9735-4FA2-95DD-391EE93AFE89}" type="datetimeFigureOut">
               <a:rPr lang="en-AU" smtClean="0"/>
               <a:pPr/>
-              <a:t>5/03/2012</a:t>
+              <a:t>6/03/2012</a:t>
             </a:fld>
             <a:endParaRPr lang="en-AU"/>
           </a:p>
@@ -8251,7 +8251,7 @@
             <a:fld id="{85CE8AA0-9735-4FA2-95DD-391EE93AFE89}" type="datetimeFigureOut">
               <a:rPr lang="en-AU" smtClean="0"/>
               <a:pPr/>
-              <a:t>5/03/2012</a:t>
+              <a:t>6/03/2012</a:t>
             </a:fld>
             <a:endParaRPr lang="en-AU"/>
           </a:p>
@@ -8494,7 +8494,7 @@
             <a:fld id="{85CE8AA0-9735-4FA2-95DD-391EE93AFE89}" type="datetimeFigureOut">
               <a:rPr lang="en-AU" smtClean="0"/>
               <a:pPr/>
-              <a:t>5/03/2012</a:t>
+              <a:t>6/03/2012</a:t>
             </a:fld>
             <a:endParaRPr lang="en-AU"/>
           </a:p>
@@ -8779,7 +8779,7 @@
             <a:fld id="{85CE8AA0-9735-4FA2-95DD-391EE93AFE89}" type="datetimeFigureOut">
               <a:rPr lang="en-AU" smtClean="0"/>
               <a:pPr/>
-              <a:t>5/03/2012</a:t>
+              <a:t>6/03/2012</a:t>
             </a:fld>
             <a:endParaRPr lang="en-AU"/>
           </a:p>
@@ -9198,7 +9198,7 @@
             <a:fld id="{85CE8AA0-9735-4FA2-95DD-391EE93AFE89}" type="datetimeFigureOut">
               <a:rPr lang="en-AU" smtClean="0"/>
               <a:pPr/>
-              <a:t>5/03/2012</a:t>
+              <a:t>6/03/2012</a:t>
             </a:fld>
             <a:endParaRPr lang="en-AU"/>
           </a:p>
@@ -9313,7 +9313,7 @@
             <a:fld id="{85CE8AA0-9735-4FA2-95DD-391EE93AFE89}" type="datetimeFigureOut">
               <a:rPr lang="en-AU" smtClean="0"/>
               <a:pPr/>
-              <a:t>5/03/2012</a:t>
+              <a:t>6/03/2012</a:t>
             </a:fld>
             <a:endParaRPr lang="en-AU"/>
           </a:p>
@@ -9405,7 +9405,7 @@
             <a:fld id="{85CE8AA0-9735-4FA2-95DD-391EE93AFE89}" type="datetimeFigureOut">
               <a:rPr lang="en-AU" smtClean="0"/>
               <a:pPr/>
-              <a:t>5/03/2012</a:t>
+              <a:t>6/03/2012</a:t>
             </a:fld>
             <a:endParaRPr lang="en-AU"/>
           </a:p>
@@ -9679,7 +9679,7 @@
             <a:fld id="{85CE8AA0-9735-4FA2-95DD-391EE93AFE89}" type="datetimeFigureOut">
               <a:rPr lang="en-AU" smtClean="0"/>
               <a:pPr/>
-              <a:t>5/03/2012</a:t>
+              <a:t>6/03/2012</a:t>
             </a:fld>
             <a:endParaRPr lang="en-AU"/>
           </a:p>
@@ -9929,7 +9929,7 @@
             <a:fld id="{85CE8AA0-9735-4FA2-95DD-391EE93AFE89}" type="datetimeFigureOut">
               <a:rPr lang="en-AU" smtClean="0"/>
               <a:pPr/>
-              <a:t>5/03/2012</a:t>
+              <a:t>6/03/2012</a:t>
             </a:fld>
             <a:endParaRPr lang="en-AU"/>
           </a:p>
@@ -10205,7 +10205,7 @@
             <a:fld id="{85CE8AA0-9735-4FA2-95DD-391EE93AFE89}" type="datetimeFigureOut">
               <a:rPr lang="en-AU" smtClean="0"/>
               <a:pPr/>
-              <a:t>5/03/2012</a:t>
+              <a:t>6/03/2012</a:t>
             </a:fld>
             <a:endParaRPr lang="en-AU"/>
           </a:p>
@@ -10382,7 +10382,7 @@
             <a:fld id="{85CE8AA0-9735-4FA2-95DD-391EE93AFE89}" type="datetimeFigureOut">
               <a:rPr lang="en-AU" smtClean="0"/>
               <a:pPr/>
-              <a:t>5/03/2012</a:t>
+              <a:t>6/03/2012</a:t>
             </a:fld>
             <a:endParaRPr lang="en-AU"/>
           </a:p>
@@ -10497,7 +10497,7 @@
             <a:fld id="{85CE8AA0-9735-4FA2-95DD-391EE93AFE89}" type="datetimeFigureOut">
               <a:rPr lang="en-AU" smtClean="0"/>
               <a:pPr/>
-              <a:t>5/03/2012</a:t>
+              <a:t>6/03/2012</a:t>
             </a:fld>
             <a:endParaRPr lang="en-AU"/>
           </a:p>
@@ -11585,7 +11585,7 @@
             <a:fld id="{CA10310C-7EC1-470A-8BF5-D51EF2D864BA}" type="datetimeFigureOut">
               <a:rPr lang="en-AU" smtClean="0"/>
               <a:pPr/>
-              <a:t>5/03/2012</a:t>
+              <a:t>6/03/2012</a:t>
             </a:fld>
             <a:endParaRPr lang="en-AU"/>
           </a:p>
@@ -12095,7 +12095,7 @@
             <a:fld id="{85CE8AA0-9735-4FA2-95DD-391EE93AFE89}" type="datetimeFigureOut">
               <a:rPr lang="en-AU" smtClean="0"/>
               <a:pPr/>
-              <a:t>5/03/2012</a:t>
+              <a:t>6/03/2012</a:t>
             </a:fld>
             <a:endParaRPr lang="en-AU"/>
           </a:p>
@@ -12994,11 +12994,7 @@
           <a:p>
             <a:r>
               <a:rPr lang="en-AU" dirty="0" smtClean="0"/>
-              <a:t>When should I use it?</a:t>
-            </a:r>
-            <a:r>
-              <a:rPr lang="en-AU" dirty="0" smtClean="0"/>
-              <a:t>	</a:t>
+              <a:t>When should I use it?	</a:t>
             </a:r>
             <a:endParaRPr lang="en-AU" dirty="0"/>
           </a:p>
@@ -17173,7 +17169,7 @@
                             </p:stCondLst>
                             <p:childTnLst>
                               <p:par>
-                                <p:cTn id="5" presetID="1" presetClass="entr" presetSubtype="0" fill="hold" grpId="0" nodeType="clickEffect">
+                                <p:cTn id="5" presetID="1" presetClass="entr" presetSubtype="0" fill="hold" nodeType="clickEffect">
                                   <p:stCondLst>
                                     <p:cond delay="0"/>
                                   </p:stCondLst>
@@ -17186,7 +17182,88 @@
                                           </p:stCondLst>
                                         </p:cTn>
                                         <p:tgtEl>
-                                          <p:spTgt spid="26"/>
+                                          <p:spTgt spid="11"/>
+                                        </p:tgtEl>
+                                        <p:attrNameLst>
+                                          <p:attrName>style.visibility</p:attrName>
+                                        </p:attrNameLst>
+                                      </p:cBhvr>
+                                      <p:to>
+                                        <p:strVal val="visible"/>
+                                      </p:to>
+                                    </p:set>
+                                  </p:childTnLst>
+                                </p:cTn>
+                              </p:par>
+                              <p:par>
+                                <p:cTn id="7" presetID="1" presetClass="entr" presetSubtype="0" fill="hold" grpId="0" nodeType="withEffect">
+                                  <p:stCondLst>
+                                    <p:cond delay="0"/>
+                                  </p:stCondLst>
+                                  <p:childTnLst>
+                                    <p:set>
+                                      <p:cBhvr>
+                                        <p:cTn id="8" dur="1" fill="hold">
+                                          <p:stCondLst>
+                                            <p:cond delay="0"/>
+                                          </p:stCondLst>
+                                        </p:cTn>
+                                        <p:tgtEl>
+                                          <p:spTgt spid="12"/>
+                                        </p:tgtEl>
+                                        <p:attrNameLst>
+                                          <p:attrName>style.visibility</p:attrName>
+                                        </p:attrNameLst>
+                                      </p:cBhvr>
+                                      <p:to>
+                                        <p:strVal val="visible"/>
+                                      </p:to>
+                                    </p:set>
+                                  </p:childTnLst>
+                                </p:cTn>
+                              </p:par>
+                              <p:par>
+                                <p:cTn id="9" presetID="1" presetClass="entr" presetSubtype="0" fill="hold" nodeType="withEffect">
+                                  <p:stCondLst>
+                                    <p:cond delay="0"/>
+                                  </p:stCondLst>
+                                  <p:childTnLst>
+                                    <p:set>
+                                      <p:cBhvr>
+                                        <p:cTn id="10" dur="1" fill="hold">
+                                          <p:stCondLst>
+                                            <p:cond delay="0"/>
+                                          </p:stCondLst>
+                                        </p:cTn>
+                                        <p:tgtEl>
+                                          <p:spTgt spid="7"/>
+                                        </p:tgtEl>
+                                        <p:attrNameLst>
+                                          <p:attrName>style.visibility</p:attrName>
+                                        </p:attrNameLst>
+                                      </p:cBhvr>
+                                      <p:to>
+                                        <p:strVal val="visible"/>
+                                      </p:to>
+                                    </p:set>
+                                  </p:childTnLst>
+                                </p:cTn>
+                              </p:par>
+                              <p:par>
+                                <p:cTn id="11" presetID="1" presetClass="entr" presetSubtype="0" fill="hold" grpId="0" nodeType="withEffect">
+                                  <p:stCondLst>
+                                    <p:cond delay="0"/>
+                                  </p:stCondLst>
+                                  <p:childTnLst>
+                                    <p:set>
+                                      <p:cBhvr>
+                                        <p:cTn id="12" dur="1" fill="hold">
+                                          <p:stCondLst>
+                                            <p:cond delay="0"/>
+                                          </p:stCondLst>
+                                        </p:cTn>
+                                        <p:tgtEl>
+                                          <p:spTgt spid="8"/>
                                         </p:tgtEl>
                                         <p:attrNameLst>
                                           <p:attrName>style.visibility</p:attrName>
@@ -17206,26 +17283,71 @@
                     </p:cTn>
                   </p:par>
                   <p:par>
-                    <p:cTn id="7" fill="hold">
+                    <p:cTn id="13" fill="hold">
                       <p:stCondLst>
                         <p:cond delay="indefinite"/>
                       </p:stCondLst>
                       <p:childTnLst>
                         <p:par>
-                          <p:cTn id="8" fill="hold">
+                          <p:cTn id="14" fill="hold">
                             <p:stCondLst>
                               <p:cond delay="0"/>
                             </p:stCondLst>
                             <p:childTnLst>
                               <p:par>
-                                <p:cTn id="9" presetID="1" presetClass="entr" presetSubtype="0" fill="hold" grpId="0" nodeType="clickEffect">
+                                <p:cTn id="15" presetID="1" presetClass="entr" presetSubtype="0" fill="hold" nodeType="clickEffect">
                                   <p:stCondLst>
                                     <p:cond delay="0"/>
                                   </p:stCondLst>
                                   <p:childTnLst>
                                     <p:set>
                                       <p:cBhvr>
-                                        <p:cTn id="10" dur="1" fill="hold">
+                                        <p:cTn id="16" dur="1" fill="hold">
+                                          <p:stCondLst>
+                                            <p:cond delay="0"/>
+                                          </p:stCondLst>
+                                        </p:cTn>
+                                        <p:tgtEl>
+                                          <p:spTgt spid="19"/>
+                                        </p:tgtEl>
+                                        <p:attrNameLst>
+                                          <p:attrName>style.visibility</p:attrName>
+                                        </p:attrNameLst>
+                                      </p:cBhvr>
+                                      <p:to>
+                                        <p:strVal val="visible"/>
+                                      </p:to>
+                                    </p:set>
+                                  </p:childTnLst>
+                                </p:cTn>
+                              </p:par>
+                            </p:childTnLst>
+                          </p:cTn>
+                        </p:par>
+                      </p:childTnLst>
+                    </p:cTn>
+                  </p:par>
+                  <p:par>
+                    <p:cTn id="17" fill="hold">
+                      <p:stCondLst>
+                        <p:cond delay="indefinite"/>
+                      </p:stCondLst>
+                      <p:childTnLst>
+                        <p:par>
+                          <p:cTn id="18" fill="hold">
+                            <p:stCondLst>
+                              <p:cond delay="0"/>
+                            </p:stCondLst>
+                            <p:childTnLst>
+                              <p:par>
+                                <p:cTn id="19" presetID="1" presetClass="entr" presetSubtype="0" fill="hold" grpId="0" nodeType="clickEffect">
+                                  <p:stCondLst>
+                                    <p:cond delay="0"/>
+                                  </p:stCondLst>
+                                  <p:childTnLst>
+                                    <p:set>
+                                      <p:cBhvr>
+                                        <p:cTn id="20" dur="1" fill="hold">
                                           <p:stCondLst>
                                             <p:cond delay="0"/>
                                           </p:stCondLst>
@@ -17251,26 +17373,80 @@
                     </p:cTn>
                   </p:par>
                   <p:par>
-                    <p:cTn id="11" fill="hold">
+                    <p:cTn id="21" fill="hold">
                       <p:stCondLst>
                         <p:cond delay="indefinite"/>
                       </p:stCondLst>
                       <p:childTnLst>
                         <p:par>
-                          <p:cTn id="12" fill="hold">
+                          <p:cTn id="22" fill="hold">
                             <p:stCondLst>
                               <p:cond delay="0"/>
                             </p:stCondLst>
                             <p:childTnLst>
                               <p:par>
-                                <p:cTn id="13" presetID="1" presetClass="entr" presetSubtype="0" fill="hold" grpId="0" nodeType="clickEffect">
+                                <p:cTn id="23" presetID="1" presetClass="entr" presetSubtype="0" fill="hold" grpId="0" nodeType="clickEffect">
                                   <p:stCondLst>
                                     <p:cond delay="0"/>
                                   </p:stCondLst>
                                   <p:childTnLst>
                                     <p:set>
                                       <p:cBhvr>
-                                        <p:cTn id="14" dur="1" fill="hold">
+                                        <p:cTn id="24" dur="1" fill="hold">
+                                          <p:stCondLst>
+                                            <p:cond delay="0"/>
+                                          </p:stCondLst>
+                                        </p:cTn>
+                                        <p:tgtEl>
+                                          <p:spTgt spid="23"/>
+                                        </p:tgtEl>
+                                        <p:attrNameLst>
+                                          <p:attrName>style.visibility</p:attrName>
+                                        </p:attrNameLst>
+                                      </p:cBhvr>
+                                      <p:to>
+                                        <p:strVal val="visible"/>
+                                      </p:to>
+                                    </p:set>
+                                  </p:childTnLst>
+                                </p:cTn>
+                              </p:par>
+                              <p:par>
+                                <p:cTn id="25" presetID="1" presetClass="entr" presetSubtype="0" fill="hold" nodeType="withEffect">
+                                  <p:stCondLst>
+                                    <p:cond delay="0"/>
+                                  </p:stCondLst>
+                                  <p:childTnLst>
+                                    <p:set>
+                                      <p:cBhvr>
+                                        <p:cTn id="26" dur="1" fill="hold">
+                                          <p:stCondLst>
+                                            <p:cond delay="0"/>
+                                          </p:stCondLst>
+                                        </p:cTn>
+                                        <p:tgtEl>
+                                          <p:spTgt spid="22"/>
+                                        </p:tgtEl>
+                                        <p:attrNameLst>
+                                          <p:attrName>style.visibility</p:attrName>
+                                        </p:attrNameLst>
+                                      </p:cBhvr>
+                                      <p:to>
+                                        <p:strVal val="visible"/>
+                                      </p:to>
+                                    </p:set>
+                                  </p:childTnLst>
+                                </p:cTn>
+                              </p:par>
+                              <p:par>
+                                <p:cTn id="27" presetID="1" presetClass="entr" presetSubtype="0" fill="hold" grpId="0" nodeType="withEffect">
+                                  <p:stCondLst>
+                                    <p:cond delay="0"/>
+                                  </p:stCondLst>
+                                  <p:childTnLst>
+                                    <p:set>
+                                      <p:cBhvr>
+                                        <p:cTn id="28" dur="1" fill="hold">
                                           <p:stCondLst>
                                             <p:cond delay="0"/>
                                           </p:stCondLst>
@@ -17290,68 +17466,14 @@
                                 </p:cTn>
                               </p:par>
                               <p:par>
-                                <p:cTn id="15" presetID="1" presetClass="entr" presetSubtype="0" fill="hold" grpId="0" nodeType="withEffect">
+                                <p:cTn id="29" presetID="1" presetClass="entr" presetSubtype="0" fill="hold" nodeType="withEffect">
                                   <p:stCondLst>
                                     <p:cond delay="0"/>
                                   </p:stCondLst>
                                   <p:childTnLst>
                                     <p:set>
                                       <p:cBhvr>
-                                        <p:cTn id="16" dur="1" fill="hold">
-                                          <p:stCondLst>
-                                            <p:cond delay="0"/>
-                                          </p:stCondLst>
-                                        </p:cTn>
-                                        <p:tgtEl>
-                                          <p:spTgt spid="23"/>
-                                        </p:tgtEl>
-                                        <p:attrNameLst>
-                                          <p:attrName>style.visibility</p:attrName>
-                                        </p:attrNameLst>
-                                      </p:cBhvr>
-                                      <p:to>
-                                        <p:strVal val="visible"/>
-                                      </p:to>
-                                    </p:set>
-                                  </p:childTnLst>
-                                </p:cTn>
-                              </p:par>
-                              <p:par>
-                                <p:cTn id="17" presetID="1" presetClass="entr" presetSubtype="0" fill="hold" nodeType="withEffect">
-                                  <p:stCondLst>
-                                    <p:cond delay="0"/>
-                                  </p:stCondLst>
-                                  <p:childTnLst>
-                                    <p:set>
-                                      <p:cBhvr>
-                                        <p:cTn id="18" dur="1" fill="hold">
-                                          <p:stCondLst>
-                                            <p:cond delay="0"/>
-                                          </p:stCondLst>
-                                        </p:cTn>
-                                        <p:tgtEl>
-                                          <p:spTgt spid="22"/>
-                                        </p:tgtEl>
-                                        <p:attrNameLst>
-                                          <p:attrName>style.visibility</p:attrName>
-                                        </p:attrNameLst>
-                                      </p:cBhvr>
-                                      <p:to>
-                                        <p:strVal val="visible"/>
-                                      </p:to>
-                                    </p:set>
-                                  </p:childTnLst>
-                                </p:cTn>
-                              </p:par>
-                              <p:par>
-                                <p:cTn id="19" presetID="1" presetClass="entr" presetSubtype="0" fill="hold" nodeType="withEffect">
-                                  <p:stCondLst>
-                                    <p:cond delay="0"/>
-                                  </p:stCondLst>
-                                  <p:childTnLst>
-                                    <p:set>
-                                      <p:cBhvr>
-                                        <p:cTn id="20" dur="1" fill="hold">
+                                        <p:cTn id="30" dur="1" fill="hold">
                                           <p:stCondLst>
                                             <p:cond delay="0"/>
                                           </p:stCondLst>
@@ -17371,14 +17493,14 @@
                                 </p:cTn>
                               </p:par>
                               <p:par>
-                                <p:cTn id="21" presetID="1" presetClass="entr" presetSubtype="0" fill="hold" grpId="0" nodeType="withEffect">
+                                <p:cTn id="31" presetID="1" presetClass="entr" presetSubtype="0" fill="hold" grpId="0" nodeType="withEffect">
                                   <p:stCondLst>
                                     <p:cond delay="0"/>
                                   </p:stCondLst>
                                   <p:childTnLst>
                                     <p:set>
                                       <p:cBhvr>
-                                        <p:cTn id="22" dur="1" fill="hold">
+                                        <p:cTn id="32" dur="1" fill="hold">
                                           <p:stCondLst>
                                             <p:cond delay="0"/>
                                           </p:stCondLst>
@@ -17398,20 +17520,65 @@
                                 </p:cTn>
                               </p:par>
                               <p:par>
-                                <p:cTn id="23" presetID="1" presetClass="entr" presetSubtype="0" fill="hold" nodeType="withEffect">
+                                <p:cTn id="33" presetID="1" presetClass="entr" presetSubtype="0" fill="hold" nodeType="withEffect">
                                   <p:stCondLst>
                                     <p:cond delay="0"/>
                                   </p:stCondLst>
                                   <p:childTnLst>
                                     <p:set>
                                       <p:cBhvr>
-                                        <p:cTn id="24" dur="1" fill="hold">
+                                        <p:cTn id="34" dur="1" fill="hold">
                                           <p:stCondLst>
                                             <p:cond delay="0"/>
                                           </p:stCondLst>
                                         </p:cTn>
                                         <p:tgtEl>
                                           <p:spTgt spid="27"/>
+                                        </p:tgtEl>
+                                        <p:attrNameLst>
+                                          <p:attrName>style.visibility</p:attrName>
+                                        </p:attrNameLst>
+                                      </p:cBhvr>
+                                      <p:to>
+                                        <p:strVal val="visible"/>
+                                      </p:to>
+                                    </p:set>
+                                  </p:childTnLst>
+                                </p:cTn>
+                              </p:par>
+                            </p:childTnLst>
+                          </p:cTn>
+                        </p:par>
+                      </p:childTnLst>
+                    </p:cTn>
+                  </p:par>
+                  <p:par>
+                    <p:cTn id="35" fill="hold">
+                      <p:stCondLst>
+                        <p:cond delay="indefinite"/>
+                      </p:stCondLst>
+                      <p:childTnLst>
+                        <p:par>
+                          <p:cTn id="36" fill="hold">
+                            <p:stCondLst>
+                              <p:cond delay="0"/>
+                            </p:stCondLst>
+                            <p:childTnLst>
+                              <p:par>
+                                <p:cTn id="37" presetID="1" presetClass="entr" presetSubtype="0" fill="hold" grpId="0" nodeType="clickEffect">
+                                  <p:stCondLst>
+                                    <p:cond delay="0"/>
+                                  </p:stCondLst>
+                                  <p:childTnLst>
+                                    <p:set>
+                                      <p:cBhvr>
+                                        <p:cTn id="38" dur="1" fill="hold">
+                                          <p:stCondLst>
+                                            <p:cond delay="0"/>
+                                          </p:stCondLst>
+                                        </p:cTn>
+                                        <p:tgtEl>
+                                          <p:spTgt spid="26"/>
                                         </p:tgtEl>
                                         <p:attrNameLst>
                                           <p:attrName>style.visibility</p:attrName>
@@ -17452,6 +17619,8 @@
       </p:par>
     </p:tnLst>
     <p:bldLst>
+      <p:bldP spid="8" grpId="0"/>
+      <p:bldP spid="12" grpId="0"/>
       <p:bldP spid="21" grpId="0"/>
       <p:bldP spid="23" grpId="0"/>
       <p:bldP spid="24" grpId="0"/>
@@ -19130,6 +19299,21 @@
 </file>
 
 <file path=customXml/item1.xml><?xml version="1.0" encoding="utf-8"?>
+<p:properties xmlns:p="http://schemas.microsoft.com/office/2006/metadata/properties" xmlns:xsi="http://www.w3.org/2001/XMLSchema-instance">
+  <documentManagement/>
+</p:properties>
+</file>
+
+<file path=customXml/item2.xml><?xml version="1.0" encoding="utf-8"?>
+<?mso-contentType ?>
+<FormTemplates xmlns="http://schemas.microsoft.com/sharepoint/v3/contenttype/forms">
+  <Display>DocumentLibraryForm</Display>
+  <Edit>DocumentLibraryForm</Edit>
+  <New>DocumentLibraryForm</New>
+</FormTemplates>
+</file>
+
+<file path=customXml/item3.xml><?xml version="1.0" encoding="utf-8"?>
 <?mso-contentType ?>
 <rca:RCAuthoringProperties xmlns:rca="urn:sharePointPublishingRcaProperties">
   <rca:Converter rca:guid="6dfdc5b4-2a28-4a06-b0c6-ad3901e3a807">
@@ -19145,21 +19329,6 @@
     <rca:property rca:type="ConverterSpecificSettings"/>
   </rca:Converter>
 </rca:RCAuthoringProperties>
-</file>
-
-<file path=customXml/item2.xml><?xml version="1.0" encoding="utf-8"?>
-<?mso-contentType ?>
-<FormTemplates xmlns="http://schemas.microsoft.com/sharepoint/v3/contenttype/forms">
-  <Display>DocumentLibraryForm</Display>
-  <Edit>DocumentLibraryForm</Edit>
-  <New>DocumentLibraryForm</New>
-</FormTemplates>
-</file>
-
-<file path=customXml/item3.xml><?xml version="1.0" encoding="utf-8"?>
-<p:properties xmlns:p="http://schemas.microsoft.com/office/2006/metadata/properties" xmlns:xsi="http://www.w3.org/2001/XMLSchema-instance">
-  <documentManagement/>
-</p:properties>
 </file>
 
 <file path=customXml/item4.xml><?xml version="1.0" encoding="utf-8"?>
@@ -19212,9 +19381,15 @@
 </file>
 
 <file path=customXml/itemProps1.xml><?xml version="1.0" encoding="utf-8"?>
-<ds:datastoreItem xmlns:ds="http://schemas.openxmlformats.org/officeDocument/2006/customXml" ds:itemID="{37DE6E84-255A-45E8-8353-BCD6A4998E02}">
+<ds:datastoreItem xmlns:ds="http://schemas.openxmlformats.org/officeDocument/2006/customXml" ds:itemID="{BDEC00FF-5F1B-415D-9C89-173832172D95}">
   <ds:schemaRefs>
-    <ds:schemaRef ds:uri="urn:sharePointPublishingRcaProperties"/>
+    <ds:schemaRef ds:uri="http://schemas.microsoft.com/office/2006/metadata/properties"/>
+    <ds:schemaRef ds:uri="http://schemas.openxmlformats.org/package/2006/metadata/core-properties"/>
+    <ds:schemaRef ds:uri="http://schemas.microsoft.com/office/2006/documentManagement/types"/>
+    <ds:schemaRef ds:uri="http://purl.org/dc/elements/1.1/"/>
+    <ds:schemaRef ds:uri="http://purl.org/dc/dcmitype/"/>
+    <ds:schemaRef ds:uri="http://purl.org/dc/terms/"/>
+    <ds:schemaRef ds:uri="http://www.w3.org/XML/1998/namespace"/>
   </ds:schemaRefs>
 </ds:datastoreItem>
 </file>
@@ -19228,15 +19403,9 @@
 </file>
 
 <file path=customXml/itemProps3.xml><?xml version="1.0" encoding="utf-8"?>
-<ds:datastoreItem xmlns:ds="http://schemas.openxmlformats.org/officeDocument/2006/customXml" ds:itemID="{BDEC00FF-5F1B-415D-9C89-173832172D95}">
+<ds:datastoreItem xmlns:ds="http://schemas.openxmlformats.org/officeDocument/2006/customXml" ds:itemID="{37DE6E84-255A-45E8-8353-BCD6A4998E02}">
   <ds:schemaRefs>
-    <ds:schemaRef ds:uri="http://schemas.microsoft.com/office/2006/metadata/properties"/>
-    <ds:schemaRef ds:uri="http://schemas.openxmlformats.org/package/2006/metadata/core-properties"/>
-    <ds:schemaRef ds:uri="http://schemas.microsoft.com/office/2006/documentManagement/types"/>
-    <ds:schemaRef ds:uri="http://purl.org/dc/elements/1.1/"/>
-    <ds:schemaRef ds:uri="http://purl.org/dc/dcmitype/"/>
-    <ds:schemaRef ds:uri="http://purl.org/dc/terms/"/>
-    <ds:schemaRef ds:uri="http://www.w3.org/XML/1998/namespace"/>
+    <ds:schemaRef ds:uri="urn:sharePointPublishingRcaProperties"/>
   </ds:schemaRefs>
 </ds:datastoreItem>
 </file>

--- a/presentation/Building Node.js Applications on Windows Azure.pptx
+++ b/presentation/Building Node.js Applications on Windows Azure.pptx
@@ -7,29 +7,31 @@
     <p:sldMasterId id="2147483681" r:id="rId7"/>
   </p:sldMasterIdLst>
   <p:notesMasterIdLst>
-    <p:notesMasterId r:id="rId25"/>
+    <p:notesMasterId r:id="rId27"/>
   </p:notesMasterIdLst>
   <p:handoutMasterIdLst>
-    <p:handoutMasterId r:id="rId26"/>
+    <p:handoutMasterId r:id="rId28"/>
   </p:handoutMasterIdLst>
   <p:sldIdLst>
     <p:sldId id="256" r:id="rId8"/>
     <p:sldId id="257" r:id="rId9"/>
     <p:sldId id="258" r:id="rId10"/>
-    <p:sldId id="280" r:id="rId11"/>
-    <p:sldId id="260" r:id="rId12"/>
+    <p:sldId id="260" r:id="rId11"/>
+    <p:sldId id="280" r:id="rId12"/>
     <p:sldId id="279" r:id="rId13"/>
     <p:sldId id="277" r:id="rId14"/>
     <p:sldId id="278" r:id="rId15"/>
     <p:sldId id="270" r:id="rId16"/>
-    <p:sldId id="271" r:id="rId17"/>
-    <p:sldId id="272" r:id="rId18"/>
-    <p:sldId id="273" r:id="rId19"/>
-    <p:sldId id="259" r:id="rId20"/>
-    <p:sldId id="276" r:id="rId21"/>
-    <p:sldId id="275" r:id="rId22"/>
-    <p:sldId id="274" r:id="rId23"/>
-    <p:sldId id="269" r:id="rId24"/>
+    <p:sldId id="281" r:id="rId17"/>
+    <p:sldId id="271" r:id="rId18"/>
+    <p:sldId id="282" r:id="rId19"/>
+    <p:sldId id="273" r:id="rId20"/>
+    <p:sldId id="259" r:id="rId21"/>
+    <p:sldId id="272" r:id="rId22"/>
+    <p:sldId id="276" r:id="rId23"/>
+    <p:sldId id="275" r:id="rId24"/>
+    <p:sldId id="274" r:id="rId25"/>
+    <p:sldId id="269" r:id="rId26"/>
   </p:sldIdLst>
   <p:sldSz cx="9144000" cy="6858000" type="screen4x3"/>
   <p:notesSz cx="7099300" cy="10234613"/>
@@ -2878,7 +2880,7 @@
             <a:fld id="{7785875F-706E-40BB-864A-2D06F0E4670E}" type="datetimeFigureOut">
               <a:rPr lang="en-AU" smtClean="0"/>
               <a:pPr/>
-              <a:t>6/03/2012</a:t>
+              <a:t>7/03/2012</a:t>
             </a:fld>
             <a:endParaRPr lang="en-AU" dirty="0"/>
           </a:p>
@@ -3045,7 +3047,7 @@
             <a:fld id="{7DDF49B5-0C03-42A4-A086-8D97D52D2493}" type="datetimeFigureOut">
               <a:rPr lang="en-AU" smtClean="0"/>
               <a:pPr/>
-              <a:t>6/03/2012</a:t>
+              <a:t>7/03/2012</a:t>
             </a:fld>
             <a:endParaRPr lang="en-AU" dirty="0"/>
           </a:p>
@@ -5547,7 +5549,7 @@
             <a:fld id="{CA10310C-7EC1-470A-8BF5-D51EF2D864BA}" type="datetimeFigureOut">
               <a:rPr lang="en-AU" smtClean="0"/>
               <a:pPr/>
-              <a:t>6/03/2012</a:t>
+              <a:t>7/03/2012</a:t>
             </a:fld>
             <a:endParaRPr lang="en-AU"/>
           </a:p>
@@ -5714,7 +5716,7 @@
             <a:fld id="{CA10310C-7EC1-470A-8BF5-D51EF2D864BA}" type="datetimeFigureOut">
               <a:rPr lang="en-AU" smtClean="0"/>
               <a:pPr/>
-              <a:t>6/03/2012</a:t>
+              <a:t>7/03/2012</a:t>
             </a:fld>
             <a:endParaRPr lang="en-AU"/>
           </a:p>
@@ -5957,7 +5959,7 @@
             <a:fld id="{CA10310C-7EC1-470A-8BF5-D51EF2D864BA}" type="datetimeFigureOut">
               <a:rPr lang="en-AU" smtClean="0"/>
               <a:pPr/>
-              <a:t>6/03/2012</a:t>
+              <a:t>7/03/2012</a:t>
             </a:fld>
             <a:endParaRPr lang="en-AU"/>
           </a:p>
@@ -6242,7 +6244,7 @@
             <a:fld id="{CA10310C-7EC1-470A-8BF5-D51EF2D864BA}" type="datetimeFigureOut">
               <a:rPr lang="en-AU" smtClean="0"/>
               <a:pPr/>
-              <a:t>6/03/2012</a:t>
+              <a:t>7/03/2012</a:t>
             </a:fld>
             <a:endParaRPr lang="en-AU"/>
           </a:p>
@@ -6661,7 +6663,7 @@
             <a:fld id="{CA10310C-7EC1-470A-8BF5-D51EF2D864BA}" type="datetimeFigureOut">
               <a:rPr lang="en-AU" smtClean="0"/>
               <a:pPr/>
-              <a:t>6/03/2012</a:t>
+              <a:t>7/03/2012</a:t>
             </a:fld>
             <a:endParaRPr lang="en-AU"/>
           </a:p>
@@ -6776,7 +6778,7 @@
             <a:fld id="{CA10310C-7EC1-470A-8BF5-D51EF2D864BA}" type="datetimeFigureOut">
               <a:rPr lang="en-AU" smtClean="0"/>
               <a:pPr/>
-              <a:t>6/03/2012</a:t>
+              <a:t>7/03/2012</a:t>
             </a:fld>
             <a:endParaRPr lang="en-AU"/>
           </a:p>
@@ -6868,7 +6870,7 @@
             <a:fld id="{CA10310C-7EC1-470A-8BF5-D51EF2D864BA}" type="datetimeFigureOut">
               <a:rPr lang="en-AU" smtClean="0"/>
               <a:pPr/>
-              <a:t>6/03/2012</a:t>
+              <a:t>7/03/2012</a:t>
             </a:fld>
             <a:endParaRPr lang="en-AU"/>
           </a:p>
@@ -7142,7 +7144,7 @@
             <a:fld id="{CA10310C-7EC1-470A-8BF5-D51EF2D864BA}" type="datetimeFigureOut">
               <a:rPr lang="en-AU" smtClean="0"/>
               <a:pPr/>
-              <a:t>6/03/2012</a:t>
+              <a:t>7/03/2012</a:t>
             </a:fld>
             <a:endParaRPr lang="en-AU"/>
           </a:p>
@@ -7392,7 +7394,7 @@
             <a:fld id="{CA10310C-7EC1-470A-8BF5-D51EF2D864BA}" type="datetimeFigureOut">
               <a:rPr lang="en-AU" smtClean="0"/>
               <a:pPr/>
-              <a:t>6/03/2012</a:t>
+              <a:t>7/03/2012</a:t>
             </a:fld>
             <a:endParaRPr lang="en-AU"/>
           </a:p>
@@ -7559,7 +7561,7 @@
             <a:fld id="{CA10310C-7EC1-470A-8BF5-D51EF2D864BA}" type="datetimeFigureOut">
               <a:rPr lang="en-AU" smtClean="0"/>
               <a:pPr/>
-              <a:t>6/03/2012</a:t>
+              <a:t>7/03/2012</a:t>
             </a:fld>
             <a:endParaRPr lang="en-AU"/>
           </a:p>
@@ -7845,7 +7847,7 @@
             <a:fld id="{CA10310C-7EC1-470A-8BF5-D51EF2D864BA}" type="datetimeFigureOut">
               <a:rPr lang="en-AU" smtClean="0"/>
               <a:pPr/>
-              <a:t>6/03/2012</a:t>
+              <a:t>7/03/2012</a:t>
             </a:fld>
             <a:endParaRPr lang="en-AU"/>
           </a:p>
@@ -8084,7 +8086,7 @@
             <a:fld id="{85CE8AA0-9735-4FA2-95DD-391EE93AFE89}" type="datetimeFigureOut">
               <a:rPr lang="en-AU" smtClean="0"/>
               <a:pPr/>
-              <a:t>6/03/2012</a:t>
+              <a:t>7/03/2012</a:t>
             </a:fld>
             <a:endParaRPr lang="en-AU"/>
           </a:p>
@@ -8251,7 +8253,7 @@
             <a:fld id="{85CE8AA0-9735-4FA2-95DD-391EE93AFE89}" type="datetimeFigureOut">
               <a:rPr lang="en-AU" smtClean="0"/>
               <a:pPr/>
-              <a:t>6/03/2012</a:t>
+              <a:t>7/03/2012</a:t>
             </a:fld>
             <a:endParaRPr lang="en-AU"/>
           </a:p>
@@ -8494,7 +8496,7 @@
             <a:fld id="{85CE8AA0-9735-4FA2-95DD-391EE93AFE89}" type="datetimeFigureOut">
               <a:rPr lang="en-AU" smtClean="0"/>
               <a:pPr/>
-              <a:t>6/03/2012</a:t>
+              <a:t>7/03/2012</a:t>
             </a:fld>
             <a:endParaRPr lang="en-AU"/>
           </a:p>
@@ -8779,7 +8781,7 @@
             <a:fld id="{85CE8AA0-9735-4FA2-95DD-391EE93AFE89}" type="datetimeFigureOut">
               <a:rPr lang="en-AU" smtClean="0"/>
               <a:pPr/>
-              <a:t>6/03/2012</a:t>
+              <a:t>7/03/2012</a:t>
             </a:fld>
             <a:endParaRPr lang="en-AU"/>
           </a:p>
@@ -9198,7 +9200,7 @@
             <a:fld id="{85CE8AA0-9735-4FA2-95DD-391EE93AFE89}" type="datetimeFigureOut">
               <a:rPr lang="en-AU" smtClean="0"/>
               <a:pPr/>
-              <a:t>6/03/2012</a:t>
+              <a:t>7/03/2012</a:t>
             </a:fld>
             <a:endParaRPr lang="en-AU"/>
           </a:p>
@@ -9313,7 +9315,7 @@
             <a:fld id="{85CE8AA0-9735-4FA2-95DD-391EE93AFE89}" type="datetimeFigureOut">
               <a:rPr lang="en-AU" smtClean="0"/>
               <a:pPr/>
-              <a:t>6/03/2012</a:t>
+              <a:t>7/03/2012</a:t>
             </a:fld>
             <a:endParaRPr lang="en-AU"/>
           </a:p>
@@ -9405,7 +9407,7 @@
             <a:fld id="{85CE8AA0-9735-4FA2-95DD-391EE93AFE89}" type="datetimeFigureOut">
               <a:rPr lang="en-AU" smtClean="0"/>
               <a:pPr/>
-              <a:t>6/03/2012</a:t>
+              <a:t>7/03/2012</a:t>
             </a:fld>
             <a:endParaRPr lang="en-AU"/>
           </a:p>
@@ -9679,7 +9681,7 @@
             <a:fld id="{85CE8AA0-9735-4FA2-95DD-391EE93AFE89}" type="datetimeFigureOut">
               <a:rPr lang="en-AU" smtClean="0"/>
               <a:pPr/>
-              <a:t>6/03/2012</a:t>
+              <a:t>7/03/2012</a:t>
             </a:fld>
             <a:endParaRPr lang="en-AU"/>
           </a:p>
@@ -9929,7 +9931,7 @@
             <a:fld id="{85CE8AA0-9735-4FA2-95DD-391EE93AFE89}" type="datetimeFigureOut">
               <a:rPr lang="en-AU" smtClean="0"/>
               <a:pPr/>
-              <a:t>6/03/2012</a:t>
+              <a:t>7/03/2012</a:t>
             </a:fld>
             <a:endParaRPr lang="en-AU"/>
           </a:p>
@@ -10205,7 +10207,7 @@
             <a:fld id="{85CE8AA0-9735-4FA2-95DD-391EE93AFE89}" type="datetimeFigureOut">
               <a:rPr lang="en-AU" smtClean="0"/>
               <a:pPr/>
-              <a:t>6/03/2012</a:t>
+              <a:t>7/03/2012</a:t>
             </a:fld>
             <a:endParaRPr lang="en-AU"/>
           </a:p>
@@ -10382,7 +10384,7 @@
             <a:fld id="{85CE8AA0-9735-4FA2-95DD-391EE93AFE89}" type="datetimeFigureOut">
               <a:rPr lang="en-AU" smtClean="0"/>
               <a:pPr/>
-              <a:t>6/03/2012</a:t>
+              <a:t>7/03/2012</a:t>
             </a:fld>
             <a:endParaRPr lang="en-AU"/>
           </a:p>
@@ -10497,7 +10499,7 @@
             <a:fld id="{85CE8AA0-9735-4FA2-95DD-391EE93AFE89}" type="datetimeFigureOut">
               <a:rPr lang="en-AU" smtClean="0"/>
               <a:pPr/>
-              <a:t>6/03/2012</a:t>
+              <a:t>7/03/2012</a:t>
             </a:fld>
             <a:endParaRPr lang="en-AU"/>
           </a:p>
@@ -11585,7 +11587,7 @@
             <a:fld id="{CA10310C-7EC1-470A-8BF5-D51EF2D864BA}" type="datetimeFigureOut">
               <a:rPr lang="en-AU" smtClean="0"/>
               <a:pPr/>
-              <a:t>6/03/2012</a:t>
+              <a:t>7/03/2012</a:t>
             </a:fld>
             <a:endParaRPr lang="en-AU"/>
           </a:p>
@@ -12095,7 +12097,7 @@
             <a:fld id="{85CE8AA0-9735-4FA2-95DD-391EE93AFE89}" type="datetimeFigureOut">
               <a:rPr lang="en-AU" smtClean="0"/>
               <a:pPr/>
-              <a:t>6/03/2012</a:t>
+              <a:t>7/03/2012</a:t>
             </a:fld>
             <a:endParaRPr lang="en-AU"/>
           </a:p>
@@ -12723,12 +12725,12 @@
       </p:grpSpPr>
       <p:sp>
         <p:nvSpPr>
-          <p:cNvPr id="2" name="Title 1"/>
-          <p:cNvSpPr>
-            <a:spLocks noGrp="1"/>
-          </p:cNvSpPr>
-          <p:nvPr>
-            <p:ph type="title"/>
+          <p:cNvPr id="6" name="Title 5"/>
+          <p:cNvSpPr>
+            <a:spLocks noGrp="1"/>
+          </p:cNvSpPr>
+          <p:nvPr>
+            <p:ph type="ctrTitle"/>
           </p:nvPr>
         </p:nvSpPr>
         <p:spPr/>
@@ -12738,59 +12740,73 @@
           <a:p>
             <a:r>
               <a:rPr lang="en-AU" dirty="0" smtClean="0"/>
-              <a:t>Why JavaScript?</a:t>
+              <a:t>Demo : build a http webserver in 5 lines of code</a:t>
             </a:r>
             <a:endParaRPr lang="en-AU" dirty="0"/>
           </a:p>
         </p:txBody>
       </p:sp>
-      <p:sp>
-        <p:nvSpPr>
-          <p:cNvPr id="3" name="Text Placeholder 2"/>
-          <p:cNvSpPr>
-            <a:spLocks noGrp="1"/>
-          </p:cNvSpPr>
-          <p:nvPr>
-            <p:ph type="body" sz="quarter" idx="10"/>
-          </p:nvPr>
-        </p:nvSpPr>
-        <p:spPr/>
-        <p:txBody>
-          <a:bodyPr/>
-          <a:lstStyle/>
-          <a:p>
-            <a:r>
-              <a:rPr lang="en-AU" dirty="0" smtClean="0"/>
-              <a:t>Include fact that functions are first class objects !</a:t>
-            </a:r>
-          </a:p>
-          <a:p>
-            <a:endParaRPr lang="en-AU" dirty="0"/>
-          </a:p>
-          <a:p>
-            <a:r>
-              <a:rPr lang="en-AU" dirty="0">
-                <a:hlinkClick r:id="rId2"/>
-              </a:rPr>
-              <a:t>http://</a:t>
-            </a:r>
-            <a:r>
-              <a:rPr lang="en-AU" dirty="0" smtClean="0">
-                <a:hlinkClick r:id="rId2"/>
-              </a:rPr>
-              <a:t>nodetuts.com/pdf/handson-nodejs-sample.pdf</a:t>
-            </a:r>
-            <a:endParaRPr lang="en-AU" dirty="0" smtClean="0"/>
-          </a:p>
-          <a:p>
-            <a:endParaRPr lang="en-AU" dirty="0"/>
-          </a:p>
-        </p:txBody>
-      </p:sp>
+      <p:graphicFrame>
+        <p:nvGraphicFramePr>
+          <p:cNvPr id="2" name="Object 1"/>
+          <p:cNvGraphicFramePr>
+            <a:graphicFrameLocks noChangeAspect="1"/>
+          </p:cNvGraphicFramePr>
+          <p:nvPr>
+            <p:extLst>
+              <p:ext uri="{D42A27DB-BD31-4B8C-83A1-F6EECF244321}">
+                <p14:modId xmlns:p14="http://schemas.microsoft.com/office/powerpoint/2010/main" val="3394928342"/>
+              </p:ext>
+            </p:extLst>
+          </p:nvPr>
+        </p:nvGraphicFramePr>
+        <p:xfrm>
+          <a:off x="179512" y="5661248"/>
+          <a:ext cx="914400" cy="771525"/>
+        </p:xfrm>
+        <a:graphic>
+          <a:graphicData uri="http://schemas.openxmlformats.org/presentationml/2006/ole">
+            <mc:AlternateContent xmlns:mc="http://schemas.openxmlformats.org/markup-compatibility/2006">
+              <mc:Choice xmlns:v="urn:schemas-microsoft-com:vml" Requires="v">
+                <p:oleObj spid="_x0000_s1029" name="Packager Shell Object" showAsIcon="1" r:id="rId3" imgW="914400" imgH="771480" progId="Package">
+                  <p:embed/>
+                </p:oleObj>
+              </mc:Choice>
+              <mc:Fallback>
+                <p:oleObj name="Packager Shell Object" showAsIcon="1" r:id="rId3" imgW="914400" imgH="771480" progId="Package">
+                  <p:embed/>
+                  <p:pic>
+                    <p:nvPicPr>
+                      <p:cNvPr id="0" name=""/>
+                      <p:cNvPicPr/>
+                      <p:nvPr/>
+                    </p:nvPicPr>
+                    <p:blipFill>
+                      <a:blip r:embed="rId4"/>
+                      <a:stretch>
+                        <a:fillRect/>
+                      </a:stretch>
+                    </p:blipFill>
+                    <p:spPr>
+                      <a:xfrm>
+                        <a:off x="179512" y="5661248"/>
+                        <a:ext cx="914400" cy="771525"/>
+                      </a:xfrm>
+                      <a:prstGeom prst="rect">
+                        <a:avLst/>
+                      </a:prstGeom>
+                    </p:spPr>
+                  </p:pic>
+                </p:oleObj>
+              </mc:Fallback>
+            </mc:AlternateContent>
+          </a:graphicData>
+        </a:graphic>
+      </p:graphicFrame>
     </p:spTree>
     <p:extLst>
       <p:ext uri="{BB962C8B-B14F-4D97-AF65-F5344CB8AC3E}">
-        <p14:creationId xmlns:p14="http://schemas.microsoft.com/office/powerpoint/2010/main" val="3422043080"/>
+        <p14:creationId xmlns:p14="http://schemas.microsoft.com/office/powerpoint/2010/main" val="2085360775"/>
       </p:ext>
     </p:extLst>
   </p:cSld>
@@ -12844,7 +12860,7 @@
           <a:p>
             <a:r>
               <a:rPr lang="en-AU" dirty="0" smtClean="0"/>
-              <a:t>NPM  node package manger</a:t>
+              <a:t>Node Package Manager</a:t>
             </a:r>
             <a:endParaRPr lang="en-AU" dirty="0"/>
           </a:p>
@@ -12867,80 +12883,130 @@
           <a:p>
             <a:r>
               <a:rPr lang="en-AU" dirty="0" smtClean="0"/>
-              <a:t>JavaScript  closures run on different threads from event loop</a:t>
+              <a:t>NPM registry contains over 8000 free open source packages</a:t>
             </a:r>
           </a:p>
           <a:p>
             <a:r>
               <a:rPr lang="en-AU" dirty="0" smtClean="0"/>
-              <a:t>Mention </a:t>
-            </a:r>
-            <a:r>
-              <a:rPr lang="en-AU" dirty="0" err="1" smtClean="0"/>
-              <a:t>joyet</a:t>
+              <a:t>Easy to install </a:t>
+            </a:r>
+            <a:r>
+              <a:rPr lang="en-AU" dirty="0"/>
+              <a:t>from </a:t>
             </a:r>
             <a:r>
               <a:rPr lang="en-AU" dirty="0" smtClean="0"/>
-              <a:t> and Ryan ?</a:t>
-            </a:r>
+              <a:t>command </a:t>
+            </a:r>
+            <a:r>
+              <a:rPr lang="en-AU" dirty="0"/>
+              <a:t>line </a:t>
+            </a:r>
+            <a:endParaRPr lang="en-AU" dirty="0" smtClean="0"/>
           </a:p>
           <a:p>
             <a:r>
               <a:rPr lang="en-AU" dirty="0" smtClean="0"/>
-              <a:t>Only uses 1 core .. Need to run Cluster ?? To  get  multi core </a:t>
-            </a:r>
-            <a:r>
-              <a:rPr lang="en-AU" dirty="0"/>
-              <a:t> </a:t>
-            </a:r>
+              <a:t>Not all packages are cross platform (some target O/S specific features)</a:t>
+            </a:r>
+          </a:p>
+          <a:p>
             <a:r>
               <a:rPr lang="en-AU" dirty="0" smtClean="0"/>
-              <a:t>and then there is no inter process </a:t>
-            </a:r>
-            <a:r>
-              <a:rPr lang="en-AU" dirty="0" err="1" smtClean="0"/>
-              <a:t>comms</a:t>
-            </a:r>
-            <a:endParaRPr lang="en-AU" dirty="0" smtClean="0"/>
-          </a:p>
-          <a:p>
+              <a:t>Beware of </a:t>
+            </a:r>
+            <a:r>
+              <a:rPr lang="en-AU" b="1" dirty="0" smtClean="0"/>
+              <a:t>dependency hell !</a:t>
+            </a:r>
+            <a:endParaRPr lang="en-AU" b="1" dirty="0"/>
+          </a:p>
+          <a:p>
+            <a:pPr marL="0" indent="0">
+              <a:buNone/>
+            </a:pPr>
+            <a:endParaRPr lang="en-AU" dirty="0"/>
+          </a:p>
+          <a:p>
+            <a:pPr marL="0" indent="0">
+              <a:buNone/>
+            </a:pPr>
             <a:r>
               <a:rPr lang="en-AU" dirty="0" smtClean="0"/>
-              <a:t>Like no </a:t>
-            </a:r>
-            <a:r>
-              <a:rPr lang="en-AU" dirty="0" err="1" smtClean="0"/>
-              <a:t>sql</a:t>
-            </a:r>
-            <a:r>
-              <a:rPr lang="en-AU" dirty="0" smtClean="0"/>
-              <a:t> </a:t>
-            </a:r>
-            <a:r>
-              <a:rPr lang="en-AU" dirty="0" err="1" smtClean="0"/>
-              <a:t>ovement</a:t>
-            </a:r>
-            <a:r>
-              <a:rPr lang="en-AU" dirty="0" smtClean="0"/>
-              <a:t> for </a:t>
-            </a:r>
-            <a:r>
-              <a:rPr lang="en-AU" smtClean="0"/>
-              <a:t>web servers…</a:t>
-            </a:r>
-          </a:p>
-          <a:p>
-            <a:endParaRPr lang="en-AU" dirty="0" smtClean="0"/>
-          </a:p>
-          <a:p>
-            <a:endParaRPr lang="en-AU" dirty="0"/>
-          </a:p>
-        </p:txBody>
-      </p:sp>
+              <a:t>&lt;&lt;maybe list some of the most useful ones&gt;&gt;</a:t>
+            </a:r>
+          </a:p>
+        </p:txBody>
+      </p:sp>
+      <p:pic>
+        <p:nvPicPr>
+          <p:cNvPr id="2050" name="Picture 2"/>
+          <p:cNvPicPr>
+            <a:picLocks noChangeAspect="1" noChangeArrowheads="1"/>
+          </p:cNvPicPr>
+          <p:nvPr/>
+        </p:nvPicPr>
+        <p:blipFill>
+          <a:blip r:embed="rId2" cstate="print">
+            <a:extLst>
+              <a:ext uri="{28A0092B-C50C-407E-A947-70E740481C1C}">
+                <a14:useLocalDpi xmlns:a14="http://schemas.microsoft.com/office/drawing/2010/main" val="0"/>
+              </a:ext>
+            </a:extLst>
+          </a:blip>
+          <a:srcRect/>
+          <a:stretch>
+            <a:fillRect/>
+          </a:stretch>
+        </p:blipFill>
+        <p:spPr bwMode="auto">
+          <a:xfrm>
+            <a:off x="4442747" y="3308603"/>
+            <a:ext cx="576064" cy="520762"/>
+          </a:xfrm>
+          <a:prstGeom prst="rect">
+            <a:avLst/>
+          </a:prstGeom>
+          <a:noFill/>
+          <a:ln>
+            <a:noFill/>
+          </a:ln>
+          <a:effectLst/>
+          <a:extLst>
+            <a:ext uri="{909E8E84-426E-40DD-AFC4-6F175D3DCCD1}">
+              <a14:hiddenFill xmlns:a14="http://schemas.microsoft.com/office/drawing/2010/main">
+                <a:solidFill>
+                  <a:schemeClr val="accent1"/>
+                </a:solidFill>
+              </a14:hiddenFill>
+            </a:ext>
+            <a:ext uri="{91240B29-F687-4F45-9708-019B960494DF}">
+              <a14:hiddenLine xmlns:a14="http://schemas.microsoft.com/office/drawing/2010/main" w="9525">
+                <a:solidFill>
+                  <a:schemeClr val="tx1"/>
+                </a:solidFill>
+                <a:miter lim="800000"/>
+                <a:headEnd/>
+                <a:tailEnd/>
+              </a14:hiddenLine>
+            </a:ext>
+            <a:ext uri="{AF507438-7753-43E0-B8FC-AC1667EBCBE1}">
+              <a14:hiddenEffects xmlns:a14="http://schemas.microsoft.com/office/drawing/2010/main">
+                <a:effectLst>
+                  <a:outerShdw dist="35921" dir="2700000" algn="ctr" rotWithShape="0">
+                    <a:schemeClr val="bg2"/>
+                  </a:outerShdw>
+                </a:effectLst>
+              </a14:hiddenEffects>
+            </a:ext>
+          </a:extLst>
+        </p:spPr>
+      </p:pic>
     </p:spTree>
     <p:extLst>
       <p:ext uri="{BB962C8B-B14F-4D97-AF65-F5344CB8AC3E}">
-        <p14:creationId xmlns:p14="http://schemas.microsoft.com/office/powerpoint/2010/main" val="1050928964"/>
+        <p14:creationId xmlns:p14="http://schemas.microsoft.com/office/powerpoint/2010/main" val="3422043080"/>
       </p:ext>
     </p:extLst>
   </p:cSld>
@@ -12994,7 +13060,7 @@
           <a:p>
             <a:r>
               <a:rPr lang="en-AU" dirty="0" smtClean="0"/>
-              <a:t>When should I use it?	</a:t>
+              <a:t>Windows Azure SDK for Node.js</a:t>
             </a:r>
             <a:endParaRPr lang="en-AU" dirty="0"/>
           </a:p>
@@ -13017,40 +13083,45 @@
           <a:p>
             <a:r>
               <a:rPr lang="en-AU" dirty="0" smtClean="0"/>
-              <a:t>Chat/Messaging Apps</a:t>
-            </a:r>
-          </a:p>
-          <a:p>
+              <a:t>Node.js</a:t>
+            </a:r>
+            <a:endParaRPr lang="en-AU" dirty="0"/>
+          </a:p>
+          <a:p>
+            <a:r>
+              <a:rPr lang="en-AU" dirty="0" err="1"/>
+              <a:t>IISNode</a:t>
+            </a:r>
+            <a:endParaRPr lang="en-AU" dirty="0"/>
+          </a:p>
+          <a:p>
+            <a:r>
+              <a:rPr lang="en-AU" dirty="0"/>
+              <a:t>NPM for Windows</a:t>
+            </a:r>
+          </a:p>
+          <a:p>
+            <a:r>
+              <a:rPr lang="en-AU" dirty="0"/>
+              <a:t>Windows Azure </a:t>
+            </a:r>
             <a:r>
               <a:rPr lang="en-AU" dirty="0" smtClean="0"/>
-              <a:t>Real time Apps ( stocks / ticker tape)</a:t>
-            </a:r>
+              <a:t>Emulators &amp; Authoring Components</a:t>
+            </a:r>
+            <a:endParaRPr lang="en-AU" dirty="0"/>
           </a:p>
           <a:p>
             <a:r>
               <a:rPr lang="en-AU" dirty="0" smtClean="0"/>
-              <a:t>Highly Concurrent apps</a:t>
-            </a:r>
-          </a:p>
-          <a:p>
-            <a:r>
-              <a:rPr lang="en-AU" dirty="0" smtClean="0"/>
-              <a:t>Single page apps with lots of asynchronous calls (Gmail </a:t>
-            </a:r>
-            <a:r>
-              <a:rPr lang="en-AU" dirty="0" err="1" smtClean="0"/>
-              <a:t>etc</a:t>
-            </a:r>
-            <a:r>
-              <a:rPr lang="en-AU" dirty="0" smtClean="0"/>
-              <a:t>)</a:t>
-            </a:r>
-          </a:p>
-          <a:p>
-            <a:r>
-              <a:rPr lang="en-AU" dirty="0" smtClean="0"/>
-              <a:t>Serving lots of dynamic content</a:t>
-            </a:r>
+              <a:t>Windows </a:t>
+            </a:r>
+            <a:r>
+              <a:rPr lang="en-AU" dirty="0"/>
+              <a:t>Azure PowerShell for Node.js</a:t>
+            </a:r>
+          </a:p>
+          <a:p>
             <a:endParaRPr lang="en-AU" dirty="0"/>
           </a:p>
         </p:txBody>
@@ -13058,7 +13129,7 @@
     </p:spTree>
     <p:extLst>
       <p:ext uri="{BB962C8B-B14F-4D97-AF65-F5344CB8AC3E}">
-        <p14:creationId xmlns:p14="http://schemas.microsoft.com/office/powerpoint/2010/main" val="830066254"/>
+        <p14:creationId xmlns:p14="http://schemas.microsoft.com/office/powerpoint/2010/main" val="197175680"/>
       </p:ext>
     </p:extLst>
   </p:cSld>
@@ -13068,13 +13139,6 @@
   <p:transition>
     <p:fade thruBlk="1"/>
   </p:transition>
-  <p:timing>
-    <p:tnLst>
-      <p:par>
-        <p:cTn id="1" dur="indefinite" restart="never" nodeType="tmRoot"/>
-      </p:par>
-    </p:tnLst>
-  </p:timing>
 </p:sld>
 </file>
 
@@ -13097,12 +13161,12 @@
       </p:grpSpPr>
       <p:sp>
         <p:nvSpPr>
-          <p:cNvPr id="3" name="Text Placeholder 2"/>
-          <p:cNvSpPr>
-            <a:spLocks noGrp="1"/>
-          </p:cNvSpPr>
-          <p:nvPr>
-            <p:ph type="body" sz="quarter" idx="10"/>
+          <p:cNvPr id="2" name="Title 1"/>
+          <p:cNvSpPr>
+            <a:spLocks noGrp="1"/>
+          </p:cNvSpPr>
+          <p:nvPr>
+            <p:ph type="title"/>
           </p:nvPr>
         </p:nvSpPr>
         <p:spPr/>
@@ -13110,76 +13174,73 @@
           <a:bodyPr/>
           <a:lstStyle/>
           <a:p>
-            <a:pPr marL="0" indent="0">
-              <a:buNone/>
-            </a:pPr>
-            <a:r>
-              <a:rPr lang="en-AU" sz="3200" dirty="0" smtClean="0"/>
-              <a:t>Thanks for listening!</a:t>
-            </a:r>
-          </a:p>
-          <a:p>
-            <a:pPr marL="0" indent="0">
-              <a:buNone/>
-            </a:pPr>
-            <a:endParaRPr lang="en-AU" sz="3200" dirty="0" smtClean="0"/>
-          </a:p>
-          <a:p>
-            <a:pPr marL="0" indent="0">
-              <a:buNone/>
-            </a:pPr>
-            <a:endParaRPr lang="en-AU" sz="3200" dirty="0"/>
-          </a:p>
-          <a:p>
-            <a:pPr marL="0" indent="0">
-              <a:buNone/>
-            </a:pPr>
-            <a:endParaRPr lang="en-AU" sz="3200" dirty="0" smtClean="0"/>
-          </a:p>
-          <a:p>
-            <a:pPr marL="0" indent="0">
-              <a:buNone/>
-            </a:pPr>
-            <a:endParaRPr lang="en-AU" sz="3200" dirty="0" smtClean="0"/>
-          </a:p>
-          <a:p>
-            <a:pPr marL="0" indent="0">
-              <a:buNone/>
-            </a:pPr>
-            <a:r>
-              <a:rPr lang="en-AU" sz="1600" dirty="0" smtClean="0"/>
-              <a:t>email 		aidancasey@gmail.com </a:t>
-            </a:r>
-            <a:endParaRPr lang="en-AU" sz="1600" dirty="0"/>
-          </a:p>
-          <a:p>
-            <a:pPr marL="0" indent="0">
-              <a:buNone/>
-            </a:pPr>
-            <a:r>
-              <a:rPr lang="en-AU" sz="1600" dirty="0"/>
-              <a:t>LinkedIn	</a:t>
-            </a:r>
-            <a:r>
-              <a:rPr lang="en-AU" sz="1600" dirty="0" smtClean="0"/>
-              <a:t>	http</a:t>
-            </a:r>
-            <a:r>
-              <a:rPr lang="en-AU" sz="1600" dirty="0"/>
-              <a:t>://</a:t>
-            </a:r>
-            <a:r>
-              <a:rPr lang="en-AU" sz="1600" dirty="0" smtClean="0"/>
-              <a:t>www.linkedin.com/pub/aidan-casey/2/a71/353</a:t>
-            </a:r>
-            <a:endParaRPr lang="en-AU" sz="1600" dirty="0"/>
+            <a:r>
+              <a:rPr lang="en-AU" dirty="0" smtClean="0"/>
+              <a:t>When should I use it?	</a:t>
+            </a:r>
+            <a:endParaRPr lang="en-AU" dirty="0"/>
+          </a:p>
+        </p:txBody>
+      </p:sp>
+      <p:sp>
+        <p:nvSpPr>
+          <p:cNvPr id="3" name="Text Placeholder 2"/>
+          <p:cNvSpPr>
+            <a:spLocks noGrp="1"/>
+          </p:cNvSpPr>
+          <p:nvPr>
+            <p:ph type="body" sz="quarter" idx="10"/>
+          </p:nvPr>
+        </p:nvSpPr>
+        <p:spPr/>
+        <p:txBody>
+          <a:bodyPr/>
+          <a:lstStyle/>
+          <a:p>
+            <a:r>
+              <a:rPr lang="en-AU" dirty="0" smtClean="0"/>
+              <a:t>Chat/Messaging Apps</a:t>
+            </a:r>
+          </a:p>
+          <a:p>
+            <a:r>
+              <a:rPr lang="en-AU" dirty="0" smtClean="0"/>
+              <a:t>Real time Apps ( stocks / ticker tape)</a:t>
+            </a:r>
+          </a:p>
+          <a:p>
+            <a:r>
+              <a:rPr lang="en-AU" dirty="0" smtClean="0"/>
+              <a:t>Highly Concurrent apps</a:t>
+            </a:r>
+          </a:p>
+          <a:p>
+            <a:r>
+              <a:rPr lang="en-AU" dirty="0" smtClean="0"/>
+              <a:t>Single page apps with lots of asynchronous calls (Gmail </a:t>
+            </a:r>
+            <a:r>
+              <a:rPr lang="en-AU" dirty="0" err="1" smtClean="0"/>
+              <a:t>etc</a:t>
+            </a:r>
+            <a:r>
+              <a:rPr lang="en-AU" dirty="0" smtClean="0"/>
+              <a:t>)</a:t>
+            </a:r>
+          </a:p>
+          <a:p>
+            <a:r>
+              <a:rPr lang="en-AU" dirty="0" smtClean="0"/>
+              <a:t>Serving lots of dynamic content</a:t>
+            </a:r>
+            <a:endParaRPr lang="en-AU" dirty="0"/>
           </a:p>
         </p:txBody>
       </p:sp>
     </p:spTree>
     <p:extLst>
       <p:ext uri="{BB962C8B-B14F-4D97-AF65-F5344CB8AC3E}">
-        <p14:creationId xmlns:p14="http://schemas.microsoft.com/office/powerpoint/2010/main" val="2340990883"/>
+        <p14:creationId xmlns:p14="http://schemas.microsoft.com/office/powerpoint/2010/main" val="830066254"/>
       </p:ext>
     </p:extLst>
   </p:cSld>
@@ -13218,12 +13279,12 @@
       </p:grpSpPr>
       <p:sp>
         <p:nvSpPr>
-          <p:cNvPr id="2" name="Title 1"/>
-          <p:cNvSpPr>
-            <a:spLocks noGrp="1"/>
-          </p:cNvSpPr>
-          <p:nvPr>
-            <p:ph type="title"/>
+          <p:cNvPr id="3" name="Text Placeholder 2"/>
+          <p:cNvSpPr>
+            <a:spLocks noGrp="1"/>
+          </p:cNvSpPr>
+          <p:nvPr>
+            <p:ph type="body" sz="quarter" idx="10"/>
           </p:nvPr>
         </p:nvSpPr>
         <p:spPr/>
@@ -13231,51 +13292,76 @@
           <a:bodyPr/>
           <a:lstStyle/>
           <a:p>
-            <a:r>
-              <a:rPr lang="en-AU" dirty="0" smtClean="0"/>
-              <a:t>Debugging	</a:t>
-            </a:r>
-            <a:endParaRPr lang="en-AU" dirty="0"/>
-          </a:p>
-        </p:txBody>
-      </p:sp>
-      <p:sp>
-        <p:nvSpPr>
-          <p:cNvPr id="3" name="Text Placeholder 2"/>
-          <p:cNvSpPr>
-            <a:spLocks noGrp="1"/>
-          </p:cNvSpPr>
-          <p:nvPr>
-            <p:ph type="body" sz="quarter" idx="10"/>
-          </p:nvPr>
-        </p:nvSpPr>
-        <p:spPr/>
-        <p:txBody>
-          <a:bodyPr/>
-          <a:lstStyle/>
-          <a:p>
-            <a:r>
-              <a:rPr lang="en-AU" dirty="0" smtClean="0"/>
-              <a:t>Quick demo of node inspector &amp; point out it doesn’t work in IE !!!</a:t>
-            </a:r>
-          </a:p>
-          <a:p>
-            <a:r>
-              <a:rPr lang="en-AU" dirty="0" smtClean="0"/>
-              <a:t>Can you debug </a:t>
-            </a:r>
-            <a:r>
-              <a:rPr lang="en-AU" smtClean="0"/>
-              <a:t>in cloud 9…</a:t>
-            </a:r>
-            <a:endParaRPr lang="en-AU"/>
+            <a:pPr marL="0" indent="0">
+              <a:buNone/>
+            </a:pPr>
+            <a:r>
+              <a:rPr lang="en-AU" sz="3200" dirty="0" smtClean="0"/>
+              <a:t>Thanks for listening!</a:t>
+            </a:r>
+          </a:p>
+          <a:p>
+            <a:pPr marL="0" indent="0">
+              <a:buNone/>
+            </a:pPr>
+            <a:endParaRPr lang="en-AU" sz="3200" dirty="0" smtClean="0"/>
+          </a:p>
+          <a:p>
+            <a:pPr marL="0" indent="0">
+              <a:buNone/>
+            </a:pPr>
+            <a:endParaRPr lang="en-AU" sz="3200" dirty="0"/>
+          </a:p>
+          <a:p>
+            <a:pPr marL="0" indent="0">
+              <a:buNone/>
+            </a:pPr>
+            <a:endParaRPr lang="en-AU" sz="3200" dirty="0" smtClean="0"/>
+          </a:p>
+          <a:p>
+            <a:pPr marL="0" indent="0">
+              <a:buNone/>
+            </a:pPr>
+            <a:endParaRPr lang="en-AU" sz="3200" dirty="0" smtClean="0"/>
+          </a:p>
+          <a:p>
+            <a:pPr marL="0" indent="0">
+              <a:buNone/>
+            </a:pPr>
+            <a:r>
+              <a:rPr lang="en-AU" sz="1600" dirty="0" smtClean="0"/>
+              <a:t>email 		aidancasey@gmail.com </a:t>
+            </a:r>
+            <a:endParaRPr lang="en-AU" sz="1600" dirty="0"/>
+          </a:p>
+          <a:p>
+            <a:pPr marL="0" indent="0">
+              <a:buNone/>
+            </a:pPr>
+            <a:r>
+              <a:rPr lang="en-AU" sz="1600" dirty="0"/>
+              <a:t>LinkedIn	</a:t>
+            </a:r>
+            <a:r>
+              <a:rPr lang="en-AU" sz="1600" dirty="0" smtClean="0"/>
+              <a:t>	http</a:t>
+            </a:r>
+            <a:r>
+              <a:rPr lang="en-AU" sz="1600" dirty="0"/>
+              <a:t>://</a:t>
+            </a:r>
+            <a:r>
+              <a:rPr lang="en-AU" sz="1600" dirty="0" smtClean="0"/>
+              <a:t>www.linkedin.com/pub/aidan-casey/2/a71/353</a:t>
+            </a:r>
+            <a:endParaRPr lang="en-AU" sz="1600" dirty="0"/>
           </a:p>
         </p:txBody>
       </p:sp>
     </p:spTree>
     <p:extLst>
       <p:ext uri="{BB962C8B-B14F-4D97-AF65-F5344CB8AC3E}">
-        <p14:creationId xmlns:p14="http://schemas.microsoft.com/office/powerpoint/2010/main" val="1919157066"/>
+        <p14:creationId xmlns:p14="http://schemas.microsoft.com/office/powerpoint/2010/main" val="2340990883"/>
       </p:ext>
     </p:extLst>
   </p:cSld>
@@ -13329,8 +13415,11 @@
           <a:p>
             <a:r>
               <a:rPr lang="en-AU" dirty="0" smtClean="0"/>
-              <a:t>Demo building simple chat client and deploying to azure</a:t>
-            </a:r>
+              <a:t>Notes</a:t>
+            </a:r>
+            <a:br>
+              <a:rPr lang="en-AU" dirty="0" smtClean="0"/>
+            </a:br>
             <a:endParaRPr lang="en-AU" dirty="0"/>
           </a:p>
         </p:txBody>
@@ -13350,14 +13439,78 @@
           <a:bodyPr/>
           <a:lstStyle/>
           <a:p>
-            <a:endParaRPr lang="en-AU"/>
+            <a:r>
+              <a:rPr lang="en-AU" dirty="0" smtClean="0"/>
+              <a:t>JavaScript  closures run on different threads from event loop</a:t>
+            </a:r>
+          </a:p>
+          <a:p>
+            <a:r>
+              <a:rPr lang="en-AU" dirty="0" smtClean="0"/>
+              <a:t>Mention </a:t>
+            </a:r>
+            <a:r>
+              <a:rPr lang="en-AU" dirty="0" err="1" smtClean="0"/>
+              <a:t>joyet</a:t>
+            </a:r>
+            <a:r>
+              <a:rPr lang="en-AU" dirty="0" smtClean="0"/>
+              <a:t> and Ryan ?</a:t>
+            </a:r>
+          </a:p>
+          <a:p>
+            <a:r>
+              <a:rPr lang="en-AU" dirty="0" smtClean="0"/>
+              <a:t>Only uses 1 core .. Need to run Cluster ?? To  get  multi core </a:t>
+            </a:r>
+            <a:r>
+              <a:rPr lang="en-AU" dirty="0"/>
+              <a:t> </a:t>
+            </a:r>
+            <a:r>
+              <a:rPr lang="en-AU" dirty="0" smtClean="0"/>
+              <a:t>and then there is no inter process </a:t>
+            </a:r>
+            <a:r>
+              <a:rPr lang="en-AU" dirty="0" err="1" smtClean="0"/>
+              <a:t>comms</a:t>
+            </a:r>
+            <a:endParaRPr lang="en-AU" dirty="0" smtClean="0"/>
+          </a:p>
+          <a:p>
+            <a:r>
+              <a:rPr lang="en-AU" dirty="0" smtClean="0"/>
+              <a:t>Like no </a:t>
+            </a:r>
+            <a:r>
+              <a:rPr lang="en-AU" dirty="0" err="1" smtClean="0"/>
+              <a:t>sql</a:t>
+            </a:r>
+            <a:r>
+              <a:rPr lang="en-AU" dirty="0" smtClean="0"/>
+              <a:t> </a:t>
+            </a:r>
+            <a:r>
+              <a:rPr lang="en-AU" dirty="0" err="1" smtClean="0"/>
+              <a:t>ovement</a:t>
+            </a:r>
+            <a:r>
+              <a:rPr lang="en-AU" dirty="0" smtClean="0"/>
+              <a:t> for web servers…</a:t>
+            </a:r>
+          </a:p>
+          <a:p>
+            <a:endParaRPr lang="en-AU" dirty="0" smtClean="0"/>
+          </a:p>
+          <a:p>
+            <a:endParaRPr lang="en-AU" dirty="0"/>
           </a:p>
         </p:txBody>
       </p:sp>
     </p:spTree>
     <p:extLst>
       <p:ext uri="{BB962C8B-B14F-4D97-AF65-F5344CB8AC3E}">
-        <p14:creationId xmlns:p14="http://schemas.microsoft.com/office/powerpoint/2010/main" val="3133931461"/>
+        <p14:creationId xmlns:p14="http://schemas.microsoft.com/office/powerpoint/2010/main" val="1050928964"/>
       </p:ext>
     </p:extLst>
   </p:cSld>
@@ -13411,6 +13564,184 @@
           <a:p>
             <a:r>
               <a:rPr lang="en-AU" dirty="0" smtClean="0"/>
+              <a:t>Debugging	</a:t>
+            </a:r>
+            <a:endParaRPr lang="en-AU" dirty="0"/>
+          </a:p>
+        </p:txBody>
+      </p:sp>
+      <p:sp>
+        <p:nvSpPr>
+          <p:cNvPr id="3" name="Text Placeholder 2"/>
+          <p:cNvSpPr>
+            <a:spLocks noGrp="1"/>
+          </p:cNvSpPr>
+          <p:nvPr>
+            <p:ph type="body" sz="quarter" idx="10"/>
+          </p:nvPr>
+        </p:nvSpPr>
+        <p:spPr/>
+        <p:txBody>
+          <a:bodyPr/>
+          <a:lstStyle/>
+          <a:p>
+            <a:r>
+              <a:rPr lang="en-AU" dirty="0" smtClean="0"/>
+              <a:t>Quick demo of node inspector &amp; point out it doesn’t work in IE !!!</a:t>
+            </a:r>
+          </a:p>
+          <a:p>
+            <a:r>
+              <a:rPr lang="en-AU" dirty="0" smtClean="0"/>
+              <a:t>Can you debug </a:t>
+            </a:r>
+            <a:r>
+              <a:rPr lang="en-AU" smtClean="0"/>
+              <a:t>in cloud 9…</a:t>
+            </a:r>
+            <a:endParaRPr lang="en-AU"/>
+          </a:p>
+        </p:txBody>
+      </p:sp>
+    </p:spTree>
+    <p:extLst>
+      <p:ext uri="{BB962C8B-B14F-4D97-AF65-F5344CB8AC3E}">
+        <p14:creationId xmlns:p14="http://schemas.microsoft.com/office/powerpoint/2010/main" val="1919157066"/>
+      </p:ext>
+    </p:extLst>
+  </p:cSld>
+  <p:clrMapOvr>
+    <a:masterClrMapping/>
+  </p:clrMapOvr>
+  <p:transition>
+    <p:fade thruBlk="1"/>
+  </p:transition>
+  <p:timing>
+    <p:tnLst>
+      <p:par>
+        <p:cTn id="1" dur="indefinite" restart="never" nodeType="tmRoot"/>
+      </p:par>
+    </p:tnLst>
+  </p:timing>
+</p:sld>
+</file>
+
+<file path=ppt/slides/slide17.xml><?xml version="1.0" encoding="utf-8"?>
+<p:sld xmlns:a="http://schemas.openxmlformats.org/drawingml/2006/main" xmlns:r="http://schemas.openxmlformats.org/officeDocument/2006/relationships" xmlns:p="http://schemas.openxmlformats.org/presentationml/2006/main">
+  <p:cSld>
+    <p:spTree>
+      <p:nvGrpSpPr>
+        <p:cNvPr id="1" name=""/>
+        <p:cNvGrpSpPr/>
+        <p:nvPr/>
+      </p:nvGrpSpPr>
+      <p:grpSpPr>
+        <a:xfrm>
+          <a:off x="0" y="0"/>
+          <a:ext cx="0" cy="0"/>
+          <a:chOff x="0" y="0"/>
+          <a:chExt cx="0" cy="0"/>
+        </a:xfrm>
+      </p:grpSpPr>
+      <p:sp>
+        <p:nvSpPr>
+          <p:cNvPr id="2" name="Title 1"/>
+          <p:cNvSpPr>
+            <a:spLocks noGrp="1"/>
+          </p:cNvSpPr>
+          <p:nvPr>
+            <p:ph type="title"/>
+          </p:nvPr>
+        </p:nvSpPr>
+        <p:spPr/>
+        <p:txBody>
+          <a:bodyPr/>
+          <a:lstStyle/>
+          <a:p>
+            <a:r>
+              <a:rPr lang="en-AU" dirty="0" smtClean="0"/>
+              <a:t>Demo building simple chat client and deploying to azure</a:t>
+            </a:r>
+            <a:endParaRPr lang="en-AU" dirty="0"/>
+          </a:p>
+        </p:txBody>
+      </p:sp>
+      <p:sp>
+        <p:nvSpPr>
+          <p:cNvPr id="3" name="Text Placeholder 2"/>
+          <p:cNvSpPr>
+            <a:spLocks noGrp="1"/>
+          </p:cNvSpPr>
+          <p:nvPr>
+            <p:ph type="body" sz="quarter" idx="10"/>
+          </p:nvPr>
+        </p:nvSpPr>
+        <p:spPr/>
+        <p:txBody>
+          <a:bodyPr/>
+          <a:lstStyle/>
+          <a:p>
+            <a:endParaRPr lang="en-AU"/>
+          </a:p>
+        </p:txBody>
+      </p:sp>
+    </p:spTree>
+    <p:extLst>
+      <p:ext uri="{BB962C8B-B14F-4D97-AF65-F5344CB8AC3E}">
+        <p14:creationId xmlns:p14="http://schemas.microsoft.com/office/powerpoint/2010/main" val="3133931461"/>
+      </p:ext>
+    </p:extLst>
+  </p:cSld>
+  <p:clrMapOvr>
+    <a:masterClrMapping/>
+  </p:clrMapOvr>
+  <p:transition>
+    <p:fade thruBlk="1"/>
+  </p:transition>
+  <p:timing>
+    <p:tnLst>
+      <p:par>
+        <p:cTn id="1" dur="indefinite" restart="never" nodeType="tmRoot"/>
+      </p:par>
+    </p:tnLst>
+  </p:timing>
+</p:sld>
+</file>
+
+<file path=ppt/slides/slide18.xml><?xml version="1.0" encoding="utf-8"?>
+<p:sld xmlns:a="http://schemas.openxmlformats.org/drawingml/2006/main" xmlns:r="http://schemas.openxmlformats.org/officeDocument/2006/relationships" xmlns:p="http://schemas.openxmlformats.org/presentationml/2006/main">
+  <p:cSld>
+    <p:spTree>
+      <p:nvGrpSpPr>
+        <p:cNvPr id="1" name=""/>
+        <p:cNvGrpSpPr/>
+        <p:nvPr/>
+      </p:nvGrpSpPr>
+      <p:grpSpPr>
+        <a:xfrm>
+          <a:off x="0" y="0"/>
+          <a:ext cx="0" cy="0"/>
+          <a:chOff x="0" y="0"/>
+          <a:chExt cx="0" cy="0"/>
+        </a:xfrm>
+      </p:grpSpPr>
+      <p:sp>
+        <p:nvSpPr>
+          <p:cNvPr id="2" name="Title 1"/>
+          <p:cNvSpPr>
+            <a:spLocks noGrp="1"/>
+          </p:cNvSpPr>
+          <p:nvPr>
+            <p:ph type="title"/>
+          </p:nvPr>
+        </p:nvSpPr>
+        <p:spPr/>
+        <p:txBody>
+          <a:bodyPr/>
+          <a:lstStyle/>
+          <a:p>
+            <a:r>
+              <a:rPr lang="en-AU" dirty="0" smtClean="0"/>
               <a:t>Tools</a:t>
             </a:r>
             <a:endParaRPr lang="en-AU" dirty="0"/>
@@ -13528,7 +13859,7 @@
 </p:sld>
 </file>
 
-<file path=ppt/slides/slide17.xml><?xml version="1.0" encoding="utf-8"?>
+<file path=ppt/slides/slide19.xml><?xml version="1.0" encoding="utf-8"?>
 <p:sld xmlns:a="http://schemas.openxmlformats.org/drawingml/2006/main" xmlns:r="http://schemas.openxmlformats.org/officeDocument/2006/relationships" xmlns:p="http://schemas.openxmlformats.org/presentationml/2006/main">
   <p:cSld>
     <p:spTree>
@@ -14058,7 +14389,18 @@
           <a:p>
             <a:r>
               <a:rPr lang="en-AU" dirty="0" smtClean="0"/>
-              <a:t>Introduction to node.js</a:t>
+              <a:t>What is node</a:t>
+            </a:r>
+            <a:r>
+              <a:rPr lang="en-AU" dirty="0" smtClean="0"/>
+              <a:t>.js</a:t>
+            </a:r>
+            <a:endParaRPr lang="en-AU" dirty="0" smtClean="0"/>
+          </a:p>
+          <a:p>
+            <a:r>
+              <a:rPr lang="en-AU" dirty="0" smtClean="0"/>
+              <a:t>Event </a:t>
             </a:r>
           </a:p>
           <a:p>
@@ -14134,6 +14476,139 @@
 </file>
 
 <file path=ppt/slides/slide4.xml><?xml version="1.0" encoding="utf-8"?>
+<p:sld xmlns:a="http://schemas.openxmlformats.org/drawingml/2006/main" xmlns:r="http://schemas.openxmlformats.org/officeDocument/2006/relationships" xmlns:p="http://schemas.openxmlformats.org/presentationml/2006/main">
+  <p:cSld>
+    <p:spTree>
+      <p:nvGrpSpPr>
+        <p:cNvPr id="1" name=""/>
+        <p:cNvGrpSpPr/>
+        <p:nvPr/>
+      </p:nvGrpSpPr>
+      <p:grpSpPr>
+        <a:xfrm>
+          <a:off x="0" y="0"/>
+          <a:ext cx="0" cy="0"/>
+          <a:chOff x="0" y="0"/>
+          <a:chExt cx="0" cy="0"/>
+        </a:xfrm>
+      </p:grpSpPr>
+      <p:sp>
+        <p:nvSpPr>
+          <p:cNvPr id="2" name="Title 1"/>
+          <p:cNvSpPr>
+            <a:spLocks noGrp="1"/>
+          </p:cNvSpPr>
+          <p:nvPr>
+            <p:ph type="title"/>
+          </p:nvPr>
+        </p:nvSpPr>
+        <p:spPr>
+          <a:xfrm>
+            <a:off x="457200" y="274638"/>
+            <a:ext cx="2890664" cy="885295"/>
+          </a:xfrm>
+        </p:spPr>
+        <p:txBody>
+          <a:bodyPr/>
+          <a:lstStyle/>
+          <a:p>
+            <a:r>
+              <a:rPr lang="en-AU" dirty="0" smtClean="0"/>
+              <a:t>What is node.js</a:t>
+            </a:r>
+            <a:endParaRPr lang="en-AU" dirty="0"/>
+          </a:p>
+        </p:txBody>
+      </p:sp>
+      <p:sp>
+        <p:nvSpPr>
+          <p:cNvPr id="3" name="Text Placeholder 2"/>
+          <p:cNvSpPr>
+            <a:spLocks noGrp="1"/>
+          </p:cNvSpPr>
+          <p:nvPr>
+            <p:ph type="body" sz="quarter" idx="10"/>
+          </p:nvPr>
+        </p:nvSpPr>
+        <p:spPr/>
+        <p:txBody>
+          <a:bodyPr/>
+          <a:lstStyle/>
+          <a:p>
+            <a:r>
+              <a:rPr lang="en-AU" dirty="0" smtClean="0"/>
+              <a:t>Server side </a:t>
+            </a:r>
+            <a:r>
+              <a:rPr lang="en-AU" dirty="0" smtClean="0"/>
+              <a:t>technology for building scalable network programs.</a:t>
+            </a:r>
+          </a:p>
+          <a:p>
+            <a:r>
+              <a:rPr lang="en-AU" dirty="0" smtClean="0"/>
+              <a:t>Executes server side JavaScript code using Google's </a:t>
+            </a:r>
+            <a:r>
+              <a:rPr lang="en-AU" dirty="0" smtClean="0"/>
+              <a:t>(super fast)V8 </a:t>
+            </a:r>
+            <a:r>
+              <a:rPr lang="en-AU" dirty="0" smtClean="0"/>
+              <a:t>JavaScript </a:t>
+            </a:r>
+            <a:r>
+              <a:rPr lang="en-AU" dirty="0" smtClean="0"/>
+              <a:t>engine</a:t>
+            </a:r>
+          </a:p>
+          <a:p>
+            <a:r>
+              <a:rPr lang="en-AU" dirty="0" smtClean="0"/>
+              <a:t>Asynchronous non-blocking programming model.</a:t>
+            </a:r>
+          </a:p>
+          <a:p>
+            <a:r>
+              <a:rPr lang="en-AU" dirty="0" smtClean="0"/>
+              <a:t>“data intensive/ real time applications”</a:t>
+            </a:r>
+          </a:p>
+          <a:p>
+            <a:pPr marL="0" indent="0">
+              <a:buNone/>
+            </a:pPr>
+            <a:endParaRPr lang="en-AU" dirty="0" smtClean="0"/>
+          </a:p>
+          <a:p>
+            <a:endParaRPr lang="en-AU" dirty="0"/>
+          </a:p>
+        </p:txBody>
+      </p:sp>
+    </p:spTree>
+    <p:extLst>
+      <p:ext uri="{BB962C8B-B14F-4D97-AF65-F5344CB8AC3E}">
+        <p14:creationId xmlns:p14="http://schemas.microsoft.com/office/powerpoint/2010/main" val="2051269822"/>
+      </p:ext>
+    </p:extLst>
+  </p:cSld>
+  <p:clrMapOvr>
+    <a:masterClrMapping/>
+  </p:clrMapOvr>
+  <p:transition>
+    <p:fade thruBlk="1"/>
+  </p:transition>
+  <p:timing>
+    <p:tnLst>
+      <p:par>
+        <p:cTn id="1" dur="indefinite" restart="never" nodeType="tmRoot"/>
+      </p:par>
+    </p:tnLst>
+  </p:timing>
+</p:sld>
+</file>
+
+<file path=ppt/slides/slide5.xml><?xml version="1.0" encoding="utf-8"?>
 <p:sld xmlns:a="http://schemas.openxmlformats.org/drawingml/2006/main" xmlns:r="http://schemas.openxmlformats.org/officeDocument/2006/relationships" xmlns:p="http://schemas.openxmlformats.org/presentationml/2006/main">
   <p:cSld>
     <p:spTree>
@@ -14915,130 +15390,6 @@
 </p:sld>
 </file>
 
-<file path=ppt/slides/slide5.xml><?xml version="1.0" encoding="utf-8"?>
-<p:sld xmlns:a="http://schemas.openxmlformats.org/drawingml/2006/main" xmlns:r="http://schemas.openxmlformats.org/officeDocument/2006/relationships" xmlns:p="http://schemas.openxmlformats.org/presentationml/2006/main">
-  <p:cSld>
-    <p:spTree>
-      <p:nvGrpSpPr>
-        <p:cNvPr id="1" name=""/>
-        <p:cNvGrpSpPr/>
-        <p:nvPr/>
-      </p:nvGrpSpPr>
-      <p:grpSpPr>
-        <a:xfrm>
-          <a:off x="0" y="0"/>
-          <a:ext cx="0" cy="0"/>
-          <a:chOff x="0" y="0"/>
-          <a:chExt cx="0" cy="0"/>
-        </a:xfrm>
-      </p:grpSpPr>
-      <p:sp>
-        <p:nvSpPr>
-          <p:cNvPr id="2" name="Title 1"/>
-          <p:cNvSpPr>
-            <a:spLocks noGrp="1"/>
-          </p:cNvSpPr>
-          <p:nvPr>
-            <p:ph type="title"/>
-          </p:nvPr>
-        </p:nvSpPr>
-        <p:spPr>
-          <a:xfrm>
-            <a:off x="457200" y="274638"/>
-            <a:ext cx="2890664" cy="885295"/>
-          </a:xfrm>
-        </p:spPr>
-        <p:txBody>
-          <a:bodyPr/>
-          <a:lstStyle/>
-          <a:p>
-            <a:r>
-              <a:rPr lang="en-AU" dirty="0" smtClean="0"/>
-              <a:t>What is node.js</a:t>
-            </a:r>
-            <a:endParaRPr lang="en-AU" dirty="0"/>
-          </a:p>
-        </p:txBody>
-      </p:sp>
-      <p:sp>
-        <p:nvSpPr>
-          <p:cNvPr id="3" name="Text Placeholder 2"/>
-          <p:cNvSpPr>
-            <a:spLocks noGrp="1"/>
-          </p:cNvSpPr>
-          <p:nvPr>
-            <p:ph type="body" sz="quarter" idx="10"/>
-          </p:nvPr>
-        </p:nvSpPr>
-        <p:spPr/>
-        <p:txBody>
-          <a:bodyPr/>
-          <a:lstStyle/>
-          <a:p>
-            <a:r>
-              <a:rPr lang="en-AU" dirty="0" smtClean="0"/>
-              <a:t>Server side technology for building scalable network programs.</a:t>
-            </a:r>
-          </a:p>
-          <a:p>
-            <a:r>
-              <a:rPr lang="en-AU" dirty="0" smtClean="0"/>
-              <a:t>Executes server side JavaScript code using Google's V8 JavaScript engine</a:t>
-            </a:r>
-          </a:p>
-          <a:p>
-            <a:r>
-              <a:rPr lang="en-AU" dirty="0" smtClean="0"/>
-              <a:t>Many hosting options – Azure, </a:t>
-            </a:r>
-            <a:r>
-              <a:rPr lang="en-AU" dirty="0" err="1" smtClean="0"/>
-              <a:t>AppHarbour</a:t>
-            </a:r>
-            <a:r>
-              <a:rPr lang="en-AU" dirty="0" smtClean="0"/>
-              <a:t>, </a:t>
-            </a:r>
-            <a:r>
-              <a:rPr lang="en-AU" dirty="0" err="1" smtClean="0"/>
-              <a:t>Heroku</a:t>
-            </a:r>
-            <a:r>
-              <a:rPr lang="en-AU" dirty="0" smtClean="0"/>
-              <a:t>, NodeSter.com(EC2,Rackspace,GoGrid!)  </a:t>
-            </a:r>
-          </a:p>
-          <a:p>
-            <a:endParaRPr lang="en-AU" dirty="0" smtClean="0"/>
-          </a:p>
-          <a:p>
-            <a:endParaRPr lang="en-AU" dirty="0"/>
-          </a:p>
-        </p:txBody>
-      </p:sp>
-    </p:spTree>
-    <p:extLst>
-      <p:ext uri="{BB962C8B-B14F-4D97-AF65-F5344CB8AC3E}">
-        <p14:creationId xmlns:p14="http://schemas.microsoft.com/office/powerpoint/2010/main" val="2051269822"/>
-      </p:ext>
-    </p:extLst>
-  </p:cSld>
-  <p:clrMapOvr>
-    <a:masterClrMapping/>
-  </p:clrMapOvr>
-  <p:transition>
-    <p:fade thruBlk="1"/>
-  </p:transition>
-  <p:timing>
-    <p:tnLst>
-      <p:par>
-        <p:cTn id="1" dur="indefinite" restart="never" nodeType="tmRoot"/>
-      </p:par>
-    </p:tnLst>
-  </p:timing>
-</p:sld>
-</file>
-
 <file path=ppt/slides/slide6.xml><?xml version="1.0" encoding="utf-8"?>
 <p:sld xmlns:a="http://schemas.openxmlformats.org/drawingml/2006/main" xmlns:r="http://schemas.openxmlformats.org/officeDocument/2006/relationships" xmlns:p="http://schemas.openxmlformats.org/presentationml/2006/main">
   <p:cSld>
@@ -15141,11 +15492,23 @@
           <a:p>
             <a:r>
               <a:rPr lang="en-AU" dirty="0"/>
-              <a:t>t</a:t>
+              <a:t>T</a:t>
             </a:r>
             <a:r>
               <a:rPr lang="en-AU" dirty="0" smtClean="0"/>
-              <a:t>raditional  web server synchronous I/O model</a:t>
+              <a:t>raditional  </a:t>
+            </a:r>
+            <a:r>
+              <a:rPr lang="en-AU" dirty="0"/>
+              <a:t>W</a:t>
+            </a:r>
+            <a:r>
+              <a:rPr lang="en-AU" dirty="0" smtClean="0"/>
+              <a:t>eb </a:t>
+            </a:r>
+            <a:r>
+              <a:rPr lang="en-AU" dirty="0" smtClean="0"/>
+              <a:t>server synchronous I/O model</a:t>
             </a:r>
             <a:endParaRPr lang="en-AU" dirty="0"/>
           </a:p>
@@ -17169,7 +17532,7 @@
                             </p:stCondLst>
                             <p:childTnLst>
                               <p:par>
-                                <p:cTn id="5" presetID="1" presetClass="entr" presetSubtype="0" fill="hold" nodeType="clickEffect">
+                                <p:cTn id="5" presetID="1" presetClass="entr" presetSubtype="0" fill="hold" grpId="0" nodeType="clickEffect">
                                   <p:stCondLst>
                                     <p:cond delay="0"/>
                                   </p:stCondLst>
@@ -17182,88 +17545,7 @@
                                           </p:stCondLst>
                                         </p:cTn>
                                         <p:tgtEl>
-                                          <p:spTgt spid="11"/>
-                                        </p:tgtEl>
-                                        <p:attrNameLst>
-                                          <p:attrName>style.visibility</p:attrName>
-                                        </p:attrNameLst>
-                                      </p:cBhvr>
-                                      <p:to>
-                                        <p:strVal val="visible"/>
-                                      </p:to>
-                                    </p:set>
-                                  </p:childTnLst>
-                                </p:cTn>
-                              </p:par>
-                              <p:par>
-                                <p:cTn id="7" presetID="1" presetClass="entr" presetSubtype="0" fill="hold" grpId="0" nodeType="withEffect">
-                                  <p:stCondLst>
-                                    <p:cond delay="0"/>
-                                  </p:stCondLst>
-                                  <p:childTnLst>
-                                    <p:set>
-                                      <p:cBhvr>
-                                        <p:cTn id="8" dur="1" fill="hold">
-                                          <p:stCondLst>
-                                            <p:cond delay="0"/>
-                                          </p:stCondLst>
-                                        </p:cTn>
-                                        <p:tgtEl>
-                                          <p:spTgt spid="12"/>
-                                        </p:tgtEl>
-                                        <p:attrNameLst>
-                                          <p:attrName>style.visibility</p:attrName>
-                                        </p:attrNameLst>
-                                      </p:cBhvr>
-                                      <p:to>
-                                        <p:strVal val="visible"/>
-                                      </p:to>
-                                    </p:set>
-                                  </p:childTnLst>
-                                </p:cTn>
-                              </p:par>
-                              <p:par>
-                                <p:cTn id="9" presetID="1" presetClass="entr" presetSubtype="0" fill="hold" nodeType="withEffect">
-                                  <p:stCondLst>
-                                    <p:cond delay="0"/>
-                                  </p:stCondLst>
-                                  <p:childTnLst>
-                                    <p:set>
-                                      <p:cBhvr>
-                                        <p:cTn id="10" dur="1" fill="hold">
-                                          <p:stCondLst>
-                                            <p:cond delay="0"/>
-                                          </p:stCondLst>
-                                        </p:cTn>
-                                        <p:tgtEl>
-                                          <p:spTgt spid="7"/>
-                                        </p:tgtEl>
-                                        <p:attrNameLst>
-                                          <p:attrName>style.visibility</p:attrName>
-                                        </p:attrNameLst>
-                                      </p:cBhvr>
-                                      <p:to>
-                                        <p:strVal val="visible"/>
-                                      </p:to>
-                                    </p:set>
-                                  </p:childTnLst>
-                                </p:cTn>
-                              </p:par>
-                              <p:par>
-                                <p:cTn id="11" presetID="1" presetClass="entr" presetSubtype="0" fill="hold" grpId="0" nodeType="withEffect">
-                                  <p:stCondLst>
-                                    <p:cond delay="0"/>
-                                  </p:stCondLst>
-                                  <p:childTnLst>
-                                    <p:set>
-                                      <p:cBhvr>
-                                        <p:cTn id="12" dur="1" fill="hold">
-                                          <p:stCondLst>
-                                            <p:cond delay="0"/>
-                                          </p:stCondLst>
-                                        </p:cTn>
-                                        <p:tgtEl>
-                                          <p:spTgt spid="8"/>
+                                          <p:spTgt spid="26"/>
                                         </p:tgtEl>
                                         <p:attrNameLst>
                                           <p:attrName>style.visibility</p:attrName>
@@ -17283,71 +17565,26 @@
                     </p:cTn>
                   </p:par>
                   <p:par>
-                    <p:cTn id="13" fill="hold">
+                    <p:cTn id="7" fill="hold">
                       <p:stCondLst>
                         <p:cond delay="indefinite"/>
                       </p:stCondLst>
                       <p:childTnLst>
                         <p:par>
-                          <p:cTn id="14" fill="hold">
+                          <p:cTn id="8" fill="hold">
                             <p:stCondLst>
                               <p:cond delay="0"/>
                             </p:stCondLst>
                             <p:childTnLst>
                               <p:par>
-                                <p:cTn id="15" presetID="1" presetClass="entr" presetSubtype="0" fill="hold" nodeType="clickEffect">
+                                <p:cTn id="9" presetID="1" presetClass="entr" presetSubtype="0" fill="hold" grpId="0" nodeType="clickEffect">
                                   <p:stCondLst>
                                     <p:cond delay="0"/>
                                   </p:stCondLst>
                                   <p:childTnLst>
                                     <p:set>
                                       <p:cBhvr>
-                                        <p:cTn id="16" dur="1" fill="hold">
-                                          <p:stCondLst>
-                                            <p:cond delay="0"/>
-                                          </p:stCondLst>
-                                        </p:cTn>
-                                        <p:tgtEl>
-                                          <p:spTgt spid="19"/>
-                                        </p:tgtEl>
-                                        <p:attrNameLst>
-                                          <p:attrName>style.visibility</p:attrName>
-                                        </p:attrNameLst>
-                                      </p:cBhvr>
-                                      <p:to>
-                                        <p:strVal val="visible"/>
-                                      </p:to>
-                                    </p:set>
-                                  </p:childTnLst>
-                                </p:cTn>
-                              </p:par>
-                            </p:childTnLst>
-                          </p:cTn>
-                        </p:par>
-                      </p:childTnLst>
-                    </p:cTn>
-                  </p:par>
-                  <p:par>
-                    <p:cTn id="17" fill="hold">
-                      <p:stCondLst>
-                        <p:cond delay="indefinite"/>
-                      </p:stCondLst>
-                      <p:childTnLst>
-                        <p:par>
-                          <p:cTn id="18" fill="hold">
-                            <p:stCondLst>
-                              <p:cond delay="0"/>
-                            </p:stCondLst>
-                            <p:childTnLst>
-                              <p:par>
-                                <p:cTn id="19" presetID="1" presetClass="entr" presetSubtype="0" fill="hold" grpId="0" nodeType="clickEffect">
-                                  <p:stCondLst>
-                                    <p:cond delay="0"/>
-                                  </p:stCondLst>
-                                  <p:childTnLst>
-                                    <p:set>
-                                      <p:cBhvr>
-                                        <p:cTn id="20" dur="1" fill="hold">
+                                        <p:cTn id="10" dur="1" fill="hold">
                                           <p:stCondLst>
                                             <p:cond delay="0"/>
                                           </p:stCondLst>
@@ -17373,26 +17610,53 @@
                     </p:cTn>
                   </p:par>
                   <p:par>
-                    <p:cTn id="21" fill="hold">
+                    <p:cTn id="11" fill="hold">
                       <p:stCondLst>
                         <p:cond delay="indefinite"/>
                       </p:stCondLst>
                       <p:childTnLst>
                         <p:par>
-                          <p:cTn id="22" fill="hold">
+                          <p:cTn id="12" fill="hold">
                             <p:stCondLst>
                               <p:cond delay="0"/>
                             </p:stCondLst>
                             <p:childTnLst>
                               <p:par>
-                                <p:cTn id="23" presetID="1" presetClass="entr" presetSubtype="0" fill="hold" grpId="0" nodeType="clickEffect">
+                                <p:cTn id="13" presetID="1" presetClass="entr" presetSubtype="0" fill="hold" grpId="0" nodeType="clickEffect">
                                   <p:stCondLst>
                                     <p:cond delay="0"/>
                                   </p:stCondLst>
                                   <p:childTnLst>
                                     <p:set>
                                       <p:cBhvr>
-                                        <p:cTn id="24" dur="1" fill="hold">
+                                        <p:cTn id="14" dur="1" fill="hold">
+                                          <p:stCondLst>
+                                            <p:cond delay="0"/>
+                                          </p:stCondLst>
+                                        </p:cTn>
+                                        <p:tgtEl>
+                                          <p:spTgt spid="24"/>
+                                        </p:tgtEl>
+                                        <p:attrNameLst>
+                                          <p:attrName>style.visibility</p:attrName>
+                                        </p:attrNameLst>
+                                      </p:cBhvr>
+                                      <p:to>
+                                        <p:strVal val="visible"/>
+                                      </p:to>
+                                    </p:set>
+                                  </p:childTnLst>
+                                </p:cTn>
+                              </p:par>
+                              <p:par>
+                                <p:cTn id="15" presetID="1" presetClass="entr" presetSubtype="0" fill="hold" grpId="0" nodeType="withEffect">
+                                  <p:stCondLst>
+                                    <p:cond delay="0"/>
+                                  </p:stCondLst>
+                                  <p:childTnLst>
+                                    <p:set>
+                                      <p:cBhvr>
+                                        <p:cTn id="16" dur="1" fill="hold">
                                           <p:stCondLst>
                                             <p:cond delay="0"/>
                                           </p:stCondLst>
@@ -17412,14 +17676,14 @@
                                 </p:cTn>
                               </p:par>
                               <p:par>
-                                <p:cTn id="25" presetID="1" presetClass="entr" presetSubtype="0" fill="hold" nodeType="withEffect">
+                                <p:cTn id="17" presetID="1" presetClass="entr" presetSubtype="0" fill="hold" nodeType="withEffect">
                                   <p:stCondLst>
                                     <p:cond delay="0"/>
                                   </p:stCondLst>
                                   <p:childTnLst>
                                     <p:set>
                                       <p:cBhvr>
-                                        <p:cTn id="26" dur="1" fill="hold">
+                                        <p:cTn id="18" dur="1" fill="hold">
                                           <p:stCondLst>
                                             <p:cond delay="0"/>
                                           </p:stCondLst>
@@ -17439,41 +17703,14 @@
                                 </p:cTn>
                               </p:par>
                               <p:par>
-                                <p:cTn id="27" presetID="1" presetClass="entr" presetSubtype="0" fill="hold" grpId="0" nodeType="withEffect">
+                                <p:cTn id="19" presetID="1" presetClass="entr" presetSubtype="0" fill="hold" nodeType="withEffect">
                                   <p:stCondLst>
                                     <p:cond delay="0"/>
                                   </p:stCondLst>
                                   <p:childTnLst>
                                     <p:set>
                                       <p:cBhvr>
-                                        <p:cTn id="28" dur="1" fill="hold">
-                                          <p:stCondLst>
-                                            <p:cond delay="0"/>
-                                          </p:stCondLst>
-                                        </p:cTn>
-                                        <p:tgtEl>
-                                          <p:spTgt spid="24"/>
-                                        </p:tgtEl>
-                                        <p:attrNameLst>
-                                          <p:attrName>style.visibility</p:attrName>
-                                        </p:attrNameLst>
-                                      </p:cBhvr>
-                                      <p:to>
-                                        <p:strVal val="visible"/>
-                                      </p:to>
-                                    </p:set>
-                                  </p:childTnLst>
-                                </p:cTn>
-                              </p:par>
-                              <p:par>
-                                <p:cTn id="29" presetID="1" presetClass="entr" presetSubtype="0" fill="hold" nodeType="withEffect">
-                                  <p:stCondLst>
-                                    <p:cond delay="0"/>
-                                  </p:stCondLst>
-                                  <p:childTnLst>
-                                    <p:set>
-                                      <p:cBhvr>
-                                        <p:cTn id="30" dur="1" fill="hold">
+                                        <p:cTn id="20" dur="1" fill="hold">
                                           <p:stCondLst>
                                             <p:cond delay="0"/>
                                           </p:stCondLst>
@@ -17493,14 +17730,14 @@
                                 </p:cTn>
                               </p:par>
                               <p:par>
-                                <p:cTn id="31" presetID="1" presetClass="entr" presetSubtype="0" fill="hold" grpId="0" nodeType="withEffect">
+                                <p:cTn id="21" presetID="1" presetClass="entr" presetSubtype="0" fill="hold" grpId="0" nodeType="withEffect">
                                   <p:stCondLst>
                                     <p:cond delay="0"/>
                                   </p:stCondLst>
                                   <p:childTnLst>
                                     <p:set>
                                       <p:cBhvr>
-                                        <p:cTn id="32" dur="1" fill="hold">
+                                        <p:cTn id="22" dur="1" fill="hold">
                                           <p:stCondLst>
                                             <p:cond delay="0"/>
                                           </p:stCondLst>
@@ -17520,65 +17757,20 @@
                                 </p:cTn>
                               </p:par>
                               <p:par>
-                                <p:cTn id="33" presetID="1" presetClass="entr" presetSubtype="0" fill="hold" nodeType="withEffect">
+                                <p:cTn id="23" presetID="1" presetClass="entr" presetSubtype="0" fill="hold" nodeType="withEffect">
                                   <p:stCondLst>
                                     <p:cond delay="0"/>
                                   </p:stCondLst>
                                   <p:childTnLst>
                                     <p:set>
                                       <p:cBhvr>
-                                        <p:cTn id="34" dur="1" fill="hold">
+                                        <p:cTn id="24" dur="1" fill="hold">
                                           <p:stCondLst>
                                             <p:cond delay="0"/>
                                           </p:stCondLst>
                                         </p:cTn>
                                         <p:tgtEl>
                                           <p:spTgt spid="27"/>
-                                        </p:tgtEl>
-                                        <p:attrNameLst>
-                                          <p:attrName>style.visibility</p:attrName>
-                                        </p:attrNameLst>
-                                      </p:cBhvr>
-                                      <p:to>
-                                        <p:strVal val="visible"/>
-                                      </p:to>
-                                    </p:set>
-                                  </p:childTnLst>
-                                </p:cTn>
-                              </p:par>
-                            </p:childTnLst>
-                          </p:cTn>
-                        </p:par>
-                      </p:childTnLst>
-                    </p:cTn>
-                  </p:par>
-                  <p:par>
-                    <p:cTn id="35" fill="hold">
-                      <p:stCondLst>
-                        <p:cond delay="indefinite"/>
-                      </p:stCondLst>
-                      <p:childTnLst>
-                        <p:par>
-                          <p:cTn id="36" fill="hold">
-                            <p:stCondLst>
-                              <p:cond delay="0"/>
-                            </p:stCondLst>
-                            <p:childTnLst>
-                              <p:par>
-                                <p:cTn id="37" presetID="1" presetClass="entr" presetSubtype="0" fill="hold" grpId="0" nodeType="clickEffect">
-                                  <p:stCondLst>
-                                    <p:cond delay="0"/>
-                                  </p:stCondLst>
-                                  <p:childTnLst>
-                                    <p:set>
-                                      <p:cBhvr>
-                                        <p:cTn id="38" dur="1" fill="hold">
-                                          <p:stCondLst>
-                                            <p:cond delay="0"/>
-                                          </p:stCondLst>
-                                        </p:cTn>
-                                        <p:tgtEl>
-                                          <p:spTgt spid="26"/>
                                         </p:tgtEl>
                                         <p:attrNameLst>
                                           <p:attrName>style.visibility</p:attrName>
@@ -17619,8 +17811,6 @@
       </p:par>
     </p:tnLst>
     <p:bldLst>
-      <p:bldP spid="8" grpId="0"/>
-      <p:bldP spid="12" grpId="0"/>
       <p:bldP spid="21" grpId="0"/>
       <p:bldP spid="23" grpId="0"/>
       <p:bldP spid="24" grpId="0"/>

--- a/presentation/Building Node.js Applications on Windows Azure.pptx
+++ b/presentation/Building Node.js Applications on Windows Azure.pptx
@@ -24,14 +24,14 @@
     <p:sldId id="270" r:id="rId16"/>
     <p:sldId id="281" r:id="rId17"/>
     <p:sldId id="271" r:id="rId18"/>
-    <p:sldId id="282" r:id="rId19"/>
-    <p:sldId id="273" r:id="rId20"/>
-    <p:sldId id="259" r:id="rId21"/>
-    <p:sldId id="272" r:id="rId22"/>
-    <p:sldId id="276" r:id="rId23"/>
-    <p:sldId id="275" r:id="rId24"/>
-    <p:sldId id="274" r:id="rId25"/>
-    <p:sldId id="269" r:id="rId26"/>
+    <p:sldId id="283" r:id="rId19"/>
+    <p:sldId id="282" r:id="rId20"/>
+    <p:sldId id="284" r:id="rId21"/>
+    <p:sldId id="273" r:id="rId22"/>
+    <p:sldId id="259" r:id="rId23"/>
+    <p:sldId id="272" r:id="rId24"/>
+    <p:sldId id="276" r:id="rId25"/>
+    <p:sldId id="275" r:id="rId26"/>
   </p:sldIdLst>
   <p:sldSz cx="9144000" cy="6858000" type="screen4x3"/>
   <p:notesSz cx="7099300" cy="10234613"/>
@@ -12768,7 +12768,7 @@
           <a:graphicData uri="http://schemas.openxmlformats.org/presentationml/2006/ole">
             <mc:AlternateContent xmlns:mc="http://schemas.openxmlformats.org/markup-compatibility/2006">
               <mc:Choice xmlns:v="urn:schemas-microsoft-com:vml" Requires="v">
-                <p:oleObj spid="_x0000_s1029" name="Packager Shell Object" showAsIcon="1" r:id="rId3" imgW="914400" imgH="771480" progId="Package">
+                <p:oleObj spid="_x0000_s1030" name="Packager Shell Object" showAsIcon="1" r:id="rId3" imgW="914400" imgH="771480" progId="Package">
                   <p:embed/>
                 </p:oleObj>
               </mc:Choice>
@@ -13060,7 +13060,7 @@
           <a:p>
             <a:r>
               <a:rPr lang="en-AU" dirty="0" smtClean="0"/>
-              <a:t>Windows Azure SDK for Node.js</a:t>
+              <a:t>Debugging and Cloud9 IDE</a:t>
             </a:r>
             <a:endParaRPr lang="en-AU" dirty="0"/>
           </a:p>
@@ -13080,47 +13080,6 @@
         <p:txBody>
           <a:bodyPr/>
           <a:lstStyle/>
-          <a:p>
-            <a:r>
-              <a:rPr lang="en-AU" dirty="0" smtClean="0"/>
-              <a:t>Node.js</a:t>
-            </a:r>
-            <a:endParaRPr lang="en-AU" dirty="0"/>
-          </a:p>
-          <a:p>
-            <a:r>
-              <a:rPr lang="en-AU" dirty="0" err="1"/>
-              <a:t>IISNode</a:t>
-            </a:r>
-            <a:endParaRPr lang="en-AU" dirty="0"/>
-          </a:p>
-          <a:p>
-            <a:r>
-              <a:rPr lang="en-AU" dirty="0"/>
-              <a:t>NPM for Windows</a:t>
-            </a:r>
-          </a:p>
-          <a:p>
-            <a:r>
-              <a:rPr lang="en-AU" dirty="0"/>
-              <a:t>Windows Azure </a:t>
-            </a:r>
-            <a:r>
-              <a:rPr lang="en-AU" dirty="0" smtClean="0"/>
-              <a:t>Emulators &amp; Authoring Components</a:t>
-            </a:r>
-            <a:endParaRPr lang="en-AU" dirty="0"/>
-          </a:p>
-          <a:p>
-            <a:r>
-              <a:rPr lang="en-AU" dirty="0" smtClean="0"/>
-              <a:t>Windows </a:t>
-            </a:r>
-            <a:r>
-              <a:rPr lang="en-AU" dirty="0"/>
-              <a:t>Azure PowerShell for Node.js</a:t>
-            </a:r>
-          </a:p>
           <a:p>
             <a:endParaRPr lang="en-AU" dirty="0"/>
           </a:p>
@@ -13129,7 +13088,7 @@
     </p:spTree>
     <p:extLst>
       <p:ext uri="{BB962C8B-B14F-4D97-AF65-F5344CB8AC3E}">
-        <p14:creationId xmlns:p14="http://schemas.microsoft.com/office/powerpoint/2010/main" val="197175680"/>
+        <p14:creationId xmlns:p14="http://schemas.microsoft.com/office/powerpoint/2010/main" val="3343367578"/>
       </p:ext>
     </p:extLst>
   </p:cSld>
@@ -13176,7 +13135,7 @@
           <a:p>
             <a:r>
               <a:rPr lang="en-AU" dirty="0" smtClean="0"/>
-              <a:t>When should I use it?	</a:t>
+              <a:t>Windows Azure SDK for Node.js</a:t>
             </a:r>
             <a:endParaRPr lang="en-AU" dirty="0"/>
           </a:p>
@@ -13199,40 +13158,45 @@
           <a:p>
             <a:r>
               <a:rPr lang="en-AU" dirty="0" smtClean="0"/>
-              <a:t>Chat/Messaging Apps</a:t>
-            </a:r>
-          </a:p>
-          <a:p>
+              <a:t>Node.js</a:t>
+            </a:r>
+            <a:endParaRPr lang="en-AU" dirty="0"/>
+          </a:p>
+          <a:p>
+            <a:r>
+              <a:rPr lang="en-AU" dirty="0" err="1"/>
+              <a:t>IISNode</a:t>
+            </a:r>
+            <a:endParaRPr lang="en-AU" dirty="0"/>
+          </a:p>
+          <a:p>
+            <a:r>
+              <a:rPr lang="en-AU" dirty="0"/>
+              <a:t>NPM for Windows</a:t>
+            </a:r>
+          </a:p>
+          <a:p>
+            <a:r>
+              <a:rPr lang="en-AU" dirty="0"/>
+              <a:t>Windows Azure </a:t>
+            </a:r>
             <a:r>
               <a:rPr lang="en-AU" dirty="0" smtClean="0"/>
-              <a:t>Real time Apps ( stocks / ticker tape)</a:t>
-            </a:r>
+              <a:t>Emulators &amp; Authoring Components</a:t>
+            </a:r>
+            <a:endParaRPr lang="en-AU" dirty="0"/>
           </a:p>
           <a:p>
             <a:r>
               <a:rPr lang="en-AU" dirty="0" smtClean="0"/>
-              <a:t>Highly Concurrent apps</a:t>
-            </a:r>
-          </a:p>
-          <a:p>
-            <a:r>
-              <a:rPr lang="en-AU" dirty="0" smtClean="0"/>
-              <a:t>Single page apps with lots of asynchronous calls (Gmail </a:t>
-            </a:r>
-            <a:r>
-              <a:rPr lang="en-AU" dirty="0" err="1" smtClean="0"/>
-              <a:t>etc</a:t>
-            </a:r>
-            <a:r>
-              <a:rPr lang="en-AU" dirty="0" smtClean="0"/>
-              <a:t>)</a:t>
-            </a:r>
-          </a:p>
-          <a:p>
-            <a:r>
-              <a:rPr lang="en-AU" dirty="0" smtClean="0"/>
-              <a:t>Serving lots of dynamic content</a:t>
-            </a:r>
+              <a:t>Windows </a:t>
+            </a:r>
+            <a:r>
+              <a:rPr lang="en-AU" dirty="0"/>
+              <a:t>Azure PowerShell for Node.js</a:t>
+            </a:r>
+          </a:p>
+          <a:p>
             <a:endParaRPr lang="en-AU" dirty="0"/>
           </a:p>
         </p:txBody>
@@ -13240,7 +13204,7 @@
     </p:spTree>
     <p:extLst>
       <p:ext uri="{BB962C8B-B14F-4D97-AF65-F5344CB8AC3E}">
-        <p14:creationId xmlns:p14="http://schemas.microsoft.com/office/powerpoint/2010/main" val="830066254"/>
+        <p14:creationId xmlns:p14="http://schemas.microsoft.com/office/powerpoint/2010/main" val="197175680"/>
       </p:ext>
     </p:extLst>
   </p:cSld>
@@ -13250,13 +13214,6 @@
   <p:transition>
     <p:fade thruBlk="1"/>
   </p:transition>
-  <p:timing>
-    <p:tnLst>
-      <p:par>
-        <p:cTn id="1" dur="indefinite" restart="never" nodeType="tmRoot"/>
-      </p:par>
-    </p:tnLst>
-  </p:timing>
 </p:sld>
 </file>
 
@@ -13279,12 +13236,12 @@
       </p:grpSpPr>
       <p:sp>
         <p:nvSpPr>
-          <p:cNvPr id="3" name="Text Placeholder 2"/>
-          <p:cNvSpPr>
-            <a:spLocks noGrp="1"/>
-          </p:cNvSpPr>
-          <p:nvPr>
-            <p:ph type="body" sz="quarter" idx="10"/>
+          <p:cNvPr id="2" name="Title 1"/>
+          <p:cNvSpPr>
+            <a:spLocks noGrp="1"/>
+          </p:cNvSpPr>
+          <p:nvPr>
+            <p:ph type="title"/>
           </p:nvPr>
         </p:nvSpPr>
         <p:spPr/>
@@ -13292,76 +13249,37 @@
           <a:bodyPr/>
           <a:lstStyle/>
           <a:p>
-            <a:pPr marL="0" indent="0">
-              <a:buNone/>
-            </a:pPr>
-            <a:r>
-              <a:rPr lang="en-AU" sz="3200" dirty="0" smtClean="0"/>
-              <a:t>Thanks for listening!</a:t>
-            </a:r>
-          </a:p>
-          <a:p>
-            <a:pPr marL="0" indent="0">
-              <a:buNone/>
-            </a:pPr>
-            <a:endParaRPr lang="en-AU" sz="3200" dirty="0" smtClean="0"/>
-          </a:p>
-          <a:p>
-            <a:pPr marL="0" indent="0">
-              <a:buNone/>
-            </a:pPr>
-            <a:endParaRPr lang="en-AU" sz="3200" dirty="0"/>
-          </a:p>
-          <a:p>
-            <a:pPr marL="0" indent="0">
-              <a:buNone/>
-            </a:pPr>
-            <a:endParaRPr lang="en-AU" sz="3200" dirty="0" smtClean="0"/>
-          </a:p>
-          <a:p>
-            <a:pPr marL="0" indent="0">
-              <a:buNone/>
-            </a:pPr>
-            <a:endParaRPr lang="en-AU" sz="3200" dirty="0" smtClean="0"/>
-          </a:p>
-          <a:p>
-            <a:pPr marL="0" indent="0">
-              <a:buNone/>
-            </a:pPr>
-            <a:r>
-              <a:rPr lang="en-AU" sz="1600" dirty="0" smtClean="0"/>
-              <a:t>email 		aidancasey@gmail.com </a:t>
-            </a:r>
-            <a:endParaRPr lang="en-AU" sz="1600" dirty="0"/>
-          </a:p>
-          <a:p>
-            <a:pPr marL="0" indent="0">
-              <a:buNone/>
-            </a:pPr>
-            <a:r>
-              <a:rPr lang="en-AU" sz="1600" dirty="0"/>
-              <a:t>LinkedIn	</a:t>
-            </a:r>
-            <a:r>
-              <a:rPr lang="en-AU" sz="1600" dirty="0" smtClean="0"/>
-              <a:t>	http</a:t>
-            </a:r>
-            <a:r>
-              <a:rPr lang="en-AU" sz="1600" dirty="0"/>
-              <a:t>://</a:t>
-            </a:r>
-            <a:r>
-              <a:rPr lang="en-AU" sz="1600" dirty="0" smtClean="0"/>
-              <a:t>www.linkedin.com/pub/aidan-casey/2/a71/353</a:t>
-            </a:r>
-            <a:endParaRPr lang="en-AU" sz="1600" dirty="0"/>
+            <a:endParaRPr lang="en-AU" dirty="0"/>
+          </a:p>
+        </p:txBody>
+      </p:sp>
+      <p:sp>
+        <p:nvSpPr>
+          <p:cNvPr id="3" name="Text Placeholder 2"/>
+          <p:cNvSpPr>
+            <a:spLocks noGrp="1"/>
+          </p:cNvSpPr>
+          <p:nvPr>
+            <p:ph type="body" sz="quarter" idx="10"/>
+          </p:nvPr>
+        </p:nvSpPr>
+        <p:spPr/>
+        <p:txBody>
+          <a:bodyPr/>
+          <a:lstStyle/>
+          <a:p>
+            <a:r>
+              <a:rPr lang="en-AU" dirty="0" smtClean="0"/>
+              <a:t>Build and deploy chat client to azure</a:t>
+            </a:r>
+            <a:endParaRPr lang="en-AU" dirty="0"/>
           </a:p>
         </p:txBody>
       </p:sp>
     </p:spTree>
     <p:extLst>
       <p:ext uri="{BB962C8B-B14F-4D97-AF65-F5344CB8AC3E}">
-        <p14:creationId xmlns:p14="http://schemas.microsoft.com/office/powerpoint/2010/main" val="2340990883"/>
+        <p14:creationId xmlns:p14="http://schemas.microsoft.com/office/powerpoint/2010/main" val="2703663301"/>
       </p:ext>
     </p:extLst>
   </p:cSld>
@@ -13371,13 +13289,6 @@
   <p:transition>
     <p:fade thruBlk="1"/>
   </p:transition>
-  <p:timing>
-    <p:tnLst>
-      <p:par>
-        <p:cTn id="1" dur="indefinite" restart="never" nodeType="tmRoot"/>
-      </p:par>
-    </p:tnLst>
-  </p:timing>
 </p:sld>
 </file>
 
@@ -13415,11 +13326,8 @@
           <a:p>
             <a:r>
               <a:rPr lang="en-AU" dirty="0" smtClean="0"/>
-              <a:t>Notes</a:t>
-            </a:r>
-            <a:br>
-              <a:rPr lang="en-AU" dirty="0" smtClean="0"/>
-            </a:br>
+              <a:t>When should I use it?	</a:t>
+            </a:r>
             <a:endParaRPr lang="en-AU" dirty="0"/>
           </a:p>
         </p:txBody>
@@ -13441,68 +13349,40 @@
           <a:p>
             <a:r>
               <a:rPr lang="en-AU" dirty="0" smtClean="0"/>
-              <a:t>JavaScript  closures run on different threads from event loop</a:t>
+              <a:t>Chat/Messaging Apps</a:t>
             </a:r>
           </a:p>
           <a:p>
             <a:r>
               <a:rPr lang="en-AU" dirty="0" smtClean="0"/>
-              <a:t>Mention </a:t>
+              <a:t>Real time Apps ( stocks / ticker tape)</a:t>
+            </a:r>
+          </a:p>
+          <a:p>
+            <a:r>
+              <a:rPr lang="en-AU" dirty="0" smtClean="0"/>
+              <a:t>Highly Concurrent apps</a:t>
+            </a:r>
+          </a:p>
+          <a:p>
+            <a:r>
+              <a:rPr lang="en-AU" dirty="0" smtClean="0"/>
+              <a:t>Single page apps with lots of asynchronous calls (Gmail </a:t>
             </a:r>
             <a:r>
               <a:rPr lang="en-AU" dirty="0" err="1" smtClean="0"/>
-              <a:t>joyet</a:t>
+              <a:t>etc</a:t>
             </a:r>
             <a:r>
               <a:rPr lang="en-AU" dirty="0" smtClean="0"/>
-              <a:t> and Ryan ?</a:t>
+              <a:t>)</a:t>
             </a:r>
           </a:p>
           <a:p>
             <a:r>
               <a:rPr lang="en-AU" dirty="0" smtClean="0"/>
-              <a:t>Only uses 1 core .. Need to run Cluster ?? To  get  multi core </a:t>
-            </a:r>
-            <a:r>
-              <a:rPr lang="en-AU" dirty="0"/>
-              <a:t> </a:t>
-            </a:r>
-            <a:r>
-              <a:rPr lang="en-AU" dirty="0" smtClean="0"/>
-              <a:t>and then there is no inter process </a:t>
-            </a:r>
-            <a:r>
-              <a:rPr lang="en-AU" dirty="0" err="1" smtClean="0"/>
-              <a:t>comms</a:t>
-            </a:r>
-            <a:endParaRPr lang="en-AU" dirty="0" smtClean="0"/>
-          </a:p>
-          <a:p>
-            <a:r>
-              <a:rPr lang="en-AU" dirty="0" smtClean="0"/>
-              <a:t>Like no </a:t>
-            </a:r>
-            <a:r>
-              <a:rPr lang="en-AU" dirty="0" err="1" smtClean="0"/>
-              <a:t>sql</a:t>
-            </a:r>
-            <a:r>
-              <a:rPr lang="en-AU" dirty="0" smtClean="0"/>
-              <a:t> </a:t>
-            </a:r>
-            <a:r>
-              <a:rPr lang="en-AU" dirty="0" err="1" smtClean="0"/>
-              <a:t>ovement</a:t>
-            </a:r>
-            <a:r>
-              <a:rPr lang="en-AU" dirty="0" smtClean="0"/>
-              <a:t> for web servers…</a:t>
-            </a:r>
-          </a:p>
-          <a:p>
-            <a:endParaRPr lang="en-AU" dirty="0" smtClean="0"/>
-          </a:p>
-          <a:p>
+              <a:t>Serving lots of dynamic content</a:t>
+            </a:r>
             <a:endParaRPr lang="en-AU" dirty="0"/>
           </a:p>
         </p:txBody>
@@ -13510,7 +13390,7 @@
     </p:spTree>
     <p:extLst>
       <p:ext uri="{BB962C8B-B14F-4D97-AF65-F5344CB8AC3E}">
-        <p14:creationId xmlns:p14="http://schemas.microsoft.com/office/powerpoint/2010/main" val="1050928964"/>
+        <p14:creationId xmlns:p14="http://schemas.microsoft.com/office/powerpoint/2010/main" val="830066254"/>
       </p:ext>
     </p:extLst>
   </p:cSld>
@@ -13549,12 +13429,12 @@
       </p:grpSpPr>
       <p:sp>
         <p:nvSpPr>
-          <p:cNvPr id="2" name="Title 1"/>
-          <p:cNvSpPr>
-            <a:spLocks noGrp="1"/>
-          </p:cNvSpPr>
-          <p:nvPr>
-            <p:ph type="title"/>
+          <p:cNvPr id="3" name="Text Placeholder 2"/>
+          <p:cNvSpPr>
+            <a:spLocks noGrp="1"/>
+          </p:cNvSpPr>
+          <p:nvPr>
+            <p:ph type="body" sz="quarter" idx="10"/>
           </p:nvPr>
         </p:nvSpPr>
         <p:spPr/>
@@ -13562,51 +13442,76 @@
           <a:bodyPr/>
           <a:lstStyle/>
           <a:p>
-            <a:r>
-              <a:rPr lang="en-AU" dirty="0" smtClean="0"/>
-              <a:t>Debugging	</a:t>
-            </a:r>
-            <a:endParaRPr lang="en-AU" dirty="0"/>
-          </a:p>
-        </p:txBody>
-      </p:sp>
-      <p:sp>
-        <p:nvSpPr>
-          <p:cNvPr id="3" name="Text Placeholder 2"/>
-          <p:cNvSpPr>
-            <a:spLocks noGrp="1"/>
-          </p:cNvSpPr>
-          <p:nvPr>
-            <p:ph type="body" sz="quarter" idx="10"/>
-          </p:nvPr>
-        </p:nvSpPr>
-        <p:spPr/>
-        <p:txBody>
-          <a:bodyPr/>
-          <a:lstStyle/>
-          <a:p>
-            <a:r>
-              <a:rPr lang="en-AU" dirty="0" smtClean="0"/>
-              <a:t>Quick demo of node inspector &amp; point out it doesn’t work in IE !!!</a:t>
-            </a:r>
-          </a:p>
-          <a:p>
-            <a:r>
-              <a:rPr lang="en-AU" dirty="0" smtClean="0"/>
-              <a:t>Can you debug </a:t>
-            </a:r>
-            <a:r>
-              <a:rPr lang="en-AU" smtClean="0"/>
-              <a:t>in cloud 9…</a:t>
-            </a:r>
-            <a:endParaRPr lang="en-AU"/>
+            <a:pPr marL="0" indent="0">
+              <a:buNone/>
+            </a:pPr>
+            <a:r>
+              <a:rPr lang="en-AU" sz="3200" dirty="0" smtClean="0"/>
+              <a:t>Thanks for listening!</a:t>
+            </a:r>
+          </a:p>
+          <a:p>
+            <a:pPr marL="0" indent="0">
+              <a:buNone/>
+            </a:pPr>
+            <a:endParaRPr lang="en-AU" sz="3200" dirty="0" smtClean="0"/>
+          </a:p>
+          <a:p>
+            <a:pPr marL="0" indent="0">
+              <a:buNone/>
+            </a:pPr>
+            <a:endParaRPr lang="en-AU" sz="3200" dirty="0"/>
+          </a:p>
+          <a:p>
+            <a:pPr marL="0" indent="0">
+              <a:buNone/>
+            </a:pPr>
+            <a:endParaRPr lang="en-AU" sz="3200" dirty="0" smtClean="0"/>
+          </a:p>
+          <a:p>
+            <a:pPr marL="0" indent="0">
+              <a:buNone/>
+            </a:pPr>
+            <a:endParaRPr lang="en-AU" sz="3200" dirty="0" smtClean="0"/>
+          </a:p>
+          <a:p>
+            <a:pPr marL="0" indent="0">
+              <a:buNone/>
+            </a:pPr>
+            <a:r>
+              <a:rPr lang="en-AU" sz="1600" dirty="0" smtClean="0"/>
+              <a:t>email 		aidancasey@gmail.com </a:t>
+            </a:r>
+            <a:endParaRPr lang="en-AU" sz="1600" dirty="0"/>
+          </a:p>
+          <a:p>
+            <a:pPr marL="0" indent="0">
+              <a:buNone/>
+            </a:pPr>
+            <a:r>
+              <a:rPr lang="en-AU" sz="1600" dirty="0"/>
+              <a:t>LinkedIn	</a:t>
+            </a:r>
+            <a:r>
+              <a:rPr lang="en-AU" sz="1600" dirty="0" smtClean="0"/>
+              <a:t>	http</a:t>
+            </a:r>
+            <a:r>
+              <a:rPr lang="en-AU" sz="1600" dirty="0"/>
+              <a:t>://</a:t>
+            </a:r>
+            <a:r>
+              <a:rPr lang="en-AU" sz="1600" dirty="0" smtClean="0"/>
+              <a:t>www.linkedin.com/pub/aidan-casey/2/a71/353</a:t>
+            </a:r>
+            <a:endParaRPr lang="en-AU" sz="1600" dirty="0"/>
           </a:p>
         </p:txBody>
       </p:sp>
     </p:spTree>
     <p:extLst>
       <p:ext uri="{BB962C8B-B14F-4D97-AF65-F5344CB8AC3E}">
-        <p14:creationId xmlns:p14="http://schemas.microsoft.com/office/powerpoint/2010/main" val="1919157066"/>
+        <p14:creationId xmlns:p14="http://schemas.microsoft.com/office/powerpoint/2010/main" val="2340990883"/>
       </p:ext>
     </p:extLst>
   </p:cSld>
@@ -13660,8 +13565,11 @@
           <a:p>
             <a:r>
               <a:rPr lang="en-AU" dirty="0" smtClean="0"/>
-              <a:t>Demo building simple chat client and deploying to azure</a:t>
-            </a:r>
+              <a:t>Notes</a:t>
+            </a:r>
+            <a:br>
+              <a:rPr lang="en-AU" dirty="0" smtClean="0"/>
+            </a:br>
             <a:endParaRPr lang="en-AU" dirty="0"/>
           </a:p>
         </p:txBody>
@@ -13681,14 +13589,78 @@
           <a:bodyPr/>
           <a:lstStyle/>
           <a:p>
-            <a:endParaRPr lang="en-AU"/>
+            <a:r>
+              <a:rPr lang="en-AU" dirty="0" smtClean="0"/>
+              <a:t>JavaScript  closures run on different threads from event loop</a:t>
+            </a:r>
+          </a:p>
+          <a:p>
+            <a:r>
+              <a:rPr lang="en-AU" dirty="0" smtClean="0"/>
+              <a:t>Mention </a:t>
+            </a:r>
+            <a:r>
+              <a:rPr lang="en-AU" dirty="0" err="1" smtClean="0"/>
+              <a:t>joyet</a:t>
+            </a:r>
+            <a:r>
+              <a:rPr lang="en-AU" dirty="0" smtClean="0"/>
+              <a:t> and Ryan ?</a:t>
+            </a:r>
+          </a:p>
+          <a:p>
+            <a:r>
+              <a:rPr lang="en-AU" dirty="0" smtClean="0"/>
+              <a:t>Only uses 1 core .. Need to run Cluster ?? To  get  multi core </a:t>
+            </a:r>
+            <a:r>
+              <a:rPr lang="en-AU" dirty="0"/>
+              <a:t> </a:t>
+            </a:r>
+            <a:r>
+              <a:rPr lang="en-AU" dirty="0" smtClean="0"/>
+              <a:t>and then there is no inter process </a:t>
+            </a:r>
+            <a:r>
+              <a:rPr lang="en-AU" dirty="0" err="1" smtClean="0"/>
+              <a:t>comms</a:t>
+            </a:r>
+            <a:endParaRPr lang="en-AU" dirty="0" smtClean="0"/>
+          </a:p>
+          <a:p>
+            <a:r>
+              <a:rPr lang="en-AU" dirty="0" smtClean="0"/>
+              <a:t>Like no </a:t>
+            </a:r>
+            <a:r>
+              <a:rPr lang="en-AU" dirty="0" err="1" smtClean="0"/>
+              <a:t>sql</a:t>
+            </a:r>
+            <a:r>
+              <a:rPr lang="en-AU" dirty="0" smtClean="0"/>
+              <a:t> </a:t>
+            </a:r>
+            <a:r>
+              <a:rPr lang="en-AU" dirty="0" err="1" smtClean="0"/>
+              <a:t>ovement</a:t>
+            </a:r>
+            <a:r>
+              <a:rPr lang="en-AU" dirty="0" smtClean="0"/>
+              <a:t> for web servers…</a:t>
+            </a:r>
+          </a:p>
+          <a:p>
+            <a:endParaRPr lang="en-AU" dirty="0" smtClean="0"/>
+          </a:p>
+          <a:p>
+            <a:endParaRPr lang="en-AU" dirty="0"/>
           </a:p>
         </p:txBody>
       </p:sp>
     </p:spTree>
     <p:extLst>
       <p:ext uri="{BB962C8B-B14F-4D97-AF65-F5344CB8AC3E}">
-        <p14:creationId xmlns:p14="http://schemas.microsoft.com/office/powerpoint/2010/main" val="3133931461"/>
+        <p14:creationId xmlns:p14="http://schemas.microsoft.com/office/powerpoint/2010/main" val="1050928964"/>
       </p:ext>
     </p:extLst>
   </p:cSld>
@@ -13742,7 +13714,7 @@
           <a:p>
             <a:r>
               <a:rPr lang="en-AU" dirty="0" smtClean="0"/>
-              <a:t>Tools</a:t>
+              <a:t>Debugging	</a:t>
             </a:r>
             <a:endParaRPr lang="en-AU" dirty="0"/>
           </a:p>
@@ -13763,83 +13735,28 @@
           <a:bodyPr/>
           <a:lstStyle/>
           <a:p>
-            <a:pPr marL="0" indent="0">
-              <a:buNone/>
-            </a:pPr>
             <a:r>
               <a:rPr lang="en-AU" dirty="0" smtClean="0"/>
-              <a:t>IISNODE</a:t>
-            </a:r>
-          </a:p>
-          <a:p>
-            <a:pPr marL="0" indent="0">
-              <a:buNone/>
-            </a:pPr>
-            <a:endParaRPr lang="en-AU" dirty="0"/>
-          </a:p>
-          <a:p>
-            <a:pPr marL="0" indent="0">
-              <a:buNone/>
-            </a:pPr>
+              <a:t>Quick demo of node inspector &amp; point out it doesn’t work in IE !!!</a:t>
+            </a:r>
+          </a:p>
+          <a:p>
             <a:r>
               <a:rPr lang="en-AU" dirty="0" smtClean="0"/>
-              <a:t>DEBUGGING</a:t>
-            </a:r>
-          </a:p>
-          <a:p>
-            <a:pPr marL="0" indent="0">
-              <a:buNone/>
-            </a:pPr>
-            <a:endParaRPr lang="en-AU" dirty="0"/>
-          </a:p>
-          <a:p>
-            <a:pPr marL="0" indent="0">
-              <a:buNone/>
-            </a:pPr>
-            <a:r>
-              <a:rPr lang="en-AU" dirty="0" smtClean="0"/>
-              <a:t>POWERSHELL..</a:t>
-            </a:r>
-          </a:p>
-          <a:p>
-            <a:pPr marL="0" indent="0">
-              <a:buNone/>
-            </a:pPr>
-            <a:endParaRPr lang="en-AU" dirty="0"/>
-          </a:p>
-          <a:p>
-            <a:pPr marL="0" indent="0">
-              <a:buNone/>
-            </a:pPr>
-            <a:r>
-              <a:rPr lang="en-AU" dirty="0" smtClean="0"/>
-              <a:t>Cloud9ide – built purely on node</a:t>
-            </a:r>
-          </a:p>
-          <a:p>
-            <a:pPr marL="0" indent="0">
-              <a:buNone/>
-            </a:pPr>
-            <a:r>
-              <a:rPr lang="en-AU" dirty="0" smtClean="0"/>
-              <a:t>Node more active followers than </a:t>
-            </a:r>
-            <a:r>
-              <a:rPr lang="en-AU" dirty="0" err="1" smtClean="0"/>
-              <a:t>jquery</a:t>
-            </a:r>
-            <a:r>
-              <a:rPr lang="en-AU" dirty="0" smtClean="0"/>
-              <a:t>…</a:t>
-            </a:r>
-            <a:endParaRPr lang="en-AU" dirty="0"/>
+              <a:t>Can you debug </a:t>
+            </a:r>
+            <a:r>
+              <a:rPr lang="en-AU" smtClean="0"/>
+              <a:t>in cloud 9…</a:t>
+            </a:r>
+            <a:endParaRPr lang="en-AU"/>
           </a:p>
         </p:txBody>
       </p:sp>
     </p:spTree>
     <p:extLst>
       <p:ext uri="{BB962C8B-B14F-4D97-AF65-F5344CB8AC3E}">
-        <p14:creationId xmlns:p14="http://schemas.microsoft.com/office/powerpoint/2010/main" val="1314991676"/>
+        <p14:creationId xmlns:p14="http://schemas.microsoft.com/office/powerpoint/2010/main" val="1919157066"/>
       </p:ext>
     </p:extLst>
   </p:cSld>
@@ -13893,7 +13810,7 @@
           <a:p>
             <a:r>
               <a:rPr lang="en-AU" dirty="0" smtClean="0"/>
-              <a:t>References</a:t>
+              <a:t>Demo building simple chat client and deploying to azure</a:t>
             </a:r>
             <a:endParaRPr lang="en-AU" dirty="0"/>
           </a:p>
@@ -13901,7 +13818,7 @@
       </p:sp>
       <p:sp>
         <p:nvSpPr>
-          <p:cNvPr id="4" name="Title 1"/>
+          <p:cNvPr id="3" name="Text Placeholder 2"/>
           <p:cNvSpPr>
             <a:spLocks noGrp="1"/>
           </p:cNvSpPr>
@@ -13914,39 +13831,14 @@
           <a:bodyPr/>
           <a:lstStyle/>
           <a:p>
-            <a:r>
-              <a:rPr lang="en-AU" dirty="0" smtClean="0"/>
-              <a:t>Evented I/O explained </a:t>
-            </a:r>
-            <a:r>
-              <a:rPr lang="en-AU" sz="2000" dirty="0" smtClean="0"/>
-              <a:t>( </a:t>
-            </a:r>
-            <a:r>
-              <a:rPr lang="en-AU" sz="2000" dirty="0"/>
-              <a:t>courtesy of Simon </a:t>
-            </a:r>
-            <a:r>
-              <a:rPr lang="en-AU" sz="2000" dirty="0" err="1" smtClean="0"/>
-              <a:t>Willison</a:t>
-            </a:r>
-            <a:r>
-              <a:rPr lang="en-AU" sz="2000" dirty="0" smtClean="0"/>
-              <a:t>)</a:t>
-            </a:r>
-          </a:p>
-          <a:p>
-            <a:r>
-              <a:rPr lang="en-AU" sz="2000" dirty="0"/>
-              <a:t>http://www.slideshare.net/simon/evented-io-based-web-servers-explained-using-bunnies</a:t>
-            </a:r>
+            <a:endParaRPr lang="en-AU"/>
           </a:p>
         </p:txBody>
       </p:sp>
     </p:spTree>
     <p:extLst>
       <p:ext uri="{BB962C8B-B14F-4D97-AF65-F5344CB8AC3E}">
-        <p14:creationId xmlns:p14="http://schemas.microsoft.com/office/powerpoint/2010/main" val="252603141"/>
+        <p14:creationId xmlns:p14="http://schemas.microsoft.com/office/powerpoint/2010/main" val="3133931461"/>
       </p:ext>
     </p:extLst>
   </p:cSld>
@@ -14389,13 +14281,8 @@
           <a:p>
             <a:r>
               <a:rPr lang="en-AU" dirty="0" smtClean="0"/>
-              <a:t>What is node</a:t>
-            </a:r>
-            <a:r>
-              <a:rPr lang="en-AU" dirty="0" smtClean="0"/>
-              <a:t>.js</a:t>
-            </a:r>
-            <a:endParaRPr lang="en-AU" dirty="0" smtClean="0"/>
+              <a:t>What is node.js</a:t>
+            </a:r>
           </a:p>
           <a:p>
             <a:r>
@@ -14537,29 +14424,13 @@
           <a:p>
             <a:r>
               <a:rPr lang="en-AU" dirty="0" smtClean="0"/>
-              <a:t>Server side </a:t>
-            </a:r>
+              <a:t>Server side technology for building scalable network programs.</a:t>
+            </a:r>
+          </a:p>
+          <a:p>
             <a:r>
               <a:rPr lang="en-AU" dirty="0" smtClean="0"/>
-              <a:t>technology for building scalable network programs.</a:t>
-            </a:r>
-          </a:p>
-          <a:p>
-            <a:r>
-              <a:rPr lang="en-AU" dirty="0" smtClean="0"/>
-              <a:t>Executes server side JavaScript code using Google's </a:t>
-            </a:r>
-            <a:r>
-              <a:rPr lang="en-AU" dirty="0" smtClean="0"/>
-              <a:t>(super fast)V8 </a:t>
-            </a:r>
-            <a:r>
-              <a:rPr lang="en-AU" dirty="0" smtClean="0"/>
-              <a:t>JavaScript </a:t>
-            </a:r>
-            <a:r>
-              <a:rPr lang="en-AU" dirty="0" smtClean="0"/>
-              <a:t>engine</a:t>
+              <a:t>Executes server side JavaScript code using Google's (super fast)V8 JavaScript engine</a:t>
             </a:r>
           </a:p>
           <a:p>
@@ -15504,11 +15375,7 @@
             </a:r>
             <a:r>
               <a:rPr lang="en-AU" dirty="0" smtClean="0"/>
-              <a:t>eb </a:t>
-            </a:r>
-            <a:r>
-              <a:rPr lang="en-AU" dirty="0" smtClean="0"/>
-              <a:t>server synchronous I/O model</a:t>
+              <a:t>eb server synchronous I/O model</a:t>
             </a:r>
             <a:endParaRPr lang="en-AU" dirty="0"/>
           </a:p>
@@ -19489,21 +19356,6 @@
 </file>
 
 <file path=customXml/item1.xml><?xml version="1.0" encoding="utf-8"?>
-<p:properties xmlns:p="http://schemas.microsoft.com/office/2006/metadata/properties" xmlns:xsi="http://www.w3.org/2001/XMLSchema-instance">
-  <documentManagement/>
-</p:properties>
-</file>
-
-<file path=customXml/item2.xml><?xml version="1.0" encoding="utf-8"?>
-<?mso-contentType ?>
-<FormTemplates xmlns="http://schemas.microsoft.com/sharepoint/v3/contenttype/forms">
-  <Display>DocumentLibraryForm</Display>
-  <Edit>DocumentLibraryForm</Edit>
-  <New>DocumentLibraryForm</New>
-</FormTemplates>
-</file>
-
-<file path=customXml/item3.xml><?xml version="1.0" encoding="utf-8"?>
 <?mso-contentType ?>
 <rca:RCAuthoringProperties xmlns:rca="urn:sharePointPublishingRcaProperties">
   <rca:Converter rca:guid="6dfdc5b4-2a28-4a06-b0c6-ad3901e3a807">
@@ -19519,6 +19371,21 @@
     <rca:property rca:type="ConverterSpecificSettings"/>
   </rca:Converter>
 </rca:RCAuthoringProperties>
+</file>
+
+<file path=customXml/item2.xml><?xml version="1.0" encoding="utf-8"?>
+<?mso-contentType ?>
+<FormTemplates xmlns="http://schemas.microsoft.com/sharepoint/v3/contenttype/forms">
+  <Display>DocumentLibraryForm</Display>
+  <Edit>DocumentLibraryForm</Edit>
+  <New>DocumentLibraryForm</New>
+</FormTemplates>
+</file>
+
+<file path=customXml/item3.xml><?xml version="1.0" encoding="utf-8"?>
+<p:properties xmlns:p="http://schemas.microsoft.com/office/2006/metadata/properties" xmlns:xsi="http://www.w3.org/2001/XMLSchema-instance">
+  <documentManagement/>
+</p:properties>
 </file>
 
 <file path=customXml/item4.xml><?xml version="1.0" encoding="utf-8"?>
@@ -19571,15 +19438,9 @@
 </file>
 
 <file path=customXml/itemProps1.xml><?xml version="1.0" encoding="utf-8"?>
-<ds:datastoreItem xmlns:ds="http://schemas.openxmlformats.org/officeDocument/2006/customXml" ds:itemID="{BDEC00FF-5F1B-415D-9C89-173832172D95}">
+<ds:datastoreItem xmlns:ds="http://schemas.openxmlformats.org/officeDocument/2006/customXml" ds:itemID="{37DE6E84-255A-45E8-8353-BCD6A4998E02}">
   <ds:schemaRefs>
-    <ds:schemaRef ds:uri="http://schemas.microsoft.com/office/2006/metadata/properties"/>
-    <ds:schemaRef ds:uri="http://schemas.openxmlformats.org/package/2006/metadata/core-properties"/>
-    <ds:schemaRef ds:uri="http://schemas.microsoft.com/office/2006/documentManagement/types"/>
-    <ds:schemaRef ds:uri="http://purl.org/dc/elements/1.1/"/>
-    <ds:schemaRef ds:uri="http://purl.org/dc/dcmitype/"/>
-    <ds:schemaRef ds:uri="http://purl.org/dc/terms/"/>
-    <ds:schemaRef ds:uri="http://www.w3.org/XML/1998/namespace"/>
+    <ds:schemaRef ds:uri="urn:sharePointPublishingRcaProperties"/>
   </ds:schemaRefs>
 </ds:datastoreItem>
 </file>
@@ -19593,9 +19454,15 @@
 </file>
 
 <file path=customXml/itemProps3.xml><?xml version="1.0" encoding="utf-8"?>
-<ds:datastoreItem xmlns:ds="http://schemas.openxmlformats.org/officeDocument/2006/customXml" ds:itemID="{37DE6E84-255A-45E8-8353-BCD6A4998E02}">
+<ds:datastoreItem xmlns:ds="http://schemas.openxmlformats.org/officeDocument/2006/customXml" ds:itemID="{BDEC00FF-5F1B-415D-9C89-173832172D95}">
   <ds:schemaRefs>
-    <ds:schemaRef ds:uri="urn:sharePointPublishingRcaProperties"/>
+    <ds:schemaRef ds:uri="http://schemas.microsoft.com/office/2006/metadata/properties"/>
+    <ds:schemaRef ds:uri="http://schemas.openxmlformats.org/package/2006/metadata/core-properties"/>
+    <ds:schemaRef ds:uri="http://schemas.microsoft.com/office/2006/documentManagement/types"/>
+    <ds:schemaRef ds:uri="http://purl.org/dc/elements/1.1/"/>
+    <ds:schemaRef ds:uri="http://purl.org/dc/dcmitype/"/>
+    <ds:schemaRef ds:uri="http://purl.org/dc/terms/"/>
+    <ds:schemaRef ds:uri="http://www.w3.org/XML/1998/namespace"/>
   </ds:schemaRefs>
 </ds:datastoreItem>
 </file>

--- a/presentation/Building Node.js Applications on Windows Azure.pptx
+++ b/presentation/Building Node.js Applications on Windows Azure.pptx
@@ -7,10 +7,10 @@
     <p:sldMasterId id="2147483681" r:id="rId7"/>
   </p:sldMasterIdLst>
   <p:notesMasterIdLst>
-    <p:notesMasterId r:id="rId27"/>
+    <p:notesMasterId r:id="rId25"/>
   </p:notesMasterIdLst>
   <p:handoutMasterIdLst>
-    <p:handoutMasterId r:id="rId28"/>
+    <p:handoutMasterId r:id="rId26"/>
   </p:handoutMasterIdLst>
   <p:sldIdLst>
     <p:sldId id="256" r:id="rId8"/>
@@ -24,14 +24,12 @@
     <p:sldId id="270" r:id="rId16"/>
     <p:sldId id="281" r:id="rId17"/>
     <p:sldId id="271" r:id="rId18"/>
-    <p:sldId id="283" r:id="rId19"/>
-    <p:sldId id="282" r:id="rId20"/>
-    <p:sldId id="284" r:id="rId21"/>
-    <p:sldId id="273" r:id="rId22"/>
-    <p:sldId id="259" r:id="rId23"/>
-    <p:sldId id="272" r:id="rId24"/>
-    <p:sldId id="276" r:id="rId25"/>
-    <p:sldId id="275" r:id="rId26"/>
+    <p:sldId id="285" r:id="rId19"/>
+    <p:sldId id="288" r:id="rId20"/>
+    <p:sldId id="282" r:id="rId21"/>
+    <p:sldId id="286" r:id="rId22"/>
+    <p:sldId id="273" r:id="rId23"/>
+    <p:sldId id="287" r:id="rId24"/>
   </p:sldIdLst>
   <p:sldSz cx="9144000" cy="6858000" type="screen4x3"/>
   <p:notesSz cx="7099300" cy="10234613"/>
@@ -2880,7 +2878,7 @@
             <a:fld id="{7785875F-706E-40BB-864A-2D06F0E4670E}" type="datetimeFigureOut">
               <a:rPr lang="en-AU" smtClean="0"/>
               <a:pPr/>
-              <a:t>7/03/2012</a:t>
+              <a:t>8/03/2012</a:t>
             </a:fld>
             <a:endParaRPr lang="en-AU" dirty="0"/>
           </a:p>
@@ -3047,7 +3045,7 @@
             <a:fld id="{7DDF49B5-0C03-42A4-A086-8D97D52D2493}" type="datetimeFigureOut">
               <a:rPr lang="en-AU" smtClean="0"/>
               <a:pPr/>
-              <a:t>7/03/2012</a:t>
+              <a:t>8/03/2012</a:t>
             </a:fld>
             <a:endParaRPr lang="en-AU" dirty="0"/>
           </a:p>
@@ -5549,7 +5547,7 @@
             <a:fld id="{CA10310C-7EC1-470A-8BF5-D51EF2D864BA}" type="datetimeFigureOut">
               <a:rPr lang="en-AU" smtClean="0"/>
               <a:pPr/>
-              <a:t>7/03/2012</a:t>
+              <a:t>8/03/2012</a:t>
             </a:fld>
             <a:endParaRPr lang="en-AU"/>
           </a:p>
@@ -5716,7 +5714,7 @@
             <a:fld id="{CA10310C-7EC1-470A-8BF5-D51EF2D864BA}" type="datetimeFigureOut">
               <a:rPr lang="en-AU" smtClean="0"/>
               <a:pPr/>
-              <a:t>7/03/2012</a:t>
+              <a:t>8/03/2012</a:t>
             </a:fld>
             <a:endParaRPr lang="en-AU"/>
           </a:p>
@@ -5959,7 +5957,7 @@
             <a:fld id="{CA10310C-7EC1-470A-8BF5-D51EF2D864BA}" type="datetimeFigureOut">
               <a:rPr lang="en-AU" smtClean="0"/>
               <a:pPr/>
-              <a:t>7/03/2012</a:t>
+              <a:t>8/03/2012</a:t>
             </a:fld>
             <a:endParaRPr lang="en-AU"/>
           </a:p>
@@ -6244,7 +6242,7 @@
             <a:fld id="{CA10310C-7EC1-470A-8BF5-D51EF2D864BA}" type="datetimeFigureOut">
               <a:rPr lang="en-AU" smtClean="0"/>
               <a:pPr/>
-              <a:t>7/03/2012</a:t>
+              <a:t>8/03/2012</a:t>
             </a:fld>
             <a:endParaRPr lang="en-AU"/>
           </a:p>
@@ -6663,7 +6661,7 @@
             <a:fld id="{CA10310C-7EC1-470A-8BF5-D51EF2D864BA}" type="datetimeFigureOut">
               <a:rPr lang="en-AU" smtClean="0"/>
               <a:pPr/>
-              <a:t>7/03/2012</a:t>
+              <a:t>8/03/2012</a:t>
             </a:fld>
             <a:endParaRPr lang="en-AU"/>
           </a:p>
@@ -6778,7 +6776,7 @@
             <a:fld id="{CA10310C-7EC1-470A-8BF5-D51EF2D864BA}" type="datetimeFigureOut">
               <a:rPr lang="en-AU" smtClean="0"/>
               <a:pPr/>
-              <a:t>7/03/2012</a:t>
+              <a:t>8/03/2012</a:t>
             </a:fld>
             <a:endParaRPr lang="en-AU"/>
           </a:p>
@@ -6870,7 +6868,7 @@
             <a:fld id="{CA10310C-7EC1-470A-8BF5-D51EF2D864BA}" type="datetimeFigureOut">
               <a:rPr lang="en-AU" smtClean="0"/>
               <a:pPr/>
-              <a:t>7/03/2012</a:t>
+              <a:t>8/03/2012</a:t>
             </a:fld>
             <a:endParaRPr lang="en-AU"/>
           </a:p>
@@ -7144,7 +7142,7 @@
             <a:fld id="{CA10310C-7EC1-470A-8BF5-D51EF2D864BA}" type="datetimeFigureOut">
               <a:rPr lang="en-AU" smtClean="0"/>
               <a:pPr/>
-              <a:t>7/03/2012</a:t>
+              <a:t>8/03/2012</a:t>
             </a:fld>
             <a:endParaRPr lang="en-AU"/>
           </a:p>
@@ -7394,7 +7392,7 @@
             <a:fld id="{CA10310C-7EC1-470A-8BF5-D51EF2D864BA}" type="datetimeFigureOut">
               <a:rPr lang="en-AU" smtClean="0"/>
               <a:pPr/>
-              <a:t>7/03/2012</a:t>
+              <a:t>8/03/2012</a:t>
             </a:fld>
             <a:endParaRPr lang="en-AU"/>
           </a:p>
@@ -7561,7 +7559,7 @@
             <a:fld id="{CA10310C-7EC1-470A-8BF5-D51EF2D864BA}" type="datetimeFigureOut">
               <a:rPr lang="en-AU" smtClean="0"/>
               <a:pPr/>
-              <a:t>7/03/2012</a:t>
+              <a:t>8/03/2012</a:t>
             </a:fld>
             <a:endParaRPr lang="en-AU"/>
           </a:p>
@@ -7847,7 +7845,7 @@
             <a:fld id="{CA10310C-7EC1-470A-8BF5-D51EF2D864BA}" type="datetimeFigureOut">
               <a:rPr lang="en-AU" smtClean="0"/>
               <a:pPr/>
-              <a:t>7/03/2012</a:t>
+              <a:t>8/03/2012</a:t>
             </a:fld>
             <a:endParaRPr lang="en-AU"/>
           </a:p>
@@ -8086,7 +8084,7 @@
             <a:fld id="{85CE8AA0-9735-4FA2-95DD-391EE93AFE89}" type="datetimeFigureOut">
               <a:rPr lang="en-AU" smtClean="0"/>
               <a:pPr/>
-              <a:t>7/03/2012</a:t>
+              <a:t>8/03/2012</a:t>
             </a:fld>
             <a:endParaRPr lang="en-AU"/>
           </a:p>
@@ -8253,7 +8251,7 @@
             <a:fld id="{85CE8AA0-9735-4FA2-95DD-391EE93AFE89}" type="datetimeFigureOut">
               <a:rPr lang="en-AU" smtClean="0"/>
               <a:pPr/>
-              <a:t>7/03/2012</a:t>
+              <a:t>8/03/2012</a:t>
             </a:fld>
             <a:endParaRPr lang="en-AU"/>
           </a:p>
@@ -8496,7 +8494,7 @@
             <a:fld id="{85CE8AA0-9735-4FA2-95DD-391EE93AFE89}" type="datetimeFigureOut">
               <a:rPr lang="en-AU" smtClean="0"/>
               <a:pPr/>
-              <a:t>7/03/2012</a:t>
+              <a:t>8/03/2012</a:t>
             </a:fld>
             <a:endParaRPr lang="en-AU"/>
           </a:p>
@@ -8781,7 +8779,7 @@
             <a:fld id="{85CE8AA0-9735-4FA2-95DD-391EE93AFE89}" type="datetimeFigureOut">
               <a:rPr lang="en-AU" smtClean="0"/>
               <a:pPr/>
-              <a:t>7/03/2012</a:t>
+              <a:t>8/03/2012</a:t>
             </a:fld>
             <a:endParaRPr lang="en-AU"/>
           </a:p>
@@ -9200,7 +9198,7 @@
             <a:fld id="{85CE8AA0-9735-4FA2-95DD-391EE93AFE89}" type="datetimeFigureOut">
               <a:rPr lang="en-AU" smtClean="0"/>
               <a:pPr/>
-              <a:t>7/03/2012</a:t>
+              <a:t>8/03/2012</a:t>
             </a:fld>
             <a:endParaRPr lang="en-AU"/>
           </a:p>
@@ -9315,7 +9313,7 @@
             <a:fld id="{85CE8AA0-9735-4FA2-95DD-391EE93AFE89}" type="datetimeFigureOut">
               <a:rPr lang="en-AU" smtClean="0"/>
               <a:pPr/>
-              <a:t>7/03/2012</a:t>
+              <a:t>8/03/2012</a:t>
             </a:fld>
             <a:endParaRPr lang="en-AU"/>
           </a:p>
@@ -9407,7 +9405,7 @@
             <a:fld id="{85CE8AA0-9735-4FA2-95DD-391EE93AFE89}" type="datetimeFigureOut">
               <a:rPr lang="en-AU" smtClean="0"/>
               <a:pPr/>
-              <a:t>7/03/2012</a:t>
+              <a:t>8/03/2012</a:t>
             </a:fld>
             <a:endParaRPr lang="en-AU"/>
           </a:p>
@@ -9681,7 +9679,7 @@
             <a:fld id="{85CE8AA0-9735-4FA2-95DD-391EE93AFE89}" type="datetimeFigureOut">
               <a:rPr lang="en-AU" smtClean="0"/>
               <a:pPr/>
-              <a:t>7/03/2012</a:t>
+              <a:t>8/03/2012</a:t>
             </a:fld>
             <a:endParaRPr lang="en-AU"/>
           </a:p>
@@ -9931,7 +9929,7 @@
             <a:fld id="{85CE8AA0-9735-4FA2-95DD-391EE93AFE89}" type="datetimeFigureOut">
               <a:rPr lang="en-AU" smtClean="0"/>
               <a:pPr/>
-              <a:t>7/03/2012</a:t>
+              <a:t>8/03/2012</a:t>
             </a:fld>
             <a:endParaRPr lang="en-AU"/>
           </a:p>
@@ -10207,7 +10205,7 @@
             <a:fld id="{85CE8AA0-9735-4FA2-95DD-391EE93AFE89}" type="datetimeFigureOut">
               <a:rPr lang="en-AU" smtClean="0"/>
               <a:pPr/>
-              <a:t>7/03/2012</a:t>
+              <a:t>8/03/2012</a:t>
             </a:fld>
             <a:endParaRPr lang="en-AU"/>
           </a:p>
@@ -10384,7 +10382,7 @@
             <a:fld id="{85CE8AA0-9735-4FA2-95DD-391EE93AFE89}" type="datetimeFigureOut">
               <a:rPr lang="en-AU" smtClean="0"/>
               <a:pPr/>
-              <a:t>7/03/2012</a:t>
+              <a:t>8/03/2012</a:t>
             </a:fld>
             <a:endParaRPr lang="en-AU"/>
           </a:p>
@@ -10499,7 +10497,7 @@
             <a:fld id="{85CE8AA0-9735-4FA2-95DD-391EE93AFE89}" type="datetimeFigureOut">
               <a:rPr lang="en-AU" smtClean="0"/>
               <a:pPr/>
-              <a:t>7/03/2012</a:t>
+              <a:t>8/03/2012</a:t>
             </a:fld>
             <a:endParaRPr lang="en-AU"/>
           </a:p>
@@ -11587,7 +11585,7 @@
             <a:fld id="{CA10310C-7EC1-470A-8BF5-D51EF2D864BA}" type="datetimeFigureOut">
               <a:rPr lang="en-AU" smtClean="0"/>
               <a:pPr/>
-              <a:t>7/03/2012</a:t>
+              <a:t>8/03/2012</a:t>
             </a:fld>
             <a:endParaRPr lang="en-AU"/>
           </a:p>
@@ -12097,7 +12095,7 @@
             <a:fld id="{85CE8AA0-9735-4FA2-95DD-391EE93AFE89}" type="datetimeFigureOut">
               <a:rPr lang="en-AU" smtClean="0"/>
               <a:pPr/>
-              <a:t>7/03/2012</a:t>
+              <a:t>8/03/2012</a:t>
             </a:fld>
             <a:endParaRPr lang="en-AU"/>
           </a:p>
@@ -12740,7 +12738,7 @@
           <a:p>
             <a:r>
               <a:rPr lang="en-AU" dirty="0" smtClean="0"/>
-              <a:t>Demo : build a http webserver in 5 lines of code</a:t>
+              <a:t>Demo : build a http webserver in 5 lines of code!</a:t>
             </a:r>
             <a:endParaRPr lang="en-AU" dirty="0"/>
           </a:p>
@@ -12768,7 +12766,7 @@
           <a:graphicData uri="http://schemas.openxmlformats.org/presentationml/2006/ole">
             <mc:AlternateContent xmlns:mc="http://schemas.openxmlformats.org/markup-compatibility/2006">
               <mc:Choice xmlns:v="urn:schemas-microsoft-com:vml" Requires="v">
-                <p:oleObj spid="_x0000_s1030" name="Packager Shell Object" showAsIcon="1" r:id="rId3" imgW="914400" imgH="771480" progId="Package">
+                <p:oleObj spid="_x0000_s1040" name="Packager Shell Object" showAsIcon="1" r:id="rId3" imgW="914400" imgH="771480" progId="Package">
                   <p:embed/>
                 </p:oleObj>
               </mc:Choice>
@@ -13045,12 +13043,12 @@
       </p:grpSpPr>
       <p:sp>
         <p:nvSpPr>
-          <p:cNvPr id="2" name="Title 1"/>
-          <p:cNvSpPr>
-            <a:spLocks noGrp="1"/>
-          </p:cNvSpPr>
-          <p:nvPr>
-            <p:ph type="title"/>
+          <p:cNvPr id="6" name="Title 5"/>
+          <p:cNvSpPr>
+            <a:spLocks noGrp="1"/>
+          </p:cNvSpPr>
+          <p:nvPr>
+            <p:ph type="ctrTitle"/>
           </p:nvPr>
         </p:nvSpPr>
         <p:spPr/>
@@ -13060,27 +13058,8 @@
           <a:p>
             <a:r>
               <a:rPr lang="en-AU" dirty="0" smtClean="0"/>
-              <a:t>Debugging and Cloud9 IDE</a:t>
-            </a:r>
-            <a:endParaRPr lang="en-AU" dirty="0"/>
-          </a:p>
-        </p:txBody>
-      </p:sp>
-      <p:sp>
-        <p:nvSpPr>
-          <p:cNvPr id="3" name="Text Placeholder 2"/>
-          <p:cNvSpPr>
-            <a:spLocks noGrp="1"/>
-          </p:cNvSpPr>
-          <p:nvPr>
-            <p:ph type="body" sz="quarter" idx="10"/>
-          </p:nvPr>
-        </p:nvSpPr>
-        <p:spPr/>
-        <p:txBody>
-          <a:bodyPr/>
-          <a:lstStyle/>
-          <a:p>
+              <a:t>Demo : quick demo of running and debugging on Cloud9IDE</a:t>
+            </a:r>
             <a:endParaRPr lang="en-AU" dirty="0"/>
           </a:p>
         </p:txBody>
@@ -13088,7 +13067,7 @@
     </p:spTree>
     <p:extLst>
       <p:ext uri="{BB962C8B-B14F-4D97-AF65-F5344CB8AC3E}">
-        <p14:creationId xmlns:p14="http://schemas.microsoft.com/office/powerpoint/2010/main" val="3343367578"/>
+        <p14:creationId xmlns:p14="http://schemas.microsoft.com/office/powerpoint/2010/main" val="719183932"/>
       </p:ext>
     </p:extLst>
   </p:cSld>
@@ -13098,6 +13077,13 @@
   <p:transition>
     <p:fade thruBlk="1"/>
   </p:transition>
+  <p:timing>
+    <p:tnLst>
+      <p:par>
+        <p:cTn id="1" dur="indefinite" restart="never" nodeType="tmRoot"/>
+      </p:par>
+    </p:tnLst>
+  </p:timing>
 </p:sld>
 </file>
 
@@ -13120,7 +13106,7 @@
       </p:grpSpPr>
       <p:sp>
         <p:nvSpPr>
-          <p:cNvPr id="2" name="Title 1"/>
+          <p:cNvPr id="4" name="Title 3"/>
           <p:cNvSpPr>
             <a:spLocks noGrp="1"/>
           </p:cNvSpPr>
@@ -13135,7 +13121,7 @@
           <a:p>
             <a:r>
               <a:rPr lang="en-AU" dirty="0" smtClean="0"/>
-              <a:t>Windows Azure SDK for Node.js</a:t>
+              <a:t>Debugging Options</a:t>
             </a:r>
             <a:endParaRPr lang="en-AU" dirty="0"/>
           </a:p>
@@ -13143,7 +13129,7 @@
       </p:sp>
       <p:sp>
         <p:nvSpPr>
-          <p:cNvPr id="3" name="Text Placeholder 2"/>
+          <p:cNvPr id="5" name="Text Placeholder 4"/>
           <p:cNvSpPr>
             <a:spLocks noGrp="1"/>
           </p:cNvSpPr>
@@ -13158,53 +13144,96 @@
           <a:p>
             <a:r>
               <a:rPr lang="en-AU" dirty="0" smtClean="0"/>
-              <a:t>Node.js</a:t>
+              <a:t>Cloud9IDE</a:t>
+            </a:r>
+          </a:p>
+          <a:p>
+            <a:r>
+              <a:rPr lang="en-AU" dirty="0"/>
+              <a:t>c</a:t>
+            </a:r>
+            <a:r>
+              <a:rPr lang="en-AU" dirty="0" smtClean="0"/>
+              <a:t>onsole.log(“my debug message”);</a:t>
+            </a:r>
+          </a:p>
+          <a:p>
+            <a:r>
+              <a:rPr lang="en-AU" dirty="0" smtClean="0"/>
+              <a:t>Node Inspector</a:t>
             </a:r>
             <a:endParaRPr lang="en-AU" dirty="0"/>
           </a:p>
-          <a:p>
-            <a:r>
-              <a:rPr lang="en-AU" dirty="0" err="1"/>
-              <a:t>IISNode</a:t>
-            </a:r>
-            <a:endParaRPr lang="en-AU" dirty="0"/>
-          </a:p>
-          <a:p>
-            <a:r>
-              <a:rPr lang="en-AU" dirty="0"/>
-              <a:t>NPM for Windows</a:t>
-            </a:r>
-          </a:p>
-          <a:p>
-            <a:r>
-              <a:rPr lang="en-AU" dirty="0"/>
-              <a:t>Windows Azure </a:t>
-            </a:r>
-            <a:r>
-              <a:rPr lang="en-AU" dirty="0" smtClean="0"/>
-              <a:t>Emulators &amp; Authoring Components</a:t>
-            </a:r>
-            <a:endParaRPr lang="en-AU" dirty="0"/>
-          </a:p>
-          <a:p>
-            <a:r>
-              <a:rPr lang="en-AU" dirty="0" smtClean="0"/>
-              <a:t>Windows </a:t>
-            </a:r>
-            <a:r>
-              <a:rPr lang="en-AU" dirty="0"/>
-              <a:t>Azure PowerShell for Node.js</a:t>
-            </a:r>
-          </a:p>
-          <a:p>
-            <a:endParaRPr lang="en-AU" dirty="0"/>
-          </a:p>
-        </p:txBody>
-      </p:sp>
+        </p:txBody>
+      </p:sp>
+      <p:pic>
+        <p:nvPicPr>
+          <p:cNvPr id="2050" name="Picture 2"/>
+          <p:cNvPicPr>
+            <a:picLocks noChangeAspect="1" noChangeArrowheads="1"/>
+          </p:cNvPicPr>
+          <p:nvPr/>
+        </p:nvPicPr>
+        <p:blipFill>
+          <a:blip r:embed="rId2">
+            <a:extLst>
+              <a:ext uri="{28A0092B-C50C-407E-A947-70E740481C1C}">
+                <a14:useLocalDpi xmlns:a14="http://schemas.microsoft.com/office/drawing/2010/main" val="0"/>
+              </a:ext>
+            </a:extLst>
+          </a:blip>
+          <a:srcRect/>
+          <a:stretch>
+            <a:fillRect/>
+          </a:stretch>
+        </p:blipFill>
+        <p:spPr bwMode="auto">
+          <a:xfrm>
+            <a:off x="683568" y="3057096"/>
+            <a:ext cx="6120680" cy="2892978"/>
+          </a:xfrm>
+          <a:prstGeom prst="rect">
+            <a:avLst/>
+          </a:prstGeom>
+          <a:noFill/>
+          <a:ln>
+            <a:noFill/>
+          </a:ln>
+          <a:effectLst/>
+          <a:extLst>
+            <a:ext uri="{909E8E84-426E-40DD-AFC4-6F175D3DCCD1}">
+              <a14:hiddenFill xmlns:a14="http://schemas.microsoft.com/office/drawing/2010/main">
+                <a:solidFill>
+                  <a:schemeClr val="accent1"/>
+                </a:solidFill>
+              </a14:hiddenFill>
+            </a:ext>
+            <a:ext uri="{91240B29-F687-4F45-9708-019B960494DF}">
+              <a14:hiddenLine xmlns:a14="http://schemas.microsoft.com/office/drawing/2010/main" w="9525">
+                <a:solidFill>
+                  <a:schemeClr val="tx1"/>
+                </a:solidFill>
+                <a:miter lim="800000"/>
+                <a:headEnd/>
+                <a:tailEnd/>
+              </a14:hiddenLine>
+            </a:ext>
+            <a:ext uri="{AF507438-7753-43E0-B8FC-AC1667EBCBE1}">
+              <a14:hiddenEffects xmlns:a14="http://schemas.microsoft.com/office/drawing/2010/main">
+                <a:effectLst>
+                  <a:outerShdw dist="35921" dir="2700000" algn="ctr" rotWithShape="0">
+                    <a:schemeClr val="bg2"/>
+                  </a:outerShdw>
+                </a:effectLst>
+              </a14:hiddenEffects>
+            </a:ext>
+          </a:extLst>
+        </p:spPr>
+      </p:pic>
     </p:spTree>
     <p:extLst>
       <p:ext uri="{BB962C8B-B14F-4D97-AF65-F5344CB8AC3E}">
-        <p14:creationId xmlns:p14="http://schemas.microsoft.com/office/powerpoint/2010/main" val="197175680"/>
+        <p14:creationId xmlns:p14="http://schemas.microsoft.com/office/powerpoint/2010/main" val="4263077198"/>
       </p:ext>
     </p:extLst>
   </p:cSld>
@@ -13214,6 +13243,13 @@
   <p:transition>
     <p:fade thruBlk="1"/>
   </p:transition>
+  <p:timing>
+    <p:tnLst>
+      <p:par>
+        <p:cTn id="1" dur="indefinite" restart="never" nodeType="tmRoot"/>
+      </p:par>
+    </p:tnLst>
+  </p:timing>
 </p:sld>
 </file>
 
@@ -13249,6 +13285,10 @@
           <a:bodyPr/>
           <a:lstStyle/>
           <a:p>
+            <a:r>
+              <a:rPr lang="en-AU" dirty="0" smtClean="0"/>
+              <a:t>Windows Azure SDK for Node.js</a:t>
+            </a:r>
             <a:endParaRPr lang="en-AU" dirty="0"/>
           </a:p>
         </p:txBody>
@@ -13268,9 +13308,72 @@
           <a:bodyPr/>
           <a:lstStyle/>
           <a:p>
+            <a:pPr marL="0" indent="0">
+              <a:buNone/>
+            </a:pPr>
             <a:r>
               <a:rPr lang="en-AU" dirty="0" smtClean="0"/>
-              <a:t>Build and deploy chat client to azure</a:t>
+              <a:t> Lays down : node.js, </a:t>
+            </a:r>
+            <a:r>
+              <a:rPr lang="en-AU" dirty="0" err="1" smtClean="0"/>
+              <a:t>IISNode</a:t>
+            </a:r>
+            <a:r>
+              <a:rPr lang="en-AU" dirty="0" smtClean="0"/>
+              <a:t>, NPM </a:t>
+            </a:r>
+            <a:r>
+              <a:rPr lang="en-AU" dirty="0"/>
+              <a:t>for </a:t>
+            </a:r>
+            <a:r>
+              <a:rPr lang="en-AU" dirty="0" smtClean="0"/>
+              <a:t>Windows, Azure Emulator, Windows </a:t>
+            </a:r>
+            <a:r>
+              <a:rPr lang="en-AU" dirty="0"/>
+              <a:t>Azure </a:t>
+            </a:r>
+            <a:r>
+              <a:rPr lang="en-AU" dirty="0" smtClean="0"/>
+              <a:t>PowerShell </a:t>
+            </a:r>
+            <a:r>
+              <a:rPr lang="en-AU" dirty="0" err="1" smtClean="0"/>
+              <a:t>cmdlets</a:t>
+            </a:r>
+            <a:endParaRPr lang="en-AU" dirty="0" smtClean="0"/>
+          </a:p>
+          <a:p>
+            <a:pPr marL="0" indent="0">
+              <a:buNone/>
+            </a:pPr>
+            <a:endParaRPr lang="en-AU" dirty="0" smtClean="0"/>
+          </a:p>
+          <a:p>
+            <a:r>
+              <a:rPr lang="en-AU" dirty="0" smtClean="0"/>
+              <a:t>Super easy to deploy (but takes some time </a:t>
+            </a:r>
+            <a:r>
+              <a:rPr lang="en-AU" dirty="0" smtClean="0">
+                <a:sym typeface="Wingdings" pitchFamily="2" charset="2"/>
+              </a:rPr>
+              <a:t>)</a:t>
+            </a:r>
+            <a:endParaRPr lang="en-AU" dirty="0" smtClean="0"/>
+          </a:p>
+          <a:p>
+            <a:r>
+              <a:rPr lang="en-AU" dirty="0" smtClean="0"/>
+              <a:t>Currently you can’t deploy multiple node apps no the same instance</a:t>
+            </a:r>
+          </a:p>
+          <a:p>
+            <a:r>
+              <a:rPr lang="en-AU" dirty="0" smtClean="0"/>
+              <a:t>You need to push up the source code for all packages you use ( NPM) </a:t>
             </a:r>
             <a:endParaRPr lang="en-AU" dirty="0"/>
           </a:p>
@@ -13279,7 +13382,7 @@
     </p:spTree>
     <p:extLst>
       <p:ext uri="{BB962C8B-B14F-4D97-AF65-F5344CB8AC3E}">
-        <p14:creationId xmlns:p14="http://schemas.microsoft.com/office/powerpoint/2010/main" val="2703663301"/>
+        <p14:creationId xmlns:p14="http://schemas.microsoft.com/office/powerpoint/2010/main" val="197175680"/>
       </p:ext>
     </p:extLst>
   </p:cSld>
@@ -13289,6 +13392,13 @@
   <p:transition>
     <p:fade thruBlk="1"/>
   </p:transition>
+  <p:timing>
+    <p:tnLst>
+      <p:par>
+        <p:cTn id="1" dur="indefinite" restart="never" nodeType="tmRoot"/>
+      </p:par>
+    </p:tnLst>
+  </p:timing>
 </p:sld>
 </file>
 
@@ -13311,12 +13421,12 @@
       </p:grpSpPr>
       <p:sp>
         <p:nvSpPr>
-          <p:cNvPr id="2" name="Title 1"/>
-          <p:cNvSpPr>
-            <a:spLocks noGrp="1"/>
-          </p:cNvSpPr>
-          <p:nvPr>
-            <p:ph type="title"/>
+          <p:cNvPr id="6" name="Title 5"/>
+          <p:cNvSpPr>
+            <a:spLocks noGrp="1"/>
+          </p:cNvSpPr>
+          <p:nvPr>
+            <p:ph type="ctrTitle"/>
           </p:nvPr>
         </p:nvSpPr>
         <p:spPr/>
@@ -13326,62 +13436,15 @@
           <a:p>
             <a:r>
               <a:rPr lang="en-AU" dirty="0" smtClean="0"/>
-              <a:t>When should I use it?	</a:t>
-            </a:r>
-            <a:endParaRPr lang="en-AU" dirty="0"/>
-          </a:p>
-        </p:txBody>
-      </p:sp>
-      <p:sp>
-        <p:nvSpPr>
-          <p:cNvPr id="3" name="Text Placeholder 2"/>
-          <p:cNvSpPr>
-            <a:spLocks noGrp="1"/>
-          </p:cNvSpPr>
-          <p:nvPr>
-            <p:ph type="body" sz="quarter" idx="10"/>
-          </p:nvPr>
-        </p:nvSpPr>
-        <p:spPr/>
-        <p:txBody>
-          <a:bodyPr/>
-          <a:lstStyle/>
-          <a:p>
+              <a:t>Deep dive: Building a real-time </a:t>
+            </a:r>
+            <a:r>
+              <a:rPr lang="en-AU" dirty="0" err="1" smtClean="0"/>
+              <a:t>ChatRoom</a:t>
+            </a:r>
             <a:r>
               <a:rPr lang="en-AU" dirty="0" smtClean="0"/>
-              <a:t>Chat/Messaging Apps</a:t>
-            </a:r>
-          </a:p>
-          <a:p>
-            <a:r>
-              <a:rPr lang="en-AU" dirty="0" smtClean="0"/>
-              <a:t>Real time Apps ( stocks / ticker tape)</a:t>
-            </a:r>
-          </a:p>
-          <a:p>
-            <a:r>
-              <a:rPr lang="en-AU" dirty="0" smtClean="0"/>
-              <a:t>Highly Concurrent apps</a:t>
-            </a:r>
-          </a:p>
-          <a:p>
-            <a:r>
-              <a:rPr lang="en-AU" dirty="0" smtClean="0"/>
-              <a:t>Single page apps with lots of asynchronous calls (Gmail </a:t>
-            </a:r>
-            <a:r>
-              <a:rPr lang="en-AU" dirty="0" err="1" smtClean="0"/>
-              <a:t>etc</a:t>
-            </a:r>
-            <a:r>
-              <a:rPr lang="en-AU" dirty="0" smtClean="0"/>
-              <a:t>)</a:t>
-            </a:r>
-          </a:p>
-          <a:p>
-            <a:r>
-              <a:rPr lang="en-AU" dirty="0" smtClean="0"/>
-              <a:t>Serving lots of dynamic content</a:t>
+              <a:t> with Node.js , sockets.io and Knockout.js</a:t>
             </a:r>
             <a:endParaRPr lang="en-AU" dirty="0"/>
           </a:p>
@@ -13390,7 +13453,7 @@
     </p:spTree>
     <p:extLst>
       <p:ext uri="{BB962C8B-B14F-4D97-AF65-F5344CB8AC3E}">
-        <p14:creationId xmlns:p14="http://schemas.microsoft.com/office/powerpoint/2010/main" val="830066254"/>
+        <p14:creationId xmlns:p14="http://schemas.microsoft.com/office/powerpoint/2010/main" val="1621235693"/>
       </p:ext>
     </p:extLst>
   </p:cSld>
@@ -13429,12 +13492,12 @@
       </p:grpSpPr>
       <p:sp>
         <p:nvSpPr>
-          <p:cNvPr id="3" name="Text Placeholder 2"/>
-          <p:cNvSpPr>
-            <a:spLocks noGrp="1"/>
-          </p:cNvSpPr>
-          <p:nvPr>
-            <p:ph type="body" sz="quarter" idx="10"/>
+          <p:cNvPr id="2" name="Title 1"/>
+          <p:cNvSpPr>
+            <a:spLocks noGrp="1"/>
+          </p:cNvSpPr>
+          <p:nvPr>
+            <p:ph type="title"/>
           </p:nvPr>
         </p:nvSpPr>
         <p:spPr/>
@@ -13442,76 +13505,79 @@
           <a:bodyPr/>
           <a:lstStyle/>
           <a:p>
-            <a:pPr marL="0" indent="0">
-              <a:buNone/>
-            </a:pPr>
-            <a:r>
-              <a:rPr lang="en-AU" sz="3200" dirty="0" smtClean="0"/>
-              <a:t>Thanks for listening!</a:t>
-            </a:r>
-          </a:p>
-          <a:p>
-            <a:pPr marL="0" indent="0">
-              <a:buNone/>
-            </a:pPr>
-            <a:endParaRPr lang="en-AU" sz="3200" dirty="0" smtClean="0"/>
-          </a:p>
-          <a:p>
-            <a:pPr marL="0" indent="0">
-              <a:buNone/>
-            </a:pPr>
-            <a:endParaRPr lang="en-AU" sz="3200" dirty="0"/>
-          </a:p>
-          <a:p>
-            <a:pPr marL="0" indent="0">
-              <a:buNone/>
-            </a:pPr>
-            <a:endParaRPr lang="en-AU" sz="3200" dirty="0" smtClean="0"/>
-          </a:p>
-          <a:p>
-            <a:pPr marL="0" indent="0">
-              <a:buNone/>
-            </a:pPr>
-            <a:endParaRPr lang="en-AU" sz="3200" dirty="0" smtClean="0"/>
-          </a:p>
-          <a:p>
-            <a:pPr marL="0" indent="0">
-              <a:buNone/>
-            </a:pPr>
-            <a:r>
-              <a:rPr lang="en-AU" sz="1600" dirty="0" smtClean="0"/>
-              <a:t>email 		aidancasey@gmail.com </a:t>
-            </a:r>
-            <a:endParaRPr lang="en-AU" sz="1600" dirty="0"/>
-          </a:p>
-          <a:p>
-            <a:pPr marL="0" indent="0">
-              <a:buNone/>
-            </a:pPr>
-            <a:r>
-              <a:rPr lang="en-AU" sz="1600" dirty="0"/>
-              <a:t>LinkedIn	</a:t>
-            </a:r>
-            <a:r>
-              <a:rPr lang="en-AU" sz="1600" dirty="0" smtClean="0"/>
-              <a:t>	http</a:t>
-            </a:r>
-            <a:r>
-              <a:rPr lang="en-AU" sz="1600" dirty="0"/>
-              <a:t>://</a:t>
-            </a:r>
-            <a:r>
-              <a:rPr lang="en-AU" sz="1600" dirty="0" smtClean="0"/>
-              <a:t>www.linkedin.com/pub/aidan-casey/2/a71/353</a:t>
-            </a:r>
-            <a:endParaRPr lang="en-AU" sz="1600" dirty="0"/>
+            <a:r>
+              <a:rPr lang="en-AU" dirty="0" smtClean="0"/>
+              <a:t>When should I use it?	</a:t>
+            </a:r>
+            <a:endParaRPr lang="en-AU" dirty="0"/>
+          </a:p>
+        </p:txBody>
+      </p:sp>
+      <p:sp>
+        <p:nvSpPr>
+          <p:cNvPr id="3" name="Text Placeholder 2"/>
+          <p:cNvSpPr>
+            <a:spLocks noGrp="1"/>
+          </p:cNvSpPr>
+          <p:nvPr>
+            <p:ph type="body" sz="quarter" idx="10"/>
+          </p:nvPr>
+        </p:nvSpPr>
+        <p:spPr/>
+        <p:txBody>
+          <a:bodyPr/>
+          <a:lstStyle/>
+          <a:p>
+            <a:r>
+              <a:rPr lang="en-AU" dirty="0" smtClean="0"/>
+              <a:t>Chat/Messaging Apps</a:t>
+            </a:r>
+          </a:p>
+          <a:p>
+            <a:r>
+              <a:rPr lang="en-AU" dirty="0" smtClean="0"/>
+              <a:t>Real time Apps ( stocks / ticker tape)</a:t>
+            </a:r>
+          </a:p>
+          <a:p>
+            <a:r>
+              <a:rPr lang="en-AU" dirty="0" smtClean="0"/>
+              <a:t>Highly Concurrent apps</a:t>
+            </a:r>
+          </a:p>
+          <a:p>
+            <a:r>
+              <a:rPr lang="en-AU" dirty="0" smtClean="0"/>
+              <a:t>Single page apps with lots of asynchronous calls (Gmail </a:t>
+            </a:r>
+            <a:r>
+              <a:rPr lang="en-AU" dirty="0" err="1" smtClean="0"/>
+              <a:t>etc</a:t>
+            </a:r>
+            <a:r>
+              <a:rPr lang="en-AU" dirty="0" smtClean="0"/>
+              <a:t>)</a:t>
+            </a:r>
+          </a:p>
+          <a:p>
+            <a:r>
+              <a:rPr lang="en-AU" dirty="0" smtClean="0"/>
+              <a:t>Serving lots of dynamic content</a:t>
+            </a:r>
+          </a:p>
+          <a:p>
+            <a:r>
+              <a:rPr lang="en-AU" dirty="0" smtClean="0"/>
+              <a:t>Small development teams</a:t>
+            </a:r>
+            <a:endParaRPr lang="en-AU" dirty="0"/>
           </a:p>
         </p:txBody>
       </p:sp>
     </p:spTree>
     <p:extLst>
       <p:ext uri="{BB962C8B-B14F-4D97-AF65-F5344CB8AC3E}">
-        <p14:creationId xmlns:p14="http://schemas.microsoft.com/office/powerpoint/2010/main" val="2340990883"/>
+        <p14:creationId xmlns:p14="http://schemas.microsoft.com/office/powerpoint/2010/main" val="830066254"/>
       </p:ext>
     </p:extLst>
   </p:cSld>
@@ -13550,12 +13616,12 @@
       </p:grpSpPr>
       <p:sp>
         <p:nvSpPr>
-          <p:cNvPr id="2" name="Title 1"/>
-          <p:cNvSpPr>
-            <a:spLocks noGrp="1"/>
-          </p:cNvSpPr>
-          <p:nvPr>
-            <p:ph type="title"/>
+          <p:cNvPr id="3" name="Text Placeholder 2"/>
+          <p:cNvSpPr>
+            <a:spLocks noGrp="1"/>
+          </p:cNvSpPr>
+          <p:nvPr>
+            <p:ph type="body" sz="quarter" idx="10"/>
           </p:nvPr>
         </p:nvSpPr>
         <p:spPr/>
@@ -13563,96 +13629,31 @@
           <a:bodyPr/>
           <a:lstStyle/>
           <a:p>
+            <a:pPr marL="0" indent="0" algn="ctr">
+              <a:buNone/>
+            </a:pPr>
+            <a:endParaRPr lang="en-AU" dirty="0" smtClean="0"/>
+          </a:p>
+          <a:p>
+            <a:pPr marL="0" indent="0" algn="ctr">
+              <a:buNone/>
+            </a:pPr>
+            <a:endParaRPr lang="en-AU" dirty="0"/>
+          </a:p>
+          <a:p>
+            <a:pPr marL="0" indent="0" algn="ctr">
+              <a:buNone/>
+            </a:pPr>
+            <a:endParaRPr lang="en-AU" dirty="0" smtClean="0"/>
+          </a:p>
+          <a:p>
+            <a:pPr marL="0" indent="0" algn="ctr">
+              <a:buNone/>
+            </a:pPr>
             <a:r>
               <a:rPr lang="en-AU" dirty="0" smtClean="0"/>
-              <a:t>Notes</a:t>
-            </a:r>
-            <a:br>
-              <a:rPr lang="en-AU" dirty="0" smtClean="0"/>
-            </a:br>
-            <a:endParaRPr lang="en-AU" dirty="0"/>
-          </a:p>
-        </p:txBody>
-      </p:sp>
-      <p:sp>
-        <p:nvSpPr>
-          <p:cNvPr id="3" name="Text Placeholder 2"/>
-          <p:cNvSpPr>
-            <a:spLocks noGrp="1"/>
-          </p:cNvSpPr>
-          <p:nvPr>
-            <p:ph type="body" sz="quarter" idx="10"/>
-          </p:nvPr>
-        </p:nvSpPr>
-        <p:spPr/>
-        <p:txBody>
-          <a:bodyPr/>
-          <a:lstStyle/>
-          <a:p>
-            <a:r>
-              <a:rPr lang="en-AU" dirty="0" smtClean="0"/>
-              <a:t>JavaScript  closures run on different threads from event loop</a:t>
-            </a:r>
-          </a:p>
-          <a:p>
-            <a:r>
-              <a:rPr lang="en-AU" dirty="0" smtClean="0"/>
-              <a:t>Mention </a:t>
-            </a:r>
-            <a:r>
-              <a:rPr lang="en-AU" dirty="0" err="1" smtClean="0"/>
-              <a:t>joyet</a:t>
-            </a:r>
-            <a:r>
-              <a:rPr lang="en-AU" dirty="0" smtClean="0"/>
-              <a:t> and Ryan ?</a:t>
-            </a:r>
-          </a:p>
-          <a:p>
-            <a:r>
-              <a:rPr lang="en-AU" dirty="0" smtClean="0"/>
-              <a:t>Only uses 1 core .. Need to run Cluster ?? To  get  multi core </a:t>
-            </a:r>
-            <a:r>
-              <a:rPr lang="en-AU" dirty="0"/>
-              <a:t> </a:t>
-            </a:r>
-            <a:r>
-              <a:rPr lang="en-AU" dirty="0" smtClean="0"/>
-              <a:t>and then there is no inter process </a:t>
-            </a:r>
-            <a:r>
-              <a:rPr lang="en-AU" dirty="0" err="1" smtClean="0"/>
-              <a:t>comms</a:t>
-            </a:r>
-            <a:endParaRPr lang="en-AU" dirty="0" smtClean="0"/>
-          </a:p>
-          <a:p>
-            <a:r>
-              <a:rPr lang="en-AU" dirty="0" smtClean="0"/>
-              <a:t>Like no </a:t>
-            </a:r>
-            <a:r>
-              <a:rPr lang="en-AU" dirty="0" err="1" smtClean="0"/>
-              <a:t>sql</a:t>
-            </a:r>
-            <a:r>
-              <a:rPr lang="en-AU" dirty="0" smtClean="0"/>
-              <a:t> </a:t>
-            </a:r>
-            <a:r>
-              <a:rPr lang="en-AU" dirty="0" err="1" smtClean="0"/>
-              <a:t>ovement</a:t>
-            </a:r>
-            <a:r>
-              <a:rPr lang="en-AU" dirty="0" smtClean="0"/>
-              <a:t> for web servers…</a:t>
-            </a:r>
-          </a:p>
-          <a:p>
-            <a:endParaRPr lang="en-AU" dirty="0" smtClean="0"/>
-          </a:p>
-          <a:p>
+              <a:t>Thanks for listening !</a:t>
+            </a:r>
             <a:endParaRPr lang="en-AU" dirty="0"/>
           </a:p>
         </p:txBody>
@@ -13660,185 +13661,7 @@
     </p:spTree>
     <p:extLst>
       <p:ext uri="{BB962C8B-B14F-4D97-AF65-F5344CB8AC3E}">
-        <p14:creationId xmlns:p14="http://schemas.microsoft.com/office/powerpoint/2010/main" val="1050928964"/>
-      </p:ext>
-    </p:extLst>
-  </p:cSld>
-  <p:clrMapOvr>
-    <a:masterClrMapping/>
-  </p:clrMapOvr>
-  <p:transition>
-    <p:fade thruBlk="1"/>
-  </p:transition>
-  <p:timing>
-    <p:tnLst>
-      <p:par>
-        <p:cTn id="1" dur="indefinite" restart="never" nodeType="tmRoot"/>
-      </p:par>
-    </p:tnLst>
-  </p:timing>
-</p:sld>
-</file>
-
-<file path=ppt/slides/slide18.xml><?xml version="1.0" encoding="utf-8"?>
-<p:sld xmlns:a="http://schemas.openxmlformats.org/drawingml/2006/main" xmlns:r="http://schemas.openxmlformats.org/officeDocument/2006/relationships" xmlns:p="http://schemas.openxmlformats.org/presentationml/2006/main">
-  <p:cSld>
-    <p:spTree>
-      <p:nvGrpSpPr>
-        <p:cNvPr id="1" name=""/>
-        <p:cNvGrpSpPr/>
-        <p:nvPr/>
-      </p:nvGrpSpPr>
-      <p:grpSpPr>
-        <a:xfrm>
-          <a:off x="0" y="0"/>
-          <a:ext cx="0" cy="0"/>
-          <a:chOff x="0" y="0"/>
-          <a:chExt cx="0" cy="0"/>
-        </a:xfrm>
-      </p:grpSpPr>
-      <p:sp>
-        <p:nvSpPr>
-          <p:cNvPr id="2" name="Title 1"/>
-          <p:cNvSpPr>
-            <a:spLocks noGrp="1"/>
-          </p:cNvSpPr>
-          <p:nvPr>
-            <p:ph type="title"/>
-          </p:nvPr>
-        </p:nvSpPr>
-        <p:spPr/>
-        <p:txBody>
-          <a:bodyPr/>
-          <a:lstStyle/>
-          <a:p>
-            <a:r>
-              <a:rPr lang="en-AU" dirty="0" smtClean="0"/>
-              <a:t>Debugging	</a:t>
-            </a:r>
-            <a:endParaRPr lang="en-AU" dirty="0"/>
-          </a:p>
-        </p:txBody>
-      </p:sp>
-      <p:sp>
-        <p:nvSpPr>
-          <p:cNvPr id="3" name="Text Placeholder 2"/>
-          <p:cNvSpPr>
-            <a:spLocks noGrp="1"/>
-          </p:cNvSpPr>
-          <p:nvPr>
-            <p:ph type="body" sz="quarter" idx="10"/>
-          </p:nvPr>
-        </p:nvSpPr>
-        <p:spPr/>
-        <p:txBody>
-          <a:bodyPr/>
-          <a:lstStyle/>
-          <a:p>
-            <a:r>
-              <a:rPr lang="en-AU" dirty="0" smtClean="0"/>
-              <a:t>Quick demo of node inspector &amp; point out it doesn’t work in IE !!!</a:t>
-            </a:r>
-          </a:p>
-          <a:p>
-            <a:r>
-              <a:rPr lang="en-AU" dirty="0" smtClean="0"/>
-              <a:t>Can you debug </a:t>
-            </a:r>
-            <a:r>
-              <a:rPr lang="en-AU" smtClean="0"/>
-              <a:t>in cloud 9…</a:t>
-            </a:r>
-            <a:endParaRPr lang="en-AU"/>
-          </a:p>
-        </p:txBody>
-      </p:sp>
-    </p:spTree>
-    <p:extLst>
-      <p:ext uri="{BB962C8B-B14F-4D97-AF65-F5344CB8AC3E}">
-        <p14:creationId xmlns:p14="http://schemas.microsoft.com/office/powerpoint/2010/main" val="1919157066"/>
-      </p:ext>
-    </p:extLst>
-  </p:cSld>
-  <p:clrMapOvr>
-    <a:masterClrMapping/>
-  </p:clrMapOvr>
-  <p:transition>
-    <p:fade thruBlk="1"/>
-  </p:transition>
-  <p:timing>
-    <p:tnLst>
-      <p:par>
-        <p:cTn id="1" dur="indefinite" restart="never" nodeType="tmRoot"/>
-      </p:par>
-    </p:tnLst>
-  </p:timing>
-</p:sld>
-</file>
-
-<file path=ppt/slides/slide19.xml><?xml version="1.0" encoding="utf-8"?>
-<p:sld xmlns:a="http://schemas.openxmlformats.org/drawingml/2006/main" xmlns:r="http://schemas.openxmlformats.org/officeDocument/2006/relationships" xmlns:p="http://schemas.openxmlformats.org/presentationml/2006/main">
-  <p:cSld>
-    <p:spTree>
-      <p:nvGrpSpPr>
-        <p:cNvPr id="1" name=""/>
-        <p:cNvGrpSpPr/>
-        <p:nvPr/>
-      </p:nvGrpSpPr>
-      <p:grpSpPr>
-        <a:xfrm>
-          <a:off x="0" y="0"/>
-          <a:ext cx="0" cy="0"/>
-          <a:chOff x="0" y="0"/>
-          <a:chExt cx="0" cy="0"/>
-        </a:xfrm>
-      </p:grpSpPr>
-      <p:sp>
-        <p:nvSpPr>
-          <p:cNvPr id="2" name="Title 1"/>
-          <p:cNvSpPr>
-            <a:spLocks noGrp="1"/>
-          </p:cNvSpPr>
-          <p:nvPr>
-            <p:ph type="title"/>
-          </p:nvPr>
-        </p:nvSpPr>
-        <p:spPr/>
-        <p:txBody>
-          <a:bodyPr/>
-          <a:lstStyle/>
-          <a:p>
-            <a:r>
-              <a:rPr lang="en-AU" dirty="0" smtClean="0"/>
-              <a:t>Demo building simple chat client and deploying to azure</a:t>
-            </a:r>
-            <a:endParaRPr lang="en-AU" dirty="0"/>
-          </a:p>
-        </p:txBody>
-      </p:sp>
-      <p:sp>
-        <p:nvSpPr>
-          <p:cNvPr id="3" name="Text Placeholder 2"/>
-          <p:cNvSpPr>
-            <a:spLocks noGrp="1"/>
-          </p:cNvSpPr>
-          <p:nvPr>
-            <p:ph type="body" sz="quarter" idx="10"/>
-          </p:nvPr>
-        </p:nvSpPr>
-        <p:spPr/>
-        <p:txBody>
-          <a:bodyPr/>
-          <a:lstStyle/>
-          <a:p>
-            <a:endParaRPr lang="en-AU"/>
-          </a:p>
-        </p:txBody>
-      </p:sp>
-    </p:spTree>
-    <p:extLst>
-      <p:ext uri="{BB962C8B-B14F-4D97-AF65-F5344CB8AC3E}">
-        <p14:creationId xmlns:p14="http://schemas.microsoft.com/office/powerpoint/2010/main" val="3133931461"/>
+        <p14:creationId xmlns:p14="http://schemas.microsoft.com/office/powerpoint/2010/main" val="81017867"/>
       </p:ext>
     </p:extLst>
   </p:cSld>
@@ -13920,7 +13743,7 @@
           <a:p>
             <a:r>
               <a:rPr lang="en-AU" dirty="0"/>
-              <a:t>S</a:t>
+              <a:t>s</a:t>
             </a:r>
             <a:r>
               <a:rPr lang="en-AU" dirty="0" smtClean="0"/>
@@ -13928,7 +13751,7 @@
             </a:r>
             <a:r>
               <a:rPr lang="en-AU" dirty="0"/>
-              <a:t>A</a:t>
+              <a:t>a</a:t>
             </a:r>
             <a:r>
               <a:rPr lang="en-AU" dirty="0" smtClean="0"/>
@@ -13937,8 +13760,12 @@
           </a:p>
           <a:p>
             <a:r>
+              <a:rPr lang="en-AU" dirty="0"/>
+              <a:t>b</a:t>
+            </a:r>
+            <a:r>
               <a:rPr lang="en-AU" dirty="0" smtClean="0"/>
-              <a:t>Born in Dublin Ireland, moved to Australia in 2006</a:t>
+              <a:t>orn in Dublin Ireland, moved to Australia in 2006</a:t>
             </a:r>
           </a:p>
           <a:p>
@@ -13950,15 +13777,7 @@
           <a:p>
             <a:r>
               <a:rPr lang="en-AU" dirty="0" smtClean="0"/>
-              <a:t>Currently </a:t>
-            </a:r>
-            <a:r>
-              <a:rPr lang="en-AU" dirty="0"/>
-              <a:t>working  </a:t>
-            </a:r>
-            <a:r>
-              <a:rPr lang="en-AU" dirty="0" smtClean="0"/>
-              <a:t>a cloud platform </a:t>
+              <a:t>working  on a cloud platform </a:t>
             </a:r>
             <a:r>
               <a:rPr lang="en-AU" dirty="0"/>
@@ -14281,33 +14100,13 @@
           <a:p>
             <a:r>
               <a:rPr lang="en-AU" dirty="0" smtClean="0"/>
-              <a:t>What is node.js</a:t>
+              <a:t>Introduction to node.js</a:t>
             </a:r>
           </a:p>
           <a:p>
             <a:r>
               <a:rPr lang="en-AU" dirty="0" smtClean="0"/>
-              <a:t>Event </a:t>
-            </a:r>
-          </a:p>
-          <a:p>
-            <a:r>
-              <a:rPr lang="en-AU" dirty="0" smtClean="0"/>
-              <a:t>Explain </a:t>
-            </a:r>
-            <a:r>
-              <a:rPr lang="en-AU" dirty="0"/>
-              <a:t>event-driven, non-blocking I/O </a:t>
-            </a:r>
-            <a:r>
-              <a:rPr lang="en-AU" dirty="0" smtClean="0"/>
-              <a:t>processing</a:t>
-            </a:r>
-          </a:p>
-          <a:p>
-            <a:r>
-              <a:rPr lang="en-AU" dirty="0" smtClean="0"/>
-              <a:t>NPM (node package manager) </a:t>
+              <a:t>Tooling and developer experience</a:t>
             </a:r>
           </a:p>
           <a:p>
@@ -14319,7 +14118,7 @@
           <a:p>
             <a:r>
               <a:rPr lang="en-AU" dirty="0" smtClean="0"/>
-              <a:t>Tooling – editors , debuggers, unit testing</a:t>
+              <a:t>When should I use it?</a:t>
             </a:r>
           </a:p>
           <a:p>
@@ -14392,7 +14191,7 @@
         <p:spPr>
           <a:xfrm>
             <a:off x="457200" y="274638"/>
-            <a:ext cx="2890664" cy="885295"/>
+            <a:ext cx="3106688" cy="885295"/>
           </a:xfrm>
         </p:spPr>
         <p:txBody>
@@ -14401,7 +14200,7 @@
           <a:p>
             <a:r>
               <a:rPr lang="en-AU" dirty="0" smtClean="0"/>
-              <a:t>What is node.js</a:t>
+              <a:t>What is node.js?</a:t>
             </a:r>
             <a:endParaRPr lang="en-AU" dirty="0"/>
           </a:p>
@@ -17412,7 +17211,7 @@
                                           </p:stCondLst>
                                         </p:cTn>
                                         <p:tgtEl>
-                                          <p:spTgt spid="26"/>
+                                          <p:spTgt spid="21"/>
                                         </p:tgtEl>
                                         <p:attrNameLst>
                                           <p:attrName>style.visibility</p:attrName>
@@ -17457,51 +17256,6 @@
                                           </p:stCondLst>
                                         </p:cTn>
                                         <p:tgtEl>
-                                          <p:spTgt spid="21"/>
-                                        </p:tgtEl>
-                                        <p:attrNameLst>
-                                          <p:attrName>style.visibility</p:attrName>
-                                        </p:attrNameLst>
-                                      </p:cBhvr>
-                                      <p:to>
-                                        <p:strVal val="visible"/>
-                                      </p:to>
-                                    </p:set>
-                                  </p:childTnLst>
-                                </p:cTn>
-                              </p:par>
-                            </p:childTnLst>
-                          </p:cTn>
-                        </p:par>
-                      </p:childTnLst>
-                    </p:cTn>
-                  </p:par>
-                  <p:par>
-                    <p:cTn id="11" fill="hold">
-                      <p:stCondLst>
-                        <p:cond delay="indefinite"/>
-                      </p:stCondLst>
-                      <p:childTnLst>
-                        <p:par>
-                          <p:cTn id="12" fill="hold">
-                            <p:stCondLst>
-                              <p:cond delay="0"/>
-                            </p:stCondLst>
-                            <p:childTnLst>
-                              <p:par>
-                                <p:cTn id="13" presetID="1" presetClass="entr" presetSubtype="0" fill="hold" grpId="0" nodeType="clickEffect">
-                                  <p:stCondLst>
-                                    <p:cond delay="0"/>
-                                  </p:stCondLst>
-                                  <p:childTnLst>
-                                    <p:set>
-                                      <p:cBhvr>
-                                        <p:cTn id="14" dur="1" fill="hold">
-                                          <p:stCondLst>
-                                            <p:cond delay="0"/>
-                                          </p:stCondLst>
-                                        </p:cTn>
-                                        <p:tgtEl>
                                           <p:spTgt spid="24"/>
                                         </p:tgtEl>
                                         <p:attrNameLst>
@@ -17516,14 +17270,14 @@
                                 </p:cTn>
                               </p:par>
                               <p:par>
-                                <p:cTn id="15" presetID="1" presetClass="entr" presetSubtype="0" fill="hold" grpId="0" nodeType="withEffect">
+                                <p:cTn id="11" presetID="1" presetClass="entr" presetSubtype="0" fill="hold" grpId="0" nodeType="withEffect">
                                   <p:stCondLst>
                                     <p:cond delay="0"/>
                                   </p:stCondLst>
                                   <p:childTnLst>
                                     <p:set>
                                       <p:cBhvr>
-                                        <p:cTn id="16" dur="1" fill="hold">
+                                        <p:cTn id="12" dur="1" fill="hold">
                                           <p:stCondLst>
                                             <p:cond delay="0"/>
                                           </p:stCondLst>
@@ -17543,7 +17297,61 @@
                                 </p:cTn>
                               </p:par>
                               <p:par>
-                                <p:cTn id="17" presetID="1" presetClass="entr" presetSubtype="0" fill="hold" nodeType="withEffect">
+                                <p:cTn id="13" presetID="1" presetClass="entr" presetSubtype="0" fill="hold" nodeType="withEffect">
+                                  <p:stCondLst>
+                                    <p:cond delay="0"/>
+                                  </p:stCondLst>
+                                  <p:childTnLst>
+                                    <p:set>
+                                      <p:cBhvr>
+                                        <p:cTn id="14" dur="1" fill="hold">
+                                          <p:stCondLst>
+                                            <p:cond delay="0"/>
+                                          </p:stCondLst>
+                                        </p:cTn>
+                                        <p:tgtEl>
+                                          <p:spTgt spid="22"/>
+                                        </p:tgtEl>
+                                        <p:attrNameLst>
+                                          <p:attrName>style.visibility</p:attrName>
+                                        </p:attrNameLst>
+                                      </p:cBhvr>
+                                      <p:to>
+                                        <p:strVal val="visible"/>
+                                      </p:to>
+                                    </p:set>
+                                  </p:childTnLst>
+                                </p:cTn>
+                              </p:par>
+                              <p:par>
+                                <p:cTn id="15" presetID="1" presetClass="entr" presetSubtype="0" fill="hold" nodeType="withEffect">
+                                  <p:stCondLst>
+                                    <p:cond delay="0"/>
+                                  </p:stCondLst>
+                                  <p:childTnLst>
+                                    <p:set>
+                                      <p:cBhvr>
+                                        <p:cTn id="16" dur="1" fill="hold">
+                                          <p:stCondLst>
+                                            <p:cond delay="0"/>
+                                          </p:stCondLst>
+                                        </p:cTn>
+                                        <p:tgtEl>
+                                          <p:spTgt spid="9"/>
+                                        </p:tgtEl>
+                                        <p:attrNameLst>
+                                          <p:attrName>style.visibility</p:attrName>
+                                        </p:attrNameLst>
+                                      </p:cBhvr>
+                                      <p:to>
+                                        <p:strVal val="visible"/>
+                                      </p:to>
+                                    </p:set>
+                                  </p:childTnLst>
+                                </p:cTn>
+                              </p:par>
+                              <p:par>
+                                <p:cTn id="17" presetID="1" presetClass="entr" presetSubtype="0" fill="hold" grpId="0" nodeType="withEffect">
                                   <p:stCondLst>
                                     <p:cond delay="0"/>
                                   </p:stCondLst>
@@ -17556,7 +17364,7 @@
                                           </p:stCondLst>
                                         </p:cTn>
                                         <p:tgtEl>
-                                          <p:spTgt spid="22"/>
+                                          <p:spTgt spid="28"/>
                                         </p:tgtEl>
                                         <p:attrNameLst>
                                           <p:attrName>style.visibility</p:attrName>
@@ -17583,7 +17391,7 @@
                                           </p:stCondLst>
                                         </p:cTn>
                                         <p:tgtEl>
-                                          <p:spTgt spid="9"/>
+                                          <p:spTgt spid="27"/>
                                         </p:tgtEl>
                                         <p:attrNameLst>
                                           <p:attrName>style.visibility</p:attrName>
@@ -17596,35 +17404,26 @@
                                   </p:childTnLst>
                                 </p:cTn>
                               </p:par>
+                            </p:childTnLst>
+                          </p:cTn>
+                        </p:par>
+                      </p:childTnLst>
+                    </p:cTn>
+                  </p:par>
+                  <p:par>
+                    <p:cTn id="21" fill="hold">
+                      <p:stCondLst>
+                        <p:cond delay="indefinite"/>
+                      </p:stCondLst>
+                      <p:childTnLst>
+                        <p:par>
+                          <p:cTn id="22" fill="hold">
+                            <p:stCondLst>
+                              <p:cond delay="0"/>
+                            </p:stCondLst>
+                            <p:childTnLst>
                               <p:par>
-                                <p:cTn id="21" presetID="1" presetClass="entr" presetSubtype="0" fill="hold" grpId="0" nodeType="withEffect">
-                                  <p:stCondLst>
-                                    <p:cond delay="0"/>
-                                  </p:stCondLst>
-                                  <p:childTnLst>
-                                    <p:set>
-                                      <p:cBhvr>
-                                        <p:cTn id="22" dur="1" fill="hold">
-                                          <p:stCondLst>
-                                            <p:cond delay="0"/>
-                                          </p:stCondLst>
-                                        </p:cTn>
-                                        <p:tgtEl>
-                                          <p:spTgt spid="28"/>
-                                        </p:tgtEl>
-                                        <p:attrNameLst>
-                                          <p:attrName>style.visibility</p:attrName>
-                                        </p:attrNameLst>
-                                      </p:cBhvr>
-                                      <p:to>
-                                        <p:strVal val="visible"/>
-                                      </p:to>
-                                    </p:set>
-                                  </p:childTnLst>
-                                </p:cTn>
-                              </p:par>
-                              <p:par>
-                                <p:cTn id="23" presetID="1" presetClass="entr" presetSubtype="0" fill="hold" nodeType="withEffect">
+                                <p:cTn id="23" presetID="1" presetClass="entr" presetSubtype="0" fill="hold" grpId="0" nodeType="clickEffect">
                                   <p:stCondLst>
                                     <p:cond delay="0"/>
                                   </p:stCondLst>
@@ -17637,7 +17436,7 @@
                                           </p:stCondLst>
                                         </p:cTn>
                                         <p:tgtEl>
-                                          <p:spTgt spid="27"/>
+                                          <p:spTgt spid="26"/>
                                         </p:tgtEl>
                                         <p:attrNameLst>
                                           <p:attrName>style.visibility</p:attrName>

--- a/presentation/Building Node.js Applications on Windows Azure.pptx
+++ b/presentation/Building Node.js Applications on Windows Azure.pptx
@@ -2878,7 +2878,7 @@
             <a:fld id="{7785875F-706E-40BB-864A-2D06F0E4670E}" type="datetimeFigureOut">
               <a:rPr lang="en-AU" smtClean="0"/>
               <a:pPr/>
-              <a:t>8/03/2012</a:t>
+              <a:t>11/03/2012</a:t>
             </a:fld>
             <a:endParaRPr lang="en-AU" dirty="0"/>
           </a:p>
@@ -3045,7 +3045,7 @@
             <a:fld id="{7DDF49B5-0C03-42A4-A086-8D97D52D2493}" type="datetimeFigureOut">
               <a:rPr lang="en-AU" smtClean="0"/>
               <a:pPr/>
-              <a:t>8/03/2012</a:t>
+              <a:t>11/03/2012</a:t>
             </a:fld>
             <a:endParaRPr lang="en-AU" dirty="0"/>
           </a:p>
@@ -5547,7 +5547,7 @@
             <a:fld id="{CA10310C-7EC1-470A-8BF5-D51EF2D864BA}" type="datetimeFigureOut">
               <a:rPr lang="en-AU" smtClean="0"/>
               <a:pPr/>
-              <a:t>8/03/2012</a:t>
+              <a:t>11/03/2012</a:t>
             </a:fld>
             <a:endParaRPr lang="en-AU"/>
           </a:p>
@@ -5714,7 +5714,7 @@
             <a:fld id="{CA10310C-7EC1-470A-8BF5-D51EF2D864BA}" type="datetimeFigureOut">
               <a:rPr lang="en-AU" smtClean="0"/>
               <a:pPr/>
-              <a:t>8/03/2012</a:t>
+              <a:t>11/03/2012</a:t>
             </a:fld>
             <a:endParaRPr lang="en-AU"/>
           </a:p>
@@ -5957,7 +5957,7 @@
             <a:fld id="{CA10310C-7EC1-470A-8BF5-D51EF2D864BA}" type="datetimeFigureOut">
               <a:rPr lang="en-AU" smtClean="0"/>
               <a:pPr/>
-              <a:t>8/03/2012</a:t>
+              <a:t>11/03/2012</a:t>
             </a:fld>
             <a:endParaRPr lang="en-AU"/>
           </a:p>
@@ -6242,7 +6242,7 @@
             <a:fld id="{CA10310C-7EC1-470A-8BF5-D51EF2D864BA}" type="datetimeFigureOut">
               <a:rPr lang="en-AU" smtClean="0"/>
               <a:pPr/>
-              <a:t>8/03/2012</a:t>
+              <a:t>11/03/2012</a:t>
             </a:fld>
             <a:endParaRPr lang="en-AU"/>
           </a:p>
@@ -6661,7 +6661,7 @@
             <a:fld id="{CA10310C-7EC1-470A-8BF5-D51EF2D864BA}" type="datetimeFigureOut">
               <a:rPr lang="en-AU" smtClean="0"/>
               <a:pPr/>
-              <a:t>8/03/2012</a:t>
+              <a:t>11/03/2012</a:t>
             </a:fld>
             <a:endParaRPr lang="en-AU"/>
           </a:p>
@@ -6776,7 +6776,7 @@
             <a:fld id="{CA10310C-7EC1-470A-8BF5-D51EF2D864BA}" type="datetimeFigureOut">
               <a:rPr lang="en-AU" smtClean="0"/>
               <a:pPr/>
-              <a:t>8/03/2012</a:t>
+              <a:t>11/03/2012</a:t>
             </a:fld>
             <a:endParaRPr lang="en-AU"/>
           </a:p>
@@ -6868,7 +6868,7 @@
             <a:fld id="{CA10310C-7EC1-470A-8BF5-D51EF2D864BA}" type="datetimeFigureOut">
               <a:rPr lang="en-AU" smtClean="0"/>
               <a:pPr/>
-              <a:t>8/03/2012</a:t>
+              <a:t>11/03/2012</a:t>
             </a:fld>
             <a:endParaRPr lang="en-AU"/>
           </a:p>
@@ -7142,7 +7142,7 @@
             <a:fld id="{CA10310C-7EC1-470A-8BF5-D51EF2D864BA}" type="datetimeFigureOut">
               <a:rPr lang="en-AU" smtClean="0"/>
               <a:pPr/>
-              <a:t>8/03/2012</a:t>
+              <a:t>11/03/2012</a:t>
             </a:fld>
             <a:endParaRPr lang="en-AU"/>
           </a:p>
@@ -7392,7 +7392,7 @@
             <a:fld id="{CA10310C-7EC1-470A-8BF5-D51EF2D864BA}" type="datetimeFigureOut">
               <a:rPr lang="en-AU" smtClean="0"/>
               <a:pPr/>
-              <a:t>8/03/2012</a:t>
+              <a:t>11/03/2012</a:t>
             </a:fld>
             <a:endParaRPr lang="en-AU"/>
           </a:p>
@@ -7559,7 +7559,7 @@
             <a:fld id="{CA10310C-7EC1-470A-8BF5-D51EF2D864BA}" type="datetimeFigureOut">
               <a:rPr lang="en-AU" smtClean="0"/>
               <a:pPr/>
-              <a:t>8/03/2012</a:t>
+              <a:t>11/03/2012</a:t>
             </a:fld>
             <a:endParaRPr lang="en-AU"/>
           </a:p>
@@ -7845,7 +7845,7 @@
             <a:fld id="{CA10310C-7EC1-470A-8BF5-D51EF2D864BA}" type="datetimeFigureOut">
               <a:rPr lang="en-AU" smtClean="0"/>
               <a:pPr/>
-              <a:t>8/03/2012</a:t>
+              <a:t>11/03/2012</a:t>
             </a:fld>
             <a:endParaRPr lang="en-AU"/>
           </a:p>
@@ -8084,7 +8084,7 @@
             <a:fld id="{85CE8AA0-9735-4FA2-95DD-391EE93AFE89}" type="datetimeFigureOut">
               <a:rPr lang="en-AU" smtClean="0"/>
               <a:pPr/>
-              <a:t>8/03/2012</a:t>
+              <a:t>11/03/2012</a:t>
             </a:fld>
             <a:endParaRPr lang="en-AU"/>
           </a:p>
@@ -8251,7 +8251,7 @@
             <a:fld id="{85CE8AA0-9735-4FA2-95DD-391EE93AFE89}" type="datetimeFigureOut">
               <a:rPr lang="en-AU" smtClean="0"/>
               <a:pPr/>
-              <a:t>8/03/2012</a:t>
+              <a:t>11/03/2012</a:t>
             </a:fld>
             <a:endParaRPr lang="en-AU"/>
           </a:p>
@@ -8494,7 +8494,7 @@
             <a:fld id="{85CE8AA0-9735-4FA2-95DD-391EE93AFE89}" type="datetimeFigureOut">
               <a:rPr lang="en-AU" smtClean="0"/>
               <a:pPr/>
-              <a:t>8/03/2012</a:t>
+              <a:t>11/03/2012</a:t>
             </a:fld>
             <a:endParaRPr lang="en-AU"/>
           </a:p>
@@ -8779,7 +8779,7 @@
             <a:fld id="{85CE8AA0-9735-4FA2-95DD-391EE93AFE89}" type="datetimeFigureOut">
               <a:rPr lang="en-AU" smtClean="0"/>
               <a:pPr/>
-              <a:t>8/03/2012</a:t>
+              <a:t>11/03/2012</a:t>
             </a:fld>
             <a:endParaRPr lang="en-AU"/>
           </a:p>
@@ -9198,7 +9198,7 @@
             <a:fld id="{85CE8AA0-9735-4FA2-95DD-391EE93AFE89}" type="datetimeFigureOut">
               <a:rPr lang="en-AU" smtClean="0"/>
               <a:pPr/>
-              <a:t>8/03/2012</a:t>
+              <a:t>11/03/2012</a:t>
             </a:fld>
             <a:endParaRPr lang="en-AU"/>
           </a:p>
@@ -9313,7 +9313,7 @@
             <a:fld id="{85CE8AA0-9735-4FA2-95DD-391EE93AFE89}" type="datetimeFigureOut">
               <a:rPr lang="en-AU" smtClean="0"/>
               <a:pPr/>
-              <a:t>8/03/2012</a:t>
+              <a:t>11/03/2012</a:t>
             </a:fld>
             <a:endParaRPr lang="en-AU"/>
           </a:p>
@@ -9405,7 +9405,7 @@
             <a:fld id="{85CE8AA0-9735-4FA2-95DD-391EE93AFE89}" type="datetimeFigureOut">
               <a:rPr lang="en-AU" smtClean="0"/>
               <a:pPr/>
-              <a:t>8/03/2012</a:t>
+              <a:t>11/03/2012</a:t>
             </a:fld>
             <a:endParaRPr lang="en-AU"/>
           </a:p>
@@ -9679,7 +9679,7 @@
             <a:fld id="{85CE8AA0-9735-4FA2-95DD-391EE93AFE89}" type="datetimeFigureOut">
               <a:rPr lang="en-AU" smtClean="0"/>
               <a:pPr/>
-              <a:t>8/03/2012</a:t>
+              <a:t>11/03/2012</a:t>
             </a:fld>
             <a:endParaRPr lang="en-AU"/>
           </a:p>
@@ -9929,7 +9929,7 @@
             <a:fld id="{85CE8AA0-9735-4FA2-95DD-391EE93AFE89}" type="datetimeFigureOut">
               <a:rPr lang="en-AU" smtClean="0"/>
               <a:pPr/>
-              <a:t>8/03/2012</a:t>
+              <a:t>11/03/2012</a:t>
             </a:fld>
             <a:endParaRPr lang="en-AU"/>
           </a:p>
@@ -10205,7 +10205,7 @@
             <a:fld id="{85CE8AA0-9735-4FA2-95DD-391EE93AFE89}" type="datetimeFigureOut">
               <a:rPr lang="en-AU" smtClean="0"/>
               <a:pPr/>
-              <a:t>8/03/2012</a:t>
+              <a:t>11/03/2012</a:t>
             </a:fld>
             <a:endParaRPr lang="en-AU"/>
           </a:p>
@@ -10382,7 +10382,7 @@
             <a:fld id="{85CE8AA0-9735-4FA2-95DD-391EE93AFE89}" type="datetimeFigureOut">
               <a:rPr lang="en-AU" smtClean="0"/>
               <a:pPr/>
-              <a:t>8/03/2012</a:t>
+              <a:t>11/03/2012</a:t>
             </a:fld>
             <a:endParaRPr lang="en-AU"/>
           </a:p>
@@ -10497,7 +10497,7 @@
             <a:fld id="{85CE8AA0-9735-4FA2-95DD-391EE93AFE89}" type="datetimeFigureOut">
               <a:rPr lang="en-AU" smtClean="0"/>
               <a:pPr/>
-              <a:t>8/03/2012</a:t>
+              <a:t>11/03/2012</a:t>
             </a:fld>
             <a:endParaRPr lang="en-AU"/>
           </a:p>
@@ -11585,7 +11585,7 @@
             <a:fld id="{CA10310C-7EC1-470A-8BF5-D51EF2D864BA}" type="datetimeFigureOut">
               <a:rPr lang="en-AU" smtClean="0"/>
               <a:pPr/>
-              <a:t>8/03/2012</a:t>
+              <a:t>11/03/2012</a:t>
             </a:fld>
             <a:endParaRPr lang="en-AU"/>
           </a:p>
@@ -12095,7 +12095,7 @@
             <a:fld id="{85CE8AA0-9735-4FA2-95DD-391EE93AFE89}" type="datetimeFigureOut">
               <a:rPr lang="en-AU" smtClean="0"/>
               <a:pPr/>
-              <a:t>8/03/2012</a:t>
+              <a:t>11/03/2012</a:t>
             </a:fld>
             <a:endParaRPr lang="en-AU"/>
           </a:p>
@@ -12766,7 +12766,7 @@
           <a:graphicData uri="http://schemas.openxmlformats.org/presentationml/2006/ole">
             <mc:AlternateContent xmlns:mc="http://schemas.openxmlformats.org/markup-compatibility/2006">
               <mc:Choice xmlns:v="urn:schemas-microsoft-com:vml" Requires="v">
-                <p:oleObj spid="_x0000_s1040" name="Packager Shell Object" showAsIcon="1" r:id="rId3" imgW="914400" imgH="771480" progId="Package">
+                <p:oleObj spid="_x0000_s1044" name="Packager Shell Object" showAsIcon="1" r:id="rId3" imgW="914400" imgH="771480" progId="Package">
                   <p:embed/>
                 </p:oleObj>
               </mc:Choice>
@@ -12924,7 +12924,7 @@
             <a:pPr marL="0" indent="0">
               <a:buNone/>
             </a:pPr>
-            <a:endParaRPr lang="en-AU" dirty="0"/>
+            <a:endParaRPr lang="en-AU" dirty="0" smtClean="0"/>
           </a:p>
           <a:p>
             <a:pPr marL="0" indent="0">
@@ -12932,8 +12932,47 @@
             </a:pPr>
             <a:r>
               <a:rPr lang="en-AU" dirty="0" smtClean="0"/>
-              <a:t>&lt;&lt;maybe list some of the most useful ones&gt;&gt;</a:t>
-            </a:r>
+              <a:t>popular modules  include-</a:t>
+            </a:r>
+            <a:endParaRPr lang="en-AU" dirty="0"/>
+          </a:p>
+          <a:p>
+            <a:pPr marL="0" indent="0">
+              <a:buNone/>
+            </a:pPr>
+            <a:r>
+              <a:rPr lang="en-AU" dirty="0" smtClean="0"/>
+              <a:t>Express (web </a:t>
+            </a:r>
+            <a:r>
+              <a:rPr lang="en-AU" dirty="0" err="1" smtClean="0"/>
+              <a:t>dev</a:t>
+            </a:r>
+            <a:r>
+              <a:rPr lang="en-AU" dirty="0" smtClean="0"/>
+              <a:t> framework), Socket.IO (real-time </a:t>
+            </a:r>
+            <a:r>
+              <a:rPr lang="en-AU" dirty="0" err="1" smtClean="0"/>
+              <a:t>comms</a:t>
+            </a:r>
+            <a:r>
+              <a:rPr lang="en-AU" dirty="0" smtClean="0"/>
+              <a:t>), Jade (</a:t>
+            </a:r>
+            <a:r>
+              <a:rPr lang="en-AU" dirty="0" err="1" smtClean="0"/>
+              <a:t>templating</a:t>
+            </a:r>
+            <a:r>
+              <a:rPr lang="en-AU" dirty="0" smtClean="0"/>
+              <a:t> engine), </a:t>
+            </a:r>
+            <a:r>
+              <a:rPr lang="en-AU" dirty="0" err="1" smtClean="0"/>
+              <a:t>OAuth</a:t>
+            </a:r>
+            <a:endParaRPr lang="en-AU" dirty="0" smtClean="0"/>
           </a:p>
         </p:txBody>
       </p:sp>
@@ -13367,7 +13406,19 @@
           <a:p>
             <a:r>
               <a:rPr lang="en-AU" dirty="0" smtClean="0"/>
-              <a:t>Currently you can’t deploy multiple node apps no the same instance</a:t>
+              <a:t>Currently you can’t deploy multiple node apps </a:t>
+            </a:r>
+            <a:r>
+              <a:rPr lang="en-AU" dirty="0" smtClean="0"/>
+              <a:t>to </a:t>
+            </a:r>
+            <a:r>
+              <a:rPr lang="en-AU" dirty="0" smtClean="0"/>
+              <a:t>the </a:t>
+            </a:r>
+            <a:r>
+              <a:rPr lang="en-AU" dirty="0" smtClean="0"/>
+              <a:t>same instance</a:t>
             </a:r>
           </a:p>
           <a:p>
@@ -13444,7 +13495,15 @@
             </a:r>
             <a:r>
               <a:rPr lang="en-AU" dirty="0" smtClean="0"/>
-              <a:t> with Node.js , sockets.io and Knockout.js</a:t>
+              <a:t> with Node.js , </a:t>
+            </a:r>
+            <a:r>
+              <a:rPr lang="en-AU" dirty="0" smtClean="0"/>
+              <a:t>Sockets.io </a:t>
+            </a:r>
+            <a:r>
+              <a:rPr lang="en-AU" dirty="0" smtClean="0"/>
+              <a:t>and Knockout.js</a:t>
             </a:r>
             <a:endParaRPr lang="en-AU" dirty="0"/>
           </a:p>
@@ -13743,7 +13802,7 @@
           <a:p>
             <a:r>
               <a:rPr lang="en-AU" dirty="0"/>
-              <a:t>s</a:t>
+              <a:t>S</a:t>
             </a:r>
             <a:r>
               <a:rPr lang="en-AU" dirty="0" smtClean="0"/>
@@ -13761,11 +13820,15 @@
           <a:p>
             <a:r>
               <a:rPr lang="en-AU" dirty="0"/>
-              <a:t>b</a:t>
+              <a:t>B</a:t>
             </a:r>
             <a:r>
               <a:rPr lang="en-AU" dirty="0" smtClean="0"/>
-              <a:t>orn in Dublin Ireland, moved to Australia in 2006</a:t>
+              <a:t>orn </a:t>
+            </a:r>
+            <a:r>
+              <a:rPr lang="en-AU" dirty="0" smtClean="0"/>
+              <a:t>in Dublin Ireland, moved to Australia in 2006</a:t>
             </a:r>
           </a:p>
           <a:p>
@@ -13777,7 +13840,19 @@
           <a:p>
             <a:r>
               <a:rPr lang="en-AU" dirty="0" smtClean="0"/>
-              <a:t>working  on a cloud platform </a:t>
+              <a:t>Currently </a:t>
+            </a:r>
+            <a:r>
+              <a:rPr lang="en-AU" dirty="0" err="1" smtClean="0"/>
+              <a:t>borking</a:t>
+            </a:r>
+            <a:r>
+              <a:rPr lang="en-AU" dirty="0" smtClean="0"/>
+              <a:t>  </a:t>
+            </a:r>
+            <a:r>
+              <a:rPr lang="en-AU" dirty="0" smtClean="0"/>
+              <a:t>on a cloud platform </a:t>
             </a:r>
             <a:r>
               <a:rPr lang="en-AU" dirty="0"/>
@@ -19155,6 +19230,21 @@
 </file>
 
 <file path=customXml/item1.xml><?xml version="1.0" encoding="utf-8"?>
+<p:properties xmlns:p="http://schemas.microsoft.com/office/2006/metadata/properties" xmlns:xsi="http://www.w3.org/2001/XMLSchema-instance">
+  <documentManagement/>
+</p:properties>
+</file>
+
+<file path=customXml/item2.xml><?xml version="1.0" encoding="utf-8"?>
+<?mso-contentType ?>
+<FormTemplates xmlns="http://schemas.microsoft.com/sharepoint/v3/contenttype/forms">
+  <Display>DocumentLibraryForm</Display>
+  <Edit>DocumentLibraryForm</Edit>
+  <New>DocumentLibraryForm</New>
+</FormTemplates>
+</file>
+
+<file path=customXml/item3.xml><?xml version="1.0" encoding="utf-8"?>
 <?mso-contentType ?>
 <rca:RCAuthoringProperties xmlns:rca="urn:sharePointPublishingRcaProperties">
   <rca:Converter rca:guid="6dfdc5b4-2a28-4a06-b0c6-ad3901e3a807">
@@ -19170,21 +19260,6 @@
     <rca:property rca:type="ConverterSpecificSettings"/>
   </rca:Converter>
 </rca:RCAuthoringProperties>
-</file>
-
-<file path=customXml/item2.xml><?xml version="1.0" encoding="utf-8"?>
-<?mso-contentType ?>
-<FormTemplates xmlns="http://schemas.microsoft.com/sharepoint/v3/contenttype/forms">
-  <Display>DocumentLibraryForm</Display>
-  <Edit>DocumentLibraryForm</Edit>
-  <New>DocumentLibraryForm</New>
-</FormTemplates>
-</file>
-
-<file path=customXml/item3.xml><?xml version="1.0" encoding="utf-8"?>
-<p:properties xmlns:p="http://schemas.microsoft.com/office/2006/metadata/properties" xmlns:xsi="http://www.w3.org/2001/XMLSchema-instance">
-  <documentManagement/>
-</p:properties>
 </file>
 
 <file path=customXml/item4.xml><?xml version="1.0" encoding="utf-8"?>
@@ -19237,9 +19312,15 @@
 </file>
 
 <file path=customXml/itemProps1.xml><?xml version="1.0" encoding="utf-8"?>
-<ds:datastoreItem xmlns:ds="http://schemas.openxmlformats.org/officeDocument/2006/customXml" ds:itemID="{37DE6E84-255A-45E8-8353-BCD6A4998E02}">
+<ds:datastoreItem xmlns:ds="http://schemas.openxmlformats.org/officeDocument/2006/customXml" ds:itemID="{BDEC00FF-5F1B-415D-9C89-173832172D95}">
   <ds:schemaRefs>
-    <ds:schemaRef ds:uri="urn:sharePointPublishingRcaProperties"/>
+    <ds:schemaRef ds:uri="http://schemas.microsoft.com/office/2006/metadata/properties"/>
+    <ds:schemaRef ds:uri="http://schemas.openxmlformats.org/package/2006/metadata/core-properties"/>
+    <ds:schemaRef ds:uri="http://schemas.microsoft.com/office/2006/documentManagement/types"/>
+    <ds:schemaRef ds:uri="http://purl.org/dc/elements/1.1/"/>
+    <ds:schemaRef ds:uri="http://purl.org/dc/dcmitype/"/>
+    <ds:schemaRef ds:uri="http://purl.org/dc/terms/"/>
+    <ds:schemaRef ds:uri="http://www.w3.org/XML/1998/namespace"/>
   </ds:schemaRefs>
 </ds:datastoreItem>
 </file>
@@ -19253,15 +19334,9 @@
 </file>
 
 <file path=customXml/itemProps3.xml><?xml version="1.0" encoding="utf-8"?>
-<ds:datastoreItem xmlns:ds="http://schemas.openxmlformats.org/officeDocument/2006/customXml" ds:itemID="{BDEC00FF-5F1B-415D-9C89-173832172D95}">
+<ds:datastoreItem xmlns:ds="http://schemas.openxmlformats.org/officeDocument/2006/customXml" ds:itemID="{37DE6E84-255A-45E8-8353-BCD6A4998E02}">
   <ds:schemaRefs>
-    <ds:schemaRef ds:uri="http://schemas.microsoft.com/office/2006/metadata/properties"/>
-    <ds:schemaRef ds:uri="http://schemas.openxmlformats.org/package/2006/metadata/core-properties"/>
-    <ds:schemaRef ds:uri="http://schemas.microsoft.com/office/2006/documentManagement/types"/>
-    <ds:schemaRef ds:uri="http://purl.org/dc/elements/1.1/"/>
-    <ds:schemaRef ds:uri="http://purl.org/dc/dcmitype/"/>
-    <ds:schemaRef ds:uri="http://purl.org/dc/terms/"/>
-    <ds:schemaRef ds:uri="http://www.w3.org/XML/1998/namespace"/>
+    <ds:schemaRef ds:uri="urn:sharePointPublishingRcaProperties"/>
   </ds:schemaRefs>
 </ds:datastoreItem>
 </file>

--- a/presentation/Building Node.js Applications on Windows Azure.pptx
+++ b/presentation/Building Node.js Applications on Windows Azure.pptx
@@ -2878,7 +2878,7 @@
             <a:fld id="{7785875F-706E-40BB-864A-2D06F0E4670E}" type="datetimeFigureOut">
               <a:rPr lang="en-AU" smtClean="0"/>
               <a:pPr/>
-              <a:t>11/03/2012</a:t>
+              <a:t>13/03/2012</a:t>
             </a:fld>
             <a:endParaRPr lang="en-AU" dirty="0"/>
           </a:p>
@@ -3045,7 +3045,7 @@
             <a:fld id="{7DDF49B5-0C03-42A4-A086-8D97D52D2493}" type="datetimeFigureOut">
               <a:rPr lang="en-AU" smtClean="0"/>
               <a:pPr/>
-              <a:t>11/03/2012</a:t>
+              <a:t>13/03/2012</a:t>
             </a:fld>
             <a:endParaRPr lang="en-AU" dirty="0"/>
           </a:p>
@@ -5547,7 +5547,7 @@
             <a:fld id="{CA10310C-7EC1-470A-8BF5-D51EF2D864BA}" type="datetimeFigureOut">
               <a:rPr lang="en-AU" smtClean="0"/>
               <a:pPr/>
-              <a:t>11/03/2012</a:t>
+              <a:t>13/03/2012</a:t>
             </a:fld>
             <a:endParaRPr lang="en-AU"/>
           </a:p>
@@ -5714,7 +5714,7 @@
             <a:fld id="{CA10310C-7EC1-470A-8BF5-D51EF2D864BA}" type="datetimeFigureOut">
               <a:rPr lang="en-AU" smtClean="0"/>
               <a:pPr/>
-              <a:t>11/03/2012</a:t>
+              <a:t>13/03/2012</a:t>
             </a:fld>
             <a:endParaRPr lang="en-AU"/>
           </a:p>
@@ -5957,7 +5957,7 @@
             <a:fld id="{CA10310C-7EC1-470A-8BF5-D51EF2D864BA}" type="datetimeFigureOut">
               <a:rPr lang="en-AU" smtClean="0"/>
               <a:pPr/>
-              <a:t>11/03/2012</a:t>
+              <a:t>13/03/2012</a:t>
             </a:fld>
             <a:endParaRPr lang="en-AU"/>
           </a:p>
@@ -6242,7 +6242,7 @@
             <a:fld id="{CA10310C-7EC1-470A-8BF5-D51EF2D864BA}" type="datetimeFigureOut">
               <a:rPr lang="en-AU" smtClean="0"/>
               <a:pPr/>
-              <a:t>11/03/2012</a:t>
+              <a:t>13/03/2012</a:t>
             </a:fld>
             <a:endParaRPr lang="en-AU"/>
           </a:p>
@@ -6661,7 +6661,7 @@
             <a:fld id="{CA10310C-7EC1-470A-8BF5-D51EF2D864BA}" type="datetimeFigureOut">
               <a:rPr lang="en-AU" smtClean="0"/>
               <a:pPr/>
-              <a:t>11/03/2012</a:t>
+              <a:t>13/03/2012</a:t>
             </a:fld>
             <a:endParaRPr lang="en-AU"/>
           </a:p>
@@ -6776,7 +6776,7 @@
             <a:fld id="{CA10310C-7EC1-470A-8BF5-D51EF2D864BA}" type="datetimeFigureOut">
               <a:rPr lang="en-AU" smtClean="0"/>
               <a:pPr/>
-              <a:t>11/03/2012</a:t>
+              <a:t>13/03/2012</a:t>
             </a:fld>
             <a:endParaRPr lang="en-AU"/>
           </a:p>
@@ -6868,7 +6868,7 @@
             <a:fld id="{CA10310C-7EC1-470A-8BF5-D51EF2D864BA}" type="datetimeFigureOut">
               <a:rPr lang="en-AU" smtClean="0"/>
               <a:pPr/>
-              <a:t>11/03/2012</a:t>
+              <a:t>13/03/2012</a:t>
             </a:fld>
             <a:endParaRPr lang="en-AU"/>
           </a:p>
@@ -7142,7 +7142,7 @@
             <a:fld id="{CA10310C-7EC1-470A-8BF5-D51EF2D864BA}" type="datetimeFigureOut">
               <a:rPr lang="en-AU" smtClean="0"/>
               <a:pPr/>
-              <a:t>11/03/2012</a:t>
+              <a:t>13/03/2012</a:t>
             </a:fld>
             <a:endParaRPr lang="en-AU"/>
           </a:p>
@@ -7392,7 +7392,7 @@
             <a:fld id="{CA10310C-7EC1-470A-8BF5-D51EF2D864BA}" type="datetimeFigureOut">
               <a:rPr lang="en-AU" smtClean="0"/>
               <a:pPr/>
-              <a:t>11/03/2012</a:t>
+              <a:t>13/03/2012</a:t>
             </a:fld>
             <a:endParaRPr lang="en-AU"/>
           </a:p>
@@ -7559,7 +7559,7 @@
             <a:fld id="{CA10310C-7EC1-470A-8BF5-D51EF2D864BA}" type="datetimeFigureOut">
               <a:rPr lang="en-AU" smtClean="0"/>
               <a:pPr/>
-              <a:t>11/03/2012</a:t>
+              <a:t>13/03/2012</a:t>
             </a:fld>
             <a:endParaRPr lang="en-AU"/>
           </a:p>
@@ -7845,7 +7845,7 @@
             <a:fld id="{CA10310C-7EC1-470A-8BF5-D51EF2D864BA}" type="datetimeFigureOut">
               <a:rPr lang="en-AU" smtClean="0"/>
               <a:pPr/>
-              <a:t>11/03/2012</a:t>
+              <a:t>13/03/2012</a:t>
             </a:fld>
             <a:endParaRPr lang="en-AU"/>
           </a:p>
@@ -8084,7 +8084,7 @@
             <a:fld id="{85CE8AA0-9735-4FA2-95DD-391EE93AFE89}" type="datetimeFigureOut">
               <a:rPr lang="en-AU" smtClean="0"/>
               <a:pPr/>
-              <a:t>11/03/2012</a:t>
+              <a:t>13/03/2012</a:t>
             </a:fld>
             <a:endParaRPr lang="en-AU"/>
           </a:p>
@@ -8251,7 +8251,7 @@
             <a:fld id="{85CE8AA0-9735-4FA2-95DD-391EE93AFE89}" type="datetimeFigureOut">
               <a:rPr lang="en-AU" smtClean="0"/>
               <a:pPr/>
-              <a:t>11/03/2012</a:t>
+              <a:t>13/03/2012</a:t>
             </a:fld>
             <a:endParaRPr lang="en-AU"/>
           </a:p>
@@ -8494,7 +8494,7 @@
             <a:fld id="{85CE8AA0-9735-4FA2-95DD-391EE93AFE89}" type="datetimeFigureOut">
               <a:rPr lang="en-AU" smtClean="0"/>
               <a:pPr/>
-              <a:t>11/03/2012</a:t>
+              <a:t>13/03/2012</a:t>
             </a:fld>
             <a:endParaRPr lang="en-AU"/>
           </a:p>
@@ -8779,7 +8779,7 @@
             <a:fld id="{85CE8AA0-9735-4FA2-95DD-391EE93AFE89}" type="datetimeFigureOut">
               <a:rPr lang="en-AU" smtClean="0"/>
               <a:pPr/>
-              <a:t>11/03/2012</a:t>
+              <a:t>13/03/2012</a:t>
             </a:fld>
             <a:endParaRPr lang="en-AU"/>
           </a:p>
@@ -9198,7 +9198,7 @@
             <a:fld id="{85CE8AA0-9735-4FA2-95DD-391EE93AFE89}" type="datetimeFigureOut">
               <a:rPr lang="en-AU" smtClean="0"/>
               <a:pPr/>
-              <a:t>11/03/2012</a:t>
+              <a:t>13/03/2012</a:t>
             </a:fld>
             <a:endParaRPr lang="en-AU"/>
           </a:p>
@@ -9313,7 +9313,7 @@
             <a:fld id="{85CE8AA0-9735-4FA2-95DD-391EE93AFE89}" type="datetimeFigureOut">
               <a:rPr lang="en-AU" smtClean="0"/>
               <a:pPr/>
-              <a:t>11/03/2012</a:t>
+              <a:t>13/03/2012</a:t>
             </a:fld>
             <a:endParaRPr lang="en-AU"/>
           </a:p>
@@ -9405,7 +9405,7 @@
             <a:fld id="{85CE8AA0-9735-4FA2-95DD-391EE93AFE89}" type="datetimeFigureOut">
               <a:rPr lang="en-AU" smtClean="0"/>
               <a:pPr/>
-              <a:t>11/03/2012</a:t>
+              <a:t>13/03/2012</a:t>
             </a:fld>
             <a:endParaRPr lang="en-AU"/>
           </a:p>
@@ -9679,7 +9679,7 @@
             <a:fld id="{85CE8AA0-9735-4FA2-95DD-391EE93AFE89}" type="datetimeFigureOut">
               <a:rPr lang="en-AU" smtClean="0"/>
               <a:pPr/>
-              <a:t>11/03/2012</a:t>
+              <a:t>13/03/2012</a:t>
             </a:fld>
             <a:endParaRPr lang="en-AU"/>
           </a:p>
@@ -9929,7 +9929,7 @@
             <a:fld id="{85CE8AA0-9735-4FA2-95DD-391EE93AFE89}" type="datetimeFigureOut">
               <a:rPr lang="en-AU" smtClean="0"/>
               <a:pPr/>
-              <a:t>11/03/2012</a:t>
+              <a:t>13/03/2012</a:t>
             </a:fld>
             <a:endParaRPr lang="en-AU"/>
           </a:p>
@@ -10205,7 +10205,7 @@
             <a:fld id="{85CE8AA0-9735-4FA2-95DD-391EE93AFE89}" type="datetimeFigureOut">
               <a:rPr lang="en-AU" smtClean="0"/>
               <a:pPr/>
-              <a:t>11/03/2012</a:t>
+              <a:t>13/03/2012</a:t>
             </a:fld>
             <a:endParaRPr lang="en-AU"/>
           </a:p>
@@ -10382,7 +10382,7 @@
             <a:fld id="{85CE8AA0-9735-4FA2-95DD-391EE93AFE89}" type="datetimeFigureOut">
               <a:rPr lang="en-AU" smtClean="0"/>
               <a:pPr/>
-              <a:t>11/03/2012</a:t>
+              <a:t>13/03/2012</a:t>
             </a:fld>
             <a:endParaRPr lang="en-AU"/>
           </a:p>
@@ -10497,7 +10497,7 @@
             <a:fld id="{85CE8AA0-9735-4FA2-95DD-391EE93AFE89}" type="datetimeFigureOut">
               <a:rPr lang="en-AU" smtClean="0"/>
               <a:pPr/>
-              <a:t>11/03/2012</a:t>
+              <a:t>13/03/2012</a:t>
             </a:fld>
             <a:endParaRPr lang="en-AU"/>
           </a:p>
@@ -11585,7 +11585,7 @@
             <a:fld id="{CA10310C-7EC1-470A-8BF5-D51EF2D864BA}" type="datetimeFigureOut">
               <a:rPr lang="en-AU" smtClean="0"/>
               <a:pPr/>
-              <a:t>11/03/2012</a:t>
+              <a:t>13/03/2012</a:t>
             </a:fld>
             <a:endParaRPr lang="en-AU"/>
           </a:p>
@@ -12095,7 +12095,7 @@
             <a:fld id="{85CE8AA0-9735-4FA2-95DD-391EE93AFE89}" type="datetimeFigureOut">
               <a:rPr lang="en-AU" smtClean="0"/>
               <a:pPr/>
-              <a:t>11/03/2012</a:t>
+              <a:t>13/03/2012</a:t>
             </a:fld>
             <a:endParaRPr lang="en-AU"/>
           </a:p>
@@ -12766,7 +12766,7 @@
           <a:graphicData uri="http://schemas.openxmlformats.org/presentationml/2006/ole">
             <mc:AlternateContent xmlns:mc="http://schemas.openxmlformats.org/markup-compatibility/2006">
               <mc:Choice xmlns:v="urn:schemas-microsoft-com:vml" Requires="v">
-                <p:oleObj spid="_x0000_s1044" name="Packager Shell Object" showAsIcon="1" r:id="rId3" imgW="914400" imgH="771480" progId="Package">
+                <p:oleObj spid="_x0000_s1045" name="Packager Shell Object" showAsIcon="1" r:id="rId3" imgW="914400" imgH="771480" progId="Package">
                   <p:embed/>
                 </p:oleObj>
               </mc:Choice>
@@ -13406,19 +13406,7 @@
           <a:p>
             <a:r>
               <a:rPr lang="en-AU" dirty="0" smtClean="0"/>
-              <a:t>Currently you can’t deploy multiple node apps </a:t>
-            </a:r>
-            <a:r>
-              <a:rPr lang="en-AU" dirty="0" smtClean="0"/>
-              <a:t>to </a:t>
-            </a:r>
-            <a:r>
-              <a:rPr lang="en-AU" dirty="0" smtClean="0"/>
-              <a:t>the </a:t>
-            </a:r>
-            <a:r>
-              <a:rPr lang="en-AU" dirty="0" smtClean="0"/>
-              <a:t>same instance</a:t>
+              <a:t>Currently you can’t deploy multiple node apps to the same instance</a:t>
             </a:r>
           </a:p>
           <a:p>
@@ -13495,15 +13483,7 @@
             </a:r>
             <a:r>
               <a:rPr lang="en-AU" dirty="0" smtClean="0"/>
-              <a:t> with Node.js , </a:t>
-            </a:r>
-            <a:r>
-              <a:rPr lang="en-AU" dirty="0" smtClean="0"/>
-              <a:t>Sockets.io </a:t>
-            </a:r>
-            <a:r>
-              <a:rPr lang="en-AU" dirty="0" smtClean="0"/>
-              <a:t>and Knockout.js</a:t>
+              <a:t> with Node.js , Sockets.io and Knockout.js</a:t>
             </a:r>
             <a:endParaRPr lang="en-AU" dirty="0"/>
           </a:p>
@@ -13824,11 +13804,7 @@
             </a:r>
             <a:r>
               <a:rPr lang="en-AU" dirty="0" smtClean="0"/>
-              <a:t>orn </a:t>
-            </a:r>
-            <a:r>
-              <a:rPr lang="en-AU" dirty="0" smtClean="0"/>
-              <a:t>in Dublin Ireland, moved to Australia in 2006</a:t>
+              <a:t>orn in Dublin Ireland, moved to Australia in 2006</a:t>
             </a:r>
           </a:p>
           <a:p>
@@ -13839,16 +13815,16 @@
           </a:p>
           <a:p>
             <a:r>
-              <a:rPr lang="en-AU" dirty="0" smtClean="0"/>
+              <a:rPr lang="en-AU" smtClean="0"/>
               <a:t>Currently </a:t>
             </a:r>
             <a:r>
-              <a:rPr lang="en-AU" dirty="0" err="1" smtClean="0"/>
-              <a:t>borking</a:t>
-            </a:r>
-            <a:r>
-              <a:rPr lang="en-AU" dirty="0" smtClean="0"/>
-              <a:t>  </a:t>
+              <a:rPr lang="en-AU" dirty="0" err="1"/>
+              <a:t>w</a:t>
+            </a:r>
+            <a:r>
+              <a:rPr lang="en-AU" smtClean="0"/>
+              <a:t>orking  </a:t>
             </a:r>
             <a:r>
               <a:rPr lang="en-AU" dirty="0" smtClean="0"/>
@@ -19230,21 +19206,6 @@
 </file>
 
 <file path=customXml/item1.xml><?xml version="1.0" encoding="utf-8"?>
-<p:properties xmlns:p="http://schemas.microsoft.com/office/2006/metadata/properties" xmlns:xsi="http://www.w3.org/2001/XMLSchema-instance">
-  <documentManagement/>
-</p:properties>
-</file>
-
-<file path=customXml/item2.xml><?xml version="1.0" encoding="utf-8"?>
-<?mso-contentType ?>
-<FormTemplates xmlns="http://schemas.microsoft.com/sharepoint/v3/contenttype/forms">
-  <Display>DocumentLibraryForm</Display>
-  <Edit>DocumentLibraryForm</Edit>
-  <New>DocumentLibraryForm</New>
-</FormTemplates>
-</file>
-
-<file path=customXml/item3.xml><?xml version="1.0" encoding="utf-8"?>
 <?mso-contentType ?>
 <rca:RCAuthoringProperties xmlns:rca="urn:sharePointPublishingRcaProperties">
   <rca:Converter rca:guid="6dfdc5b4-2a28-4a06-b0c6-ad3901e3a807">
@@ -19260,6 +19221,21 @@
     <rca:property rca:type="ConverterSpecificSettings"/>
   </rca:Converter>
 </rca:RCAuthoringProperties>
+</file>
+
+<file path=customXml/item2.xml><?xml version="1.0" encoding="utf-8"?>
+<?mso-contentType ?>
+<FormTemplates xmlns="http://schemas.microsoft.com/sharepoint/v3/contenttype/forms">
+  <Display>DocumentLibraryForm</Display>
+  <Edit>DocumentLibraryForm</Edit>
+  <New>DocumentLibraryForm</New>
+</FormTemplates>
+</file>
+
+<file path=customXml/item3.xml><?xml version="1.0" encoding="utf-8"?>
+<p:properties xmlns:p="http://schemas.microsoft.com/office/2006/metadata/properties" xmlns:xsi="http://www.w3.org/2001/XMLSchema-instance">
+  <documentManagement/>
+</p:properties>
 </file>
 
 <file path=customXml/item4.xml><?xml version="1.0" encoding="utf-8"?>
@@ -19312,15 +19288,9 @@
 </file>
 
 <file path=customXml/itemProps1.xml><?xml version="1.0" encoding="utf-8"?>
-<ds:datastoreItem xmlns:ds="http://schemas.openxmlformats.org/officeDocument/2006/customXml" ds:itemID="{BDEC00FF-5F1B-415D-9C89-173832172D95}">
+<ds:datastoreItem xmlns:ds="http://schemas.openxmlformats.org/officeDocument/2006/customXml" ds:itemID="{37DE6E84-255A-45E8-8353-BCD6A4998E02}">
   <ds:schemaRefs>
-    <ds:schemaRef ds:uri="http://schemas.microsoft.com/office/2006/metadata/properties"/>
-    <ds:schemaRef ds:uri="http://schemas.openxmlformats.org/package/2006/metadata/core-properties"/>
-    <ds:schemaRef ds:uri="http://schemas.microsoft.com/office/2006/documentManagement/types"/>
-    <ds:schemaRef ds:uri="http://purl.org/dc/elements/1.1/"/>
-    <ds:schemaRef ds:uri="http://purl.org/dc/dcmitype/"/>
-    <ds:schemaRef ds:uri="http://purl.org/dc/terms/"/>
-    <ds:schemaRef ds:uri="http://www.w3.org/XML/1998/namespace"/>
+    <ds:schemaRef ds:uri="urn:sharePointPublishingRcaProperties"/>
   </ds:schemaRefs>
 </ds:datastoreItem>
 </file>
@@ -19334,9 +19304,15 @@
 </file>
 
 <file path=customXml/itemProps3.xml><?xml version="1.0" encoding="utf-8"?>
-<ds:datastoreItem xmlns:ds="http://schemas.openxmlformats.org/officeDocument/2006/customXml" ds:itemID="{37DE6E84-255A-45E8-8353-BCD6A4998E02}">
+<ds:datastoreItem xmlns:ds="http://schemas.openxmlformats.org/officeDocument/2006/customXml" ds:itemID="{BDEC00FF-5F1B-415D-9C89-173832172D95}">
   <ds:schemaRefs>
-    <ds:schemaRef ds:uri="urn:sharePointPublishingRcaProperties"/>
+    <ds:schemaRef ds:uri="http://schemas.microsoft.com/office/2006/metadata/properties"/>
+    <ds:schemaRef ds:uri="http://schemas.openxmlformats.org/package/2006/metadata/core-properties"/>
+    <ds:schemaRef ds:uri="http://schemas.microsoft.com/office/2006/documentManagement/types"/>
+    <ds:schemaRef ds:uri="http://purl.org/dc/elements/1.1/"/>
+    <ds:schemaRef ds:uri="http://purl.org/dc/dcmitype/"/>
+    <ds:schemaRef ds:uri="http://purl.org/dc/terms/"/>
+    <ds:schemaRef ds:uri="http://www.w3.org/XML/1998/namespace"/>
   </ds:schemaRefs>
 </ds:datastoreItem>
 </file>

--- a/presentation/Building Node.js Applications on Windows Azure.pptx
+++ b/presentation/Building Node.js Applications on Windows Azure.pptx
@@ -7,10 +7,10 @@
     <p:sldMasterId id="2147483681" r:id="rId7"/>
   </p:sldMasterIdLst>
   <p:notesMasterIdLst>
-    <p:notesMasterId r:id="rId25"/>
+    <p:notesMasterId r:id="rId26"/>
   </p:notesMasterIdLst>
   <p:handoutMasterIdLst>
-    <p:handoutMasterId r:id="rId26"/>
+    <p:handoutMasterId r:id="rId27"/>
   </p:handoutMasterIdLst>
   <p:sldIdLst>
     <p:sldId id="256" r:id="rId8"/>
@@ -24,12 +24,13 @@
     <p:sldId id="270" r:id="rId16"/>
     <p:sldId id="281" r:id="rId17"/>
     <p:sldId id="271" r:id="rId18"/>
-    <p:sldId id="285" r:id="rId19"/>
-    <p:sldId id="288" r:id="rId20"/>
-    <p:sldId id="282" r:id="rId21"/>
-    <p:sldId id="286" r:id="rId22"/>
-    <p:sldId id="273" r:id="rId23"/>
-    <p:sldId id="287" r:id="rId24"/>
+    <p:sldId id="288" r:id="rId19"/>
+    <p:sldId id="285" r:id="rId20"/>
+    <p:sldId id="289" r:id="rId21"/>
+    <p:sldId id="282" r:id="rId22"/>
+    <p:sldId id="286" r:id="rId23"/>
+    <p:sldId id="273" r:id="rId24"/>
+    <p:sldId id="287" r:id="rId25"/>
   </p:sldIdLst>
   <p:sldSz cx="9144000" cy="6858000" type="screen4x3"/>
   <p:notesSz cx="7099300" cy="10234613"/>
@@ -138,6 +139,753 @@
 </file>
 
 <file path=ppt/diagrams/colors1.xml><?xml version="1.0" encoding="utf-8"?>
+<dgm:colorsDef xmlns:dgm="http://schemas.openxmlformats.org/drawingml/2006/diagram" xmlns:a="http://schemas.openxmlformats.org/drawingml/2006/main" uniqueId="urn:microsoft.com/office/officeart/2005/8/colors/accent1_2">
+  <dgm:title val=""/>
+  <dgm:desc val=""/>
+  <dgm:catLst>
+    <dgm:cat type="accent1" pri="11200"/>
+  </dgm:catLst>
+  <dgm:styleLbl name="node0">
+    <dgm:fillClrLst meth="repeat">
+      <a:schemeClr val="accent1"/>
+    </dgm:fillClrLst>
+    <dgm:linClrLst meth="repeat">
+      <a:schemeClr val="lt1"/>
+    </dgm:linClrLst>
+    <dgm:effectClrLst/>
+    <dgm:txLinClrLst/>
+    <dgm:txFillClrLst/>
+    <dgm:txEffectClrLst/>
+  </dgm:styleLbl>
+  <dgm:styleLbl name="alignNode1">
+    <dgm:fillClrLst meth="repeat">
+      <a:schemeClr val="accent1"/>
+    </dgm:fillClrLst>
+    <dgm:linClrLst meth="repeat">
+      <a:schemeClr val="accent1"/>
+    </dgm:linClrLst>
+    <dgm:effectClrLst/>
+    <dgm:txLinClrLst/>
+    <dgm:txFillClrLst/>
+    <dgm:txEffectClrLst/>
+  </dgm:styleLbl>
+  <dgm:styleLbl name="node1">
+    <dgm:fillClrLst meth="repeat">
+      <a:schemeClr val="accent1"/>
+    </dgm:fillClrLst>
+    <dgm:linClrLst meth="repeat">
+      <a:schemeClr val="lt1"/>
+    </dgm:linClrLst>
+    <dgm:effectClrLst/>
+    <dgm:txLinClrLst/>
+    <dgm:txFillClrLst/>
+    <dgm:txEffectClrLst/>
+  </dgm:styleLbl>
+  <dgm:styleLbl name="lnNode1">
+    <dgm:fillClrLst meth="repeat">
+      <a:schemeClr val="accent1"/>
+    </dgm:fillClrLst>
+    <dgm:linClrLst meth="repeat">
+      <a:schemeClr val="lt1"/>
+    </dgm:linClrLst>
+    <dgm:effectClrLst/>
+    <dgm:txLinClrLst/>
+    <dgm:txFillClrLst/>
+    <dgm:txEffectClrLst/>
+  </dgm:styleLbl>
+  <dgm:styleLbl name="vennNode1">
+    <dgm:fillClrLst meth="repeat">
+      <a:schemeClr val="accent1">
+        <a:alpha val="50000"/>
+      </a:schemeClr>
+    </dgm:fillClrLst>
+    <dgm:linClrLst meth="repeat">
+      <a:schemeClr val="lt1"/>
+    </dgm:linClrLst>
+    <dgm:effectClrLst/>
+    <dgm:txLinClrLst/>
+    <dgm:txFillClrLst/>
+    <dgm:txEffectClrLst/>
+  </dgm:styleLbl>
+  <dgm:styleLbl name="node2">
+    <dgm:fillClrLst meth="repeat">
+      <a:schemeClr val="accent1"/>
+    </dgm:fillClrLst>
+    <dgm:linClrLst meth="repeat">
+      <a:schemeClr val="lt1"/>
+    </dgm:linClrLst>
+    <dgm:effectClrLst/>
+    <dgm:txLinClrLst/>
+    <dgm:txFillClrLst/>
+    <dgm:txEffectClrLst/>
+  </dgm:styleLbl>
+  <dgm:styleLbl name="node3">
+    <dgm:fillClrLst meth="repeat">
+      <a:schemeClr val="accent1"/>
+    </dgm:fillClrLst>
+    <dgm:linClrLst meth="repeat">
+      <a:schemeClr val="lt1"/>
+    </dgm:linClrLst>
+    <dgm:effectClrLst/>
+    <dgm:txLinClrLst/>
+    <dgm:txFillClrLst/>
+    <dgm:txEffectClrLst/>
+  </dgm:styleLbl>
+  <dgm:styleLbl name="node4">
+    <dgm:fillClrLst meth="repeat">
+      <a:schemeClr val="accent1"/>
+    </dgm:fillClrLst>
+    <dgm:linClrLst meth="repeat">
+      <a:schemeClr val="lt1"/>
+    </dgm:linClrLst>
+    <dgm:effectClrLst/>
+    <dgm:txLinClrLst/>
+    <dgm:txFillClrLst/>
+    <dgm:txEffectClrLst/>
+  </dgm:styleLbl>
+  <dgm:styleLbl name="fgImgPlace1">
+    <dgm:fillClrLst meth="repeat">
+      <a:schemeClr val="accent1">
+        <a:tint val="50000"/>
+      </a:schemeClr>
+    </dgm:fillClrLst>
+    <dgm:linClrLst meth="repeat">
+      <a:schemeClr val="lt1"/>
+    </dgm:linClrLst>
+    <dgm:effectClrLst/>
+    <dgm:txLinClrLst/>
+    <dgm:txFillClrLst meth="repeat">
+      <a:schemeClr val="lt1"/>
+    </dgm:txFillClrLst>
+    <dgm:txEffectClrLst/>
+  </dgm:styleLbl>
+  <dgm:styleLbl name="alignImgPlace1">
+    <dgm:fillClrLst meth="repeat">
+      <a:schemeClr val="accent1">
+        <a:tint val="50000"/>
+      </a:schemeClr>
+    </dgm:fillClrLst>
+    <dgm:linClrLst meth="repeat">
+      <a:schemeClr val="lt1"/>
+    </dgm:linClrLst>
+    <dgm:effectClrLst/>
+    <dgm:txLinClrLst/>
+    <dgm:txFillClrLst meth="repeat">
+      <a:schemeClr val="lt1"/>
+    </dgm:txFillClrLst>
+    <dgm:txEffectClrLst/>
+  </dgm:styleLbl>
+  <dgm:styleLbl name="bgImgPlace1">
+    <dgm:fillClrLst meth="repeat">
+      <a:schemeClr val="accent1">
+        <a:tint val="50000"/>
+      </a:schemeClr>
+    </dgm:fillClrLst>
+    <dgm:linClrLst meth="repeat">
+      <a:schemeClr val="lt1"/>
+    </dgm:linClrLst>
+    <dgm:effectClrLst/>
+    <dgm:txLinClrLst/>
+    <dgm:txFillClrLst meth="repeat">
+      <a:schemeClr val="lt1"/>
+    </dgm:txFillClrLst>
+    <dgm:txEffectClrLst/>
+  </dgm:styleLbl>
+  <dgm:styleLbl name="sibTrans2D1">
+    <dgm:fillClrLst meth="repeat">
+      <a:schemeClr val="accent1">
+        <a:tint val="60000"/>
+      </a:schemeClr>
+    </dgm:fillClrLst>
+    <dgm:linClrLst meth="repeat">
+      <a:schemeClr val="accent1">
+        <a:tint val="60000"/>
+      </a:schemeClr>
+    </dgm:linClrLst>
+    <dgm:effectClrLst/>
+    <dgm:txLinClrLst/>
+    <dgm:txFillClrLst/>
+    <dgm:txEffectClrLst/>
+  </dgm:styleLbl>
+  <dgm:styleLbl name="fgSibTrans2D1">
+    <dgm:fillClrLst meth="repeat">
+      <a:schemeClr val="accent1">
+        <a:tint val="60000"/>
+      </a:schemeClr>
+    </dgm:fillClrLst>
+    <dgm:linClrLst meth="repeat">
+      <a:schemeClr val="accent1">
+        <a:tint val="60000"/>
+      </a:schemeClr>
+    </dgm:linClrLst>
+    <dgm:effectClrLst/>
+    <dgm:txLinClrLst/>
+    <dgm:txFillClrLst/>
+    <dgm:txEffectClrLst/>
+  </dgm:styleLbl>
+  <dgm:styleLbl name="bgSibTrans2D1">
+    <dgm:fillClrLst meth="repeat">
+      <a:schemeClr val="accent1">
+        <a:tint val="60000"/>
+      </a:schemeClr>
+    </dgm:fillClrLst>
+    <dgm:linClrLst meth="repeat">
+      <a:schemeClr val="accent1">
+        <a:tint val="60000"/>
+      </a:schemeClr>
+    </dgm:linClrLst>
+    <dgm:effectClrLst/>
+    <dgm:txLinClrLst/>
+    <dgm:txFillClrLst/>
+    <dgm:txEffectClrLst/>
+  </dgm:styleLbl>
+  <dgm:styleLbl name="sibTrans1D1">
+    <dgm:fillClrLst meth="repeat">
+      <a:schemeClr val="accent1"/>
+    </dgm:fillClrLst>
+    <dgm:linClrLst meth="repeat">
+      <a:schemeClr val="accent1"/>
+    </dgm:linClrLst>
+    <dgm:effectClrLst/>
+    <dgm:txLinClrLst/>
+    <dgm:txFillClrLst meth="repeat">
+      <a:schemeClr val="tx1"/>
+    </dgm:txFillClrLst>
+    <dgm:txEffectClrLst/>
+  </dgm:styleLbl>
+  <dgm:styleLbl name="callout">
+    <dgm:fillClrLst meth="repeat">
+      <a:schemeClr val="accent1"/>
+    </dgm:fillClrLst>
+    <dgm:linClrLst meth="repeat">
+      <a:schemeClr val="accent1">
+        <a:tint val="50000"/>
+      </a:schemeClr>
+    </dgm:linClrLst>
+    <dgm:effectClrLst/>
+    <dgm:txLinClrLst/>
+    <dgm:txFillClrLst meth="repeat">
+      <a:schemeClr val="tx1"/>
+    </dgm:txFillClrLst>
+    <dgm:txEffectClrLst/>
+  </dgm:styleLbl>
+  <dgm:styleLbl name="asst0">
+    <dgm:fillClrLst meth="repeat">
+      <a:schemeClr val="accent1"/>
+    </dgm:fillClrLst>
+    <dgm:linClrLst meth="repeat">
+      <a:schemeClr val="lt1"/>
+    </dgm:linClrLst>
+    <dgm:effectClrLst/>
+    <dgm:txLinClrLst/>
+    <dgm:txFillClrLst/>
+    <dgm:txEffectClrLst/>
+  </dgm:styleLbl>
+  <dgm:styleLbl name="asst1">
+    <dgm:fillClrLst meth="repeat">
+      <a:schemeClr val="accent1"/>
+    </dgm:fillClrLst>
+    <dgm:linClrLst meth="repeat">
+      <a:schemeClr val="lt1"/>
+    </dgm:linClrLst>
+    <dgm:effectClrLst/>
+    <dgm:txLinClrLst/>
+    <dgm:txFillClrLst/>
+    <dgm:txEffectClrLst/>
+  </dgm:styleLbl>
+  <dgm:styleLbl name="asst2">
+    <dgm:fillClrLst meth="repeat">
+      <a:schemeClr val="accent1"/>
+    </dgm:fillClrLst>
+    <dgm:linClrLst meth="repeat">
+      <a:schemeClr val="lt1"/>
+    </dgm:linClrLst>
+    <dgm:effectClrLst/>
+    <dgm:txLinClrLst/>
+    <dgm:txFillClrLst/>
+    <dgm:txEffectClrLst/>
+  </dgm:styleLbl>
+  <dgm:styleLbl name="asst3">
+    <dgm:fillClrLst meth="repeat">
+      <a:schemeClr val="accent1"/>
+    </dgm:fillClrLst>
+    <dgm:linClrLst meth="repeat">
+      <a:schemeClr val="lt1"/>
+    </dgm:linClrLst>
+    <dgm:effectClrLst/>
+    <dgm:txLinClrLst/>
+    <dgm:txFillClrLst/>
+    <dgm:txEffectClrLst/>
+  </dgm:styleLbl>
+  <dgm:styleLbl name="asst4">
+    <dgm:fillClrLst meth="repeat">
+      <a:schemeClr val="accent1"/>
+    </dgm:fillClrLst>
+    <dgm:linClrLst meth="repeat">
+      <a:schemeClr val="lt1"/>
+    </dgm:linClrLst>
+    <dgm:effectClrLst/>
+    <dgm:txLinClrLst/>
+    <dgm:txFillClrLst/>
+    <dgm:txEffectClrLst/>
+  </dgm:styleLbl>
+  <dgm:styleLbl name="parChTrans2D1">
+    <dgm:fillClrLst meth="repeat">
+      <a:schemeClr val="accent1">
+        <a:tint val="60000"/>
+      </a:schemeClr>
+    </dgm:fillClrLst>
+    <dgm:linClrLst meth="repeat">
+      <a:schemeClr val="accent1">
+        <a:tint val="60000"/>
+      </a:schemeClr>
+    </dgm:linClrLst>
+    <dgm:effectClrLst/>
+    <dgm:txLinClrLst/>
+    <dgm:txFillClrLst meth="repeat">
+      <a:schemeClr val="lt1"/>
+    </dgm:txFillClrLst>
+    <dgm:txEffectClrLst/>
+  </dgm:styleLbl>
+  <dgm:styleLbl name="parChTrans2D2">
+    <dgm:fillClrLst meth="repeat">
+      <a:schemeClr val="accent1"/>
+    </dgm:fillClrLst>
+    <dgm:linClrLst meth="repeat">
+      <a:schemeClr val="accent1"/>
+    </dgm:linClrLst>
+    <dgm:effectClrLst/>
+    <dgm:txLinClrLst/>
+    <dgm:txFillClrLst meth="repeat">
+      <a:schemeClr val="lt1"/>
+    </dgm:txFillClrLst>
+    <dgm:txEffectClrLst/>
+  </dgm:styleLbl>
+  <dgm:styleLbl name="parChTrans2D3">
+    <dgm:fillClrLst meth="repeat">
+      <a:schemeClr val="accent1"/>
+    </dgm:fillClrLst>
+    <dgm:linClrLst meth="repeat">
+      <a:schemeClr val="accent1"/>
+    </dgm:linClrLst>
+    <dgm:effectClrLst/>
+    <dgm:txLinClrLst/>
+    <dgm:txFillClrLst meth="repeat">
+      <a:schemeClr val="lt1"/>
+    </dgm:txFillClrLst>
+    <dgm:txEffectClrLst/>
+  </dgm:styleLbl>
+  <dgm:styleLbl name="parChTrans2D4">
+    <dgm:fillClrLst meth="repeat">
+      <a:schemeClr val="accent1"/>
+    </dgm:fillClrLst>
+    <dgm:linClrLst meth="repeat">
+      <a:schemeClr val="accent1"/>
+    </dgm:linClrLst>
+    <dgm:effectClrLst/>
+    <dgm:txLinClrLst/>
+    <dgm:txFillClrLst meth="repeat">
+      <a:schemeClr val="lt1"/>
+    </dgm:txFillClrLst>
+    <dgm:txEffectClrLst/>
+  </dgm:styleLbl>
+  <dgm:styleLbl name="parChTrans1D1">
+    <dgm:fillClrLst meth="repeat">
+      <a:schemeClr val="accent1"/>
+    </dgm:fillClrLst>
+    <dgm:linClrLst meth="repeat">
+      <a:schemeClr val="accent1">
+        <a:shade val="60000"/>
+      </a:schemeClr>
+    </dgm:linClrLst>
+    <dgm:effectClrLst/>
+    <dgm:txLinClrLst/>
+    <dgm:txFillClrLst meth="repeat">
+      <a:schemeClr val="tx1"/>
+    </dgm:txFillClrLst>
+    <dgm:txEffectClrLst/>
+  </dgm:styleLbl>
+  <dgm:styleLbl name="parChTrans1D2">
+    <dgm:fillClrLst meth="repeat">
+      <a:schemeClr val="accent1"/>
+    </dgm:fillClrLst>
+    <dgm:linClrLst meth="repeat">
+      <a:schemeClr val="accent1">
+        <a:shade val="60000"/>
+      </a:schemeClr>
+    </dgm:linClrLst>
+    <dgm:effectClrLst/>
+    <dgm:txLinClrLst/>
+    <dgm:txFillClrLst meth="repeat">
+      <a:schemeClr val="tx1"/>
+    </dgm:txFillClrLst>
+    <dgm:txEffectClrLst/>
+  </dgm:styleLbl>
+  <dgm:styleLbl name="parChTrans1D3">
+    <dgm:fillClrLst meth="repeat">
+      <a:schemeClr val="accent1"/>
+    </dgm:fillClrLst>
+    <dgm:linClrLst meth="repeat">
+      <a:schemeClr val="accent1">
+        <a:shade val="80000"/>
+      </a:schemeClr>
+    </dgm:linClrLst>
+    <dgm:effectClrLst/>
+    <dgm:txLinClrLst/>
+    <dgm:txFillClrLst meth="repeat">
+      <a:schemeClr val="tx1"/>
+    </dgm:txFillClrLst>
+    <dgm:txEffectClrLst/>
+  </dgm:styleLbl>
+  <dgm:styleLbl name="parChTrans1D4">
+    <dgm:fillClrLst meth="repeat">
+      <a:schemeClr val="accent1"/>
+    </dgm:fillClrLst>
+    <dgm:linClrLst meth="repeat">
+      <a:schemeClr val="accent1">
+        <a:shade val="80000"/>
+      </a:schemeClr>
+    </dgm:linClrLst>
+    <dgm:effectClrLst/>
+    <dgm:txLinClrLst/>
+    <dgm:txFillClrLst meth="repeat">
+      <a:schemeClr val="tx1"/>
+    </dgm:txFillClrLst>
+    <dgm:txEffectClrLst/>
+  </dgm:styleLbl>
+  <dgm:styleLbl name="fgAcc1">
+    <dgm:fillClrLst meth="repeat">
+      <a:schemeClr val="lt1">
+        <a:alpha val="90000"/>
+      </a:schemeClr>
+    </dgm:fillClrLst>
+    <dgm:linClrLst meth="repeat">
+      <a:schemeClr val="accent1"/>
+    </dgm:linClrLst>
+    <dgm:effectClrLst/>
+    <dgm:txLinClrLst/>
+    <dgm:txFillClrLst meth="repeat">
+      <a:schemeClr val="dk1"/>
+    </dgm:txFillClrLst>
+    <dgm:txEffectClrLst/>
+  </dgm:styleLbl>
+  <dgm:styleLbl name="conFgAcc1">
+    <dgm:fillClrLst meth="repeat">
+      <a:schemeClr val="lt1">
+        <a:alpha val="90000"/>
+      </a:schemeClr>
+    </dgm:fillClrLst>
+    <dgm:linClrLst meth="repeat">
+      <a:schemeClr val="accent1"/>
+    </dgm:linClrLst>
+    <dgm:effectClrLst/>
+    <dgm:txLinClrLst/>
+    <dgm:txFillClrLst meth="repeat">
+      <a:schemeClr val="dk1"/>
+    </dgm:txFillClrLst>
+    <dgm:txEffectClrLst/>
+  </dgm:styleLbl>
+  <dgm:styleLbl name="alignAcc1">
+    <dgm:fillClrLst meth="repeat">
+      <a:schemeClr val="lt1">
+        <a:alpha val="90000"/>
+      </a:schemeClr>
+    </dgm:fillClrLst>
+    <dgm:linClrLst meth="repeat">
+      <a:schemeClr val="accent1"/>
+    </dgm:linClrLst>
+    <dgm:effectClrLst/>
+    <dgm:txLinClrLst/>
+    <dgm:txFillClrLst meth="repeat">
+      <a:schemeClr val="dk1"/>
+    </dgm:txFillClrLst>
+    <dgm:txEffectClrLst/>
+  </dgm:styleLbl>
+  <dgm:styleLbl name="trAlignAcc1">
+    <dgm:fillClrLst meth="repeat">
+      <a:schemeClr val="lt1">
+        <a:alpha val="40000"/>
+      </a:schemeClr>
+    </dgm:fillClrLst>
+    <dgm:linClrLst meth="repeat">
+      <a:schemeClr val="accent1"/>
+    </dgm:linClrLst>
+    <dgm:effectClrLst/>
+    <dgm:txLinClrLst/>
+    <dgm:txFillClrLst meth="repeat">
+      <a:schemeClr val="dk1"/>
+    </dgm:txFillClrLst>
+    <dgm:txEffectClrLst/>
+  </dgm:styleLbl>
+  <dgm:styleLbl name="bgAcc1">
+    <dgm:fillClrLst meth="repeat">
+      <a:schemeClr val="lt1">
+        <a:alpha val="90000"/>
+      </a:schemeClr>
+    </dgm:fillClrLst>
+    <dgm:linClrLst meth="repeat">
+      <a:schemeClr val="accent1"/>
+    </dgm:linClrLst>
+    <dgm:effectClrLst/>
+    <dgm:txLinClrLst/>
+    <dgm:txFillClrLst meth="repeat">
+      <a:schemeClr val="dk1"/>
+    </dgm:txFillClrLst>
+    <dgm:txEffectClrLst/>
+  </dgm:styleLbl>
+  <dgm:styleLbl name="solidFgAcc1">
+    <dgm:fillClrLst meth="repeat">
+      <a:schemeClr val="lt1"/>
+    </dgm:fillClrLst>
+    <dgm:linClrLst meth="repeat">
+      <a:schemeClr val="accent1"/>
+    </dgm:linClrLst>
+    <dgm:effectClrLst/>
+    <dgm:txLinClrLst/>
+    <dgm:txFillClrLst meth="repeat">
+      <a:schemeClr val="dk1"/>
+    </dgm:txFillClrLst>
+    <dgm:txEffectClrLst/>
+  </dgm:styleLbl>
+  <dgm:styleLbl name="solidAlignAcc1">
+    <dgm:fillClrLst meth="repeat">
+      <a:schemeClr val="lt1"/>
+    </dgm:fillClrLst>
+    <dgm:linClrLst meth="repeat">
+      <a:schemeClr val="accent1"/>
+    </dgm:linClrLst>
+    <dgm:effectClrLst/>
+    <dgm:txLinClrLst/>
+    <dgm:txFillClrLst meth="repeat">
+      <a:schemeClr val="dk1"/>
+    </dgm:txFillClrLst>
+    <dgm:txEffectClrLst/>
+  </dgm:styleLbl>
+  <dgm:styleLbl name="solidBgAcc1">
+    <dgm:fillClrLst meth="repeat">
+      <a:schemeClr val="lt1"/>
+    </dgm:fillClrLst>
+    <dgm:linClrLst meth="repeat">
+      <a:schemeClr val="accent1"/>
+    </dgm:linClrLst>
+    <dgm:effectClrLst/>
+    <dgm:txLinClrLst/>
+    <dgm:txFillClrLst meth="repeat">
+      <a:schemeClr val="dk1"/>
+    </dgm:txFillClrLst>
+    <dgm:txEffectClrLst/>
+  </dgm:styleLbl>
+  <dgm:styleLbl name="fgAccFollowNode1">
+    <dgm:fillClrLst meth="repeat">
+      <a:schemeClr val="accent1">
+        <a:alpha val="90000"/>
+        <a:tint val="40000"/>
+      </a:schemeClr>
+    </dgm:fillClrLst>
+    <dgm:linClrLst meth="repeat">
+      <a:schemeClr val="accent1">
+        <a:alpha val="90000"/>
+        <a:tint val="40000"/>
+      </a:schemeClr>
+    </dgm:linClrLst>
+    <dgm:effectClrLst/>
+    <dgm:txLinClrLst/>
+    <dgm:txFillClrLst meth="repeat">
+      <a:schemeClr val="dk1"/>
+    </dgm:txFillClrLst>
+    <dgm:txEffectClrLst/>
+  </dgm:styleLbl>
+  <dgm:styleLbl name="alignAccFollowNode1">
+    <dgm:fillClrLst meth="repeat">
+      <a:schemeClr val="accent1">
+        <a:alpha val="90000"/>
+        <a:tint val="40000"/>
+      </a:schemeClr>
+    </dgm:fillClrLst>
+    <dgm:linClrLst meth="repeat">
+      <a:schemeClr val="accent1">
+        <a:alpha val="90000"/>
+        <a:tint val="40000"/>
+      </a:schemeClr>
+    </dgm:linClrLst>
+    <dgm:effectClrLst/>
+    <dgm:txLinClrLst/>
+    <dgm:txFillClrLst meth="repeat">
+      <a:schemeClr val="dk1"/>
+    </dgm:txFillClrLst>
+    <dgm:txEffectClrLst/>
+  </dgm:styleLbl>
+  <dgm:styleLbl name="bgAccFollowNode1">
+    <dgm:fillClrLst meth="repeat">
+      <a:schemeClr val="accent1">
+        <a:alpha val="90000"/>
+        <a:tint val="40000"/>
+      </a:schemeClr>
+    </dgm:fillClrLst>
+    <dgm:linClrLst meth="repeat">
+      <a:schemeClr val="accent1">
+        <a:alpha val="90000"/>
+        <a:tint val="40000"/>
+      </a:schemeClr>
+    </dgm:linClrLst>
+    <dgm:effectClrLst/>
+    <dgm:txLinClrLst/>
+    <dgm:txFillClrLst meth="repeat">
+      <a:schemeClr val="dk1"/>
+    </dgm:txFillClrLst>
+    <dgm:txEffectClrLst/>
+  </dgm:styleLbl>
+  <dgm:styleLbl name="fgAcc0">
+    <dgm:fillClrLst meth="repeat">
+      <a:schemeClr val="lt1">
+        <a:alpha val="90000"/>
+      </a:schemeClr>
+    </dgm:fillClrLst>
+    <dgm:linClrLst meth="repeat">
+      <a:schemeClr val="accent1"/>
+    </dgm:linClrLst>
+    <dgm:effectClrLst/>
+    <dgm:txLinClrLst/>
+    <dgm:txFillClrLst meth="repeat">
+      <a:schemeClr val="dk1"/>
+    </dgm:txFillClrLst>
+    <dgm:txEffectClrLst/>
+  </dgm:styleLbl>
+  <dgm:styleLbl name="fgAcc2">
+    <dgm:fillClrLst meth="repeat">
+      <a:schemeClr val="lt1">
+        <a:alpha val="90000"/>
+      </a:schemeClr>
+    </dgm:fillClrLst>
+    <dgm:linClrLst meth="repeat">
+      <a:schemeClr val="accent1"/>
+    </dgm:linClrLst>
+    <dgm:effectClrLst/>
+    <dgm:txLinClrLst/>
+    <dgm:txFillClrLst meth="repeat">
+      <a:schemeClr val="dk1"/>
+    </dgm:txFillClrLst>
+    <dgm:txEffectClrLst/>
+  </dgm:styleLbl>
+  <dgm:styleLbl name="fgAcc3">
+    <dgm:fillClrLst meth="repeat">
+      <a:schemeClr val="lt1">
+        <a:alpha val="90000"/>
+      </a:schemeClr>
+    </dgm:fillClrLst>
+    <dgm:linClrLst meth="repeat">
+      <a:schemeClr val="accent1"/>
+    </dgm:linClrLst>
+    <dgm:effectClrLst/>
+    <dgm:txLinClrLst/>
+    <dgm:txFillClrLst meth="repeat">
+      <a:schemeClr val="dk1"/>
+    </dgm:txFillClrLst>
+    <dgm:txEffectClrLst/>
+  </dgm:styleLbl>
+  <dgm:styleLbl name="fgAcc4">
+    <dgm:fillClrLst meth="repeat">
+      <a:schemeClr val="lt1">
+        <a:alpha val="90000"/>
+      </a:schemeClr>
+    </dgm:fillClrLst>
+    <dgm:linClrLst meth="repeat">
+      <a:schemeClr val="accent1"/>
+    </dgm:linClrLst>
+    <dgm:effectClrLst/>
+    <dgm:txLinClrLst/>
+    <dgm:txFillClrLst meth="repeat">
+      <a:schemeClr val="dk1"/>
+    </dgm:txFillClrLst>
+    <dgm:txEffectClrLst/>
+  </dgm:styleLbl>
+  <dgm:styleLbl name="bgShp">
+    <dgm:fillClrLst meth="repeat">
+      <a:schemeClr val="accent1">
+        <a:tint val="40000"/>
+      </a:schemeClr>
+    </dgm:fillClrLst>
+    <dgm:linClrLst meth="repeat">
+      <a:schemeClr val="accent1"/>
+    </dgm:linClrLst>
+    <dgm:effectClrLst/>
+    <dgm:txLinClrLst/>
+    <dgm:txFillClrLst meth="repeat">
+      <a:schemeClr val="dk1"/>
+    </dgm:txFillClrLst>
+    <dgm:txEffectClrLst/>
+  </dgm:styleLbl>
+  <dgm:styleLbl name="dkBgShp">
+    <dgm:fillClrLst meth="repeat">
+      <a:schemeClr val="accent1">
+        <a:shade val="80000"/>
+      </a:schemeClr>
+    </dgm:fillClrLst>
+    <dgm:linClrLst meth="repeat">
+      <a:schemeClr val="accent1"/>
+    </dgm:linClrLst>
+    <dgm:effectClrLst/>
+    <dgm:txLinClrLst/>
+    <dgm:txFillClrLst meth="repeat">
+      <a:schemeClr val="lt1"/>
+    </dgm:txFillClrLst>
+    <dgm:txEffectClrLst/>
+  </dgm:styleLbl>
+  <dgm:styleLbl name="trBgShp">
+    <dgm:fillClrLst meth="repeat">
+      <a:schemeClr val="accent1">
+        <a:tint val="50000"/>
+        <a:alpha val="40000"/>
+      </a:schemeClr>
+    </dgm:fillClrLst>
+    <dgm:linClrLst meth="repeat">
+      <a:schemeClr val="accent1"/>
+    </dgm:linClrLst>
+    <dgm:effectClrLst/>
+    <dgm:txLinClrLst/>
+    <dgm:txFillClrLst meth="repeat">
+      <a:schemeClr val="lt1"/>
+    </dgm:txFillClrLst>
+    <dgm:txEffectClrLst/>
+  </dgm:styleLbl>
+  <dgm:styleLbl name="fgShp">
+    <dgm:fillClrLst meth="repeat">
+      <a:schemeClr val="accent1">
+        <a:tint val="60000"/>
+      </a:schemeClr>
+    </dgm:fillClrLst>
+    <dgm:linClrLst meth="repeat">
+      <a:schemeClr val="lt1"/>
+    </dgm:linClrLst>
+    <dgm:effectClrLst/>
+    <dgm:txLinClrLst/>
+    <dgm:txFillClrLst meth="repeat">
+      <a:schemeClr val="dk1"/>
+    </dgm:txFillClrLst>
+    <dgm:txEffectClrLst/>
+  </dgm:styleLbl>
+  <dgm:styleLbl name="revTx">
+    <dgm:fillClrLst meth="repeat">
+      <a:schemeClr val="lt1">
+        <a:alpha val="0"/>
+      </a:schemeClr>
+    </dgm:fillClrLst>
+    <dgm:linClrLst meth="repeat">
+      <a:schemeClr val="dk1">
+        <a:alpha val="0"/>
+      </a:schemeClr>
+    </dgm:linClrLst>
+    <dgm:effectClrLst/>
+    <dgm:txLinClrLst/>
+    <dgm:txFillClrLst meth="repeat">
+      <a:schemeClr val="tx1"/>
+    </dgm:txFillClrLst>
+    <dgm:txEffectClrLst/>
+  </dgm:styleLbl>
+</dgm:colorsDef>
+</file>
+
+<file path=ppt/diagrams/colors2.xml><?xml version="1.0" encoding="utf-8"?>
 <dgm:colorsDef xmlns:dgm="http://schemas.openxmlformats.org/drawingml/2006/diagram" xmlns:a="http://schemas.openxmlformats.org/drawingml/2006/main" uniqueId="urn:microsoft.com/office/officeart/2005/8/colors/accent1_2">
   <dgm:title val=""/>
   <dgm:desc val=""/>
@@ -1158,6 +1906,310 @@
 </dgm:dataModel>
 </file>
 
+<file path=ppt/diagrams/data2.xml><?xml version="1.0" encoding="utf-8"?>
+<dgm:dataModel xmlns:dgm="http://schemas.openxmlformats.org/drawingml/2006/diagram" xmlns:a="http://schemas.openxmlformats.org/drawingml/2006/main">
+  <dgm:ptLst>
+    <dgm:pt modelId="{612FA249-41D6-4AA4-A53F-46EDA40997B1}" type="doc">
+      <dgm:prSet loTypeId="urn:microsoft.com/office/officeart/2005/8/layout/default" loCatId="list" qsTypeId="urn:microsoft.com/office/officeart/2005/8/quickstyle/simple1" qsCatId="simple" csTypeId="urn:microsoft.com/office/officeart/2005/8/colors/accent1_2" csCatId="accent1" phldr="1"/>
+      <dgm:spPr/>
+      <dgm:t>
+        <a:bodyPr/>
+        <a:lstStyle/>
+        <a:p>
+          <a:endParaRPr lang="en-AU"/>
+        </a:p>
+      </dgm:t>
+    </dgm:pt>
+    <dgm:pt modelId="{AD508699-2945-499F-BB50-2CEB395007EB}">
+      <dgm:prSet phldrT="[Text]"/>
+      <dgm:spPr/>
+      <dgm:t>
+        <a:bodyPr/>
+        <a:lstStyle/>
+        <a:p>
+          <a:r>
+            <a:rPr lang="en-AU" dirty="0" smtClean="0"/>
+            <a:t>Node.js</a:t>
+          </a:r>
+          <a:endParaRPr lang="en-AU" dirty="0"/>
+        </a:p>
+      </dgm:t>
+    </dgm:pt>
+    <dgm:pt modelId="{AB8E74C3-C8D1-4C9A-AFDF-67687306E295}" type="parTrans" cxnId="{D22223F3-7A62-4BF3-826A-498FA4BE6801}">
+      <dgm:prSet/>
+      <dgm:spPr/>
+      <dgm:t>
+        <a:bodyPr/>
+        <a:lstStyle/>
+        <a:p>
+          <a:endParaRPr lang="en-AU"/>
+        </a:p>
+      </dgm:t>
+    </dgm:pt>
+    <dgm:pt modelId="{DDBF469F-E18B-44B9-9D46-BD2A5AED8F0C}" type="sibTrans" cxnId="{D22223F3-7A62-4BF3-826A-498FA4BE6801}">
+      <dgm:prSet/>
+      <dgm:spPr/>
+      <dgm:t>
+        <a:bodyPr/>
+        <a:lstStyle/>
+        <a:p>
+          <a:endParaRPr lang="en-AU"/>
+        </a:p>
+      </dgm:t>
+    </dgm:pt>
+    <dgm:pt modelId="{FE067C44-B7E0-4484-9D8B-4A0278A675E5}">
+      <dgm:prSet phldrT="[Text]"/>
+      <dgm:spPr/>
+      <dgm:t>
+        <a:bodyPr/>
+        <a:lstStyle/>
+        <a:p>
+          <a:r>
+            <a:rPr lang="en-AU" dirty="0" err="1" smtClean="0"/>
+            <a:t>IISNode</a:t>
+          </a:r>
+          <a:endParaRPr lang="en-AU" dirty="0"/>
+        </a:p>
+      </dgm:t>
+    </dgm:pt>
+    <dgm:pt modelId="{73AC9EF7-1C08-4B2F-A947-CDFE0D1C8D30}" type="parTrans" cxnId="{98DF66BC-ABB0-4A47-956A-4C502D3AEF5D}">
+      <dgm:prSet/>
+      <dgm:spPr/>
+      <dgm:t>
+        <a:bodyPr/>
+        <a:lstStyle/>
+        <a:p>
+          <a:endParaRPr lang="en-AU"/>
+        </a:p>
+      </dgm:t>
+    </dgm:pt>
+    <dgm:pt modelId="{8695913D-A25B-402F-8E3A-8BD549E77270}" type="sibTrans" cxnId="{98DF66BC-ABB0-4A47-956A-4C502D3AEF5D}">
+      <dgm:prSet/>
+      <dgm:spPr/>
+      <dgm:t>
+        <a:bodyPr/>
+        <a:lstStyle/>
+        <a:p>
+          <a:endParaRPr lang="en-AU"/>
+        </a:p>
+      </dgm:t>
+    </dgm:pt>
+    <dgm:pt modelId="{37F1D755-DF85-4C58-A611-56E84A629CFD}">
+      <dgm:prSet phldrT="[Text]"/>
+      <dgm:spPr/>
+      <dgm:t>
+        <a:bodyPr/>
+        <a:lstStyle/>
+        <a:p>
+          <a:r>
+            <a:rPr lang="en-AU" dirty="0" smtClean="0"/>
+            <a:t>NPM for </a:t>
+          </a:r>
+          <a:r>
+            <a:rPr lang="en-AU" dirty="0" err="1" smtClean="0"/>
+            <a:t>WIndows</a:t>
+          </a:r>
+          <a:endParaRPr lang="en-AU" dirty="0"/>
+        </a:p>
+      </dgm:t>
+    </dgm:pt>
+    <dgm:pt modelId="{F8E27910-BF1F-4EFA-B1F4-6180EB735B99}" type="parTrans" cxnId="{E19AC402-2335-4B60-9846-6A858EE1068C}">
+      <dgm:prSet/>
+      <dgm:spPr/>
+      <dgm:t>
+        <a:bodyPr/>
+        <a:lstStyle/>
+        <a:p>
+          <a:endParaRPr lang="en-AU"/>
+        </a:p>
+      </dgm:t>
+    </dgm:pt>
+    <dgm:pt modelId="{A06AF3E2-6C89-42F6-917B-A670CD5DC322}" type="sibTrans" cxnId="{E19AC402-2335-4B60-9846-6A858EE1068C}">
+      <dgm:prSet/>
+      <dgm:spPr/>
+      <dgm:t>
+        <a:bodyPr/>
+        <a:lstStyle/>
+        <a:p>
+          <a:endParaRPr lang="en-AU"/>
+        </a:p>
+      </dgm:t>
+    </dgm:pt>
+    <dgm:pt modelId="{77144441-5DA7-418B-AB2D-99E6E0B62E3A}">
+      <dgm:prSet phldrT="[Text]"/>
+      <dgm:spPr/>
+      <dgm:t>
+        <a:bodyPr/>
+        <a:lstStyle/>
+        <a:p>
+          <a:r>
+            <a:rPr lang="en-AU" dirty="0" smtClean="0"/>
+            <a:t>Azure Emulator</a:t>
+          </a:r>
+        </a:p>
+      </dgm:t>
+    </dgm:pt>
+    <dgm:pt modelId="{BBB0F3BA-018D-482C-ABBE-F05DB0F58932}" type="parTrans" cxnId="{BF760E94-70A4-4905-B862-BDD8250AD6F7}">
+      <dgm:prSet/>
+      <dgm:spPr/>
+      <dgm:t>
+        <a:bodyPr/>
+        <a:lstStyle/>
+        <a:p>
+          <a:endParaRPr lang="en-AU"/>
+        </a:p>
+      </dgm:t>
+    </dgm:pt>
+    <dgm:pt modelId="{2F73DC44-B967-4507-BFAF-396786347BA6}" type="sibTrans" cxnId="{BF760E94-70A4-4905-B862-BDD8250AD6F7}">
+      <dgm:prSet/>
+      <dgm:spPr/>
+      <dgm:t>
+        <a:bodyPr/>
+        <a:lstStyle/>
+        <a:p>
+          <a:endParaRPr lang="en-AU"/>
+        </a:p>
+      </dgm:t>
+    </dgm:pt>
+    <dgm:pt modelId="{8AEADC98-9749-40F2-BA9E-BA8D50B5C8D6}">
+      <dgm:prSet phldrT="[Text]"/>
+      <dgm:spPr/>
+      <dgm:t>
+        <a:bodyPr/>
+        <a:lstStyle/>
+        <a:p>
+          <a:r>
+            <a:rPr lang="en-AU" dirty="0" smtClean="0"/>
+            <a:t>Azure PowerShell </a:t>
+          </a:r>
+          <a:r>
+            <a:rPr lang="en-AU" dirty="0" err="1" smtClean="0"/>
+            <a:t>cmdlets</a:t>
+          </a:r>
+          <a:endParaRPr lang="en-AU" dirty="0" smtClean="0"/>
+        </a:p>
+      </dgm:t>
+    </dgm:pt>
+    <dgm:pt modelId="{F7F97F48-F82C-40C8-B81C-0DD94426CE89}" type="parTrans" cxnId="{9769323F-4B27-4FC3-A1CB-4556E6102E0C}">
+      <dgm:prSet/>
+      <dgm:spPr/>
+      <dgm:t>
+        <a:bodyPr/>
+        <a:lstStyle/>
+        <a:p>
+          <a:endParaRPr lang="en-AU"/>
+        </a:p>
+      </dgm:t>
+    </dgm:pt>
+    <dgm:pt modelId="{A87336D3-50DE-41E8-9708-66B0EB09EAE3}" type="sibTrans" cxnId="{9769323F-4B27-4FC3-A1CB-4556E6102E0C}">
+      <dgm:prSet/>
+      <dgm:spPr/>
+      <dgm:t>
+        <a:bodyPr/>
+        <a:lstStyle/>
+        <a:p>
+          <a:endParaRPr lang="en-AU"/>
+        </a:p>
+      </dgm:t>
+    </dgm:pt>
+    <dgm:pt modelId="{BFA8EE9C-DCAD-4A72-981A-562AF575C35F}" type="pres">
+      <dgm:prSet presAssocID="{612FA249-41D6-4AA4-A53F-46EDA40997B1}" presName="diagram" presStyleCnt="0">
+        <dgm:presLayoutVars>
+          <dgm:dir/>
+          <dgm:resizeHandles val="exact"/>
+        </dgm:presLayoutVars>
+      </dgm:prSet>
+      <dgm:spPr/>
+    </dgm:pt>
+    <dgm:pt modelId="{C1469FA9-0D16-4852-8D36-F4D72043AA08}" type="pres">
+      <dgm:prSet presAssocID="{AD508699-2945-499F-BB50-2CEB395007EB}" presName="node" presStyleLbl="node1" presStyleIdx="0" presStyleCnt="5">
+        <dgm:presLayoutVars>
+          <dgm:bulletEnabled val="1"/>
+        </dgm:presLayoutVars>
+      </dgm:prSet>
+      <dgm:spPr/>
+    </dgm:pt>
+    <dgm:pt modelId="{724C3F80-E393-445B-9E93-BF8200BA0569}" type="pres">
+      <dgm:prSet presAssocID="{DDBF469F-E18B-44B9-9D46-BD2A5AED8F0C}" presName="sibTrans" presStyleCnt="0"/>
+      <dgm:spPr/>
+    </dgm:pt>
+    <dgm:pt modelId="{744D547D-58BE-4752-8309-1832680F98D1}" type="pres">
+      <dgm:prSet presAssocID="{FE067C44-B7E0-4484-9D8B-4A0278A675E5}" presName="node" presStyleLbl="node1" presStyleIdx="1" presStyleCnt="5">
+        <dgm:presLayoutVars>
+          <dgm:bulletEnabled val="1"/>
+        </dgm:presLayoutVars>
+      </dgm:prSet>
+      <dgm:spPr/>
+    </dgm:pt>
+    <dgm:pt modelId="{27680191-6690-4806-9406-F02F02DFFADC}" type="pres">
+      <dgm:prSet presAssocID="{8695913D-A25B-402F-8E3A-8BD549E77270}" presName="sibTrans" presStyleCnt="0"/>
+      <dgm:spPr/>
+    </dgm:pt>
+    <dgm:pt modelId="{DEEE9154-A3EC-4DAB-9952-EECA76A1B22E}" type="pres">
+      <dgm:prSet presAssocID="{37F1D755-DF85-4C58-A611-56E84A629CFD}" presName="node" presStyleLbl="node1" presStyleIdx="2" presStyleCnt="5">
+        <dgm:presLayoutVars>
+          <dgm:bulletEnabled val="1"/>
+        </dgm:presLayoutVars>
+      </dgm:prSet>
+      <dgm:spPr/>
+    </dgm:pt>
+    <dgm:pt modelId="{C0F92A1F-D4F4-4484-B333-787BF5488C98}" type="pres">
+      <dgm:prSet presAssocID="{A06AF3E2-6C89-42F6-917B-A670CD5DC322}" presName="sibTrans" presStyleCnt="0"/>
+      <dgm:spPr/>
+    </dgm:pt>
+    <dgm:pt modelId="{A40A3835-788C-463B-BBCE-3935360373CF}" type="pres">
+      <dgm:prSet presAssocID="{77144441-5DA7-418B-AB2D-99E6E0B62E3A}" presName="node" presStyleLbl="node1" presStyleIdx="3" presStyleCnt="5">
+        <dgm:presLayoutVars>
+          <dgm:bulletEnabled val="1"/>
+        </dgm:presLayoutVars>
+      </dgm:prSet>
+      <dgm:spPr/>
+    </dgm:pt>
+    <dgm:pt modelId="{7DC553C9-2872-4217-AC6D-6EEBB0916254}" type="pres">
+      <dgm:prSet presAssocID="{2F73DC44-B967-4507-BFAF-396786347BA6}" presName="sibTrans" presStyleCnt="0"/>
+      <dgm:spPr/>
+    </dgm:pt>
+    <dgm:pt modelId="{5A315452-6BEC-44F6-A89D-559E22B716FA}" type="pres">
+      <dgm:prSet presAssocID="{8AEADC98-9749-40F2-BA9E-BA8D50B5C8D6}" presName="node" presStyleLbl="node1" presStyleIdx="4" presStyleCnt="5">
+        <dgm:presLayoutVars>
+          <dgm:bulletEnabled val="1"/>
+        </dgm:presLayoutVars>
+      </dgm:prSet>
+      <dgm:spPr/>
+    </dgm:pt>
+  </dgm:ptLst>
+  <dgm:cxnLst>
+    <dgm:cxn modelId="{18ED819C-C911-42BC-88E1-47F40843A7CF}" type="presOf" srcId="{77144441-5DA7-418B-AB2D-99E6E0B62E3A}" destId="{A40A3835-788C-463B-BBCE-3935360373CF}" srcOrd="0" destOrd="0" presId="urn:microsoft.com/office/officeart/2005/8/layout/default"/>
+    <dgm:cxn modelId="{BF760E94-70A4-4905-B862-BDD8250AD6F7}" srcId="{612FA249-41D6-4AA4-A53F-46EDA40997B1}" destId="{77144441-5DA7-418B-AB2D-99E6E0B62E3A}" srcOrd="3" destOrd="0" parTransId="{BBB0F3BA-018D-482C-ABBE-F05DB0F58932}" sibTransId="{2F73DC44-B967-4507-BFAF-396786347BA6}"/>
+    <dgm:cxn modelId="{9769323F-4B27-4FC3-A1CB-4556E6102E0C}" srcId="{612FA249-41D6-4AA4-A53F-46EDA40997B1}" destId="{8AEADC98-9749-40F2-BA9E-BA8D50B5C8D6}" srcOrd="4" destOrd="0" parTransId="{F7F97F48-F82C-40C8-B81C-0DD94426CE89}" sibTransId="{A87336D3-50DE-41E8-9708-66B0EB09EAE3}"/>
+    <dgm:cxn modelId="{10DD729A-BE80-4B2B-9D91-99DFD8ADCE0C}" type="presOf" srcId="{37F1D755-DF85-4C58-A611-56E84A629CFD}" destId="{DEEE9154-A3EC-4DAB-9952-EECA76A1B22E}" srcOrd="0" destOrd="0" presId="urn:microsoft.com/office/officeart/2005/8/layout/default"/>
+    <dgm:cxn modelId="{E19AC402-2335-4B60-9846-6A858EE1068C}" srcId="{612FA249-41D6-4AA4-A53F-46EDA40997B1}" destId="{37F1D755-DF85-4C58-A611-56E84A629CFD}" srcOrd="2" destOrd="0" parTransId="{F8E27910-BF1F-4EFA-B1F4-6180EB735B99}" sibTransId="{A06AF3E2-6C89-42F6-917B-A670CD5DC322}"/>
+    <dgm:cxn modelId="{910CA049-6385-49D8-9639-112E6375743A}" type="presOf" srcId="{612FA249-41D6-4AA4-A53F-46EDA40997B1}" destId="{BFA8EE9C-DCAD-4A72-981A-562AF575C35F}" srcOrd="0" destOrd="0" presId="urn:microsoft.com/office/officeart/2005/8/layout/default"/>
+    <dgm:cxn modelId="{D22223F3-7A62-4BF3-826A-498FA4BE6801}" srcId="{612FA249-41D6-4AA4-A53F-46EDA40997B1}" destId="{AD508699-2945-499F-BB50-2CEB395007EB}" srcOrd="0" destOrd="0" parTransId="{AB8E74C3-C8D1-4C9A-AFDF-67687306E295}" sibTransId="{DDBF469F-E18B-44B9-9D46-BD2A5AED8F0C}"/>
+    <dgm:cxn modelId="{447AC45E-267A-4A56-847D-529DF28B7132}" type="presOf" srcId="{8AEADC98-9749-40F2-BA9E-BA8D50B5C8D6}" destId="{5A315452-6BEC-44F6-A89D-559E22B716FA}" srcOrd="0" destOrd="0" presId="urn:microsoft.com/office/officeart/2005/8/layout/default"/>
+    <dgm:cxn modelId="{8521A195-1969-470E-8072-CDF0564FDE60}" type="presOf" srcId="{AD508699-2945-499F-BB50-2CEB395007EB}" destId="{C1469FA9-0D16-4852-8D36-F4D72043AA08}" srcOrd="0" destOrd="0" presId="urn:microsoft.com/office/officeart/2005/8/layout/default"/>
+    <dgm:cxn modelId="{AC273B18-E4DC-4395-BF97-CD403AA4C86C}" type="presOf" srcId="{FE067C44-B7E0-4484-9D8B-4A0278A675E5}" destId="{744D547D-58BE-4752-8309-1832680F98D1}" srcOrd="0" destOrd="0" presId="urn:microsoft.com/office/officeart/2005/8/layout/default"/>
+    <dgm:cxn modelId="{98DF66BC-ABB0-4A47-956A-4C502D3AEF5D}" srcId="{612FA249-41D6-4AA4-A53F-46EDA40997B1}" destId="{FE067C44-B7E0-4484-9D8B-4A0278A675E5}" srcOrd="1" destOrd="0" parTransId="{73AC9EF7-1C08-4B2F-A947-CDFE0D1C8D30}" sibTransId="{8695913D-A25B-402F-8E3A-8BD549E77270}"/>
+    <dgm:cxn modelId="{E72AA8A1-E58A-4050-8E25-BCF902C515F2}" type="presParOf" srcId="{BFA8EE9C-DCAD-4A72-981A-562AF575C35F}" destId="{C1469FA9-0D16-4852-8D36-F4D72043AA08}" srcOrd="0" destOrd="0" presId="urn:microsoft.com/office/officeart/2005/8/layout/default"/>
+    <dgm:cxn modelId="{103ACBF1-1A38-4EFA-ABE8-56EF33C63134}" type="presParOf" srcId="{BFA8EE9C-DCAD-4A72-981A-562AF575C35F}" destId="{724C3F80-E393-445B-9E93-BF8200BA0569}" srcOrd="1" destOrd="0" presId="urn:microsoft.com/office/officeart/2005/8/layout/default"/>
+    <dgm:cxn modelId="{8EAAA12B-9B01-4BEB-B6DA-37379A081DCD}" type="presParOf" srcId="{BFA8EE9C-DCAD-4A72-981A-562AF575C35F}" destId="{744D547D-58BE-4752-8309-1832680F98D1}" srcOrd="2" destOrd="0" presId="urn:microsoft.com/office/officeart/2005/8/layout/default"/>
+    <dgm:cxn modelId="{D8E2AC2B-829A-425F-9451-2B1EF33E585B}" type="presParOf" srcId="{BFA8EE9C-DCAD-4A72-981A-562AF575C35F}" destId="{27680191-6690-4806-9406-F02F02DFFADC}" srcOrd="3" destOrd="0" presId="urn:microsoft.com/office/officeart/2005/8/layout/default"/>
+    <dgm:cxn modelId="{F33E34CE-B6DA-4B9F-86F0-32B7BC4FC7DE}" type="presParOf" srcId="{BFA8EE9C-DCAD-4A72-981A-562AF575C35F}" destId="{DEEE9154-A3EC-4DAB-9952-EECA76A1B22E}" srcOrd="4" destOrd="0" presId="urn:microsoft.com/office/officeart/2005/8/layout/default"/>
+    <dgm:cxn modelId="{800BCAC0-3E28-4F7B-A5E9-C276288C50DC}" type="presParOf" srcId="{BFA8EE9C-DCAD-4A72-981A-562AF575C35F}" destId="{C0F92A1F-D4F4-4484-B333-787BF5488C98}" srcOrd="5" destOrd="0" presId="urn:microsoft.com/office/officeart/2005/8/layout/default"/>
+    <dgm:cxn modelId="{A75BE86C-4BBD-4E2C-93FC-F896F7A1B8F1}" type="presParOf" srcId="{BFA8EE9C-DCAD-4A72-981A-562AF575C35F}" destId="{A40A3835-788C-463B-BBCE-3935360373CF}" srcOrd="6" destOrd="0" presId="urn:microsoft.com/office/officeart/2005/8/layout/default"/>
+    <dgm:cxn modelId="{CF50ED57-0467-4D90-9274-11F1FC726155}" type="presParOf" srcId="{BFA8EE9C-DCAD-4A72-981A-562AF575C35F}" destId="{7DC553C9-2872-4217-AC6D-6EEBB0916254}" srcOrd="7" destOrd="0" presId="urn:microsoft.com/office/officeart/2005/8/layout/default"/>
+    <dgm:cxn modelId="{DE473A15-1364-418D-B679-745CD1A5D455}" type="presParOf" srcId="{BFA8EE9C-DCAD-4A72-981A-562AF575C35F}" destId="{5A315452-6BEC-44F6-A89D-559E22B716FA}" srcOrd="8" destOrd="0" presId="urn:microsoft.com/office/officeart/2005/8/layout/default"/>
+  </dgm:cxnLst>
+  <dgm:bg/>
+  <dgm:whole/>
+  <dgm:extLst>
+    <a:ext uri="http://schemas.microsoft.com/office/drawing/2008/diagram">
+      <dsp:dataModelExt xmlns:dsp="http://schemas.microsoft.com/office/drawing/2008/diagram" relId="rId7" minVer="http://schemas.openxmlformats.org/drawingml/2006/diagram"/>
+    </a:ext>
+  </dgm:extLst>
+</dgm:dataModel>
+</file>
+
 <file path=ppt/diagrams/drawing1.xml><?xml version="1.0" encoding="utf-8"?>
 <dsp:drawing xmlns:dgm="http://schemas.openxmlformats.org/drawingml/2006/diagram" xmlns:dsp="http://schemas.microsoft.com/office/drawing/2008/diagram" xmlns:a="http://schemas.openxmlformats.org/drawingml/2006/main">
   <dsp:spTree>
@@ -1478,6 +2530,410 @@
 </dsp:drawing>
 </file>
 
+<file path=ppt/diagrams/drawing2.xml><?xml version="1.0" encoding="utf-8"?>
+<dsp:drawing xmlns:dgm="http://schemas.openxmlformats.org/drawingml/2006/diagram" xmlns:dsp="http://schemas.microsoft.com/office/drawing/2008/diagram" xmlns:a="http://schemas.openxmlformats.org/drawingml/2006/main">
+  <dsp:spTree>
+    <dsp:nvGrpSpPr>
+      <dsp:cNvPr id="0" name=""/>
+      <dsp:cNvGrpSpPr/>
+    </dsp:nvGrpSpPr>
+    <dsp:grpSpPr/>
+    <dsp:sp modelId="{C1469FA9-0D16-4852-8D36-F4D72043AA08}">
+      <dsp:nvSpPr>
+        <dsp:cNvPr id="0" name=""/>
+        <dsp:cNvSpPr/>
+      </dsp:nvSpPr>
+      <dsp:spPr>
+        <a:xfrm>
+          <a:off x="825612" y="1834"/>
+          <a:ext cx="1892685" cy="1135611"/>
+        </a:xfrm>
+        <a:prstGeom prst="rect">
+          <a:avLst/>
+        </a:prstGeom>
+        <a:solidFill>
+          <a:schemeClr val="accent1">
+            <a:hueOff val="0"/>
+            <a:satOff val="0"/>
+            <a:lumOff val="0"/>
+            <a:alphaOff val="0"/>
+          </a:schemeClr>
+        </a:solidFill>
+        <a:ln w="25400" cap="flat" cmpd="sng" algn="ctr">
+          <a:solidFill>
+            <a:schemeClr val="lt1">
+              <a:hueOff val="0"/>
+              <a:satOff val="0"/>
+              <a:lumOff val="0"/>
+              <a:alphaOff val="0"/>
+            </a:schemeClr>
+          </a:solidFill>
+          <a:prstDash val="solid"/>
+        </a:ln>
+        <a:effectLst/>
+      </dsp:spPr>
+      <dsp:style>
+        <a:lnRef idx="2">
+          <a:scrgbClr r="0" g="0" b="0"/>
+        </a:lnRef>
+        <a:fillRef idx="1">
+          <a:scrgbClr r="0" g="0" b="0"/>
+        </a:fillRef>
+        <a:effectRef idx="0">
+          <a:scrgbClr r="0" g="0" b="0"/>
+        </a:effectRef>
+        <a:fontRef idx="minor">
+          <a:schemeClr val="lt1"/>
+        </a:fontRef>
+      </dsp:style>
+      <dsp:txBody>
+        <a:bodyPr spcFirstLastPara="0" vert="horz" wrap="square" lIns="83820" tIns="83820" rIns="83820" bIns="83820" numCol="1" spcCol="1270" anchor="ctr" anchorCtr="0">
+          <a:noAutofit/>
+        </a:bodyPr>
+        <a:lstStyle/>
+        <a:p>
+          <a:pPr lvl="0" algn="ctr" defTabSz="977900">
+            <a:lnSpc>
+              <a:spcPct val="90000"/>
+            </a:lnSpc>
+            <a:spcBef>
+              <a:spcPct val="0"/>
+            </a:spcBef>
+            <a:spcAft>
+              <a:spcPct val="35000"/>
+            </a:spcAft>
+          </a:pPr>
+          <a:r>
+            <a:rPr lang="en-AU" sz="2200" kern="1200" dirty="0" smtClean="0"/>
+            <a:t>Node.js</a:t>
+          </a:r>
+          <a:endParaRPr lang="en-AU" sz="2200" kern="1200" dirty="0"/>
+        </a:p>
+      </dsp:txBody>
+      <dsp:txXfrm>
+        <a:off x="825612" y="1834"/>
+        <a:ext cx="1892685" cy="1135611"/>
+      </dsp:txXfrm>
+    </dsp:sp>
+    <dsp:sp modelId="{744D547D-58BE-4752-8309-1832680F98D1}">
+      <dsp:nvSpPr>
+        <dsp:cNvPr id="0" name=""/>
+        <dsp:cNvSpPr/>
+      </dsp:nvSpPr>
+      <dsp:spPr>
+        <a:xfrm>
+          <a:off x="2907566" y="1834"/>
+          <a:ext cx="1892685" cy="1135611"/>
+        </a:xfrm>
+        <a:prstGeom prst="rect">
+          <a:avLst/>
+        </a:prstGeom>
+        <a:solidFill>
+          <a:schemeClr val="accent1">
+            <a:hueOff val="0"/>
+            <a:satOff val="0"/>
+            <a:lumOff val="0"/>
+            <a:alphaOff val="0"/>
+          </a:schemeClr>
+        </a:solidFill>
+        <a:ln w="25400" cap="flat" cmpd="sng" algn="ctr">
+          <a:solidFill>
+            <a:schemeClr val="lt1">
+              <a:hueOff val="0"/>
+              <a:satOff val="0"/>
+              <a:lumOff val="0"/>
+              <a:alphaOff val="0"/>
+            </a:schemeClr>
+          </a:solidFill>
+          <a:prstDash val="solid"/>
+        </a:ln>
+        <a:effectLst/>
+      </dsp:spPr>
+      <dsp:style>
+        <a:lnRef idx="2">
+          <a:scrgbClr r="0" g="0" b="0"/>
+        </a:lnRef>
+        <a:fillRef idx="1">
+          <a:scrgbClr r="0" g="0" b="0"/>
+        </a:fillRef>
+        <a:effectRef idx="0">
+          <a:scrgbClr r="0" g="0" b="0"/>
+        </a:effectRef>
+        <a:fontRef idx="minor">
+          <a:schemeClr val="lt1"/>
+        </a:fontRef>
+      </dsp:style>
+      <dsp:txBody>
+        <a:bodyPr spcFirstLastPara="0" vert="horz" wrap="square" lIns="83820" tIns="83820" rIns="83820" bIns="83820" numCol="1" spcCol="1270" anchor="ctr" anchorCtr="0">
+          <a:noAutofit/>
+        </a:bodyPr>
+        <a:lstStyle/>
+        <a:p>
+          <a:pPr lvl="0" algn="ctr" defTabSz="977900">
+            <a:lnSpc>
+              <a:spcPct val="90000"/>
+            </a:lnSpc>
+            <a:spcBef>
+              <a:spcPct val="0"/>
+            </a:spcBef>
+            <a:spcAft>
+              <a:spcPct val="35000"/>
+            </a:spcAft>
+          </a:pPr>
+          <a:r>
+            <a:rPr lang="en-AU" sz="2200" kern="1200" dirty="0" err="1" smtClean="0"/>
+            <a:t>IISNode</a:t>
+          </a:r>
+          <a:endParaRPr lang="en-AU" sz="2200" kern="1200" dirty="0"/>
+        </a:p>
+      </dsp:txBody>
+      <dsp:txXfrm>
+        <a:off x="2907566" y="1834"/>
+        <a:ext cx="1892685" cy="1135611"/>
+      </dsp:txXfrm>
+    </dsp:sp>
+    <dsp:sp modelId="{DEEE9154-A3EC-4DAB-9952-EECA76A1B22E}">
+      <dsp:nvSpPr>
+        <dsp:cNvPr id="0" name=""/>
+        <dsp:cNvSpPr/>
+      </dsp:nvSpPr>
+      <dsp:spPr>
+        <a:xfrm>
+          <a:off x="825612" y="1326714"/>
+          <a:ext cx="1892685" cy="1135611"/>
+        </a:xfrm>
+        <a:prstGeom prst="rect">
+          <a:avLst/>
+        </a:prstGeom>
+        <a:solidFill>
+          <a:schemeClr val="accent1">
+            <a:hueOff val="0"/>
+            <a:satOff val="0"/>
+            <a:lumOff val="0"/>
+            <a:alphaOff val="0"/>
+          </a:schemeClr>
+        </a:solidFill>
+        <a:ln w="25400" cap="flat" cmpd="sng" algn="ctr">
+          <a:solidFill>
+            <a:schemeClr val="lt1">
+              <a:hueOff val="0"/>
+              <a:satOff val="0"/>
+              <a:lumOff val="0"/>
+              <a:alphaOff val="0"/>
+            </a:schemeClr>
+          </a:solidFill>
+          <a:prstDash val="solid"/>
+        </a:ln>
+        <a:effectLst/>
+      </dsp:spPr>
+      <dsp:style>
+        <a:lnRef idx="2">
+          <a:scrgbClr r="0" g="0" b="0"/>
+        </a:lnRef>
+        <a:fillRef idx="1">
+          <a:scrgbClr r="0" g="0" b="0"/>
+        </a:fillRef>
+        <a:effectRef idx="0">
+          <a:scrgbClr r="0" g="0" b="0"/>
+        </a:effectRef>
+        <a:fontRef idx="minor">
+          <a:schemeClr val="lt1"/>
+        </a:fontRef>
+      </dsp:style>
+      <dsp:txBody>
+        <a:bodyPr spcFirstLastPara="0" vert="horz" wrap="square" lIns="83820" tIns="83820" rIns="83820" bIns="83820" numCol="1" spcCol="1270" anchor="ctr" anchorCtr="0">
+          <a:noAutofit/>
+        </a:bodyPr>
+        <a:lstStyle/>
+        <a:p>
+          <a:pPr lvl="0" algn="ctr" defTabSz="977900">
+            <a:lnSpc>
+              <a:spcPct val="90000"/>
+            </a:lnSpc>
+            <a:spcBef>
+              <a:spcPct val="0"/>
+            </a:spcBef>
+            <a:spcAft>
+              <a:spcPct val="35000"/>
+            </a:spcAft>
+          </a:pPr>
+          <a:r>
+            <a:rPr lang="en-AU" sz="2200" kern="1200" dirty="0" smtClean="0"/>
+            <a:t>NPM for </a:t>
+          </a:r>
+          <a:r>
+            <a:rPr lang="en-AU" sz="2200" kern="1200" dirty="0" err="1" smtClean="0"/>
+            <a:t>WIndows</a:t>
+          </a:r>
+          <a:endParaRPr lang="en-AU" sz="2200" kern="1200" dirty="0"/>
+        </a:p>
+      </dsp:txBody>
+      <dsp:txXfrm>
+        <a:off x="825612" y="1326714"/>
+        <a:ext cx="1892685" cy="1135611"/>
+      </dsp:txXfrm>
+    </dsp:sp>
+    <dsp:sp modelId="{A40A3835-788C-463B-BBCE-3935360373CF}">
+      <dsp:nvSpPr>
+        <dsp:cNvPr id="0" name=""/>
+        <dsp:cNvSpPr/>
+      </dsp:nvSpPr>
+      <dsp:spPr>
+        <a:xfrm>
+          <a:off x="2907566" y="1326714"/>
+          <a:ext cx="1892685" cy="1135611"/>
+        </a:xfrm>
+        <a:prstGeom prst="rect">
+          <a:avLst/>
+        </a:prstGeom>
+        <a:solidFill>
+          <a:schemeClr val="accent1">
+            <a:hueOff val="0"/>
+            <a:satOff val="0"/>
+            <a:lumOff val="0"/>
+            <a:alphaOff val="0"/>
+          </a:schemeClr>
+        </a:solidFill>
+        <a:ln w="25400" cap="flat" cmpd="sng" algn="ctr">
+          <a:solidFill>
+            <a:schemeClr val="lt1">
+              <a:hueOff val="0"/>
+              <a:satOff val="0"/>
+              <a:lumOff val="0"/>
+              <a:alphaOff val="0"/>
+            </a:schemeClr>
+          </a:solidFill>
+          <a:prstDash val="solid"/>
+        </a:ln>
+        <a:effectLst/>
+      </dsp:spPr>
+      <dsp:style>
+        <a:lnRef idx="2">
+          <a:scrgbClr r="0" g="0" b="0"/>
+        </a:lnRef>
+        <a:fillRef idx="1">
+          <a:scrgbClr r="0" g="0" b="0"/>
+        </a:fillRef>
+        <a:effectRef idx="0">
+          <a:scrgbClr r="0" g="0" b="0"/>
+        </a:effectRef>
+        <a:fontRef idx="minor">
+          <a:schemeClr val="lt1"/>
+        </a:fontRef>
+      </dsp:style>
+      <dsp:txBody>
+        <a:bodyPr spcFirstLastPara="0" vert="horz" wrap="square" lIns="83820" tIns="83820" rIns="83820" bIns="83820" numCol="1" spcCol="1270" anchor="ctr" anchorCtr="0">
+          <a:noAutofit/>
+        </a:bodyPr>
+        <a:lstStyle/>
+        <a:p>
+          <a:pPr lvl="0" algn="ctr" defTabSz="977900">
+            <a:lnSpc>
+              <a:spcPct val="90000"/>
+            </a:lnSpc>
+            <a:spcBef>
+              <a:spcPct val="0"/>
+            </a:spcBef>
+            <a:spcAft>
+              <a:spcPct val="35000"/>
+            </a:spcAft>
+          </a:pPr>
+          <a:r>
+            <a:rPr lang="en-AU" sz="2200" kern="1200" dirty="0" smtClean="0"/>
+            <a:t>Azure Emulator</a:t>
+          </a:r>
+        </a:p>
+      </dsp:txBody>
+      <dsp:txXfrm>
+        <a:off x="2907566" y="1326714"/>
+        <a:ext cx="1892685" cy="1135611"/>
+      </dsp:txXfrm>
+    </dsp:sp>
+    <dsp:sp modelId="{5A315452-6BEC-44F6-A89D-559E22B716FA}">
+      <dsp:nvSpPr>
+        <dsp:cNvPr id="0" name=""/>
+        <dsp:cNvSpPr/>
+      </dsp:nvSpPr>
+      <dsp:spPr>
+        <a:xfrm>
+          <a:off x="1866589" y="2651594"/>
+          <a:ext cx="1892685" cy="1135611"/>
+        </a:xfrm>
+        <a:prstGeom prst="rect">
+          <a:avLst/>
+        </a:prstGeom>
+        <a:solidFill>
+          <a:schemeClr val="accent1">
+            <a:hueOff val="0"/>
+            <a:satOff val="0"/>
+            <a:lumOff val="0"/>
+            <a:alphaOff val="0"/>
+          </a:schemeClr>
+        </a:solidFill>
+        <a:ln w="25400" cap="flat" cmpd="sng" algn="ctr">
+          <a:solidFill>
+            <a:schemeClr val="lt1">
+              <a:hueOff val="0"/>
+              <a:satOff val="0"/>
+              <a:lumOff val="0"/>
+              <a:alphaOff val="0"/>
+            </a:schemeClr>
+          </a:solidFill>
+          <a:prstDash val="solid"/>
+        </a:ln>
+        <a:effectLst/>
+      </dsp:spPr>
+      <dsp:style>
+        <a:lnRef idx="2">
+          <a:scrgbClr r="0" g="0" b="0"/>
+        </a:lnRef>
+        <a:fillRef idx="1">
+          <a:scrgbClr r="0" g="0" b="0"/>
+        </a:fillRef>
+        <a:effectRef idx="0">
+          <a:scrgbClr r="0" g="0" b="0"/>
+        </a:effectRef>
+        <a:fontRef idx="minor">
+          <a:schemeClr val="lt1"/>
+        </a:fontRef>
+      </dsp:style>
+      <dsp:txBody>
+        <a:bodyPr spcFirstLastPara="0" vert="horz" wrap="square" lIns="83820" tIns="83820" rIns="83820" bIns="83820" numCol="1" spcCol="1270" anchor="ctr" anchorCtr="0">
+          <a:noAutofit/>
+        </a:bodyPr>
+        <a:lstStyle/>
+        <a:p>
+          <a:pPr lvl="0" algn="ctr" defTabSz="977900">
+            <a:lnSpc>
+              <a:spcPct val="90000"/>
+            </a:lnSpc>
+            <a:spcBef>
+              <a:spcPct val="0"/>
+            </a:spcBef>
+            <a:spcAft>
+              <a:spcPct val="35000"/>
+            </a:spcAft>
+          </a:pPr>
+          <a:r>
+            <a:rPr lang="en-AU" sz="2200" kern="1200" dirty="0" smtClean="0"/>
+            <a:t>Azure PowerShell </a:t>
+          </a:r>
+          <a:r>
+            <a:rPr lang="en-AU" sz="2200" kern="1200" dirty="0" err="1" smtClean="0"/>
+            <a:t>cmdlets</a:t>
+          </a:r>
+          <a:endParaRPr lang="en-AU" sz="2200" kern="1200" dirty="0" smtClean="0"/>
+        </a:p>
+      </dsp:txBody>
+      <dsp:txXfrm>
+        <a:off x="1866589" y="2651594"/>
+        <a:ext cx="1892685" cy="1135611"/>
+      </dsp:txXfrm>
+    </dsp:sp>
+  </dsp:spTree>
+</dsp:drawing>
+</file>
+
 <file path=ppt/diagrams/layout1.xml><?xml version="1.0" encoding="utf-8"?>
 <dgm:layoutDef xmlns:dgm="http://schemas.openxmlformats.org/drawingml/2006/diagram" xmlns:a="http://schemas.openxmlformats.org/drawingml/2006/main" uniqueId="urn:microsoft.com/office/officeart/2005/8/layout/chevron1">
   <dgm:title val=""/>
@@ -1761,7 +3217,1188 @@
 </dgm:layoutDef>
 </file>
 
+<file path=ppt/diagrams/layout2.xml><?xml version="1.0" encoding="utf-8"?>
+<dgm:layoutDef xmlns:dgm="http://schemas.openxmlformats.org/drawingml/2006/diagram" xmlns:a="http://schemas.openxmlformats.org/drawingml/2006/main" uniqueId="urn:microsoft.com/office/officeart/2005/8/layout/default">
+  <dgm:title val=""/>
+  <dgm:desc val=""/>
+  <dgm:catLst>
+    <dgm:cat type="list" pri="400"/>
+  </dgm:catLst>
+  <dgm:sampData>
+    <dgm:dataModel>
+      <dgm:ptLst>
+        <dgm:pt modelId="0" type="doc"/>
+        <dgm:pt modelId="1">
+          <dgm:prSet phldr="1"/>
+        </dgm:pt>
+        <dgm:pt modelId="2">
+          <dgm:prSet phldr="1"/>
+        </dgm:pt>
+        <dgm:pt modelId="3">
+          <dgm:prSet phldr="1"/>
+        </dgm:pt>
+        <dgm:pt modelId="4">
+          <dgm:prSet phldr="1"/>
+        </dgm:pt>
+        <dgm:pt modelId="5">
+          <dgm:prSet phldr="1"/>
+        </dgm:pt>
+      </dgm:ptLst>
+      <dgm:cxnLst>
+        <dgm:cxn modelId="6" srcId="0" destId="1" srcOrd="0" destOrd="0"/>
+        <dgm:cxn modelId="7" srcId="0" destId="2" srcOrd="1" destOrd="0"/>
+        <dgm:cxn modelId="8" srcId="0" destId="3" srcOrd="2" destOrd="0"/>
+        <dgm:cxn modelId="9" srcId="0" destId="4" srcOrd="3" destOrd="0"/>
+        <dgm:cxn modelId="10" srcId="0" destId="5" srcOrd="4" destOrd="0"/>
+      </dgm:cxnLst>
+      <dgm:bg/>
+      <dgm:whole/>
+    </dgm:dataModel>
+  </dgm:sampData>
+  <dgm:styleData>
+    <dgm:dataModel>
+      <dgm:ptLst>
+        <dgm:pt modelId="0" type="doc"/>
+        <dgm:pt modelId="1"/>
+        <dgm:pt modelId="2"/>
+      </dgm:ptLst>
+      <dgm:cxnLst>
+        <dgm:cxn modelId="3" srcId="0" destId="1" srcOrd="0" destOrd="0"/>
+        <dgm:cxn modelId="4" srcId="0" destId="2" srcOrd="1" destOrd="0"/>
+      </dgm:cxnLst>
+      <dgm:bg/>
+      <dgm:whole/>
+    </dgm:dataModel>
+  </dgm:styleData>
+  <dgm:clrData>
+    <dgm:dataModel>
+      <dgm:ptLst>
+        <dgm:pt modelId="0" type="doc"/>
+        <dgm:pt modelId="1"/>
+        <dgm:pt modelId="2"/>
+        <dgm:pt modelId="3"/>
+        <dgm:pt modelId="4"/>
+        <dgm:pt modelId="5"/>
+        <dgm:pt modelId="6"/>
+      </dgm:ptLst>
+      <dgm:cxnLst>
+        <dgm:cxn modelId="7" srcId="0" destId="1" srcOrd="0" destOrd="0"/>
+        <dgm:cxn modelId="8" srcId="0" destId="2" srcOrd="1" destOrd="0"/>
+        <dgm:cxn modelId="9" srcId="0" destId="3" srcOrd="2" destOrd="0"/>
+        <dgm:cxn modelId="10" srcId="0" destId="4" srcOrd="3" destOrd="0"/>
+        <dgm:cxn modelId="11" srcId="0" destId="5" srcOrd="4" destOrd="0"/>
+        <dgm:cxn modelId="12" srcId="0" destId="6" srcOrd="5" destOrd="0"/>
+      </dgm:cxnLst>
+      <dgm:bg/>
+      <dgm:whole/>
+    </dgm:dataModel>
+  </dgm:clrData>
+  <dgm:layoutNode name="diagram">
+    <dgm:varLst>
+      <dgm:dir/>
+      <dgm:resizeHandles val="exact"/>
+    </dgm:varLst>
+    <dgm:choose name="Name0">
+      <dgm:if name="Name1" func="var" arg="dir" op="equ" val="norm">
+        <dgm:alg type="snake">
+          <dgm:param type="grDir" val="tL"/>
+          <dgm:param type="flowDir" val="row"/>
+          <dgm:param type="contDir" val="sameDir"/>
+          <dgm:param type="off" val="ctr"/>
+        </dgm:alg>
+      </dgm:if>
+      <dgm:else name="Name2">
+        <dgm:alg type="snake">
+          <dgm:param type="grDir" val="tR"/>
+          <dgm:param type="flowDir" val="row"/>
+          <dgm:param type="contDir" val="sameDir"/>
+          <dgm:param type="off" val="ctr"/>
+        </dgm:alg>
+      </dgm:else>
+    </dgm:choose>
+    <dgm:shape xmlns:r="http://schemas.openxmlformats.org/officeDocument/2006/relationships" r:blip="">
+      <dgm:adjLst/>
+    </dgm:shape>
+    <dgm:presOf/>
+    <dgm:constrLst>
+      <dgm:constr type="w" for="ch" forName="node" refType="w"/>
+      <dgm:constr type="h" for="ch" forName="node" refType="w" refFor="ch" refForName="node" fact="0.6"/>
+      <dgm:constr type="w" for="ch" forName="sibTrans" refType="w" refFor="ch" refForName="node" fact="0.1"/>
+      <dgm:constr type="sp" refType="w" refFor="ch" refForName="sibTrans"/>
+      <dgm:constr type="primFontSz" for="ch" forName="node" op="equ" val="65"/>
+    </dgm:constrLst>
+    <dgm:ruleLst/>
+    <dgm:forEach name="Name3" axis="ch" ptType="node">
+      <dgm:layoutNode name="node">
+        <dgm:varLst>
+          <dgm:bulletEnabled val="1"/>
+        </dgm:varLst>
+        <dgm:alg type="tx"/>
+        <dgm:shape xmlns:r="http://schemas.openxmlformats.org/officeDocument/2006/relationships" type="rect" r:blip="">
+          <dgm:adjLst/>
+        </dgm:shape>
+        <dgm:presOf axis="desOrSelf" ptType="node"/>
+        <dgm:constrLst>
+          <dgm:constr type="lMarg" refType="primFontSz" fact="0.3"/>
+          <dgm:constr type="rMarg" refType="primFontSz" fact="0.3"/>
+          <dgm:constr type="tMarg" refType="primFontSz" fact="0.3"/>
+          <dgm:constr type="bMarg" refType="primFontSz" fact="0.3"/>
+        </dgm:constrLst>
+        <dgm:ruleLst>
+          <dgm:rule type="primFontSz" val="5" fact="NaN" max="NaN"/>
+        </dgm:ruleLst>
+      </dgm:layoutNode>
+      <dgm:forEach name="Name4" axis="followSib" ptType="sibTrans" cnt="1">
+        <dgm:layoutNode name="sibTrans">
+          <dgm:alg type="sp"/>
+          <dgm:shape xmlns:r="http://schemas.openxmlformats.org/officeDocument/2006/relationships" r:blip="">
+            <dgm:adjLst/>
+          </dgm:shape>
+          <dgm:presOf/>
+          <dgm:constrLst/>
+          <dgm:ruleLst/>
+        </dgm:layoutNode>
+      </dgm:forEach>
+    </dgm:forEach>
+  </dgm:layoutNode>
+</dgm:layoutDef>
+</file>
+
 <file path=ppt/diagrams/quickStyle1.xml><?xml version="1.0" encoding="utf-8"?>
+<dgm:styleDef xmlns:dgm="http://schemas.openxmlformats.org/drawingml/2006/diagram" xmlns:a="http://schemas.openxmlformats.org/drawingml/2006/main" uniqueId="urn:microsoft.com/office/officeart/2005/8/quickstyle/simple1">
+  <dgm:title val=""/>
+  <dgm:desc val=""/>
+  <dgm:catLst>
+    <dgm:cat type="simple" pri="10100"/>
+  </dgm:catLst>
+  <dgm:scene3d>
+    <a:camera prst="orthographicFront"/>
+    <a:lightRig rig="threePt" dir="t"/>
+  </dgm:scene3d>
+  <dgm:styleLbl name="node0">
+    <dgm:scene3d>
+      <a:camera prst="orthographicFront"/>
+      <a:lightRig rig="threePt" dir="t"/>
+    </dgm:scene3d>
+    <dgm:sp3d/>
+    <dgm:txPr/>
+    <dgm:style>
+      <a:lnRef idx="2">
+        <a:scrgbClr r="0" g="0" b="0"/>
+      </a:lnRef>
+      <a:fillRef idx="1">
+        <a:scrgbClr r="0" g="0" b="0"/>
+      </a:fillRef>
+      <a:effectRef idx="0">
+        <a:scrgbClr r="0" g="0" b="0"/>
+      </a:effectRef>
+      <a:fontRef idx="minor">
+        <a:schemeClr val="lt1"/>
+      </a:fontRef>
+    </dgm:style>
+  </dgm:styleLbl>
+  <dgm:styleLbl name="lnNode1">
+    <dgm:scene3d>
+      <a:camera prst="orthographicFront"/>
+      <a:lightRig rig="threePt" dir="t"/>
+    </dgm:scene3d>
+    <dgm:sp3d/>
+    <dgm:txPr/>
+    <dgm:style>
+      <a:lnRef idx="2">
+        <a:scrgbClr r="0" g="0" b="0"/>
+      </a:lnRef>
+      <a:fillRef idx="1">
+        <a:scrgbClr r="0" g="0" b="0"/>
+      </a:fillRef>
+      <a:effectRef idx="0">
+        <a:scrgbClr r="0" g="0" b="0"/>
+      </a:effectRef>
+      <a:fontRef idx="minor">
+        <a:schemeClr val="lt1"/>
+      </a:fontRef>
+    </dgm:style>
+  </dgm:styleLbl>
+  <dgm:styleLbl name="vennNode1">
+    <dgm:scene3d>
+      <a:camera prst="orthographicFront"/>
+      <a:lightRig rig="threePt" dir="t"/>
+    </dgm:scene3d>
+    <dgm:sp3d/>
+    <dgm:txPr/>
+    <dgm:style>
+      <a:lnRef idx="2">
+        <a:scrgbClr r="0" g="0" b="0"/>
+      </a:lnRef>
+      <a:fillRef idx="1">
+        <a:scrgbClr r="0" g="0" b="0"/>
+      </a:fillRef>
+      <a:effectRef idx="0">
+        <a:scrgbClr r="0" g="0" b="0"/>
+      </a:effectRef>
+      <a:fontRef idx="minor">
+        <a:schemeClr val="tx1"/>
+      </a:fontRef>
+    </dgm:style>
+  </dgm:styleLbl>
+  <dgm:styleLbl name="alignNode1">
+    <dgm:scene3d>
+      <a:camera prst="orthographicFront"/>
+      <a:lightRig rig="threePt" dir="t"/>
+    </dgm:scene3d>
+    <dgm:sp3d/>
+    <dgm:txPr/>
+    <dgm:style>
+      <a:lnRef idx="2">
+        <a:scrgbClr r="0" g="0" b="0"/>
+      </a:lnRef>
+      <a:fillRef idx="1">
+        <a:scrgbClr r="0" g="0" b="0"/>
+      </a:fillRef>
+      <a:effectRef idx="0">
+        <a:scrgbClr r="0" g="0" b="0"/>
+      </a:effectRef>
+      <a:fontRef idx="minor">
+        <a:schemeClr val="lt1"/>
+      </a:fontRef>
+    </dgm:style>
+  </dgm:styleLbl>
+  <dgm:styleLbl name="node1">
+    <dgm:scene3d>
+      <a:camera prst="orthographicFront"/>
+      <a:lightRig rig="threePt" dir="t"/>
+    </dgm:scene3d>
+    <dgm:sp3d/>
+    <dgm:txPr/>
+    <dgm:style>
+      <a:lnRef idx="2">
+        <a:scrgbClr r="0" g="0" b="0"/>
+      </a:lnRef>
+      <a:fillRef idx="1">
+        <a:scrgbClr r="0" g="0" b="0"/>
+      </a:fillRef>
+      <a:effectRef idx="0">
+        <a:scrgbClr r="0" g="0" b="0"/>
+      </a:effectRef>
+      <a:fontRef idx="minor">
+        <a:schemeClr val="lt1"/>
+      </a:fontRef>
+    </dgm:style>
+  </dgm:styleLbl>
+  <dgm:styleLbl name="node2">
+    <dgm:scene3d>
+      <a:camera prst="orthographicFront"/>
+      <a:lightRig rig="threePt" dir="t"/>
+    </dgm:scene3d>
+    <dgm:sp3d/>
+    <dgm:txPr/>
+    <dgm:style>
+      <a:lnRef idx="2">
+        <a:scrgbClr r="0" g="0" b="0"/>
+      </a:lnRef>
+      <a:fillRef idx="1">
+        <a:scrgbClr r="0" g="0" b="0"/>
+      </a:fillRef>
+      <a:effectRef idx="0">
+        <a:scrgbClr r="0" g="0" b="0"/>
+      </a:effectRef>
+      <a:fontRef idx="minor">
+        <a:schemeClr val="lt1"/>
+      </a:fontRef>
+    </dgm:style>
+  </dgm:styleLbl>
+  <dgm:styleLbl name="node3">
+    <dgm:scene3d>
+      <a:camera prst="orthographicFront"/>
+      <a:lightRig rig="threePt" dir="t"/>
+    </dgm:scene3d>
+    <dgm:sp3d/>
+    <dgm:txPr/>
+    <dgm:style>
+      <a:lnRef idx="2">
+        <a:scrgbClr r="0" g="0" b="0"/>
+      </a:lnRef>
+      <a:fillRef idx="1">
+        <a:scrgbClr r="0" g="0" b="0"/>
+      </a:fillRef>
+      <a:effectRef idx="0">
+        <a:scrgbClr r="0" g="0" b="0"/>
+      </a:effectRef>
+      <a:fontRef idx="minor">
+        <a:schemeClr val="lt1"/>
+      </a:fontRef>
+    </dgm:style>
+  </dgm:styleLbl>
+  <dgm:styleLbl name="node4">
+    <dgm:scene3d>
+      <a:camera prst="orthographicFront"/>
+      <a:lightRig rig="threePt" dir="t"/>
+    </dgm:scene3d>
+    <dgm:sp3d/>
+    <dgm:txPr/>
+    <dgm:style>
+      <a:lnRef idx="2">
+        <a:scrgbClr r="0" g="0" b="0"/>
+      </a:lnRef>
+      <a:fillRef idx="1">
+        <a:scrgbClr r="0" g="0" b="0"/>
+      </a:fillRef>
+      <a:effectRef idx="0">
+        <a:scrgbClr r="0" g="0" b="0"/>
+      </a:effectRef>
+      <a:fontRef idx="minor">
+        <a:schemeClr val="lt1"/>
+      </a:fontRef>
+    </dgm:style>
+  </dgm:styleLbl>
+  <dgm:styleLbl name="fgImgPlace1">
+    <dgm:scene3d>
+      <a:camera prst="orthographicFront"/>
+      <a:lightRig rig="threePt" dir="t"/>
+    </dgm:scene3d>
+    <dgm:sp3d/>
+    <dgm:txPr/>
+    <dgm:style>
+      <a:lnRef idx="2">
+        <a:scrgbClr r="0" g="0" b="0"/>
+      </a:lnRef>
+      <a:fillRef idx="1">
+        <a:scrgbClr r="0" g="0" b="0"/>
+      </a:fillRef>
+      <a:effectRef idx="0">
+        <a:scrgbClr r="0" g="0" b="0"/>
+      </a:effectRef>
+      <a:fontRef idx="minor"/>
+    </dgm:style>
+  </dgm:styleLbl>
+  <dgm:styleLbl name="alignImgPlace1">
+    <dgm:scene3d>
+      <a:camera prst="orthographicFront"/>
+      <a:lightRig rig="threePt" dir="t"/>
+    </dgm:scene3d>
+    <dgm:sp3d/>
+    <dgm:txPr/>
+    <dgm:style>
+      <a:lnRef idx="2">
+        <a:scrgbClr r="0" g="0" b="0"/>
+      </a:lnRef>
+      <a:fillRef idx="1">
+        <a:scrgbClr r="0" g="0" b="0"/>
+      </a:fillRef>
+      <a:effectRef idx="0">
+        <a:scrgbClr r="0" g="0" b="0"/>
+      </a:effectRef>
+      <a:fontRef idx="minor"/>
+    </dgm:style>
+  </dgm:styleLbl>
+  <dgm:styleLbl name="bgImgPlace1">
+    <dgm:scene3d>
+      <a:camera prst="orthographicFront"/>
+      <a:lightRig rig="threePt" dir="t"/>
+    </dgm:scene3d>
+    <dgm:sp3d/>
+    <dgm:txPr/>
+    <dgm:style>
+      <a:lnRef idx="2">
+        <a:scrgbClr r="0" g="0" b="0"/>
+      </a:lnRef>
+      <a:fillRef idx="1">
+        <a:scrgbClr r="0" g="0" b="0"/>
+      </a:fillRef>
+      <a:effectRef idx="0">
+        <a:scrgbClr r="0" g="0" b="0"/>
+      </a:effectRef>
+      <a:fontRef idx="minor"/>
+    </dgm:style>
+  </dgm:styleLbl>
+  <dgm:styleLbl name="sibTrans2D1">
+    <dgm:scene3d>
+      <a:camera prst="orthographicFront"/>
+      <a:lightRig rig="threePt" dir="t"/>
+    </dgm:scene3d>
+    <dgm:sp3d/>
+    <dgm:txPr/>
+    <dgm:style>
+      <a:lnRef idx="0">
+        <a:scrgbClr r="0" g="0" b="0"/>
+      </a:lnRef>
+      <a:fillRef idx="1">
+        <a:scrgbClr r="0" g="0" b="0"/>
+      </a:fillRef>
+      <a:effectRef idx="0">
+        <a:scrgbClr r="0" g="0" b="0"/>
+      </a:effectRef>
+      <a:fontRef idx="minor">
+        <a:schemeClr val="lt1"/>
+      </a:fontRef>
+    </dgm:style>
+  </dgm:styleLbl>
+  <dgm:styleLbl name="fgSibTrans2D1">
+    <dgm:scene3d>
+      <a:camera prst="orthographicFront"/>
+      <a:lightRig rig="threePt" dir="t"/>
+    </dgm:scene3d>
+    <dgm:sp3d/>
+    <dgm:txPr/>
+    <dgm:style>
+      <a:lnRef idx="0">
+        <a:scrgbClr r="0" g="0" b="0"/>
+      </a:lnRef>
+      <a:fillRef idx="1">
+        <a:scrgbClr r="0" g="0" b="0"/>
+      </a:fillRef>
+      <a:effectRef idx="0">
+        <a:scrgbClr r="0" g="0" b="0"/>
+      </a:effectRef>
+      <a:fontRef idx="minor">
+        <a:schemeClr val="lt1"/>
+      </a:fontRef>
+    </dgm:style>
+  </dgm:styleLbl>
+  <dgm:styleLbl name="bgSibTrans2D1">
+    <dgm:scene3d>
+      <a:camera prst="orthographicFront"/>
+      <a:lightRig rig="threePt" dir="t"/>
+    </dgm:scene3d>
+    <dgm:sp3d/>
+    <dgm:txPr/>
+    <dgm:style>
+      <a:lnRef idx="0">
+        <a:scrgbClr r="0" g="0" b="0"/>
+      </a:lnRef>
+      <a:fillRef idx="1">
+        <a:scrgbClr r="0" g="0" b="0"/>
+      </a:fillRef>
+      <a:effectRef idx="0">
+        <a:scrgbClr r="0" g="0" b="0"/>
+      </a:effectRef>
+      <a:fontRef idx="minor">
+        <a:schemeClr val="lt1"/>
+      </a:fontRef>
+    </dgm:style>
+  </dgm:styleLbl>
+  <dgm:styleLbl name="sibTrans1D1">
+    <dgm:scene3d>
+      <a:camera prst="orthographicFront"/>
+      <a:lightRig rig="threePt" dir="t"/>
+    </dgm:scene3d>
+    <dgm:sp3d/>
+    <dgm:txPr/>
+    <dgm:style>
+      <a:lnRef idx="1">
+        <a:scrgbClr r="0" g="0" b="0"/>
+      </a:lnRef>
+      <a:fillRef idx="0">
+        <a:scrgbClr r="0" g="0" b="0"/>
+      </a:fillRef>
+      <a:effectRef idx="0">
+        <a:scrgbClr r="0" g="0" b="0"/>
+      </a:effectRef>
+      <a:fontRef idx="minor"/>
+    </dgm:style>
+  </dgm:styleLbl>
+  <dgm:styleLbl name="callout">
+    <dgm:scene3d>
+      <a:camera prst="orthographicFront"/>
+      <a:lightRig rig="threePt" dir="t"/>
+    </dgm:scene3d>
+    <dgm:sp3d/>
+    <dgm:txPr/>
+    <dgm:style>
+      <a:lnRef idx="2">
+        <a:scrgbClr r="0" g="0" b="0"/>
+      </a:lnRef>
+      <a:fillRef idx="1">
+        <a:scrgbClr r="0" g="0" b="0"/>
+      </a:fillRef>
+      <a:effectRef idx="0">
+        <a:scrgbClr r="0" g="0" b="0"/>
+      </a:effectRef>
+      <a:fontRef idx="minor"/>
+    </dgm:style>
+  </dgm:styleLbl>
+  <dgm:styleLbl name="asst0">
+    <dgm:scene3d>
+      <a:camera prst="orthographicFront"/>
+      <a:lightRig rig="threePt" dir="t"/>
+    </dgm:scene3d>
+    <dgm:sp3d/>
+    <dgm:txPr/>
+    <dgm:style>
+      <a:lnRef idx="2">
+        <a:scrgbClr r="0" g="0" b="0"/>
+      </a:lnRef>
+      <a:fillRef idx="1">
+        <a:scrgbClr r="0" g="0" b="0"/>
+      </a:fillRef>
+      <a:effectRef idx="0">
+        <a:scrgbClr r="0" g="0" b="0"/>
+      </a:effectRef>
+      <a:fontRef idx="minor">
+        <a:schemeClr val="lt1"/>
+      </a:fontRef>
+    </dgm:style>
+  </dgm:styleLbl>
+  <dgm:styleLbl name="asst1">
+    <dgm:scene3d>
+      <a:camera prst="orthographicFront"/>
+      <a:lightRig rig="threePt" dir="t"/>
+    </dgm:scene3d>
+    <dgm:sp3d/>
+    <dgm:txPr/>
+    <dgm:style>
+      <a:lnRef idx="2">
+        <a:scrgbClr r="0" g="0" b="0"/>
+      </a:lnRef>
+      <a:fillRef idx="1">
+        <a:scrgbClr r="0" g="0" b="0"/>
+      </a:fillRef>
+      <a:effectRef idx="0">
+        <a:scrgbClr r="0" g="0" b="0"/>
+      </a:effectRef>
+      <a:fontRef idx="minor">
+        <a:schemeClr val="lt1"/>
+      </a:fontRef>
+    </dgm:style>
+  </dgm:styleLbl>
+  <dgm:styleLbl name="asst2">
+    <dgm:scene3d>
+      <a:camera prst="orthographicFront"/>
+      <a:lightRig rig="threePt" dir="t"/>
+    </dgm:scene3d>
+    <dgm:sp3d/>
+    <dgm:txPr/>
+    <dgm:style>
+      <a:lnRef idx="2">
+        <a:scrgbClr r="0" g="0" b="0"/>
+      </a:lnRef>
+      <a:fillRef idx="1">
+        <a:scrgbClr r="0" g="0" b="0"/>
+      </a:fillRef>
+      <a:effectRef idx="0">
+        <a:scrgbClr r="0" g="0" b="0"/>
+      </a:effectRef>
+      <a:fontRef idx="minor">
+        <a:schemeClr val="lt1"/>
+      </a:fontRef>
+    </dgm:style>
+  </dgm:styleLbl>
+  <dgm:styleLbl name="asst3">
+    <dgm:scene3d>
+      <a:camera prst="orthographicFront"/>
+      <a:lightRig rig="threePt" dir="t"/>
+    </dgm:scene3d>
+    <dgm:sp3d/>
+    <dgm:txPr/>
+    <dgm:style>
+      <a:lnRef idx="2">
+        <a:scrgbClr r="0" g="0" b="0"/>
+      </a:lnRef>
+      <a:fillRef idx="1">
+        <a:scrgbClr r="0" g="0" b="0"/>
+      </a:fillRef>
+      <a:effectRef idx="0">
+        <a:scrgbClr r="0" g="0" b="0"/>
+      </a:effectRef>
+      <a:fontRef idx="minor">
+        <a:schemeClr val="lt1"/>
+      </a:fontRef>
+    </dgm:style>
+  </dgm:styleLbl>
+  <dgm:styleLbl name="asst4">
+    <dgm:scene3d>
+      <a:camera prst="orthographicFront"/>
+      <a:lightRig rig="threePt" dir="t"/>
+    </dgm:scene3d>
+    <dgm:sp3d/>
+    <dgm:txPr/>
+    <dgm:style>
+      <a:lnRef idx="2">
+        <a:scrgbClr r="0" g="0" b="0"/>
+      </a:lnRef>
+      <a:fillRef idx="1">
+        <a:scrgbClr r="0" g="0" b="0"/>
+      </a:fillRef>
+      <a:effectRef idx="0">
+        <a:scrgbClr r="0" g="0" b="0"/>
+      </a:effectRef>
+      <a:fontRef idx="minor">
+        <a:schemeClr val="lt1"/>
+      </a:fontRef>
+    </dgm:style>
+  </dgm:styleLbl>
+  <dgm:styleLbl name="parChTrans2D1">
+    <dgm:scene3d>
+      <a:camera prst="orthographicFront"/>
+      <a:lightRig rig="threePt" dir="t"/>
+    </dgm:scene3d>
+    <dgm:sp3d/>
+    <dgm:txPr/>
+    <dgm:style>
+      <a:lnRef idx="2">
+        <a:scrgbClr r="0" g="0" b="0"/>
+      </a:lnRef>
+      <a:fillRef idx="1">
+        <a:scrgbClr r="0" g="0" b="0"/>
+      </a:fillRef>
+      <a:effectRef idx="0">
+        <a:scrgbClr r="0" g="0" b="0"/>
+      </a:effectRef>
+      <a:fontRef idx="minor">
+        <a:schemeClr val="lt1"/>
+      </a:fontRef>
+    </dgm:style>
+  </dgm:styleLbl>
+  <dgm:styleLbl name="parChTrans2D2">
+    <dgm:scene3d>
+      <a:camera prst="orthographicFront"/>
+      <a:lightRig rig="threePt" dir="t"/>
+    </dgm:scene3d>
+    <dgm:sp3d/>
+    <dgm:txPr/>
+    <dgm:style>
+      <a:lnRef idx="2">
+        <a:scrgbClr r="0" g="0" b="0"/>
+      </a:lnRef>
+      <a:fillRef idx="1">
+        <a:scrgbClr r="0" g="0" b="0"/>
+      </a:fillRef>
+      <a:effectRef idx="0">
+        <a:scrgbClr r="0" g="0" b="0"/>
+      </a:effectRef>
+      <a:fontRef idx="minor">
+        <a:schemeClr val="lt1"/>
+      </a:fontRef>
+    </dgm:style>
+  </dgm:styleLbl>
+  <dgm:styleLbl name="parChTrans2D3">
+    <dgm:scene3d>
+      <a:camera prst="orthographicFront"/>
+      <a:lightRig rig="threePt" dir="t"/>
+    </dgm:scene3d>
+    <dgm:sp3d/>
+    <dgm:txPr/>
+    <dgm:style>
+      <a:lnRef idx="2">
+        <a:scrgbClr r="0" g="0" b="0"/>
+      </a:lnRef>
+      <a:fillRef idx="1">
+        <a:scrgbClr r="0" g="0" b="0"/>
+      </a:fillRef>
+      <a:effectRef idx="0">
+        <a:scrgbClr r="0" g="0" b="0"/>
+      </a:effectRef>
+      <a:fontRef idx="minor">
+        <a:schemeClr val="lt1"/>
+      </a:fontRef>
+    </dgm:style>
+  </dgm:styleLbl>
+  <dgm:styleLbl name="parChTrans2D4">
+    <dgm:scene3d>
+      <a:camera prst="orthographicFront"/>
+      <a:lightRig rig="threePt" dir="t"/>
+    </dgm:scene3d>
+    <dgm:sp3d/>
+    <dgm:txPr/>
+    <dgm:style>
+      <a:lnRef idx="2">
+        <a:scrgbClr r="0" g="0" b="0"/>
+      </a:lnRef>
+      <a:fillRef idx="1">
+        <a:scrgbClr r="0" g="0" b="0"/>
+      </a:fillRef>
+      <a:effectRef idx="0">
+        <a:scrgbClr r="0" g="0" b="0"/>
+      </a:effectRef>
+      <a:fontRef idx="minor">
+        <a:schemeClr val="lt1"/>
+      </a:fontRef>
+    </dgm:style>
+  </dgm:styleLbl>
+  <dgm:styleLbl name="parChTrans1D1">
+    <dgm:scene3d>
+      <a:camera prst="orthographicFront"/>
+      <a:lightRig rig="threePt" dir="t"/>
+    </dgm:scene3d>
+    <dgm:sp3d/>
+    <dgm:txPr/>
+    <dgm:style>
+      <a:lnRef idx="2">
+        <a:scrgbClr r="0" g="0" b="0"/>
+      </a:lnRef>
+      <a:fillRef idx="0">
+        <a:scrgbClr r="0" g="0" b="0"/>
+      </a:fillRef>
+      <a:effectRef idx="0">
+        <a:scrgbClr r="0" g="0" b="0"/>
+      </a:effectRef>
+      <a:fontRef idx="minor"/>
+    </dgm:style>
+  </dgm:styleLbl>
+  <dgm:styleLbl name="parChTrans1D2">
+    <dgm:scene3d>
+      <a:camera prst="orthographicFront"/>
+      <a:lightRig rig="threePt" dir="t"/>
+    </dgm:scene3d>
+    <dgm:sp3d/>
+    <dgm:txPr/>
+    <dgm:style>
+      <a:lnRef idx="2">
+        <a:scrgbClr r="0" g="0" b="0"/>
+      </a:lnRef>
+      <a:fillRef idx="0">
+        <a:scrgbClr r="0" g="0" b="0"/>
+      </a:fillRef>
+      <a:effectRef idx="0">
+        <a:scrgbClr r="0" g="0" b="0"/>
+      </a:effectRef>
+      <a:fontRef idx="minor"/>
+    </dgm:style>
+  </dgm:styleLbl>
+  <dgm:styleLbl name="parChTrans1D3">
+    <dgm:scene3d>
+      <a:camera prst="orthographicFront"/>
+      <a:lightRig rig="threePt" dir="t"/>
+    </dgm:scene3d>
+    <dgm:sp3d/>
+    <dgm:txPr/>
+    <dgm:style>
+      <a:lnRef idx="2">
+        <a:scrgbClr r="0" g="0" b="0"/>
+      </a:lnRef>
+      <a:fillRef idx="0">
+        <a:scrgbClr r="0" g="0" b="0"/>
+      </a:fillRef>
+      <a:effectRef idx="0">
+        <a:scrgbClr r="0" g="0" b="0"/>
+      </a:effectRef>
+      <a:fontRef idx="minor"/>
+    </dgm:style>
+  </dgm:styleLbl>
+  <dgm:styleLbl name="parChTrans1D4">
+    <dgm:scene3d>
+      <a:camera prst="orthographicFront"/>
+      <a:lightRig rig="threePt" dir="t"/>
+    </dgm:scene3d>
+    <dgm:sp3d/>
+    <dgm:txPr/>
+    <dgm:style>
+      <a:lnRef idx="2">
+        <a:scrgbClr r="0" g="0" b="0"/>
+      </a:lnRef>
+      <a:fillRef idx="0">
+        <a:scrgbClr r="0" g="0" b="0"/>
+      </a:fillRef>
+      <a:effectRef idx="0">
+        <a:scrgbClr r="0" g="0" b="0"/>
+      </a:effectRef>
+      <a:fontRef idx="minor"/>
+    </dgm:style>
+  </dgm:styleLbl>
+  <dgm:styleLbl name="fgAcc1">
+    <dgm:scene3d>
+      <a:camera prst="orthographicFront"/>
+      <a:lightRig rig="threePt" dir="t"/>
+    </dgm:scene3d>
+    <dgm:sp3d/>
+    <dgm:txPr/>
+    <dgm:style>
+      <a:lnRef idx="2">
+        <a:scrgbClr r="0" g="0" b="0"/>
+      </a:lnRef>
+      <a:fillRef idx="1">
+        <a:scrgbClr r="0" g="0" b="0"/>
+      </a:fillRef>
+      <a:effectRef idx="0">
+        <a:scrgbClr r="0" g="0" b="0"/>
+      </a:effectRef>
+      <a:fontRef idx="minor"/>
+    </dgm:style>
+  </dgm:styleLbl>
+  <dgm:styleLbl name="conFgAcc1">
+    <dgm:scene3d>
+      <a:camera prst="orthographicFront"/>
+      <a:lightRig rig="threePt" dir="t"/>
+    </dgm:scene3d>
+    <dgm:sp3d/>
+    <dgm:txPr/>
+    <dgm:style>
+      <a:lnRef idx="2">
+        <a:scrgbClr r="0" g="0" b="0"/>
+      </a:lnRef>
+      <a:fillRef idx="1">
+        <a:scrgbClr r="0" g="0" b="0"/>
+      </a:fillRef>
+      <a:effectRef idx="0">
+        <a:scrgbClr r="0" g="0" b="0"/>
+      </a:effectRef>
+      <a:fontRef idx="minor"/>
+    </dgm:style>
+  </dgm:styleLbl>
+  <dgm:styleLbl name="alignAcc1">
+    <dgm:scene3d>
+      <a:camera prst="orthographicFront"/>
+      <a:lightRig rig="threePt" dir="t"/>
+    </dgm:scene3d>
+    <dgm:sp3d/>
+    <dgm:txPr/>
+    <dgm:style>
+      <a:lnRef idx="2">
+        <a:scrgbClr r="0" g="0" b="0"/>
+      </a:lnRef>
+      <a:fillRef idx="1">
+        <a:scrgbClr r="0" g="0" b="0"/>
+      </a:fillRef>
+      <a:effectRef idx="0">
+        <a:scrgbClr r="0" g="0" b="0"/>
+      </a:effectRef>
+      <a:fontRef idx="minor"/>
+    </dgm:style>
+  </dgm:styleLbl>
+  <dgm:styleLbl name="trAlignAcc1">
+    <dgm:scene3d>
+      <a:camera prst="orthographicFront"/>
+      <a:lightRig rig="threePt" dir="t"/>
+    </dgm:scene3d>
+    <dgm:sp3d/>
+    <dgm:txPr/>
+    <dgm:style>
+      <a:lnRef idx="1">
+        <a:scrgbClr r="0" g="0" b="0"/>
+      </a:lnRef>
+      <a:fillRef idx="1">
+        <a:scrgbClr r="0" g="0" b="0"/>
+      </a:fillRef>
+      <a:effectRef idx="0">
+        <a:scrgbClr r="0" g="0" b="0"/>
+      </a:effectRef>
+      <a:fontRef idx="minor"/>
+    </dgm:style>
+  </dgm:styleLbl>
+  <dgm:styleLbl name="bgAcc1">
+    <dgm:scene3d>
+      <a:camera prst="orthographicFront"/>
+      <a:lightRig rig="threePt" dir="t"/>
+    </dgm:scene3d>
+    <dgm:sp3d/>
+    <dgm:txPr/>
+    <dgm:style>
+      <a:lnRef idx="2">
+        <a:scrgbClr r="0" g="0" b="0"/>
+      </a:lnRef>
+      <a:fillRef idx="1">
+        <a:scrgbClr r="0" g="0" b="0"/>
+      </a:fillRef>
+      <a:effectRef idx="0">
+        <a:scrgbClr r="0" g="0" b="0"/>
+      </a:effectRef>
+      <a:fontRef idx="minor"/>
+    </dgm:style>
+  </dgm:styleLbl>
+  <dgm:styleLbl name="solidFgAcc1">
+    <dgm:scene3d>
+      <a:camera prst="orthographicFront"/>
+      <a:lightRig rig="threePt" dir="t"/>
+    </dgm:scene3d>
+    <dgm:sp3d/>
+    <dgm:txPr/>
+    <dgm:style>
+      <a:lnRef idx="2">
+        <a:scrgbClr r="0" g="0" b="0"/>
+      </a:lnRef>
+      <a:fillRef idx="1">
+        <a:scrgbClr r="0" g="0" b="0"/>
+      </a:fillRef>
+      <a:effectRef idx="0">
+        <a:scrgbClr r="0" g="0" b="0"/>
+      </a:effectRef>
+      <a:fontRef idx="minor"/>
+    </dgm:style>
+  </dgm:styleLbl>
+  <dgm:styleLbl name="solidAlignAcc1">
+    <dgm:scene3d>
+      <a:camera prst="orthographicFront"/>
+      <a:lightRig rig="threePt" dir="t"/>
+    </dgm:scene3d>
+    <dgm:sp3d/>
+    <dgm:txPr/>
+    <dgm:style>
+      <a:lnRef idx="2">
+        <a:scrgbClr r="0" g="0" b="0"/>
+      </a:lnRef>
+      <a:fillRef idx="1">
+        <a:scrgbClr r="0" g="0" b="0"/>
+      </a:fillRef>
+      <a:effectRef idx="0">
+        <a:scrgbClr r="0" g="0" b="0"/>
+      </a:effectRef>
+      <a:fontRef idx="minor"/>
+    </dgm:style>
+  </dgm:styleLbl>
+  <dgm:styleLbl name="solidBgAcc1">
+    <dgm:scene3d>
+      <a:camera prst="orthographicFront"/>
+      <a:lightRig rig="threePt" dir="t"/>
+    </dgm:scene3d>
+    <dgm:sp3d/>
+    <dgm:txPr/>
+    <dgm:style>
+      <a:lnRef idx="2">
+        <a:scrgbClr r="0" g="0" b="0"/>
+      </a:lnRef>
+      <a:fillRef idx="1">
+        <a:scrgbClr r="0" g="0" b="0"/>
+      </a:fillRef>
+      <a:effectRef idx="0">
+        <a:scrgbClr r="0" g="0" b="0"/>
+      </a:effectRef>
+      <a:fontRef idx="minor"/>
+    </dgm:style>
+  </dgm:styleLbl>
+  <dgm:styleLbl name="fgAccFollowNode1">
+    <dgm:scene3d>
+      <a:camera prst="orthographicFront"/>
+      <a:lightRig rig="threePt" dir="t"/>
+    </dgm:scene3d>
+    <dgm:sp3d/>
+    <dgm:txPr/>
+    <dgm:style>
+      <a:lnRef idx="2">
+        <a:scrgbClr r="0" g="0" b="0"/>
+      </a:lnRef>
+      <a:fillRef idx="1">
+        <a:scrgbClr r="0" g="0" b="0"/>
+      </a:fillRef>
+      <a:effectRef idx="0">
+        <a:scrgbClr r="0" g="0" b="0"/>
+      </a:effectRef>
+      <a:fontRef idx="minor"/>
+    </dgm:style>
+  </dgm:styleLbl>
+  <dgm:styleLbl name="alignAccFollowNode1">
+    <dgm:scene3d>
+      <a:camera prst="orthographicFront"/>
+      <a:lightRig rig="threePt" dir="t"/>
+    </dgm:scene3d>
+    <dgm:sp3d/>
+    <dgm:txPr/>
+    <dgm:style>
+      <a:lnRef idx="2">
+        <a:scrgbClr r="0" g="0" b="0"/>
+      </a:lnRef>
+      <a:fillRef idx="1">
+        <a:scrgbClr r="0" g="0" b="0"/>
+      </a:fillRef>
+      <a:effectRef idx="0">
+        <a:scrgbClr r="0" g="0" b="0"/>
+      </a:effectRef>
+      <a:fontRef idx="minor"/>
+    </dgm:style>
+  </dgm:styleLbl>
+  <dgm:styleLbl name="bgAccFollowNode1">
+    <dgm:scene3d>
+      <a:camera prst="orthographicFront"/>
+      <a:lightRig rig="threePt" dir="t"/>
+    </dgm:scene3d>
+    <dgm:sp3d/>
+    <dgm:txPr/>
+    <dgm:style>
+      <a:lnRef idx="2">
+        <a:scrgbClr r="0" g="0" b="0"/>
+      </a:lnRef>
+      <a:fillRef idx="1">
+        <a:scrgbClr r="0" g="0" b="0"/>
+      </a:fillRef>
+      <a:effectRef idx="0">
+        <a:scrgbClr r="0" g="0" b="0"/>
+      </a:effectRef>
+      <a:fontRef idx="minor"/>
+    </dgm:style>
+  </dgm:styleLbl>
+  <dgm:styleLbl name="fgAcc0">
+    <dgm:scene3d>
+      <a:camera prst="orthographicFront"/>
+      <a:lightRig rig="threePt" dir="t"/>
+    </dgm:scene3d>
+    <dgm:sp3d/>
+    <dgm:txPr/>
+    <dgm:style>
+      <a:lnRef idx="2">
+        <a:scrgbClr r="0" g="0" b="0"/>
+      </a:lnRef>
+      <a:fillRef idx="1">
+        <a:scrgbClr r="0" g="0" b="0"/>
+      </a:fillRef>
+      <a:effectRef idx="0">
+        <a:scrgbClr r="0" g="0" b="0"/>
+      </a:effectRef>
+      <a:fontRef idx="minor"/>
+    </dgm:style>
+  </dgm:styleLbl>
+  <dgm:styleLbl name="fgAcc2">
+    <dgm:scene3d>
+      <a:camera prst="orthographicFront"/>
+      <a:lightRig rig="threePt" dir="t"/>
+    </dgm:scene3d>
+    <dgm:sp3d/>
+    <dgm:txPr/>
+    <dgm:style>
+      <a:lnRef idx="2">
+        <a:scrgbClr r="0" g="0" b="0"/>
+      </a:lnRef>
+      <a:fillRef idx="1">
+        <a:scrgbClr r="0" g="0" b="0"/>
+      </a:fillRef>
+      <a:effectRef idx="0">
+        <a:scrgbClr r="0" g="0" b="0"/>
+      </a:effectRef>
+      <a:fontRef idx="minor"/>
+    </dgm:style>
+  </dgm:styleLbl>
+  <dgm:styleLbl name="fgAcc3">
+    <dgm:scene3d>
+      <a:camera prst="orthographicFront"/>
+      <a:lightRig rig="threePt" dir="t"/>
+    </dgm:scene3d>
+    <dgm:sp3d/>
+    <dgm:txPr/>
+    <dgm:style>
+      <a:lnRef idx="2">
+        <a:scrgbClr r="0" g="0" b="0"/>
+      </a:lnRef>
+      <a:fillRef idx="1">
+        <a:scrgbClr r="0" g="0" b="0"/>
+      </a:fillRef>
+      <a:effectRef idx="0">
+        <a:scrgbClr r="0" g="0" b="0"/>
+      </a:effectRef>
+      <a:fontRef idx="minor"/>
+    </dgm:style>
+  </dgm:styleLbl>
+  <dgm:styleLbl name="fgAcc4">
+    <dgm:scene3d>
+      <a:camera prst="orthographicFront"/>
+      <a:lightRig rig="threePt" dir="t"/>
+    </dgm:scene3d>
+    <dgm:sp3d/>
+    <dgm:txPr/>
+    <dgm:style>
+      <a:lnRef idx="2">
+        <a:scrgbClr r="0" g="0" b="0"/>
+      </a:lnRef>
+      <a:fillRef idx="1">
+        <a:scrgbClr r="0" g="0" b="0"/>
+      </a:fillRef>
+      <a:effectRef idx="0">
+        <a:scrgbClr r="0" g="0" b="0"/>
+      </a:effectRef>
+      <a:fontRef idx="minor"/>
+    </dgm:style>
+  </dgm:styleLbl>
+  <dgm:styleLbl name="bgShp">
+    <dgm:scene3d>
+      <a:camera prst="orthographicFront"/>
+      <a:lightRig rig="threePt" dir="t"/>
+    </dgm:scene3d>
+    <dgm:sp3d/>
+    <dgm:txPr/>
+    <dgm:style>
+      <a:lnRef idx="0">
+        <a:scrgbClr r="0" g="0" b="0"/>
+      </a:lnRef>
+      <a:fillRef idx="1">
+        <a:scrgbClr r="0" g="0" b="0"/>
+      </a:fillRef>
+      <a:effectRef idx="0">
+        <a:scrgbClr r="0" g="0" b="0"/>
+      </a:effectRef>
+      <a:fontRef idx="minor"/>
+    </dgm:style>
+  </dgm:styleLbl>
+  <dgm:styleLbl name="dkBgShp">
+    <dgm:scene3d>
+      <a:camera prst="orthographicFront"/>
+      <a:lightRig rig="threePt" dir="t"/>
+    </dgm:scene3d>
+    <dgm:sp3d/>
+    <dgm:txPr/>
+    <dgm:style>
+      <a:lnRef idx="0">
+        <a:scrgbClr r="0" g="0" b="0"/>
+      </a:lnRef>
+      <a:fillRef idx="1">
+        <a:scrgbClr r="0" g="0" b="0"/>
+      </a:fillRef>
+      <a:effectRef idx="0">
+        <a:scrgbClr r="0" g="0" b="0"/>
+      </a:effectRef>
+      <a:fontRef idx="minor"/>
+    </dgm:style>
+  </dgm:styleLbl>
+  <dgm:styleLbl name="trBgShp">
+    <dgm:scene3d>
+      <a:camera prst="orthographicFront"/>
+      <a:lightRig rig="threePt" dir="t"/>
+    </dgm:scene3d>
+    <dgm:sp3d/>
+    <dgm:txPr/>
+    <dgm:style>
+      <a:lnRef idx="0">
+        <a:scrgbClr r="0" g="0" b="0"/>
+      </a:lnRef>
+      <a:fillRef idx="1">
+        <a:scrgbClr r="0" g="0" b="0"/>
+      </a:fillRef>
+      <a:effectRef idx="0">
+        <a:scrgbClr r="0" g="0" b="0"/>
+      </a:effectRef>
+      <a:fontRef idx="minor"/>
+    </dgm:style>
+  </dgm:styleLbl>
+  <dgm:styleLbl name="fgShp">
+    <dgm:scene3d>
+      <a:camera prst="orthographicFront"/>
+      <a:lightRig rig="threePt" dir="t"/>
+    </dgm:scene3d>
+    <dgm:sp3d/>
+    <dgm:txPr/>
+    <dgm:style>
+      <a:lnRef idx="2">
+        <a:scrgbClr r="0" g="0" b="0"/>
+      </a:lnRef>
+      <a:fillRef idx="1">
+        <a:scrgbClr r="0" g="0" b="0"/>
+      </a:fillRef>
+      <a:effectRef idx="0">
+        <a:scrgbClr r="0" g="0" b="0"/>
+      </a:effectRef>
+      <a:fontRef idx="minor"/>
+    </dgm:style>
+  </dgm:styleLbl>
+  <dgm:styleLbl name="revTx">
+    <dgm:scene3d>
+      <a:camera prst="orthographicFront"/>
+      <a:lightRig rig="threePt" dir="t"/>
+    </dgm:scene3d>
+    <dgm:sp3d/>
+    <dgm:txPr/>
+    <dgm:style>
+      <a:lnRef idx="0">
+        <a:scrgbClr r="0" g="0" b="0"/>
+      </a:lnRef>
+      <a:fillRef idx="0">
+        <a:scrgbClr r="0" g="0" b="0"/>
+      </a:fillRef>
+      <a:effectRef idx="0">
+        <a:scrgbClr r="0" g="0" b="0"/>
+      </a:effectRef>
+      <a:fontRef idx="minor"/>
+    </dgm:style>
+  </dgm:styleLbl>
+</dgm:styleDef>
+</file>
+
+<file path=ppt/diagrams/quickStyle2.xml><?xml version="1.0" encoding="utf-8"?>
 <dgm:styleDef xmlns:dgm="http://schemas.openxmlformats.org/drawingml/2006/diagram" xmlns:a="http://schemas.openxmlformats.org/drawingml/2006/main" uniqueId="urn:microsoft.com/office/officeart/2005/8/quickstyle/simple1">
   <dgm:title val=""/>
   <dgm:desc val=""/>
@@ -12766,7 +15403,7 @@
           <a:graphicData uri="http://schemas.openxmlformats.org/presentationml/2006/ole">
             <mc:AlternateContent xmlns:mc="http://schemas.openxmlformats.org/markup-compatibility/2006">
               <mc:Choice xmlns:v="urn:schemas-microsoft-com:vml" Requires="v">
-                <p:oleObj spid="_x0000_s1045" name="Packager Shell Object" showAsIcon="1" r:id="rId3" imgW="914400" imgH="771480" progId="Package">
+                <p:oleObj spid="_x0000_s1052" name="Packager Shell Object" showAsIcon="1" r:id="rId3" imgW="914400" imgH="771480" progId="Package">
                   <p:embed/>
                 </p:oleObj>
               </mc:Choice>
@@ -12880,8 +15517,14 @@
           <a:lstStyle/>
           <a:p>
             <a:r>
+              <a:rPr lang="en-AU" dirty="0" smtClean="0">
+                <a:hlinkClick r:id="rId2"/>
+              </a:rPr>
+              <a:t>NPM registry </a:t>
+            </a:r>
+            <a:r>
               <a:rPr lang="en-AU" dirty="0" smtClean="0"/>
-              <a:t>NPM registry contains over 8000 free open source packages</a:t>
+              <a:t>contains over 8000 free open source packages</a:t>
             </a:r>
           </a:p>
           <a:p>
@@ -12931,8 +15574,12 @@
               <a:buNone/>
             </a:pPr>
             <a:r>
+              <a:rPr lang="en-AU" dirty="0"/>
+              <a:t>m</a:t>
+            </a:r>
+            <a:r>
               <a:rPr lang="en-AU" dirty="0" smtClean="0"/>
-              <a:t>popular modules  include-</a:t>
+              <a:t>ost popular…</a:t>
             </a:r>
             <a:endParaRPr lang="en-AU" dirty="0"/>
           </a:p>
@@ -12971,6 +15618,40 @@
             <a:r>
               <a:rPr lang="en-AU" dirty="0" err="1" smtClean="0"/>
               <a:t>OAuth</a:t>
+            </a:r>
+            <a:r>
+              <a:rPr lang="en-AU" dirty="0"/>
+              <a:t> </a:t>
+            </a:r>
+            <a:r>
+              <a:rPr lang="en-AU" dirty="0" smtClean="0"/>
+              <a:t>(</a:t>
+            </a:r>
+            <a:r>
+              <a:rPr lang="en-AU" dirty="0" err="1" smtClean="0"/>
+              <a:t>oAuth</a:t>
+            </a:r>
+            <a:r>
+              <a:rPr lang="en-AU" dirty="0" smtClean="0"/>
+              <a:t> 2.0 </a:t>
+            </a:r>
+            <a:r>
+              <a:rPr lang="en-AU" dirty="0" err="1" smtClean="0"/>
+              <a:t>wraper</a:t>
+            </a:r>
+            <a:r>
+              <a:rPr lang="en-AU" dirty="0" smtClean="0"/>
+              <a:t>),</a:t>
+            </a:r>
+            <a:endParaRPr lang="en-AU" dirty="0" smtClean="0"/>
+          </a:p>
+          <a:p>
+            <a:pPr marL="0" indent="0">
+              <a:buNone/>
+            </a:pPr>
+            <a:r>
+              <a:rPr lang="en-AU" dirty="0" smtClean="0"/>
+              <a:t>node-static (serving up static content)</a:t>
             </a:r>
             <a:endParaRPr lang="en-AU" dirty="0" smtClean="0"/>
           </a:p>
@@ -12985,7 +15666,7 @@
           <p:nvPr/>
         </p:nvPicPr>
         <p:blipFill>
-          <a:blip r:embed="rId2" cstate="print">
+          <a:blip r:embed="rId3" cstate="print">
             <a:extLst>
               <a:ext uri="{28A0092B-C50C-407E-A947-70E740481C1C}">
                 <a14:useLocalDpi xmlns:a14="http://schemas.microsoft.com/office/drawing/2010/main" val="0"/>
@@ -13082,69 +15763,6 @@
       </p:grpSpPr>
       <p:sp>
         <p:nvSpPr>
-          <p:cNvPr id="6" name="Title 5"/>
-          <p:cNvSpPr>
-            <a:spLocks noGrp="1"/>
-          </p:cNvSpPr>
-          <p:nvPr>
-            <p:ph type="ctrTitle"/>
-          </p:nvPr>
-        </p:nvSpPr>
-        <p:spPr/>
-        <p:txBody>
-          <a:bodyPr/>
-          <a:lstStyle/>
-          <a:p>
-            <a:r>
-              <a:rPr lang="en-AU" dirty="0" smtClean="0"/>
-              <a:t>Demo : quick demo of running and debugging on Cloud9IDE</a:t>
-            </a:r>
-            <a:endParaRPr lang="en-AU" dirty="0"/>
-          </a:p>
-        </p:txBody>
-      </p:sp>
-    </p:spTree>
-    <p:extLst>
-      <p:ext uri="{BB962C8B-B14F-4D97-AF65-F5344CB8AC3E}">
-        <p14:creationId xmlns:p14="http://schemas.microsoft.com/office/powerpoint/2010/main" val="719183932"/>
-      </p:ext>
-    </p:extLst>
-  </p:cSld>
-  <p:clrMapOvr>
-    <a:masterClrMapping/>
-  </p:clrMapOvr>
-  <p:transition>
-    <p:fade thruBlk="1"/>
-  </p:transition>
-  <p:timing>
-    <p:tnLst>
-      <p:par>
-        <p:cTn id="1" dur="indefinite" restart="never" nodeType="tmRoot"/>
-      </p:par>
-    </p:tnLst>
-  </p:timing>
-</p:sld>
-</file>
-
-<file path=ppt/slides/slide13.xml><?xml version="1.0" encoding="utf-8"?>
-<p:sld xmlns:a="http://schemas.openxmlformats.org/drawingml/2006/main" xmlns:r="http://schemas.openxmlformats.org/officeDocument/2006/relationships" xmlns:p="http://schemas.openxmlformats.org/presentationml/2006/main">
-  <p:cSld>
-    <p:spTree>
-      <p:nvGrpSpPr>
-        <p:cNvPr id="1" name=""/>
-        <p:cNvGrpSpPr/>
-        <p:nvPr/>
-      </p:nvGrpSpPr>
-      <p:grpSpPr>
-        <a:xfrm>
-          <a:off x="0" y="0"/>
-          <a:ext cx="0" cy="0"/>
-          <a:chOff x="0" y="0"/>
-          <a:chExt cx="0" cy="0"/>
-        </a:xfrm>
-      </p:grpSpPr>
-      <p:sp>
-        <p:nvSpPr>
           <p:cNvPr id="4" name="Title 3"/>
           <p:cNvSpPr>
             <a:spLocks noGrp="1"/>
@@ -13160,7 +15778,11 @@
           <a:p>
             <a:r>
               <a:rPr lang="en-AU" dirty="0" smtClean="0"/>
-              <a:t>Debugging Options</a:t>
+              <a:t>Debugging </a:t>
+            </a:r>
+            <a:r>
+              <a:rPr lang="en-AU" dirty="0" smtClean="0"/>
+              <a:t>Node Apps</a:t>
             </a:r>
             <a:endParaRPr lang="en-AU" dirty="0"/>
           </a:p>
@@ -13183,24 +15805,43 @@
           <a:p>
             <a:r>
               <a:rPr lang="en-AU" dirty="0" smtClean="0"/>
-              <a:t>Cloud9IDE</a:t>
-            </a:r>
-          </a:p>
-          <a:p>
-            <a:r>
-              <a:rPr lang="en-AU" dirty="0"/>
-              <a:t>c</a:t>
+              <a:t>console.log</a:t>
             </a:r>
             <a:r>
               <a:rPr lang="en-AU" dirty="0" smtClean="0"/>
-              <a:t>onsole.log(“my debug message”);</a:t>
-            </a:r>
-          </a:p>
-          <a:p>
+              <a:t>(“my debug message</a:t>
+            </a:r>
             <a:r>
               <a:rPr lang="en-AU" dirty="0" smtClean="0"/>
-              <a:t>Node Inspector</a:t>
-            </a:r>
+              <a:t>”)</a:t>
+            </a:r>
+            <a:endParaRPr lang="en-AU" dirty="0" smtClean="0"/>
+          </a:p>
+          <a:p>
+            <a:r>
+              <a:rPr lang="en-AU" dirty="0" smtClean="0"/>
+              <a:t>Node </a:t>
+            </a:r>
+            <a:r>
+              <a:rPr lang="en-AU" dirty="0" smtClean="0"/>
+              <a:t>Inspector (Chrome/Safari/</a:t>
+            </a:r>
+            <a:r>
+              <a:rPr lang="en-AU" dirty="0" err="1" smtClean="0"/>
+              <a:t>FireFox</a:t>
+            </a:r>
+            <a:r>
+              <a:rPr lang="en-AU" dirty="0" smtClean="0"/>
+              <a:t>)</a:t>
+            </a:r>
+          </a:p>
+          <a:p>
+            <a:pPr marL="0" indent="0">
+              <a:buNone/>
+            </a:pPr>
+            <a:endParaRPr lang="en-AU" dirty="0"/>
+          </a:p>
+          <a:p>
             <a:endParaRPr lang="en-AU" dirty="0"/>
           </a:p>
         </p:txBody>
@@ -13292,6 +15933,69 @@
 </p:sld>
 </file>
 
+<file path=ppt/slides/slide13.xml><?xml version="1.0" encoding="utf-8"?>
+<p:sld xmlns:a="http://schemas.openxmlformats.org/drawingml/2006/main" xmlns:r="http://schemas.openxmlformats.org/officeDocument/2006/relationships" xmlns:p="http://schemas.openxmlformats.org/presentationml/2006/main">
+  <p:cSld>
+    <p:spTree>
+      <p:nvGrpSpPr>
+        <p:cNvPr id="1" name=""/>
+        <p:cNvGrpSpPr/>
+        <p:nvPr/>
+      </p:nvGrpSpPr>
+      <p:grpSpPr>
+        <a:xfrm>
+          <a:off x="0" y="0"/>
+          <a:ext cx="0" cy="0"/>
+          <a:chOff x="0" y="0"/>
+          <a:chExt cx="0" cy="0"/>
+        </a:xfrm>
+      </p:grpSpPr>
+      <p:sp>
+        <p:nvSpPr>
+          <p:cNvPr id="6" name="Title 5"/>
+          <p:cNvSpPr>
+            <a:spLocks noGrp="1"/>
+          </p:cNvSpPr>
+          <p:nvPr>
+            <p:ph type="ctrTitle"/>
+          </p:nvPr>
+        </p:nvSpPr>
+        <p:spPr/>
+        <p:txBody>
+          <a:bodyPr/>
+          <a:lstStyle/>
+          <a:p>
+            <a:r>
+              <a:rPr lang="en-AU" dirty="0" smtClean="0"/>
+              <a:t>Demo : quick demo of running and debugging on Cloud9IDE</a:t>
+            </a:r>
+            <a:endParaRPr lang="en-AU" dirty="0"/>
+          </a:p>
+        </p:txBody>
+      </p:sp>
+    </p:spTree>
+    <p:extLst>
+      <p:ext uri="{BB962C8B-B14F-4D97-AF65-F5344CB8AC3E}">
+        <p14:creationId xmlns:p14="http://schemas.microsoft.com/office/powerpoint/2010/main" val="719183932"/>
+      </p:ext>
+    </p:extLst>
+  </p:cSld>
+  <p:clrMapOvr>
+    <a:masterClrMapping/>
+  </p:clrMapOvr>
+  <p:transition>
+    <p:fade thruBlk="1"/>
+  </p:transition>
+  <p:timing>
+    <p:tnLst>
+      <p:par>
+        <p:cTn id="1" dur="indefinite" restart="never" nodeType="tmRoot"/>
+      </p:par>
+    </p:tnLst>
+  </p:timing>
+</p:sld>
+</file>
+
 <file path=ppt/slides/slide14.xml><?xml version="1.0" encoding="utf-8"?>
 <p:sld xmlns:a="http://schemas.openxmlformats.org/drawingml/2006/main" xmlns:r="http://schemas.openxmlformats.org/officeDocument/2006/relationships" xmlns:p="http://schemas.openxmlformats.org/presentationml/2006/main">
   <p:cSld>
@@ -13325,103 +16029,79 @@
           <a:lstStyle/>
           <a:p>
             <a:r>
-              <a:rPr lang="en-AU" dirty="0" smtClean="0"/>
+              <a:rPr lang="en-AU" dirty="0"/>
               <a:t>Windows Azure SDK for Node.js</a:t>
             </a:r>
-            <a:endParaRPr lang="en-AU" dirty="0"/>
-          </a:p>
-        </p:txBody>
-      </p:sp>
-      <p:sp>
-        <p:nvSpPr>
-          <p:cNvPr id="3" name="Text Placeholder 2"/>
-          <p:cNvSpPr>
-            <a:spLocks noGrp="1"/>
-          </p:cNvSpPr>
+          </a:p>
+        </p:txBody>
+      </p:sp>
+      <p:pic>
+        <p:nvPicPr>
+          <p:cNvPr id="2050" name="Picture 2" descr="C:\Users\AIDAN\Desktop\azure SDK.jpg"/>
+          <p:cNvPicPr>
+            <a:picLocks noChangeAspect="1" noChangeArrowheads="1"/>
+          </p:cNvPicPr>
+          <p:nvPr/>
+        </p:nvPicPr>
+        <p:blipFill>
+          <a:blip r:embed="rId2">
+            <a:extLst>
+              <a:ext uri="{28A0092B-C50C-407E-A947-70E740481C1C}">
+                <a14:useLocalDpi xmlns:a14="http://schemas.microsoft.com/office/drawing/2010/main" val="0"/>
+              </a:ext>
+            </a:extLst>
+          </a:blip>
+          <a:srcRect/>
+          <a:stretch>
+            <a:fillRect/>
+          </a:stretch>
+        </p:blipFill>
+        <p:spPr bwMode="auto">
+          <a:xfrm>
+            <a:off x="1835696" y="908721"/>
+            <a:ext cx="4925393" cy="1584176"/>
+          </a:xfrm>
+          <a:prstGeom prst="rect">
+            <a:avLst/>
+          </a:prstGeom>
+          <a:noFill/>
+          <a:extLst>
+            <a:ext uri="{909E8E84-426E-40DD-AFC4-6F175D3DCCD1}">
+              <a14:hiddenFill xmlns:a14="http://schemas.microsoft.com/office/drawing/2010/main">
+                <a:solidFill>
+                  <a:srgbClr val="FFFFFF"/>
+                </a:solidFill>
+              </a14:hiddenFill>
+            </a:ext>
+          </a:extLst>
+        </p:spPr>
+      </p:pic>
+      <p:graphicFrame>
+        <p:nvGraphicFramePr>
+          <p:cNvPr id="6" name="Diagram 5"/>
+          <p:cNvGraphicFramePr/>
           <p:nvPr>
-            <p:ph type="body" sz="quarter" idx="10"/>
+            <p:extLst>
+              <p:ext uri="{D42A27DB-BD31-4B8C-83A1-F6EECF244321}">
+                <p14:modId xmlns:p14="http://schemas.microsoft.com/office/powerpoint/2010/main" val="3685746642"/>
+              </p:ext>
+            </p:extLst>
           </p:nvPr>
-        </p:nvSpPr>
-        <p:spPr/>
-        <p:txBody>
-          <a:bodyPr/>
-          <a:lstStyle/>
-          <a:p>
-            <a:pPr marL="0" indent="0">
-              <a:buNone/>
-            </a:pPr>
-            <a:r>
-              <a:rPr lang="en-AU" dirty="0" smtClean="0"/>
-              <a:t> Lays down : node.js, </a:t>
-            </a:r>
-            <a:r>
-              <a:rPr lang="en-AU" dirty="0" err="1" smtClean="0"/>
-              <a:t>IISNode</a:t>
-            </a:r>
-            <a:r>
-              <a:rPr lang="en-AU" dirty="0" smtClean="0"/>
-              <a:t>, NPM </a:t>
-            </a:r>
-            <a:r>
-              <a:rPr lang="en-AU" dirty="0"/>
-              <a:t>for </a:t>
-            </a:r>
-            <a:r>
-              <a:rPr lang="en-AU" dirty="0" smtClean="0"/>
-              <a:t>Windows, Azure Emulator, Windows </a:t>
-            </a:r>
-            <a:r>
-              <a:rPr lang="en-AU" dirty="0"/>
-              <a:t>Azure </a:t>
-            </a:r>
-            <a:r>
-              <a:rPr lang="en-AU" dirty="0" smtClean="0"/>
-              <a:t>PowerShell </a:t>
-            </a:r>
-            <a:r>
-              <a:rPr lang="en-AU" dirty="0" err="1" smtClean="0"/>
-              <a:t>cmdlets</a:t>
-            </a:r>
-            <a:endParaRPr lang="en-AU" dirty="0" smtClean="0"/>
-          </a:p>
-          <a:p>
-            <a:pPr marL="0" indent="0">
-              <a:buNone/>
-            </a:pPr>
-            <a:endParaRPr lang="en-AU" dirty="0" smtClean="0"/>
-          </a:p>
-          <a:p>
-            <a:r>
-              <a:rPr lang="en-AU" dirty="0" smtClean="0"/>
-              <a:t>Super easy to deploy (but takes some time </a:t>
-            </a:r>
-            <a:r>
-              <a:rPr lang="en-AU" dirty="0" smtClean="0">
-                <a:sym typeface="Wingdings" pitchFamily="2" charset="2"/>
-              </a:rPr>
-              <a:t>)</a:t>
-            </a:r>
-            <a:endParaRPr lang="en-AU" dirty="0" smtClean="0"/>
-          </a:p>
-          <a:p>
-            <a:r>
-              <a:rPr lang="en-AU" dirty="0" smtClean="0"/>
-              <a:t>Currently you can’t deploy multiple node apps to the same instance</a:t>
-            </a:r>
-          </a:p>
-          <a:p>
-            <a:r>
-              <a:rPr lang="en-AU" dirty="0" smtClean="0"/>
-              <a:t>You need to push up the source code for all packages you use ( NPM) </a:t>
-            </a:r>
-            <a:endParaRPr lang="en-AU" dirty="0"/>
-          </a:p>
-        </p:txBody>
-      </p:sp>
+        </p:nvGraphicFramePr>
+        <p:xfrm>
+          <a:off x="1259632" y="2780928"/>
+          <a:ext cx="5625864" cy="3789040"/>
+        </p:xfrm>
+        <a:graphic>
+          <a:graphicData uri="http://schemas.openxmlformats.org/drawingml/2006/diagram">
+            <dgm:relIds xmlns:dgm="http://schemas.openxmlformats.org/drawingml/2006/diagram" xmlns:r="http://schemas.openxmlformats.org/officeDocument/2006/relationships" r:dm="rId3" r:lo="rId4" r:qs="rId5" r:cs="rId6"/>
+          </a:graphicData>
+        </a:graphic>
+      </p:graphicFrame>
     </p:spTree>
     <p:extLst>
       <p:ext uri="{BB962C8B-B14F-4D97-AF65-F5344CB8AC3E}">
-        <p14:creationId xmlns:p14="http://schemas.microsoft.com/office/powerpoint/2010/main" val="197175680"/>
+        <p14:creationId xmlns:p14="http://schemas.microsoft.com/office/powerpoint/2010/main" val="166302429"/>
       </p:ext>
     </p:extLst>
   </p:cSld>
@@ -13460,12 +16140,12 @@
       </p:grpSpPr>
       <p:sp>
         <p:nvSpPr>
-          <p:cNvPr id="6" name="Title 5"/>
+          <p:cNvPr id="2" name="Title 1"/>
           <p:cNvSpPr>
             <a:spLocks noGrp="1"/>
           </p:cNvSpPr>
           <p:nvPr>
-            <p:ph type="ctrTitle"/>
+            <p:ph type="title"/>
           </p:nvPr>
         </p:nvSpPr>
         <p:spPr/>
@@ -13475,15 +16155,102 @@
           <a:p>
             <a:r>
               <a:rPr lang="en-AU" dirty="0" smtClean="0"/>
-              <a:t>Deep dive: Building a real-time </a:t>
+              <a:t>Windows Azure SDK for Node.js</a:t>
+            </a:r>
+            <a:endParaRPr lang="en-AU" dirty="0"/>
+          </a:p>
+        </p:txBody>
+      </p:sp>
+      <p:sp>
+        <p:nvSpPr>
+          <p:cNvPr id="3" name="Text Placeholder 2"/>
+          <p:cNvSpPr>
+            <a:spLocks noGrp="1"/>
+          </p:cNvSpPr>
+          <p:nvPr>
+            <p:ph type="body" sz="quarter" idx="10"/>
+          </p:nvPr>
+        </p:nvSpPr>
+        <p:spPr/>
+        <p:txBody>
+          <a:bodyPr/>
+          <a:lstStyle/>
+          <a:p>
+            <a:r>
+              <a:rPr lang="en-AU" dirty="0" smtClean="0"/>
+              <a:t>Super </a:t>
+            </a:r>
+            <a:r>
+              <a:rPr lang="en-AU" dirty="0" smtClean="0"/>
+              <a:t>easy to deploy (but takes some time </a:t>
+            </a:r>
+            <a:r>
+              <a:rPr lang="en-AU" dirty="0" smtClean="0">
+                <a:sym typeface="Wingdings" pitchFamily="2" charset="2"/>
+              </a:rPr>
+              <a:t></a:t>
+            </a:r>
+            <a:r>
+              <a:rPr lang="en-AU" dirty="0" smtClean="0">
+                <a:sym typeface="Wingdings" pitchFamily="2" charset="2"/>
+              </a:rPr>
+              <a:t>)</a:t>
+            </a:r>
+          </a:p>
+          <a:p>
+            <a:r>
+              <a:rPr lang="en-AU" dirty="0" smtClean="0">
+                <a:sym typeface="Wingdings" pitchFamily="2" charset="2"/>
+              </a:rPr>
+              <a:t>Azure package  gives access to …</a:t>
+            </a:r>
+          </a:p>
+          <a:p>
+            <a:pPr lvl="1"/>
+            <a:r>
+              <a:rPr lang="en-AU" dirty="0" smtClean="0">
+                <a:sym typeface="Wingdings" pitchFamily="2" charset="2"/>
+              </a:rPr>
+              <a:t>blob service, table service, queue service, service bus …</a:t>
+            </a:r>
+            <a:endParaRPr lang="en-AU" dirty="0" smtClean="0"/>
+          </a:p>
+          <a:p>
+            <a:r>
+              <a:rPr lang="en-AU" dirty="0" smtClean="0"/>
+              <a:t>Currently you can’t deploy multiple node apps to the same instance</a:t>
+            </a:r>
+          </a:p>
+          <a:p>
+            <a:r>
+              <a:rPr lang="en-AU" dirty="0" smtClean="0"/>
+              <a:t>You need to push up the source code for all packages you </a:t>
+            </a:r>
+            <a:r>
+              <a:rPr lang="en-AU" dirty="0" smtClean="0"/>
+              <a:t>use</a:t>
+            </a:r>
+          </a:p>
+          <a:p>
+            <a:r>
+              <a:rPr lang="en-AU" dirty="0" smtClean="0"/>
+              <a:t>Debugging supported via </a:t>
             </a:r>
             <a:r>
               <a:rPr lang="en-AU" dirty="0" err="1" smtClean="0"/>
-              <a:t>ChatRoom</a:t>
+              <a:t>IISNode</a:t>
             </a:r>
             <a:r>
               <a:rPr lang="en-AU" dirty="0" smtClean="0"/>
-              <a:t> with Node.js , Sockets.io and Knockout.js</a:t>
+              <a:t> &amp; </a:t>
+            </a:r>
+            <a:r>
+              <a:rPr lang="en-AU" dirty="0"/>
+              <a:t>n</a:t>
+            </a:r>
+            <a:r>
+              <a:rPr lang="en-AU" dirty="0" smtClean="0"/>
+              <a:t>ode Inspector</a:t>
             </a:r>
             <a:endParaRPr lang="en-AU" dirty="0"/>
           </a:p>
@@ -13492,7 +16259,7 @@
     </p:spTree>
     <p:extLst>
       <p:ext uri="{BB962C8B-B14F-4D97-AF65-F5344CB8AC3E}">
-        <p14:creationId xmlns:p14="http://schemas.microsoft.com/office/powerpoint/2010/main" val="1621235693"/>
+        <p14:creationId xmlns:p14="http://schemas.microsoft.com/office/powerpoint/2010/main" val="197175680"/>
       </p:ext>
     </p:extLst>
   </p:cSld>
@@ -13531,6 +16298,77 @@
       </p:grpSpPr>
       <p:sp>
         <p:nvSpPr>
+          <p:cNvPr id="6" name="Title 5"/>
+          <p:cNvSpPr>
+            <a:spLocks noGrp="1"/>
+          </p:cNvSpPr>
+          <p:nvPr>
+            <p:ph type="ctrTitle"/>
+          </p:nvPr>
+        </p:nvSpPr>
+        <p:spPr/>
+        <p:txBody>
+          <a:bodyPr/>
+          <a:lstStyle/>
+          <a:p>
+            <a:r>
+              <a:rPr lang="en-AU" dirty="0" smtClean="0"/>
+              <a:t>Deep dive: Building a real-time </a:t>
+            </a:r>
+            <a:r>
+              <a:rPr lang="en-AU" dirty="0" err="1" smtClean="0"/>
+              <a:t>ChatRoom</a:t>
+            </a:r>
+            <a:r>
+              <a:rPr lang="en-AU" dirty="0" smtClean="0"/>
+              <a:t> with Node.js , Sockets.io and Knockout.js</a:t>
+            </a:r>
+            <a:endParaRPr lang="en-AU" dirty="0"/>
+          </a:p>
+        </p:txBody>
+      </p:sp>
+    </p:spTree>
+    <p:extLst>
+      <p:ext uri="{BB962C8B-B14F-4D97-AF65-F5344CB8AC3E}">
+        <p14:creationId xmlns:p14="http://schemas.microsoft.com/office/powerpoint/2010/main" val="1621235693"/>
+      </p:ext>
+    </p:extLst>
+  </p:cSld>
+  <p:clrMapOvr>
+    <a:masterClrMapping/>
+  </p:clrMapOvr>
+  <p:transition>
+    <p:fade thruBlk="1"/>
+  </p:transition>
+  <p:timing>
+    <p:tnLst>
+      <p:par>
+        <p:cTn id="1" dur="indefinite" restart="never" nodeType="tmRoot"/>
+      </p:par>
+    </p:tnLst>
+  </p:timing>
+</p:sld>
+</file>
+
+<file path=ppt/slides/slide17.xml><?xml version="1.0" encoding="utf-8"?>
+<p:sld xmlns:a="http://schemas.openxmlformats.org/drawingml/2006/main" xmlns:r="http://schemas.openxmlformats.org/officeDocument/2006/relationships" xmlns:p="http://schemas.openxmlformats.org/presentationml/2006/main">
+  <p:cSld>
+    <p:spTree>
+      <p:nvGrpSpPr>
+        <p:cNvPr id="1" name=""/>
+        <p:cNvGrpSpPr/>
+        <p:nvPr/>
+      </p:nvGrpSpPr>
+      <p:grpSpPr>
+        <a:xfrm>
+          <a:off x="0" y="0"/>
+          <a:ext cx="0" cy="0"/>
+          <a:chOff x="0" y="0"/>
+          <a:chExt cx="0" cy="0"/>
+        </a:xfrm>
+      </p:grpSpPr>
+      <p:sp>
+        <p:nvSpPr>
           <p:cNvPr id="2" name="Title 1"/>
           <p:cNvSpPr>
             <a:spLocks noGrp="1"/>
@@ -13636,7 +16474,7 @@
 </p:sld>
 </file>
 
-<file path=ppt/slides/slide17.xml><?xml version="1.0" encoding="utf-8"?>
+<file path=ppt/slides/slide18.xml><?xml version="1.0" encoding="utf-8"?>
 <p:sld xmlns:a="http://schemas.openxmlformats.org/drawingml/2006/main" xmlns:r="http://schemas.openxmlformats.org/officeDocument/2006/relationships" xmlns:p="http://schemas.openxmlformats.org/presentationml/2006/main">
   <p:cSld>
     <p:spTree>
@@ -13815,20 +16653,16 @@
           </a:p>
           <a:p>
             <a:r>
-              <a:rPr lang="en-AU" smtClean="0"/>
+              <a:rPr lang="en-AU" dirty="0" smtClean="0"/>
               <a:t>Currently </a:t>
             </a:r>
             <a:r>
-              <a:rPr lang="en-AU" dirty="0" err="1"/>
+              <a:rPr lang="en-AU" dirty="0"/>
               <a:t>w</a:t>
             </a:r>
             <a:r>
-              <a:rPr lang="en-AU" smtClean="0"/>
-              <a:t>orking  </a:t>
-            </a:r>
-            <a:r>
               <a:rPr lang="en-AU" dirty="0" smtClean="0"/>
-              <a:t>on a cloud platform </a:t>
+              <a:t>orking  on a cloud platform </a:t>
             </a:r>
             <a:r>
               <a:rPr lang="en-AU" dirty="0"/>
@@ -14157,14 +16991,31 @@
           <a:p>
             <a:r>
               <a:rPr lang="en-AU" dirty="0" smtClean="0"/>
-              <a:t>Tooling and developer experience</a:t>
-            </a:r>
-          </a:p>
-          <a:p>
+              <a:t>Tooling / SDKs  &amp; developer </a:t>
+            </a:r>
             <a:r>
               <a:rPr lang="en-AU" dirty="0" smtClean="0"/>
-              <a:t>Build and publish a simple chat room application to azure</a:t>
-            </a:r>
+              <a:t>experience</a:t>
+            </a:r>
+          </a:p>
+          <a:p>
+            <a:r>
+              <a:rPr lang="en-AU" dirty="0" smtClean="0"/>
+              <a:t>Build and publish a </a:t>
+            </a:r>
+            <a:r>
+              <a:rPr lang="en-AU" dirty="0" smtClean="0"/>
+              <a:t>real time chat </a:t>
+            </a:r>
+            <a:r>
+              <a:rPr lang="en-AU" dirty="0" smtClean="0"/>
+              <a:t>room application </a:t>
+            </a:r>
+            <a:r>
+              <a:rPr lang="en-AU" dirty="0" smtClean="0"/>
+              <a:t>using Windows Azure SDK for Node.js</a:t>
+            </a:r>
+            <a:endParaRPr lang="en-AU" dirty="0" smtClean="0"/>
           </a:p>
           <a:p>
             <a:r>
@@ -17707,7 +20558,7 @@
         <p:spPr>
           <a:xfrm>
             <a:off x="570845" y="1280220"/>
-            <a:ext cx="8524321" cy="369332"/>
+            <a:ext cx="8240589" cy="646331"/>
           </a:xfrm>
           <a:prstGeom prst="rect">
             <a:avLst/>
@@ -17720,13 +20571,23 @@
           </a:bodyPr>
           <a:lstStyle/>
           <a:p>
-            <a:pPr marL="285750" indent="-285750">
-              <a:buFont typeface="Arial" pitchFamily="34" charset="0"/>
-              <a:buChar char="•"/>
-            </a:pPr>
             <a:r>
               <a:rPr lang="en-AU" dirty="0" smtClean="0"/>
-              <a:t>Since the Event Loop runs on a single thread you must avoid blocking calls at all times </a:t>
+              <a:t>Since the Event Loop runs on a single thread you must avoid blocking calls at all </a:t>
+            </a:r>
+            <a:r>
+              <a:rPr lang="en-AU" dirty="0" smtClean="0"/>
+              <a:t>times.</a:t>
+            </a:r>
+          </a:p>
+          <a:p>
+            <a:r>
+              <a:rPr lang="en-AU" dirty="0" smtClean="0"/>
+              <a:t>Blocking code blocks EVERYTHING !!</a:t>
+            </a:r>
+            <a:r>
+              <a:rPr lang="en-AU" dirty="0" smtClean="0"/>
+              <a:t> </a:t>
             </a:r>
             <a:endParaRPr lang="en-AU" dirty="0"/>
           </a:p>
@@ -19206,6 +22067,21 @@
 </file>
 
 <file path=customXml/item1.xml><?xml version="1.0" encoding="utf-8"?>
+<p:properties xmlns:p="http://schemas.microsoft.com/office/2006/metadata/properties" xmlns:xsi="http://www.w3.org/2001/XMLSchema-instance">
+  <documentManagement/>
+</p:properties>
+</file>
+
+<file path=customXml/item2.xml><?xml version="1.0" encoding="utf-8"?>
+<?mso-contentType ?>
+<FormTemplates xmlns="http://schemas.microsoft.com/sharepoint/v3/contenttype/forms">
+  <Display>DocumentLibraryForm</Display>
+  <Edit>DocumentLibraryForm</Edit>
+  <New>DocumentLibraryForm</New>
+</FormTemplates>
+</file>
+
+<file path=customXml/item3.xml><?xml version="1.0" encoding="utf-8"?>
 <?mso-contentType ?>
 <rca:RCAuthoringProperties xmlns:rca="urn:sharePointPublishingRcaProperties">
   <rca:Converter rca:guid="6dfdc5b4-2a28-4a06-b0c6-ad3901e3a807">
@@ -19221,21 +22097,6 @@
     <rca:property rca:type="ConverterSpecificSettings"/>
   </rca:Converter>
 </rca:RCAuthoringProperties>
-</file>
-
-<file path=customXml/item2.xml><?xml version="1.0" encoding="utf-8"?>
-<?mso-contentType ?>
-<FormTemplates xmlns="http://schemas.microsoft.com/sharepoint/v3/contenttype/forms">
-  <Display>DocumentLibraryForm</Display>
-  <Edit>DocumentLibraryForm</Edit>
-  <New>DocumentLibraryForm</New>
-</FormTemplates>
-</file>
-
-<file path=customXml/item3.xml><?xml version="1.0" encoding="utf-8"?>
-<p:properties xmlns:p="http://schemas.microsoft.com/office/2006/metadata/properties" xmlns:xsi="http://www.w3.org/2001/XMLSchema-instance">
-  <documentManagement/>
-</p:properties>
 </file>
 
 <file path=customXml/item4.xml><?xml version="1.0" encoding="utf-8"?>
@@ -19288,9 +22149,15 @@
 </file>
 
 <file path=customXml/itemProps1.xml><?xml version="1.0" encoding="utf-8"?>
-<ds:datastoreItem xmlns:ds="http://schemas.openxmlformats.org/officeDocument/2006/customXml" ds:itemID="{37DE6E84-255A-45E8-8353-BCD6A4998E02}">
+<ds:datastoreItem xmlns:ds="http://schemas.openxmlformats.org/officeDocument/2006/customXml" ds:itemID="{BDEC00FF-5F1B-415D-9C89-173832172D95}">
   <ds:schemaRefs>
-    <ds:schemaRef ds:uri="urn:sharePointPublishingRcaProperties"/>
+    <ds:schemaRef ds:uri="http://schemas.microsoft.com/office/2006/metadata/properties"/>
+    <ds:schemaRef ds:uri="http://schemas.openxmlformats.org/package/2006/metadata/core-properties"/>
+    <ds:schemaRef ds:uri="http://schemas.microsoft.com/office/2006/documentManagement/types"/>
+    <ds:schemaRef ds:uri="http://purl.org/dc/elements/1.1/"/>
+    <ds:schemaRef ds:uri="http://purl.org/dc/dcmitype/"/>
+    <ds:schemaRef ds:uri="http://purl.org/dc/terms/"/>
+    <ds:schemaRef ds:uri="http://www.w3.org/XML/1998/namespace"/>
   </ds:schemaRefs>
 </ds:datastoreItem>
 </file>
@@ -19304,15 +22171,9 @@
 </file>
 
 <file path=customXml/itemProps3.xml><?xml version="1.0" encoding="utf-8"?>
-<ds:datastoreItem xmlns:ds="http://schemas.openxmlformats.org/officeDocument/2006/customXml" ds:itemID="{BDEC00FF-5F1B-415D-9C89-173832172D95}">
+<ds:datastoreItem xmlns:ds="http://schemas.openxmlformats.org/officeDocument/2006/customXml" ds:itemID="{37DE6E84-255A-45E8-8353-BCD6A4998E02}">
   <ds:schemaRefs>
-    <ds:schemaRef ds:uri="http://schemas.microsoft.com/office/2006/metadata/properties"/>
-    <ds:schemaRef ds:uri="http://schemas.openxmlformats.org/package/2006/metadata/core-properties"/>
-    <ds:schemaRef ds:uri="http://schemas.microsoft.com/office/2006/documentManagement/types"/>
-    <ds:schemaRef ds:uri="http://purl.org/dc/elements/1.1/"/>
-    <ds:schemaRef ds:uri="http://purl.org/dc/dcmitype/"/>
-    <ds:schemaRef ds:uri="http://purl.org/dc/terms/"/>
-    <ds:schemaRef ds:uri="http://www.w3.org/XML/1998/namespace"/>
+    <ds:schemaRef ds:uri="urn:sharePointPublishingRcaProperties"/>
   </ds:schemaRefs>
 </ds:datastoreItem>
 </file>

--- a/presentation/Building Node.js Applications on Windows Azure.pptx
+++ b/presentation/Building Node.js Applications on Windows Azure.pptx
@@ -2120,6 +2120,13 @@
         </dgm:presLayoutVars>
       </dgm:prSet>
       <dgm:spPr/>
+      <dgm:t>
+        <a:bodyPr/>
+        <a:lstStyle/>
+        <a:p>
+          <a:endParaRPr lang="en-AU"/>
+        </a:p>
+      </dgm:t>
     </dgm:pt>
     <dgm:pt modelId="{C1469FA9-0D16-4852-8D36-F4D72043AA08}" type="pres">
       <dgm:prSet presAssocID="{AD508699-2945-499F-BB50-2CEB395007EB}" presName="node" presStyleLbl="node1" presStyleIdx="0" presStyleCnt="5">
@@ -2128,6 +2135,13 @@
         </dgm:presLayoutVars>
       </dgm:prSet>
       <dgm:spPr/>
+      <dgm:t>
+        <a:bodyPr/>
+        <a:lstStyle/>
+        <a:p>
+          <a:endParaRPr lang="en-AU"/>
+        </a:p>
+      </dgm:t>
     </dgm:pt>
     <dgm:pt modelId="{724C3F80-E393-445B-9E93-BF8200BA0569}" type="pres">
       <dgm:prSet presAssocID="{DDBF469F-E18B-44B9-9D46-BD2A5AED8F0C}" presName="sibTrans" presStyleCnt="0"/>
@@ -2140,6 +2154,13 @@
         </dgm:presLayoutVars>
       </dgm:prSet>
       <dgm:spPr/>
+      <dgm:t>
+        <a:bodyPr/>
+        <a:lstStyle/>
+        <a:p>
+          <a:endParaRPr lang="en-AU"/>
+        </a:p>
+      </dgm:t>
     </dgm:pt>
     <dgm:pt modelId="{27680191-6690-4806-9406-F02F02DFFADC}" type="pres">
       <dgm:prSet presAssocID="{8695913D-A25B-402F-8E3A-8BD549E77270}" presName="sibTrans" presStyleCnt="0"/>
@@ -2152,6 +2173,13 @@
         </dgm:presLayoutVars>
       </dgm:prSet>
       <dgm:spPr/>
+      <dgm:t>
+        <a:bodyPr/>
+        <a:lstStyle/>
+        <a:p>
+          <a:endParaRPr lang="en-AU"/>
+        </a:p>
+      </dgm:t>
     </dgm:pt>
     <dgm:pt modelId="{C0F92A1F-D4F4-4484-B333-787BF5488C98}" type="pres">
       <dgm:prSet presAssocID="{A06AF3E2-6C89-42F6-917B-A670CD5DC322}" presName="sibTrans" presStyleCnt="0"/>
@@ -2164,6 +2192,13 @@
         </dgm:presLayoutVars>
       </dgm:prSet>
       <dgm:spPr/>
+      <dgm:t>
+        <a:bodyPr/>
+        <a:lstStyle/>
+        <a:p>
+          <a:endParaRPr lang="en-AU"/>
+        </a:p>
+      </dgm:t>
     </dgm:pt>
     <dgm:pt modelId="{7DC553C9-2872-4217-AC6D-6EEBB0916254}" type="pres">
       <dgm:prSet presAssocID="{2F73DC44-B967-4507-BFAF-396786347BA6}" presName="sibTrans" presStyleCnt="0"/>
@@ -2176,20 +2211,27 @@
         </dgm:presLayoutVars>
       </dgm:prSet>
       <dgm:spPr/>
+      <dgm:t>
+        <a:bodyPr/>
+        <a:lstStyle/>
+        <a:p>
+          <a:endParaRPr lang="en-AU"/>
+        </a:p>
+      </dgm:t>
     </dgm:pt>
   </dgm:ptLst>
   <dgm:cxnLst>
+    <dgm:cxn modelId="{98DF66BC-ABB0-4A47-956A-4C502D3AEF5D}" srcId="{612FA249-41D6-4AA4-A53F-46EDA40997B1}" destId="{FE067C44-B7E0-4484-9D8B-4A0278A675E5}" srcOrd="1" destOrd="0" parTransId="{73AC9EF7-1C08-4B2F-A947-CDFE0D1C8D30}" sibTransId="{8695913D-A25B-402F-8E3A-8BD549E77270}"/>
+    <dgm:cxn modelId="{D22223F3-7A62-4BF3-826A-498FA4BE6801}" srcId="{612FA249-41D6-4AA4-A53F-46EDA40997B1}" destId="{AD508699-2945-499F-BB50-2CEB395007EB}" srcOrd="0" destOrd="0" parTransId="{AB8E74C3-C8D1-4C9A-AFDF-67687306E295}" sibTransId="{DDBF469F-E18B-44B9-9D46-BD2A5AED8F0C}"/>
     <dgm:cxn modelId="{18ED819C-C911-42BC-88E1-47F40843A7CF}" type="presOf" srcId="{77144441-5DA7-418B-AB2D-99E6E0B62E3A}" destId="{A40A3835-788C-463B-BBCE-3935360373CF}" srcOrd="0" destOrd="0" presId="urn:microsoft.com/office/officeart/2005/8/layout/default"/>
     <dgm:cxn modelId="{BF760E94-70A4-4905-B862-BDD8250AD6F7}" srcId="{612FA249-41D6-4AA4-A53F-46EDA40997B1}" destId="{77144441-5DA7-418B-AB2D-99E6E0B62E3A}" srcOrd="3" destOrd="0" parTransId="{BBB0F3BA-018D-482C-ABBE-F05DB0F58932}" sibTransId="{2F73DC44-B967-4507-BFAF-396786347BA6}"/>
+    <dgm:cxn modelId="{8521A195-1969-470E-8072-CDF0564FDE60}" type="presOf" srcId="{AD508699-2945-499F-BB50-2CEB395007EB}" destId="{C1469FA9-0D16-4852-8D36-F4D72043AA08}" srcOrd="0" destOrd="0" presId="urn:microsoft.com/office/officeart/2005/8/layout/default"/>
+    <dgm:cxn modelId="{E19AC402-2335-4B60-9846-6A858EE1068C}" srcId="{612FA249-41D6-4AA4-A53F-46EDA40997B1}" destId="{37F1D755-DF85-4C58-A611-56E84A629CFD}" srcOrd="2" destOrd="0" parTransId="{F8E27910-BF1F-4EFA-B1F4-6180EB735B99}" sibTransId="{A06AF3E2-6C89-42F6-917B-A670CD5DC322}"/>
+    <dgm:cxn modelId="{910CA049-6385-49D8-9639-112E6375743A}" type="presOf" srcId="{612FA249-41D6-4AA4-A53F-46EDA40997B1}" destId="{BFA8EE9C-DCAD-4A72-981A-562AF575C35F}" srcOrd="0" destOrd="0" presId="urn:microsoft.com/office/officeart/2005/8/layout/default"/>
+    <dgm:cxn modelId="{AC273B18-E4DC-4395-BF97-CD403AA4C86C}" type="presOf" srcId="{FE067C44-B7E0-4484-9D8B-4A0278A675E5}" destId="{744D547D-58BE-4752-8309-1832680F98D1}" srcOrd="0" destOrd="0" presId="urn:microsoft.com/office/officeart/2005/8/layout/default"/>
+    <dgm:cxn modelId="{447AC45E-267A-4A56-847D-529DF28B7132}" type="presOf" srcId="{8AEADC98-9749-40F2-BA9E-BA8D50B5C8D6}" destId="{5A315452-6BEC-44F6-A89D-559E22B716FA}" srcOrd="0" destOrd="0" presId="urn:microsoft.com/office/officeart/2005/8/layout/default"/>
     <dgm:cxn modelId="{9769323F-4B27-4FC3-A1CB-4556E6102E0C}" srcId="{612FA249-41D6-4AA4-A53F-46EDA40997B1}" destId="{8AEADC98-9749-40F2-BA9E-BA8D50B5C8D6}" srcOrd="4" destOrd="0" parTransId="{F7F97F48-F82C-40C8-B81C-0DD94426CE89}" sibTransId="{A87336D3-50DE-41E8-9708-66B0EB09EAE3}"/>
     <dgm:cxn modelId="{10DD729A-BE80-4B2B-9D91-99DFD8ADCE0C}" type="presOf" srcId="{37F1D755-DF85-4C58-A611-56E84A629CFD}" destId="{DEEE9154-A3EC-4DAB-9952-EECA76A1B22E}" srcOrd="0" destOrd="0" presId="urn:microsoft.com/office/officeart/2005/8/layout/default"/>
-    <dgm:cxn modelId="{E19AC402-2335-4B60-9846-6A858EE1068C}" srcId="{612FA249-41D6-4AA4-A53F-46EDA40997B1}" destId="{37F1D755-DF85-4C58-A611-56E84A629CFD}" srcOrd="2" destOrd="0" parTransId="{F8E27910-BF1F-4EFA-B1F4-6180EB735B99}" sibTransId="{A06AF3E2-6C89-42F6-917B-A670CD5DC322}"/>
-    <dgm:cxn modelId="{910CA049-6385-49D8-9639-112E6375743A}" type="presOf" srcId="{612FA249-41D6-4AA4-A53F-46EDA40997B1}" destId="{BFA8EE9C-DCAD-4A72-981A-562AF575C35F}" srcOrd="0" destOrd="0" presId="urn:microsoft.com/office/officeart/2005/8/layout/default"/>
-    <dgm:cxn modelId="{D22223F3-7A62-4BF3-826A-498FA4BE6801}" srcId="{612FA249-41D6-4AA4-A53F-46EDA40997B1}" destId="{AD508699-2945-499F-BB50-2CEB395007EB}" srcOrd="0" destOrd="0" parTransId="{AB8E74C3-C8D1-4C9A-AFDF-67687306E295}" sibTransId="{DDBF469F-E18B-44B9-9D46-BD2A5AED8F0C}"/>
-    <dgm:cxn modelId="{447AC45E-267A-4A56-847D-529DF28B7132}" type="presOf" srcId="{8AEADC98-9749-40F2-BA9E-BA8D50B5C8D6}" destId="{5A315452-6BEC-44F6-A89D-559E22B716FA}" srcOrd="0" destOrd="0" presId="urn:microsoft.com/office/officeart/2005/8/layout/default"/>
-    <dgm:cxn modelId="{8521A195-1969-470E-8072-CDF0564FDE60}" type="presOf" srcId="{AD508699-2945-499F-BB50-2CEB395007EB}" destId="{C1469FA9-0D16-4852-8D36-F4D72043AA08}" srcOrd="0" destOrd="0" presId="urn:microsoft.com/office/officeart/2005/8/layout/default"/>
-    <dgm:cxn modelId="{AC273B18-E4DC-4395-BF97-CD403AA4C86C}" type="presOf" srcId="{FE067C44-B7E0-4484-9D8B-4A0278A675E5}" destId="{744D547D-58BE-4752-8309-1832680F98D1}" srcOrd="0" destOrd="0" presId="urn:microsoft.com/office/officeart/2005/8/layout/default"/>
-    <dgm:cxn modelId="{98DF66BC-ABB0-4A47-956A-4C502D3AEF5D}" srcId="{612FA249-41D6-4AA4-A53F-46EDA40997B1}" destId="{FE067C44-B7E0-4484-9D8B-4A0278A675E5}" srcOrd="1" destOrd="0" parTransId="{73AC9EF7-1C08-4B2F-A947-CDFE0D1C8D30}" sibTransId="{8695913D-A25B-402F-8E3A-8BD549E77270}"/>
     <dgm:cxn modelId="{E72AA8A1-E58A-4050-8E25-BCF902C515F2}" type="presParOf" srcId="{BFA8EE9C-DCAD-4A72-981A-562AF575C35F}" destId="{C1469FA9-0D16-4852-8D36-F4D72043AA08}" srcOrd="0" destOrd="0" presId="urn:microsoft.com/office/officeart/2005/8/layout/default"/>
     <dgm:cxn modelId="{103ACBF1-1A38-4EFA-ABE8-56EF33C63134}" type="presParOf" srcId="{BFA8EE9C-DCAD-4A72-981A-562AF575C35F}" destId="{724C3F80-E393-445B-9E93-BF8200BA0569}" srcOrd="1" destOrd="0" presId="urn:microsoft.com/office/officeart/2005/8/layout/default"/>
     <dgm:cxn modelId="{8EAAA12B-9B01-4BEB-B6DA-37379A081DCD}" type="presParOf" srcId="{BFA8EE9C-DCAD-4A72-981A-562AF575C35F}" destId="{744D547D-58BE-4752-8309-1832680F98D1}" srcOrd="2" destOrd="0" presId="urn:microsoft.com/office/officeart/2005/8/layout/default"/>
@@ -2538,398 +2580,6 @@
       <dsp:cNvGrpSpPr/>
     </dsp:nvGrpSpPr>
     <dsp:grpSpPr/>
-    <dsp:sp modelId="{C1469FA9-0D16-4852-8D36-F4D72043AA08}">
-      <dsp:nvSpPr>
-        <dsp:cNvPr id="0" name=""/>
-        <dsp:cNvSpPr/>
-      </dsp:nvSpPr>
-      <dsp:spPr>
-        <a:xfrm>
-          <a:off x="825612" y="1834"/>
-          <a:ext cx="1892685" cy="1135611"/>
-        </a:xfrm>
-        <a:prstGeom prst="rect">
-          <a:avLst/>
-        </a:prstGeom>
-        <a:solidFill>
-          <a:schemeClr val="accent1">
-            <a:hueOff val="0"/>
-            <a:satOff val="0"/>
-            <a:lumOff val="0"/>
-            <a:alphaOff val="0"/>
-          </a:schemeClr>
-        </a:solidFill>
-        <a:ln w="25400" cap="flat" cmpd="sng" algn="ctr">
-          <a:solidFill>
-            <a:schemeClr val="lt1">
-              <a:hueOff val="0"/>
-              <a:satOff val="0"/>
-              <a:lumOff val="0"/>
-              <a:alphaOff val="0"/>
-            </a:schemeClr>
-          </a:solidFill>
-          <a:prstDash val="solid"/>
-        </a:ln>
-        <a:effectLst/>
-      </dsp:spPr>
-      <dsp:style>
-        <a:lnRef idx="2">
-          <a:scrgbClr r="0" g="0" b="0"/>
-        </a:lnRef>
-        <a:fillRef idx="1">
-          <a:scrgbClr r="0" g="0" b="0"/>
-        </a:fillRef>
-        <a:effectRef idx="0">
-          <a:scrgbClr r="0" g="0" b="0"/>
-        </a:effectRef>
-        <a:fontRef idx="minor">
-          <a:schemeClr val="lt1"/>
-        </a:fontRef>
-      </dsp:style>
-      <dsp:txBody>
-        <a:bodyPr spcFirstLastPara="0" vert="horz" wrap="square" lIns="83820" tIns="83820" rIns="83820" bIns="83820" numCol="1" spcCol="1270" anchor="ctr" anchorCtr="0">
-          <a:noAutofit/>
-        </a:bodyPr>
-        <a:lstStyle/>
-        <a:p>
-          <a:pPr lvl="0" algn="ctr" defTabSz="977900">
-            <a:lnSpc>
-              <a:spcPct val="90000"/>
-            </a:lnSpc>
-            <a:spcBef>
-              <a:spcPct val="0"/>
-            </a:spcBef>
-            <a:spcAft>
-              <a:spcPct val="35000"/>
-            </a:spcAft>
-          </a:pPr>
-          <a:r>
-            <a:rPr lang="en-AU" sz="2200" kern="1200" dirty="0" smtClean="0"/>
-            <a:t>Node.js</a:t>
-          </a:r>
-          <a:endParaRPr lang="en-AU" sz="2200" kern="1200" dirty="0"/>
-        </a:p>
-      </dsp:txBody>
-      <dsp:txXfrm>
-        <a:off x="825612" y="1834"/>
-        <a:ext cx="1892685" cy="1135611"/>
-      </dsp:txXfrm>
-    </dsp:sp>
-    <dsp:sp modelId="{744D547D-58BE-4752-8309-1832680F98D1}">
-      <dsp:nvSpPr>
-        <dsp:cNvPr id="0" name=""/>
-        <dsp:cNvSpPr/>
-      </dsp:nvSpPr>
-      <dsp:spPr>
-        <a:xfrm>
-          <a:off x="2907566" y="1834"/>
-          <a:ext cx="1892685" cy="1135611"/>
-        </a:xfrm>
-        <a:prstGeom prst="rect">
-          <a:avLst/>
-        </a:prstGeom>
-        <a:solidFill>
-          <a:schemeClr val="accent1">
-            <a:hueOff val="0"/>
-            <a:satOff val="0"/>
-            <a:lumOff val="0"/>
-            <a:alphaOff val="0"/>
-          </a:schemeClr>
-        </a:solidFill>
-        <a:ln w="25400" cap="flat" cmpd="sng" algn="ctr">
-          <a:solidFill>
-            <a:schemeClr val="lt1">
-              <a:hueOff val="0"/>
-              <a:satOff val="0"/>
-              <a:lumOff val="0"/>
-              <a:alphaOff val="0"/>
-            </a:schemeClr>
-          </a:solidFill>
-          <a:prstDash val="solid"/>
-        </a:ln>
-        <a:effectLst/>
-      </dsp:spPr>
-      <dsp:style>
-        <a:lnRef idx="2">
-          <a:scrgbClr r="0" g="0" b="0"/>
-        </a:lnRef>
-        <a:fillRef idx="1">
-          <a:scrgbClr r="0" g="0" b="0"/>
-        </a:fillRef>
-        <a:effectRef idx="0">
-          <a:scrgbClr r="0" g="0" b="0"/>
-        </a:effectRef>
-        <a:fontRef idx="minor">
-          <a:schemeClr val="lt1"/>
-        </a:fontRef>
-      </dsp:style>
-      <dsp:txBody>
-        <a:bodyPr spcFirstLastPara="0" vert="horz" wrap="square" lIns="83820" tIns="83820" rIns="83820" bIns="83820" numCol="1" spcCol="1270" anchor="ctr" anchorCtr="0">
-          <a:noAutofit/>
-        </a:bodyPr>
-        <a:lstStyle/>
-        <a:p>
-          <a:pPr lvl="0" algn="ctr" defTabSz="977900">
-            <a:lnSpc>
-              <a:spcPct val="90000"/>
-            </a:lnSpc>
-            <a:spcBef>
-              <a:spcPct val="0"/>
-            </a:spcBef>
-            <a:spcAft>
-              <a:spcPct val="35000"/>
-            </a:spcAft>
-          </a:pPr>
-          <a:r>
-            <a:rPr lang="en-AU" sz="2200" kern="1200" dirty="0" err="1" smtClean="0"/>
-            <a:t>IISNode</a:t>
-          </a:r>
-          <a:endParaRPr lang="en-AU" sz="2200" kern="1200" dirty="0"/>
-        </a:p>
-      </dsp:txBody>
-      <dsp:txXfrm>
-        <a:off x="2907566" y="1834"/>
-        <a:ext cx="1892685" cy="1135611"/>
-      </dsp:txXfrm>
-    </dsp:sp>
-    <dsp:sp modelId="{DEEE9154-A3EC-4DAB-9952-EECA76A1B22E}">
-      <dsp:nvSpPr>
-        <dsp:cNvPr id="0" name=""/>
-        <dsp:cNvSpPr/>
-      </dsp:nvSpPr>
-      <dsp:spPr>
-        <a:xfrm>
-          <a:off x="825612" y="1326714"/>
-          <a:ext cx="1892685" cy="1135611"/>
-        </a:xfrm>
-        <a:prstGeom prst="rect">
-          <a:avLst/>
-        </a:prstGeom>
-        <a:solidFill>
-          <a:schemeClr val="accent1">
-            <a:hueOff val="0"/>
-            <a:satOff val="0"/>
-            <a:lumOff val="0"/>
-            <a:alphaOff val="0"/>
-          </a:schemeClr>
-        </a:solidFill>
-        <a:ln w="25400" cap="flat" cmpd="sng" algn="ctr">
-          <a:solidFill>
-            <a:schemeClr val="lt1">
-              <a:hueOff val="0"/>
-              <a:satOff val="0"/>
-              <a:lumOff val="0"/>
-              <a:alphaOff val="0"/>
-            </a:schemeClr>
-          </a:solidFill>
-          <a:prstDash val="solid"/>
-        </a:ln>
-        <a:effectLst/>
-      </dsp:spPr>
-      <dsp:style>
-        <a:lnRef idx="2">
-          <a:scrgbClr r="0" g="0" b="0"/>
-        </a:lnRef>
-        <a:fillRef idx="1">
-          <a:scrgbClr r="0" g="0" b="0"/>
-        </a:fillRef>
-        <a:effectRef idx="0">
-          <a:scrgbClr r="0" g="0" b="0"/>
-        </a:effectRef>
-        <a:fontRef idx="minor">
-          <a:schemeClr val="lt1"/>
-        </a:fontRef>
-      </dsp:style>
-      <dsp:txBody>
-        <a:bodyPr spcFirstLastPara="0" vert="horz" wrap="square" lIns="83820" tIns="83820" rIns="83820" bIns="83820" numCol="1" spcCol="1270" anchor="ctr" anchorCtr="0">
-          <a:noAutofit/>
-        </a:bodyPr>
-        <a:lstStyle/>
-        <a:p>
-          <a:pPr lvl="0" algn="ctr" defTabSz="977900">
-            <a:lnSpc>
-              <a:spcPct val="90000"/>
-            </a:lnSpc>
-            <a:spcBef>
-              <a:spcPct val="0"/>
-            </a:spcBef>
-            <a:spcAft>
-              <a:spcPct val="35000"/>
-            </a:spcAft>
-          </a:pPr>
-          <a:r>
-            <a:rPr lang="en-AU" sz="2200" kern="1200" dirty="0" smtClean="0"/>
-            <a:t>NPM for </a:t>
-          </a:r>
-          <a:r>
-            <a:rPr lang="en-AU" sz="2200" kern="1200" dirty="0" err="1" smtClean="0"/>
-            <a:t>WIndows</a:t>
-          </a:r>
-          <a:endParaRPr lang="en-AU" sz="2200" kern="1200" dirty="0"/>
-        </a:p>
-      </dsp:txBody>
-      <dsp:txXfrm>
-        <a:off x="825612" y="1326714"/>
-        <a:ext cx="1892685" cy="1135611"/>
-      </dsp:txXfrm>
-    </dsp:sp>
-    <dsp:sp modelId="{A40A3835-788C-463B-BBCE-3935360373CF}">
-      <dsp:nvSpPr>
-        <dsp:cNvPr id="0" name=""/>
-        <dsp:cNvSpPr/>
-      </dsp:nvSpPr>
-      <dsp:spPr>
-        <a:xfrm>
-          <a:off x="2907566" y="1326714"/>
-          <a:ext cx="1892685" cy="1135611"/>
-        </a:xfrm>
-        <a:prstGeom prst="rect">
-          <a:avLst/>
-        </a:prstGeom>
-        <a:solidFill>
-          <a:schemeClr val="accent1">
-            <a:hueOff val="0"/>
-            <a:satOff val="0"/>
-            <a:lumOff val="0"/>
-            <a:alphaOff val="0"/>
-          </a:schemeClr>
-        </a:solidFill>
-        <a:ln w="25400" cap="flat" cmpd="sng" algn="ctr">
-          <a:solidFill>
-            <a:schemeClr val="lt1">
-              <a:hueOff val="0"/>
-              <a:satOff val="0"/>
-              <a:lumOff val="0"/>
-              <a:alphaOff val="0"/>
-            </a:schemeClr>
-          </a:solidFill>
-          <a:prstDash val="solid"/>
-        </a:ln>
-        <a:effectLst/>
-      </dsp:spPr>
-      <dsp:style>
-        <a:lnRef idx="2">
-          <a:scrgbClr r="0" g="0" b="0"/>
-        </a:lnRef>
-        <a:fillRef idx="1">
-          <a:scrgbClr r="0" g="0" b="0"/>
-        </a:fillRef>
-        <a:effectRef idx="0">
-          <a:scrgbClr r="0" g="0" b="0"/>
-        </a:effectRef>
-        <a:fontRef idx="minor">
-          <a:schemeClr val="lt1"/>
-        </a:fontRef>
-      </dsp:style>
-      <dsp:txBody>
-        <a:bodyPr spcFirstLastPara="0" vert="horz" wrap="square" lIns="83820" tIns="83820" rIns="83820" bIns="83820" numCol="1" spcCol="1270" anchor="ctr" anchorCtr="0">
-          <a:noAutofit/>
-        </a:bodyPr>
-        <a:lstStyle/>
-        <a:p>
-          <a:pPr lvl="0" algn="ctr" defTabSz="977900">
-            <a:lnSpc>
-              <a:spcPct val="90000"/>
-            </a:lnSpc>
-            <a:spcBef>
-              <a:spcPct val="0"/>
-            </a:spcBef>
-            <a:spcAft>
-              <a:spcPct val="35000"/>
-            </a:spcAft>
-          </a:pPr>
-          <a:r>
-            <a:rPr lang="en-AU" sz="2200" kern="1200" dirty="0" smtClean="0"/>
-            <a:t>Azure Emulator</a:t>
-          </a:r>
-        </a:p>
-      </dsp:txBody>
-      <dsp:txXfrm>
-        <a:off x="2907566" y="1326714"/>
-        <a:ext cx="1892685" cy="1135611"/>
-      </dsp:txXfrm>
-    </dsp:sp>
-    <dsp:sp modelId="{5A315452-6BEC-44F6-A89D-559E22B716FA}">
-      <dsp:nvSpPr>
-        <dsp:cNvPr id="0" name=""/>
-        <dsp:cNvSpPr/>
-      </dsp:nvSpPr>
-      <dsp:spPr>
-        <a:xfrm>
-          <a:off x="1866589" y="2651594"/>
-          <a:ext cx="1892685" cy="1135611"/>
-        </a:xfrm>
-        <a:prstGeom prst="rect">
-          <a:avLst/>
-        </a:prstGeom>
-        <a:solidFill>
-          <a:schemeClr val="accent1">
-            <a:hueOff val="0"/>
-            <a:satOff val="0"/>
-            <a:lumOff val="0"/>
-            <a:alphaOff val="0"/>
-          </a:schemeClr>
-        </a:solidFill>
-        <a:ln w="25400" cap="flat" cmpd="sng" algn="ctr">
-          <a:solidFill>
-            <a:schemeClr val="lt1">
-              <a:hueOff val="0"/>
-              <a:satOff val="0"/>
-              <a:lumOff val="0"/>
-              <a:alphaOff val="0"/>
-            </a:schemeClr>
-          </a:solidFill>
-          <a:prstDash val="solid"/>
-        </a:ln>
-        <a:effectLst/>
-      </dsp:spPr>
-      <dsp:style>
-        <a:lnRef idx="2">
-          <a:scrgbClr r="0" g="0" b="0"/>
-        </a:lnRef>
-        <a:fillRef idx="1">
-          <a:scrgbClr r="0" g="0" b="0"/>
-        </a:fillRef>
-        <a:effectRef idx="0">
-          <a:scrgbClr r="0" g="0" b="0"/>
-        </a:effectRef>
-        <a:fontRef idx="minor">
-          <a:schemeClr val="lt1"/>
-        </a:fontRef>
-      </dsp:style>
-      <dsp:txBody>
-        <a:bodyPr spcFirstLastPara="0" vert="horz" wrap="square" lIns="83820" tIns="83820" rIns="83820" bIns="83820" numCol="1" spcCol="1270" anchor="ctr" anchorCtr="0">
-          <a:noAutofit/>
-        </a:bodyPr>
-        <a:lstStyle/>
-        <a:p>
-          <a:pPr lvl="0" algn="ctr" defTabSz="977900">
-            <a:lnSpc>
-              <a:spcPct val="90000"/>
-            </a:lnSpc>
-            <a:spcBef>
-              <a:spcPct val="0"/>
-            </a:spcBef>
-            <a:spcAft>
-              <a:spcPct val="35000"/>
-            </a:spcAft>
-          </a:pPr>
-          <a:r>
-            <a:rPr lang="en-AU" sz="2200" kern="1200" dirty="0" smtClean="0"/>
-            <a:t>Azure PowerShell </a:t>
-          </a:r>
-          <a:r>
-            <a:rPr lang="en-AU" sz="2200" kern="1200" dirty="0" err="1" smtClean="0"/>
-            <a:t>cmdlets</a:t>
-          </a:r>
-          <a:endParaRPr lang="en-AU" sz="2200" kern="1200" dirty="0" smtClean="0"/>
-        </a:p>
-      </dsp:txBody>
-      <dsp:txXfrm>
-        <a:off x="1866589" y="2651594"/>
-        <a:ext cx="1892685" cy="1135611"/>
-      </dsp:txXfrm>
-    </dsp:sp>
   </dsp:spTree>
 </dsp:drawing>
 </file>
@@ -5515,7 +5165,7 @@
             <a:fld id="{7785875F-706E-40BB-864A-2D06F0E4670E}" type="datetimeFigureOut">
               <a:rPr lang="en-AU" smtClean="0"/>
               <a:pPr/>
-              <a:t>13/03/2012</a:t>
+              <a:t>15/03/2012</a:t>
             </a:fld>
             <a:endParaRPr lang="en-AU" dirty="0"/>
           </a:p>
@@ -5682,7 +5332,7 @@
             <a:fld id="{7DDF49B5-0C03-42A4-A086-8D97D52D2493}" type="datetimeFigureOut">
               <a:rPr lang="en-AU" smtClean="0"/>
               <a:pPr/>
-              <a:t>13/03/2012</a:t>
+              <a:t>15/03/2012</a:t>
             </a:fld>
             <a:endParaRPr lang="en-AU" dirty="0"/>
           </a:p>
@@ -8184,7 +7834,7 @@
             <a:fld id="{CA10310C-7EC1-470A-8BF5-D51EF2D864BA}" type="datetimeFigureOut">
               <a:rPr lang="en-AU" smtClean="0"/>
               <a:pPr/>
-              <a:t>13/03/2012</a:t>
+              <a:t>15/03/2012</a:t>
             </a:fld>
             <a:endParaRPr lang="en-AU"/>
           </a:p>
@@ -8351,7 +8001,7 @@
             <a:fld id="{CA10310C-7EC1-470A-8BF5-D51EF2D864BA}" type="datetimeFigureOut">
               <a:rPr lang="en-AU" smtClean="0"/>
               <a:pPr/>
-              <a:t>13/03/2012</a:t>
+              <a:t>15/03/2012</a:t>
             </a:fld>
             <a:endParaRPr lang="en-AU"/>
           </a:p>
@@ -8594,7 +8244,7 @@
             <a:fld id="{CA10310C-7EC1-470A-8BF5-D51EF2D864BA}" type="datetimeFigureOut">
               <a:rPr lang="en-AU" smtClean="0"/>
               <a:pPr/>
-              <a:t>13/03/2012</a:t>
+              <a:t>15/03/2012</a:t>
             </a:fld>
             <a:endParaRPr lang="en-AU"/>
           </a:p>
@@ -8879,7 +8529,7 @@
             <a:fld id="{CA10310C-7EC1-470A-8BF5-D51EF2D864BA}" type="datetimeFigureOut">
               <a:rPr lang="en-AU" smtClean="0"/>
               <a:pPr/>
-              <a:t>13/03/2012</a:t>
+              <a:t>15/03/2012</a:t>
             </a:fld>
             <a:endParaRPr lang="en-AU"/>
           </a:p>
@@ -9298,7 +8948,7 @@
             <a:fld id="{CA10310C-7EC1-470A-8BF5-D51EF2D864BA}" type="datetimeFigureOut">
               <a:rPr lang="en-AU" smtClean="0"/>
               <a:pPr/>
-              <a:t>13/03/2012</a:t>
+              <a:t>15/03/2012</a:t>
             </a:fld>
             <a:endParaRPr lang="en-AU"/>
           </a:p>
@@ -9413,7 +9063,7 @@
             <a:fld id="{CA10310C-7EC1-470A-8BF5-D51EF2D864BA}" type="datetimeFigureOut">
               <a:rPr lang="en-AU" smtClean="0"/>
               <a:pPr/>
-              <a:t>13/03/2012</a:t>
+              <a:t>15/03/2012</a:t>
             </a:fld>
             <a:endParaRPr lang="en-AU"/>
           </a:p>
@@ -9505,7 +9155,7 @@
             <a:fld id="{CA10310C-7EC1-470A-8BF5-D51EF2D864BA}" type="datetimeFigureOut">
               <a:rPr lang="en-AU" smtClean="0"/>
               <a:pPr/>
-              <a:t>13/03/2012</a:t>
+              <a:t>15/03/2012</a:t>
             </a:fld>
             <a:endParaRPr lang="en-AU"/>
           </a:p>
@@ -9779,7 +9429,7 @@
             <a:fld id="{CA10310C-7EC1-470A-8BF5-D51EF2D864BA}" type="datetimeFigureOut">
               <a:rPr lang="en-AU" smtClean="0"/>
               <a:pPr/>
-              <a:t>13/03/2012</a:t>
+              <a:t>15/03/2012</a:t>
             </a:fld>
             <a:endParaRPr lang="en-AU"/>
           </a:p>
@@ -10029,7 +9679,7 @@
             <a:fld id="{CA10310C-7EC1-470A-8BF5-D51EF2D864BA}" type="datetimeFigureOut">
               <a:rPr lang="en-AU" smtClean="0"/>
               <a:pPr/>
-              <a:t>13/03/2012</a:t>
+              <a:t>15/03/2012</a:t>
             </a:fld>
             <a:endParaRPr lang="en-AU"/>
           </a:p>
@@ -10196,7 +9846,7 @@
             <a:fld id="{CA10310C-7EC1-470A-8BF5-D51EF2D864BA}" type="datetimeFigureOut">
               <a:rPr lang="en-AU" smtClean="0"/>
               <a:pPr/>
-              <a:t>13/03/2012</a:t>
+              <a:t>15/03/2012</a:t>
             </a:fld>
             <a:endParaRPr lang="en-AU"/>
           </a:p>
@@ -10482,7 +10132,7 @@
             <a:fld id="{CA10310C-7EC1-470A-8BF5-D51EF2D864BA}" type="datetimeFigureOut">
               <a:rPr lang="en-AU" smtClean="0"/>
               <a:pPr/>
-              <a:t>13/03/2012</a:t>
+              <a:t>15/03/2012</a:t>
             </a:fld>
             <a:endParaRPr lang="en-AU"/>
           </a:p>
@@ -10721,7 +10371,7 @@
             <a:fld id="{85CE8AA0-9735-4FA2-95DD-391EE93AFE89}" type="datetimeFigureOut">
               <a:rPr lang="en-AU" smtClean="0"/>
               <a:pPr/>
-              <a:t>13/03/2012</a:t>
+              <a:t>15/03/2012</a:t>
             </a:fld>
             <a:endParaRPr lang="en-AU"/>
           </a:p>
@@ -10888,7 +10538,7 @@
             <a:fld id="{85CE8AA0-9735-4FA2-95DD-391EE93AFE89}" type="datetimeFigureOut">
               <a:rPr lang="en-AU" smtClean="0"/>
               <a:pPr/>
-              <a:t>13/03/2012</a:t>
+              <a:t>15/03/2012</a:t>
             </a:fld>
             <a:endParaRPr lang="en-AU"/>
           </a:p>
@@ -11131,7 +10781,7 @@
             <a:fld id="{85CE8AA0-9735-4FA2-95DD-391EE93AFE89}" type="datetimeFigureOut">
               <a:rPr lang="en-AU" smtClean="0"/>
               <a:pPr/>
-              <a:t>13/03/2012</a:t>
+              <a:t>15/03/2012</a:t>
             </a:fld>
             <a:endParaRPr lang="en-AU"/>
           </a:p>
@@ -11416,7 +11066,7 @@
             <a:fld id="{85CE8AA0-9735-4FA2-95DD-391EE93AFE89}" type="datetimeFigureOut">
               <a:rPr lang="en-AU" smtClean="0"/>
               <a:pPr/>
-              <a:t>13/03/2012</a:t>
+              <a:t>15/03/2012</a:t>
             </a:fld>
             <a:endParaRPr lang="en-AU"/>
           </a:p>
@@ -11835,7 +11485,7 @@
             <a:fld id="{85CE8AA0-9735-4FA2-95DD-391EE93AFE89}" type="datetimeFigureOut">
               <a:rPr lang="en-AU" smtClean="0"/>
               <a:pPr/>
-              <a:t>13/03/2012</a:t>
+              <a:t>15/03/2012</a:t>
             </a:fld>
             <a:endParaRPr lang="en-AU"/>
           </a:p>
@@ -11950,7 +11600,7 @@
             <a:fld id="{85CE8AA0-9735-4FA2-95DD-391EE93AFE89}" type="datetimeFigureOut">
               <a:rPr lang="en-AU" smtClean="0"/>
               <a:pPr/>
-              <a:t>13/03/2012</a:t>
+              <a:t>15/03/2012</a:t>
             </a:fld>
             <a:endParaRPr lang="en-AU"/>
           </a:p>
@@ -12042,7 +11692,7 @@
             <a:fld id="{85CE8AA0-9735-4FA2-95DD-391EE93AFE89}" type="datetimeFigureOut">
               <a:rPr lang="en-AU" smtClean="0"/>
               <a:pPr/>
-              <a:t>13/03/2012</a:t>
+              <a:t>15/03/2012</a:t>
             </a:fld>
             <a:endParaRPr lang="en-AU"/>
           </a:p>
@@ -12316,7 +11966,7 @@
             <a:fld id="{85CE8AA0-9735-4FA2-95DD-391EE93AFE89}" type="datetimeFigureOut">
               <a:rPr lang="en-AU" smtClean="0"/>
               <a:pPr/>
-              <a:t>13/03/2012</a:t>
+              <a:t>15/03/2012</a:t>
             </a:fld>
             <a:endParaRPr lang="en-AU"/>
           </a:p>
@@ -12566,7 +12216,7 @@
             <a:fld id="{85CE8AA0-9735-4FA2-95DD-391EE93AFE89}" type="datetimeFigureOut">
               <a:rPr lang="en-AU" smtClean="0"/>
               <a:pPr/>
-              <a:t>13/03/2012</a:t>
+              <a:t>15/03/2012</a:t>
             </a:fld>
             <a:endParaRPr lang="en-AU"/>
           </a:p>
@@ -12842,7 +12492,7 @@
             <a:fld id="{85CE8AA0-9735-4FA2-95DD-391EE93AFE89}" type="datetimeFigureOut">
               <a:rPr lang="en-AU" smtClean="0"/>
               <a:pPr/>
-              <a:t>13/03/2012</a:t>
+              <a:t>15/03/2012</a:t>
             </a:fld>
             <a:endParaRPr lang="en-AU"/>
           </a:p>
@@ -13019,7 +12669,7 @@
             <a:fld id="{85CE8AA0-9735-4FA2-95DD-391EE93AFE89}" type="datetimeFigureOut">
               <a:rPr lang="en-AU" smtClean="0"/>
               <a:pPr/>
-              <a:t>13/03/2012</a:t>
+              <a:t>15/03/2012</a:t>
             </a:fld>
             <a:endParaRPr lang="en-AU"/>
           </a:p>
@@ -13134,7 +12784,7 @@
             <a:fld id="{85CE8AA0-9735-4FA2-95DD-391EE93AFE89}" type="datetimeFigureOut">
               <a:rPr lang="en-AU" smtClean="0"/>
               <a:pPr/>
-              <a:t>13/03/2012</a:t>
+              <a:t>15/03/2012</a:t>
             </a:fld>
             <a:endParaRPr lang="en-AU"/>
           </a:p>
@@ -14222,7 +13872,7 @@
             <a:fld id="{CA10310C-7EC1-470A-8BF5-D51EF2D864BA}" type="datetimeFigureOut">
               <a:rPr lang="en-AU" smtClean="0"/>
               <a:pPr/>
-              <a:t>13/03/2012</a:t>
+              <a:t>15/03/2012</a:t>
             </a:fld>
             <a:endParaRPr lang="en-AU"/>
           </a:p>
@@ -14732,7 +14382,7 @@
             <a:fld id="{85CE8AA0-9735-4FA2-95DD-391EE93AFE89}" type="datetimeFigureOut">
               <a:rPr lang="en-AU" smtClean="0"/>
               <a:pPr/>
-              <a:t>13/03/2012</a:t>
+              <a:t>15/03/2012</a:t>
             </a:fld>
             <a:endParaRPr lang="en-AU"/>
           </a:p>
@@ -15114,12 +14764,7 @@
             <p:ph type="ctrTitle"/>
           </p:nvPr>
         </p:nvSpPr>
-        <p:spPr>
-          <a:xfrm>
-            <a:off x="611560" y="1340768"/>
-            <a:ext cx="7772400" cy="2232248"/>
-          </a:xfrm>
-        </p:spPr>
+        <p:spPr/>
         <p:txBody>
           <a:bodyPr/>
           <a:lstStyle/>
@@ -15403,7 +15048,7 @@
           <a:graphicData uri="http://schemas.openxmlformats.org/presentationml/2006/ole">
             <mc:AlternateContent xmlns:mc="http://schemas.openxmlformats.org/markup-compatibility/2006">
               <mc:Choice xmlns:v="urn:schemas-microsoft-com:vml" Requires="v">
-                <p:oleObj spid="_x0000_s1052" name="Packager Shell Object" showAsIcon="1" r:id="rId3" imgW="914400" imgH="771480" progId="Package">
+                <p:oleObj spid="_x0000_s1054" name="Packager Shell Object" showAsIcon="1" r:id="rId3" imgW="914400" imgH="771480" progId="Package">
                   <p:embed/>
                 </p:oleObj>
               </mc:Choice>
@@ -15643,7 +15288,6 @@
               <a:rPr lang="en-AU" dirty="0" smtClean="0"/>
               <a:t>),</a:t>
             </a:r>
-            <a:endParaRPr lang="en-AU" dirty="0" smtClean="0"/>
           </a:p>
           <a:p>
             <a:pPr marL="0" indent="0">
@@ -15653,7 +15297,6 @@
               <a:rPr lang="en-AU" dirty="0" smtClean="0"/>
               <a:t>node-static (serving up static content)</a:t>
             </a:r>
-            <a:endParaRPr lang="en-AU" dirty="0" smtClean="0"/>
           </a:p>
         </p:txBody>
       </p:sp>
@@ -15778,11 +15421,7 @@
           <a:p>
             <a:r>
               <a:rPr lang="en-AU" dirty="0" smtClean="0"/>
-              <a:t>Debugging </a:t>
-            </a:r>
-            <a:r>
-              <a:rPr lang="en-AU" dirty="0" smtClean="0"/>
-              <a:t>Node Apps</a:t>
+              <a:t>Debugging Node Apps</a:t>
             </a:r>
             <a:endParaRPr lang="en-AU" dirty="0"/>
           </a:p>
@@ -15805,26 +15444,13 @@
           <a:p>
             <a:r>
               <a:rPr lang="en-AU" dirty="0" smtClean="0"/>
-              <a:t>console.log</a:t>
-            </a:r>
+              <a:t>console.log(“my debug message”)</a:t>
+            </a:r>
+          </a:p>
+          <a:p>
             <a:r>
               <a:rPr lang="en-AU" dirty="0" smtClean="0"/>
-              <a:t>(“my debug message</a:t>
-            </a:r>
-            <a:r>
-              <a:rPr lang="en-AU" dirty="0" smtClean="0"/>
-              <a:t>”)</a:t>
-            </a:r>
-            <a:endParaRPr lang="en-AU" dirty="0" smtClean="0"/>
-          </a:p>
-          <a:p>
-            <a:r>
-              <a:rPr lang="en-AU" dirty="0" smtClean="0"/>
-              <a:t>Node </a:t>
-            </a:r>
-            <a:r>
-              <a:rPr lang="en-AU" dirty="0" smtClean="0"/>
-              <a:t>Inspector (Chrome/Safari/</a:t>
+              <a:t>Node Inspector (Chrome/Safari/</a:t>
             </a:r>
             <a:r>
               <a:rPr lang="en-AU" dirty="0" err="1" smtClean="0"/>
@@ -16178,23 +15804,13 @@
           <a:p>
             <a:r>
               <a:rPr lang="en-AU" dirty="0" smtClean="0"/>
-              <a:t>Super </a:t>
-            </a:r>
-            <a:r>
-              <a:rPr lang="en-AU" dirty="0" smtClean="0"/>
-              <a:t>easy to deploy (but takes some time </a:t>
+              <a:t>Super easy to deploy (but takes some time </a:t>
             </a:r>
             <a:r>
               <a:rPr lang="en-AU" dirty="0" smtClean="0">
                 <a:sym typeface="Wingdings" pitchFamily="2" charset="2"/>
               </a:rPr>
-              <a:t></a:t>
-            </a:r>
-            <a:r>
-              <a:rPr lang="en-AU" dirty="0" smtClean="0">
-                <a:sym typeface="Wingdings" pitchFamily="2" charset="2"/>
-              </a:rPr>
-              <a:t>)</a:t>
+              <a:t>)</a:t>
             </a:r>
           </a:p>
           <a:p>
@@ -16224,11 +15840,7 @@
           <a:p>
             <a:r>
               <a:rPr lang="en-AU" dirty="0" smtClean="0"/>
-              <a:t>You need to push up the source code for all packages you </a:t>
-            </a:r>
-            <a:r>
-              <a:rPr lang="en-AU" dirty="0" smtClean="0"/>
-              <a:t>use</a:t>
+              <a:t>You need to push up the source code for all packages you use</a:t>
             </a:r>
           </a:p>
           <a:p>
@@ -16694,8 +16306,13 @@
             </a:pPr>
             <a:r>
               <a:rPr lang="en-AU" sz="1400" dirty="0" smtClean="0"/>
-              <a:t>  			http://www.linkedin.com/pub/aidan-casey/2/a71/353</a:t>
-            </a:r>
+              <a:t>  			</a:t>
+            </a:r>
+            <a:r>
+              <a:rPr lang="en-AU" sz="1400" dirty="0"/>
+              <a:t>@AIDANJCASEY</a:t>
+            </a:r>
+            <a:endParaRPr lang="en-AU" sz="1400" dirty="0"/>
           </a:p>
           <a:p>
             <a:pPr marL="538163" lvl="2" indent="0">
@@ -16713,70 +16330,6 @@
           </a:p>
         </p:txBody>
       </p:sp>
-      <p:pic>
-        <p:nvPicPr>
-          <p:cNvPr id="1026" name="Picture 2"/>
-          <p:cNvPicPr>
-            <a:picLocks noChangeAspect="1" noChangeArrowheads="1"/>
-          </p:cNvPicPr>
-          <p:nvPr/>
-        </p:nvPicPr>
-        <p:blipFill>
-          <a:blip r:embed="rId2" cstate="print">
-            <a:extLst>
-              <a:ext uri="{28A0092B-C50C-407E-A947-70E740481C1C}">
-                <a14:useLocalDpi xmlns:a14="http://schemas.microsoft.com/office/drawing/2010/main" val="0"/>
-              </a:ext>
-            </a:extLst>
-          </a:blip>
-          <a:srcRect/>
-          <a:stretch>
-            <a:fillRect/>
-          </a:stretch>
-        </p:blipFill>
-        <p:spPr bwMode="auto">
-          <a:xfrm>
-            <a:off x="1259632" y="5496834"/>
-            <a:ext cx="864096" cy="244095"/>
-          </a:xfrm>
-          <a:prstGeom prst="rect">
-            <a:avLst/>
-          </a:prstGeom>
-          <a:noFill/>
-          <a:ln>
-            <a:noFill/>
-          </a:ln>
-          <a:effectLst/>
-          <a:extLst>
-            <a:ext uri="{909E8E84-426E-40DD-AFC4-6F175D3DCCD1}">
-              <a14:hiddenFill xmlns:a14="http://schemas.microsoft.com/office/drawing/2010/main">
-                <a:solidFill>
-                  <a:schemeClr val="accent1"/>
-                </a:solidFill>
-              </a14:hiddenFill>
-            </a:ext>
-            <a:ext uri="{91240B29-F687-4F45-9708-019B960494DF}">
-              <a14:hiddenLine xmlns:a14="http://schemas.microsoft.com/office/drawing/2010/main" w="9525">
-                <a:solidFill>
-                  <a:schemeClr val="tx1"/>
-                </a:solidFill>
-                <a:miter lim="800000"/>
-                <a:headEnd/>
-                <a:tailEnd/>
-              </a14:hiddenLine>
-            </a:ext>
-            <a:ext uri="{AF507438-7753-43E0-B8FC-AC1667EBCBE1}">
-              <a14:hiddenEffects xmlns:a14="http://schemas.microsoft.com/office/drawing/2010/main">
-                <a:effectLst>
-                  <a:outerShdw dist="35921" dir="2700000" algn="ctr" rotWithShape="0">
-                    <a:schemeClr val="bg2"/>
-                  </a:outerShdw>
-                </a:effectLst>
-              </a14:hiddenEffects>
-            </a:ext>
-          </a:extLst>
-        </p:spPr>
-      </p:pic>
       <p:pic>
         <p:nvPicPr>
           <p:cNvPr id="1027" name="Picture 3"/>
@@ -16786,7 +16339,7 @@
           <p:nvPr/>
         </p:nvPicPr>
         <p:blipFill>
-          <a:blip r:embed="rId3" cstate="print">
+          <a:blip r:embed="rId2" cstate="print">
             <a:extLst>
               <a:ext uri="{28A0092B-C50C-407E-A947-70E740481C1C}">
                 <a14:useLocalDpi xmlns:a14="http://schemas.microsoft.com/office/drawing/2010/main" val="0"/>
@@ -16850,7 +16403,7 @@
           <p:nvPr/>
         </p:nvPicPr>
         <p:blipFill>
-          <a:blip r:embed="rId4" cstate="print">
+          <a:blip r:embed="rId3" cstate="print">
             <a:extLst>
               <a:ext uri="{28A0092B-C50C-407E-A947-70E740481C1C}">
                 <a14:useLocalDpi xmlns:a14="http://schemas.microsoft.com/office/drawing/2010/main" val="0"/>
@@ -16866,6 +16419,70 @@
           <a:xfrm>
             <a:off x="1763688" y="4966746"/>
             <a:ext cx="475878" cy="550486"/>
+          </a:xfrm>
+          <a:prstGeom prst="rect">
+            <a:avLst/>
+          </a:prstGeom>
+          <a:noFill/>
+          <a:ln>
+            <a:noFill/>
+          </a:ln>
+          <a:effectLst/>
+          <a:extLst>
+            <a:ext uri="{909E8E84-426E-40DD-AFC4-6F175D3DCCD1}">
+              <a14:hiddenFill xmlns:a14="http://schemas.microsoft.com/office/drawing/2010/main">
+                <a:solidFill>
+                  <a:schemeClr val="accent1"/>
+                </a:solidFill>
+              </a14:hiddenFill>
+            </a:ext>
+            <a:ext uri="{91240B29-F687-4F45-9708-019B960494DF}">
+              <a14:hiddenLine xmlns:a14="http://schemas.microsoft.com/office/drawing/2010/main" w="9525">
+                <a:solidFill>
+                  <a:schemeClr val="tx1"/>
+                </a:solidFill>
+                <a:miter lim="800000"/>
+                <a:headEnd/>
+                <a:tailEnd/>
+              </a14:hiddenLine>
+            </a:ext>
+            <a:ext uri="{AF507438-7753-43E0-B8FC-AC1667EBCBE1}">
+              <a14:hiddenEffects xmlns:a14="http://schemas.microsoft.com/office/drawing/2010/main">
+                <a:effectLst>
+                  <a:outerShdw dist="35921" dir="2700000" algn="ctr" rotWithShape="0">
+                    <a:schemeClr val="bg2"/>
+                  </a:outerShdw>
+                </a:effectLst>
+              </a14:hiddenEffects>
+            </a:ext>
+          </a:extLst>
+        </p:spPr>
+      </p:pic>
+      <p:pic>
+        <p:nvPicPr>
+          <p:cNvPr id="2050" name="Picture 2"/>
+          <p:cNvPicPr>
+            <a:picLocks noChangeAspect="1" noChangeArrowheads="1"/>
+          </p:cNvPicPr>
+          <p:nvPr/>
+        </p:nvPicPr>
+        <p:blipFill>
+          <a:blip r:embed="rId4" cstate="print">
+            <a:extLst>
+              <a:ext uri="{28A0092B-C50C-407E-A947-70E740481C1C}">
+                <a14:useLocalDpi xmlns:a14="http://schemas.microsoft.com/office/drawing/2010/main" val="0"/>
+              </a:ext>
+            </a:extLst>
+          </a:blip>
+          <a:srcRect/>
+          <a:stretch>
+            <a:fillRect/>
+          </a:stretch>
+        </p:blipFill>
+        <p:spPr bwMode="auto">
+          <a:xfrm>
+            <a:off x="1820648" y="5445224"/>
+            <a:ext cx="375088" cy="366336"/>
           </a:xfrm>
           <a:prstGeom prst="rect">
             <a:avLst/>
@@ -16991,31 +16608,14 @@
           <a:p>
             <a:r>
               <a:rPr lang="en-AU" dirty="0" smtClean="0"/>
-              <a:t>Tooling / SDKs  &amp; developer </a:t>
-            </a:r>
+              <a:t>Tooling / SDKs  &amp; developer experience</a:t>
+            </a:r>
+          </a:p>
+          <a:p>
             <a:r>
               <a:rPr lang="en-AU" dirty="0" smtClean="0"/>
-              <a:t>experience</a:t>
-            </a:r>
-          </a:p>
-          <a:p>
-            <a:r>
-              <a:rPr lang="en-AU" dirty="0" smtClean="0"/>
-              <a:t>Build and publish a </a:t>
-            </a:r>
-            <a:r>
-              <a:rPr lang="en-AU" dirty="0" smtClean="0"/>
-              <a:t>real time chat </a:t>
-            </a:r>
-            <a:r>
-              <a:rPr lang="en-AU" dirty="0" smtClean="0"/>
-              <a:t>room application </a:t>
-            </a:r>
-            <a:r>
-              <a:rPr lang="en-AU" dirty="0" smtClean="0"/>
-              <a:t>using Windows Azure SDK for Node.js</a:t>
-            </a:r>
-            <a:endParaRPr lang="en-AU" dirty="0" smtClean="0"/>
+              <a:t>Build and publish a real time chat room application using Windows Azure SDK for Node.js</a:t>
+            </a:r>
           </a:p>
           <a:p>
             <a:r>
@@ -20573,21 +20173,13 @@
           <a:p>
             <a:r>
               <a:rPr lang="en-AU" dirty="0" smtClean="0"/>
-              <a:t>Since the Event Loop runs on a single thread you must avoid blocking calls at all </a:t>
-            </a:r>
+              <a:t>Since the Event Loop runs on a single thread you must avoid blocking calls at all times.</a:t>
+            </a:r>
+          </a:p>
+          <a:p>
             <a:r>
               <a:rPr lang="en-AU" dirty="0" smtClean="0"/>
-              <a:t>times.</a:t>
-            </a:r>
-          </a:p>
-          <a:p>
-            <a:r>
-              <a:rPr lang="en-AU" dirty="0" smtClean="0"/>
-              <a:t>Blocking code blocks EVERYTHING !!</a:t>
-            </a:r>
-            <a:r>
-              <a:rPr lang="en-AU" dirty="0" smtClean="0"/>
-              <a:t> </a:t>
+              <a:t>Blocking code blocks EVERYTHING !! </a:t>
             </a:r>
             <a:endParaRPr lang="en-AU" dirty="0"/>
           </a:p>
@@ -22067,21 +21659,6 @@
 </file>
 
 <file path=customXml/item1.xml><?xml version="1.0" encoding="utf-8"?>
-<p:properties xmlns:p="http://schemas.microsoft.com/office/2006/metadata/properties" xmlns:xsi="http://www.w3.org/2001/XMLSchema-instance">
-  <documentManagement/>
-</p:properties>
-</file>
-
-<file path=customXml/item2.xml><?xml version="1.0" encoding="utf-8"?>
-<?mso-contentType ?>
-<FormTemplates xmlns="http://schemas.microsoft.com/sharepoint/v3/contenttype/forms">
-  <Display>DocumentLibraryForm</Display>
-  <Edit>DocumentLibraryForm</Edit>
-  <New>DocumentLibraryForm</New>
-</FormTemplates>
-</file>
-
-<file path=customXml/item3.xml><?xml version="1.0" encoding="utf-8"?>
 <?mso-contentType ?>
 <rca:RCAuthoringProperties xmlns:rca="urn:sharePointPublishingRcaProperties">
   <rca:Converter rca:guid="6dfdc5b4-2a28-4a06-b0c6-ad3901e3a807">
@@ -22097,6 +21674,21 @@
     <rca:property rca:type="ConverterSpecificSettings"/>
   </rca:Converter>
 </rca:RCAuthoringProperties>
+</file>
+
+<file path=customXml/item2.xml><?xml version="1.0" encoding="utf-8"?>
+<?mso-contentType ?>
+<FormTemplates xmlns="http://schemas.microsoft.com/sharepoint/v3/contenttype/forms">
+  <Display>DocumentLibraryForm</Display>
+  <Edit>DocumentLibraryForm</Edit>
+  <New>DocumentLibraryForm</New>
+</FormTemplates>
+</file>
+
+<file path=customXml/item3.xml><?xml version="1.0" encoding="utf-8"?>
+<p:properties xmlns:p="http://schemas.microsoft.com/office/2006/metadata/properties" xmlns:xsi="http://www.w3.org/2001/XMLSchema-instance">
+  <documentManagement/>
+</p:properties>
 </file>
 
 <file path=customXml/item4.xml><?xml version="1.0" encoding="utf-8"?>
@@ -22149,15 +21741,9 @@
 </file>
 
 <file path=customXml/itemProps1.xml><?xml version="1.0" encoding="utf-8"?>
-<ds:datastoreItem xmlns:ds="http://schemas.openxmlformats.org/officeDocument/2006/customXml" ds:itemID="{BDEC00FF-5F1B-415D-9C89-173832172D95}">
+<ds:datastoreItem xmlns:ds="http://schemas.openxmlformats.org/officeDocument/2006/customXml" ds:itemID="{37DE6E84-255A-45E8-8353-BCD6A4998E02}">
   <ds:schemaRefs>
-    <ds:schemaRef ds:uri="http://schemas.microsoft.com/office/2006/metadata/properties"/>
-    <ds:schemaRef ds:uri="http://schemas.openxmlformats.org/package/2006/metadata/core-properties"/>
-    <ds:schemaRef ds:uri="http://schemas.microsoft.com/office/2006/documentManagement/types"/>
-    <ds:schemaRef ds:uri="http://purl.org/dc/elements/1.1/"/>
-    <ds:schemaRef ds:uri="http://purl.org/dc/dcmitype/"/>
-    <ds:schemaRef ds:uri="http://purl.org/dc/terms/"/>
-    <ds:schemaRef ds:uri="http://www.w3.org/XML/1998/namespace"/>
+    <ds:schemaRef ds:uri="urn:sharePointPublishingRcaProperties"/>
   </ds:schemaRefs>
 </ds:datastoreItem>
 </file>
@@ -22171,9 +21757,15 @@
 </file>
 
 <file path=customXml/itemProps3.xml><?xml version="1.0" encoding="utf-8"?>
-<ds:datastoreItem xmlns:ds="http://schemas.openxmlformats.org/officeDocument/2006/customXml" ds:itemID="{37DE6E84-255A-45E8-8353-BCD6A4998E02}">
+<ds:datastoreItem xmlns:ds="http://schemas.openxmlformats.org/officeDocument/2006/customXml" ds:itemID="{BDEC00FF-5F1B-415D-9C89-173832172D95}">
   <ds:schemaRefs>
-    <ds:schemaRef ds:uri="urn:sharePointPublishingRcaProperties"/>
+    <ds:schemaRef ds:uri="http://schemas.microsoft.com/office/2006/metadata/properties"/>
+    <ds:schemaRef ds:uri="http://schemas.openxmlformats.org/package/2006/metadata/core-properties"/>
+    <ds:schemaRef ds:uri="http://schemas.microsoft.com/office/2006/documentManagement/types"/>
+    <ds:schemaRef ds:uri="http://purl.org/dc/elements/1.1/"/>
+    <ds:schemaRef ds:uri="http://purl.org/dc/dcmitype/"/>
+    <ds:schemaRef ds:uri="http://purl.org/dc/terms/"/>
+    <ds:schemaRef ds:uri="http://www.w3.org/XML/1998/namespace"/>
   </ds:schemaRefs>
 </ds:datastoreItem>
 </file>

--- a/presentation/Building Node.js Applications on Windows Azure.pptx
+++ b/presentation/Building Node.js Applications on Windows Azure.pptx
@@ -2580,6 +2580,398 @@
       <dsp:cNvGrpSpPr/>
     </dsp:nvGrpSpPr>
     <dsp:grpSpPr/>
+    <dsp:sp modelId="{C1469FA9-0D16-4852-8D36-F4D72043AA08}">
+      <dsp:nvSpPr>
+        <dsp:cNvPr id="0" name=""/>
+        <dsp:cNvSpPr/>
+      </dsp:nvSpPr>
+      <dsp:spPr>
+        <a:xfrm>
+          <a:off x="825612" y="1834"/>
+          <a:ext cx="1892685" cy="1135611"/>
+        </a:xfrm>
+        <a:prstGeom prst="rect">
+          <a:avLst/>
+        </a:prstGeom>
+        <a:solidFill>
+          <a:schemeClr val="accent1">
+            <a:hueOff val="0"/>
+            <a:satOff val="0"/>
+            <a:lumOff val="0"/>
+            <a:alphaOff val="0"/>
+          </a:schemeClr>
+        </a:solidFill>
+        <a:ln w="25400" cap="flat" cmpd="sng" algn="ctr">
+          <a:solidFill>
+            <a:schemeClr val="lt1">
+              <a:hueOff val="0"/>
+              <a:satOff val="0"/>
+              <a:lumOff val="0"/>
+              <a:alphaOff val="0"/>
+            </a:schemeClr>
+          </a:solidFill>
+          <a:prstDash val="solid"/>
+        </a:ln>
+        <a:effectLst/>
+      </dsp:spPr>
+      <dsp:style>
+        <a:lnRef idx="2">
+          <a:scrgbClr r="0" g="0" b="0"/>
+        </a:lnRef>
+        <a:fillRef idx="1">
+          <a:scrgbClr r="0" g="0" b="0"/>
+        </a:fillRef>
+        <a:effectRef idx="0">
+          <a:scrgbClr r="0" g="0" b="0"/>
+        </a:effectRef>
+        <a:fontRef idx="minor">
+          <a:schemeClr val="lt1"/>
+        </a:fontRef>
+      </dsp:style>
+      <dsp:txBody>
+        <a:bodyPr spcFirstLastPara="0" vert="horz" wrap="square" lIns="83820" tIns="83820" rIns="83820" bIns="83820" numCol="1" spcCol="1270" anchor="ctr" anchorCtr="0">
+          <a:noAutofit/>
+        </a:bodyPr>
+        <a:lstStyle/>
+        <a:p>
+          <a:pPr lvl="0" algn="ctr" defTabSz="977900">
+            <a:lnSpc>
+              <a:spcPct val="90000"/>
+            </a:lnSpc>
+            <a:spcBef>
+              <a:spcPct val="0"/>
+            </a:spcBef>
+            <a:spcAft>
+              <a:spcPct val="35000"/>
+            </a:spcAft>
+          </a:pPr>
+          <a:r>
+            <a:rPr lang="en-AU" sz="2200" kern="1200" dirty="0" smtClean="0"/>
+            <a:t>Node.js</a:t>
+          </a:r>
+          <a:endParaRPr lang="en-AU" sz="2200" kern="1200" dirty="0"/>
+        </a:p>
+      </dsp:txBody>
+      <dsp:txXfrm>
+        <a:off x="825612" y="1834"/>
+        <a:ext cx="1892685" cy="1135611"/>
+      </dsp:txXfrm>
+    </dsp:sp>
+    <dsp:sp modelId="{744D547D-58BE-4752-8309-1832680F98D1}">
+      <dsp:nvSpPr>
+        <dsp:cNvPr id="0" name=""/>
+        <dsp:cNvSpPr/>
+      </dsp:nvSpPr>
+      <dsp:spPr>
+        <a:xfrm>
+          <a:off x="2907566" y="1834"/>
+          <a:ext cx="1892685" cy="1135611"/>
+        </a:xfrm>
+        <a:prstGeom prst="rect">
+          <a:avLst/>
+        </a:prstGeom>
+        <a:solidFill>
+          <a:schemeClr val="accent1">
+            <a:hueOff val="0"/>
+            <a:satOff val="0"/>
+            <a:lumOff val="0"/>
+            <a:alphaOff val="0"/>
+          </a:schemeClr>
+        </a:solidFill>
+        <a:ln w="25400" cap="flat" cmpd="sng" algn="ctr">
+          <a:solidFill>
+            <a:schemeClr val="lt1">
+              <a:hueOff val="0"/>
+              <a:satOff val="0"/>
+              <a:lumOff val="0"/>
+              <a:alphaOff val="0"/>
+            </a:schemeClr>
+          </a:solidFill>
+          <a:prstDash val="solid"/>
+        </a:ln>
+        <a:effectLst/>
+      </dsp:spPr>
+      <dsp:style>
+        <a:lnRef idx="2">
+          <a:scrgbClr r="0" g="0" b="0"/>
+        </a:lnRef>
+        <a:fillRef idx="1">
+          <a:scrgbClr r="0" g="0" b="0"/>
+        </a:fillRef>
+        <a:effectRef idx="0">
+          <a:scrgbClr r="0" g="0" b="0"/>
+        </a:effectRef>
+        <a:fontRef idx="minor">
+          <a:schemeClr val="lt1"/>
+        </a:fontRef>
+      </dsp:style>
+      <dsp:txBody>
+        <a:bodyPr spcFirstLastPara="0" vert="horz" wrap="square" lIns="83820" tIns="83820" rIns="83820" bIns="83820" numCol="1" spcCol="1270" anchor="ctr" anchorCtr="0">
+          <a:noAutofit/>
+        </a:bodyPr>
+        <a:lstStyle/>
+        <a:p>
+          <a:pPr lvl="0" algn="ctr" defTabSz="977900">
+            <a:lnSpc>
+              <a:spcPct val="90000"/>
+            </a:lnSpc>
+            <a:spcBef>
+              <a:spcPct val="0"/>
+            </a:spcBef>
+            <a:spcAft>
+              <a:spcPct val="35000"/>
+            </a:spcAft>
+          </a:pPr>
+          <a:r>
+            <a:rPr lang="en-AU" sz="2200" kern="1200" dirty="0" err="1" smtClean="0"/>
+            <a:t>IISNode</a:t>
+          </a:r>
+          <a:endParaRPr lang="en-AU" sz="2200" kern="1200" dirty="0"/>
+        </a:p>
+      </dsp:txBody>
+      <dsp:txXfrm>
+        <a:off x="2907566" y="1834"/>
+        <a:ext cx="1892685" cy="1135611"/>
+      </dsp:txXfrm>
+    </dsp:sp>
+    <dsp:sp modelId="{DEEE9154-A3EC-4DAB-9952-EECA76A1B22E}">
+      <dsp:nvSpPr>
+        <dsp:cNvPr id="0" name=""/>
+        <dsp:cNvSpPr/>
+      </dsp:nvSpPr>
+      <dsp:spPr>
+        <a:xfrm>
+          <a:off x="825612" y="1326714"/>
+          <a:ext cx="1892685" cy="1135611"/>
+        </a:xfrm>
+        <a:prstGeom prst="rect">
+          <a:avLst/>
+        </a:prstGeom>
+        <a:solidFill>
+          <a:schemeClr val="accent1">
+            <a:hueOff val="0"/>
+            <a:satOff val="0"/>
+            <a:lumOff val="0"/>
+            <a:alphaOff val="0"/>
+          </a:schemeClr>
+        </a:solidFill>
+        <a:ln w="25400" cap="flat" cmpd="sng" algn="ctr">
+          <a:solidFill>
+            <a:schemeClr val="lt1">
+              <a:hueOff val="0"/>
+              <a:satOff val="0"/>
+              <a:lumOff val="0"/>
+              <a:alphaOff val="0"/>
+            </a:schemeClr>
+          </a:solidFill>
+          <a:prstDash val="solid"/>
+        </a:ln>
+        <a:effectLst/>
+      </dsp:spPr>
+      <dsp:style>
+        <a:lnRef idx="2">
+          <a:scrgbClr r="0" g="0" b="0"/>
+        </a:lnRef>
+        <a:fillRef idx="1">
+          <a:scrgbClr r="0" g="0" b="0"/>
+        </a:fillRef>
+        <a:effectRef idx="0">
+          <a:scrgbClr r="0" g="0" b="0"/>
+        </a:effectRef>
+        <a:fontRef idx="minor">
+          <a:schemeClr val="lt1"/>
+        </a:fontRef>
+      </dsp:style>
+      <dsp:txBody>
+        <a:bodyPr spcFirstLastPara="0" vert="horz" wrap="square" lIns="83820" tIns="83820" rIns="83820" bIns="83820" numCol="1" spcCol="1270" anchor="ctr" anchorCtr="0">
+          <a:noAutofit/>
+        </a:bodyPr>
+        <a:lstStyle/>
+        <a:p>
+          <a:pPr lvl="0" algn="ctr" defTabSz="977900">
+            <a:lnSpc>
+              <a:spcPct val="90000"/>
+            </a:lnSpc>
+            <a:spcBef>
+              <a:spcPct val="0"/>
+            </a:spcBef>
+            <a:spcAft>
+              <a:spcPct val="35000"/>
+            </a:spcAft>
+          </a:pPr>
+          <a:r>
+            <a:rPr lang="en-AU" sz="2200" kern="1200" dirty="0" smtClean="0"/>
+            <a:t>NPM for </a:t>
+          </a:r>
+          <a:r>
+            <a:rPr lang="en-AU" sz="2200" kern="1200" dirty="0" err="1" smtClean="0"/>
+            <a:t>WIndows</a:t>
+          </a:r>
+          <a:endParaRPr lang="en-AU" sz="2200" kern="1200" dirty="0"/>
+        </a:p>
+      </dsp:txBody>
+      <dsp:txXfrm>
+        <a:off x="825612" y="1326714"/>
+        <a:ext cx="1892685" cy="1135611"/>
+      </dsp:txXfrm>
+    </dsp:sp>
+    <dsp:sp modelId="{A40A3835-788C-463B-BBCE-3935360373CF}">
+      <dsp:nvSpPr>
+        <dsp:cNvPr id="0" name=""/>
+        <dsp:cNvSpPr/>
+      </dsp:nvSpPr>
+      <dsp:spPr>
+        <a:xfrm>
+          <a:off x="2907566" y="1326714"/>
+          <a:ext cx="1892685" cy="1135611"/>
+        </a:xfrm>
+        <a:prstGeom prst="rect">
+          <a:avLst/>
+        </a:prstGeom>
+        <a:solidFill>
+          <a:schemeClr val="accent1">
+            <a:hueOff val="0"/>
+            <a:satOff val="0"/>
+            <a:lumOff val="0"/>
+            <a:alphaOff val="0"/>
+          </a:schemeClr>
+        </a:solidFill>
+        <a:ln w="25400" cap="flat" cmpd="sng" algn="ctr">
+          <a:solidFill>
+            <a:schemeClr val="lt1">
+              <a:hueOff val="0"/>
+              <a:satOff val="0"/>
+              <a:lumOff val="0"/>
+              <a:alphaOff val="0"/>
+            </a:schemeClr>
+          </a:solidFill>
+          <a:prstDash val="solid"/>
+        </a:ln>
+        <a:effectLst/>
+      </dsp:spPr>
+      <dsp:style>
+        <a:lnRef idx="2">
+          <a:scrgbClr r="0" g="0" b="0"/>
+        </a:lnRef>
+        <a:fillRef idx="1">
+          <a:scrgbClr r="0" g="0" b="0"/>
+        </a:fillRef>
+        <a:effectRef idx="0">
+          <a:scrgbClr r="0" g="0" b="0"/>
+        </a:effectRef>
+        <a:fontRef idx="minor">
+          <a:schemeClr val="lt1"/>
+        </a:fontRef>
+      </dsp:style>
+      <dsp:txBody>
+        <a:bodyPr spcFirstLastPara="0" vert="horz" wrap="square" lIns="83820" tIns="83820" rIns="83820" bIns="83820" numCol="1" spcCol="1270" anchor="ctr" anchorCtr="0">
+          <a:noAutofit/>
+        </a:bodyPr>
+        <a:lstStyle/>
+        <a:p>
+          <a:pPr lvl="0" algn="ctr" defTabSz="977900">
+            <a:lnSpc>
+              <a:spcPct val="90000"/>
+            </a:lnSpc>
+            <a:spcBef>
+              <a:spcPct val="0"/>
+            </a:spcBef>
+            <a:spcAft>
+              <a:spcPct val="35000"/>
+            </a:spcAft>
+          </a:pPr>
+          <a:r>
+            <a:rPr lang="en-AU" sz="2200" kern="1200" dirty="0" smtClean="0"/>
+            <a:t>Azure Emulator</a:t>
+          </a:r>
+        </a:p>
+      </dsp:txBody>
+      <dsp:txXfrm>
+        <a:off x="2907566" y="1326714"/>
+        <a:ext cx="1892685" cy="1135611"/>
+      </dsp:txXfrm>
+    </dsp:sp>
+    <dsp:sp modelId="{5A315452-6BEC-44F6-A89D-559E22B716FA}">
+      <dsp:nvSpPr>
+        <dsp:cNvPr id="0" name=""/>
+        <dsp:cNvSpPr/>
+      </dsp:nvSpPr>
+      <dsp:spPr>
+        <a:xfrm>
+          <a:off x="1866589" y="2651594"/>
+          <a:ext cx="1892685" cy="1135611"/>
+        </a:xfrm>
+        <a:prstGeom prst="rect">
+          <a:avLst/>
+        </a:prstGeom>
+        <a:solidFill>
+          <a:schemeClr val="accent1">
+            <a:hueOff val="0"/>
+            <a:satOff val="0"/>
+            <a:lumOff val="0"/>
+            <a:alphaOff val="0"/>
+          </a:schemeClr>
+        </a:solidFill>
+        <a:ln w="25400" cap="flat" cmpd="sng" algn="ctr">
+          <a:solidFill>
+            <a:schemeClr val="lt1">
+              <a:hueOff val="0"/>
+              <a:satOff val="0"/>
+              <a:lumOff val="0"/>
+              <a:alphaOff val="0"/>
+            </a:schemeClr>
+          </a:solidFill>
+          <a:prstDash val="solid"/>
+        </a:ln>
+        <a:effectLst/>
+      </dsp:spPr>
+      <dsp:style>
+        <a:lnRef idx="2">
+          <a:scrgbClr r="0" g="0" b="0"/>
+        </a:lnRef>
+        <a:fillRef idx="1">
+          <a:scrgbClr r="0" g="0" b="0"/>
+        </a:fillRef>
+        <a:effectRef idx="0">
+          <a:scrgbClr r="0" g="0" b="0"/>
+        </a:effectRef>
+        <a:fontRef idx="minor">
+          <a:schemeClr val="lt1"/>
+        </a:fontRef>
+      </dsp:style>
+      <dsp:txBody>
+        <a:bodyPr spcFirstLastPara="0" vert="horz" wrap="square" lIns="83820" tIns="83820" rIns="83820" bIns="83820" numCol="1" spcCol="1270" anchor="ctr" anchorCtr="0">
+          <a:noAutofit/>
+        </a:bodyPr>
+        <a:lstStyle/>
+        <a:p>
+          <a:pPr lvl="0" algn="ctr" defTabSz="977900">
+            <a:lnSpc>
+              <a:spcPct val="90000"/>
+            </a:lnSpc>
+            <a:spcBef>
+              <a:spcPct val="0"/>
+            </a:spcBef>
+            <a:spcAft>
+              <a:spcPct val="35000"/>
+            </a:spcAft>
+          </a:pPr>
+          <a:r>
+            <a:rPr lang="en-AU" sz="2200" kern="1200" dirty="0" smtClean="0"/>
+            <a:t>Azure PowerShell </a:t>
+          </a:r>
+          <a:r>
+            <a:rPr lang="en-AU" sz="2200" kern="1200" dirty="0" err="1" smtClean="0"/>
+            <a:t>cmdlets</a:t>
+          </a:r>
+          <a:endParaRPr lang="en-AU" sz="2200" kern="1200" dirty="0" smtClean="0"/>
+        </a:p>
+      </dsp:txBody>
+      <dsp:txXfrm>
+        <a:off x="1866589" y="2651594"/>
+        <a:ext cx="1892685" cy="1135611"/>
+      </dsp:txXfrm>
+    </dsp:sp>
   </dsp:spTree>
 </dsp:drawing>
 </file>
@@ -5165,7 +5557,7 @@
             <a:fld id="{7785875F-706E-40BB-864A-2D06F0E4670E}" type="datetimeFigureOut">
               <a:rPr lang="en-AU" smtClean="0"/>
               <a:pPr/>
-              <a:t>15/03/2012</a:t>
+              <a:t>19/03/2012</a:t>
             </a:fld>
             <a:endParaRPr lang="en-AU" dirty="0"/>
           </a:p>
@@ -5332,7 +5724,7 @@
             <a:fld id="{7DDF49B5-0C03-42A4-A086-8D97D52D2493}" type="datetimeFigureOut">
               <a:rPr lang="en-AU" smtClean="0"/>
               <a:pPr/>
-              <a:t>15/03/2012</a:t>
+              <a:t>19/03/2012</a:t>
             </a:fld>
             <a:endParaRPr lang="en-AU" dirty="0"/>
           </a:p>
@@ -5895,6 +6287,604 @@
 </p:notes>
 </file>
 
+<file path=ppt/notesSlides/notesSlide4.xml><?xml version="1.0" encoding="utf-8"?>
+<p:notes xmlns:a="http://schemas.openxmlformats.org/drawingml/2006/main" xmlns:r="http://schemas.openxmlformats.org/officeDocument/2006/relationships" xmlns:p="http://schemas.openxmlformats.org/presentationml/2006/main">
+  <p:cSld>
+    <p:spTree>
+      <p:nvGrpSpPr>
+        <p:cNvPr id="1" name=""/>
+        <p:cNvGrpSpPr/>
+        <p:nvPr/>
+      </p:nvGrpSpPr>
+      <p:grpSpPr>
+        <a:xfrm>
+          <a:off x="0" y="0"/>
+          <a:ext cx="0" cy="0"/>
+          <a:chOff x="0" y="0"/>
+          <a:chExt cx="0" cy="0"/>
+        </a:xfrm>
+      </p:grpSpPr>
+      <p:sp>
+        <p:nvSpPr>
+          <p:cNvPr id="2" name="Slide Image Placeholder 1"/>
+          <p:cNvSpPr>
+            <a:spLocks noGrp="1" noRot="1" noChangeAspect="1"/>
+          </p:cNvSpPr>
+          <p:nvPr>
+            <p:ph type="sldImg"/>
+          </p:nvPr>
+        </p:nvSpPr>
+        <p:spPr/>
+      </p:sp>
+      <p:sp>
+        <p:nvSpPr>
+          <p:cNvPr id="3" name="Notes Placeholder 2"/>
+          <p:cNvSpPr>
+            <a:spLocks noGrp="1"/>
+          </p:cNvSpPr>
+          <p:nvPr>
+            <p:ph type="body" idx="1"/>
+          </p:nvPr>
+        </p:nvSpPr>
+        <p:spPr/>
+        <p:txBody>
+          <a:bodyPr/>
+          <a:lstStyle/>
+          <a:p>
+            <a:r>
+              <a:rPr lang="en-AU" sz="1200" kern="1200" dirty="0" smtClean="0">
+                <a:solidFill>
+                  <a:schemeClr val="tx1"/>
+                </a:solidFill>
+                <a:effectLst/>
+                <a:latin typeface="+mn-lt"/>
+                <a:ea typeface="+mn-ea"/>
+                <a:cs typeface="+mn-cs"/>
+              </a:rPr>
+              <a:t>cd C:\SAUG</a:t>
+            </a:r>
+          </a:p>
+          <a:p>
+            <a:r>
+              <a:rPr lang="en-AU" sz="1200" kern="1200" dirty="0" smtClean="0">
+                <a:solidFill>
+                  <a:schemeClr val="tx1"/>
+                </a:solidFill>
+                <a:effectLst/>
+                <a:latin typeface="+mn-lt"/>
+                <a:ea typeface="+mn-ea"/>
+                <a:cs typeface="+mn-cs"/>
+              </a:rPr>
+              <a:t> </a:t>
+            </a:r>
+          </a:p>
+          <a:p>
+            <a:r>
+              <a:rPr lang="en-AU" sz="1200" kern="1200" dirty="0" smtClean="0">
+                <a:solidFill>
+                  <a:schemeClr val="tx1"/>
+                </a:solidFill>
+                <a:effectLst/>
+                <a:latin typeface="+mn-lt"/>
+                <a:ea typeface="+mn-ea"/>
+                <a:cs typeface="+mn-cs"/>
+              </a:rPr>
+              <a:t>New-</a:t>
+            </a:r>
+            <a:r>
+              <a:rPr lang="en-AU" sz="1200" kern="1200" dirty="0" err="1" smtClean="0">
+                <a:solidFill>
+                  <a:schemeClr val="tx1"/>
+                </a:solidFill>
+                <a:effectLst/>
+                <a:latin typeface="+mn-lt"/>
+                <a:ea typeface="+mn-ea"/>
+                <a:cs typeface="+mn-cs"/>
+              </a:rPr>
+              <a:t>AzureService</a:t>
+            </a:r>
+            <a:r>
+              <a:rPr lang="en-AU" sz="1200" kern="1200" dirty="0" smtClean="0">
+                <a:solidFill>
+                  <a:schemeClr val="tx1"/>
+                </a:solidFill>
+                <a:effectLst/>
+                <a:latin typeface="+mn-lt"/>
+                <a:ea typeface="+mn-ea"/>
+                <a:cs typeface="+mn-cs"/>
+              </a:rPr>
+              <a:t> </a:t>
+            </a:r>
+            <a:r>
+              <a:rPr lang="en-AU" sz="1200" kern="1200" dirty="0" err="1" smtClean="0">
+                <a:solidFill>
+                  <a:schemeClr val="tx1"/>
+                </a:solidFill>
+                <a:effectLst/>
+                <a:latin typeface="+mn-lt"/>
+                <a:ea typeface="+mn-ea"/>
+                <a:cs typeface="+mn-cs"/>
+              </a:rPr>
+              <a:t>DebugDemo</a:t>
+            </a:r>
+            <a:endParaRPr lang="en-AU" sz="1200" kern="1200" dirty="0" smtClean="0">
+              <a:solidFill>
+                <a:schemeClr val="tx1"/>
+              </a:solidFill>
+              <a:effectLst/>
+              <a:latin typeface="+mn-lt"/>
+              <a:ea typeface="+mn-ea"/>
+              <a:cs typeface="+mn-cs"/>
+            </a:endParaRPr>
+          </a:p>
+          <a:p>
+            <a:r>
+              <a:rPr lang="en-AU" sz="1200" kern="1200" dirty="0" smtClean="0">
+                <a:solidFill>
+                  <a:schemeClr val="tx1"/>
+                </a:solidFill>
+                <a:effectLst/>
+                <a:latin typeface="+mn-lt"/>
+                <a:ea typeface="+mn-ea"/>
+                <a:cs typeface="+mn-cs"/>
+              </a:rPr>
+              <a:t>Add-</a:t>
+            </a:r>
+            <a:r>
+              <a:rPr lang="en-AU" sz="1200" kern="1200" dirty="0" err="1" smtClean="0">
+                <a:solidFill>
+                  <a:schemeClr val="tx1"/>
+                </a:solidFill>
+                <a:effectLst/>
+                <a:latin typeface="+mn-lt"/>
+                <a:ea typeface="+mn-ea"/>
+                <a:cs typeface="+mn-cs"/>
+              </a:rPr>
+              <a:t>AzureNodeWebRole</a:t>
+            </a:r>
+            <a:endParaRPr lang="en-AU" sz="1200" kern="1200" dirty="0" smtClean="0">
+              <a:solidFill>
+                <a:schemeClr val="tx1"/>
+              </a:solidFill>
+              <a:effectLst/>
+              <a:latin typeface="+mn-lt"/>
+              <a:ea typeface="+mn-ea"/>
+              <a:cs typeface="+mn-cs"/>
+            </a:endParaRPr>
+          </a:p>
+          <a:p>
+            <a:pPr marL="0" marR="0" indent="0" algn="l" defTabSz="914400" rtl="0" eaLnBrk="1" fontAlgn="auto" latinLnBrk="0" hangingPunct="1">
+              <a:lnSpc>
+                <a:spcPct val="100000"/>
+              </a:lnSpc>
+              <a:spcBef>
+                <a:spcPts val="0"/>
+              </a:spcBef>
+              <a:spcAft>
+                <a:spcPts val="0"/>
+              </a:spcAft>
+              <a:buClrTx/>
+              <a:buSzTx/>
+              <a:buFontTx/>
+              <a:buNone/>
+              <a:tabLst/>
+              <a:defRPr/>
+            </a:pPr>
+            <a:endParaRPr lang="en-AU" sz="1200" u="sng" kern="1200" dirty="0" smtClean="0">
+              <a:solidFill>
+                <a:schemeClr val="tx1"/>
+              </a:solidFill>
+              <a:effectLst/>
+              <a:latin typeface="+mn-lt"/>
+              <a:ea typeface="+mn-ea"/>
+              <a:cs typeface="+mn-cs"/>
+              <a:hlinkClick r:id="rId3"/>
+            </a:endParaRPr>
+          </a:p>
+          <a:p>
+            <a:pPr marL="0" marR="0" indent="0" algn="l" defTabSz="914400" rtl="0" eaLnBrk="1" fontAlgn="auto" latinLnBrk="0" hangingPunct="1">
+              <a:lnSpc>
+                <a:spcPct val="100000"/>
+              </a:lnSpc>
+              <a:spcBef>
+                <a:spcPts val="0"/>
+              </a:spcBef>
+              <a:spcAft>
+                <a:spcPts val="0"/>
+              </a:spcAft>
+              <a:buClrTx/>
+              <a:buSzTx/>
+              <a:buFontTx/>
+              <a:buNone/>
+              <a:tabLst/>
+              <a:defRPr/>
+            </a:pPr>
+            <a:r>
+              <a:rPr lang="en-AU" sz="1200" u="sng" kern="1200" dirty="0" smtClean="0">
+                <a:solidFill>
+                  <a:schemeClr val="tx1"/>
+                </a:solidFill>
+                <a:effectLst/>
+                <a:latin typeface="+mn-lt"/>
+                <a:ea typeface="+mn-ea"/>
+                <a:cs typeface="+mn-cs"/>
+                <a:hlinkClick r:id="rId3"/>
+              </a:rPr>
+              <a:t>--</a:t>
+            </a:r>
+            <a:r>
+              <a:rPr lang="en-AU" sz="1200" u="sng" kern="1200" baseline="0" dirty="0" smtClean="0">
+                <a:solidFill>
+                  <a:schemeClr val="tx1"/>
+                </a:solidFill>
+                <a:effectLst/>
+                <a:latin typeface="+mn-lt"/>
+                <a:ea typeface="+mn-ea"/>
+                <a:cs typeface="+mn-cs"/>
+                <a:hlinkClick r:id="rId3"/>
+              </a:rPr>
+              <a:t> edit the file</a:t>
+            </a:r>
+            <a:endParaRPr lang="en-AU" sz="1200" u="sng" kern="1200" dirty="0" smtClean="0">
+              <a:solidFill>
+                <a:schemeClr val="tx1"/>
+              </a:solidFill>
+              <a:effectLst/>
+              <a:latin typeface="+mn-lt"/>
+              <a:ea typeface="+mn-ea"/>
+              <a:cs typeface="+mn-cs"/>
+              <a:hlinkClick r:id="rId3"/>
+            </a:endParaRPr>
+          </a:p>
+          <a:p>
+            <a:pPr marL="0" marR="0" indent="0" algn="l" defTabSz="914400" rtl="0" eaLnBrk="1" fontAlgn="auto" latinLnBrk="0" hangingPunct="1">
+              <a:lnSpc>
+                <a:spcPct val="100000"/>
+              </a:lnSpc>
+              <a:spcBef>
+                <a:spcPts val="0"/>
+              </a:spcBef>
+              <a:spcAft>
+                <a:spcPts val="0"/>
+              </a:spcAft>
+              <a:buClrTx/>
+              <a:buSzTx/>
+              <a:buFontTx/>
+              <a:buNone/>
+              <a:tabLst/>
+              <a:defRPr/>
+            </a:pPr>
+            <a:endParaRPr lang="en-AU" sz="1200" u="sng" kern="1200" dirty="0" smtClean="0">
+              <a:solidFill>
+                <a:schemeClr val="tx1"/>
+              </a:solidFill>
+              <a:effectLst/>
+              <a:latin typeface="+mn-lt"/>
+              <a:ea typeface="+mn-ea"/>
+              <a:cs typeface="+mn-cs"/>
+              <a:hlinkClick r:id="rId3"/>
+            </a:endParaRPr>
+          </a:p>
+          <a:p>
+            <a:pPr marL="0" marR="0" indent="0" algn="l" defTabSz="914400" rtl="0" eaLnBrk="1" fontAlgn="auto" latinLnBrk="0" hangingPunct="1">
+              <a:lnSpc>
+                <a:spcPct val="100000"/>
+              </a:lnSpc>
+              <a:spcBef>
+                <a:spcPts val="0"/>
+              </a:spcBef>
+              <a:spcAft>
+                <a:spcPts val="0"/>
+              </a:spcAft>
+              <a:buClrTx/>
+              <a:buSzTx/>
+              <a:buFontTx/>
+              <a:buNone/>
+              <a:tabLst/>
+              <a:defRPr/>
+            </a:pPr>
+            <a:r>
+              <a:rPr lang="en-AU" sz="1200" kern="1200" dirty="0" smtClean="0">
+                <a:solidFill>
+                  <a:schemeClr val="tx1"/>
+                </a:solidFill>
+                <a:effectLst/>
+                <a:latin typeface="+mn-lt"/>
+                <a:ea typeface="+mn-ea"/>
+                <a:cs typeface="+mn-cs"/>
+              </a:rPr>
+              <a:t>Start-</a:t>
+            </a:r>
+            <a:r>
+              <a:rPr lang="en-AU" sz="1200" kern="1200" dirty="0" err="1" smtClean="0">
+                <a:solidFill>
+                  <a:schemeClr val="tx1"/>
+                </a:solidFill>
+                <a:effectLst/>
+                <a:latin typeface="+mn-lt"/>
+                <a:ea typeface="+mn-ea"/>
+                <a:cs typeface="+mn-cs"/>
+              </a:rPr>
+              <a:t>AzureEmulator</a:t>
+            </a:r>
+            <a:r>
+              <a:rPr lang="en-AU" sz="1200" kern="1200" dirty="0" smtClean="0">
+                <a:solidFill>
+                  <a:schemeClr val="tx1"/>
+                </a:solidFill>
+                <a:effectLst/>
+                <a:latin typeface="+mn-lt"/>
+                <a:ea typeface="+mn-ea"/>
+                <a:cs typeface="+mn-cs"/>
+              </a:rPr>
+              <a:t> -launch</a:t>
+            </a:r>
+          </a:p>
+          <a:p>
+            <a:pPr marL="0" marR="0" indent="0" algn="l" defTabSz="914400" rtl="0" eaLnBrk="1" fontAlgn="auto" latinLnBrk="0" hangingPunct="1">
+              <a:lnSpc>
+                <a:spcPct val="100000"/>
+              </a:lnSpc>
+              <a:spcBef>
+                <a:spcPts val="0"/>
+              </a:spcBef>
+              <a:spcAft>
+                <a:spcPts val="0"/>
+              </a:spcAft>
+              <a:buClrTx/>
+              <a:buSzTx/>
+              <a:buFontTx/>
+              <a:buNone/>
+              <a:tabLst/>
+              <a:defRPr/>
+            </a:pPr>
+            <a:endParaRPr lang="en-AU" sz="1200" u="sng" kern="1200" dirty="0" smtClean="0">
+              <a:solidFill>
+                <a:schemeClr val="tx1"/>
+              </a:solidFill>
+              <a:effectLst/>
+              <a:latin typeface="+mn-lt"/>
+              <a:ea typeface="+mn-ea"/>
+              <a:cs typeface="+mn-cs"/>
+              <a:hlinkClick r:id="rId3"/>
+            </a:endParaRPr>
+          </a:p>
+          <a:p>
+            <a:pPr marL="0" marR="0" indent="0" algn="l" defTabSz="914400" rtl="0" eaLnBrk="1" fontAlgn="auto" latinLnBrk="0" hangingPunct="1">
+              <a:lnSpc>
+                <a:spcPct val="100000"/>
+              </a:lnSpc>
+              <a:spcBef>
+                <a:spcPts val="0"/>
+              </a:spcBef>
+              <a:spcAft>
+                <a:spcPts val="0"/>
+              </a:spcAft>
+              <a:buClrTx/>
+              <a:buSzTx/>
+              <a:buFontTx/>
+              <a:buNone/>
+              <a:tabLst/>
+              <a:defRPr/>
+            </a:pPr>
+            <a:r>
+              <a:rPr lang="en-AU" sz="1200" u="sng" kern="1200" dirty="0" smtClean="0">
+                <a:solidFill>
+                  <a:schemeClr val="tx1"/>
+                </a:solidFill>
+                <a:effectLst/>
+                <a:latin typeface="+mn-lt"/>
+                <a:ea typeface="+mn-ea"/>
+                <a:cs typeface="+mn-cs"/>
+                <a:hlinkClick r:id="rId3"/>
+              </a:rPr>
+              <a:t>-- add breakpoint</a:t>
+            </a:r>
+          </a:p>
+          <a:p>
+            <a:pPr marL="0" marR="0" indent="0" algn="l" defTabSz="914400" rtl="0" eaLnBrk="1" fontAlgn="auto" latinLnBrk="0" hangingPunct="1">
+              <a:lnSpc>
+                <a:spcPct val="100000"/>
+              </a:lnSpc>
+              <a:spcBef>
+                <a:spcPts val="0"/>
+              </a:spcBef>
+              <a:spcAft>
+                <a:spcPts val="0"/>
+              </a:spcAft>
+              <a:buClrTx/>
+              <a:buSzTx/>
+              <a:buFontTx/>
+              <a:buNone/>
+              <a:tabLst/>
+              <a:defRPr/>
+            </a:pPr>
+            <a:endParaRPr lang="en-AU" sz="1200" u="sng" kern="1200" dirty="0" smtClean="0">
+              <a:solidFill>
+                <a:schemeClr val="tx1"/>
+              </a:solidFill>
+              <a:effectLst/>
+              <a:latin typeface="+mn-lt"/>
+              <a:ea typeface="+mn-ea"/>
+              <a:cs typeface="+mn-cs"/>
+              <a:hlinkClick r:id="rId3"/>
+            </a:endParaRPr>
+          </a:p>
+          <a:p>
+            <a:pPr marL="0" marR="0" indent="0" algn="l" defTabSz="914400" rtl="0" eaLnBrk="1" fontAlgn="auto" latinLnBrk="0" hangingPunct="1">
+              <a:lnSpc>
+                <a:spcPct val="100000"/>
+              </a:lnSpc>
+              <a:spcBef>
+                <a:spcPts val="0"/>
+              </a:spcBef>
+              <a:spcAft>
+                <a:spcPts val="0"/>
+              </a:spcAft>
+              <a:buClrTx/>
+              <a:buSzTx/>
+              <a:buFontTx/>
+              <a:buNone/>
+              <a:tabLst/>
+              <a:defRPr/>
+            </a:pPr>
+            <a:r>
+              <a:rPr lang="en-AU" sz="1200" u="sng" kern="1200" dirty="0" smtClean="0">
+                <a:solidFill>
+                  <a:schemeClr val="tx1"/>
+                </a:solidFill>
+                <a:effectLst/>
+                <a:latin typeface="+mn-lt"/>
+                <a:ea typeface="+mn-ea"/>
+                <a:cs typeface="+mn-cs"/>
+                <a:hlinkClick r:id="rId3"/>
+              </a:rPr>
+              <a:t>http://127.0.0.1:81/server.js/debug/</a:t>
+            </a:r>
+          </a:p>
+          <a:p>
+            <a:pPr marL="0" marR="0" indent="0" algn="l" defTabSz="914400" rtl="0" eaLnBrk="1" fontAlgn="auto" latinLnBrk="0" hangingPunct="1">
+              <a:lnSpc>
+                <a:spcPct val="100000"/>
+              </a:lnSpc>
+              <a:spcBef>
+                <a:spcPts val="0"/>
+              </a:spcBef>
+              <a:spcAft>
+                <a:spcPts val="0"/>
+              </a:spcAft>
+              <a:buClrTx/>
+              <a:buSzTx/>
+              <a:buFontTx/>
+              <a:buNone/>
+              <a:tabLst/>
+              <a:defRPr/>
+            </a:pPr>
+            <a:endParaRPr lang="en-AU" sz="1200" u="sng" kern="1200" dirty="0" smtClean="0">
+              <a:solidFill>
+                <a:schemeClr val="tx1"/>
+              </a:solidFill>
+              <a:effectLst/>
+              <a:latin typeface="+mn-lt"/>
+              <a:ea typeface="+mn-ea"/>
+              <a:cs typeface="+mn-cs"/>
+              <a:hlinkClick r:id="rId3"/>
+            </a:endParaRPr>
+          </a:p>
+          <a:p>
+            <a:r>
+              <a:rPr lang="en-AU" sz="1200" u="sng" kern="1200" dirty="0" smtClean="0">
+                <a:solidFill>
+                  <a:schemeClr val="tx1"/>
+                </a:solidFill>
+                <a:effectLst/>
+                <a:latin typeface="+mn-lt"/>
+                <a:ea typeface="+mn-ea"/>
+                <a:cs typeface="+mn-cs"/>
+              </a:rPr>
+              <a:t>http://127.0.0.1:81</a:t>
+            </a:r>
+          </a:p>
+          <a:p>
+            <a:endParaRPr lang="en-AU" sz="1200" u="sng" kern="1200" dirty="0" smtClean="0">
+              <a:solidFill>
+                <a:schemeClr val="tx1"/>
+              </a:solidFill>
+              <a:effectLst/>
+              <a:latin typeface="+mn-lt"/>
+              <a:ea typeface="+mn-ea"/>
+              <a:cs typeface="+mn-cs"/>
+            </a:endParaRPr>
+          </a:p>
+          <a:p>
+            <a:r>
+              <a:rPr lang="en-AU" sz="1200" u="sng" kern="1200" dirty="0" smtClean="0">
+                <a:solidFill>
+                  <a:schemeClr val="tx1"/>
+                </a:solidFill>
+                <a:effectLst/>
+                <a:latin typeface="+mn-lt"/>
+                <a:ea typeface="+mn-ea"/>
+                <a:cs typeface="+mn-cs"/>
+              </a:rPr>
+              <a:t>http://127.0.0.1:81/server.js/kill</a:t>
+            </a:r>
+          </a:p>
+          <a:p>
+            <a:endParaRPr lang="en-AU" sz="1200" u="sng" kern="1200" dirty="0" smtClean="0">
+              <a:solidFill>
+                <a:schemeClr val="tx1"/>
+              </a:solidFill>
+              <a:effectLst/>
+              <a:latin typeface="+mn-lt"/>
+              <a:ea typeface="+mn-ea"/>
+              <a:cs typeface="+mn-cs"/>
+            </a:endParaRPr>
+          </a:p>
+          <a:p>
+            <a:endParaRPr lang="en-AU" sz="1200" u="sng" kern="1200" dirty="0" smtClean="0">
+              <a:solidFill>
+                <a:schemeClr val="tx1"/>
+              </a:solidFill>
+              <a:effectLst/>
+              <a:latin typeface="+mn-lt"/>
+              <a:ea typeface="+mn-ea"/>
+              <a:cs typeface="+mn-cs"/>
+            </a:endParaRPr>
+          </a:p>
+          <a:p>
+            <a:endParaRPr lang="en-AU" sz="1200" u="sng" kern="1200" dirty="0" smtClean="0">
+              <a:solidFill>
+                <a:schemeClr val="tx1"/>
+              </a:solidFill>
+              <a:effectLst/>
+              <a:latin typeface="+mn-lt"/>
+              <a:ea typeface="+mn-ea"/>
+              <a:cs typeface="+mn-cs"/>
+            </a:endParaRPr>
+          </a:p>
+          <a:p>
+            <a:endParaRPr lang="en-AU" dirty="0"/>
+          </a:p>
+        </p:txBody>
+      </p:sp>
+      <p:sp>
+        <p:nvSpPr>
+          <p:cNvPr id="4" name="Slide Number Placeholder 3"/>
+          <p:cNvSpPr>
+            <a:spLocks noGrp="1"/>
+          </p:cNvSpPr>
+          <p:nvPr>
+            <p:ph type="sldNum" sz="quarter" idx="10"/>
+          </p:nvPr>
+        </p:nvSpPr>
+        <p:spPr/>
+        <p:txBody>
+          <a:bodyPr/>
+          <a:lstStyle/>
+          <a:p>
+            <a:fld id="{0C6F02B4-1092-4461-B0F9-3B294B1D8DE8}" type="slidenum">
+              <a:rPr lang="en-AU" smtClean="0"/>
+              <a:pPr/>
+              <a:t>12</a:t>
+            </a:fld>
+            <a:endParaRPr lang="en-AU" dirty="0"/>
+          </a:p>
+        </p:txBody>
+      </p:sp>
+    </p:spTree>
+    <p:extLst>
+      <p:ext uri="{BB962C8B-B14F-4D97-AF65-F5344CB8AC3E}">
+        <p14:creationId xmlns:p14="http://schemas.microsoft.com/office/powerpoint/2010/main" val="3196150254"/>
+      </p:ext>
+    </p:extLst>
+  </p:cSld>
+  <p:clrMapOvr>
+    <a:masterClrMapping/>
+  </p:clrMapOvr>
+</p:notes>
+</file>
+
 <file path=ppt/slideLayouts/slideLayout1.xml><?xml version="1.0" encoding="utf-8"?>
 <p:sldLayout xmlns:a="http://schemas.openxmlformats.org/drawingml/2006/main" xmlns:r="http://schemas.openxmlformats.org/officeDocument/2006/relationships" xmlns:p="http://schemas.openxmlformats.org/presentationml/2006/main" type="title" preserve="1">
   <p:cSld name="Presentation Title Slide">
@@ -7834,7 +8824,7 @@
             <a:fld id="{CA10310C-7EC1-470A-8BF5-D51EF2D864BA}" type="datetimeFigureOut">
               <a:rPr lang="en-AU" smtClean="0"/>
               <a:pPr/>
-              <a:t>15/03/2012</a:t>
+              <a:t>19/03/2012</a:t>
             </a:fld>
             <a:endParaRPr lang="en-AU"/>
           </a:p>
@@ -8001,7 +8991,7 @@
             <a:fld id="{CA10310C-7EC1-470A-8BF5-D51EF2D864BA}" type="datetimeFigureOut">
               <a:rPr lang="en-AU" smtClean="0"/>
               <a:pPr/>
-              <a:t>15/03/2012</a:t>
+              <a:t>19/03/2012</a:t>
             </a:fld>
             <a:endParaRPr lang="en-AU"/>
           </a:p>
@@ -8244,7 +9234,7 @@
             <a:fld id="{CA10310C-7EC1-470A-8BF5-D51EF2D864BA}" type="datetimeFigureOut">
               <a:rPr lang="en-AU" smtClean="0"/>
               <a:pPr/>
-              <a:t>15/03/2012</a:t>
+              <a:t>19/03/2012</a:t>
             </a:fld>
             <a:endParaRPr lang="en-AU"/>
           </a:p>
@@ -8529,7 +9519,7 @@
             <a:fld id="{CA10310C-7EC1-470A-8BF5-D51EF2D864BA}" type="datetimeFigureOut">
               <a:rPr lang="en-AU" smtClean="0"/>
               <a:pPr/>
-              <a:t>15/03/2012</a:t>
+              <a:t>19/03/2012</a:t>
             </a:fld>
             <a:endParaRPr lang="en-AU"/>
           </a:p>
@@ -8948,7 +9938,7 @@
             <a:fld id="{CA10310C-7EC1-470A-8BF5-D51EF2D864BA}" type="datetimeFigureOut">
               <a:rPr lang="en-AU" smtClean="0"/>
               <a:pPr/>
-              <a:t>15/03/2012</a:t>
+              <a:t>19/03/2012</a:t>
             </a:fld>
             <a:endParaRPr lang="en-AU"/>
           </a:p>
@@ -9063,7 +10053,7 @@
             <a:fld id="{CA10310C-7EC1-470A-8BF5-D51EF2D864BA}" type="datetimeFigureOut">
               <a:rPr lang="en-AU" smtClean="0"/>
               <a:pPr/>
-              <a:t>15/03/2012</a:t>
+              <a:t>19/03/2012</a:t>
             </a:fld>
             <a:endParaRPr lang="en-AU"/>
           </a:p>
@@ -9155,7 +10145,7 @@
             <a:fld id="{CA10310C-7EC1-470A-8BF5-D51EF2D864BA}" type="datetimeFigureOut">
               <a:rPr lang="en-AU" smtClean="0"/>
               <a:pPr/>
-              <a:t>15/03/2012</a:t>
+              <a:t>19/03/2012</a:t>
             </a:fld>
             <a:endParaRPr lang="en-AU"/>
           </a:p>
@@ -9429,7 +10419,7 @@
             <a:fld id="{CA10310C-7EC1-470A-8BF5-D51EF2D864BA}" type="datetimeFigureOut">
               <a:rPr lang="en-AU" smtClean="0"/>
               <a:pPr/>
-              <a:t>15/03/2012</a:t>
+              <a:t>19/03/2012</a:t>
             </a:fld>
             <a:endParaRPr lang="en-AU"/>
           </a:p>
@@ -9679,7 +10669,7 @@
             <a:fld id="{CA10310C-7EC1-470A-8BF5-D51EF2D864BA}" type="datetimeFigureOut">
               <a:rPr lang="en-AU" smtClean="0"/>
               <a:pPr/>
-              <a:t>15/03/2012</a:t>
+              <a:t>19/03/2012</a:t>
             </a:fld>
             <a:endParaRPr lang="en-AU"/>
           </a:p>
@@ -9846,7 +10836,7 @@
             <a:fld id="{CA10310C-7EC1-470A-8BF5-D51EF2D864BA}" type="datetimeFigureOut">
               <a:rPr lang="en-AU" smtClean="0"/>
               <a:pPr/>
-              <a:t>15/03/2012</a:t>
+              <a:t>19/03/2012</a:t>
             </a:fld>
             <a:endParaRPr lang="en-AU"/>
           </a:p>
@@ -10132,7 +11122,7 @@
             <a:fld id="{CA10310C-7EC1-470A-8BF5-D51EF2D864BA}" type="datetimeFigureOut">
               <a:rPr lang="en-AU" smtClean="0"/>
               <a:pPr/>
-              <a:t>15/03/2012</a:t>
+              <a:t>19/03/2012</a:t>
             </a:fld>
             <a:endParaRPr lang="en-AU"/>
           </a:p>
@@ -10371,7 +11361,7 @@
             <a:fld id="{85CE8AA0-9735-4FA2-95DD-391EE93AFE89}" type="datetimeFigureOut">
               <a:rPr lang="en-AU" smtClean="0"/>
               <a:pPr/>
-              <a:t>15/03/2012</a:t>
+              <a:t>19/03/2012</a:t>
             </a:fld>
             <a:endParaRPr lang="en-AU"/>
           </a:p>
@@ -10538,7 +11528,7 @@
             <a:fld id="{85CE8AA0-9735-4FA2-95DD-391EE93AFE89}" type="datetimeFigureOut">
               <a:rPr lang="en-AU" smtClean="0"/>
               <a:pPr/>
-              <a:t>15/03/2012</a:t>
+              <a:t>19/03/2012</a:t>
             </a:fld>
             <a:endParaRPr lang="en-AU"/>
           </a:p>
@@ -10781,7 +11771,7 @@
             <a:fld id="{85CE8AA0-9735-4FA2-95DD-391EE93AFE89}" type="datetimeFigureOut">
               <a:rPr lang="en-AU" smtClean="0"/>
               <a:pPr/>
-              <a:t>15/03/2012</a:t>
+              <a:t>19/03/2012</a:t>
             </a:fld>
             <a:endParaRPr lang="en-AU"/>
           </a:p>
@@ -11066,7 +12056,7 @@
             <a:fld id="{85CE8AA0-9735-4FA2-95DD-391EE93AFE89}" type="datetimeFigureOut">
               <a:rPr lang="en-AU" smtClean="0"/>
               <a:pPr/>
-              <a:t>15/03/2012</a:t>
+              <a:t>19/03/2012</a:t>
             </a:fld>
             <a:endParaRPr lang="en-AU"/>
           </a:p>
@@ -11485,7 +12475,7 @@
             <a:fld id="{85CE8AA0-9735-4FA2-95DD-391EE93AFE89}" type="datetimeFigureOut">
               <a:rPr lang="en-AU" smtClean="0"/>
               <a:pPr/>
-              <a:t>15/03/2012</a:t>
+              <a:t>19/03/2012</a:t>
             </a:fld>
             <a:endParaRPr lang="en-AU"/>
           </a:p>
@@ -11600,7 +12590,7 @@
             <a:fld id="{85CE8AA0-9735-4FA2-95DD-391EE93AFE89}" type="datetimeFigureOut">
               <a:rPr lang="en-AU" smtClean="0"/>
               <a:pPr/>
-              <a:t>15/03/2012</a:t>
+              <a:t>19/03/2012</a:t>
             </a:fld>
             <a:endParaRPr lang="en-AU"/>
           </a:p>
@@ -11692,7 +12682,7 @@
             <a:fld id="{85CE8AA0-9735-4FA2-95DD-391EE93AFE89}" type="datetimeFigureOut">
               <a:rPr lang="en-AU" smtClean="0"/>
               <a:pPr/>
-              <a:t>15/03/2012</a:t>
+              <a:t>19/03/2012</a:t>
             </a:fld>
             <a:endParaRPr lang="en-AU"/>
           </a:p>
@@ -11966,7 +12956,7 @@
             <a:fld id="{85CE8AA0-9735-4FA2-95DD-391EE93AFE89}" type="datetimeFigureOut">
               <a:rPr lang="en-AU" smtClean="0"/>
               <a:pPr/>
-              <a:t>15/03/2012</a:t>
+              <a:t>19/03/2012</a:t>
             </a:fld>
             <a:endParaRPr lang="en-AU"/>
           </a:p>
@@ -12216,7 +13206,7 @@
             <a:fld id="{85CE8AA0-9735-4FA2-95DD-391EE93AFE89}" type="datetimeFigureOut">
               <a:rPr lang="en-AU" smtClean="0"/>
               <a:pPr/>
-              <a:t>15/03/2012</a:t>
+              <a:t>19/03/2012</a:t>
             </a:fld>
             <a:endParaRPr lang="en-AU"/>
           </a:p>
@@ -12492,7 +13482,7 @@
             <a:fld id="{85CE8AA0-9735-4FA2-95DD-391EE93AFE89}" type="datetimeFigureOut">
               <a:rPr lang="en-AU" smtClean="0"/>
               <a:pPr/>
-              <a:t>15/03/2012</a:t>
+              <a:t>19/03/2012</a:t>
             </a:fld>
             <a:endParaRPr lang="en-AU"/>
           </a:p>
@@ -12669,7 +13659,7 @@
             <a:fld id="{85CE8AA0-9735-4FA2-95DD-391EE93AFE89}" type="datetimeFigureOut">
               <a:rPr lang="en-AU" smtClean="0"/>
               <a:pPr/>
-              <a:t>15/03/2012</a:t>
+              <a:t>19/03/2012</a:t>
             </a:fld>
             <a:endParaRPr lang="en-AU"/>
           </a:p>
@@ -12784,7 +13774,7 @@
             <a:fld id="{85CE8AA0-9735-4FA2-95DD-391EE93AFE89}" type="datetimeFigureOut">
               <a:rPr lang="en-AU" smtClean="0"/>
               <a:pPr/>
-              <a:t>15/03/2012</a:t>
+              <a:t>19/03/2012</a:t>
             </a:fld>
             <a:endParaRPr lang="en-AU"/>
           </a:p>
@@ -13872,7 +14862,7 @@
             <a:fld id="{CA10310C-7EC1-470A-8BF5-D51EF2D864BA}" type="datetimeFigureOut">
               <a:rPr lang="en-AU" smtClean="0"/>
               <a:pPr/>
-              <a:t>15/03/2012</a:t>
+              <a:t>19/03/2012</a:t>
             </a:fld>
             <a:endParaRPr lang="en-AU"/>
           </a:p>
@@ -14382,7 +15372,7 @@
             <a:fld id="{85CE8AA0-9735-4FA2-95DD-391EE93AFE89}" type="datetimeFigureOut">
               <a:rPr lang="en-AU" smtClean="0"/>
               <a:pPr/>
-              <a:t>15/03/2012</a:t>
+              <a:t>19/03/2012</a:t>
             </a:fld>
             <a:endParaRPr lang="en-AU"/>
           </a:p>
@@ -14764,14 +15754,28 @@
             <p:ph type="ctrTitle"/>
           </p:nvPr>
         </p:nvSpPr>
-        <p:spPr/>
+        <p:spPr>
+          <a:xfrm>
+            <a:off x="683568" y="1628800"/>
+            <a:ext cx="6815110" cy="3384376"/>
+          </a:xfrm>
+        </p:spPr>
         <p:txBody>
           <a:bodyPr/>
           <a:lstStyle/>
           <a:p>
-            <a:r>
-              <a:rPr lang="en-AU" sz="4800" dirty="0"/>
-              <a:t>Building Node.js Applications on Windows Azure</a:t>
+            <a:pPr algn="ctr"/>
+            <a:r>
+              <a:rPr lang="en-AU" sz="6000" dirty="0"/>
+              <a:t>Building Node.js </a:t>
+            </a:r>
+            <a:r>
+              <a:rPr lang="en-AU" sz="6000" dirty="0" smtClean="0"/>
+              <a:t>applications </a:t>
+            </a:r>
+            <a:r>
+              <a:rPr lang="en-AU" sz="6000" dirty="0"/>
+              <a:t>on Windows Azure</a:t>
             </a:r>
           </a:p>
         </p:txBody>
@@ -14786,7 +15790,7 @@
         </p:nvSpPr>
         <p:spPr>
           <a:xfrm>
-            <a:off x="395536" y="5064435"/>
+            <a:off x="395536" y="5258314"/>
             <a:ext cx="7200800" cy="411882"/>
           </a:xfrm>
           <a:prstGeom prst="rect">
@@ -14953,7 +15957,7 @@
           </a:p>
           <a:p>
             <a:r>
-              <a:rPr lang="en-AU" dirty="0" smtClean="0"/>
+              <a:rPr lang="en-AU" sz="2000" dirty="0" smtClean="0"/>
               <a:t>Aidan Casey </a:t>
             </a:r>
           </a:p>
@@ -15020,7 +16024,15 @@
           <a:p>
             <a:r>
               <a:rPr lang="en-AU" dirty="0" smtClean="0"/>
-              <a:t>Demo : build a http webserver in 5 lines of code!</a:t>
+              <a:t>Demo : build a http webserver in </a:t>
+            </a:r>
+            <a:r>
+              <a:rPr lang="en-AU" dirty="0" smtClean="0"/>
+              <a:t>6 </a:t>
+            </a:r>
+            <a:r>
+              <a:rPr lang="en-AU" dirty="0" smtClean="0"/>
+              <a:t>lines of code!</a:t>
             </a:r>
             <a:endParaRPr lang="en-AU" dirty="0"/>
           </a:p>
@@ -15035,7 +16047,7 @@
           <p:nvPr>
             <p:extLst>
               <p:ext uri="{D42A27DB-BD31-4B8C-83A1-F6EECF244321}">
-                <p14:modId xmlns:p14="http://schemas.microsoft.com/office/powerpoint/2010/main" val="3394928342"/>
+                <p14:modId xmlns:p14="http://schemas.microsoft.com/office/powerpoint/2010/main" val="1345565840"/>
               </p:ext>
             </p:extLst>
           </p:nvPr>
@@ -15048,7 +16060,7 @@
           <a:graphicData uri="http://schemas.openxmlformats.org/presentationml/2006/ole">
             <mc:AlternateContent xmlns:mc="http://schemas.openxmlformats.org/markup-compatibility/2006">
               <mc:Choice xmlns:v="urn:schemas-microsoft-com:vml" Requires="v">
-                <p:oleObj spid="_x0000_s1054" name="Packager Shell Object" showAsIcon="1" r:id="rId3" imgW="914400" imgH="771480" progId="Package">
+                <p:oleObj spid="_x0000_s1061" name="Packager Shell Object" showAsIcon="1" r:id="rId3" imgW="914400" imgH="771480" progId="Package">
                   <p:embed/>
                 </p:oleObj>
               </mc:Choice>
@@ -15281,8 +16293,8 @@
               <a:t> 2.0 </a:t>
             </a:r>
             <a:r>
-              <a:rPr lang="en-AU" dirty="0" err="1" smtClean="0"/>
-              <a:t>wraper</a:t>
+              <a:rPr lang="en-AU" dirty="0" smtClean="0"/>
+              <a:t>wrapper</a:t>
             </a:r>
             <a:r>
               <a:rPr lang="en-AU" dirty="0" smtClean="0"/>
@@ -15481,7 +16493,7 @@
           <p:nvPr/>
         </p:nvPicPr>
         <p:blipFill>
-          <a:blip r:embed="rId2">
+          <a:blip r:embed="rId4">
             <a:extLst>
               <a:ext uri="{28A0092B-C50C-407E-A947-70E740481C1C}">
                 <a14:useLocalDpi xmlns:a14="http://schemas.microsoft.com/office/drawing/2010/main" val="0"/>
@@ -15536,6 +16548,63 @@
           </a:extLst>
         </p:spPr>
       </p:pic>
+      <p:graphicFrame>
+        <p:nvGraphicFramePr>
+          <p:cNvPr id="2" name="Object 1"/>
+          <p:cNvGraphicFramePr>
+            <a:graphicFrameLocks noChangeAspect="1"/>
+          </p:cNvGraphicFramePr>
+          <p:nvPr>
+            <p:extLst>
+              <p:ext uri="{D42A27DB-BD31-4B8C-83A1-F6EECF244321}">
+                <p14:modId xmlns:p14="http://schemas.microsoft.com/office/powerpoint/2010/main" val="4038043046"/>
+              </p:ext>
+            </p:extLst>
+          </p:nvPr>
+        </p:nvGraphicFramePr>
+        <p:xfrm>
+          <a:off x="251520" y="6172200"/>
+          <a:ext cx="1663700" cy="685800"/>
+        </p:xfrm>
+        <a:graphic>
+          <a:graphicData uri="http://schemas.openxmlformats.org/presentationml/2006/ole">
+            <mc:AlternateContent xmlns:mc="http://schemas.openxmlformats.org/markup-compatibility/2006">
+              <mc:Choice xmlns:v="urn:schemas-microsoft-com:vml" Requires="v">
+                <p:oleObj spid="_x0000_s3074" name="Packager Shell Object" showAsIcon="1" r:id="rId5" imgW="1663920" imgH="685800" progId="Package">
+                  <p:embed/>
+                </p:oleObj>
+              </mc:Choice>
+              <mc:Fallback>
+                <p:oleObj name="Packager Shell Object" showAsIcon="1" r:id="rId5" imgW="1663920" imgH="685800" progId="Package">
+                  <p:embed/>
+                  <p:pic>
+                    <p:nvPicPr>
+                      <p:cNvPr id="0" name=""/>
+                      <p:cNvPicPr/>
+                      <p:nvPr/>
+                    </p:nvPicPr>
+                    <p:blipFill>
+                      <a:blip r:embed="rId6"/>
+                      <a:stretch>
+                        <a:fillRect/>
+                      </a:stretch>
+                    </p:blipFill>
+                    <p:spPr>
+                      <a:xfrm>
+                        <a:off x="251520" y="6172200"/>
+                        <a:ext cx="1663700" cy="685800"/>
+                      </a:xfrm>
+                      <a:prstGeom prst="rect">
+                        <a:avLst/>
+                      </a:prstGeom>
+                    </p:spPr>
+                  </p:pic>
+                </p:oleObj>
+              </mc:Fallback>
+            </mc:AlternateContent>
+          </a:graphicData>
+        </a:graphic>
+      </p:graphicFrame>
     </p:spTree>
     <p:extLst>
       <p:ext uri="{BB962C8B-B14F-4D97-AF65-F5344CB8AC3E}">
@@ -15593,7 +16662,11 @@
           <a:p>
             <a:r>
               <a:rPr lang="en-AU" dirty="0" smtClean="0"/>
-              <a:t>Demo : quick demo of running and debugging on Cloud9IDE</a:t>
+              <a:t>Demo : </a:t>
+            </a:r>
+            <a:r>
+              <a:rPr lang="en-AU" dirty="0" smtClean="0"/>
+              <a:t>Cloud9IDE</a:t>
             </a:r>
             <a:endParaRPr lang="en-AU" dirty="0"/>
           </a:p>
@@ -15684,7 +16757,7 @@
         </p:blipFill>
         <p:spPr bwMode="auto">
           <a:xfrm>
-            <a:off x="1835696" y="908721"/>
+            <a:off x="1907704" y="886273"/>
             <a:ext cx="4925393" cy="1584176"/>
           </a:xfrm>
           <a:prstGeom prst="rect">
@@ -15709,13 +16782,13 @@
           <p:nvPr>
             <p:extLst>
               <p:ext uri="{D42A27DB-BD31-4B8C-83A1-F6EECF244321}">
-                <p14:modId xmlns:p14="http://schemas.microsoft.com/office/powerpoint/2010/main" val="3685746642"/>
+                <p14:modId xmlns:p14="http://schemas.microsoft.com/office/powerpoint/2010/main" val="2676961155"/>
               </p:ext>
             </p:extLst>
           </p:nvPr>
         </p:nvGraphicFramePr>
         <p:xfrm>
-          <a:off x="1259632" y="2780928"/>
+          <a:off x="1475656" y="2924944"/>
           <a:ext cx="5625864" cy="3789040"/>
         </p:xfrm>
         <a:graphic>
@@ -16209,7 +17282,7 @@
           <a:p>
             <a:r>
               <a:rPr lang="en-AU" dirty="0" smtClean="0"/>
-              <a:t>Introduce myself</a:t>
+              <a:t>About me</a:t>
             </a:r>
             <a:endParaRPr lang="en-AU" dirty="0"/>
           </a:p>
@@ -16225,14 +17298,19 @@
             <p:ph type="body" sz="quarter" idx="10"/>
           </p:nvPr>
         </p:nvSpPr>
-        <p:spPr/>
+        <p:spPr>
+          <a:xfrm>
+            <a:off x="467544" y="891302"/>
+            <a:ext cx="8229600" cy="4762500"/>
+          </a:xfrm>
+        </p:spPr>
         <p:txBody>
           <a:bodyPr/>
           <a:lstStyle/>
           <a:p>
             <a:r>
               <a:rPr lang="en-AU" dirty="0"/>
-              <a:t>S</a:t>
+              <a:t>s</a:t>
             </a:r>
             <a:r>
               <a:rPr lang="en-AU" dirty="0" smtClean="0"/>
@@ -16250,11 +17328,15 @@
           <a:p>
             <a:r>
               <a:rPr lang="en-AU" dirty="0"/>
-              <a:t>B</a:t>
+              <a:t>b</a:t>
             </a:r>
             <a:r>
               <a:rPr lang="en-AU" dirty="0" smtClean="0"/>
-              <a:t>orn in Dublin Ireland, moved to Australia in 2006</a:t>
+              <a:t>orn </a:t>
+            </a:r>
+            <a:r>
+              <a:rPr lang="en-AU" dirty="0" smtClean="0"/>
+              <a:t>in Dublin Ireland, moved to Australia in 2006</a:t>
             </a:r>
           </a:p>
           <a:p>
@@ -16265,8 +17347,12 @@
           </a:p>
           <a:p>
             <a:r>
+              <a:rPr lang="en-AU" dirty="0"/>
+              <a:t>c</a:t>
+            </a:r>
+            <a:r>
               <a:rPr lang="en-AU" dirty="0" smtClean="0"/>
-              <a:t>Currently </a:t>
+              <a:t>urrently </a:t>
             </a:r>
             <a:r>
               <a:rPr lang="en-AU" dirty="0"/>
@@ -16312,7 +17398,6 @@
               <a:rPr lang="en-AU" sz="1400" dirty="0"/>
               <a:t>@AIDANJCASEY</a:t>
             </a:r>
-            <a:endParaRPr lang="en-AU" sz="1400" dirty="0"/>
           </a:p>
           <a:p>
             <a:pPr marL="538163" lvl="2" indent="0">
@@ -16353,7 +17438,7 @@
         </p:blipFill>
         <p:spPr bwMode="auto">
           <a:xfrm>
-            <a:off x="1067755" y="5790009"/>
+            <a:off x="1067755" y="5285953"/>
             <a:ext cx="1127981" cy="447303"/>
           </a:xfrm>
           <a:prstGeom prst="rect">
@@ -16417,7 +17502,7 @@
         </p:blipFill>
         <p:spPr bwMode="auto">
           <a:xfrm>
-            <a:off x="1763688" y="4966746"/>
+            <a:off x="1763688" y="4462690"/>
             <a:ext cx="475878" cy="550486"/>
           </a:xfrm>
           <a:prstGeom prst="rect">
@@ -16481,7 +17566,7 @@
         </p:blipFill>
         <p:spPr bwMode="auto">
           <a:xfrm>
-            <a:off x="1820648" y="5445224"/>
+            <a:off x="1820648" y="4941168"/>
             <a:ext cx="375088" cy="366336"/>
           </a:xfrm>
           <a:prstGeom prst="rect">
@@ -16725,13 +17810,29 @@
           <a:p>
             <a:r>
               <a:rPr lang="en-AU" dirty="0" smtClean="0"/>
-              <a:t>Server side technology for building scalable network programs.</a:t>
-            </a:r>
-          </a:p>
-          <a:p>
+              <a:t>Server side technology for building scalable </a:t>
+            </a:r>
             <a:r>
               <a:rPr lang="en-AU" dirty="0" smtClean="0"/>
-              <a:t>Executes server side JavaScript code using Google's (super fast)V8 JavaScript engine</a:t>
+              <a:t>network (web) </a:t>
+            </a:r>
+            <a:r>
+              <a:rPr lang="en-AU" dirty="0" smtClean="0"/>
+              <a:t>programs.</a:t>
+            </a:r>
+          </a:p>
+          <a:p>
+            <a:r>
+              <a:rPr lang="en-AU" dirty="0" smtClean="0"/>
+              <a:t>Executes server side JavaScript code using Google's </a:t>
+            </a:r>
+            <a:r>
+              <a:rPr lang="en-AU" dirty="0" smtClean="0"/>
+              <a:t>V8 </a:t>
+            </a:r>
+            <a:r>
+              <a:rPr lang="en-AU" dirty="0" smtClean="0"/>
+              <a:t>JavaScript engine</a:t>
             </a:r>
           </a:p>
           <a:p>
@@ -16743,8 +17844,17 @@
           <a:p>
             <a:r>
               <a:rPr lang="en-AU" dirty="0" smtClean="0"/>
-              <a:t>“data intensive/ real time applications”</a:t>
-            </a:r>
+              <a:t>Suitable for </a:t>
+            </a:r>
+            <a:r>
+              <a:rPr lang="en-AU" dirty="0"/>
+              <a:t>applications that have a lot of concurrent connections (for example) and each request only needs very few </a:t>
+            </a:r>
+            <a:r>
+              <a:rPr lang="en-AU" dirty="0" smtClean="0"/>
+              <a:t>CPU cycles </a:t>
+            </a:r>
+            <a:endParaRPr lang="en-AU" dirty="0" smtClean="0"/>
           </a:p>
           <a:p>
             <a:pPr marL="0" indent="0">
@@ -20029,9 +21139,117 @@
           </a:p>
         </p:txBody>
       </p:sp>
+      <p:sp>
+        <p:nvSpPr>
+          <p:cNvPr id="8" name="TextBox 7"/>
+          <p:cNvSpPr txBox="1"/>
+          <p:nvPr/>
+        </p:nvSpPr>
+        <p:spPr>
+          <a:xfrm>
+            <a:off x="613520" y="2314956"/>
+            <a:ext cx="2018566" cy="369332"/>
+          </a:xfrm>
+          <a:prstGeom prst="rect">
+            <a:avLst/>
+          </a:prstGeom>
+          <a:noFill/>
+        </p:spPr>
+        <p:txBody>
+          <a:bodyPr wrap="none" rtlCol="0">
+            <a:spAutoFit/>
+          </a:bodyPr>
+          <a:lstStyle/>
+          <a:p>
+            <a:r>
+              <a:rPr lang="en-AU" dirty="0" smtClean="0"/>
+              <a:t>Bad code snippet….</a:t>
+            </a:r>
+            <a:endParaRPr lang="en-AU" dirty="0"/>
+          </a:p>
+        </p:txBody>
+      </p:sp>
+      <p:sp>
+        <p:nvSpPr>
+          <p:cNvPr id="9" name="TextBox 8"/>
+          <p:cNvSpPr txBox="1"/>
+          <p:nvPr/>
+        </p:nvSpPr>
+        <p:spPr>
+          <a:xfrm>
+            <a:off x="683568" y="4211796"/>
+            <a:ext cx="2225353" cy="369332"/>
+          </a:xfrm>
+          <a:prstGeom prst="rect">
+            <a:avLst/>
+          </a:prstGeom>
+          <a:noFill/>
+        </p:spPr>
+        <p:txBody>
+          <a:bodyPr wrap="none" rtlCol="0">
+            <a:spAutoFit/>
+          </a:bodyPr>
+          <a:lstStyle/>
+          <a:p>
+            <a:r>
+              <a:rPr lang="en-AU" dirty="0" smtClean="0"/>
+              <a:t>Good code snippet…. </a:t>
+            </a:r>
+            <a:endParaRPr lang="en-AU" dirty="0"/>
+          </a:p>
+        </p:txBody>
+      </p:sp>
+      <p:sp>
+        <p:nvSpPr>
+          <p:cNvPr id="10" name="TextBox 9"/>
+          <p:cNvSpPr txBox="1"/>
+          <p:nvPr/>
+        </p:nvSpPr>
+        <p:spPr>
+          <a:xfrm>
+            <a:off x="570845" y="1280220"/>
+            <a:ext cx="8240589" cy="646331"/>
+          </a:xfrm>
+          <a:prstGeom prst="rect">
+            <a:avLst/>
+          </a:prstGeom>
+          <a:noFill/>
+        </p:spPr>
+        <p:txBody>
+          <a:bodyPr wrap="none" rtlCol="0">
+            <a:spAutoFit/>
+          </a:bodyPr>
+          <a:lstStyle/>
+          <a:p>
+            <a:r>
+              <a:rPr lang="en-AU" dirty="0" smtClean="0"/>
+              <a:t>Since the Event Loop runs on a single thread you must avoid blocking calls at all times.</a:t>
+            </a:r>
+          </a:p>
+          <a:p>
+            <a:r>
+              <a:rPr lang="en-AU" dirty="0" smtClean="0"/>
+              <a:t>Blocking code blocks </a:t>
+            </a:r>
+            <a:r>
+              <a:rPr lang="en-AU" u="sng" dirty="0" smtClean="0"/>
+              <a:t>EVERYTHING</a:t>
+            </a:r>
+            <a:r>
+              <a:rPr lang="en-AU" dirty="0" smtClean="0"/>
+              <a:t> </a:t>
+            </a:r>
+            <a:r>
+              <a:rPr lang="en-AU" dirty="0" smtClean="0"/>
+              <a:t>!</a:t>
+            </a:r>
+            <a:endParaRPr lang="en-AU" dirty="0"/>
+          </a:p>
+        </p:txBody>
+      </p:sp>
       <p:pic>
         <p:nvPicPr>
-          <p:cNvPr id="6" name="Picture 5"/>
+          <p:cNvPr id="3" name="Picture 2"/>
           <p:cNvPicPr>
             <a:picLocks noChangeAspect="1"/>
           </p:cNvPicPr>
@@ -20051,8 +21269,8 @@
         </p:blipFill>
         <p:spPr>
           <a:xfrm>
-            <a:off x="755576" y="2842012"/>
-            <a:ext cx="5630061" cy="809738"/>
+            <a:off x="1979712" y="2640171"/>
+            <a:ext cx="3314700" cy="1571625"/>
           </a:xfrm>
           <a:prstGeom prst="rect">
             <a:avLst/>
@@ -20061,7 +21279,7 @@
       </p:pic>
       <p:pic>
         <p:nvPicPr>
-          <p:cNvPr id="7" name="Picture 6"/>
+          <p:cNvPr id="4" name="Picture 3"/>
           <p:cNvPicPr>
             <a:picLocks noChangeAspect="1"/>
           </p:cNvPicPr>
@@ -20081,110 +21299,14 @@
         </p:blipFill>
         <p:spPr>
           <a:xfrm>
-            <a:off x="755576" y="4587854"/>
-            <a:ext cx="5582429" cy="857370"/>
+            <a:off x="2077278" y="4581128"/>
+            <a:ext cx="3181350" cy="2095500"/>
           </a:xfrm>
           <a:prstGeom prst="rect">
             <a:avLst/>
           </a:prstGeom>
         </p:spPr>
       </p:pic>
-      <p:sp>
-        <p:nvSpPr>
-          <p:cNvPr id="8" name="TextBox 7"/>
-          <p:cNvSpPr txBox="1"/>
-          <p:nvPr/>
-        </p:nvSpPr>
-        <p:spPr>
-          <a:xfrm>
-            <a:off x="755576" y="2314956"/>
-            <a:ext cx="2018566" cy="369332"/>
-          </a:xfrm>
-          <a:prstGeom prst="rect">
-            <a:avLst/>
-          </a:prstGeom>
-          <a:noFill/>
-        </p:spPr>
-        <p:txBody>
-          <a:bodyPr wrap="none" rtlCol="0">
-            <a:spAutoFit/>
-          </a:bodyPr>
-          <a:lstStyle/>
-          <a:p>
-            <a:r>
-              <a:rPr lang="en-AU" dirty="0" smtClean="0"/>
-              <a:t>Bad code snippet….</a:t>
-            </a:r>
-            <a:endParaRPr lang="en-AU" dirty="0"/>
-          </a:p>
-        </p:txBody>
-      </p:sp>
-      <p:sp>
-        <p:nvSpPr>
-          <p:cNvPr id="9" name="TextBox 8"/>
-          <p:cNvSpPr txBox="1"/>
-          <p:nvPr/>
-        </p:nvSpPr>
-        <p:spPr>
-          <a:xfrm>
-            <a:off x="761331" y="4083798"/>
-            <a:ext cx="2225353" cy="369332"/>
-          </a:xfrm>
-          <a:prstGeom prst="rect">
-            <a:avLst/>
-          </a:prstGeom>
-          <a:noFill/>
-        </p:spPr>
-        <p:txBody>
-          <a:bodyPr wrap="none" rtlCol="0">
-            <a:spAutoFit/>
-          </a:bodyPr>
-          <a:lstStyle/>
-          <a:p>
-            <a:r>
-              <a:rPr lang="en-AU" dirty="0" smtClean="0"/>
-              <a:t>Good code snippet…. </a:t>
-            </a:r>
-            <a:endParaRPr lang="en-AU" dirty="0"/>
-          </a:p>
-        </p:txBody>
-      </p:sp>
-      <p:sp>
-        <p:nvSpPr>
-          <p:cNvPr id="10" name="TextBox 9"/>
-          <p:cNvSpPr txBox="1"/>
-          <p:nvPr/>
-        </p:nvSpPr>
-        <p:spPr>
-          <a:xfrm>
-            <a:off x="570845" y="1280220"/>
-            <a:ext cx="8240589" cy="646331"/>
-          </a:xfrm>
-          <a:prstGeom prst="rect">
-            <a:avLst/>
-          </a:prstGeom>
-          <a:noFill/>
-        </p:spPr>
-        <p:txBody>
-          <a:bodyPr wrap="none" rtlCol="0">
-            <a:spAutoFit/>
-          </a:bodyPr>
-          <a:lstStyle/>
-          <a:p>
-            <a:r>
-              <a:rPr lang="en-AU" dirty="0" smtClean="0"/>
-              <a:t>Since the Event Loop runs on a single thread you must avoid blocking calls at all times.</a:t>
-            </a:r>
-          </a:p>
-          <a:p>
-            <a:r>
-              <a:rPr lang="en-AU" dirty="0" smtClean="0"/>
-              <a:t>Blocking code blocks EVERYTHING !! </a:t>
-            </a:r>
-            <a:endParaRPr lang="en-AU" dirty="0"/>
-          </a:p>
-        </p:txBody>
-      </p:sp>
     </p:spTree>
     <p:extLst>
       <p:ext uri="{BB962C8B-B14F-4D97-AF65-F5344CB8AC3E}">
@@ -21659,6 +22781,21 @@
 </file>
 
 <file path=customXml/item1.xml><?xml version="1.0" encoding="utf-8"?>
+<p:properties xmlns:p="http://schemas.microsoft.com/office/2006/metadata/properties" xmlns:xsi="http://www.w3.org/2001/XMLSchema-instance">
+  <documentManagement/>
+</p:properties>
+</file>
+
+<file path=customXml/item2.xml><?xml version="1.0" encoding="utf-8"?>
+<?mso-contentType ?>
+<FormTemplates xmlns="http://schemas.microsoft.com/sharepoint/v3/contenttype/forms">
+  <Display>DocumentLibraryForm</Display>
+  <Edit>DocumentLibraryForm</Edit>
+  <New>DocumentLibraryForm</New>
+</FormTemplates>
+</file>
+
+<file path=customXml/item3.xml><?xml version="1.0" encoding="utf-8"?>
 <?mso-contentType ?>
 <rca:RCAuthoringProperties xmlns:rca="urn:sharePointPublishingRcaProperties">
   <rca:Converter rca:guid="6dfdc5b4-2a28-4a06-b0c6-ad3901e3a807">
@@ -21674,21 +22811,6 @@
     <rca:property rca:type="ConverterSpecificSettings"/>
   </rca:Converter>
 </rca:RCAuthoringProperties>
-</file>
-
-<file path=customXml/item2.xml><?xml version="1.0" encoding="utf-8"?>
-<?mso-contentType ?>
-<FormTemplates xmlns="http://schemas.microsoft.com/sharepoint/v3/contenttype/forms">
-  <Display>DocumentLibraryForm</Display>
-  <Edit>DocumentLibraryForm</Edit>
-  <New>DocumentLibraryForm</New>
-</FormTemplates>
-</file>
-
-<file path=customXml/item3.xml><?xml version="1.0" encoding="utf-8"?>
-<p:properties xmlns:p="http://schemas.microsoft.com/office/2006/metadata/properties" xmlns:xsi="http://www.w3.org/2001/XMLSchema-instance">
-  <documentManagement/>
-</p:properties>
 </file>
 
 <file path=customXml/item4.xml><?xml version="1.0" encoding="utf-8"?>
@@ -21741,9 +22863,15 @@
 </file>
 
 <file path=customXml/itemProps1.xml><?xml version="1.0" encoding="utf-8"?>
-<ds:datastoreItem xmlns:ds="http://schemas.openxmlformats.org/officeDocument/2006/customXml" ds:itemID="{37DE6E84-255A-45E8-8353-BCD6A4998E02}">
+<ds:datastoreItem xmlns:ds="http://schemas.openxmlformats.org/officeDocument/2006/customXml" ds:itemID="{BDEC00FF-5F1B-415D-9C89-173832172D95}">
   <ds:schemaRefs>
-    <ds:schemaRef ds:uri="urn:sharePointPublishingRcaProperties"/>
+    <ds:schemaRef ds:uri="http://schemas.microsoft.com/office/2006/metadata/properties"/>
+    <ds:schemaRef ds:uri="http://schemas.openxmlformats.org/package/2006/metadata/core-properties"/>
+    <ds:schemaRef ds:uri="http://schemas.microsoft.com/office/2006/documentManagement/types"/>
+    <ds:schemaRef ds:uri="http://purl.org/dc/elements/1.1/"/>
+    <ds:schemaRef ds:uri="http://purl.org/dc/dcmitype/"/>
+    <ds:schemaRef ds:uri="http://purl.org/dc/terms/"/>
+    <ds:schemaRef ds:uri="http://www.w3.org/XML/1998/namespace"/>
   </ds:schemaRefs>
 </ds:datastoreItem>
 </file>
@@ -21757,15 +22885,9 @@
 </file>
 
 <file path=customXml/itemProps3.xml><?xml version="1.0" encoding="utf-8"?>
-<ds:datastoreItem xmlns:ds="http://schemas.openxmlformats.org/officeDocument/2006/customXml" ds:itemID="{BDEC00FF-5F1B-415D-9C89-173832172D95}">
+<ds:datastoreItem xmlns:ds="http://schemas.openxmlformats.org/officeDocument/2006/customXml" ds:itemID="{37DE6E84-255A-45E8-8353-BCD6A4998E02}">
   <ds:schemaRefs>
-    <ds:schemaRef ds:uri="http://schemas.microsoft.com/office/2006/metadata/properties"/>
-    <ds:schemaRef ds:uri="http://schemas.openxmlformats.org/package/2006/metadata/core-properties"/>
-    <ds:schemaRef ds:uri="http://schemas.microsoft.com/office/2006/documentManagement/types"/>
-    <ds:schemaRef ds:uri="http://purl.org/dc/elements/1.1/"/>
-    <ds:schemaRef ds:uri="http://purl.org/dc/dcmitype/"/>
-    <ds:schemaRef ds:uri="http://purl.org/dc/terms/"/>
-    <ds:schemaRef ds:uri="http://www.w3.org/XML/1998/namespace"/>
+    <ds:schemaRef ds:uri="urn:sharePointPublishingRcaProperties"/>
   </ds:schemaRefs>
 </ds:datastoreItem>
 </file>

--- a/presentation/Building Node.js Applications on Windows Azure.pptx
+++ b/presentation/Building Node.js Applications on Windows Azure.pptx
@@ -16024,15 +16024,7 @@
           <a:p>
             <a:r>
               <a:rPr lang="en-AU" dirty="0" smtClean="0"/>
-              <a:t>Demo : build a http webserver in </a:t>
-            </a:r>
-            <a:r>
-              <a:rPr lang="en-AU" dirty="0" smtClean="0"/>
-              <a:t>6 </a:t>
-            </a:r>
-            <a:r>
-              <a:rPr lang="en-AU" dirty="0" smtClean="0"/>
-              <a:t>lines of code!</a:t>
+              <a:t>Demo : build a http webserver in 6 lines of code!</a:t>
             </a:r>
             <a:endParaRPr lang="en-AU" dirty="0"/>
           </a:p>
@@ -16047,7 +16039,7 @@
           <p:nvPr>
             <p:extLst>
               <p:ext uri="{D42A27DB-BD31-4B8C-83A1-F6EECF244321}">
-                <p14:modId xmlns:p14="http://schemas.microsoft.com/office/powerpoint/2010/main" val="1345565840"/>
+                <p14:modId xmlns:p14="http://schemas.microsoft.com/office/powerpoint/2010/main" val="2792654154"/>
               </p:ext>
             </p:extLst>
           </p:nvPr>
@@ -16060,7 +16052,7 @@
           <a:graphicData uri="http://schemas.openxmlformats.org/presentationml/2006/ole">
             <mc:AlternateContent xmlns:mc="http://schemas.openxmlformats.org/markup-compatibility/2006">
               <mc:Choice xmlns:v="urn:schemas-microsoft-com:vml" Requires="v">
-                <p:oleObj spid="_x0000_s1061" name="Packager Shell Object" showAsIcon="1" r:id="rId3" imgW="914400" imgH="771480" progId="Package">
+                <p:oleObj spid="_x0000_s1062" name="Packager Shell Object" showAsIcon="1" r:id="rId3" imgW="914400" imgH="771480" progId="Package">
                   <p:embed/>
                 </p:oleObj>
               </mc:Choice>
@@ -16290,15 +16282,7 @@
             </a:r>
             <a:r>
               <a:rPr lang="en-AU" dirty="0" smtClean="0"/>
-              <a:t> 2.0 </a:t>
-            </a:r>
-            <a:r>
-              <a:rPr lang="en-AU" dirty="0" smtClean="0"/>
-              <a:t>wrapper</a:t>
-            </a:r>
-            <a:r>
-              <a:rPr lang="en-AU" dirty="0" smtClean="0"/>
-              <a:t>),</a:t>
+              <a:t> 2.0 wrapper),</a:t>
             </a:r>
           </a:p>
           <a:p>
@@ -16557,7 +16541,7 @@
           <p:nvPr>
             <p:extLst>
               <p:ext uri="{D42A27DB-BD31-4B8C-83A1-F6EECF244321}">
-                <p14:modId xmlns:p14="http://schemas.microsoft.com/office/powerpoint/2010/main" val="4038043046"/>
+                <p14:modId xmlns:p14="http://schemas.microsoft.com/office/powerpoint/2010/main" val="2688802201"/>
               </p:ext>
             </p:extLst>
           </p:nvPr>
@@ -16570,7 +16554,7 @@
           <a:graphicData uri="http://schemas.openxmlformats.org/presentationml/2006/ole">
             <mc:AlternateContent xmlns:mc="http://schemas.openxmlformats.org/markup-compatibility/2006">
               <mc:Choice xmlns:v="urn:schemas-microsoft-com:vml" Requires="v">
-                <p:oleObj spid="_x0000_s3074" name="Packager Shell Object" showAsIcon="1" r:id="rId5" imgW="1663920" imgH="685800" progId="Package">
+                <p:oleObj spid="_x0000_s3075" name="Packager Shell Object" showAsIcon="1" r:id="rId5" imgW="1663920" imgH="685800" progId="Package">
                   <p:embed/>
                 </p:oleObj>
               </mc:Choice>
@@ -16662,11 +16646,7 @@
           <a:p>
             <a:r>
               <a:rPr lang="en-AU" dirty="0" smtClean="0"/>
-              <a:t>Demo : </a:t>
-            </a:r>
-            <a:r>
-              <a:rPr lang="en-AU" dirty="0" smtClean="0"/>
-              <a:t>Cloud9IDE</a:t>
+              <a:t>Demo : Cloud9IDE</a:t>
             </a:r>
             <a:endParaRPr lang="en-AU" dirty="0"/>
           </a:p>
@@ -17332,11 +17312,7 @@
             </a:r>
             <a:r>
               <a:rPr lang="en-AU" dirty="0" smtClean="0"/>
-              <a:t>orn </a:t>
-            </a:r>
-            <a:r>
-              <a:rPr lang="en-AU" dirty="0" smtClean="0"/>
-              <a:t>in Dublin Ireland, moved to Australia in 2006</a:t>
+              <a:t>orn in Dublin Ireland, moved to Australia in 2006</a:t>
             </a:r>
           </a:p>
           <a:p>
@@ -17810,29 +17786,13 @@
           <a:p>
             <a:r>
               <a:rPr lang="en-AU" dirty="0" smtClean="0"/>
-              <a:t>Server side technology for building scalable </a:t>
-            </a:r>
+              <a:t>Server side technology for building scalable network (web) programs.</a:t>
+            </a:r>
+          </a:p>
+          <a:p>
             <a:r>
               <a:rPr lang="en-AU" dirty="0" smtClean="0"/>
-              <a:t>network (web) </a:t>
-            </a:r>
-            <a:r>
-              <a:rPr lang="en-AU" dirty="0" smtClean="0"/>
-              <a:t>programs.</a:t>
-            </a:r>
-          </a:p>
-          <a:p>
-            <a:r>
-              <a:rPr lang="en-AU" dirty="0" smtClean="0"/>
-              <a:t>Executes server side JavaScript code using Google's </a:t>
-            </a:r>
-            <a:r>
-              <a:rPr lang="en-AU" dirty="0" smtClean="0"/>
-              <a:t>V8 </a:t>
-            </a:r>
-            <a:r>
-              <a:rPr lang="en-AU" dirty="0" smtClean="0"/>
-              <a:t>JavaScript engine</a:t>
+              <a:t>Executes server side JavaScript code using Google's V8 JavaScript engine</a:t>
             </a:r>
           </a:p>
           <a:p>
@@ -17854,7 +17814,6 @@
               <a:rPr lang="en-AU" dirty="0" smtClean="0"/>
               <a:t>CPU cycles </a:t>
             </a:r>
-            <a:endParaRPr lang="en-AU" dirty="0" smtClean="0"/>
           </a:p>
           <a:p>
             <a:pPr marL="0" indent="0">
@@ -21237,11 +21196,7 @@
             </a:r>
             <a:r>
               <a:rPr lang="en-AU" dirty="0" smtClean="0"/>
-              <a:t> </a:t>
-            </a:r>
-            <a:r>
-              <a:rPr lang="en-AU" dirty="0" smtClean="0"/>
-              <a:t>!</a:t>
+              <a:t> !</a:t>
             </a:r>
             <a:endParaRPr lang="en-AU" dirty="0"/>
           </a:p>
@@ -22781,21 +22736,6 @@
 </file>
 
 <file path=customXml/item1.xml><?xml version="1.0" encoding="utf-8"?>
-<p:properties xmlns:p="http://schemas.microsoft.com/office/2006/metadata/properties" xmlns:xsi="http://www.w3.org/2001/XMLSchema-instance">
-  <documentManagement/>
-</p:properties>
-</file>
-
-<file path=customXml/item2.xml><?xml version="1.0" encoding="utf-8"?>
-<?mso-contentType ?>
-<FormTemplates xmlns="http://schemas.microsoft.com/sharepoint/v3/contenttype/forms">
-  <Display>DocumentLibraryForm</Display>
-  <Edit>DocumentLibraryForm</Edit>
-  <New>DocumentLibraryForm</New>
-</FormTemplates>
-</file>
-
-<file path=customXml/item3.xml><?xml version="1.0" encoding="utf-8"?>
 <?mso-contentType ?>
 <rca:RCAuthoringProperties xmlns:rca="urn:sharePointPublishingRcaProperties">
   <rca:Converter rca:guid="6dfdc5b4-2a28-4a06-b0c6-ad3901e3a807">
@@ -22811,6 +22751,21 @@
     <rca:property rca:type="ConverterSpecificSettings"/>
   </rca:Converter>
 </rca:RCAuthoringProperties>
+</file>
+
+<file path=customXml/item2.xml><?xml version="1.0" encoding="utf-8"?>
+<?mso-contentType ?>
+<FormTemplates xmlns="http://schemas.microsoft.com/sharepoint/v3/contenttype/forms">
+  <Display>DocumentLibraryForm</Display>
+  <Edit>DocumentLibraryForm</Edit>
+  <New>DocumentLibraryForm</New>
+</FormTemplates>
+</file>
+
+<file path=customXml/item3.xml><?xml version="1.0" encoding="utf-8"?>
+<p:properties xmlns:p="http://schemas.microsoft.com/office/2006/metadata/properties" xmlns:xsi="http://www.w3.org/2001/XMLSchema-instance">
+  <documentManagement/>
+</p:properties>
 </file>
 
 <file path=customXml/item4.xml><?xml version="1.0" encoding="utf-8"?>
@@ -22863,15 +22818,9 @@
 </file>
 
 <file path=customXml/itemProps1.xml><?xml version="1.0" encoding="utf-8"?>
-<ds:datastoreItem xmlns:ds="http://schemas.openxmlformats.org/officeDocument/2006/customXml" ds:itemID="{BDEC00FF-5F1B-415D-9C89-173832172D95}">
+<ds:datastoreItem xmlns:ds="http://schemas.openxmlformats.org/officeDocument/2006/customXml" ds:itemID="{37DE6E84-255A-45E8-8353-BCD6A4998E02}">
   <ds:schemaRefs>
-    <ds:schemaRef ds:uri="http://schemas.microsoft.com/office/2006/metadata/properties"/>
-    <ds:schemaRef ds:uri="http://schemas.openxmlformats.org/package/2006/metadata/core-properties"/>
-    <ds:schemaRef ds:uri="http://schemas.microsoft.com/office/2006/documentManagement/types"/>
-    <ds:schemaRef ds:uri="http://purl.org/dc/elements/1.1/"/>
-    <ds:schemaRef ds:uri="http://purl.org/dc/dcmitype/"/>
-    <ds:schemaRef ds:uri="http://purl.org/dc/terms/"/>
-    <ds:schemaRef ds:uri="http://www.w3.org/XML/1998/namespace"/>
+    <ds:schemaRef ds:uri="urn:sharePointPublishingRcaProperties"/>
   </ds:schemaRefs>
 </ds:datastoreItem>
 </file>
@@ -22885,9 +22834,15 @@
 </file>
 
 <file path=customXml/itemProps3.xml><?xml version="1.0" encoding="utf-8"?>
-<ds:datastoreItem xmlns:ds="http://schemas.openxmlformats.org/officeDocument/2006/customXml" ds:itemID="{37DE6E84-255A-45E8-8353-BCD6A4998E02}">
+<ds:datastoreItem xmlns:ds="http://schemas.openxmlformats.org/officeDocument/2006/customXml" ds:itemID="{BDEC00FF-5F1B-415D-9C89-173832172D95}">
   <ds:schemaRefs>
-    <ds:schemaRef ds:uri="urn:sharePointPublishingRcaProperties"/>
+    <ds:schemaRef ds:uri="http://schemas.microsoft.com/office/2006/metadata/properties"/>
+    <ds:schemaRef ds:uri="http://schemas.openxmlformats.org/package/2006/metadata/core-properties"/>
+    <ds:schemaRef ds:uri="http://schemas.microsoft.com/office/2006/documentManagement/types"/>
+    <ds:schemaRef ds:uri="http://purl.org/dc/elements/1.1/"/>
+    <ds:schemaRef ds:uri="http://purl.org/dc/dcmitype/"/>
+    <ds:schemaRef ds:uri="http://purl.org/dc/terms/"/>
+    <ds:schemaRef ds:uri="http://www.w3.org/XML/1998/namespace"/>
   </ds:schemaRefs>
 </ds:datastoreItem>
 </file>

--- a/presentation/Building Node.js Applications on Windows Azure.pptx
+++ b/presentation/Building Node.js Applications on Windows Azure.pptx
@@ -16052,7 +16052,7 @@
           <a:graphicData uri="http://schemas.openxmlformats.org/presentationml/2006/ole">
             <mc:AlternateContent xmlns:mc="http://schemas.openxmlformats.org/markup-compatibility/2006">
               <mc:Choice xmlns:v="urn:schemas-microsoft-com:vml" Requires="v">
-                <p:oleObj spid="_x0000_s1062" name="Packager Shell Object" showAsIcon="1" r:id="rId3" imgW="914400" imgH="771480" progId="Package">
+                <p:oleObj spid="_x0000_s1066" name="Packager Shell Object" showAsIcon="1" r:id="rId3" imgW="914400" imgH="771480" progId="Package">
                   <p:embed/>
                 </p:oleObj>
               </mc:Choice>
@@ -16173,7 +16173,15 @@
             </a:r>
             <a:r>
               <a:rPr lang="en-AU" dirty="0" smtClean="0"/>
-              <a:t>contains over 8000 free open source packages</a:t>
+              <a:t>contains over 8000 </a:t>
+            </a:r>
+            <a:r>
+              <a:rPr lang="en-AU" dirty="0" smtClean="0"/>
+              <a:t>open </a:t>
+            </a:r>
+            <a:r>
+              <a:rPr lang="en-AU" dirty="0" smtClean="0"/>
+              <a:t>source packages</a:t>
             </a:r>
           </a:p>
           <a:p>
@@ -16266,32 +16274,15 @@
             </a:r>
             <a:r>
               <a:rPr lang="en-AU" dirty="0" err="1" smtClean="0"/>
-              <a:t>OAuth</a:t>
-            </a:r>
-            <a:r>
-              <a:rPr lang="en-AU" dirty="0"/>
-              <a:t> </a:t>
+              <a:t>OAuth,node</a:t>
             </a:r>
             <a:r>
               <a:rPr lang="en-AU" dirty="0" smtClean="0"/>
-              <a:t>(</a:t>
-            </a:r>
-            <a:r>
-              <a:rPr lang="en-AU" dirty="0" err="1" smtClean="0"/>
-              <a:t>oAuth</a:t>
+              <a:t>-static </a:t>
             </a:r>
             <a:r>
               <a:rPr lang="en-AU" dirty="0" smtClean="0"/>
-              <a:t> 2.0 wrapper),</a:t>
-            </a:r>
-          </a:p>
-          <a:p>
-            <a:pPr marL="0" indent="0">
-              <a:buNone/>
-            </a:pPr>
-            <a:r>
-              <a:rPr lang="en-AU" dirty="0" smtClean="0"/>
-              <a:t>node-static (serving up static content)</a:t>
+              <a:t>(serving up static content)</a:t>
             </a:r>
           </a:p>
         </p:txBody>
@@ -16554,7 +16545,7 @@
           <a:graphicData uri="http://schemas.openxmlformats.org/presentationml/2006/ole">
             <mc:AlternateContent xmlns:mc="http://schemas.openxmlformats.org/markup-compatibility/2006">
               <mc:Choice xmlns:v="urn:schemas-microsoft-com:vml" Requires="v">
-                <p:oleObj spid="_x0000_s3075" name="Packager Shell Object" showAsIcon="1" r:id="rId5" imgW="1663920" imgH="685800" progId="Package">
+                <p:oleObj spid="_x0000_s3079" name="Packager Shell Object" showAsIcon="1" r:id="rId5" imgW="1663920" imgH="685800" progId="Package">
                   <p:embed/>
                 </p:oleObj>
               </mc:Choice>
@@ -16737,8 +16728,8 @@
         </p:blipFill>
         <p:spPr bwMode="auto">
           <a:xfrm>
-            <a:off x="1907704" y="886273"/>
-            <a:ext cx="4925393" cy="1584176"/>
+            <a:off x="323528" y="980728"/>
+            <a:ext cx="4925393" cy="1174575"/>
           </a:xfrm>
           <a:prstGeom prst="rect">
             <a:avLst/>
@@ -16857,22 +16848,44 @@
           <a:p>
             <a:r>
               <a:rPr lang="en-AU" dirty="0" smtClean="0"/>
-              <a:t>Super easy to deploy (but takes some time </a:t>
-            </a:r>
+              <a:t>Super easy to deploy </a:t>
+            </a:r>
+            <a:r>
+              <a:rPr lang="en-AU" dirty="0" smtClean="0"/>
+              <a:t> using </a:t>
+            </a:r>
+            <a:r>
+              <a:rPr lang="en-AU" dirty="0" smtClean="0"/>
+              <a:t>P</a:t>
+            </a:r>
+            <a:r>
+              <a:rPr lang="en-AU" dirty="0" smtClean="0"/>
+              <a:t>owerShell </a:t>
+            </a:r>
+            <a:r>
+              <a:rPr lang="en-AU" dirty="0" err="1" smtClean="0"/>
+              <a:t>cmdlets</a:t>
+            </a:r>
+            <a:endParaRPr lang="en-AU" dirty="0" smtClean="0">
+              <a:sym typeface="Wingdings" pitchFamily="2" charset="2"/>
+            </a:endParaRPr>
+          </a:p>
+          <a:p>
             <a:r>
               <a:rPr lang="en-AU" dirty="0" smtClean="0">
                 <a:sym typeface="Wingdings" pitchFamily="2" charset="2"/>
               </a:rPr>
-              <a:t>)</a:t>
-            </a:r>
-          </a:p>
-          <a:p>
+              <a:t>Azure package  gives access </a:t>
+            </a:r>
             <a:r>
               <a:rPr lang="en-AU" dirty="0" smtClean="0">
                 <a:sym typeface="Wingdings" pitchFamily="2" charset="2"/>
               </a:rPr>
-              <a:t>Azure package  gives access to …</a:t>
-            </a:r>
+              <a:t>to</a:t>
+            </a:r>
+            <a:endParaRPr lang="en-AU" dirty="0" smtClean="0">
+              <a:sym typeface="Wingdings" pitchFamily="2" charset="2"/>
+            </a:endParaRPr>
           </a:p>
           <a:p>
             <a:pPr lvl="1"/>
@@ -17090,16 +17103,13 @@
           <a:p>
             <a:r>
               <a:rPr lang="en-AU" dirty="0" smtClean="0"/>
-              <a:t>Single page apps with lots of asynchronous calls (Gmail </a:t>
-            </a:r>
-            <a:r>
-              <a:rPr lang="en-AU" dirty="0" err="1" smtClean="0"/>
-              <a:t>etc</a:t>
+              <a:t>Single page apps with lots of asynchronous calls (</a:t>
             </a:r>
             <a:r>
               <a:rPr lang="en-AU" dirty="0" smtClean="0"/>
-              <a:t>)</a:t>
-            </a:r>
+              <a:t>Gmail etc.)</a:t>
+            </a:r>
+            <a:endParaRPr lang="en-AU" dirty="0" smtClean="0"/>
           </a:p>
           <a:p>
             <a:r>
@@ -17312,7 +17322,27 @@
             </a:r>
             <a:r>
               <a:rPr lang="en-AU" dirty="0" smtClean="0"/>
-              <a:t>orn in Dublin Ireland, moved to Australia in 2006</a:t>
+              <a:t>orn in Dublin Ireland, </a:t>
+            </a:r>
+            <a:r>
+              <a:rPr lang="en-AU" dirty="0" smtClean="0"/>
+              <a:t>living in </a:t>
+            </a:r>
+            <a:r>
+              <a:rPr lang="en-AU" dirty="0" smtClean="0"/>
+              <a:t>Australia </a:t>
+            </a:r>
+            <a:r>
+              <a:rPr lang="en-AU" dirty="0" smtClean="0"/>
+              <a:t>since</a:t>
+            </a:r>
+            <a:r>
+              <a:rPr lang="en-AU" dirty="0" smtClean="0"/>
+              <a:t> </a:t>
+            </a:r>
+            <a:r>
+              <a:rPr lang="en-AU" dirty="0" smtClean="0"/>
+              <a:t>2006</a:t>
             </a:r>
           </a:p>
           <a:p>
@@ -17669,28 +17699,56 @@
           <a:p>
             <a:r>
               <a:rPr lang="en-AU" dirty="0" smtClean="0"/>
-              <a:t>Tooling / SDKs  &amp; developer experience</a:t>
-            </a:r>
-          </a:p>
-          <a:p>
+              <a:t>t</a:t>
+            </a:r>
             <a:r>
               <a:rPr lang="en-AU" dirty="0" smtClean="0"/>
-              <a:t>Build and publish a real time chat room application using Windows Azure SDK for Node.js</a:t>
-            </a:r>
-          </a:p>
-          <a:p>
+              <a:t>ooling, SDKs  and developer </a:t>
+            </a:r>
             <a:r>
               <a:rPr lang="en-AU" dirty="0" smtClean="0"/>
-              <a:t>When should I use it?</a:t>
-            </a:r>
-          </a:p>
-          <a:p>
-            <a:pPr marL="0" indent="0">
-              <a:buNone/>
-            </a:pPr>
-            <a:endParaRPr lang="en-AU" dirty="0" smtClean="0"/>
-          </a:p>
-          <a:p>
+              <a:t>experience</a:t>
+            </a:r>
+          </a:p>
+          <a:p>
+            <a:r>
+              <a:rPr lang="en-AU" dirty="0"/>
+              <a:t>b</a:t>
+            </a:r>
+            <a:r>
+              <a:rPr lang="en-AU" dirty="0" smtClean="0"/>
+              <a:t>uild </a:t>
+            </a:r>
+            <a:r>
+              <a:rPr lang="en-AU" dirty="0" smtClean="0"/>
+              <a:t>and </a:t>
+            </a:r>
+            <a:r>
+              <a:rPr lang="en-AU" dirty="0" smtClean="0"/>
+              <a:t>deploy </a:t>
+            </a:r>
+            <a:r>
+              <a:rPr lang="en-AU" dirty="0" smtClean="0"/>
+              <a:t>a </a:t>
+            </a:r>
+            <a:r>
+              <a:rPr lang="en-AU" dirty="0" smtClean="0"/>
+              <a:t>chat </a:t>
+            </a:r>
+            <a:r>
+              <a:rPr lang="en-AU" dirty="0" smtClean="0"/>
+              <a:t>room application using Windows Azure SDK for Node.js</a:t>
+            </a:r>
+          </a:p>
+          <a:p>
+            <a:r>
+              <a:rPr lang="en-AU" dirty="0" smtClean="0"/>
+              <a:t>When should I use it</a:t>
+            </a:r>
+            <a:r>
+              <a:rPr lang="en-AU" dirty="0" smtClean="0"/>
+              <a:t>?</a:t>
+            </a:r>
             <a:endParaRPr lang="en-AU" dirty="0" smtClean="0"/>
           </a:p>
           <a:p>
@@ -17786,7 +17844,15 @@
           <a:p>
             <a:r>
               <a:rPr lang="en-AU" dirty="0" smtClean="0"/>
-              <a:t>Server side technology for building scalable network (web) programs.</a:t>
+              <a:t>Server side technology for building scalable network </a:t>
+            </a:r>
+            <a:r>
+              <a:rPr lang="en-AU" dirty="0" smtClean="0"/>
+              <a:t> </a:t>
+            </a:r>
+            <a:r>
+              <a:rPr lang="en-AU" dirty="0" smtClean="0"/>
+              <a:t>programs.</a:t>
             </a:r>
           </a:p>
           <a:p>
@@ -17808,7 +17874,15 @@
             </a:r>
             <a:r>
               <a:rPr lang="en-AU" dirty="0"/>
-              <a:t>applications that have a lot of concurrent connections (for example) and each request only needs very few </a:t>
+              <a:t>applications that have a lot of concurrent connections </a:t>
+            </a:r>
+            <a:r>
+              <a:rPr lang="en-AU" dirty="0" smtClean="0"/>
+              <a:t>and </a:t>
+            </a:r>
+            <a:r>
+              <a:rPr lang="en-AU" dirty="0"/>
+              <a:t>each request only needs very few </a:t>
             </a:r>
             <a:r>
               <a:rPr lang="en-AU" dirty="0" smtClean="0"/>
@@ -20287,7 +20361,7 @@
         <p:spPr>
           <a:xfrm>
             <a:off x="2993469" y="1988840"/>
-            <a:ext cx="1465273" cy="369332"/>
+            <a:ext cx="1635191" cy="369332"/>
           </a:xfrm>
           <a:prstGeom prst="rect">
             <a:avLst/>
@@ -20306,7 +20380,23 @@
                   <a:srgbClr val="FF0000"/>
                 </a:solidFill>
               </a:rPr>
-              <a:t>Request 1000</a:t>
+              <a:t>Request </a:t>
+            </a:r>
+            <a:r>
+              <a:rPr lang="en-AU" dirty="0">
+                <a:solidFill>
+                  <a:srgbClr val="FF0000"/>
+                </a:solidFill>
+              </a:rPr>
+              <a:t> </a:t>
+            </a:r>
+            <a:r>
+              <a:rPr lang="en-AU" dirty="0" smtClean="0">
+                <a:solidFill>
+                  <a:srgbClr val="FF0000"/>
+                </a:solidFill>
+              </a:rPr>
+              <a:t>10000</a:t>
             </a:r>
             <a:endParaRPr lang="en-AU" dirty="0">
               <a:solidFill>
@@ -20714,7 +20804,7 @@
         <p:spPr>
           <a:xfrm>
             <a:off x="3249489" y="4013531"/>
-            <a:ext cx="1602490" cy="369332"/>
+            <a:ext cx="1719510" cy="369332"/>
           </a:xfrm>
           <a:prstGeom prst="rect">
             <a:avLst/>
@@ -20729,7 +20819,11 @@
           <a:p>
             <a:r>
               <a:rPr lang="en-AU" dirty="0" smtClean="0"/>
-              <a:t>Response 1000</a:t>
+              <a:t>Response </a:t>
+            </a:r>
+            <a:r>
+              <a:rPr lang="en-AU" dirty="0" smtClean="0"/>
+              <a:t>10000</a:t>
             </a:r>
             <a:endParaRPr lang="en-AU" dirty="0"/>
           </a:p>
@@ -22736,6 +22830,21 @@
 </file>
 
 <file path=customXml/item1.xml><?xml version="1.0" encoding="utf-8"?>
+<p:properties xmlns:p="http://schemas.microsoft.com/office/2006/metadata/properties" xmlns:xsi="http://www.w3.org/2001/XMLSchema-instance">
+  <documentManagement/>
+</p:properties>
+</file>
+
+<file path=customXml/item2.xml><?xml version="1.0" encoding="utf-8"?>
+<?mso-contentType ?>
+<FormTemplates xmlns="http://schemas.microsoft.com/sharepoint/v3/contenttype/forms">
+  <Display>DocumentLibraryForm</Display>
+  <Edit>DocumentLibraryForm</Edit>
+  <New>DocumentLibraryForm</New>
+</FormTemplates>
+</file>
+
+<file path=customXml/item3.xml><?xml version="1.0" encoding="utf-8"?>
 <?mso-contentType ?>
 <rca:RCAuthoringProperties xmlns:rca="urn:sharePointPublishingRcaProperties">
   <rca:Converter rca:guid="6dfdc5b4-2a28-4a06-b0c6-ad3901e3a807">
@@ -22751,21 +22860,6 @@
     <rca:property rca:type="ConverterSpecificSettings"/>
   </rca:Converter>
 </rca:RCAuthoringProperties>
-</file>
-
-<file path=customXml/item2.xml><?xml version="1.0" encoding="utf-8"?>
-<?mso-contentType ?>
-<FormTemplates xmlns="http://schemas.microsoft.com/sharepoint/v3/contenttype/forms">
-  <Display>DocumentLibraryForm</Display>
-  <Edit>DocumentLibraryForm</Edit>
-  <New>DocumentLibraryForm</New>
-</FormTemplates>
-</file>
-
-<file path=customXml/item3.xml><?xml version="1.0" encoding="utf-8"?>
-<p:properties xmlns:p="http://schemas.microsoft.com/office/2006/metadata/properties" xmlns:xsi="http://www.w3.org/2001/XMLSchema-instance">
-  <documentManagement/>
-</p:properties>
 </file>
 
 <file path=customXml/item4.xml><?xml version="1.0" encoding="utf-8"?>
@@ -22818,9 +22912,15 @@
 </file>
 
 <file path=customXml/itemProps1.xml><?xml version="1.0" encoding="utf-8"?>
-<ds:datastoreItem xmlns:ds="http://schemas.openxmlformats.org/officeDocument/2006/customXml" ds:itemID="{37DE6E84-255A-45E8-8353-BCD6A4998E02}">
+<ds:datastoreItem xmlns:ds="http://schemas.openxmlformats.org/officeDocument/2006/customXml" ds:itemID="{BDEC00FF-5F1B-415D-9C89-173832172D95}">
   <ds:schemaRefs>
-    <ds:schemaRef ds:uri="urn:sharePointPublishingRcaProperties"/>
+    <ds:schemaRef ds:uri="http://schemas.microsoft.com/office/2006/metadata/properties"/>
+    <ds:schemaRef ds:uri="http://schemas.openxmlformats.org/package/2006/metadata/core-properties"/>
+    <ds:schemaRef ds:uri="http://schemas.microsoft.com/office/2006/documentManagement/types"/>
+    <ds:schemaRef ds:uri="http://purl.org/dc/elements/1.1/"/>
+    <ds:schemaRef ds:uri="http://purl.org/dc/dcmitype/"/>
+    <ds:schemaRef ds:uri="http://purl.org/dc/terms/"/>
+    <ds:schemaRef ds:uri="http://www.w3.org/XML/1998/namespace"/>
   </ds:schemaRefs>
 </ds:datastoreItem>
 </file>
@@ -22834,15 +22934,9 @@
 </file>
 
 <file path=customXml/itemProps3.xml><?xml version="1.0" encoding="utf-8"?>
-<ds:datastoreItem xmlns:ds="http://schemas.openxmlformats.org/officeDocument/2006/customXml" ds:itemID="{BDEC00FF-5F1B-415D-9C89-173832172D95}">
+<ds:datastoreItem xmlns:ds="http://schemas.openxmlformats.org/officeDocument/2006/customXml" ds:itemID="{37DE6E84-255A-45E8-8353-BCD6A4998E02}">
   <ds:schemaRefs>
-    <ds:schemaRef ds:uri="http://schemas.microsoft.com/office/2006/metadata/properties"/>
-    <ds:schemaRef ds:uri="http://schemas.openxmlformats.org/package/2006/metadata/core-properties"/>
-    <ds:schemaRef ds:uri="http://schemas.microsoft.com/office/2006/documentManagement/types"/>
-    <ds:schemaRef ds:uri="http://purl.org/dc/elements/1.1/"/>
-    <ds:schemaRef ds:uri="http://purl.org/dc/dcmitype/"/>
-    <ds:schemaRef ds:uri="http://purl.org/dc/terms/"/>
-    <ds:schemaRef ds:uri="http://www.w3.org/XML/1998/namespace"/>
+    <ds:schemaRef ds:uri="urn:sharePointPublishingRcaProperties"/>
   </ds:schemaRefs>
 </ds:datastoreItem>
 </file>

--- a/presentation/Building Node.js Applications on Windows Azure.pptx
+++ b/presentation/Building Node.js Applications on Windows Azure.pptx
@@ -16052,7 +16052,7 @@
           <a:graphicData uri="http://schemas.openxmlformats.org/presentationml/2006/ole">
             <mc:AlternateContent xmlns:mc="http://schemas.openxmlformats.org/markup-compatibility/2006">
               <mc:Choice xmlns:v="urn:schemas-microsoft-com:vml" Requires="v">
-                <p:oleObj spid="_x0000_s1066" name="Packager Shell Object" showAsIcon="1" r:id="rId3" imgW="914400" imgH="771480" progId="Package">
+                <p:oleObj spid="_x0000_s1067" name="Packager Shell Object" showAsIcon="1" r:id="rId3" imgW="914400" imgH="771480" progId="Package">
                   <p:embed/>
                 </p:oleObj>
               </mc:Choice>
@@ -16173,15 +16173,7 @@
             </a:r>
             <a:r>
               <a:rPr lang="en-AU" dirty="0" smtClean="0"/>
-              <a:t>contains over 8000 </a:t>
-            </a:r>
-            <a:r>
-              <a:rPr lang="en-AU" dirty="0" smtClean="0"/>
-              <a:t>open </a:t>
-            </a:r>
-            <a:r>
-              <a:rPr lang="en-AU" dirty="0" smtClean="0"/>
-              <a:t>source packages</a:t>
+              <a:t>contains over 8000 open source packages</a:t>
             </a:r>
           </a:p>
           <a:p>
@@ -16278,11 +16270,7 @@
             </a:r>
             <a:r>
               <a:rPr lang="en-AU" dirty="0" smtClean="0"/>
-              <a:t>-static </a:t>
-            </a:r>
-            <a:r>
-              <a:rPr lang="en-AU" dirty="0" smtClean="0"/>
-              <a:t>(serving up static content)</a:t>
+              <a:t>-static (serving up static content)</a:t>
             </a:r>
           </a:p>
         </p:txBody>
@@ -16545,7 +16533,7 @@
           <a:graphicData uri="http://schemas.openxmlformats.org/presentationml/2006/ole">
             <mc:AlternateContent xmlns:mc="http://schemas.openxmlformats.org/markup-compatibility/2006">
               <mc:Choice xmlns:v="urn:schemas-microsoft-com:vml" Requires="v">
-                <p:oleObj spid="_x0000_s3079" name="Packager Shell Object" showAsIcon="1" r:id="rId5" imgW="1663920" imgH="685800" progId="Package">
+                <p:oleObj spid="_x0000_s3080" name="Packager Shell Object" showAsIcon="1" r:id="rId5" imgW="1663920" imgH="685800" progId="Package">
                   <p:embed/>
                 </p:oleObj>
               </mc:Choice>
@@ -16848,19 +16836,7 @@
           <a:p>
             <a:r>
               <a:rPr lang="en-AU" dirty="0" smtClean="0"/>
-              <a:t>Super easy to deploy </a:t>
-            </a:r>
-            <a:r>
-              <a:rPr lang="en-AU" dirty="0" smtClean="0"/>
-              <a:t> using </a:t>
-            </a:r>
-            <a:r>
-              <a:rPr lang="en-AU" dirty="0" smtClean="0"/>
-              <a:t>P</a:t>
-            </a:r>
-            <a:r>
-              <a:rPr lang="en-AU" dirty="0" smtClean="0"/>
-              <a:t>owerShell </a:t>
+              <a:t>Super easy to deploy  using PowerShell </a:t>
             </a:r>
             <a:r>
               <a:rPr lang="en-AU" dirty="0" err="1" smtClean="0"/>
@@ -16875,17 +16851,8 @@
               <a:rPr lang="en-AU" dirty="0" smtClean="0">
                 <a:sym typeface="Wingdings" pitchFamily="2" charset="2"/>
               </a:rPr>
-              <a:t>Azure package  gives access </a:t>
-            </a:r>
-            <a:r>
-              <a:rPr lang="en-AU" dirty="0" smtClean="0">
-                <a:sym typeface="Wingdings" pitchFamily="2" charset="2"/>
-              </a:rPr>
-              <a:t>to</a:t>
-            </a:r>
-            <a:endParaRPr lang="en-AU" dirty="0" smtClean="0">
-              <a:sym typeface="Wingdings" pitchFamily="2" charset="2"/>
-            </a:endParaRPr>
+              <a:t>Azure package  gives access to</a:t>
+            </a:r>
           </a:p>
           <a:p>
             <a:pPr lvl="1"/>
@@ -16999,7 +16966,27 @@
             </a:r>
             <a:r>
               <a:rPr lang="en-AU" dirty="0" smtClean="0"/>
-              <a:t> with Node.js , Sockets.io and Knockout.js</a:t>
+              <a:t> with Node.js , Sockets.io and </a:t>
+            </a:r>
+            <a:r>
+              <a:rPr lang="en-AU" dirty="0" smtClean="0"/>
+              <a:t>Knockout.js</a:t>
+            </a:r>
+            <a:br>
+              <a:rPr lang="en-AU" dirty="0" smtClean="0"/>
+            </a:br>
+            <a:r>
+              <a:rPr lang="en-AU"/>
+              <a:t/>
+            </a:r>
+            <a:br>
+              <a:rPr lang="en-AU"/>
+            </a:br>
+            <a:r>
+              <a:rPr lang="en-AU">
+                <a:hlinkClick r:id="rId2"/>
+              </a:rPr>
+              <a:t>http://saugchatroomapp.cloudapp.net/</a:t>
             </a:r>
             <a:endParaRPr lang="en-AU" dirty="0"/>
           </a:p>
@@ -17103,13 +17090,8 @@
           <a:p>
             <a:r>
               <a:rPr lang="en-AU" dirty="0" smtClean="0"/>
-              <a:t>Single page apps with lots of asynchronous calls (</a:t>
-            </a:r>
-            <a:r>
-              <a:rPr lang="en-AU" dirty="0" smtClean="0"/>
-              <a:t>Gmail etc.)</a:t>
-            </a:r>
-            <a:endParaRPr lang="en-AU" dirty="0" smtClean="0"/>
+              <a:t>Single page apps with lots of asynchronous calls (Gmail etc.)</a:t>
+            </a:r>
           </a:p>
           <a:p>
             <a:r>
@@ -17322,27 +17304,7 @@
             </a:r>
             <a:r>
               <a:rPr lang="en-AU" dirty="0" smtClean="0"/>
-              <a:t>orn in Dublin Ireland, </a:t>
-            </a:r>
-            <a:r>
-              <a:rPr lang="en-AU" dirty="0" smtClean="0"/>
-              <a:t>living in </a:t>
-            </a:r>
-            <a:r>
-              <a:rPr lang="en-AU" dirty="0" smtClean="0"/>
-              <a:t>Australia </a:t>
-            </a:r>
-            <a:r>
-              <a:rPr lang="en-AU" dirty="0" smtClean="0"/>
-              <a:t>since</a:t>
-            </a:r>
-            <a:r>
-              <a:rPr lang="en-AU" dirty="0" smtClean="0"/>
-              <a:t> </a:t>
-            </a:r>
-            <a:r>
-              <a:rPr lang="en-AU" dirty="0" smtClean="0"/>
-              <a:t>2006</a:t>
+              <a:t>orn in Dublin Ireland, living in Australia since 2006</a:t>
             </a:r>
           </a:p>
           <a:p>
@@ -17699,15 +17661,7 @@
           <a:p>
             <a:r>
               <a:rPr lang="en-AU" dirty="0" smtClean="0"/>
-              <a:t>t</a:t>
-            </a:r>
-            <a:r>
-              <a:rPr lang="en-AU" dirty="0" smtClean="0"/>
-              <a:t>ooling, SDKs  and developer </a:t>
-            </a:r>
-            <a:r>
-              <a:rPr lang="en-AU" dirty="0" smtClean="0"/>
-              <a:t>experience</a:t>
+              <a:t>tooling, SDKs  and developer experience</a:t>
             </a:r>
           </a:p>
           <a:p>
@@ -17717,39 +17671,14 @@
             </a:r>
             <a:r>
               <a:rPr lang="en-AU" dirty="0" smtClean="0"/>
-              <a:t>uild </a:t>
-            </a:r>
+              <a:t>uild and deploy a chat room application using Windows Azure SDK for Node.js</a:t>
+            </a:r>
+          </a:p>
+          <a:p>
             <a:r>
               <a:rPr lang="en-AU" dirty="0" smtClean="0"/>
-              <a:t>and </a:t>
-            </a:r>
-            <a:r>
-              <a:rPr lang="en-AU" dirty="0" smtClean="0"/>
-              <a:t>deploy </a:t>
-            </a:r>
-            <a:r>
-              <a:rPr lang="en-AU" dirty="0" smtClean="0"/>
-              <a:t>a </a:t>
-            </a:r>
-            <a:r>
-              <a:rPr lang="en-AU" dirty="0" smtClean="0"/>
-              <a:t>chat </a:t>
-            </a:r>
-            <a:r>
-              <a:rPr lang="en-AU" dirty="0" smtClean="0"/>
-              <a:t>room application using Windows Azure SDK for Node.js</a:t>
-            </a:r>
-          </a:p>
-          <a:p>
-            <a:r>
-              <a:rPr lang="en-AU" dirty="0" smtClean="0"/>
-              <a:t>When should I use it</a:t>
-            </a:r>
-            <a:r>
-              <a:rPr lang="en-AU" dirty="0" smtClean="0"/>
-              <a:t>?</a:t>
-            </a:r>
-            <a:endParaRPr lang="en-AU" dirty="0" smtClean="0"/>
+              <a:t>When should I use it?</a:t>
+            </a:r>
           </a:p>
           <a:p>
             <a:endParaRPr lang="en-AU" dirty="0" smtClean="0"/>
@@ -17844,15 +17773,7 @@
           <a:p>
             <a:r>
               <a:rPr lang="en-AU" dirty="0" smtClean="0"/>
-              <a:t>Server side technology for building scalable network </a:t>
-            </a:r>
-            <a:r>
-              <a:rPr lang="en-AU" dirty="0" smtClean="0"/>
-              <a:t> </a:t>
-            </a:r>
-            <a:r>
-              <a:rPr lang="en-AU" dirty="0" smtClean="0"/>
-              <a:t>programs.</a:t>
+              <a:t>Server side technology for building scalable network  programs.</a:t>
             </a:r>
           </a:p>
           <a:p>
@@ -20819,11 +20740,7 @@
           <a:p>
             <a:r>
               <a:rPr lang="en-AU" dirty="0" smtClean="0"/>
-              <a:t>Response </a:t>
-            </a:r>
-            <a:r>
-              <a:rPr lang="en-AU" dirty="0" smtClean="0"/>
-              <a:t>10000</a:t>
+              <a:t>Response 10000</a:t>
             </a:r>
             <a:endParaRPr lang="en-AU" dirty="0"/>
           </a:p>
@@ -22830,21 +22747,6 @@
 </file>
 
 <file path=customXml/item1.xml><?xml version="1.0" encoding="utf-8"?>
-<p:properties xmlns:p="http://schemas.microsoft.com/office/2006/metadata/properties" xmlns:xsi="http://www.w3.org/2001/XMLSchema-instance">
-  <documentManagement/>
-</p:properties>
-</file>
-
-<file path=customXml/item2.xml><?xml version="1.0" encoding="utf-8"?>
-<?mso-contentType ?>
-<FormTemplates xmlns="http://schemas.microsoft.com/sharepoint/v3/contenttype/forms">
-  <Display>DocumentLibraryForm</Display>
-  <Edit>DocumentLibraryForm</Edit>
-  <New>DocumentLibraryForm</New>
-</FormTemplates>
-</file>
-
-<file path=customXml/item3.xml><?xml version="1.0" encoding="utf-8"?>
 <?mso-contentType ?>
 <rca:RCAuthoringProperties xmlns:rca="urn:sharePointPublishingRcaProperties">
   <rca:Converter rca:guid="6dfdc5b4-2a28-4a06-b0c6-ad3901e3a807">
@@ -22860,6 +22762,21 @@
     <rca:property rca:type="ConverterSpecificSettings"/>
   </rca:Converter>
 </rca:RCAuthoringProperties>
+</file>
+
+<file path=customXml/item2.xml><?xml version="1.0" encoding="utf-8"?>
+<?mso-contentType ?>
+<FormTemplates xmlns="http://schemas.microsoft.com/sharepoint/v3/contenttype/forms">
+  <Display>DocumentLibraryForm</Display>
+  <Edit>DocumentLibraryForm</Edit>
+  <New>DocumentLibraryForm</New>
+</FormTemplates>
+</file>
+
+<file path=customXml/item3.xml><?xml version="1.0" encoding="utf-8"?>
+<p:properties xmlns:p="http://schemas.microsoft.com/office/2006/metadata/properties" xmlns:xsi="http://www.w3.org/2001/XMLSchema-instance">
+  <documentManagement/>
+</p:properties>
 </file>
 
 <file path=customXml/item4.xml><?xml version="1.0" encoding="utf-8"?>
@@ -22912,15 +22829,9 @@
 </file>
 
 <file path=customXml/itemProps1.xml><?xml version="1.0" encoding="utf-8"?>
-<ds:datastoreItem xmlns:ds="http://schemas.openxmlformats.org/officeDocument/2006/customXml" ds:itemID="{BDEC00FF-5F1B-415D-9C89-173832172D95}">
+<ds:datastoreItem xmlns:ds="http://schemas.openxmlformats.org/officeDocument/2006/customXml" ds:itemID="{37DE6E84-255A-45E8-8353-BCD6A4998E02}">
   <ds:schemaRefs>
-    <ds:schemaRef ds:uri="http://schemas.microsoft.com/office/2006/metadata/properties"/>
-    <ds:schemaRef ds:uri="http://schemas.openxmlformats.org/package/2006/metadata/core-properties"/>
-    <ds:schemaRef ds:uri="http://schemas.microsoft.com/office/2006/documentManagement/types"/>
-    <ds:schemaRef ds:uri="http://purl.org/dc/elements/1.1/"/>
-    <ds:schemaRef ds:uri="http://purl.org/dc/dcmitype/"/>
-    <ds:schemaRef ds:uri="http://purl.org/dc/terms/"/>
-    <ds:schemaRef ds:uri="http://www.w3.org/XML/1998/namespace"/>
+    <ds:schemaRef ds:uri="urn:sharePointPublishingRcaProperties"/>
   </ds:schemaRefs>
 </ds:datastoreItem>
 </file>
@@ -22934,9 +22845,15 @@
 </file>
 
 <file path=customXml/itemProps3.xml><?xml version="1.0" encoding="utf-8"?>
-<ds:datastoreItem xmlns:ds="http://schemas.openxmlformats.org/officeDocument/2006/customXml" ds:itemID="{37DE6E84-255A-45E8-8353-BCD6A4998E02}">
+<ds:datastoreItem xmlns:ds="http://schemas.openxmlformats.org/officeDocument/2006/customXml" ds:itemID="{BDEC00FF-5F1B-415D-9C89-173832172D95}">
   <ds:schemaRefs>
-    <ds:schemaRef ds:uri="urn:sharePointPublishingRcaProperties"/>
+    <ds:schemaRef ds:uri="http://schemas.microsoft.com/office/2006/metadata/properties"/>
+    <ds:schemaRef ds:uri="http://schemas.openxmlformats.org/package/2006/metadata/core-properties"/>
+    <ds:schemaRef ds:uri="http://schemas.microsoft.com/office/2006/documentManagement/types"/>
+    <ds:schemaRef ds:uri="http://purl.org/dc/elements/1.1/"/>
+    <ds:schemaRef ds:uri="http://purl.org/dc/dcmitype/"/>
+    <ds:schemaRef ds:uri="http://purl.org/dc/terms/"/>
+    <ds:schemaRef ds:uri="http://www.w3.org/XML/1998/namespace"/>
   </ds:schemaRefs>
 </ds:datastoreItem>
 </file>

--- a/presentation/Building Node.js Applications on Windows Azure.pptx
+++ b/presentation/Building Node.js Applications on Windows Azure.pptx
@@ -16052,7 +16052,7 @@
           <a:graphicData uri="http://schemas.openxmlformats.org/presentationml/2006/ole">
             <mc:AlternateContent xmlns:mc="http://schemas.openxmlformats.org/markup-compatibility/2006">
               <mc:Choice xmlns:v="urn:schemas-microsoft-com:vml" Requires="v">
-                <p:oleObj spid="_x0000_s1067" name="Packager Shell Object" showAsIcon="1" r:id="rId3" imgW="914400" imgH="771480" progId="Package">
+                <p:oleObj spid="_x0000_s1069" name="Packager Shell Object" showAsIcon="1" r:id="rId3" imgW="914400" imgH="771480" progId="Package">
                   <p:embed/>
                 </p:oleObj>
               </mc:Choice>
@@ -16533,7 +16533,7 @@
           <a:graphicData uri="http://schemas.openxmlformats.org/presentationml/2006/ole">
             <mc:AlternateContent xmlns:mc="http://schemas.openxmlformats.org/markup-compatibility/2006">
               <mc:Choice xmlns:v="urn:schemas-microsoft-com:vml" Requires="v">
-                <p:oleObj spid="_x0000_s3080" name="Packager Shell Object" showAsIcon="1" r:id="rId5" imgW="1663920" imgH="685800" progId="Package">
+                <p:oleObj spid="_x0000_s3082" name="Packager Shell Object" showAsIcon="1" r:id="rId5" imgW="1663920" imgH="685800" progId="Package">
                   <p:embed/>
                 </p:oleObj>
               </mc:Choice>
@@ -16966,27 +16966,21 @@
             </a:r>
             <a:r>
               <a:rPr lang="en-AU" dirty="0" smtClean="0"/>
-              <a:t> with Node.js , Sockets.io and </a:t>
-            </a:r>
-            <a:r>
-              <a:rPr lang="en-AU" dirty="0" smtClean="0"/>
-              <a:t>Knockout.js</a:t>
+              <a:t> with Node.js , Sockets.io and Knockout.js</a:t>
             </a:r>
             <a:br>
               <a:rPr lang="en-AU" dirty="0" smtClean="0"/>
             </a:br>
             <a:r>
-              <a:rPr lang="en-AU"/>
+              <a:rPr lang="en-AU" dirty="0"/>
               <a:t/>
             </a:r>
             <a:br>
-              <a:rPr lang="en-AU"/>
+              <a:rPr lang="en-AU" dirty="0"/>
             </a:br>
             <a:r>
-              <a:rPr lang="en-AU">
-                <a:hlinkClick r:id="rId2"/>
-              </a:rPr>
-              <a:t>http://saugchatroomapp.cloudapp.net/</a:t>
+              <a:rPr lang="en-AU" dirty="0"/>
+              <a:t>http://saugnodechatapp.cloudapp.net/</a:t>
             </a:r>
             <a:endParaRPr lang="en-AU" dirty="0"/>
           </a:p>
@@ -20317,7 +20311,7 @@
                   <a:srgbClr val="FF0000"/>
                 </a:solidFill>
               </a:rPr>
-              <a:t>10000</a:t>
+              <a:t>99999</a:t>
             </a:r>
             <a:endParaRPr lang="en-AU" dirty="0">
               <a:solidFill>
@@ -20740,7 +20734,11 @@
           <a:p>
             <a:r>
               <a:rPr lang="en-AU" dirty="0" smtClean="0"/>
-              <a:t>Response 10000</a:t>
+              <a:t>Response </a:t>
+            </a:r>
+            <a:r>
+              <a:rPr lang="en-AU" dirty="0" smtClean="0"/>
+              <a:t>99999</a:t>
             </a:r>
             <a:endParaRPr lang="en-AU" dirty="0"/>
           </a:p>
@@ -22747,6 +22745,21 @@
 </file>
 
 <file path=customXml/item1.xml><?xml version="1.0" encoding="utf-8"?>
+<p:properties xmlns:p="http://schemas.microsoft.com/office/2006/metadata/properties" xmlns:xsi="http://www.w3.org/2001/XMLSchema-instance">
+  <documentManagement/>
+</p:properties>
+</file>
+
+<file path=customXml/item2.xml><?xml version="1.0" encoding="utf-8"?>
+<?mso-contentType ?>
+<FormTemplates xmlns="http://schemas.microsoft.com/sharepoint/v3/contenttype/forms">
+  <Display>DocumentLibraryForm</Display>
+  <Edit>DocumentLibraryForm</Edit>
+  <New>DocumentLibraryForm</New>
+</FormTemplates>
+</file>
+
+<file path=customXml/item3.xml><?xml version="1.0" encoding="utf-8"?>
 <?mso-contentType ?>
 <rca:RCAuthoringProperties xmlns:rca="urn:sharePointPublishingRcaProperties">
   <rca:Converter rca:guid="6dfdc5b4-2a28-4a06-b0c6-ad3901e3a807">
@@ -22762,21 +22775,6 @@
     <rca:property rca:type="ConverterSpecificSettings"/>
   </rca:Converter>
 </rca:RCAuthoringProperties>
-</file>
-
-<file path=customXml/item2.xml><?xml version="1.0" encoding="utf-8"?>
-<?mso-contentType ?>
-<FormTemplates xmlns="http://schemas.microsoft.com/sharepoint/v3/contenttype/forms">
-  <Display>DocumentLibraryForm</Display>
-  <Edit>DocumentLibraryForm</Edit>
-  <New>DocumentLibraryForm</New>
-</FormTemplates>
-</file>
-
-<file path=customXml/item3.xml><?xml version="1.0" encoding="utf-8"?>
-<p:properties xmlns:p="http://schemas.microsoft.com/office/2006/metadata/properties" xmlns:xsi="http://www.w3.org/2001/XMLSchema-instance">
-  <documentManagement/>
-</p:properties>
 </file>
 
 <file path=customXml/item4.xml><?xml version="1.0" encoding="utf-8"?>
@@ -22829,9 +22827,15 @@
 </file>
 
 <file path=customXml/itemProps1.xml><?xml version="1.0" encoding="utf-8"?>
-<ds:datastoreItem xmlns:ds="http://schemas.openxmlformats.org/officeDocument/2006/customXml" ds:itemID="{37DE6E84-255A-45E8-8353-BCD6A4998E02}">
+<ds:datastoreItem xmlns:ds="http://schemas.openxmlformats.org/officeDocument/2006/customXml" ds:itemID="{BDEC00FF-5F1B-415D-9C89-173832172D95}">
   <ds:schemaRefs>
-    <ds:schemaRef ds:uri="urn:sharePointPublishingRcaProperties"/>
+    <ds:schemaRef ds:uri="http://schemas.microsoft.com/office/2006/metadata/properties"/>
+    <ds:schemaRef ds:uri="http://schemas.openxmlformats.org/package/2006/metadata/core-properties"/>
+    <ds:schemaRef ds:uri="http://schemas.microsoft.com/office/2006/documentManagement/types"/>
+    <ds:schemaRef ds:uri="http://purl.org/dc/elements/1.1/"/>
+    <ds:schemaRef ds:uri="http://purl.org/dc/dcmitype/"/>
+    <ds:schemaRef ds:uri="http://purl.org/dc/terms/"/>
+    <ds:schemaRef ds:uri="http://www.w3.org/XML/1998/namespace"/>
   </ds:schemaRefs>
 </ds:datastoreItem>
 </file>
@@ -22845,15 +22849,9 @@
 </file>
 
 <file path=customXml/itemProps3.xml><?xml version="1.0" encoding="utf-8"?>
-<ds:datastoreItem xmlns:ds="http://schemas.openxmlformats.org/officeDocument/2006/customXml" ds:itemID="{BDEC00FF-5F1B-415D-9C89-173832172D95}">
+<ds:datastoreItem xmlns:ds="http://schemas.openxmlformats.org/officeDocument/2006/customXml" ds:itemID="{37DE6E84-255A-45E8-8353-BCD6A4998E02}">
   <ds:schemaRefs>
-    <ds:schemaRef ds:uri="http://schemas.microsoft.com/office/2006/metadata/properties"/>
-    <ds:schemaRef ds:uri="http://schemas.openxmlformats.org/package/2006/metadata/core-properties"/>
-    <ds:schemaRef ds:uri="http://schemas.microsoft.com/office/2006/documentManagement/types"/>
-    <ds:schemaRef ds:uri="http://purl.org/dc/elements/1.1/"/>
-    <ds:schemaRef ds:uri="http://purl.org/dc/dcmitype/"/>
-    <ds:schemaRef ds:uri="http://purl.org/dc/terms/"/>
-    <ds:schemaRef ds:uri="http://www.w3.org/XML/1998/namespace"/>
+    <ds:schemaRef ds:uri="urn:sharePointPublishingRcaProperties"/>
   </ds:schemaRefs>
 </ds:datastoreItem>
 </file>

--- a/presentation/Building Node.js Applications on Windows Azure.pptx
+++ b/presentation/Building Node.js Applications on Windows Azure.pptx
@@ -2587,8 +2587,8 @@
       </dsp:nvSpPr>
       <dsp:spPr>
         <a:xfrm>
-          <a:off x="825612" y="1834"/>
-          <a:ext cx="1892685" cy="1135611"/>
+          <a:off x="0" y="417230"/>
+          <a:ext cx="1552672" cy="931603"/>
         </a:xfrm>
         <a:prstGeom prst="rect">
           <a:avLst/>
@@ -2629,12 +2629,12 @@
         </a:fontRef>
       </dsp:style>
       <dsp:txBody>
-        <a:bodyPr spcFirstLastPara="0" vert="horz" wrap="square" lIns="83820" tIns="83820" rIns="83820" bIns="83820" numCol="1" spcCol="1270" anchor="ctr" anchorCtr="0">
+        <a:bodyPr spcFirstLastPara="0" vert="horz" wrap="square" lIns="68580" tIns="68580" rIns="68580" bIns="68580" numCol="1" spcCol="1270" anchor="ctr" anchorCtr="0">
           <a:noAutofit/>
         </a:bodyPr>
         <a:lstStyle/>
         <a:p>
-          <a:pPr lvl="0" algn="ctr" defTabSz="977900">
+          <a:pPr lvl="0" algn="ctr" defTabSz="800100">
             <a:lnSpc>
               <a:spcPct val="90000"/>
             </a:lnSpc>
@@ -2646,15 +2646,15 @@
             </a:spcAft>
           </a:pPr>
           <a:r>
-            <a:rPr lang="en-AU" sz="2200" kern="1200" dirty="0" smtClean="0"/>
+            <a:rPr lang="en-AU" sz="1800" kern="1200" dirty="0" smtClean="0"/>
             <a:t>Node.js</a:t>
           </a:r>
-          <a:endParaRPr lang="en-AU" sz="2200" kern="1200" dirty="0"/>
+          <a:endParaRPr lang="en-AU" sz="1800" kern="1200" dirty="0"/>
         </a:p>
       </dsp:txBody>
       <dsp:txXfrm>
-        <a:off x="825612" y="1834"/>
-        <a:ext cx="1892685" cy="1135611"/>
+        <a:off x="0" y="417230"/>
+        <a:ext cx="1552672" cy="931603"/>
       </dsp:txXfrm>
     </dsp:sp>
     <dsp:sp modelId="{744D547D-58BE-4752-8309-1832680F98D1}">
@@ -2664,8 +2664,8 @@
       </dsp:nvSpPr>
       <dsp:spPr>
         <a:xfrm>
-          <a:off x="2907566" y="1834"/>
-          <a:ext cx="1892685" cy="1135611"/>
+          <a:off x="1707939" y="417230"/>
+          <a:ext cx="1552672" cy="931603"/>
         </a:xfrm>
         <a:prstGeom prst="rect">
           <a:avLst/>
@@ -2706,12 +2706,12 @@
         </a:fontRef>
       </dsp:style>
       <dsp:txBody>
-        <a:bodyPr spcFirstLastPara="0" vert="horz" wrap="square" lIns="83820" tIns="83820" rIns="83820" bIns="83820" numCol="1" spcCol="1270" anchor="ctr" anchorCtr="0">
+        <a:bodyPr spcFirstLastPara="0" vert="horz" wrap="square" lIns="68580" tIns="68580" rIns="68580" bIns="68580" numCol="1" spcCol="1270" anchor="ctr" anchorCtr="0">
           <a:noAutofit/>
         </a:bodyPr>
         <a:lstStyle/>
         <a:p>
-          <a:pPr lvl="0" algn="ctr" defTabSz="977900">
+          <a:pPr lvl="0" algn="ctr" defTabSz="800100">
             <a:lnSpc>
               <a:spcPct val="90000"/>
             </a:lnSpc>
@@ -2723,15 +2723,15 @@
             </a:spcAft>
           </a:pPr>
           <a:r>
-            <a:rPr lang="en-AU" sz="2200" kern="1200" dirty="0" err="1" smtClean="0"/>
+            <a:rPr lang="en-AU" sz="1800" kern="1200" dirty="0" err="1" smtClean="0"/>
             <a:t>IISNode</a:t>
           </a:r>
-          <a:endParaRPr lang="en-AU" sz="2200" kern="1200" dirty="0"/>
+          <a:endParaRPr lang="en-AU" sz="1800" kern="1200" dirty="0"/>
         </a:p>
       </dsp:txBody>
       <dsp:txXfrm>
-        <a:off x="2907566" y="1834"/>
-        <a:ext cx="1892685" cy="1135611"/>
+        <a:off x="1707939" y="417230"/>
+        <a:ext cx="1552672" cy="931603"/>
       </dsp:txXfrm>
     </dsp:sp>
     <dsp:sp modelId="{DEEE9154-A3EC-4DAB-9952-EECA76A1B22E}">
@@ -2741,8 +2741,8 @@
       </dsp:nvSpPr>
       <dsp:spPr>
         <a:xfrm>
-          <a:off x="825612" y="1326714"/>
-          <a:ext cx="1892685" cy="1135611"/>
+          <a:off x="3415879" y="417230"/>
+          <a:ext cx="1552672" cy="931603"/>
         </a:xfrm>
         <a:prstGeom prst="rect">
           <a:avLst/>
@@ -2783,12 +2783,12 @@
         </a:fontRef>
       </dsp:style>
       <dsp:txBody>
-        <a:bodyPr spcFirstLastPara="0" vert="horz" wrap="square" lIns="83820" tIns="83820" rIns="83820" bIns="83820" numCol="1" spcCol="1270" anchor="ctr" anchorCtr="0">
+        <a:bodyPr spcFirstLastPara="0" vert="horz" wrap="square" lIns="68580" tIns="68580" rIns="68580" bIns="68580" numCol="1" spcCol="1270" anchor="ctr" anchorCtr="0">
           <a:noAutofit/>
         </a:bodyPr>
         <a:lstStyle/>
         <a:p>
-          <a:pPr lvl="0" algn="ctr" defTabSz="977900">
+          <a:pPr lvl="0" algn="ctr" defTabSz="800100">
             <a:lnSpc>
               <a:spcPct val="90000"/>
             </a:lnSpc>
@@ -2800,19 +2800,19 @@
             </a:spcAft>
           </a:pPr>
           <a:r>
-            <a:rPr lang="en-AU" sz="2200" kern="1200" dirty="0" smtClean="0"/>
+            <a:rPr lang="en-AU" sz="1800" kern="1200" dirty="0" smtClean="0"/>
             <a:t>NPM for </a:t>
           </a:r>
           <a:r>
-            <a:rPr lang="en-AU" sz="2200" kern="1200" dirty="0" err="1" smtClean="0"/>
+            <a:rPr lang="en-AU" sz="1800" kern="1200" dirty="0" err="1" smtClean="0"/>
             <a:t>WIndows</a:t>
           </a:r>
-          <a:endParaRPr lang="en-AU" sz="2200" kern="1200" dirty="0"/>
+          <a:endParaRPr lang="en-AU" sz="1800" kern="1200" dirty="0"/>
         </a:p>
       </dsp:txBody>
       <dsp:txXfrm>
-        <a:off x="825612" y="1326714"/>
-        <a:ext cx="1892685" cy="1135611"/>
+        <a:off x="3415879" y="417230"/>
+        <a:ext cx="1552672" cy="931603"/>
       </dsp:txXfrm>
     </dsp:sp>
     <dsp:sp modelId="{A40A3835-788C-463B-BBCE-3935360373CF}">
@@ -2822,8 +2822,8 @@
       </dsp:nvSpPr>
       <dsp:spPr>
         <a:xfrm>
-          <a:off x="2907566" y="1326714"/>
-          <a:ext cx="1892685" cy="1135611"/>
+          <a:off x="853969" y="1504101"/>
+          <a:ext cx="1552672" cy="931603"/>
         </a:xfrm>
         <a:prstGeom prst="rect">
           <a:avLst/>
@@ -2864,12 +2864,12 @@
         </a:fontRef>
       </dsp:style>
       <dsp:txBody>
-        <a:bodyPr spcFirstLastPara="0" vert="horz" wrap="square" lIns="83820" tIns="83820" rIns="83820" bIns="83820" numCol="1" spcCol="1270" anchor="ctr" anchorCtr="0">
+        <a:bodyPr spcFirstLastPara="0" vert="horz" wrap="square" lIns="68580" tIns="68580" rIns="68580" bIns="68580" numCol="1" spcCol="1270" anchor="ctr" anchorCtr="0">
           <a:noAutofit/>
         </a:bodyPr>
         <a:lstStyle/>
         <a:p>
-          <a:pPr lvl="0" algn="ctr" defTabSz="977900">
+          <a:pPr lvl="0" algn="ctr" defTabSz="800100">
             <a:lnSpc>
               <a:spcPct val="90000"/>
             </a:lnSpc>
@@ -2881,14 +2881,14 @@
             </a:spcAft>
           </a:pPr>
           <a:r>
-            <a:rPr lang="en-AU" sz="2200" kern="1200" dirty="0" smtClean="0"/>
+            <a:rPr lang="en-AU" sz="1800" kern="1200" dirty="0" smtClean="0"/>
             <a:t>Azure Emulator</a:t>
           </a:r>
         </a:p>
       </dsp:txBody>
       <dsp:txXfrm>
-        <a:off x="2907566" y="1326714"/>
-        <a:ext cx="1892685" cy="1135611"/>
+        <a:off x="853969" y="1504101"/>
+        <a:ext cx="1552672" cy="931603"/>
       </dsp:txXfrm>
     </dsp:sp>
     <dsp:sp modelId="{5A315452-6BEC-44F6-A89D-559E22B716FA}">
@@ -2898,8 +2898,8 @@
       </dsp:nvSpPr>
       <dsp:spPr>
         <a:xfrm>
-          <a:off x="1866589" y="2651594"/>
-          <a:ext cx="1892685" cy="1135611"/>
+          <a:off x="2561909" y="1504101"/>
+          <a:ext cx="1552672" cy="931603"/>
         </a:xfrm>
         <a:prstGeom prst="rect">
           <a:avLst/>
@@ -2940,12 +2940,12 @@
         </a:fontRef>
       </dsp:style>
       <dsp:txBody>
-        <a:bodyPr spcFirstLastPara="0" vert="horz" wrap="square" lIns="83820" tIns="83820" rIns="83820" bIns="83820" numCol="1" spcCol="1270" anchor="ctr" anchorCtr="0">
+        <a:bodyPr spcFirstLastPara="0" vert="horz" wrap="square" lIns="68580" tIns="68580" rIns="68580" bIns="68580" numCol="1" spcCol="1270" anchor="ctr" anchorCtr="0">
           <a:noAutofit/>
         </a:bodyPr>
         <a:lstStyle/>
         <a:p>
-          <a:pPr lvl="0" algn="ctr" defTabSz="977900">
+          <a:pPr lvl="0" algn="ctr" defTabSz="800100">
             <a:lnSpc>
               <a:spcPct val="90000"/>
             </a:lnSpc>
@@ -2957,19 +2957,19 @@
             </a:spcAft>
           </a:pPr>
           <a:r>
-            <a:rPr lang="en-AU" sz="2200" kern="1200" dirty="0" smtClean="0"/>
+            <a:rPr lang="en-AU" sz="1800" kern="1200" dirty="0" smtClean="0"/>
             <a:t>Azure PowerShell </a:t>
           </a:r>
           <a:r>
-            <a:rPr lang="en-AU" sz="2200" kern="1200" dirty="0" err="1" smtClean="0"/>
+            <a:rPr lang="en-AU" sz="1800" kern="1200" dirty="0" err="1" smtClean="0"/>
             <a:t>cmdlets</a:t>
           </a:r>
-          <a:endParaRPr lang="en-AU" sz="2200" kern="1200" dirty="0" smtClean="0"/>
+          <a:endParaRPr lang="en-AU" sz="1800" kern="1200" dirty="0" smtClean="0"/>
         </a:p>
       </dsp:txBody>
       <dsp:txXfrm>
-        <a:off x="1866589" y="2651594"/>
-        <a:ext cx="1892685" cy="1135611"/>
+        <a:off x="2561909" y="1504101"/>
+        <a:ext cx="1552672" cy="931603"/>
       </dsp:txXfrm>
     </dsp:sp>
   </dsp:spTree>
@@ -5557,7 +5557,7 @@
             <a:fld id="{7785875F-706E-40BB-864A-2D06F0E4670E}" type="datetimeFigureOut">
               <a:rPr lang="en-AU" smtClean="0"/>
               <a:pPr/>
-              <a:t>19/03/2012</a:t>
+              <a:t>20/03/2012</a:t>
             </a:fld>
             <a:endParaRPr lang="en-AU" dirty="0"/>
           </a:p>
@@ -5724,7 +5724,7 @@
             <a:fld id="{7DDF49B5-0C03-42A4-A086-8D97D52D2493}" type="datetimeFigureOut">
               <a:rPr lang="en-AU" smtClean="0"/>
               <a:pPr/>
-              <a:t>19/03/2012</a:t>
+              <a:t>20/03/2012</a:t>
             </a:fld>
             <a:endParaRPr lang="en-AU" dirty="0"/>
           </a:p>
@@ -8824,7 +8824,7 @@
             <a:fld id="{CA10310C-7EC1-470A-8BF5-D51EF2D864BA}" type="datetimeFigureOut">
               <a:rPr lang="en-AU" smtClean="0"/>
               <a:pPr/>
-              <a:t>19/03/2012</a:t>
+              <a:t>20/03/2012</a:t>
             </a:fld>
             <a:endParaRPr lang="en-AU"/>
           </a:p>
@@ -8991,7 +8991,7 @@
             <a:fld id="{CA10310C-7EC1-470A-8BF5-D51EF2D864BA}" type="datetimeFigureOut">
               <a:rPr lang="en-AU" smtClean="0"/>
               <a:pPr/>
-              <a:t>19/03/2012</a:t>
+              <a:t>20/03/2012</a:t>
             </a:fld>
             <a:endParaRPr lang="en-AU"/>
           </a:p>
@@ -9234,7 +9234,7 @@
             <a:fld id="{CA10310C-7EC1-470A-8BF5-D51EF2D864BA}" type="datetimeFigureOut">
               <a:rPr lang="en-AU" smtClean="0"/>
               <a:pPr/>
-              <a:t>19/03/2012</a:t>
+              <a:t>20/03/2012</a:t>
             </a:fld>
             <a:endParaRPr lang="en-AU"/>
           </a:p>
@@ -9519,7 +9519,7 @@
             <a:fld id="{CA10310C-7EC1-470A-8BF5-D51EF2D864BA}" type="datetimeFigureOut">
               <a:rPr lang="en-AU" smtClean="0"/>
               <a:pPr/>
-              <a:t>19/03/2012</a:t>
+              <a:t>20/03/2012</a:t>
             </a:fld>
             <a:endParaRPr lang="en-AU"/>
           </a:p>
@@ -9938,7 +9938,7 @@
             <a:fld id="{CA10310C-7EC1-470A-8BF5-D51EF2D864BA}" type="datetimeFigureOut">
               <a:rPr lang="en-AU" smtClean="0"/>
               <a:pPr/>
-              <a:t>19/03/2012</a:t>
+              <a:t>20/03/2012</a:t>
             </a:fld>
             <a:endParaRPr lang="en-AU"/>
           </a:p>
@@ -10053,7 +10053,7 @@
             <a:fld id="{CA10310C-7EC1-470A-8BF5-D51EF2D864BA}" type="datetimeFigureOut">
               <a:rPr lang="en-AU" smtClean="0"/>
               <a:pPr/>
-              <a:t>19/03/2012</a:t>
+              <a:t>20/03/2012</a:t>
             </a:fld>
             <a:endParaRPr lang="en-AU"/>
           </a:p>
@@ -10145,7 +10145,7 @@
             <a:fld id="{CA10310C-7EC1-470A-8BF5-D51EF2D864BA}" type="datetimeFigureOut">
               <a:rPr lang="en-AU" smtClean="0"/>
               <a:pPr/>
-              <a:t>19/03/2012</a:t>
+              <a:t>20/03/2012</a:t>
             </a:fld>
             <a:endParaRPr lang="en-AU"/>
           </a:p>
@@ -10419,7 +10419,7 @@
             <a:fld id="{CA10310C-7EC1-470A-8BF5-D51EF2D864BA}" type="datetimeFigureOut">
               <a:rPr lang="en-AU" smtClean="0"/>
               <a:pPr/>
-              <a:t>19/03/2012</a:t>
+              <a:t>20/03/2012</a:t>
             </a:fld>
             <a:endParaRPr lang="en-AU"/>
           </a:p>
@@ -10669,7 +10669,7 @@
             <a:fld id="{CA10310C-7EC1-470A-8BF5-D51EF2D864BA}" type="datetimeFigureOut">
               <a:rPr lang="en-AU" smtClean="0"/>
               <a:pPr/>
-              <a:t>19/03/2012</a:t>
+              <a:t>20/03/2012</a:t>
             </a:fld>
             <a:endParaRPr lang="en-AU"/>
           </a:p>
@@ -10836,7 +10836,7 @@
             <a:fld id="{CA10310C-7EC1-470A-8BF5-D51EF2D864BA}" type="datetimeFigureOut">
               <a:rPr lang="en-AU" smtClean="0"/>
               <a:pPr/>
-              <a:t>19/03/2012</a:t>
+              <a:t>20/03/2012</a:t>
             </a:fld>
             <a:endParaRPr lang="en-AU"/>
           </a:p>
@@ -11122,7 +11122,7 @@
             <a:fld id="{CA10310C-7EC1-470A-8BF5-D51EF2D864BA}" type="datetimeFigureOut">
               <a:rPr lang="en-AU" smtClean="0"/>
               <a:pPr/>
-              <a:t>19/03/2012</a:t>
+              <a:t>20/03/2012</a:t>
             </a:fld>
             <a:endParaRPr lang="en-AU"/>
           </a:p>
@@ -11361,7 +11361,7 @@
             <a:fld id="{85CE8AA0-9735-4FA2-95DD-391EE93AFE89}" type="datetimeFigureOut">
               <a:rPr lang="en-AU" smtClean="0"/>
               <a:pPr/>
-              <a:t>19/03/2012</a:t>
+              <a:t>20/03/2012</a:t>
             </a:fld>
             <a:endParaRPr lang="en-AU"/>
           </a:p>
@@ -11528,7 +11528,7 @@
             <a:fld id="{85CE8AA0-9735-4FA2-95DD-391EE93AFE89}" type="datetimeFigureOut">
               <a:rPr lang="en-AU" smtClean="0"/>
               <a:pPr/>
-              <a:t>19/03/2012</a:t>
+              <a:t>20/03/2012</a:t>
             </a:fld>
             <a:endParaRPr lang="en-AU"/>
           </a:p>
@@ -11771,7 +11771,7 @@
             <a:fld id="{85CE8AA0-9735-4FA2-95DD-391EE93AFE89}" type="datetimeFigureOut">
               <a:rPr lang="en-AU" smtClean="0"/>
               <a:pPr/>
-              <a:t>19/03/2012</a:t>
+              <a:t>20/03/2012</a:t>
             </a:fld>
             <a:endParaRPr lang="en-AU"/>
           </a:p>
@@ -12056,7 +12056,7 @@
             <a:fld id="{85CE8AA0-9735-4FA2-95DD-391EE93AFE89}" type="datetimeFigureOut">
               <a:rPr lang="en-AU" smtClean="0"/>
               <a:pPr/>
-              <a:t>19/03/2012</a:t>
+              <a:t>20/03/2012</a:t>
             </a:fld>
             <a:endParaRPr lang="en-AU"/>
           </a:p>
@@ -12475,7 +12475,7 @@
             <a:fld id="{85CE8AA0-9735-4FA2-95DD-391EE93AFE89}" type="datetimeFigureOut">
               <a:rPr lang="en-AU" smtClean="0"/>
               <a:pPr/>
-              <a:t>19/03/2012</a:t>
+              <a:t>20/03/2012</a:t>
             </a:fld>
             <a:endParaRPr lang="en-AU"/>
           </a:p>
@@ -12590,7 +12590,7 @@
             <a:fld id="{85CE8AA0-9735-4FA2-95DD-391EE93AFE89}" type="datetimeFigureOut">
               <a:rPr lang="en-AU" smtClean="0"/>
               <a:pPr/>
-              <a:t>19/03/2012</a:t>
+              <a:t>20/03/2012</a:t>
             </a:fld>
             <a:endParaRPr lang="en-AU"/>
           </a:p>
@@ -12682,7 +12682,7 @@
             <a:fld id="{85CE8AA0-9735-4FA2-95DD-391EE93AFE89}" type="datetimeFigureOut">
               <a:rPr lang="en-AU" smtClean="0"/>
               <a:pPr/>
-              <a:t>19/03/2012</a:t>
+              <a:t>20/03/2012</a:t>
             </a:fld>
             <a:endParaRPr lang="en-AU"/>
           </a:p>
@@ -12956,7 +12956,7 @@
             <a:fld id="{85CE8AA0-9735-4FA2-95DD-391EE93AFE89}" type="datetimeFigureOut">
               <a:rPr lang="en-AU" smtClean="0"/>
               <a:pPr/>
-              <a:t>19/03/2012</a:t>
+              <a:t>20/03/2012</a:t>
             </a:fld>
             <a:endParaRPr lang="en-AU"/>
           </a:p>
@@ -13206,7 +13206,7 @@
             <a:fld id="{85CE8AA0-9735-4FA2-95DD-391EE93AFE89}" type="datetimeFigureOut">
               <a:rPr lang="en-AU" smtClean="0"/>
               <a:pPr/>
-              <a:t>19/03/2012</a:t>
+              <a:t>20/03/2012</a:t>
             </a:fld>
             <a:endParaRPr lang="en-AU"/>
           </a:p>
@@ -13482,7 +13482,7 @@
             <a:fld id="{85CE8AA0-9735-4FA2-95DD-391EE93AFE89}" type="datetimeFigureOut">
               <a:rPr lang="en-AU" smtClean="0"/>
               <a:pPr/>
-              <a:t>19/03/2012</a:t>
+              <a:t>20/03/2012</a:t>
             </a:fld>
             <a:endParaRPr lang="en-AU"/>
           </a:p>
@@ -13659,7 +13659,7 @@
             <a:fld id="{85CE8AA0-9735-4FA2-95DD-391EE93AFE89}" type="datetimeFigureOut">
               <a:rPr lang="en-AU" smtClean="0"/>
               <a:pPr/>
-              <a:t>19/03/2012</a:t>
+              <a:t>20/03/2012</a:t>
             </a:fld>
             <a:endParaRPr lang="en-AU"/>
           </a:p>
@@ -13774,7 +13774,7 @@
             <a:fld id="{85CE8AA0-9735-4FA2-95DD-391EE93AFE89}" type="datetimeFigureOut">
               <a:rPr lang="en-AU" smtClean="0"/>
               <a:pPr/>
-              <a:t>19/03/2012</a:t>
+              <a:t>20/03/2012</a:t>
             </a:fld>
             <a:endParaRPr lang="en-AU"/>
           </a:p>
@@ -14862,7 +14862,7 @@
             <a:fld id="{CA10310C-7EC1-470A-8BF5-D51EF2D864BA}" type="datetimeFigureOut">
               <a:rPr lang="en-AU" smtClean="0"/>
               <a:pPr/>
-              <a:t>19/03/2012</a:t>
+              <a:t>20/03/2012</a:t>
             </a:fld>
             <a:endParaRPr lang="en-AU"/>
           </a:p>
@@ -15372,7 +15372,7 @@
             <a:fld id="{85CE8AA0-9735-4FA2-95DD-391EE93AFE89}" type="datetimeFigureOut">
               <a:rPr lang="en-AU" smtClean="0"/>
               <a:pPr/>
-              <a:t>19/03/2012</a:t>
+              <a:t>20/03/2012</a:t>
             </a:fld>
             <a:endParaRPr lang="en-AU"/>
           </a:p>
@@ -16039,7 +16039,7 @@
           <p:nvPr>
             <p:extLst>
               <p:ext uri="{D42A27DB-BD31-4B8C-83A1-F6EECF244321}">
-                <p14:modId xmlns:p14="http://schemas.microsoft.com/office/powerpoint/2010/main" val="2792654154"/>
+                <p14:modId xmlns:p14="http://schemas.microsoft.com/office/powerpoint/2010/main" val="2223032569"/>
               </p:ext>
             </p:extLst>
           </p:nvPr>
@@ -16052,7 +16052,7 @@
           <a:graphicData uri="http://schemas.openxmlformats.org/presentationml/2006/ole">
             <mc:AlternateContent xmlns:mc="http://schemas.openxmlformats.org/markup-compatibility/2006">
               <mc:Choice xmlns:v="urn:schemas-microsoft-com:vml" Requires="v">
-                <p:oleObj spid="_x0000_s1069" name="Packager Shell Object" showAsIcon="1" r:id="rId3" imgW="914400" imgH="771480" progId="Package">
+                <p:oleObj spid="_x0000_s1076" name="Packager Shell Object" showAsIcon="1" r:id="rId3" imgW="914400" imgH="771480" progId="Package">
                   <p:embed/>
                 </p:oleObj>
               </mc:Choice>
@@ -16223,12 +16223,8 @@
               <a:buNone/>
             </a:pPr>
             <a:r>
-              <a:rPr lang="en-AU" dirty="0"/>
-              <a:t>m</a:t>
-            </a:r>
-            <a:r>
               <a:rPr lang="en-AU" dirty="0" smtClean="0"/>
-              <a:t>ost popular…</a:t>
+              <a:t>Popular packages include…</a:t>
             </a:r>
             <a:endParaRPr lang="en-AU" dirty="0"/>
           </a:p>
@@ -16237,8 +16233,12 @@
               <a:buNone/>
             </a:pPr>
             <a:r>
+              <a:rPr lang="en-AU" b="1" dirty="0" smtClean="0"/>
+              <a:t>Express</a:t>
+            </a:r>
+            <a:r>
               <a:rPr lang="en-AU" dirty="0" smtClean="0"/>
-              <a:t>Express (web </a:t>
+              <a:t> (web </a:t>
             </a:r>
             <a:r>
               <a:rPr lang="en-AU" dirty="0" err="1" smtClean="0"/>
@@ -16246,7 +16246,15 @@
             </a:r>
             <a:r>
               <a:rPr lang="en-AU" dirty="0" smtClean="0"/>
-              <a:t> framework), Socket.IO (real-time </a:t>
+              <a:t> framework), </a:t>
+            </a:r>
+            <a:r>
+              <a:rPr lang="en-AU" b="1" dirty="0" smtClean="0"/>
+              <a:t>Socket.IO</a:t>
+            </a:r>
+            <a:r>
+              <a:rPr lang="en-AU" dirty="0" smtClean="0"/>
+              <a:t> (real-time </a:t>
             </a:r>
             <a:r>
               <a:rPr lang="en-AU" dirty="0" err="1" smtClean="0"/>
@@ -16254,7 +16262,15 @@
             </a:r>
             <a:r>
               <a:rPr lang="en-AU" dirty="0" smtClean="0"/>
-              <a:t>), Jade (</a:t>
+              <a:t>), </a:t>
+            </a:r>
+            <a:r>
+              <a:rPr lang="en-AU" b="1" dirty="0" smtClean="0"/>
+              <a:t>Jade</a:t>
+            </a:r>
+            <a:r>
+              <a:rPr lang="en-AU" dirty="0" smtClean="0"/>
+              <a:t> (</a:t>
             </a:r>
             <a:r>
               <a:rPr lang="en-AU" dirty="0" err="1" smtClean="0"/>
@@ -16265,12 +16281,36 @@
               <a:t> engine), </a:t>
             </a:r>
             <a:r>
-              <a:rPr lang="en-AU" dirty="0" err="1" smtClean="0"/>
-              <a:t>OAuth,node</a:t>
+              <a:rPr lang="en-AU" b="1" dirty="0" err="1" smtClean="0"/>
+              <a:t>OAuth</a:t>
             </a:r>
             <a:r>
               <a:rPr lang="en-AU" dirty="0" smtClean="0"/>
-              <a:t>-static (serving up static content)</a:t>
+              <a:t>, </a:t>
+            </a:r>
+            <a:r>
+              <a:rPr lang="en-AU" b="1" dirty="0" smtClean="0"/>
+              <a:t>N</a:t>
+            </a:r>
+            <a:r>
+              <a:rPr lang="en-AU" b="1" dirty="0" smtClean="0"/>
+              <a:t>ode-Static</a:t>
+            </a:r>
+            <a:r>
+              <a:rPr lang="en-AU" dirty="0" smtClean="0"/>
+              <a:t> </a:t>
+            </a:r>
+            <a:r>
+              <a:rPr lang="en-AU" dirty="0" smtClean="0"/>
+              <a:t>(</a:t>
+            </a:r>
+            <a:r>
+              <a:rPr lang="en-AU" dirty="0" smtClean="0"/>
+              <a:t>serves </a:t>
+            </a:r>
+            <a:r>
+              <a:rPr lang="en-AU" dirty="0" smtClean="0"/>
+              <a:t>static content)</a:t>
             </a:r>
           </a:p>
         </p:txBody>
@@ -16417,12 +16457,20 @@
           <a:bodyPr/>
           <a:lstStyle/>
           <a:p>
+            <a:pPr>
+              <a:buFont typeface="Wingdings" pitchFamily="2" charset="2"/>
+              <a:buChar char="Ø"/>
+            </a:pPr>
             <a:r>
               <a:rPr lang="en-AU" dirty="0" smtClean="0"/>
               <a:t>console.log(“my debug message”)</a:t>
             </a:r>
           </a:p>
           <a:p>
+            <a:pPr>
+              <a:buFont typeface="Wingdings" pitchFamily="2" charset="2"/>
+              <a:buChar char="Ø"/>
+            </a:pPr>
             <a:r>
               <a:rPr lang="en-AU" dirty="0" smtClean="0"/>
               <a:t>Node Inspector (Chrome/Safari/</a:t>
@@ -16533,7 +16581,7 @@
           <a:graphicData uri="http://schemas.openxmlformats.org/presentationml/2006/ole">
             <mc:AlternateContent xmlns:mc="http://schemas.openxmlformats.org/markup-compatibility/2006">
               <mc:Choice xmlns:v="urn:schemas-microsoft-com:vml" Requires="v">
-                <p:oleObj spid="_x0000_s3082" name="Packager Shell Object" showAsIcon="1" r:id="rId5" imgW="1663920" imgH="685800" progId="Package">
+                <p:oleObj spid="_x0000_s3089" name="Packager Shell Object" showAsIcon="1" r:id="rId5" imgW="1663920" imgH="685800" progId="Package">
                   <p:embed/>
                 </p:oleObj>
               </mc:Choice>
@@ -16631,6 +16679,48 @@
           </a:p>
         </p:txBody>
       </p:sp>
+      <p:sp>
+        <p:nvSpPr>
+          <p:cNvPr id="3" name="TextBox 2"/>
+          <p:cNvSpPr txBox="1"/>
+          <p:nvPr/>
+        </p:nvSpPr>
+        <p:spPr>
+          <a:xfrm>
+            <a:off x="971600" y="5294692"/>
+            <a:ext cx="1480470" cy="400110"/>
+          </a:xfrm>
+          <a:prstGeom prst="rect">
+            <a:avLst/>
+          </a:prstGeom>
+          <a:noFill/>
+          <a:ln>
+            <a:noFill/>
+          </a:ln>
+        </p:spPr>
+        <p:txBody>
+          <a:bodyPr wrap="none" rtlCol="0">
+            <a:spAutoFit/>
+          </a:bodyPr>
+          <a:lstStyle/>
+          <a:p>
+            <a:r>
+              <a:rPr lang="en-AU" sz="2000" dirty="0" smtClean="0">
+                <a:solidFill>
+                  <a:schemeClr val="bg2"/>
+                </a:solidFill>
+                <a:hlinkClick r:id="rId2"/>
+              </a:rPr>
+              <a:t>http://c9.io/</a:t>
+            </a:r>
+            <a:endParaRPr lang="en-AU" sz="2000" dirty="0">
+              <a:solidFill>
+                <a:schemeClr val="bg2"/>
+              </a:solidFill>
+            </a:endParaRPr>
+          </a:p>
+        </p:txBody>
+      </p:sp>
     </p:spTree>
     <p:extLst>
       <p:ext uri="{BB962C8B-B14F-4D97-AF65-F5344CB8AC3E}">
@@ -16716,7 +16806,7 @@
         </p:blipFill>
         <p:spPr bwMode="auto">
           <a:xfrm>
-            <a:off x="323528" y="980728"/>
+            <a:off x="1187624" y="1102297"/>
             <a:ext cx="4925393" cy="1174575"/>
           </a:xfrm>
           <a:prstGeom prst="rect">
@@ -16741,14 +16831,14 @@
           <p:nvPr>
             <p:extLst>
               <p:ext uri="{D42A27DB-BD31-4B8C-83A1-F6EECF244321}">
-                <p14:modId xmlns:p14="http://schemas.microsoft.com/office/powerpoint/2010/main" val="2676961155"/>
+                <p14:modId xmlns:p14="http://schemas.microsoft.com/office/powerpoint/2010/main" val="2349422756"/>
               </p:ext>
             </p:extLst>
           </p:nvPr>
         </p:nvGraphicFramePr>
         <p:xfrm>
-          <a:off x="1475656" y="2924944"/>
-          <a:ext cx="5625864" cy="3789040"/>
+          <a:off x="1187624" y="2564904"/>
+          <a:ext cx="4968552" cy="2852936"/>
         </p:xfrm>
         <a:graphic>
           <a:graphicData uri="http://schemas.openxmlformats.org/drawingml/2006/diagram">
@@ -16836,7 +16926,11 @@
           <a:p>
             <a:r>
               <a:rPr lang="en-AU" dirty="0" smtClean="0"/>
-              <a:t>Super easy to deploy  using PowerShell </a:t>
+              <a:t>Easy to deploy locally/online  </a:t>
+            </a:r>
+            <a:r>
+              <a:rPr lang="en-AU" dirty="0" smtClean="0"/>
+              <a:t>using PowerShell </a:t>
             </a:r>
             <a:r>
               <a:rPr lang="en-AU" dirty="0" err="1" smtClean="0"/>
@@ -16867,8 +16961,19 @@
           <a:p>
             <a:r>
               <a:rPr lang="en-AU" dirty="0" smtClean="0"/>
-              <a:t>Currently you can’t deploy multiple node apps to the same instance</a:t>
-            </a:r>
+              <a:t>Currently you can’t deploy multiple node apps to the same </a:t>
+            </a:r>
+            <a:r>
+              <a:rPr lang="en-AU" dirty="0" smtClean="0"/>
+              <a:t>instance </a:t>
+            </a:r>
+            <a:r>
+              <a:rPr lang="en-AU" dirty="0" smtClean="0">
+                <a:sym typeface="Wingdings" pitchFamily="2" charset="2"/>
+              </a:rPr>
+              <a:t></a:t>
+            </a:r>
+            <a:endParaRPr lang="en-AU" dirty="0" smtClean="0"/>
           </a:p>
           <a:p>
             <a:r>
@@ -16978,11 +17083,49 @@
             <a:br>
               <a:rPr lang="en-AU" dirty="0"/>
             </a:br>
-            <a:r>
-              <a:rPr lang="en-AU" dirty="0"/>
+            <a:endParaRPr lang="en-AU" sz="2400" dirty="0"/>
+          </a:p>
+        </p:txBody>
+      </p:sp>
+      <p:sp>
+        <p:nvSpPr>
+          <p:cNvPr id="2" name="TextBox 1"/>
+          <p:cNvSpPr txBox="1"/>
+          <p:nvPr/>
+        </p:nvSpPr>
+        <p:spPr>
+          <a:xfrm>
+            <a:off x="1015075" y="5301208"/>
+            <a:ext cx="4277005" cy="400110"/>
+          </a:xfrm>
+          <a:prstGeom prst="rect">
+            <a:avLst/>
+          </a:prstGeom>
+          <a:noFill/>
+          <a:ln>
+            <a:noFill/>
+          </a:ln>
+        </p:spPr>
+        <p:txBody>
+          <a:bodyPr wrap="none" rtlCol="0">
+            <a:spAutoFit/>
+          </a:bodyPr>
+          <a:lstStyle/>
+          <a:p>
+            <a:r>
+              <a:rPr lang="en-AU" sz="2000" dirty="0">
+                <a:solidFill>
+                  <a:schemeClr val="bg2"/>
+                </a:solidFill>
+                <a:hlinkClick r:id="rId2"/>
+              </a:rPr>
               <a:t>http://saugnodechatapp.cloudapp.net/</a:t>
             </a:r>
-            <a:endParaRPr lang="en-AU" dirty="0"/>
+            <a:endParaRPr lang="en-AU" sz="2000" dirty="0">
+              <a:solidFill>
+                <a:schemeClr val="bg2"/>
+              </a:solidFill>
+            </a:endParaRPr>
           </a:p>
         </p:txBody>
       </p:sp>
@@ -17064,39 +17207,101 @@
           <a:bodyPr/>
           <a:lstStyle/>
           <a:p>
+            <a:pPr>
+              <a:buFont typeface="Wingdings" pitchFamily="2" charset="2"/>
+              <a:buChar char="Ø"/>
+            </a:pPr>
+            <a:r>
+              <a:rPr lang="en-AU" dirty="0"/>
+              <a:t>c</a:t>
+            </a:r>
             <a:r>
               <a:rPr lang="en-AU" dirty="0" smtClean="0"/>
-              <a:t>Chat/Messaging Apps</a:t>
-            </a:r>
-          </a:p>
-          <a:p>
+              <a:t>hat / messaging type apps</a:t>
+            </a:r>
+            <a:endParaRPr lang="en-AU" dirty="0" smtClean="0"/>
+          </a:p>
+          <a:p>
+            <a:pPr>
+              <a:buFont typeface="Wingdings" pitchFamily="2" charset="2"/>
+              <a:buChar char="Ø"/>
+            </a:pPr>
             <a:r>
               <a:rPr lang="en-AU" dirty="0" smtClean="0"/>
-              <a:t>Real time Apps ( stocks / ticker tape)</a:t>
-            </a:r>
-          </a:p>
-          <a:p>
+              <a:t>real </a:t>
+            </a:r>
+            <a:r>
+              <a:rPr lang="en-AU" dirty="0"/>
+              <a:t>time </a:t>
+            </a:r>
             <a:r>
               <a:rPr lang="en-AU" dirty="0" smtClean="0"/>
-              <a:t>Highly Concurrent apps</a:t>
-            </a:r>
-          </a:p>
-          <a:p>
+              <a:t>apps </a:t>
+            </a:r>
+            <a:r>
+              <a:rPr lang="en-AU" dirty="0"/>
+              <a:t>( stocks / ticker tape)</a:t>
+            </a:r>
+          </a:p>
+          <a:p>
+            <a:pPr>
+              <a:buFont typeface="Wingdings" pitchFamily="2" charset="2"/>
+              <a:buChar char="Ø"/>
+            </a:pPr>
             <a:r>
               <a:rPr lang="en-AU" dirty="0" smtClean="0"/>
-              <a:t>Single page apps with lots of asynchronous calls (Gmail etc.)</a:t>
-            </a:r>
-          </a:p>
-          <a:p>
+              <a:t>highly concurrent </a:t>
+            </a:r>
+            <a:endParaRPr lang="en-AU" dirty="0"/>
+          </a:p>
+          <a:p>
+            <a:pPr>
+              <a:buFont typeface="Wingdings" pitchFamily="2" charset="2"/>
+              <a:buChar char="Ø"/>
+            </a:pPr>
+            <a:r>
+              <a:rPr lang="en-AU" dirty="0"/>
+              <a:t>s</a:t>
+            </a:r>
             <a:r>
               <a:rPr lang="en-AU" dirty="0" smtClean="0"/>
-              <a:t>Serving lots of dynamic content</a:t>
-            </a:r>
-          </a:p>
-          <a:p>
+              <a:t>ingle </a:t>
+            </a:r>
+            <a:r>
+              <a:rPr lang="en-AU" dirty="0"/>
+              <a:t>page apps with lots of asynchronous calls (Gmail etc.)</a:t>
+            </a:r>
+          </a:p>
+          <a:p>
+            <a:pPr>
+              <a:buFont typeface="Wingdings" pitchFamily="2" charset="2"/>
+              <a:buChar char="Ø"/>
+            </a:pPr>
+            <a:r>
+              <a:rPr lang="en-AU" dirty="0"/>
+              <a:t>g</a:t>
+            </a:r>
             <a:r>
               <a:rPr lang="en-AU" dirty="0" smtClean="0"/>
-              <a:t>Small development teams</a:t>
+              <a:t>ood for serving </a:t>
+            </a:r>
+            <a:r>
+              <a:rPr lang="en-AU" dirty="0"/>
+              <a:t>lots of dynamic content</a:t>
+            </a:r>
+          </a:p>
+          <a:p>
+            <a:pPr>
+              <a:buFont typeface="Wingdings" pitchFamily="2" charset="2"/>
+              <a:buChar char="Ø"/>
+            </a:pPr>
+            <a:r>
+              <a:rPr lang="en-AU" dirty="0" smtClean="0"/>
+              <a:t>Suits small </a:t>
+            </a:r>
+            <a:r>
+              <a:rPr lang="en-AU" dirty="0"/>
+              <a:t>development teams</a:t>
             </a:r>
             <a:endParaRPr lang="en-AU" dirty="0"/>
           </a:p>
@@ -17144,6 +17349,25 @@
       </p:grpSpPr>
       <p:sp>
         <p:nvSpPr>
+          <p:cNvPr id="2" name="Title 1"/>
+          <p:cNvSpPr>
+            <a:spLocks noGrp="1"/>
+          </p:cNvSpPr>
+          <p:nvPr>
+            <p:ph type="title"/>
+          </p:nvPr>
+        </p:nvSpPr>
+        <p:spPr/>
+        <p:txBody>
+          <a:bodyPr/>
+          <a:lstStyle/>
+          <a:p>
+            <a:endParaRPr lang="en-AU"/>
+          </a:p>
+        </p:txBody>
+      </p:sp>
+      <p:sp>
+        <p:nvSpPr>
           <p:cNvPr id="3" name="Text Placeholder 2"/>
           <p:cNvSpPr>
             <a:spLocks noGrp="1"/>
@@ -17152,7 +17376,11 @@
             <p:ph type="body" sz="quarter" idx="10"/>
           </p:nvPr>
         </p:nvSpPr>
-        <p:spPr/>
+        <p:spPr>
+          <a:prstGeom prst="rect">
+            <a:avLst/>
+          </a:prstGeom>
+        </p:spPr>
         <p:txBody>
           <a:bodyPr/>
           <a:lstStyle/>
@@ -17655,7 +17883,11 @@
           <a:p>
             <a:r>
               <a:rPr lang="en-AU" dirty="0" smtClean="0"/>
-              <a:t>tooling, SDKs  and developer experience</a:t>
+              <a:t>Review tooling, SDKs and </a:t>
+            </a:r>
+            <a:r>
+              <a:rPr lang="en-AU" dirty="0" smtClean="0"/>
+              <a:t>developer experience</a:t>
             </a:r>
           </a:p>
           <a:p>
@@ -17671,14 +17903,13 @@
           <a:p>
             <a:r>
               <a:rPr lang="en-AU" dirty="0" smtClean="0"/>
-              <a:t>When should I use it?</a:t>
-            </a:r>
-          </a:p>
-          <a:p>
+              <a:t>When should I use it</a:t>
+            </a:r>
+            <a:r>
+              <a:rPr lang="en-AU" dirty="0" smtClean="0"/>
+              <a:t>?</a:t>
+            </a:r>
             <a:endParaRPr lang="en-AU" dirty="0" smtClean="0"/>
-          </a:p>
-          <a:p>
-            <a:endParaRPr lang="en-AU" dirty="0"/>
           </a:p>
         </p:txBody>
       </p:sp>
@@ -18153,8 +18384,8 @@
         </p:nvSpPr>
         <p:spPr>
           <a:xfrm>
-            <a:off x="6027724" y="4548915"/>
-            <a:ext cx="1140643" cy="707886"/>
+            <a:off x="5574369" y="4631011"/>
+            <a:ext cx="1140643" cy="1323439"/>
           </a:xfrm>
           <a:prstGeom prst="rect">
             <a:avLst/>
@@ -18180,10 +18411,30 @@
               <a:t>as most popular repo on </a:t>
             </a:r>
             <a:r>
-              <a:rPr lang="en-AU" sz="1000" dirty="0" err="1"/>
+              <a:rPr lang="en-AU" sz="1000" dirty="0" err="1" smtClean="0"/>
               <a:t>gitHub</a:t>
             </a:r>
+            <a:endParaRPr lang="en-AU" sz="1000" dirty="0" smtClean="0"/>
+          </a:p>
+          <a:p>
             <a:endParaRPr lang="en-AU" sz="1000" b="1" dirty="0"/>
+          </a:p>
+          <a:p>
+            <a:r>
+              <a:rPr lang="en-AU" sz="1000" b="1" dirty="0" err="1" smtClean="0"/>
+              <a:t>Walmart</a:t>
+            </a:r>
+            <a:r>
+              <a:rPr lang="en-AU" sz="1000" b="1" dirty="0" smtClean="0"/>
+              <a:t> </a:t>
+            </a:r>
+          </a:p>
+          <a:p>
+            <a:r>
+              <a:rPr lang="en-AU" sz="1000" dirty="0" smtClean="0"/>
+              <a:t>Launch mobile site on node.js</a:t>
+            </a:r>
+            <a:endParaRPr lang="en-AU" sz="1000" dirty="0"/>
           </a:p>
         </p:txBody>
       </p:sp>
@@ -20734,11 +20985,7 @@
           <a:p>
             <a:r>
               <a:rPr lang="en-AU" dirty="0" smtClean="0"/>
-              <a:t>Response </a:t>
-            </a:r>
-            <a:r>
-              <a:rPr lang="en-AU" dirty="0" smtClean="0"/>
-              <a:t>99999</a:t>
+              <a:t>Response 99999</a:t>
             </a:r>
             <a:endParaRPr lang="en-AU" dirty="0"/>
           </a:p>
@@ -21115,8 +21362,8 @@
         </p:nvSpPr>
         <p:spPr>
           <a:xfrm>
-            <a:off x="613520" y="2314956"/>
-            <a:ext cx="2018566" cy="369332"/>
+            <a:off x="473713" y="2175012"/>
+            <a:ext cx="1694375" cy="369332"/>
           </a:xfrm>
           <a:prstGeom prst="rect">
             <a:avLst/>
@@ -21131,7 +21378,7 @@
           <a:p>
             <a:r>
               <a:rPr lang="en-AU" dirty="0" smtClean="0"/>
-              <a:t>Bad code snippet….</a:t>
+              <a:t>Blocking code….</a:t>
             </a:r>
             <a:endParaRPr lang="en-AU" dirty="0"/>
           </a:p>
@@ -21145,8 +21392,8 @@
         </p:nvSpPr>
         <p:spPr>
           <a:xfrm>
-            <a:off x="683568" y="4211796"/>
-            <a:ext cx="2225353" cy="369332"/>
+            <a:off x="463158" y="4211796"/>
+            <a:ext cx="2111155" cy="369332"/>
           </a:xfrm>
           <a:prstGeom prst="rect">
             <a:avLst/>
@@ -21161,7 +21408,7 @@
           <a:p>
             <a:r>
               <a:rPr lang="en-AU" dirty="0" smtClean="0"/>
-              <a:t>Good code snippet…. </a:t>
+              <a:t>Non-blocking code…</a:t>
             </a:r>
             <a:endParaRPr lang="en-AU" dirty="0"/>
           </a:p>
@@ -21191,7 +21438,23 @@
           <a:p>
             <a:r>
               <a:rPr lang="en-AU" dirty="0" smtClean="0"/>
-              <a:t>Since the Event Loop runs on a single thread you must avoid blocking calls at all times.</a:t>
+              <a:t>Since the </a:t>
+            </a:r>
+            <a:r>
+              <a:rPr lang="en-AU" dirty="0" smtClean="0"/>
+              <a:t>event </a:t>
+            </a:r>
+            <a:r>
+              <a:rPr lang="en-AU" dirty="0"/>
+              <a:t>l</a:t>
+            </a:r>
+            <a:r>
+              <a:rPr lang="en-AU" dirty="0" smtClean="0"/>
+              <a:t>oop </a:t>
+            </a:r>
+            <a:r>
+              <a:rPr lang="en-AU" dirty="0" smtClean="0"/>
+              <a:t>runs on a single thread you must avoid blocking calls at all times.</a:t>
             </a:r>
           </a:p>
           <a:p>
@@ -21201,11 +21464,7 @@
             </a:r>
             <a:r>
               <a:rPr lang="en-AU" u="sng" dirty="0" smtClean="0"/>
-              <a:t>EVERYTHING</a:t>
-            </a:r>
-            <a:r>
-              <a:rPr lang="en-AU" dirty="0" smtClean="0"/>
-              <a:t> !</a:t>
+              <a:t>everything!</a:t>
             </a:r>
             <a:endParaRPr lang="en-AU" dirty="0"/>
           </a:p>
@@ -22745,21 +23004,6 @@
 </file>
 
 <file path=customXml/item1.xml><?xml version="1.0" encoding="utf-8"?>
-<p:properties xmlns:p="http://schemas.microsoft.com/office/2006/metadata/properties" xmlns:xsi="http://www.w3.org/2001/XMLSchema-instance">
-  <documentManagement/>
-</p:properties>
-</file>
-
-<file path=customXml/item2.xml><?xml version="1.0" encoding="utf-8"?>
-<?mso-contentType ?>
-<FormTemplates xmlns="http://schemas.microsoft.com/sharepoint/v3/contenttype/forms">
-  <Display>DocumentLibraryForm</Display>
-  <Edit>DocumentLibraryForm</Edit>
-  <New>DocumentLibraryForm</New>
-</FormTemplates>
-</file>
-
-<file path=customXml/item3.xml><?xml version="1.0" encoding="utf-8"?>
 <?mso-contentType ?>
 <rca:RCAuthoringProperties xmlns:rca="urn:sharePointPublishingRcaProperties">
   <rca:Converter rca:guid="6dfdc5b4-2a28-4a06-b0c6-ad3901e3a807">
@@ -22775,6 +23019,21 @@
     <rca:property rca:type="ConverterSpecificSettings"/>
   </rca:Converter>
 </rca:RCAuthoringProperties>
+</file>
+
+<file path=customXml/item2.xml><?xml version="1.0" encoding="utf-8"?>
+<?mso-contentType ?>
+<FormTemplates xmlns="http://schemas.microsoft.com/sharepoint/v3/contenttype/forms">
+  <Display>DocumentLibraryForm</Display>
+  <Edit>DocumentLibraryForm</Edit>
+  <New>DocumentLibraryForm</New>
+</FormTemplates>
+</file>
+
+<file path=customXml/item3.xml><?xml version="1.0" encoding="utf-8"?>
+<p:properties xmlns:p="http://schemas.microsoft.com/office/2006/metadata/properties" xmlns:xsi="http://www.w3.org/2001/XMLSchema-instance">
+  <documentManagement/>
+</p:properties>
 </file>
 
 <file path=customXml/item4.xml><?xml version="1.0" encoding="utf-8"?>
@@ -22827,15 +23086,9 @@
 </file>
 
 <file path=customXml/itemProps1.xml><?xml version="1.0" encoding="utf-8"?>
-<ds:datastoreItem xmlns:ds="http://schemas.openxmlformats.org/officeDocument/2006/customXml" ds:itemID="{BDEC00FF-5F1B-415D-9C89-173832172D95}">
+<ds:datastoreItem xmlns:ds="http://schemas.openxmlformats.org/officeDocument/2006/customXml" ds:itemID="{37DE6E84-255A-45E8-8353-BCD6A4998E02}">
   <ds:schemaRefs>
-    <ds:schemaRef ds:uri="http://schemas.microsoft.com/office/2006/metadata/properties"/>
-    <ds:schemaRef ds:uri="http://schemas.openxmlformats.org/package/2006/metadata/core-properties"/>
-    <ds:schemaRef ds:uri="http://schemas.microsoft.com/office/2006/documentManagement/types"/>
-    <ds:schemaRef ds:uri="http://purl.org/dc/elements/1.1/"/>
-    <ds:schemaRef ds:uri="http://purl.org/dc/dcmitype/"/>
-    <ds:schemaRef ds:uri="http://purl.org/dc/terms/"/>
-    <ds:schemaRef ds:uri="http://www.w3.org/XML/1998/namespace"/>
+    <ds:schemaRef ds:uri="urn:sharePointPublishingRcaProperties"/>
   </ds:schemaRefs>
 </ds:datastoreItem>
 </file>
@@ -22849,9 +23102,15 @@
 </file>
 
 <file path=customXml/itemProps3.xml><?xml version="1.0" encoding="utf-8"?>
-<ds:datastoreItem xmlns:ds="http://schemas.openxmlformats.org/officeDocument/2006/customXml" ds:itemID="{37DE6E84-255A-45E8-8353-BCD6A4998E02}">
+<ds:datastoreItem xmlns:ds="http://schemas.openxmlformats.org/officeDocument/2006/customXml" ds:itemID="{BDEC00FF-5F1B-415D-9C89-173832172D95}">
   <ds:schemaRefs>
-    <ds:schemaRef ds:uri="urn:sharePointPublishingRcaProperties"/>
+    <ds:schemaRef ds:uri="http://schemas.microsoft.com/office/2006/metadata/properties"/>
+    <ds:schemaRef ds:uri="http://schemas.openxmlformats.org/package/2006/metadata/core-properties"/>
+    <ds:schemaRef ds:uri="http://schemas.microsoft.com/office/2006/documentManagement/types"/>
+    <ds:schemaRef ds:uri="http://purl.org/dc/elements/1.1/"/>
+    <ds:schemaRef ds:uri="http://purl.org/dc/dcmitype/"/>
+    <ds:schemaRef ds:uri="http://purl.org/dc/terms/"/>
+    <ds:schemaRef ds:uri="http://www.w3.org/XML/1998/namespace"/>
   </ds:schemaRefs>
 </ds:datastoreItem>
 </file>

--- a/presentation/Building Node.js Applications on Windows Azure.pptx
+++ b/presentation/Building Node.js Applications on Windows Azure.pptx
@@ -2587,8 +2587,8 @@
       </dsp:nvSpPr>
       <dsp:spPr>
         <a:xfrm>
-          <a:off x="0" y="417230"/>
-          <a:ext cx="1552672" cy="931603"/>
+          <a:off x="0" y="431857"/>
+          <a:ext cx="1530170" cy="918102"/>
         </a:xfrm>
         <a:prstGeom prst="rect">
           <a:avLst/>
@@ -2653,8 +2653,8 @@
         </a:p>
       </dsp:txBody>
       <dsp:txXfrm>
-        <a:off x="0" y="417230"/>
-        <a:ext cx="1552672" cy="931603"/>
+        <a:off x="0" y="431857"/>
+        <a:ext cx="1530170" cy="918102"/>
       </dsp:txXfrm>
     </dsp:sp>
     <dsp:sp modelId="{744D547D-58BE-4752-8309-1832680F98D1}">
@@ -2664,8 +2664,8 @@
       </dsp:nvSpPr>
       <dsp:spPr>
         <a:xfrm>
-          <a:off x="1707939" y="417230"/>
-          <a:ext cx="1552672" cy="931603"/>
+          <a:off x="1683187" y="431857"/>
+          <a:ext cx="1530170" cy="918102"/>
         </a:xfrm>
         <a:prstGeom prst="rect">
           <a:avLst/>
@@ -2730,8 +2730,8 @@
         </a:p>
       </dsp:txBody>
       <dsp:txXfrm>
-        <a:off x="1707939" y="417230"/>
-        <a:ext cx="1552672" cy="931603"/>
+        <a:off x="1683187" y="431857"/>
+        <a:ext cx="1530170" cy="918102"/>
       </dsp:txXfrm>
     </dsp:sp>
     <dsp:sp modelId="{DEEE9154-A3EC-4DAB-9952-EECA76A1B22E}">
@@ -2741,8 +2741,8 @@
       </dsp:nvSpPr>
       <dsp:spPr>
         <a:xfrm>
-          <a:off x="3415879" y="417230"/>
-          <a:ext cx="1552672" cy="931603"/>
+          <a:off x="3366374" y="431857"/>
+          <a:ext cx="1530170" cy="918102"/>
         </a:xfrm>
         <a:prstGeom prst="rect">
           <a:avLst/>
@@ -2811,8 +2811,8 @@
         </a:p>
       </dsp:txBody>
       <dsp:txXfrm>
-        <a:off x="3415879" y="417230"/>
-        <a:ext cx="1552672" cy="931603"/>
+        <a:off x="3366374" y="431857"/>
+        <a:ext cx="1530170" cy="918102"/>
       </dsp:txXfrm>
     </dsp:sp>
     <dsp:sp modelId="{A40A3835-788C-463B-BBCE-3935360373CF}">
@@ -2822,8 +2822,8 @@
       </dsp:nvSpPr>
       <dsp:spPr>
         <a:xfrm>
-          <a:off x="853969" y="1504101"/>
-          <a:ext cx="1552672" cy="931603"/>
+          <a:off x="841593" y="1502976"/>
+          <a:ext cx="1530170" cy="918102"/>
         </a:xfrm>
         <a:prstGeom prst="rect">
           <a:avLst/>
@@ -2887,8 +2887,8 @@
         </a:p>
       </dsp:txBody>
       <dsp:txXfrm>
-        <a:off x="853969" y="1504101"/>
-        <a:ext cx="1552672" cy="931603"/>
+        <a:off x="841593" y="1502976"/>
+        <a:ext cx="1530170" cy="918102"/>
       </dsp:txXfrm>
     </dsp:sp>
     <dsp:sp modelId="{5A315452-6BEC-44F6-A89D-559E22B716FA}">
@@ -2898,8 +2898,8 @@
       </dsp:nvSpPr>
       <dsp:spPr>
         <a:xfrm>
-          <a:off x="2561909" y="1504101"/>
-          <a:ext cx="1552672" cy="931603"/>
+          <a:off x="2524780" y="1502976"/>
+          <a:ext cx="1530170" cy="918102"/>
         </a:xfrm>
         <a:prstGeom prst="rect">
           <a:avLst/>
@@ -2968,8 +2968,8 @@
         </a:p>
       </dsp:txBody>
       <dsp:txXfrm>
-        <a:off x="2561909" y="1504101"/>
-        <a:ext cx="1552672" cy="931603"/>
+        <a:off x="2524780" y="1502976"/>
+        <a:ext cx="1530170" cy="918102"/>
       </dsp:txXfrm>
     </dsp:sp>
   </dsp:spTree>
@@ -16052,7 +16052,7 @@
           <a:graphicData uri="http://schemas.openxmlformats.org/presentationml/2006/ole">
             <mc:AlternateContent xmlns:mc="http://schemas.openxmlformats.org/markup-compatibility/2006">
               <mc:Choice xmlns:v="urn:schemas-microsoft-com:vml" Requires="v">
-                <p:oleObj spid="_x0000_s1076" name="Packager Shell Object" showAsIcon="1" r:id="rId3" imgW="914400" imgH="771480" progId="Package">
+                <p:oleObj spid="_x0000_s1077" name="Packager Shell Object" showAsIcon="1" r:id="rId3" imgW="914400" imgH="771480" progId="Package">
                   <p:embed/>
                 </p:oleObj>
               </mc:Choice>
@@ -16290,27 +16290,11 @@
             </a:r>
             <a:r>
               <a:rPr lang="en-AU" b="1" dirty="0" smtClean="0"/>
-              <a:t>N</a:t>
-            </a:r>
-            <a:r>
-              <a:rPr lang="en-AU" b="1" dirty="0" smtClean="0"/>
-              <a:t>ode-Static</a:t>
+              <a:t>Node-Static</a:t>
             </a:r>
             <a:r>
               <a:rPr lang="en-AU" dirty="0" smtClean="0"/>
-              <a:t> </a:t>
-            </a:r>
-            <a:r>
-              <a:rPr lang="en-AU" dirty="0" smtClean="0"/>
-              <a:t>(</a:t>
-            </a:r>
-            <a:r>
-              <a:rPr lang="en-AU" dirty="0" smtClean="0"/>
-              <a:t>serves </a:t>
-            </a:r>
-            <a:r>
-              <a:rPr lang="en-AU" dirty="0" smtClean="0"/>
-              <a:t>static content)</a:t>
+              <a:t> (serves static content)</a:t>
             </a:r>
           </a:p>
         </p:txBody>
@@ -16568,20 +16552,20 @@
           <p:nvPr>
             <p:extLst>
               <p:ext uri="{D42A27DB-BD31-4B8C-83A1-F6EECF244321}">
-                <p14:modId xmlns:p14="http://schemas.microsoft.com/office/powerpoint/2010/main" val="2688802201"/>
+                <p14:modId xmlns:p14="http://schemas.microsoft.com/office/powerpoint/2010/main" val="511212388"/>
               </p:ext>
             </p:extLst>
           </p:nvPr>
         </p:nvGraphicFramePr>
         <p:xfrm>
-          <a:off x="251520" y="6172200"/>
+          <a:off x="-36512" y="6172200"/>
           <a:ext cx="1663700" cy="685800"/>
         </p:xfrm>
         <a:graphic>
           <a:graphicData uri="http://schemas.openxmlformats.org/presentationml/2006/ole">
             <mc:AlternateContent xmlns:mc="http://schemas.openxmlformats.org/markup-compatibility/2006">
               <mc:Choice xmlns:v="urn:schemas-microsoft-com:vml" Requires="v">
-                <p:oleObj spid="_x0000_s3089" name="Packager Shell Object" showAsIcon="1" r:id="rId5" imgW="1663920" imgH="685800" progId="Package">
+                <p:oleObj spid="_x0000_s3090" name="Packager Shell Object" showAsIcon="1" r:id="rId5" imgW="1663920" imgH="685800" progId="Package">
                   <p:embed/>
                 </p:oleObj>
               </mc:Choice>
@@ -16602,7 +16586,7 @@
                     </p:blipFill>
                     <p:spPr>
                       <a:xfrm>
-                        <a:off x="251520" y="6172200"/>
+                        <a:off x="-36512" y="6172200"/>
                         <a:ext cx="1663700" cy="685800"/>
                       </a:xfrm>
                       <a:prstGeom prst="rect">
@@ -16806,8 +16790,8 @@
         </p:blipFill>
         <p:spPr bwMode="auto">
           <a:xfrm>
-            <a:off x="1187624" y="1102297"/>
-            <a:ext cx="4925393" cy="1174575"/>
+            <a:off x="1403648" y="3789040"/>
+            <a:ext cx="4896544" cy="1630022"/>
           </a:xfrm>
           <a:prstGeom prst="rect">
             <a:avLst/>
@@ -16831,14 +16815,14 @@
           <p:nvPr>
             <p:extLst>
               <p:ext uri="{D42A27DB-BD31-4B8C-83A1-F6EECF244321}">
-                <p14:modId xmlns:p14="http://schemas.microsoft.com/office/powerpoint/2010/main" val="2349422756"/>
+                <p14:modId xmlns:p14="http://schemas.microsoft.com/office/powerpoint/2010/main" val="1563542382"/>
               </p:ext>
             </p:extLst>
           </p:nvPr>
         </p:nvGraphicFramePr>
         <p:xfrm>
-          <a:off x="1187624" y="2564904"/>
-          <a:ext cx="4968552" cy="2852936"/>
+          <a:off x="1115616" y="980728"/>
+          <a:ext cx="4896544" cy="2852936"/>
         </p:xfrm>
         <a:graphic>
           <a:graphicData uri="http://schemas.openxmlformats.org/drawingml/2006/diagram">
@@ -16926,11 +16910,7 @@
           <a:p>
             <a:r>
               <a:rPr lang="en-AU" dirty="0" smtClean="0"/>
-              <a:t>Easy to deploy locally/online  </a:t>
-            </a:r>
-            <a:r>
-              <a:rPr lang="en-AU" dirty="0" smtClean="0"/>
-              <a:t>using PowerShell </a:t>
+              <a:t>Easy to deploy locally/online  using PowerShell </a:t>
             </a:r>
             <a:r>
               <a:rPr lang="en-AU" dirty="0" err="1" smtClean="0"/>
@@ -16961,11 +16941,7 @@
           <a:p>
             <a:r>
               <a:rPr lang="en-AU" dirty="0" smtClean="0"/>
-              <a:t>Currently you can’t deploy multiple node apps to the same </a:t>
-            </a:r>
-            <a:r>
-              <a:rPr lang="en-AU" dirty="0" smtClean="0"/>
-              <a:t>instance </a:t>
+              <a:t>Currently you can’t deploy multiple node apps to the same instance </a:t>
             </a:r>
             <a:r>
               <a:rPr lang="en-AU" dirty="0" smtClean="0">
@@ -17219,7 +17195,6 @@
               <a:rPr lang="en-AU" dirty="0" smtClean="0"/>
               <a:t>hat / messaging type apps</a:t>
             </a:r>
-            <a:endParaRPr lang="en-AU" dirty="0" smtClean="0"/>
           </a:p>
           <a:p>
             <a:pPr>
@@ -17303,7 +17278,6 @@
               <a:rPr lang="en-AU" dirty="0"/>
               <a:t>development teams</a:t>
             </a:r>
-            <a:endParaRPr lang="en-AU" dirty="0"/>
           </a:p>
         </p:txBody>
       </p:sp>
@@ -17558,7 +17532,15 @@
             </a:r>
             <a:r>
               <a:rPr lang="en-AU" dirty="0" smtClean="0"/>
-              <a:t>accounting products – (C#.NET ,WCF, SQL Server, .NET 4.0)</a:t>
+              <a:t>accounting products – (C#.NET ,</a:t>
+            </a:r>
+            <a:r>
+              <a:rPr lang="en-AU" dirty="0" smtClean="0"/>
+              <a:t>WCF, REST, </a:t>
+            </a:r>
+            <a:r>
+              <a:rPr lang="en-AU" dirty="0" smtClean="0"/>
+              <a:t>SQL Server, .NET 4.0)</a:t>
             </a:r>
           </a:p>
           <a:p>
@@ -17883,33 +17865,44 @@
           <a:p>
             <a:r>
               <a:rPr lang="en-AU" dirty="0" smtClean="0"/>
-              <a:t>Review tooling, SDKs and </a:t>
+              <a:t>Review tooling, </a:t>
             </a:r>
             <a:r>
               <a:rPr lang="en-AU" dirty="0" smtClean="0"/>
-              <a:t>developer experience</a:t>
+              <a:t>Azure SDK </a:t>
+            </a:r>
+            <a:r>
+              <a:rPr lang="en-AU" dirty="0" smtClean="0"/>
+              <a:t>and </a:t>
+            </a:r>
+            <a:r>
+              <a:rPr lang="en-AU" dirty="0" smtClean="0"/>
+              <a:t>development </a:t>
+            </a:r>
+            <a:r>
+              <a:rPr lang="en-AU" dirty="0" smtClean="0"/>
+              <a:t>experience</a:t>
             </a:r>
           </a:p>
           <a:p>
             <a:r>
               <a:rPr lang="en-AU" dirty="0"/>
-              <a:t>b</a:t>
+              <a:t>B</a:t>
             </a:r>
             <a:r>
               <a:rPr lang="en-AU" dirty="0" smtClean="0"/>
-              <a:t>uild and deploy a chat room application using Windows Azure SDK for Node.js</a:t>
-            </a:r>
-          </a:p>
-          <a:p>
+              <a:t>uild </a:t>
+            </a:r>
             <a:r>
               <a:rPr lang="en-AU" dirty="0" smtClean="0"/>
-              <a:t>When should I use it</a:t>
-            </a:r>
+              <a:t>and deploy a chat room application using Windows Azure SDK for Node.js</a:t>
+            </a:r>
+          </a:p>
+          <a:p>
             <a:r>
               <a:rPr lang="en-AU" dirty="0" smtClean="0"/>
-              <a:t>?</a:t>
-            </a:r>
-            <a:endParaRPr lang="en-AU" dirty="0" smtClean="0"/>
+              <a:t>When should I use it?</a:t>
+            </a:r>
           </a:p>
         </p:txBody>
       </p:sp>
@@ -21438,11 +21431,7 @@
           <a:p>
             <a:r>
               <a:rPr lang="en-AU" dirty="0" smtClean="0"/>
-              <a:t>Since the </a:t>
-            </a:r>
-            <a:r>
-              <a:rPr lang="en-AU" dirty="0" smtClean="0"/>
-              <a:t>event </a:t>
+              <a:t>Since the event </a:t>
             </a:r>
             <a:r>
               <a:rPr lang="en-AU" dirty="0"/>
@@ -21450,11 +21439,7 @@
             </a:r>
             <a:r>
               <a:rPr lang="en-AU" dirty="0" smtClean="0"/>
-              <a:t>oop </a:t>
-            </a:r>
-            <a:r>
-              <a:rPr lang="en-AU" dirty="0" smtClean="0"/>
-              <a:t>runs on a single thread you must avoid blocking calls at all times.</a:t>
+              <a:t>oop runs on a single thread you must avoid blocking calls at all times.</a:t>
             </a:r>
           </a:p>
           <a:p>
@@ -23004,6 +22989,21 @@
 </file>
 
 <file path=customXml/item1.xml><?xml version="1.0" encoding="utf-8"?>
+<p:properties xmlns:p="http://schemas.microsoft.com/office/2006/metadata/properties" xmlns:xsi="http://www.w3.org/2001/XMLSchema-instance">
+  <documentManagement/>
+</p:properties>
+</file>
+
+<file path=customXml/item2.xml><?xml version="1.0" encoding="utf-8"?>
+<?mso-contentType ?>
+<FormTemplates xmlns="http://schemas.microsoft.com/sharepoint/v3/contenttype/forms">
+  <Display>DocumentLibraryForm</Display>
+  <Edit>DocumentLibraryForm</Edit>
+  <New>DocumentLibraryForm</New>
+</FormTemplates>
+</file>
+
+<file path=customXml/item3.xml><?xml version="1.0" encoding="utf-8"?>
 <?mso-contentType ?>
 <rca:RCAuthoringProperties xmlns:rca="urn:sharePointPublishingRcaProperties">
   <rca:Converter rca:guid="6dfdc5b4-2a28-4a06-b0c6-ad3901e3a807">
@@ -23019,21 +23019,6 @@
     <rca:property rca:type="ConverterSpecificSettings"/>
   </rca:Converter>
 </rca:RCAuthoringProperties>
-</file>
-
-<file path=customXml/item2.xml><?xml version="1.0" encoding="utf-8"?>
-<?mso-contentType ?>
-<FormTemplates xmlns="http://schemas.microsoft.com/sharepoint/v3/contenttype/forms">
-  <Display>DocumentLibraryForm</Display>
-  <Edit>DocumentLibraryForm</Edit>
-  <New>DocumentLibraryForm</New>
-</FormTemplates>
-</file>
-
-<file path=customXml/item3.xml><?xml version="1.0" encoding="utf-8"?>
-<p:properties xmlns:p="http://schemas.microsoft.com/office/2006/metadata/properties" xmlns:xsi="http://www.w3.org/2001/XMLSchema-instance">
-  <documentManagement/>
-</p:properties>
 </file>
 
 <file path=customXml/item4.xml><?xml version="1.0" encoding="utf-8"?>
@@ -23086,9 +23071,15 @@
 </file>
 
 <file path=customXml/itemProps1.xml><?xml version="1.0" encoding="utf-8"?>
-<ds:datastoreItem xmlns:ds="http://schemas.openxmlformats.org/officeDocument/2006/customXml" ds:itemID="{37DE6E84-255A-45E8-8353-BCD6A4998E02}">
+<ds:datastoreItem xmlns:ds="http://schemas.openxmlformats.org/officeDocument/2006/customXml" ds:itemID="{BDEC00FF-5F1B-415D-9C89-173832172D95}">
   <ds:schemaRefs>
-    <ds:schemaRef ds:uri="urn:sharePointPublishingRcaProperties"/>
+    <ds:schemaRef ds:uri="http://schemas.microsoft.com/office/2006/metadata/properties"/>
+    <ds:schemaRef ds:uri="http://schemas.openxmlformats.org/package/2006/metadata/core-properties"/>
+    <ds:schemaRef ds:uri="http://schemas.microsoft.com/office/2006/documentManagement/types"/>
+    <ds:schemaRef ds:uri="http://purl.org/dc/elements/1.1/"/>
+    <ds:schemaRef ds:uri="http://purl.org/dc/dcmitype/"/>
+    <ds:schemaRef ds:uri="http://purl.org/dc/terms/"/>
+    <ds:schemaRef ds:uri="http://www.w3.org/XML/1998/namespace"/>
   </ds:schemaRefs>
 </ds:datastoreItem>
 </file>
@@ -23102,15 +23093,9 @@
 </file>
 
 <file path=customXml/itemProps3.xml><?xml version="1.0" encoding="utf-8"?>
-<ds:datastoreItem xmlns:ds="http://schemas.openxmlformats.org/officeDocument/2006/customXml" ds:itemID="{BDEC00FF-5F1B-415D-9C89-173832172D95}">
+<ds:datastoreItem xmlns:ds="http://schemas.openxmlformats.org/officeDocument/2006/customXml" ds:itemID="{37DE6E84-255A-45E8-8353-BCD6A4998E02}">
   <ds:schemaRefs>
-    <ds:schemaRef ds:uri="http://schemas.microsoft.com/office/2006/metadata/properties"/>
-    <ds:schemaRef ds:uri="http://schemas.openxmlformats.org/package/2006/metadata/core-properties"/>
-    <ds:schemaRef ds:uri="http://schemas.microsoft.com/office/2006/documentManagement/types"/>
-    <ds:schemaRef ds:uri="http://purl.org/dc/elements/1.1/"/>
-    <ds:schemaRef ds:uri="http://purl.org/dc/dcmitype/"/>
-    <ds:schemaRef ds:uri="http://purl.org/dc/terms/"/>
-    <ds:schemaRef ds:uri="http://www.w3.org/XML/1998/namespace"/>
+    <ds:schemaRef ds:uri="urn:sharePointPublishingRcaProperties"/>
   </ds:schemaRefs>
 </ds:datastoreItem>
 </file>

--- a/presentation/Building Node.js Applications on Windows Azure.pptx
+++ b/presentation/Building Node.js Applications on Windows Azure.pptx
@@ -23,9 +23,9 @@
     <p:sldId id="278" r:id="rId15"/>
     <p:sldId id="270" r:id="rId16"/>
     <p:sldId id="281" r:id="rId17"/>
-    <p:sldId id="271" r:id="rId18"/>
-    <p:sldId id="288" r:id="rId19"/>
-    <p:sldId id="285" r:id="rId20"/>
+    <p:sldId id="288" r:id="rId18"/>
+    <p:sldId id="285" r:id="rId19"/>
+    <p:sldId id="271" r:id="rId20"/>
     <p:sldId id="289" r:id="rId21"/>
     <p:sldId id="282" r:id="rId22"/>
     <p:sldId id="286" r:id="rId23"/>
@@ -5557,7 +5557,7 @@
             <a:fld id="{7785875F-706E-40BB-864A-2D06F0E4670E}" type="datetimeFigureOut">
               <a:rPr lang="en-AU" smtClean="0"/>
               <a:pPr/>
-              <a:t>20/03/2012</a:t>
+              <a:t>21/03/2012</a:t>
             </a:fld>
             <a:endParaRPr lang="en-AU" dirty="0"/>
           </a:p>
@@ -5724,7 +5724,7 @@
             <a:fld id="{7DDF49B5-0C03-42A4-A086-8D97D52D2493}" type="datetimeFigureOut">
               <a:rPr lang="en-AU" smtClean="0"/>
               <a:pPr/>
-              <a:t>20/03/2012</a:t>
+              <a:t>21/03/2012</a:t>
             </a:fld>
             <a:endParaRPr lang="en-AU" dirty="0"/>
           </a:p>
@@ -6866,7 +6866,7 @@
             <a:fld id="{0C6F02B4-1092-4461-B0F9-3B294B1D8DE8}" type="slidenum">
               <a:rPr lang="en-AU" smtClean="0"/>
               <a:pPr/>
-              <a:t>12</a:t>
+              <a:t>11</a:t>
             </a:fld>
             <a:endParaRPr lang="en-AU" dirty="0"/>
           </a:p>
@@ -8824,7 +8824,7 @@
             <a:fld id="{CA10310C-7EC1-470A-8BF5-D51EF2D864BA}" type="datetimeFigureOut">
               <a:rPr lang="en-AU" smtClean="0"/>
               <a:pPr/>
-              <a:t>20/03/2012</a:t>
+              <a:t>21/03/2012</a:t>
             </a:fld>
             <a:endParaRPr lang="en-AU"/>
           </a:p>
@@ -8991,7 +8991,7 @@
             <a:fld id="{CA10310C-7EC1-470A-8BF5-D51EF2D864BA}" type="datetimeFigureOut">
               <a:rPr lang="en-AU" smtClean="0"/>
               <a:pPr/>
-              <a:t>20/03/2012</a:t>
+              <a:t>21/03/2012</a:t>
             </a:fld>
             <a:endParaRPr lang="en-AU"/>
           </a:p>
@@ -9234,7 +9234,7 @@
             <a:fld id="{CA10310C-7EC1-470A-8BF5-D51EF2D864BA}" type="datetimeFigureOut">
               <a:rPr lang="en-AU" smtClean="0"/>
               <a:pPr/>
-              <a:t>20/03/2012</a:t>
+              <a:t>21/03/2012</a:t>
             </a:fld>
             <a:endParaRPr lang="en-AU"/>
           </a:p>
@@ -9519,7 +9519,7 @@
             <a:fld id="{CA10310C-7EC1-470A-8BF5-D51EF2D864BA}" type="datetimeFigureOut">
               <a:rPr lang="en-AU" smtClean="0"/>
               <a:pPr/>
-              <a:t>20/03/2012</a:t>
+              <a:t>21/03/2012</a:t>
             </a:fld>
             <a:endParaRPr lang="en-AU"/>
           </a:p>
@@ -9938,7 +9938,7 @@
             <a:fld id="{CA10310C-7EC1-470A-8BF5-D51EF2D864BA}" type="datetimeFigureOut">
               <a:rPr lang="en-AU" smtClean="0"/>
               <a:pPr/>
-              <a:t>20/03/2012</a:t>
+              <a:t>21/03/2012</a:t>
             </a:fld>
             <a:endParaRPr lang="en-AU"/>
           </a:p>
@@ -10053,7 +10053,7 @@
             <a:fld id="{CA10310C-7EC1-470A-8BF5-D51EF2D864BA}" type="datetimeFigureOut">
               <a:rPr lang="en-AU" smtClean="0"/>
               <a:pPr/>
-              <a:t>20/03/2012</a:t>
+              <a:t>21/03/2012</a:t>
             </a:fld>
             <a:endParaRPr lang="en-AU"/>
           </a:p>
@@ -10145,7 +10145,7 @@
             <a:fld id="{CA10310C-7EC1-470A-8BF5-D51EF2D864BA}" type="datetimeFigureOut">
               <a:rPr lang="en-AU" smtClean="0"/>
               <a:pPr/>
-              <a:t>20/03/2012</a:t>
+              <a:t>21/03/2012</a:t>
             </a:fld>
             <a:endParaRPr lang="en-AU"/>
           </a:p>
@@ -10419,7 +10419,7 @@
             <a:fld id="{CA10310C-7EC1-470A-8BF5-D51EF2D864BA}" type="datetimeFigureOut">
               <a:rPr lang="en-AU" smtClean="0"/>
               <a:pPr/>
-              <a:t>20/03/2012</a:t>
+              <a:t>21/03/2012</a:t>
             </a:fld>
             <a:endParaRPr lang="en-AU"/>
           </a:p>
@@ -10669,7 +10669,7 @@
             <a:fld id="{CA10310C-7EC1-470A-8BF5-D51EF2D864BA}" type="datetimeFigureOut">
               <a:rPr lang="en-AU" smtClean="0"/>
               <a:pPr/>
-              <a:t>20/03/2012</a:t>
+              <a:t>21/03/2012</a:t>
             </a:fld>
             <a:endParaRPr lang="en-AU"/>
           </a:p>
@@ -10836,7 +10836,7 @@
             <a:fld id="{CA10310C-7EC1-470A-8BF5-D51EF2D864BA}" type="datetimeFigureOut">
               <a:rPr lang="en-AU" smtClean="0"/>
               <a:pPr/>
-              <a:t>20/03/2012</a:t>
+              <a:t>21/03/2012</a:t>
             </a:fld>
             <a:endParaRPr lang="en-AU"/>
           </a:p>
@@ -11122,7 +11122,7 @@
             <a:fld id="{CA10310C-7EC1-470A-8BF5-D51EF2D864BA}" type="datetimeFigureOut">
               <a:rPr lang="en-AU" smtClean="0"/>
               <a:pPr/>
-              <a:t>20/03/2012</a:t>
+              <a:t>21/03/2012</a:t>
             </a:fld>
             <a:endParaRPr lang="en-AU"/>
           </a:p>
@@ -11361,7 +11361,7 @@
             <a:fld id="{85CE8AA0-9735-4FA2-95DD-391EE93AFE89}" type="datetimeFigureOut">
               <a:rPr lang="en-AU" smtClean="0"/>
               <a:pPr/>
-              <a:t>20/03/2012</a:t>
+              <a:t>21/03/2012</a:t>
             </a:fld>
             <a:endParaRPr lang="en-AU"/>
           </a:p>
@@ -11528,7 +11528,7 @@
             <a:fld id="{85CE8AA0-9735-4FA2-95DD-391EE93AFE89}" type="datetimeFigureOut">
               <a:rPr lang="en-AU" smtClean="0"/>
               <a:pPr/>
-              <a:t>20/03/2012</a:t>
+              <a:t>21/03/2012</a:t>
             </a:fld>
             <a:endParaRPr lang="en-AU"/>
           </a:p>
@@ -11771,7 +11771,7 @@
             <a:fld id="{85CE8AA0-9735-4FA2-95DD-391EE93AFE89}" type="datetimeFigureOut">
               <a:rPr lang="en-AU" smtClean="0"/>
               <a:pPr/>
-              <a:t>20/03/2012</a:t>
+              <a:t>21/03/2012</a:t>
             </a:fld>
             <a:endParaRPr lang="en-AU"/>
           </a:p>
@@ -12056,7 +12056,7 @@
             <a:fld id="{85CE8AA0-9735-4FA2-95DD-391EE93AFE89}" type="datetimeFigureOut">
               <a:rPr lang="en-AU" smtClean="0"/>
               <a:pPr/>
-              <a:t>20/03/2012</a:t>
+              <a:t>21/03/2012</a:t>
             </a:fld>
             <a:endParaRPr lang="en-AU"/>
           </a:p>
@@ -12475,7 +12475,7 @@
             <a:fld id="{85CE8AA0-9735-4FA2-95DD-391EE93AFE89}" type="datetimeFigureOut">
               <a:rPr lang="en-AU" smtClean="0"/>
               <a:pPr/>
-              <a:t>20/03/2012</a:t>
+              <a:t>21/03/2012</a:t>
             </a:fld>
             <a:endParaRPr lang="en-AU"/>
           </a:p>
@@ -12590,7 +12590,7 @@
             <a:fld id="{85CE8AA0-9735-4FA2-95DD-391EE93AFE89}" type="datetimeFigureOut">
               <a:rPr lang="en-AU" smtClean="0"/>
               <a:pPr/>
-              <a:t>20/03/2012</a:t>
+              <a:t>21/03/2012</a:t>
             </a:fld>
             <a:endParaRPr lang="en-AU"/>
           </a:p>
@@ -12682,7 +12682,7 @@
             <a:fld id="{85CE8AA0-9735-4FA2-95DD-391EE93AFE89}" type="datetimeFigureOut">
               <a:rPr lang="en-AU" smtClean="0"/>
               <a:pPr/>
-              <a:t>20/03/2012</a:t>
+              <a:t>21/03/2012</a:t>
             </a:fld>
             <a:endParaRPr lang="en-AU"/>
           </a:p>
@@ -12956,7 +12956,7 @@
             <a:fld id="{85CE8AA0-9735-4FA2-95DD-391EE93AFE89}" type="datetimeFigureOut">
               <a:rPr lang="en-AU" smtClean="0"/>
               <a:pPr/>
-              <a:t>20/03/2012</a:t>
+              <a:t>21/03/2012</a:t>
             </a:fld>
             <a:endParaRPr lang="en-AU"/>
           </a:p>
@@ -13206,7 +13206,7 @@
             <a:fld id="{85CE8AA0-9735-4FA2-95DD-391EE93AFE89}" type="datetimeFigureOut">
               <a:rPr lang="en-AU" smtClean="0"/>
               <a:pPr/>
-              <a:t>20/03/2012</a:t>
+              <a:t>21/03/2012</a:t>
             </a:fld>
             <a:endParaRPr lang="en-AU"/>
           </a:p>
@@ -13482,7 +13482,7 @@
             <a:fld id="{85CE8AA0-9735-4FA2-95DD-391EE93AFE89}" type="datetimeFigureOut">
               <a:rPr lang="en-AU" smtClean="0"/>
               <a:pPr/>
-              <a:t>20/03/2012</a:t>
+              <a:t>21/03/2012</a:t>
             </a:fld>
             <a:endParaRPr lang="en-AU"/>
           </a:p>
@@ -13659,7 +13659,7 @@
             <a:fld id="{85CE8AA0-9735-4FA2-95DD-391EE93AFE89}" type="datetimeFigureOut">
               <a:rPr lang="en-AU" smtClean="0"/>
               <a:pPr/>
-              <a:t>20/03/2012</a:t>
+              <a:t>21/03/2012</a:t>
             </a:fld>
             <a:endParaRPr lang="en-AU"/>
           </a:p>
@@ -13774,7 +13774,7 @@
             <a:fld id="{85CE8AA0-9735-4FA2-95DD-391EE93AFE89}" type="datetimeFigureOut">
               <a:rPr lang="en-AU" smtClean="0"/>
               <a:pPr/>
-              <a:t>20/03/2012</a:t>
+              <a:t>21/03/2012</a:t>
             </a:fld>
             <a:endParaRPr lang="en-AU"/>
           </a:p>
@@ -14862,7 +14862,7 @@
             <a:fld id="{CA10310C-7EC1-470A-8BF5-D51EF2D864BA}" type="datetimeFigureOut">
               <a:rPr lang="en-AU" smtClean="0"/>
               <a:pPr/>
-              <a:t>20/03/2012</a:t>
+              <a:t>21/03/2012</a:t>
             </a:fld>
             <a:endParaRPr lang="en-AU"/>
           </a:p>
@@ -15372,7 +15372,7 @@
             <a:fld id="{85CE8AA0-9735-4FA2-95DD-391EE93AFE89}" type="datetimeFigureOut">
               <a:rPr lang="en-AU" smtClean="0"/>
               <a:pPr/>
-              <a:t>20/03/2012</a:t>
+              <a:t>21/03/2012</a:t>
             </a:fld>
             <a:endParaRPr lang="en-AU"/>
           </a:p>
@@ -16039,20 +16039,20 @@
           <p:nvPr>
             <p:extLst>
               <p:ext uri="{D42A27DB-BD31-4B8C-83A1-F6EECF244321}">
-                <p14:modId xmlns:p14="http://schemas.microsoft.com/office/powerpoint/2010/main" val="2223032569"/>
+                <p14:modId xmlns:p14="http://schemas.microsoft.com/office/powerpoint/2010/main" val="1759625758"/>
               </p:ext>
             </p:extLst>
           </p:nvPr>
         </p:nvGraphicFramePr>
         <p:xfrm>
-          <a:off x="179512" y="5661248"/>
+          <a:off x="179512" y="5445224"/>
           <a:ext cx="914400" cy="771525"/>
         </p:xfrm>
         <a:graphic>
           <a:graphicData uri="http://schemas.openxmlformats.org/presentationml/2006/ole">
             <mc:AlternateContent xmlns:mc="http://schemas.openxmlformats.org/markup-compatibility/2006">
               <mc:Choice xmlns:v="urn:schemas-microsoft-com:vml" Requires="v">
-                <p:oleObj spid="_x0000_s1077" name="Packager Shell Object" showAsIcon="1" r:id="rId3" imgW="914400" imgH="771480" progId="Package">
+                <p:oleObj spid="_x0000_s1085" name="Packager Shell Object" showAsIcon="1" r:id="rId3" imgW="914400" imgH="771480" progId="Package">
                   <p:embed/>
                 </p:oleObj>
               </mc:Choice>
@@ -16073,7 +16073,7 @@
                     </p:blipFill>
                     <p:spPr>
                       <a:xfrm>
-                        <a:off x="179512" y="5661248"/>
+                        <a:off x="179512" y="5445224"/>
                         <a:ext cx="914400" cy="771525"/>
                       </a:xfrm>
                       <a:prstGeom prst="rect">
@@ -16129,6 +16129,325 @@
       </p:grpSpPr>
       <p:sp>
         <p:nvSpPr>
+          <p:cNvPr id="4" name="Title 3"/>
+          <p:cNvSpPr>
+            <a:spLocks noGrp="1"/>
+          </p:cNvSpPr>
+          <p:nvPr>
+            <p:ph type="title"/>
+          </p:nvPr>
+        </p:nvSpPr>
+        <p:spPr/>
+        <p:txBody>
+          <a:bodyPr/>
+          <a:lstStyle/>
+          <a:p>
+            <a:r>
+              <a:rPr lang="en-AU" dirty="0" smtClean="0"/>
+              <a:t>Debugging Node Apps</a:t>
+            </a:r>
+            <a:endParaRPr lang="en-AU" dirty="0"/>
+          </a:p>
+        </p:txBody>
+      </p:sp>
+      <p:sp>
+        <p:nvSpPr>
+          <p:cNvPr id="5" name="Text Placeholder 4"/>
+          <p:cNvSpPr>
+            <a:spLocks noGrp="1"/>
+          </p:cNvSpPr>
+          <p:nvPr>
+            <p:ph type="body" sz="quarter" idx="10"/>
+          </p:nvPr>
+        </p:nvSpPr>
+        <p:spPr/>
+        <p:txBody>
+          <a:bodyPr/>
+          <a:lstStyle/>
+          <a:p>
+            <a:pPr>
+              <a:buFont typeface="Wingdings" pitchFamily="2" charset="2"/>
+              <a:buChar char="Ø"/>
+            </a:pPr>
+            <a:r>
+              <a:rPr lang="en-AU" dirty="0" smtClean="0"/>
+              <a:t>console.log(“my debug message”)</a:t>
+            </a:r>
+          </a:p>
+          <a:p>
+            <a:pPr>
+              <a:buFont typeface="Wingdings" pitchFamily="2" charset="2"/>
+              <a:buChar char="Ø"/>
+            </a:pPr>
+            <a:r>
+              <a:rPr lang="en-AU" dirty="0" smtClean="0"/>
+              <a:t>Node Inspector (Chrome/Safari/</a:t>
+            </a:r>
+            <a:r>
+              <a:rPr lang="en-AU" dirty="0" err="1" smtClean="0"/>
+              <a:t>FireFox</a:t>
+            </a:r>
+            <a:r>
+              <a:rPr lang="en-AU" dirty="0" smtClean="0"/>
+              <a:t>)</a:t>
+            </a:r>
+          </a:p>
+          <a:p>
+            <a:pPr marL="0" indent="0">
+              <a:buNone/>
+            </a:pPr>
+            <a:endParaRPr lang="en-AU" dirty="0"/>
+          </a:p>
+          <a:p>
+            <a:endParaRPr lang="en-AU" dirty="0"/>
+          </a:p>
+        </p:txBody>
+      </p:sp>
+      <p:graphicFrame>
+        <p:nvGraphicFramePr>
+          <p:cNvPr id="2" name="Object 1"/>
+          <p:cNvGraphicFramePr>
+            <a:graphicFrameLocks noChangeAspect="1"/>
+          </p:cNvGraphicFramePr>
+          <p:nvPr>
+            <p:extLst>
+              <p:ext uri="{D42A27DB-BD31-4B8C-83A1-F6EECF244321}">
+                <p14:modId xmlns:p14="http://schemas.microsoft.com/office/powerpoint/2010/main" val="4024394609"/>
+              </p:ext>
+            </p:extLst>
+          </p:nvPr>
+        </p:nvGraphicFramePr>
+        <p:xfrm>
+          <a:off x="-36512" y="6172200"/>
+          <a:ext cx="1663700" cy="685800"/>
+        </p:xfrm>
+        <a:graphic>
+          <a:graphicData uri="http://schemas.openxmlformats.org/presentationml/2006/ole">
+            <mc:AlternateContent xmlns:mc="http://schemas.openxmlformats.org/markup-compatibility/2006">
+              <mc:Choice xmlns:v="urn:schemas-microsoft-com:vml" Requires="v">
+                <p:oleObj spid="_x0000_s3100" name="Packager Shell Object" showAsIcon="1" r:id="rId4" imgW="1663920" imgH="685800" progId="Package">
+                  <p:embed/>
+                </p:oleObj>
+              </mc:Choice>
+              <mc:Fallback>
+                <p:oleObj name="Packager Shell Object" showAsIcon="1" r:id="rId4" imgW="1663920" imgH="685800" progId="Package">
+                  <p:embed/>
+                  <p:pic>
+                    <p:nvPicPr>
+                      <p:cNvPr id="0" name=""/>
+                      <p:cNvPicPr/>
+                      <p:nvPr/>
+                    </p:nvPicPr>
+                    <p:blipFill>
+                      <a:blip r:embed="rId5"/>
+                      <a:stretch>
+                        <a:fillRect/>
+                      </a:stretch>
+                    </p:blipFill>
+                    <p:spPr>
+                      <a:xfrm>
+                        <a:off x="-36512" y="6172200"/>
+                        <a:ext cx="1663700" cy="685800"/>
+                      </a:xfrm>
+                      <a:prstGeom prst="rect">
+                        <a:avLst/>
+                      </a:prstGeom>
+                    </p:spPr>
+                  </p:pic>
+                </p:oleObj>
+              </mc:Fallback>
+            </mc:AlternateContent>
+          </a:graphicData>
+        </a:graphic>
+      </p:graphicFrame>
+      <p:pic>
+        <p:nvPicPr>
+          <p:cNvPr id="3095" name="Picture 23" descr="[image%255B62%255D.png]"/>
+          <p:cNvPicPr>
+            <a:picLocks noChangeAspect="1" noChangeArrowheads="1"/>
+          </p:cNvPicPr>
+          <p:nvPr/>
+        </p:nvPicPr>
+        <p:blipFill>
+          <a:blip r:embed="rId6">
+            <a:extLst>
+              <a:ext uri="{28A0092B-C50C-407E-A947-70E740481C1C}">
+                <a14:useLocalDpi xmlns:a14="http://schemas.microsoft.com/office/drawing/2010/main" val="0"/>
+              </a:ext>
+            </a:extLst>
+          </a:blip>
+          <a:srcRect/>
+          <a:stretch>
+            <a:fillRect/>
+          </a:stretch>
+        </p:blipFill>
+        <p:spPr bwMode="auto">
+          <a:xfrm>
+            <a:off x="971600" y="2924944"/>
+            <a:ext cx="6480720" cy="2712687"/>
+          </a:xfrm>
+          <a:prstGeom prst="rect">
+            <a:avLst/>
+          </a:prstGeom>
+          <a:noFill/>
+          <a:extLst>
+            <a:ext uri="{909E8E84-426E-40DD-AFC4-6F175D3DCCD1}">
+              <a14:hiddenFill xmlns:a14="http://schemas.microsoft.com/office/drawing/2010/main">
+                <a:solidFill>
+                  <a:srgbClr val="FFFFFF"/>
+                </a:solidFill>
+              </a14:hiddenFill>
+            </a:ext>
+          </a:extLst>
+        </p:spPr>
+      </p:pic>
+    </p:spTree>
+    <p:extLst>
+      <p:ext uri="{BB962C8B-B14F-4D97-AF65-F5344CB8AC3E}">
+        <p14:creationId xmlns:p14="http://schemas.microsoft.com/office/powerpoint/2010/main" val="4263077198"/>
+      </p:ext>
+    </p:extLst>
+  </p:cSld>
+  <p:clrMapOvr>
+    <a:masterClrMapping/>
+  </p:clrMapOvr>
+  <p:transition>
+    <p:fade thruBlk="1"/>
+  </p:transition>
+  <p:timing>
+    <p:tnLst>
+      <p:par>
+        <p:cTn id="1" dur="indefinite" restart="never" nodeType="tmRoot"/>
+      </p:par>
+    </p:tnLst>
+  </p:timing>
+</p:sld>
+</file>
+
+<file path=ppt/slides/slide12.xml><?xml version="1.0" encoding="utf-8"?>
+<p:sld xmlns:a="http://schemas.openxmlformats.org/drawingml/2006/main" xmlns:r="http://schemas.openxmlformats.org/officeDocument/2006/relationships" xmlns:p="http://schemas.openxmlformats.org/presentationml/2006/main">
+  <p:cSld>
+    <p:spTree>
+      <p:nvGrpSpPr>
+        <p:cNvPr id="1" name=""/>
+        <p:cNvGrpSpPr/>
+        <p:nvPr/>
+      </p:nvGrpSpPr>
+      <p:grpSpPr>
+        <a:xfrm>
+          <a:off x="0" y="0"/>
+          <a:ext cx="0" cy="0"/>
+          <a:chOff x="0" y="0"/>
+          <a:chExt cx="0" cy="0"/>
+        </a:xfrm>
+      </p:grpSpPr>
+      <p:sp>
+        <p:nvSpPr>
+          <p:cNvPr id="6" name="Title 5"/>
+          <p:cNvSpPr>
+            <a:spLocks noGrp="1"/>
+          </p:cNvSpPr>
+          <p:nvPr>
+            <p:ph type="ctrTitle"/>
+          </p:nvPr>
+        </p:nvSpPr>
+        <p:spPr/>
+        <p:txBody>
+          <a:bodyPr/>
+          <a:lstStyle/>
+          <a:p>
+            <a:r>
+              <a:rPr lang="en-AU" dirty="0" smtClean="0"/>
+              <a:t>Demo : Cloud9IDE</a:t>
+            </a:r>
+            <a:endParaRPr lang="en-AU" dirty="0"/>
+          </a:p>
+        </p:txBody>
+      </p:sp>
+      <p:sp>
+        <p:nvSpPr>
+          <p:cNvPr id="3" name="TextBox 2"/>
+          <p:cNvSpPr txBox="1"/>
+          <p:nvPr/>
+        </p:nvSpPr>
+        <p:spPr>
+          <a:xfrm>
+            <a:off x="1037822" y="5294692"/>
+            <a:ext cx="1480470" cy="400110"/>
+          </a:xfrm>
+          <a:prstGeom prst="rect">
+            <a:avLst/>
+          </a:prstGeom>
+          <a:noFill/>
+          <a:ln>
+            <a:noFill/>
+          </a:ln>
+        </p:spPr>
+        <p:txBody>
+          <a:bodyPr wrap="none" rtlCol="0">
+            <a:spAutoFit/>
+          </a:bodyPr>
+          <a:lstStyle/>
+          <a:p>
+            <a:r>
+              <a:rPr lang="en-AU" sz="2000" dirty="0" smtClean="0">
+                <a:solidFill>
+                  <a:schemeClr val="bg2"/>
+                </a:solidFill>
+                <a:hlinkClick r:id="rId2"/>
+              </a:rPr>
+              <a:t>http://c9.io/</a:t>
+            </a:r>
+            <a:endParaRPr lang="en-AU" sz="2000" dirty="0">
+              <a:solidFill>
+                <a:schemeClr val="bg2"/>
+              </a:solidFill>
+            </a:endParaRPr>
+          </a:p>
+        </p:txBody>
+      </p:sp>
+    </p:spTree>
+    <p:extLst>
+      <p:ext uri="{BB962C8B-B14F-4D97-AF65-F5344CB8AC3E}">
+        <p14:creationId xmlns:p14="http://schemas.microsoft.com/office/powerpoint/2010/main" val="719183932"/>
+      </p:ext>
+    </p:extLst>
+  </p:cSld>
+  <p:clrMapOvr>
+    <a:masterClrMapping/>
+  </p:clrMapOvr>
+  <p:transition>
+    <p:fade thruBlk="1"/>
+  </p:transition>
+  <p:timing>
+    <p:tnLst>
+      <p:par>
+        <p:cTn id="1" dur="indefinite" restart="never" nodeType="tmRoot"/>
+      </p:par>
+    </p:tnLst>
+  </p:timing>
+</p:sld>
+</file>
+
+<file path=ppt/slides/slide13.xml><?xml version="1.0" encoding="utf-8"?>
+<p:sld xmlns:a="http://schemas.openxmlformats.org/drawingml/2006/main" xmlns:r="http://schemas.openxmlformats.org/officeDocument/2006/relationships" xmlns:p="http://schemas.openxmlformats.org/presentationml/2006/main">
+  <p:cSld>
+    <p:spTree>
+      <p:nvGrpSpPr>
+        <p:cNvPr id="1" name=""/>
+        <p:cNvGrpSpPr/>
+        <p:nvPr/>
+      </p:nvGrpSpPr>
+      <p:grpSpPr>
+        <a:xfrm>
+          <a:off x="0" y="0"/>
+          <a:ext cx="0" cy="0"/>
+          <a:chOff x="0" y="0"/>
+          <a:chExt cx="0" cy="0"/>
+        </a:xfrm>
+      </p:grpSpPr>
+      <p:sp>
+        <p:nvSpPr>
           <p:cNvPr id="2" name="Title 1"/>
           <p:cNvSpPr>
             <a:spLocks noGrp="1"/>
@@ -16179,7 +16498,7 @@
           <a:p>
             <a:r>
               <a:rPr lang="en-AU" dirty="0" smtClean="0"/>
-              <a:t>Easy to install </a:t>
+              <a:t>Packages are easily installed </a:t>
             </a:r>
             <a:r>
               <a:rPr lang="en-AU" dirty="0"/>
@@ -16187,13 +16506,8 @@
             </a:r>
             <a:r>
               <a:rPr lang="en-AU" dirty="0" smtClean="0"/>
-              <a:t>command </a:t>
-            </a:r>
-            <a:r>
-              <a:rPr lang="en-AU" dirty="0"/>
-              <a:t>line </a:t>
-            </a:r>
-            <a:endParaRPr lang="en-AU" dirty="0" smtClean="0"/>
+              <a:t>command line tool (node package manger)</a:t>
+            </a:r>
           </a:p>
           <a:p>
             <a:r>
@@ -16367,348 +16681,6 @@
     <p:extLst>
       <p:ext uri="{BB962C8B-B14F-4D97-AF65-F5344CB8AC3E}">
         <p14:creationId xmlns:p14="http://schemas.microsoft.com/office/powerpoint/2010/main" val="3422043080"/>
-      </p:ext>
-    </p:extLst>
-  </p:cSld>
-  <p:clrMapOvr>
-    <a:masterClrMapping/>
-  </p:clrMapOvr>
-  <p:transition>
-    <p:fade thruBlk="1"/>
-  </p:transition>
-  <p:timing>
-    <p:tnLst>
-      <p:par>
-        <p:cTn id="1" dur="indefinite" restart="never" nodeType="tmRoot"/>
-      </p:par>
-    </p:tnLst>
-  </p:timing>
-</p:sld>
-</file>
-
-<file path=ppt/slides/slide12.xml><?xml version="1.0" encoding="utf-8"?>
-<p:sld xmlns:a="http://schemas.openxmlformats.org/drawingml/2006/main" xmlns:r="http://schemas.openxmlformats.org/officeDocument/2006/relationships" xmlns:p="http://schemas.openxmlformats.org/presentationml/2006/main">
-  <p:cSld>
-    <p:spTree>
-      <p:nvGrpSpPr>
-        <p:cNvPr id="1" name=""/>
-        <p:cNvGrpSpPr/>
-        <p:nvPr/>
-      </p:nvGrpSpPr>
-      <p:grpSpPr>
-        <a:xfrm>
-          <a:off x="0" y="0"/>
-          <a:ext cx="0" cy="0"/>
-          <a:chOff x="0" y="0"/>
-          <a:chExt cx="0" cy="0"/>
-        </a:xfrm>
-      </p:grpSpPr>
-      <p:sp>
-        <p:nvSpPr>
-          <p:cNvPr id="4" name="Title 3"/>
-          <p:cNvSpPr>
-            <a:spLocks noGrp="1"/>
-          </p:cNvSpPr>
-          <p:nvPr>
-            <p:ph type="title"/>
-          </p:nvPr>
-        </p:nvSpPr>
-        <p:spPr/>
-        <p:txBody>
-          <a:bodyPr/>
-          <a:lstStyle/>
-          <a:p>
-            <a:r>
-              <a:rPr lang="en-AU" dirty="0" smtClean="0"/>
-              <a:t>Debugging Node Apps</a:t>
-            </a:r>
-            <a:endParaRPr lang="en-AU" dirty="0"/>
-          </a:p>
-        </p:txBody>
-      </p:sp>
-      <p:sp>
-        <p:nvSpPr>
-          <p:cNvPr id="5" name="Text Placeholder 4"/>
-          <p:cNvSpPr>
-            <a:spLocks noGrp="1"/>
-          </p:cNvSpPr>
-          <p:nvPr>
-            <p:ph type="body" sz="quarter" idx="10"/>
-          </p:nvPr>
-        </p:nvSpPr>
-        <p:spPr/>
-        <p:txBody>
-          <a:bodyPr/>
-          <a:lstStyle/>
-          <a:p>
-            <a:pPr>
-              <a:buFont typeface="Wingdings" pitchFamily="2" charset="2"/>
-              <a:buChar char="Ø"/>
-            </a:pPr>
-            <a:r>
-              <a:rPr lang="en-AU" dirty="0" smtClean="0"/>
-              <a:t>console.log(“my debug message”)</a:t>
-            </a:r>
-          </a:p>
-          <a:p>
-            <a:pPr>
-              <a:buFont typeface="Wingdings" pitchFamily="2" charset="2"/>
-              <a:buChar char="Ø"/>
-            </a:pPr>
-            <a:r>
-              <a:rPr lang="en-AU" dirty="0" smtClean="0"/>
-              <a:t>Node Inspector (Chrome/Safari/</a:t>
-            </a:r>
-            <a:r>
-              <a:rPr lang="en-AU" dirty="0" err="1" smtClean="0"/>
-              <a:t>FireFox</a:t>
-            </a:r>
-            <a:r>
-              <a:rPr lang="en-AU" dirty="0" smtClean="0"/>
-              <a:t>)</a:t>
-            </a:r>
-          </a:p>
-          <a:p>
-            <a:pPr marL="0" indent="0">
-              <a:buNone/>
-            </a:pPr>
-            <a:endParaRPr lang="en-AU" dirty="0"/>
-          </a:p>
-          <a:p>
-            <a:endParaRPr lang="en-AU" dirty="0"/>
-          </a:p>
-        </p:txBody>
-      </p:sp>
-      <p:pic>
-        <p:nvPicPr>
-          <p:cNvPr id="2050" name="Picture 2"/>
-          <p:cNvPicPr>
-            <a:picLocks noChangeAspect="1" noChangeArrowheads="1"/>
-          </p:cNvPicPr>
-          <p:nvPr/>
-        </p:nvPicPr>
-        <p:blipFill>
-          <a:blip r:embed="rId4">
-            <a:extLst>
-              <a:ext uri="{28A0092B-C50C-407E-A947-70E740481C1C}">
-                <a14:useLocalDpi xmlns:a14="http://schemas.microsoft.com/office/drawing/2010/main" val="0"/>
-              </a:ext>
-            </a:extLst>
-          </a:blip>
-          <a:srcRect/>
-          <a:stretch>
-            <a:fillRect/>
-          </a:stretch>
-        </p:blipFill>
-        <p:spPr bwMode="auto">
-          <a:xfrm>
-            <a:off x="683568" y="3057096"/>
-            <a:ext cx="6120680" cy="2892978"/>
-          </a:xfrm>
-          <a:prstGeom prst="rect">
-            <a:avLst/>
-          </a:prstGeom>
-          <a:noFill/>
-          <a:ln>
-            <a:noFill/>
-          </a:ln>
-          <a:effectLst/>
-          <a:extLst>
-            <a:ext uri="{909E8E84-426E-40DD-AFC4-6F175D3DCCD1}">
-              <a14:hiddenFill xmlns:a14="http://schemas.microsoft.com/office/drawing/2010/main">
-                <a:solidFill>
-                  <a:schemeClr val="accent1"/>
-                </a:solidFill>
-              </a14:hiddenFill>
-            </a:ext>
-            <a:ext uri="{91240B29-F687-4F45-9708-019B960494DF}">
-              <a14:hiddenLine xmlns:a14="http://schemas.microsoft.com/office/drawing/2010/main" w="9525">
-                <a:solidFill>
-                  <a:schemeClr val="tx1"/>
-                </a:solidFill>
-                <a:miter lim="800000"/>
-                <a:headEnd/>
-                <a:tailEnd/>
-              </a14:hiddenLine>
-            </a:ext>
-            <a:ext uri="{AF507438-7753-43E0-B8FC-AC1667EBCBE1}">
-              <a14:hiddenEffects xmlns:a14="http://schemas.microsoft.com/office/drawing/2010/main">
-                <a:effectLst>
-                  <a:outerShdw dist="35921" dir="2700000" algn="ctr" rotWithShape="0">
-                    <a:schemeClr val="bg2"/>
-                  </a:outerShdw>
-                </a:effectLst>
-              </a14:hiddenEffects>
-            </a:ext>
-          </a:extLst>
-        </p:spPr>
-      </p:pic>
-      <p:graphicFrame>
-        <p:nvGraphicFramePr>
-          <p:cNvPr id="2" name="Object 1"/>
-          <p:cNvGraphicFramePr>
-            <a:graphicFrameLocks noChangeAspect="1"/>
-          </p:cNvGraphicFramePr>
-          <p:nvPr>
-            <p:extLst>
-              <p:ext uri="{D42A27DB-BD31-4B8C-83A1-F6EECF244321}">
-                <p14:modId xmlns:p14="http://schemas.microsoft.com/office/powerpoint/2010/main" val="511212388"/>
-              </p:ext>
-            </p:extLst>
-          </p:nvPr>
-        </p:nvGraphicFramePr>
-        <p:xfrm>
-          <a:off x="-36512" y="6172200"/>
-          <a:ext cx="1663700" cy="685800"/>
-        </p:xfrm>
-        <a:graphic>
-          <a:graphicData uri="http://schemas.openxmlformats.org/presentationml/2006/ole">
-            <mc:AlternateContent xmlns:mc="http://schemas.openxmlformats.org/markup-compatibility/2006">
-              <mc:Choice xmlns:v="urn:schemas-microsoft-com:vml" Requires="v">
-                <p:oleObj spid="_x0000_s3090" name="Packager Shell Object" showAsIcon="1" r:id="rId5" imgW="1663920" imgH="685800" progId="Package">
-                  <p:embed/>
-                </p:oleObj>
-              </mc:Choice>
-              <mc:Fallback>
-                <p:oleObj name="Packager Shell Object" showAsIcon="1" r:id="rId5" imgW="1663920" imgH="685800" progId="Package">
-                  <p:embed/>
-                  <p:pic>
-                    <p:nvPicPr>
-                      <p:cNvPr id="0" name=""/>
-                      <p:cNvPicPr/>
-                      <p:nvPr/>
-                    </p:nvPicPr>
-                    <p:blipFill>
-                      <a:blip r:embed="rId6"/>
-                      <a:stretch>
-                        <a:fillRect/>
-                      </a:stretch>
-                    </p:blipFill>
-                    <p:spPr>
-                      <a:xfrm>
-                        <a:off x="-36512" y="6172200"/>
-                        <a:ext cx="1663700" cy="685800"/>
-                      </a:xfrm>
-                      <a:prstGeom prst="rect">
-                        <a:avLst/>
-                      </a:prstGeom>
-                    </p:spPr>
-                  </p:pic>
-                </p:oleObj>
-              </mc:Fallback>
-            </mc:AlternateContent>
-          </a:graphicData>
-        </a:graphic>
-      </p:graphicFrame>
-    </p:spTree>
-    <p:extLst>
-      <p:ext uri="{BB962C8B-B14F-4D97-AF65-F5344CB8AC3E}">
-        <p14:creationId xmlns:p14="http://schemas.microsoft.com/office/powerpoint/2010/main" val="4263077198"/>
-      </p:ext>
-    </p:extLst>
-  </p:cSld>
-  <p:clrMapOvr>
-    <a:masterClrMapping/>
-  </p:clrMapOvr>
-  <p:transition>
-    <p:fade thruBlk="1"/>
-  </p:transition>
-  <p:timing>
-    <p:tnLst>
-      <p:par>
-        <p:cTn id="1" dur="indefinite" restart="never" nodeType="tmRoot"/>
-      </p:par>
-    </p:tnLst>
-  </p:timing>
-</p:sld>
-</file>
-
-<file path=ppt/slides/slide13.xml><?xml version="1.0" encoding="utf-8"?>
-<p:sld xmlns:a="http://schemas.openxmlformats.org/drawingml/2006/main" xmlns:r="http://schemas.openxmlformats.org/officeDocument/2006/relationships" xmlns:p="http://schemas.openxmlformats.org/presentationml/2006/main">
-  <p:cSld>
-    <p:spTree>
-      <p:nvGrpSpPr>
-        <p:cNvPr id="1" name=""/>
-        <p:cNvGrpSpPr/>
-        <p:nvPr/>
-      </p:nvGrpSpPr>
-      <p:grpSpPr>
-        <a:xfrm>
-          <a:off x="0" y="0"/>
-          <a:ext cx="0" cy="0"/>
-          <a:chOff x="0" y="0"/>
-          <a:chExt cx="0" cy="0"/>
-        </a:xfrm>
-      </p:grpSpPr>
-      <p:sp>
-        <p:nvSpPr>
-          <p:cNvPr id="6" name="Title 5"/>
-          <p:cNvSpPr>
-            <a:spLocks noGrp="1"/>
-          </p:cNvSpPr>
-          <p:nvPr>
-            <p:ph type="ctrTitle"/>
-          </p:nvPr>
-        </p:nvSpPr>
-        <p:spPr/>
-        <p:txBody>
-          <a:bodyPr/>
-          <a:lstStyle/>
-          <a:p>
-            <a:r>
-              <a:rPr lang="en-AU" dirty="0" smtClean="0"/>
-              <a:t>Demo : Cloud9IDE</a:t>
-            </a:r>
-            <a:endParaRPr lang="en-AU" dirty="0"/>
-          </a:p>
-        </p:txBody>
-      </p:sp>
-      <p:sp>
-        <p:nvSpPr>
-          <p:cNvPr id="3" name="TextBox 2"/>
-          <p:cNvSpPr txBox="1"/>
-          <p:nvPr/>
-        </p:nvSpPr>
-        <p:spPr>
-          <a:xfrm>
-            <a:off x="971600" y="5294692"/>
-            <a:ext cx="1480470" cy="400110"/>
-          </a:xfrm>
-          <a:prstGeom prst="rect">
-            <a:avLst/>
-          </a:prstGeom>
-          <a:noFill/>
-          <a:ln>
-            <a:noFill/>
-          </a:ln>
-        </p:spPr>
-        <p:txBody>
-          <a:bodyPr wrap="none" rtlCol="0">
-            <a:spAutoFit/>
-          </a:bodyPr>
-          <a:lstStyle/>
-          <a:p>
-            <a:r>
-              <a:rPr lang="en-AU" sz="2000" dirty="0" smtClean="0">
-                <a:solidFill>
-                  <a:schemeClr val="bg2"/>
-                </a:solidFill>
-                <a:hlinkClick r:id="rId2"/>
-              </a:rPr>
-              <a:t>http://c9.io/</a:t>
-            </a:r>
-            <a:endParaRPr lang="en-AU" sz="2000" dirty="0">
-              <a:solidFill>
-                <a:schemeClr val="bg2"/>
-              </a:solidFill>
-            </a:endParaRPr>
-          </a:p>
-        </p:txBody>
-      </p:sp>
-    </p:spTree>
-    <p:extLst>
-      <p:ext uri="{BB962C8B-B14F-4D97-AF65-F5344CB8AC3E}">
-        <p14:creationId xmlns:p14="http://schemas.microsoft.com/office/powerpoint/2010/main" val="719183932"/>
       </p:ext>
     </p:extLst>
   </p:cSld>
@@ -16910,7 +16882,7 @@
           <a:p>
             <a:r>
               <a:rPr lang="en-AU" dirty="0" smtClean="0"/>
-              <a:t>Easy to deploy locally/online  using PowerShell </a:t>
+              <a:t>Really easy to deploy (locally / cloud) using PowerShell </a:t>
             </a:r>
             <a:r>
               <a:rPr lang="en-AU" dirty="0" err="1" smtClean="0"/>
@@ -17276,8 +17248,33 @@
             </a:r>
             <a:r>
               <a:rPr lang="en-AU" dirty="0"/>
-              <a:t>development teams</a:t>
-            </a:r>
+              <a:t>development </a:t>
+            </a:r>
+            <a:r>
+              <a:rPr lang="en-AU" dirty="0" smtClean="0"/>
+              <a:t>teams</a:t>
+            </a:r>
+          </a:p>
+          <a:p>
+            <a:pPr>
+              <a:buFont typeface="Wingdings" pitchFamily="2" charset="2"/>
+              <a:buChar char="Ø"/>
+            </a:pPr>
+            <a:r>
+              <a:rPr lang="en-AU" dirty="0" smtClean="0"/>
+              <a:t>applications </a:t>
+            </a:r>
+            <a:r>
+              <a:rPr lang="en-AU" dirty="0"/>
+              <a:t>that have a lot of concurrent connections and each request only needs very few CPU cycles </a:t>
+            </a:r>
+          </a:p>
+          <a:p>
+            <a:pPr>
+              <a:buFont typeface="Wingdings" pitchFamily="2" charset="2"/>
+              <a:buChar char="Ø"/>
+            </a:pPr>
+            <a:endParaRPr lang="en-AU" dirty="0"/>
           </a:p>
         </p:txBody>
       </p:sp>
@@ -17532,15 +17529,7 @@
             </a:r>
             <a:r>
               <a:rPr lang="en-AU" dirty="0" smtClean="0"/>
-              <a:t>accounting products – (C#.NET ,</a:t>
-            </a:r>
-            <a:r>
-              <a:rPr lang="en-AU" dirty="0" smtClean="0"/>
-              <a:t>WCF, REST, </a:t>
-            </a:r>
-            <a:r>
-              <a:rPr lang="en-AU" dirty="0" smtClean="0"/>
-              <a:t>SQL Server, .NET 4.0)</a:t>
+              <a:t>accounting products – (C#.NET ,WCF, REST, SQL Server, .NET 4.0)</a:t>
             </a:r>
           </a:p>
           <a:p>
@@ -17865,23 +17854,7 @@
           <a:p>
             <a:r>
               <a:rPr lang="en-AU" dirty="0" smtClean="0"/>
-              <a:t>Review tooling, </a:t>
-            </a:r>
-            <a:r>
-              <a:rPr lang="en-AU" dirty="0" smtClean="0"/>
-              <a:t>Azure SDK </a:t>
-            </a:r>
-            <a:r>
-              <a:rPr lang="en-AU" dirty="0" smtClean="0"/>
-              <a:t>and </a:t>
-            </a:r>
-            <a:r>
-              <a:rPr lang="en-AU" dirty="0" smtClean="0"/>
-              <a:t>development </a:t>
-            </a:r>
-            <a:r>
-              <a:rPr lang="en-AU" dirty="0" smtClean="0"/>
-              <a:t>experience</a:t>
+              <a:t>Review tooling, Azure SDK and development experience</a:t>
             </a:r>
           </a:p>
           <a:p>
@@ -17891,11 +17864,7 @@
             </a:r>
             <a:r>
               <a:rPr lang="en-AU" dirty="0" smtClean="0"/>
-              <a:t>uild </a:t>
-            </a:r>
-            <a:r>
-              <a:rPr lang="en-AU" dirty="0" smtClean="0"/>
-              <a:t>and deploy a chat room application using Windows Azure SDK for Node.js</a:t>
+              <a:t>uild and deploy a chat room application using Windows Azure SDK for Node.js</a:t>
             </a:r>
           </a:p>
           <a:p>
@@ -17958,7 +17927,7 @@
         </p:nvSpPr>
         <p:spPr>
           <a:xfrm>
-            <a:off x="457200" y="274638"/>
+            <a:off x="457200" y="260648"/>
             <a:ext cx="3106688" cy="885295"/>
           </a:xfrm>
         </p:spPr>
@@ -18009,23 +17978,7 @@
           <a:p>
             <a:r>
               <a:rPr lang="en-AU" dirty="0" smtClean="0"/>
-              <a:t>Suitable for </a:t>
-            </a:r>
-            <a:r>
-              <a:rPr lang="en-AU" dirty="0"/>
-              <a:t>applications that have a lot of concurrent connections </a:t>
-            </a:r>
-            <a:r>
-              <a:rPr lang="en-AU" dirty="0" smtClean="0"/>
-              <a:t>and </a:t>
-            </a:r>
-            <a:r>
-              <a:rPr lang="en-AU" dirty="0"/>
-              <a:t>each request only needs very few </a:t>
-            </a:r>
-            <a:r>
-              <a:rPr lang="en-AU" dirty="0" smtClean="0"/>
-              <a:t>CPU cycles </a:t>
+              <a:t>Highly scalable</a:t>
             </a:r>
           </a:p>
           <a:p>

--- a/presentation/Building Node.js Applications on Windows Azure.pptx
+++ b/presentation/Building Node.js Applications on Windows Azure.pptx
@@ -5557,7 +5557,7 @@
             <a:fld id="{7785875F-706E-40BB-864A-2D06F0E4670E}" type="datetimeFigureOut">
               <a:rPr lang="en-AU" smtClean="0"/>
               <a:pPr/>
-              <a:t>21/03/2012</a:t>
+              <a:t>22/03/2012</a:t>
             </a:fld>
             <a:endParaRPr lang="en-AU" dirty="0"/>
           </a:p>
@@ -5724,7 +5724,7 @@
             <a:fld id="{7DDF49B5-0C03-42A4-A086-8D97D52D2493}" type="datetimeFigureOut">
               <a:rPr lang="en-AU" smtClean="0"/>
               <a:pPr/>
-              <a:t>21/03/2012</a:t>
+              <a:t>22/03/2012</a:t>
             </a:fld>
             <a:endParaRPr lang="en-AU" dirty="0"/>
           </a:p>
@@ -8824,7 +8824,7 @@
             <a:fld id="{CA10310C-7EC1-470A-8BF5-D51EF2D864BA}" type="datetimeFigureOut">
               <a:rPr lang="en-AU" smtClean="0"/>
               <a:pPr/>
-              <a:t>21/03/2012</a:t>
+              <a:t>22/03/2012</a:t>
             </a:fld>
             <a:endParaRPr lang="en-AU"/>
           </a:p>
@@ -8991,7 +8991,7 @@
             <a:fld id="{CA10310C-7EC1-470A-8BF5-D51EF2D864BA}" type="datetimeFigureOut">
               <a:rPr lang="en-AU" smtClean="0"/>
               <a:pPr/>
-              <a:t>21/03/2012</a:t>
+              <a:t>22/03/2012</a:t>
             </a:fld>
             <a:endParaRPr lang="en-AU"/>
           </a:p>
@@ -9234,7 +9234,7 @@
             <a:fld id="{CA10310C-7EC1-470A-8BF5-D51EF2D864BA}" type="datetimeFigureOut">
               <a:rPr lang="en-AU" smtClean="0"/>
               <a:pPr/>
-              <a:t>21/03/2012</a:t>
+              <a:t>22/03/2012</a:t>
             </a:fld>
             <a:endParaRPr lang="en-AU"/>
           </a:p>
@@ -9519,7 +9519,7 @@
             <a:fld id="{CA10310C-7EC1-470A-8BF5-D51EF2D864BA}" type="datetimeFigureOut">
               <a:rPr lang="en-AU" smtClean="0"/>
               <a:pPr/>
-              <a:t>21/03/2012</a:t>
+              <a:t>22/03/2012</a:t>
             </a:fld>
             <a:endParaRPr lang="en-AU"/>
           </a:p>
@@ -9938,7 +9938,7 @@
             <a:fld id="{CA10310C-7EC1-470A-8BF5-D51EF2D864BA}" type="datetimeFigureOut">
               <a:rPr lang="en-AU" smtClean="0"/>
               <a:pPr/>
-              <a:t>21/03/2012</a:t>
+              <a:t>22/03/2012</a:t>
             </a:fld>
             <a:endParaRPr lang="en-AU"/>
           </a:p>
@@ -10053,7 +10053,7 @@
             <a:fld id="{CA10310C-7EC1-470A-8BF5-D51EF2D864BA}" type="datetimeFigureOut">
               <a:rPr lang="en-AU" smtClean="0"/>
               <a:pPr/>
-              <a:t>21/03/2012</a:t>
+              <a:t>22/03/2012</a:t>
             </a:fld>
             <a:endParaRPr lang="en-AU"/>
           </a:p>
@@ -10145,7 +10145,7 @@
             <a:fld id="{CA10310C-7EC1-470A-8BF5-D51EF2D864BA}" type="datetimeFigureOut">
               <a:rPr lang="en-AU" smtClean="0"/>
               <a:pPr/>
-              <a:t>21/03/2012</a:t>
+              <a:t>22/03/2012</a:t>
             </a:fld>
             <a:endParaRPr lang="en-AU"/>
           </a:p>
@@ -10419,7 +10419,7 @@
             <a:fld id="{CA10310C-7EC1-470A-8BF5-D51EF2D864BA}" type="datetimeFigureOut">
               <a:rPr lang="en-AU" smtClean="0"/>
               <a:pPr/>
-              <a:t>21/03/2012</a:t>
+              <a:t>22/03/2012</a:t>
             </a:fld>
             <a:endParaRPr lang="en-AU"/>
           </a:p>
@@ -10669,7 +10669,7 @@
             <a:fld id="{CA10310C-7EC1-470A-8BF5-D51EF2D864BA}" type="datetimeFigureOut">
               <a:rPr lang="en-AU" smtClean="0"/>
               <a:pPr/>
-              <a:t>21/03/2012</a:t>
+              <a:t>22/03/2012</a:t>
             </a:fld>
             <a:endParaRPr lang="en-AU"/>
           </a:p>
@@ -10836,7 +10836,7 @@
             <a:fld id="{CA10310C-7EC1-470A-8BF5-D51EF2D864BA}" type="datetimeFigureOut">
               <a:rPr lang="en-AU" smtClean="0"/>
               <a:pPr/>
-              <a:t>21/03/2012</a:t>
+              <a:t>22/03/2012</a:t>
             </a:fld>
             <a:endParaRPr lang="en-AU"/>
           </a:p>
@@ -11122,7 +11122,7 @@
             <a:fld id="{CA10310C-7EC1-470A-8BF5-D51EF2D864BA}" type="datetimeFigureOut">
               <a:rPr lang="en-AU" smtClean="0"/>
               <a:pPr/>
-              <a:t>21/03/2012</a:t>
+              <a:t>22/03/2012</a:t>
             </a:fld>
             <a:endParaRPr lang="en-AU"/>
           </a:p>
@@ -11361,7 +11361,7 @@
             <a:fld id="{85CE8AA0-9735-4FA2-95DD-391EE93AFE89}" type="datetimeFigureOut">
               <a:rPr lang="en-AU" smtClean="0"/>
               <a:pPr/>
-              <a:t>21/03/2012</a:t>
+              <a:t>22/03/2012</a:t>
             </a:fld>
             <a:endParaRPr lang="en-AU"/>
           </a:p>
@@ -11528,7 +11528,7 @@
             <a:fld id="{85CE8AA0-9735-4FA2-95DD-391EE93AFE89}" type="datetimeFigureOut">
               <a:rPr lang="en-AU" smtClean="0"/>
               <a:pPr/>
-              <a:t>21/03/2012</a:t>
+              <a:t>22/03/2012</a:t>
             </a:fld>
             <a:endParaRPr lang="en-AU"/>
           </a:p>
@@ -11771,7 +11771,7 @@
             <a:fld id="{85CE8AA0-9735-4FA2-95DD-391EE93AFE89}" type="datetimeFigureOut">
               <a:rPr lang="en-AU" smtClean="0"/>
               <a:pPr/>
-              <a:t>21/03/2012</a:t>
+              <a:t>22/03/2012</a:t>
             </a:fld>
             <a:endParaRPr lang="en-AU"/>
           </a:p>
@@ -12056,7 +12056,7 @@
             <a:fld id="{85CE8AA0-9735-4FA2-95DD-391EE93AFE89}" type="datetimeFigureOut">
               <a:rPr lang="en-AU" smtClean="0"/>
               <a:pPr/>
-              <a:t>21/03/2012</a:t>
+              <a:t>22/03/2012</a:t>
             </a:fld>
             <a:endParaRPr lang="en-AU"/>
           </a:p>
@@ -12475,7 +12475,7 @@
             <a:fld id="{85CE8AA0-9735-4FA2-95DD-391EE93AFE89}" type="datetimeFigureOut">
               <a:rPr lang="en-AU" smtClean="0"/>
               <a:pPr/>
-              <a:t>21/03/2012</a:t>
+              <a:t>22/03/2012</a:t>
             </a:fld>
             <a:endParaRPr lang="en-AU"/>
           </a:p>
@@ -12590,7 +12590,7 @@
             <a:fld id="{85CE8AA0-9735-4FA2-95DD-391EE93AFE89}" type="datetimeFigureOut">
               <a:rPr lang="en-AU" smtClean="0"/>
               <a:pPr/>
-              <a:t>21/03/2012</a:t>
+              <a:t>22/03/2012</a:t>
             </a:fld>
             <a:endParaRPr lang="en-AU"/>
           </a:p>
@@ -12682,7 +12682,7 @@
             <a:fld id="{85CE8AA0-9735-4FA2-95DD-391EE93AFE89}" type="datetimeFigureOut">
               <a:rPr lang="en-AU" smtClean="0"/>
               <a:pPr/>
-              <a:t>21/03/2012</a:t>
+              <a:t>22/03/2012</a:t>
             </a:fld>
             <a:endParaRPr lang="en-AU"/>
           </a:p>
@@ -12956,7 +12956,7 @@
             <a:fld id="{85CE8AA0-9735-4FA2-95DD-391EE93AFE89}" type="datetimeFigureOut">
               <a:rPr lang="en-AU" smtClean="0"/>
               <a:pPr/>
-              <a:t>21/03/2012</a:t>
+              <a:t>22/03/2012</a:t>
             </a:fld>
             <a:endParaRPr lang="en-AU"/>
           </a:p>
@@ -13206,7 +13206,7 @@
             <a:fld id="{85CE8AA0-9735-4FA2-95DD-391EE93AFE89}" type="datetimeFigureOut">
               <a:rPr lang="en-AU" smtClean="0"/>
               <a:pPr/>
-              <a:t>21/03/2012</a:t>
+              <a:t>22/03/2012</a:t>
             </a:fld>
             <a:endParaRPr lang="en-AU"/>
           </a:p>
@@ -13482,7 +13482,7 @@
             <a:fld id="{85CE8AA0-9735-4FA2-95DD-391EE93AFE89}" type="datetimeFigureOut">
               <a:rPr lang="en-AU" smtClean="0"/>
               <a:pPr/>
-              <a:t>21/03/2012</a:t>
+              <a:t>22/03/2012</a:t>
             </a:fld>
             <a:endParaRPr lang="en-AU"/>
           </a:p>
@@ -13659,7 +13659,7 @@
             <a:fld id="{85CE8AA0-9735-4FA2-95DD-391EE93AFE89}" type="datetimeFigureOut">
               <a:rPr lang="en-AU" smtClean="0"/>
               <a:pPr/>
-              <a:t>21/03/2012</a:t>
+              <a:t>22/03/2012</a:t>
             </a:fld>
             <a:endParaRPr lang="en-AU"/>
           </a:p>
@@ -13774,7 +13774,7 @@
             <a:fld id="{85CE8AA0-9735-4FA2-95DD-391EE93AFE89}" type="datetimeFigureOut">
               <a:rPr lang="en-AU" smtClean="0"/>
               <a:pPr/>
-              <a:t>21/03/2012</a:t>
+              <a:t>22/03/2012</a:t>
             </a:fld>
             <a:endParaRPr lang="en-AU"/>
           </a:p>
@@ -14862,7 +14862,7 @@
             <a:fld id="{CA10310C-7EC1-470A-8BF5-D51EF2D864BA}" type="datetimeFigureOut">
               <a:rPr lang="en-AU" smtClean="0"/>
               <a:pPr/>
-              <a:t>21/03/2012</a:t>
+              <a:t>22/03/2012</a:t>
             </a:fld>
             <a:endParaRPr lang="en-AU"/>
           </a:p>
@@ -15372,7 +15372,7 @@
             <a:fld id="{85CE8AA0-9735-4FA2-95DD-391EE93AFE89}" type="datetimeFigureOut">
               <a:rPr lang="en-AU" smtClean="0"/>
               <a:pPr/>
-              <a:t>21/03/2012</a:t>
+              <a:t>22/03/2012</a:t>
             </a:fld>
             <a:endParaRPr lang="en-AU"/>
           </a:p>
@@ -16039,20 +16039,20 @@
           <p:nvPr>
             <p:extLst>
               <p:ext uri="{D42A27DB-BD31-4B8C-83A1-F6EECF244321}">
-                <p14:modId xmlns:p14="http://schemas.microsoft.com/office/powerpoint/2010/main" val="1759625758"/>
+                <p14:modId xmlns:p14="http://schemas.microsoft.com/office/powerpoint/2010/main" val="690018177"/>
               </p:ext>
             </p:extLst>
           </p:nvPr>
         </p:nvGraphicFramePr>
         <p:xfrm>
-          <a:off x="179512" y="5445224"/>
+          <a:off x="201216" y="5445224"/>
           <a:ext cx="914400" cy="771525"/>
         </p:xfrm>
         <a:graphic>
           <a:graphicData uri="http://schemas.openxmlformats.org/presentationml/2006/ole">
             <mc:AlternateContent xmlns:mc="http://schemas.openxmlformats.org/markup-compatibility/2006">
               <mc:Choice xmlns:v="urn:schemas-microsoft-com:vml" Requires="v">
-                <p:oleObj spid="_x0000_s1085" name="Packager Shell Object" showAsIcon="1" r:id="rId3" imgW="914400" imgH="771480" progId="Package">
+                <p:oleObj spid="_x0000_s1088" name="Packager Shell Object" showAsIcon="1" r:id="rId3" imgW="914400" imgH="771480" progId="Package">
                   <p:embed/>
                 </p:oleObj>
               </mc:Choice>
@@ -16073,7 +16073,7 @@
                     </p:blipFill>
                     <p:spPr>
                       <a:xfrm>
-                        <a:off x="179512" y="5445224"/>
+                        <a:off x="201216" y="5445224"/>
                         <a:ext cx="914400" cy="771525"/>
                       </a:xfrm>
                       <a:prstGeom prst="rect">
@@ -16225,7 +16225,7 @@
           <a:graphicData uri="http://schemas.openxmlformats.org/presentationml/2006/ole">
             <mc:AlternateContent xmlns:mc="http://schemas.openxmlformats.org/markup-compatibility/2006">
               <mc:Choice xmlns:v="urn:schemas-microsoft-com:vml" Requires="v">
-                <p:oleObj spid="_x0000_s3100" name="Packager Shell Object" showAsIcon="1" r:id="rId4" imgW="1663920" imgH="685800" progId="Package">
+                <p:oleObj spid="_x0000_s3103" name="Packager Shell Object" showAsIcon="1" r:id="rId4" imgW="1663920" imgH="685800" progId="Package">
                   <p:embed/>
                 </p:oleObj>
               </mc:Choice>
@@ -18501,7 +18501,7 @@
         <p:spPr>
           <a:xfrm>
             <a:off x="4689697" y="939201"/>
-            <a:ext cx="1140643" cy="1323439"/>
+            <a:ext cx="1140643" cy="1477328"/>
           </a:xfrm>
           <a:prstGeom prst="rect">
             <a:avLst/>
@@ -18537,17 +18537,24 @@
           </a:p>
           <a:p>
             <a:r>
+              <a:rPr lang="en-AU" sz="1000" b="1" dirty="0"/>
+              <a:t>p</a:t>
+            </a:r>
+            <a:r>
+              <a:rPr lang="en-AU" sz="1000" b="1" dirty="0" smtClean="0"/>
+              <a:t>ort to Windows</a:t>
+            </a:r>
+            <a:endParaRPr lang="en-AU" sz="1000" b="1" dirty="0"/>
+          </a:p>
+          <a:p>
+            <a:endParaRPr lang="en-AU" sz="1000" b="1" dirty="0" smtClean="0"/>
+          </a:p>
+          <a:p>
+            <a:r>
               <a:rPr lang="en-AU" sz="1000" b="1" dirty="0" err="1" smtClean="0"/>
               <a:t>IISNode</a:t>
             </a:r>
             <a:endParaRPr lang="en-AU" sz="1000" b="1" dirty="0" smtClean="0"/>
-          </a:p>
-          <a:p>
-            <a:r>
-              <a:rPr lang="en-AU" sz="1000" dirty="0" smtClean="0"/>
-              <a:t>(port to Windows)</a:t>
-            </a:r>
-            <a:endParaRPr lang="en-AU" sz="1000" dirty="0"/>
           </a:p>
         </p:txBody>
       </p:sp>
@@ -22942,21 +22949,6 @@
 </file>
 
 <file path=customXml/item1.xml><?xml version="1.0" encoding="utf-8"?>
-<p:properties xmlns:p="http://schemas.microsoft.com/office/2006/metadata/properties" xmlns:xsi="http://www.w3.org/2001/XMLSchema-instance">
-  <documentManagement/>
-</p:properties>
-</file>
-
-<file path=customXml/item2.xml><?xml version="1.0" encoding="utf-8"?>
-<?mso-contentType ?>
-<FormTemplates xmlns="http://schemas.microsoft.com/sharepoint/v3/contenttype/forms">
-  <Display>DocumentLibraryForm</Display>
-  <Edit>DocumentLibraryForm</Edit>
-  <New>DocumentLibraryForm</New>
-</FormTemplates>
-</file>
-
-<file path=customXml/item3.xml><?xml version="1.0" encoding="utf-8"?>
 <?mso-contentType ?>
 <rca:RCAuthoringProperties xmlns:rca="urn:sharePointPublishingRcaProperties">
   <rca:Converter rca:guid="6dfdc5b4-2a28-4a06-b0c6-ad3901e3a807">
@@ -22972,6 +22964,21 @@
     <rca:property rca:type="ConverterSpecificSettings"/>
   </rca:Converter>
 </rca:RCAuthoringProperties>
+</file>
+
+<file path=customXml/item2.xml><?xml version="1.0" encoding="utf-8"?>
+<?mso-contentType ?>
+<FormTemplates xmlns="http://schemas.microsoft.com/sharepoint/v3/contenttype/forms">
+  <Display>DocumentLibraryForm</Display>
+  <Edit>DocumentLibraryForm</Edit>
+  <New>DocumentLibraryForm</New>
+</FormTemplates>
+</file>
+
+<file path=customXml/item3.xml><?xml version="1.0" encoding="utf-8"?>
+<p:properties xmlns:p="http://schemas.microsoft.com/office/2006/metadata/properties" xmlns:xsi="http://www.w3.org/2001/XMLSchema-instance">
+  <documentManagement/>
+</p:properties>
 </file>
 
 <file path=customXml/item4.xml><?xml version="1.0" encoding="utf-8"?>
@@ -23024,15 +23031,9 @@
 </file>
 
 <file path=customXml/itemProps1.xml><?xml version="1.0" encoding="utf-8"?>
-<ds:datastoreItem xmlns:ds="http://schemas.openxmlformats.org/officeDocument/2006/customXml" ds:itemID="{BDEC00FF-5F1B-415D-9C89-173832172D95}">
+<ds:datastoreItem xmlns:ds="http://schemas.openxmlformats.org/officeDocument/2006/customXml" ds:itemID="{37DE6E84-255A-45E8-8353-BCD6A4998E02}">
   <ds:schemaRefs>
-    <ds:schemaRef ds:uri="http://schemas.microsoft.com/office/2006/metadata/properties"/>
-    <ds:schemaRef ds:uri="http://schemas.openxmlformats.org/package/2006/metadata/core-properties"/>
-    <ds:schemaRef ds:uri="http://schemas.microsoft.com/office/2006/documentManagement/types"/>
-    <ds:schemaRef ds:uri="http://purl.org/dc/elements/1.1/"/>
-    <ds:schemaRef ds:uri="http://purl.org/dc/dcmitype/"/>
-    <ds:schemaRef ds:uri="http://purl.org/dc/terms/"/>
-    <ds:schemaRef ds:uri="http://www.w3.org/XML/1998/namespace"/>
+    <ds:schemaRef ds:uri="urn:sharePointPublishingRcaProperties"/>
   </ds:schemaRefs>
 </ds:datastoreItem>
 </file>
@@ -23046,9 +23047,15 @@
 </file>
 
 <file path=customXml/itemProps3.xml><?xml version="1.0" encoding="utf-8"?>
-<ds:datastoreItem xmlns:ds="http://schemas.openxmlformats.org/officeDocument/2006/customXml" ds:itemID="{37DE6E84-255A-45E8-8353-BCD6A4998E02}">
+<ds:datastoreItem xmlns:ds="http://schemas.openxmlformats.org/officeDocument/2006/customXml" ds:itemID="{BDEC00FF-5F1B-415D-9C89-173832172D95}">
   <ds:schemaRefs>
-    <ds:schemaRef ds:uri="urn:sharePointPublishingRcaProperties"/>
+    <ds:schemaRef ds:uri="http://schemas.microsoft.com/office/2006/metadata/properties"/>
+    <ds:schemaRef ds:uri="http://schemas.openxmlformats.org/package/2006/metadata/core-properties"/>
+    <ds:schemaRef ds:uri="http://schemas.microsoft.com/office/2006/documentManagement/types"/>
+    <ds:schemaRef ds:uri="http://purl.org/dc/elements/1.1/"/>
+    <ds:schemaRef ds:uri="http://purl.org/dc/dcmitype/"/>
+    <ds:schemaRef ds:uri="http://purl.org/dc/terms/"/>
+    <ds:schemaRef ds:uri="http://www.w3.org/XML/1998/namespace"/>
   </ds:schemaRefs>
 </ds:datastoreItem>
 </file>

--- a/presentation/Building Node.js Applications on Windows Azure.pptx
+++ b/presentation/Building Node.js Applications on Windows Azure.pptx
@@ -2580,398 +2580,6 @@
       <dsp:cNvGrpSpPr/>
     </dsp:nvGrpSpPr>
     <dsp:grpSpPr/>
-    <dsp:sp modelId="{C1469FA9-0D16-4852-8D36-F4D72043AA08}">
-      <dsp:nvSpPr>
-        <dsp:cNvPr id="0" name=""/>
-        <dsp:cNvSpPr/>
-      </dsp:nvSpPr>
-      <dsp:spPr>
-        <a:xfrm>
-          <a:off x="0" y="431857"/>
-          <a:ext cx="1530170" cy="918102"/>
-        </a:xfrm>
-        <a:prstGeom prst="rect">
-          <a:avLst/>
-        </a:prstGeom>
-        <a:solidFill>
-          <a:schemeClr val="accent1">
-            <a:hueOff val="0"/>
-            <a:satOff val="0"/>
-            <a:lumOff val="0"/>
-            <a:alphaOff val="0"/>
-          </a:schemeClr>
-        </a:solidFill>
-        <a:ln w="25400" cap="flat" cmpd="sng" algn="ctr">
-          <a:solidFill>
-            <a:schemeClr val="lt1">
-              <a:hueOff val="0"/>
-              <a:satOff val="0"/>
-              <a:lumOff val="0"/>
-              <a:alphaOff val="0"/>
-            </a:schemeClr>
-          </a:solidFill>
-          <a:prstDash val="solid"/>
-        </a:ln>
-        <a:effectLst/>
-      </dsp:spPr>
-      <dsp:style>
-        <a:lnRef idx="2">
-          <a:scrgbClr r="0" g="0" b="0"/>
-        </a:lnRef>
-        <a:fillRef idx="1">
-          <a:scrgbClr r="0" g="0" b="0"/>
-        </a:fillRef>
-        <a:effectRef idx="0">
-          <a:scrgbClr r="0" g="0" b="0"/>
-        </a:effectRef>
-        <a:fontRef idx="minor">
-          <a:schemeClr val="lt1"/>
-        </a:fontRef>
-      </dsp:style>
-      <dsp:txBody>
-        <a:bodyPr spcFirstLastPara="0" vert="horz" wrap="square" lIns="68580" tIns="68580" rIns="68580" bIns="68580" numCol="1" spcCol="1270" anchor="ctr" anchorCtr="0">
-          <a:noAutofit/>
-        </a:bodyPr>
-        <a:lstStyle/>
-        <a:p>
-          <a:pPr lvl="0" algn="ctr" defTabSz="800100">
-            <a:lnSpc>
-              <a:spcPct val="90000"/>
-            </a:lnSpc>
-            <a:spcBef>
-              <a:spcPct val="0"/>
-            </a:spcBef>
-            <a:spcAft>
-              <a:spcPct val="35000"/>
-            </a:spcAft>
-          </a:pPr>
-          <a:r>
-            <a:rPr lang="en-AU" sz="1800" kern="1200" dirty="0" smtClean="0"/>
-            <a:t>Node.js</a:t>
-          </a:r>
-          <a:endParaRPr lang="en-AU" sz="1800" kern="1200" dirty="0"/>
-        </a:p>
-      </dsp:txBody>
-      <dsp:txXfrm>
-        <a:off x="0" y="431857"/>
-        <a:ext cx="1530170" cy="918102"/>
-      </dsp:txXfrm>
-    </dsp:sp>
-    <dsp:sp modelId="{744D547D-58BE-4752-8309-1832680F98D1}">
-      <dsp:nvSpPr>
-        <dsp:cNvPr id="0" name=""/>
-        <dsp:cNvSpPr/>
-      </dsp:nvSpPr>
-      <dsp:spPr>
-        <a:xfrm>
-          <a:off x="1683187" y="431857"/>
-          <a:ext cx="1530170" cy="918102"/>
-        </a:xfrm>
-        <a:prstGeom prst="rect">
-          <a:avLst/>
-        </a:prstGeom>
-        <a:solidFill>
-          <a:schemeClr val="accent1">
-            <a:hueOff val="0"/>
-            <a:satOff val="0"/>
-            <a:lumOff val="0"/>
-            <a:alphaOff val="0"/>
-          </a:schemeClr>
-        </a:solidFill>
-        <a:ln w="25400" cap="flat" cmpd="sng" algn="ctr">
-          <a:solidFill>
-            <a:schemeClr val="lt1">
-              <a:hueOff val="0"/>
-              <a:satOff val="0"/>
-              <a:lumOff val="0"/>
-              <a:alphaOff val="0"/>
-            </a:schemeClr>
-          </a:solidFill>
-          <a:prstDash val="solid"/>
-        </a:ln>
-        <a:effectLst/>
-      </dsp:spPr>
-      <dsp:style>
-        <a:lnRef idx="2">
-          <a:scrgbClr r="0" g="0" b="0"/>
-        </a:lnRef>
-        <a:fillRef idx="1">
-          <a:scrgbClr r="0" g="0" b="0"/>
-        </a:fillRef>
-        <a:effectRef idx="0">
-          <a:scrgbClr r="0" g="0" b="0"/>
-        </a:effectRef>
-        <a:fontRef idx="minor">
-          <a:schemeClr val="lt1"/>
-        </a:fontRef>
-      </dsp:style>
-      <dsp:txBody>
-        <a:bodyPr spcFirstLastPara="0" vert="horz" wrap="square" lIns="68580" tIns="68580" rIns="68580" bIns="68580" numCol="1" spcCol="1270" anchor="ctr" anchorCtr="0">
-          <a:noAutofit/>
-        </a:bodyPr>
-        <a:lstStyle/>
-        <a:p>
-          <a:pPr lvl="0" algn="ctr" defTabSz="800100">
-            <a:lnSpc>
-              <a:spcPct val="90000"/>
-            </a:lnSpc>
-            <a:spcBef>
-              <a:spcPct val="0"/>
-            </a:spcBef>
-            <a:spcAft>
-              <a:spcPct val="35000"/>
-            </a:spcAft>
-          </a:pPr>
-          <a:r>
-            <a:rPr lang="en-AU" sz="1800" kern="1200" dirty="0" err="1" smtClean="0"/>
-            <a:t>IISNode</a:t>
-          </a:r>
-          <a:endParaRPr lang="en-AU" sz="1800" kern="1200" dirty="0"/>
-        </a:p>
-      </dsp:txBody>
-      <dsp:txXfrm>
-        <a:off x="1683187" y="431857"/>
-        <a:ext cx="1530170" cy="918102"/>
-      </dsp:txXfrm>
-    </dsp:sp>
-    <dsp:sp modelId="{DEEE9154-A3EC-4DAB-9952-EECA76A1B22E}">
-      <dsp:nvSpPr>
-        <dsp:cNvPr id="0" name=""/>
-        <dsp:cNvSpPr/>
-      </dsp:nvSpPr>
-      <dsp:spPr>
-        <a:xfrm>
-          <a:off x="3366374" y="431857"/>
-          <a:ext cx="1530170" cy="918102"/>
-        </a:xfrm>
-        <a:prstGeom prst="rect">
-          <a:avLst/>
-        </a:prstGeom>
-        <a:solidFill>
-          <a:schemeClr val="accent1">
-            <a:hueOff val="0"/>
-            <a:satOff val="0"/>
-            <a:lumOff val="0"/>
-            <a:alphaOff val="0"/>
-          </a:schemeClr>
-        </a:solidFill>
-        <a:ln w="25400" cap="flat" cmpd="sng" algn="ctr">
-          <a:solidFill>
-            <a:schemeClr val="lt1">
-              <a:hueOff val="0"/>
-              <a:satOff val="0"/>
-              <a:lumOff val="0"/>
-              <a:alphaOff val="0"/>
-            </a:schemeClr>
-          </a:solidFill>
-          <a:prstDash val="solid"/>
-        </a:ln>
-        <a:effectLst/>
-      </dsp:spPr>
-      <dsp:style>
-        <a:lnRef idx="2">
-          <a:scrgbClr r="0" g="0" b="0"/>
-        </a:lnRef>
-        <a:fillRef idx="1">
-          <a:scrgbClr r="0" g="0" b="0"/>
-        </a:fillRef>
-        <a:effectRef idx="0">
-          <a:scrgbClr r="0" g="0" b="0"/>
-        </a:effectRef>
-        <a:fontRef idx="minor">
-          <a:schemeClr val="lt1"/>
-        </a:fontRef>
-      </dsp:style>
-      <dsp:txBody>
-        <a:bodyPr spcFirstLastPara="0" vert="horz" wrap="square" lIns="68580" tIns="68580" rIns="68580" bIns="68580" numCol="1" spcCol="1270" anchor="ctr" anchorCtr="0">
-          <a:noAutofit/>
-        </a:bodyPr>
-        <a:lstStyle/>
-        <a:p>
-          <a:pPr lvl="0" algn="ctr" defTabSz="800100">
-            <a:lnSpc>
-              <a:spcPct val="90000"/>
-            </a:lnSpc>
-            <a:spcBef>
-              <a:spcPct val="0"/>
-            </a:spcBef>
-            <a:spcAft>
-              <a:spcPct val="35000"/>
-            </a:spcAft>
-          </a:pPr>
-          <a:r>
-            <a:rPr lang="en-AU" sz="1800" kern="1200" dirty="0" smtClean="0"/>
-            <a:t>NPM for </a:t>
-          </a:r>
-          <a:r>
-            <a:rPr lang="en-AU" sz="1800" kern="1200" dirty="0" err="1" smtClean="0"/>
-            <a:t>WIndows</a:t>
-          </a:r>
-          <a:endParaRPr lang="en-AU" sz="1800" kern="1200" dirty="0"/>
-        </a:p>
-      </dsp:txBody>
-      <dsp:txXfrm>
-        <a:off x="3366374" y="431857"/>
-        <a:ext cx="1530170" cy="918102"/>
-      </dsp:txXfrm>
-    </dsp:sp>
-    <dsp:sp modelId="{A40A3835-788C-463B-BBCE-3935360373CF}">
-      <dsp:nvSpPr>
-        <dsp:cNvPr id="0" name=""/>
-        <dsp:cNvSpPr/>
-      </dsp:nvSpPr>
-      <dsp:spPr>
-        <a:xfrm>
-          <a:off x="841593" y="1502976"/>
-          <a:ext cx="1530170" cy="918102"/>
-        </a:xfrm>
-        <a:prstGeom prst="rect">
-          <a:avLst/>
-        </a:prstGeom>
-        <a:solidFill>
-          <a:schemeClr val="accent1">
-            <a:hueOff val="0"/>
-            <a:satOff val="0"/>
-            <a:lumOff val="0"/>
-            <a:alphaOff val="0"/>
-          </a:schemeClr>
-        </a:solidFill>
-        <a:ln w="25400" cap="flat" cmpd="sng" algn="ctr">
-          <a:solidFill>
-            <a:schemeClr val="lt1">
-              <a:hueOff val="0"/>
-              <a:satOff val="0"/>
-              <a:lumOff val="0"/>
-              <a:alphaOff val="0"/>
-            </a:schemeClr>
-          </a:solidFill>
-          <a:prstDash val="solid"/>
-        </a:ln>
-        <a:effectLst/>
-      </dsp:spPr>
-      <dsp:style>
-        <a:lnRef idx="2">
-          <a:scrgbClr r="0" g="0" b="0"/>
-        </a:lnRef>
-        <a:fillRef idx="1">
-          <a:scrgbClr r="0" g="0" b="0"/>
-        </a:fillRef>
-        <a:effectRef idx="0">
-          <a:scrgbClr r="0" g="0" b="0"/>
-        </a:effectRef>
-        <a:fontRef idx="minor">
-          <a:schemeClr val="lt1"/>
-        </a:fontRef>
-      </dsp:style>
-      <dsp:txBody>
-        <a:bodyPr spcFirstLastPara="0" vert="horz" wrap="square" lIns="68580" tIns="68580" rIns="68580" bIns="68580" numCol="1" spcCol="1270" anchor="ctr" anchorCtr="0">
-          <a:noAutofit/>
-        </a:bodyPr>
-        <a:lstStyle/>
-        <a:p>
-          <a:pPr lvl="0" algn="ctr" defTabSz="800100">
-            <a:lnSpc>
-              <a:spcPct val="90000"/>
-            </a:lnSpc>
-            <a:spcBef>
-              <a:spcPct val="0"/>
-            </a:spcBef>
-            <a:spcAft>
-              <a:spcPct val="35000"/>
-            </a:spcAft>
-          </a:pPr>
-          <a:r>
-            <a:rPr lang="en-AU" sz="1800" kern="1200" dirty="0" smtClean="0"/>
-            <a:t>Azure Emulator</a:t>
-          </a:r>
-        </a:p>
-      </dsp:txBody>
-      <dsp:txXfrm>
-        <a:off x="841593" y="1502976"/>
-        <a:ext cx="1530170" cy="918102"/>
-      </dsp:txXfrm>
-    </dsp:sp>
-    <dsp:sp modelId="{5A315452-6BEC-44F6-A89D-559E22B716FA}">
-      <dsp:nvSpPr>
-        <dsp:cNvPr id="0" name=""/>
-        <dsp:cNvSpPr/>
-      </dsp:nvSpPr>
-      <dsp:spPr>
-        <a:xfrm>
-          <a:off x="2524780" y="1502976"/>
-          <a:ext cx="1530170" cy="918102"/>
-        </a:xfrm>
-        <a:prstGeom prst="rect">
-          <a:avLst/>
-        </a:prstGeom>
-        <a:solidFill>
-          <a:schemeClr val="accent1">
-            <a:hueOff val="0"/>
-            <a:satOff val="0"/>
-            <a:lumOff val="0"/>
-            <a:alphaOff val="0"/>
-          </a:schemeClr>
-        </a:solidFill>
-        <a:ln w="25400" cap="flat" cmpd="sng" algn="ctr">
-          <a:solidFill>
-            <a:schemeClr val="lt1">
-              <a:hueOff val="0"/>
-              <a:satOff val="0"/>
-              <a:lumOff val="0"/>
-              <a:alphaOff val="0"/>
-            </a:schemeClr>
-          </a:solidFill>
-          <a:prstDash val="solid"/>
-        </a:ln>
-        <a:effectLst/>
-      </dsp:spPr>
-      <dsp:style>
-        <a:lnRef idx="2">
-          <a:scrgbClr r="0" g="0" b="0"/>
-        </a:lnRef>
-        <a:fillRef idx="1">
-          <a:scrgbClr r="0" g="0" b="0"/>
-        </a:fillRef>
-        <a:effectRef idx="0">
-          <a:scrgbClr r="0" g="0" b="0"/>
-        </a:effectRef>
-        <a:fontRef idx="minor">
-          <a:schemeClr val="lt1"/>
-        </a:fontRef>
-      </dsp:style>
-      <dsp:txBody>
-        <a:bodyPr spcFirstLastPara="0" vert="horz" wrap="square" lIns="68580" tIns="68580" rIns="68580" bIns="68580" numCol="1" spcCol="1270" anchor="ctr" anchorCtr="0">
-          <a:noAutofit/>
-        </a:bodyPr>
-        <a:lstStyle/>
-        <a:p>
-          <a:pPr lvl="0" algn="ctr" defTabSz="800100">
-            <a:lnSpc>
-              <a:spcPct val="90000"/>
-            </a:lnSpc>
-            <a:spcBef>
-              <a:spcPct val="0"/>
-            </a:spcBef>
-            <a:spcAft>
-              <a:spcPct val="35000"/>
-            </a:spcAft>
-          </a:pPr>
-          <a:r>
-            <a:rPr lang="en-AU" sz="1800" kern="1200" dirty="0" smtClean="0"/>
-            <a:t>Azure PowerShell </a:t>
-          </a:r>
-          <a:r>
-            <a:rPr lang="en-AU" sz="1800" kern="1200" dirty="0" err="1" smtClean="0"/>
-            <a:t>cmdlets</a:t>
-          </a:r>
-          <a:endParaRPr lang="en-AU" sz="1800" kern="1200" dirty="0" smtClean="0"/>
-        </a:p>
-      </dsp:txBody>
-      <dsp:txXfrm>
-        <a:off x="2524780" y="1502976"/>
-        <a:ext cx="1530170" cy="918102"/>
-      </dsp:txXfrm>
-    </dsp:sp>
   </dsp:spTree>
 </dsp:drawing>
 </file>
@@ -15775,8 +15383,17 @@
             </a:r>
             <a:r>
               <a:rPr lang="en-AU" sz="6000" dirty="0"/>
-              <a:t>on Windows Azure</a:t>
-            </a:r>
+              <a:t>on </a:t>
+            </a:r>
+            <a:r>
+              <a:rPr lang="en-AU" sz="6000"/>
+              <a:t>Windows </a:t>
+            </a:r>
+            <a:r>
+              <a:rPr lang="en-AU" sz="6000" smtClean="0"/>
+              <a:t>Azure </a:t>
+            </a:r>
+            <a:endParaRPr lang="en-AU" sz="6000" dirty="0"/>
           </a:p>
         </p:txBody>
       </p:sp>
@@ -16052,7 +15669,7 @@
           <a:graphicData uri="http://schemas.openxmlformats.org/presentationml/2006/ole">
             <mc:AlternateContent xmlns:mc="http://schemas.openxmlformats.org/markup-compatibility/2006">
               <mc:Choice xmlns:v="urn:schemas-microsoft-com:vml" Requires="v">
-                <p:oleObj spid="_x0000_s1088" name="Packager Shell Object" showAsIcon="1" r:id="rId3" imgW="914400" imgH="771480" progId="Package">
+                <p:oleObj spid="_x0000_s1089" name="Packager Shell Object" showAsIcon="1" r:id="rId3" imgW="914400" imgH="771480" progId="Package">
                   <p:embed/>
                 </p:oleObj>
               </mc:Choice>
@@ -16225,7 +15842,7 @@
           <a:graphicData uri="http://schemas.openxmlformats.org/presentationml/2006/ole">
             <mc:AlternateContent xmlns:mc="http://schemas.openxmlformats.org/markup-compatibility/2006">
               <mc:Choice xmlns:v="urn:schemas-microsoft-com:vml" Requires="v">
-                <p:oleObj spid="_x0000_s3103" name="Packager Shell Object" showAsIcon="1" r:id="rId4" imgW="1663920" imgH="685800" progId="Package">
+                <p:oleObj spid="_x0000_s3104" name="Packager Shell Object" showAsIcon="1" r:id="rId4" imgW="1663920" imgH="685800" progId="Package">
                   <p:embed/>
                 </p:oleObj>
               </mc:Choice>
@@ -22949,6 +22566,21 @@
 </file>
 
 <file path=customXml/item1.xml><?xml version="1.0" encoding="utf-8"?>
+<p:properties xmlns:p="http://schemas.microsoft.com/office/2006/metadata/properties" xmlns:xsi="http://www.w3.org/2001/XMLSchema-instance">
+  <documentManagement/>
+</p:properties>
+</file>
+
+<file path=customXml/item2.xml><?xml version="1.0" encoding="utf-8"?>
+<?mso-contentType ?>
+<FormTemplates xmlns="http://schemas.microsoft.com/sharepoint/v3/contenttype/forms">
+  <Display>DocumentLibraryForm</Display>
+  <Edit>DocumentLibraryForm</Edit>
+  <New>DocumentLibraryForm</New>
+</FormTemplates>
+</file>
+
+<file path=customXml/item3.xml><?xml version="1.0" encoding="utf-8"?>
 <?mso-contentType ?>
 <rca:RCAuthoringProperties xmlns:rca="urn:sharePointPublishingRcaProperties">
   <rca:Converter rca:guid="6dfdc5b4-2a28-4a06-b0c6-ad3901e3a807">
@@ -22964,21 +22596,6 @@
     <rca:property rca:type="ConverterSpecificSettings"/>
   </rca:Converter>
 </rca:RCAuthoringProperties>
-</file>
-
-<file path=customXml/item2.xml><?xml version="1.0" encoding="utf-8"?>
-<?mso-contentType ?>
-<FormTemplates xmlns="http://schemas.microsoft.com/sharepoint/v3/contenttype/forms">
-  <Display>DocumentLibraryForm</Display>
-  <Edit>DocumentLibraryForm</Edit>
-  <New>DocumentLibraryForm</New>
-</FormTemplates>
-</file>
-
-<file path=customXml/item3.xml><?xml version="1.0" encoding="utf-8"?>
-<p:properties xmlns:p="http://schemas.microsoft.com/office/2006/metadata/properties" xmlns:xsi="http://www.w3.org/2001/XMLSchema-instance">
-  <documentManagement/>
-</p:properties>
 </file>
 
 <file path=customXml/item4.xml><?xml version="1.0" encoding="utf-8"?>
@@ -23031,9 +22648,15 @@
 </file>
 
 <file path=customXml/itemProps1.xml><?xml version="1.0" encoding="utf-8"?>
-<ds:datastoreItem xmlns:ds="http://schemas.openxmlformats.org/officeDocument/2006/customXml" ds:itemID="{37DE6E84-255A-45E8-8353-BCD6A4998E02}">
+<ds:datastoreItem xmlns:ds="http://schemas.openxmlformats.org/officeDocument/2006/customXml" ds:itemID="{BDEC00FF-5F1B-415D-9C89-173832172D95}">
   <ds:schemaRefs>
-    <ds:schemaRef ds:uri="urn:sharePointPublishingRcaProperties"/>
+    <ds:schemaRef ds:uri="http://schemas.microsoft.com/office/2006/metadata/properties"/>
+    <ds:schemaRef ds:uri="http://schemas.openxmlformats.org/package/2006/metadata/core-properties"/>
+    <ds:schemaRef ds:uri="http://schemas.microsoft.com/office/2006/documentManagement/types"/>
+    <ds:schemaRef ds:uri="http://purl.org/dc/elements/1.1/"/>
+    <ds:schemaRef ds:uri="http://purl.org/dc/dcmitype/"/>
+    <ds:schemaRef ds:uri="http://purl.org/dc/terms/"/>
+    <ds:schemaRef ds:uri="http://www.w3.org/XML/1998/namespace"/>
   </ds:schemaRefs>
 </ds:datastoreItem>
 </file>
@@ -23047,15 +22670,9 @@
 </file>
 
 <file path=customXml/itemProps3.xml><?xml version="1.0" encoding="utf-8"?>
-<ds:datastoreItem xmlns:ds="http://schemas.openxmlformats.org/officeDocument/2006/customXml" ds:itemID="{BDEC00FF-5F1B-415D-9C89-173832172D95}">
+<ds:datastoreItem xmlns:ds="http://schemas.openxmlformats.org/officeDocument/2006/customXml" ds:itemID="{37DE6E84-255A-45E8-8353-BCD6A4998E02}">
   <ds:schemaRefs>
-    <ds:schemaRef ds:uri="http://schemas.microsoft.com/office/2006/metadata/properties"/>
-    <ds:schemaRef ds:uri="http://schemas.openxmlformats.org/package/2006/metadata/core-properties"/>
-    <ds:schemaRef ds:uri="http://schemas.microsoft.com/office/2006/documentManagement/types"/>
-    <ds:schemaRef ds:uri="http://purl.org/dc/elements/1.1/"/>
-    <ds:schemaRef ds:uri="http://purl.org/dc/dcmitype/"/>
-    <ds:schemaRef ds:uri="http://purl.org/dc/terms/"/>
-    <ds:schemaRef ds:uri="http://www.w3.org/XML/1998/namespace"/>
+    <ds:schemaRef ds:uri="urn:sharePointPublishingRcaProperties"/>
   </ds:schemaRefs>
 </ds:datastoreItem>
 </file>

--- a/presentation/Building Node.js Applications on Windows Azure.pptx
+++ b/presentation/Building Node.js Applications on Windows Azure.pptx
@@ -7,30 +7,31 @@
     <p:sldMasterId id="2147483681" r:id="rId7"/>
   </p:sldMasterIdLst>
   <p:notesMasterIdLst>
-    <p:notesMasterId r:id="rId26"/>
+    <p:notesMasterId r:id="rId27"/>
   </p:notesMasterIdLst>
   <p:handoutMasterIdLst>
-    <p:handoutMasterId r:id="rId27"/>
+    <p:handoutMasterId r:id="rId28"/>
   </p:handoutMasterIdLst>
   <p:sldIdLst>
     <p:sldId id="256" r:id="rId8"/>
     <p:sldId id="257" r:id="rId9"/>
     <p:sldId id="258" r:id="rId10"/>
-    <p:sldId id="260" r:id="rId11"/>
-    <p:sldId id="280" r:id="rId12"/>
-    <p:sldId id="279" r:id="rId13"/>
-    <p:sldId id="277" r:id="rId14"/>
-    <p:sldId id="278" r:id="rId15"/>
-    <p:sldId id="270" r:id="rId16"/>
-    <p:sldId id="281" r:id="rId17"/>
-    <p:sldId id="288" r:id="rId18"/>
-    <p:sldId id="285" r:id="rId19"/>
-    <p:sldId id="271" r:id="rId20"/>
-    <p:sldId id="289" r:id="rId21"/>
-    <p:sldId id="282" r:id="rId22"/>
-    <p:sldId id="286" r:id="rId23"/>
-    <p:sldId id="273" r:id="rId24"/>
-    <p:sldId id="287" r:id="rId25"/>
+    <p:sldId id="290" r:id="rId11"/>
+    <p:sldId id="260" r:id="rId12"/>
+    <p:sldId id="280" r:id="rId13"/>
+    <p:sldId id="279" r:id="rId14"/>
+    <p:sldId id="277" r:id="rId15"/>
+    <p:sldId id="278" r:id="rId16"/>
+    <p:sldId id="270" r:id="rId17"/>
+    <p:sldId id="281" r:id="rId18"/>
+    <p:sldId id="288" r:id="rId19"/>
+    <p:sldId id="285" r:id="rId20"/>
+    <p:sldId id="271" r:id="rId21"/>
+    <p:sldId id="289" r:id="rId22"/>
+    <p:sldId id="282" r:id="rId23"/>
+    <p:sldId id="286" r:id="rId24"/>
+    <p:sldId id="273" r:id="rId25"/>
+    <p:sldId id="287" r:id="rId26"/>
   </p:sldIdLst>
   <p:sldSz cx="9144000" cy="6858000" type="screen4x3"/>
   <p:notesSz cx="7099300" cy="10234613"/>
@@ -2580,6 +2581,398 @@
       <dsp:cNvGrpSpPr/>
     </dsp:nvGrpSpPr>
     <dsp:grpSpPr/>
+    <dsp:sp modelId="{C1469FA9-0D16-4852-8D36-F4D72043AA08}">
+      <dsp:nvSpPr>
+        <dsp:cNvPr id="0" name=""/>
+        <dsp:cNvSpPr/>
+      </dsp:nvSpPr>
+      <dsp:spPr>
+        <a:xfrm>
+          <a:off x="0" y="431857"/>
+          <a:ext cx="1530170" cy="918102"/>
+        </a:xfrm>
+        <a:prstGeom prst="rect">
+          <a:avLst/>
+        </a:prstGeom>
+        <a:solidFill>
+          <a:schemeClr val="accent1">
+            <a:hueOff val="0"/>
+            <a:satOff val="0"/>
+            <a:lumOff val="0"/>
+            <a:alphaOff val="0"/>
+          </a:schemeClr>
+        </a:solidFill>
+        <a:ln w="25400" cap="flat" cmpd="sng" algn="ctr">
+          <a:solidFill>
+            <a:schemeClr val="lt1">
+              <a:hueOff val="0"/>
+              <a:satOff val="0"/>
+              <a:lumOff val="0"/>
+              <a:alphaOff val="0"/>
+            </a:schemeClr>
+          </a:solidFill>
+          <a:prstDash val="solid"/>
+        </a:ln>
+        <a:effectLst/>
+      </dsp:spPr>
+      <dsp:style>
+        <a:lnRef idx="2">
+          <a:scrgbClr r="0" g="0" b="0"/>
+        </a:lnRef>
+        <a:fillRef idx="1">
+          <a:scrgbClr r="0" g="0" b="0"/>
+        </a:fillRef>
+        <a:effectRef idx="0">
+          <a:scrgbClr r="0" g="0" b="0"/>
+        </a:effectRef>
+        <a:fontRef idx="minor">
+          <a:schemeClr val="lt1"/>
+        </a:fontRef>
+      </dsp:style>
+      <dsp:txBody>
+        <a:bodyPr spcFirstLastPara="0" vert="horz" wrap="square" lIns="68580" tIns="68580" rIns="68580" bIns="68580" numCol="1" spcCol="1270" anchor="ctr" anchorCtr="0">
+          <a:noAutofit/>
+        </a:bodyPr>
+        <a:lstStyle/>
+        <a:p>
+          <a:pPr lvl="0" algn="ctr" defTabSz="800100">
+            <a:lnSpc>
+              <a:spcPct val="90000"/>
+            </a:lnSpc>
+            <a:spcBef>
+              <a:spcPct val="0"/>
+            </a:spcBef>
+            <a:spcAft>
+              <a:spcPct val="35000"/>
+            </a:spcAft>
+          </a:pPr>
+          <a:r>
+            <a:rPr lang="en-AU" sz="1800" kern="1200" dirty="0" smtClean="0"/>
+            <a:t>Node.js</a:t>
+          </a:r>
+          <a:endParaRPr lang="en-AU" sz="1800" kern="1200" dirty="0"/>
+        </a:p>
+      </dsp:txBody>
+      <dsp:txXfrm>
+        <a:off x="0" y="431857"/>
+        <a:ext cx="1530170" cy="918102"/>
+      </dsp:txXfrm>
+    </dsp:sp>
+    <dsp:sp modelId="{744D547D-58BE-4752-8309-1832680F98D1}">
+      <dsp:nvSpPr>
+        <dsp:cNvPr id="0" name=""/>
+        <dsp:cNvSpPr/>
+      </dsp:nvSpPr>
+      <dsp:spPr>
+        <a:xfrm>
+          <a:off x="1683187" y="431857"/>
+          <a:ext cx="1530170" cy="918102"/>
+        </a:xfrm>
+        <a:prstGeom prst="rect">
+          <a:avLst/>
+        </a:prstGeom>
+        <a:solidFill>
+          <a:schemeClr val="accent1">
+            <a:hueOff val="0"/>
+            <a:satOff val="0"/>
+            <a:lumOff val="0"/>
+            <a:alphaOff val="0"/>
+          </a:schemeClr>
+        </a:solidFill>
+        <a:ln w="25400" cap="flat" cmpd="sng" algn="ctr">
+          <a:solidFill>
+            <a:schemeClr val="lt1">
+              <a:hueOff val="0"/>
+              <a:satOff val="0"/>
+              <a:lumOff val="0"/>
+              <a:alphaOff val="0"/>
+            </a:schemeClr>
+          </a:solidFill>
+          <a:prstDash val="solid"/>
+        </a:ln>
+        <a:effectLst/>
+      </dsp:spPr>
+      <dsp:style>
+        <a:lnRef idx="2">
+          <a:scrgbClr r="0" g="0" b="0"/>
+        </a:lnRef>
+        <a:fillRef idx="1">
+          <a:scrgbClr r="0" g="0" b="0"/>
+        </a:fillRef>
+        <a:effectRef idx="0">
+          <a:scrgbClr r="0" g="0" b="0"/>
+        </a:effectRef>
+        <a:fontRef idx="minor">
+          <a:schemeClr val="lt1"/>
+        </a:fontRef>
+      </dsp:style>
+      <dsp:txBody>
+        <a:bodyPr spcFirstLastPara="0" vert="horz" wrap="square" lIns="68580" tIns="68580" rIns="68580" bIns="68580" numCol="1" spcCol="1270" anchor="ctr" anchorCtr="0">
+          <a:noAutofit/>
+        </a:bodyPr>
+        <a:lstStyle/>
+        <a:p>
+          <a:pPr lvl="0" algn="ctr" defTabSz="800100">
+            <a:lnSpc>
+              <a:spcPct val="90000"/>
+            </a:lnSpc>
+            <a:spcBef>
+              <a:spcPct val="0"/>
+            </a:spcBef>
+            <a:spcAft>
+              <a:spcPct val="35000"/>
+            </a:spcAft>
+          </a:pPr>
+          <a:r>
+            <a:rPr lang="en-AU" sz="1800" kern="1200" dirty="0" err="1" smtClean="0"/>
+            <a:t>IISNode</a:t>
+          </a:r>
+          <a:endParaRPr lang="en-AU" sz="1800" kern="1200" dirty="0"/>
+        </a:p>
+      </dsp:txBody>
+      <dsp:txXfrm>
+        <a:off x="1683187" y="431857"/>
+        <a:ext cx="1530170" cy="918102"/>
+      </dsp:txXfrm>
+    </dsp:sp>
+    <dsp:sp modelId="{DEEE9154-A3EC-4DAB-9952-EECA76A1B22E}">
+      <dsp:nvSpPr>
+        <dsp:cNvPr id="0" name=""/>
+        <dsp:cNvSpPr/>
+      </dsp:nvSpPr>
+      <dsp:spPr>
+        <a:xfrm>
+          <a:off x="3366374" y="431857"/>
+          <a:ext cx="1530170" cy="918102"/>
+        </a:xfrm>
+        <a:prstGeom prst="rect">
+          <a:avLst/>
+        </a:prstGeom>
+        <a:solidFill>
+          <a:schemeClr val="accent1">
+            <a:hueOff val="0"/>
+            <a:satOff val="0"/>
+            <a:lumOff val="0"/>
+            <a:alphaOff val="0"/>
+          </a:schemeClr>
+        </a:solidFill>
+        <a:ln w="25400" cap="flat" cmpd="sng" algn="ctr">
+          <a:solidFill>
+            <a:schemeClr val="lt1">
+              <a:hueOff val="0"/>
+              <a:satOff val="0"/>
+              <a:lumOff val="0"/>
+              <a:alphaOff val="0"/>
+            </a:schemeClr>
+          </a:solidFill>
+          <a:prstDash val="solid"/>
+        </a:ln>
+        <a:effectLst/>
+      </dsp:spPr>
+      <dsp:style>
+        <a:lnRef idx="2">
+          <a:scrgbClr r="0" g="0" b="0"/>
+        </a:lnRef>
+        <a:fillRef idx="1">
+          <a:scrgbClr r="0" g="0" b="0"/>
+        </a:fillRef>
+        <a:effectRef idx="0">
+          <a:scrgbClr r="0" g="0" b="0"/>
+        </a:effectRef>
+        <a:fontRef idx="minor">
+          <a:schemeClr val="lt1"/>
+        </a:fontRef>
+      </dsp:style>
+      <dsp:txBody>
+        <a:bodyPr spcFirstLastPara="0" vert="horz" wrap="square" lIns="68580" tIns="68580" rIns="68580" bIns="68580" numCol="1" spcCol="1270" anchor="ctr" anchorCtr="0">
+          <a:noAutofit/>
+        </a:bodyPr>
+        <a:lstStyle/>
+        <a:p>
+          <a:pPr lvl="0" algn="ctr" defTabSz="800100">
+            <a:lnSpc>
+              <a:spcPct val="90000"/>
+            </a:lnSpc>
+            <a:spcBef>
+              <a:spcPct val="0"/>
+            </a:spcBef>
+            <a:spcAft>
+              <a:spcPct val="35000"/>
+            </a:spcAft>
+          </a:pPr>
+          <a:r>
+            <a:rPr lang="en-AU" sz="1800" kern="1200" dirty="0" smtClean="0"/>
+            <a:t>NPM for </a:t>
+          </a:r>
+          <a:r>
+            <a:rPr lang="en-AU" sz="1800" kern="1200" dirty="0" err="1" smtClean="0"/>
+            <a:t>WIndows</a:t>
+          </a:r>
+          <a:endParaRPr lang="en-AU" sz="1800" kern="1200" dirty="0"/>
+        </a:p>
+      </dsp:txBody>
+      <dsp:txXfrm>
+        <a:off x="3366374" y="431857"/>
+        <a:ext cx="1530170" cy="918102"/>
+      </dsp:txXfrm>
+    </dsp:sp>
+    <dsp:sp modelId="{A40A3835-788C-463B-BBCE-3935360373CF}">
+      <dsp:nvSpPr>
+        <dsp:cNvPr id="0" name=""/>
+        <dsp:cNvSpPr/>
+      </dsp:nvSpPr>
+      <dsp:spPr>
+        <a:xfrm>
+          <a:off x="841593" y="1502976"/>
+          <a:ext cx="1530170" cy="918102"/>
+        </a:xfrm>
+        <a:prstGeom prst="rect">
+          <a:avLst/>
+        </a:prstGeom>
+        <a:solidFill>
+          <a:schemeClr val="accent1">
+            <a:hueOff val="0"/>
+            <a:satOff val="0"/>
+            <a:lumOff val="0"/>
+            <a:alphaOff val="0"/>
+          </a:schemeClr>
+        </a:solidFill>
+        <a:ln w="25400" cap="flat" cmpd="sng" algn="ctr">
+          <a:solidFill>
+            <a:schemeClr val="lt1">
+              <a:hueOff val="0"/>
+              <a:satOff val="0"/>
+              <a:lumOff val="0"/>
+              <a:alphaOff val="0"/>
+            </a:schemeClr>
+          </a:solidFill>
+          <a:prstDash val="solid"/>
+        </a:ln>
+        <a:effectLst/>
+      </dsp:spPr>
+      <dsp:style>
+        <a:lnRef idx="2">
+          <a:scrgbClr r="0" g="0" b="0"/>
+        </a:lnRef>
+        <a:fillRef idx="1">
+          <a:scrgbClr r="0" g="0" b="0"/>
+        </a:fillRef>
+        <a:effectRef idx="0">
+          <a:scrgbClr r="0" g="0" b="0"/>
+        </a:effectRef>
+        <a:fontRef idx="minor">
+          <a:schemeClr val="lt1"/>
+        </a:fontRef>
+      </dsp:style>
+      <dsp:txBody>
+        <a:bodyPr spcFirstLastPara="0" vert="horz" wrap="square" lIns="68580" tIns="68580" rIns="68580" bIns="68580" numCol="1" spcCol="1270" anchor="ctr" anchorCtr="0">
+          <a:noAutofit/>
+        </a:bodyPr>
+        <a:lstStyle/>
+        <a:p>
+          <a:pPr lvl="0" algn="ctr" defTabSz="800100">
+            <a:lnSpc>
+              <a:spcPct val="90000"/>
+            </a:lnSpc>
+            <a:spcBef>
+              <a:spcPct val="0"/>
+            </a:spcBef>
+            <a:spcAft>
+              <a:spcPct val="35000"/>
+            </a:spcAft>
+          </a:pPr>
+          <a:r>
+            <a:rPr lang="en-AU" sz="1800" kern="1200" dirty="0" smtClean="0"/>
+            <a:t>Azure Emulator</a:t>
+          </a:r>
+        </a:p>
+      </dsp:txBody>
+      <dsp:txXfrm>
+        <a:off x="841593" y="1502976"/>
+        <a:ext cx="1530170" cy="918102"/>
+      </dsp:txXfrm>
+    </dsp:sp>
+    <dsp:sp modelId="{5A315452-6BEC-44F6-A89D-559E22B716FA}">
+      <dsp:nvSpPr>
+        <dsp:cNvPr id="0" name=""/>
+        <dsp:cNvSpPr/>
+      </dsp:nvSpPr>
+      <dsp:spPr>
+        <a:xfrm>
+          <a:off x="2524780" y="1502976"/>
+          <a:ext cx="1530170" cy="918102"/>
+        </a:xfrm>
+        <a:prstGeom prst="rect">
+          <a:avLst/>
+        </a:prstGeom>
+        <a:solidFill>
+          <a:schemeClr val="accent1">
+            <a:hueOff val="0"/>
+            <a:satOff val="0"/>
+            <a:lumOff val="0"/>
+            <a:alphaOff val="0"/>
+          </a:schemeClr>
+        </a:solidFill>
+        <a:ln w="25400" cap="flat" cmpd="sng" algn="ctr">
+          <a:solidFill>
+            <a:schemeClr val="lt1">
+              <a:hueOff val="0"/>
+              <a:satOff val="0"/>
+              <a:lumOff val="0"/>
+              <a:alphaOff val="0"/>
+            </a:schemeClr>
+          </a:solidFill>
+          <a:prstDash val="solid"/>
+        </a:ln>
+        <a:effectLst/>
+      </dsp:spPr>
+      <dsp:style>
+        <a:lnRef idx="2">
+          <a:scrgbClr r="0" g="0" b="0"/>
+        </a:lnRef>
+        <a:fillRef idx="1">
+          <a:scrgbClr r="0" g="0" b="0"/>
+        </a:fillRef>
+        <a:effectRef idx="0">
+          <a:scrgbClr r="0" g="0" b="0"/>
+        </a:effectRef>
+        <a:fontRef idx="minor">
+          <a:schemeClr val="lt1"/>
+        </a:fontRef>
+      </dsp:style>
+      <dsp:txBody>
+        <a:bodyPr spcFirstLastPara="0" vert="horz" wrap="square" lIns="68580" tIns="68580" rIns="68580" bIns="68580" numCol="1" spcCol="1270" anchor="ctr" anchorCtr="0">
+          <a:noAutofit/>
+        </a:bodyPr>
+        <a:lstStyle/>
+        <a:p>
+          <a:pPr lvl="0" algn="ctr" defTabSz="800100">
+            <a:lnSpc>
+              <a:spcPct val="90000"/>
+            </a:lnSpc>
+            <a:spcBef>
+              <a:spcPct val="0"/>
+            </a:spcBef>
+            <a:spcAft>
+              <a:spcPct val="35000"/>
+            </a:spcAft>
+          </a:pPr>
+          <a:r>
+            <a:rPr lang="en-AU" sz="1800" kern="1200" dirty="0" smtClean="0"/>
+            <a:t>Azure PowerShell </a:t>
+          </a:r>
+          <a:r>
+            <a:rPr lang="en-AU" sz="1800" kern="1200" dirty="0" err="1" smtClean="0"/>
+            <a:t>cmdlets</a:t>
+          </a:r>
+          <a:endParaRPr lang="en-AU" sz="1800" kern="1200" dirty="0" smtClean="0"/>
+        </a:p>
+      </dsp:txBody>
+      <dsp:txXfrm>
+        <a:off x="2524780" y="1502976"/>
+        <a:ext cx="1530170" cy="918102"/>
+      </dsp:txXfrm>
+    </dsp:sp>
   </dsp:spTree>
 </dsp:drawing>
 </file>
@@ -5165,7 +5558,7 @@
             <a:fld id="{7785875F-706E-40BB-864A-2D06F0E4670E}" type="datetimeFigureOut">
               <a:rPr lang="en-AU" smtClean="0"/>
               <a:pPr/>
-              <a:t>22/03/2012</a:t>
+              <a:t>4/05/2012</a:t>
             </a:fld>
             <a:endParaRPr lang="en-AU" dirty="0"/>
           </a:p>
@@ -5332,7 +5725,7 @@
             <a:fld id="{7DDF49B5-0C03-42A4-A086-8D97D52D2493}" type="datetimeFigureOut">
               <a:rPr lang="en-AU" smtClean="0"/>
               <a:pPr/>
-              <a:t>22/03/2012</a:t>
+              <a:t>4/05/2012</a:t>
             </a:fld>
             <a:endParaRPr lang="en-AU" dirty="0"/>
           </a:p>
@@ -5754,7 +6147,7 @@
             <a:fld id="{0C6F02B4-1092-4461-B0F9-3B294B1D8DE8}" type="slidenum">
               <a:rPr lang="en-AU" smtClean="0"/>
               <a:pPr/>
-              <a:t>7</a:t>
+              <a:t>8</a:t>
             </a:fld>
             <a:endParaRPr lang="en-AU" dirty="0"/>
           </a:p>
@@ -5876,7 +6269,7 @@
             <a:fld id="{0C6F02B4-1092-4461-B0F9-3B294B1D8DE8}" type="slidenum">
               <a:rPr lang="en-AU" smtClean="0"/>
               <a:pPr/>
-              <a:t>8</a:t>
+              <a:t>9</a:t>
             </a:fld>
             <a:endParaRPr lang="en-AU" dirty="0"/>
           </a:p>
@@ -6474,7 +6867,7 @@
             <a:fld id="{0C6F02B4-1092-4461-B0F9-3B294B1D8DE8}" type="slidenum">
               <a:rPr lang="en-AU" smtClean="0"/>
               <a:pPr/>
-              <a:t>11</a:t>
+              <a:t>12</a:t>
             </a:fld>
             <a:endParaRPr lang="en-AU" dirty="0"/>
           </a:p>
@@ -8432,7 +8825,7 @@
             <a:fld id="{CA10310C-7EC1-470A-8BF5-D51EF2D864BA}" type="datetimeFigureOut">
               <a:rPr lang="en-AU" smtClean="0"/>
               <a:pPr/>
-              <a:t>22/03/2012</a:t>
+              <a:t>4/05/2012</a:t>
             </a:fld>
             <a:endParaRPr lang="en-AU"/>
           </a:p>
@@ -8599,7 +8992,7 @@
             <a:fld id="{CA10310C-7EC1-470A-8BF5-D51EF2D864BA}" type="datetimeFigureOut">
               <a:rPr lang="en-AU" smtClean="0"/>
               <a:pPr/>
-              <a:t>22/03/2012</a:t>
+              <a:t>4/05/2012</a:t>
             </a:fld>
             <a:endParaRPr lang="en-AU"/>
           </a:p>
@@ -8842,7 +9235,7 @@
             <a:fld id="{CA10310C-7EC1-470A-8BF5-D51EF2D864BA}" type="datetimeFigureOut">
               <a:rPr lang="en-AU" smtClean="0"/>
               <a:pPr/>
-              <a:t>22/03/2012</a:t>
+              <a:t>4/05/2012</a:t>
             </a:fld>
             <a:endParaRPr lang="en-AU"/>
           </a:p>
@@ -9127,7 +9520,7 @@
             <a:fld id="{CA10310C-7EC1-470A-8BF5-D51EF2D864BA}" type="datetimeFigureOut">
               <a:rPr lang="en-AU" smtClean="0"/>
               <a:pPr/>
-              <a:t>22/03/2012</a:t>
+              <a:t>4/05/2012</a:t>
             </a:fld>
             <a:endParaRPr lang="en-AU"/>
           </a:p>
@@ -9546,7 +9939,7 @@
             <a:fld id="{CA10310C-7EC1-470A-8BF5-D51EF2D864BA}" type="datetimeFigureOut">
               <a:rPr lang="en-AU" smtClean="0"/>
               <a:pPr/>
-              <a:t>22/03/2012</a:t>
+              <a:t>4/05/2012</a:t>
             </a:fld>
             <a:endParaRPr lang="en-AU"/>
           </a:p>
@@ -9661,7 +10054,7 @@
             <a:fld id="{CA10310C-7EC1-470A-8BF5-D51EF2D864BA}" type="datetimeFigureOut">
               <a:rPr lang="en-AU" smtClean="0"/>
               <a:pPr/>
-              <a:t>22/03/2012</a:t>
+              <a:t>4/05/2012</a:t>
             </a:fld>
             <a:endParaRPr lang="en-AU"/>
           </a:p>
@@ -9753,7 +10146,7 @@
             <a:fld id="{CA10310C-7EC1-470A-8BF5-D51EF2D864BA}" type="datetimeFigureOut">
               <a:rPr lang="en-AU" smtClean="0"/>
               <a:pPr/>
-              <a:t>22/03/2012</a:t>
+              <a:t>4/05/2012</a:t>
             </a:fld>
             <a:endParaRPr lang="en-AU"/>
           </a:p>
@@ -10027,7 +10420,7 @@
             <a:fld id="{CA10310C-7EC1-470A-8BF5-D51EF2D864BA}" type="datetimeFigureOut">
               <a:rPr lang="en-AU" smtClean="0"/>
               <a:pPr/>
-              <a:t>22/03/2012</a:t>
+              <a:t>4/05/2012</a:t>
             </a:fld>
             <a:endParaRPr lang="en-AU"/>
           </a:p>
@@ -10277,7 +10670,7 @@
             <a:fld id="{CA10310C-7EC1-470A-8BF5-D51EF2D864BA}" type="datetimeFigureOut">
               <a:rPr lang="en-AU" smtClean="0"/>
               <a:pPr/>
-              <a:t>22/03/2012</a:t>
+              <a:t>4/05/2012</a:t>
             </a:fld>
             <a:endParaRPr lang="en-AU"/>
           </a:p>
@@ -10444,7 +10837,7 @@
             <a:fld id="{CA10310C-7EC1-470A-8BF5-D51EF2D864BA}" type="datetimeFigureOut">
               <a:rPr lang="en-AU" smtClean="0"/>
               <a:pPr/>
-              <a:t>22/03/2012</a:t>
+              <a:t>4/05/2012</a:t>
             </a:fld>
             <a:endParaRPr lang="en-AU"/>
           </a:p>
@@ -10730,7 +11123,7 @@
             <a:fld id="{CA10310C-7EC1-470A-8BF5-D51EF2D864BA}" type="datetimeFigureOut">
               <a:rPr lang="en-AU" smtClean="0"/>
               <a:pPr/>
-              <a:t>22/03/2012</a:t>
+              <a:t>4/05/2012</a:t>
             </a:fld>
             <a:endParaRPr lang="en-AU"/>
           </a:p>
@@ -10969,7 +11362,7 @@
             <a:fld id="{85CE8AA0-9735-4FA2-95DD-391EE93AFE89}" type="datetimeFigureOut">
               <a:rPr lang="en-AU" smtClean="0"/>
               <a:pPr/>
-              <a:t>22/03/2012</a:t>
+              <a:t>4/05/2012</a:t>
             </a:fld>
             <a:endParaRPr lang="en-AU"/>
           </a:p>
@@ -11136,7 +11529,7 @@
             <a:fld id="{85CE8AA0-9735-4FA2-95DD-391EE93AFE89}" type="datetimeFigureOut">
               <a:rPr lang="en-AU" smtClean="0"/>
               <a:pPr/>
-              <a:t>22/03/2012</a:t>
+              <a:t>4/05/2012</a:t>
             </a:fld>
             <a:endParaRPr lang="en-AU"/>
           </a:p>
@@ -11379,7 +11772,7 @@
             <a:fld id="{85CE8AA0-9735-4FA2-95DD-391EE93AFE89}" type="datetimeFigureOut">
               <a:rPr lang="en-AU" smtClean="0"/>
               <a:pPr/>
-              <a:t>22/03/2012</a:t>
+              <a:t>4/05/2012</a:t>
             </a:fld>
             <a:endParaRPr lang="en-AU"/>
           </a:p>
@@ -11664,7 +12057,7 @@
             <a:fld id="{85CE8AA0-9735-4FA2-95DD-391EE93AFE89}" type="datetimeFigureOut">
               <a:rPr lang="en-AU" smtClean="0"/>
               <a:pPr/>
-              <a:t>22/03/2012</a:t>
+              <a:t>4/05/2012</a:t>
             </a:fld>
             <a:endParaRPr lang="en-AU"/>
           </a:p>
@@ -12083,7 +12476,7 @@
             <a:fld id="{85CE8AA0-9735-4FA2-95DD-391EE93AFE89}" type="datetimeFigureOut">
               <a:rPr lang="en-AU" smtClean="0"/>
               <a:pPr/>
-              <a:t>22/03/2012</a:t>
+              <a:t>4/05/2012</a:t>
             </a:fld>
             <a:endParaRPr lang="en-AU"/>
           </a:p>
@@ -12198,7 +12591,7 @@
             <a:fld id="{85CE8AA0-9735-4FA2-95DD-391EE93AFE89}" type="datetimeFigureOut">
               <a:rPr lang="en-AU" smtClean="0"/>
               <a:pPr/>
-              <a:t>22/03/2012</a:t>
+              <a:t>4/05/2012</a:t>
             </a:fld>
             <a:endParaRPr lang="en-AU"/>
           </a:p>
@@ -12290,7 +12683,7 @@
             <a:fld id="{85CE8AA0-9735-4FA2-95DD-391EE93AFE89}" type="datetimeFigureOut">
               <a:rPr lang="en-AU" smtClean="0"/>
               <a:pPr/>
-              <a:t>22/03/2012</a:t>
+              <a:t>4/05/2012</a:t>
             </a:fld>
             <a:endParaRPr lang="en-AU"/>
           </a:p>
@@ -12564,7 +12957,7 @@
             <a:fld id="{85CE8AA0-9735-4FA2-95DD-391EE93AFE89}" type="datetimeFigureOut">
               <a:rPr lang="en-AU" smtClean="0"/>
               <a:pPr/>
-              <a:t>22/03/2012</a:t>
+              <a:t>4/05/2012</a:t>
             </a:fld>
             <a:endParaRPr lang="en-AU"/>
           </a:p>
@@ -12814,7 +13207,7 @@
             <a:fld id="{85CE8AA0-9735-4FA2-95DD-391EE93AFE89}" type="datetimeFigureOut">
               <a:rPr lang="en-AU" smtClean="0"/>
               <a:pPr/>
-              <a:t>22/03/2012</a:t>
+              <a:t>4/05/2012</a:t>
             </a:fld>
             <a:endParaRPr lang="en-AU"/>
           </a:p>
@@ -13090,7 +13483,7 @@
             <a:fld id="{85CE8AA0-9735-4FA2-95DD-391EE93AFE89}" type="datetimeFigureOut">
               <a:rPr lang="en-AU" smtClean="0"/>
               <a:pPr/>
-              <a:t>22/03/2012</a:t>
+              <a:t>4/05/2012</a:t>
             </a:fld>
             <a:endParaRPr lang="en-AU"/>
           </a:p>
@@ -13267,7 +13660,7 @@
             <a:fld id="{85CE8AA0-9735-4FA2-95DD-391EE93AFE89}" type="datetimeFigureOut">
               <a:rPr lang="en-AU" smtClean="0"/>
               <a:pPr/>
-              <a:t>22/03/2012</a:t>
+              <a:t>4/05/2012</a:t>
             </a:fld>
             <a:endParaRPr lang="en-AU"/>
           </a:p>
@@ -13382,7 +13775,7 @@
             <a:fld id="{85CE8AA0-9735-4FA2-95DD-391EE93AFE89}" type="datetimeFigureOut">
               <a:rPr lang="en-AU" smtClean="0"/>
               <a:pPr/>
-              <a:t>22/03/2012</a:t>
+              <a:t>4/05/2012</a:t>
             </a:fld>
             <a:endParaRPr lang="en-AU"/>
           </a:p>
@@ -14470,7 +14863,7 @@
             <a:fld id="{CA10310C-7EC1-470A-8BF5-D51EF2D864BA}" type="datetimeFigureOut">
               <a:rPr lang="en-AU" smtClean="0"/>
               <a:pPr/>
-              <a:t>22/03/2012</a:t>
+              <a:t>4/05/2012</a:t>
             </a:fld>
             <a:endParaRPr lang="en-AU"/>
           </a:p>
@@ -14980,7 +15373,7 @@
             <a:fld id="{85CE8AA0-9735-4FA2-95DD-391EE93AFE89}" type="datetimeFigureOut">
               <a:rPr lang="en-AU" smtClean="0"/>
               <a:pPr/>
-              <a:t>22/03/2012</a:t>
+              <a:t>4/05/2012</a:t>
             </a:fld>
             <a:endParaRPr lang="en-AU"/>
           </a:p>
@@ -15626,6 +16019,237 @@
       </p:grpSpPr>
       <p:sp>
         <p:nvSpPr>
+          <p:cNvPr id="2" name="Title 1"/>
+          <p:cNvSpPr>
+            <a:spLocks noGrp="1"/>
+          </p:cNvSpPr>
+          <p:nvPr>
+            <p:ph type="title"/>
+          </p:nvPr>
+        </p:nvSpPr>
+        <p:spPr/>
+        <p:txBody>
+          <a:bodyPr/>
+          <a:lstStyle/>
+          <a:p>
+            <a:r>
+              <a:rPr lang="en-AU" dirty="0" smtClean="0"/>
+              <a:t>Don’t Block!</a:t>
+            </a:r>
+            <a:endParaRPr lang="en-AU" dirty="0"/>
+          </a:p>
+        </p:txBody>
+      </p:sp>
+      <p:sp>
+        <p:nvSpPr>
+          <p:cNvPr id="8" name="TextBox 7"/>
+          <p:cNvSpPr txBox="1"/>
+          <p:nvPr/>
+        </p:nvSpPr>
+        <p:spPr>
+          <a:xfrm>
+            <a:off x="473713" y="2175012"/>
+            <a:ext cx="1694375" cy="369332"/>
+          </a:xfrm>
+          <a:prstGeom prst="rect">
+            <a:avLst/>
+          </a:prstGeom>
+          <a:noFill/>
+        </p:spPr>
+        <p:txBody>
+          <a:bodyPr wrap="none" rtlCol="0">
+            <a:spAutoFit/>
+          </a:bodyPr>
+          <a:lstStyle/>
+          <a:p>
+            <a:r>
+              <a:rPr lang="en-AU" dirty="0" smtClean="0"/>
+              <a:t>Blocking code….</a:t>
+            </a:r>
+            <a:endParaRPr lang="en-AU" dirty="0"/>
+          </a:p>
+        </p:txBody>
+      </p:sp>
+      <p:sp>
+        <p:nvSpPr>
+          <p:cNvPr id="9" name="TextBox 8"/>
+          <p:cNvSpPr txBox="1"/>
+          <p:nvPr/>
+        </p:nvSpPr>
+        <p:spPr>
+          <a:xfrm>
+            <a:off x="463158" y="4211796"/>
+            <a:ext cx="2111155" cy="369332"/>
+          </a:xfrm>
+          <a:prstGeom prst="rect">
+            <a:avLst/>
+          </a:prstGeom>
+          <a:noFill/>
+        </p:spPr>
+        <p:txBody>
+          <a:bodyPr wrap="none" rtlCol="0">
+            <a:spAutoFit/>
+          </a:bodyPr>
+          <a:lstStyle/>
+          <a:p>
+            <a:r>
+              <a:rPr lang="en-AU" dirty="0" smtClean="0"/>
+              <a:t>Non-blocking code…</a:t>
+            </a:r>
+            <a:endParaRPr lang="en-AU" dirty="0"/>
+          </a:p>
+        </p:txBody>
+      </p:sp>
+      <p:sp>
+        <p:nvSpPr>
+          <p:cNvPr id="10" name="TextBox 9"/>
+          <p:cNvSpPr txBox="1"/>
+          <p:nvPr/>
+        </p:nvSpPr>
+        <p:spPr>
+          <a:xfrm>
+            <a:off x="570845" y="1280220"/>
+            <a:ext cx="8240589" cy="646331"/>
+          </a:xfrm>
+          <a:prstGeom prst="rect">
+            <a:avLst/>
+          </a:prstGeom>
+          <a:noFill/>
+        </p:spPr>
+        <p:txBody>
+          <a:bodyPr wrap="none" rtlCol="0">
+            <a:spAutoFit/>
+          </a:bodyPr>
+          <a:lstStyle/>
+          <a:p>
+            <a:r>
+              <a:rPr lang="en-AU" dirty="0" smtClean="0"/>
+              <a:t>Since the event </a:t>
+            </a:r>
+            <a:r>
+              <a:rPr lang="en-AU" dirty="0"/>
+              <a:t>l</a:t>
+            </a:r>
+            <a:r>
+              <a:rPr lang="en-AU" dirty="0" smtClean="0"/>
+              <a:t>oop runs on a single thread you must avoid blocking calls at all times.</a:t>
+            </a:r>
+          </a:p>
+          <a:p>
+            <a:r>
+              <a:rPr lang="en-AU" dirty="0" smtClean="0"/>
+              <a:t>Blocking code blocks </a:t>
+            </a:r>
+            <a:r>
+              <a:rPr lang="en-AU" u="sng" dirty="0" smtClean="0"/>
+              <a:t>everything!</a:t>
+            </a:r>
+            <a:endParaRPr lang="en-AU" dirty="0"/>
+          </a:p>
+        </p:txBody>
+      </p:sp>
+      <p:pic>
+        <p:nvPicPr>
+          <p:cNvPr id="3" name="Picture 2"/>
+          <p:cNvPicPr>
+            <a:picLocks noChangeAspect="1"/>
+          </p:cNvPicPr>
+          <p:nvPr/>
+        </p:nvPicPr>
+        <p:blipFill>
+          <a:blip r:embed="rId2">
+            <a:extLst>
+              <a:ext uri="{28A0092B-C50C-407E-A947-70E740481C1C}">
+                <a14:useLocalDpi xmlns:a14="http://schemas.microsoft.com/office/drawing/2010/main" val="0"/>
+              </a:ext>
+            </a:extLst>
+          </a:blip>
+          <a:stretch>
+            <a:fillRect/>
+          </a:stretch>
+        </p:blipFill>
+        <p:spPr>
+          <a:xfrm>
+            <a:off x="1979712" y="2640171"/>
+            <a:ext cx="3314700" cy="1571625"/>
+          </a:xfrm>
+          <a:prstGeom prst="rect">
+            <a:avLst/>
+          </a:prstGeom>
+        </p:spPr>
+      </p:pic>
+      <p:pic>
+        <p:nvPicPr>
+          <p:cNvPr id="4" name="Picture 3"/>
+          <p:cNvPicPr>
+            <a:picLocks noChangeAspect="1"/>
+          </p:cNvPicPr>
+          <p:nvPr/>
+        </p:nvPicPr>
+        <p:blipFill>
+          <a:blip r:embed="rId3">
+            <a:extLst>
+              <a:ext uri="{28A0092B-C50C-407E-A947-70E740481C1C}">
+                <a14:useLocalDpi xmlns:a14="http://schemas.microsoft.com/office/drawing/2010/main" val="0"/>
+              </a:ext>
+            </a:extLst>
+          </a:blip>
+          <a:stretch>
+            <a:fillRect/>
+          </a:stretch>
+        </p:blipFill>
+        <p:spPr>
+          <a:xfrm>
+            <a:off x="2077278" y="4581128"/>
+            <a:ext cx="3181350" cy="2095500"/>
+          </a:xfrm>
+          <a:prstGeom prst="rect">
+            <a:avLst/>
+          </a:prstGeom>
+        </p:spPr>
+      </p:pic>
+    </p:spTree>
+    <p:extLst>
+      <p:ext uri="{BB962C8B-B14F-4D97-AF65-F5344CB8AC3E}">
+        <p14:creationId xmlns:p14="http://schemas.microsoft.com/office/powerpoint/2010/main" val="665949321"/>
+      </p:ext>
+    </p:extLst>
+  </p:cSld>
+  <p:clrMapOvr>
+    <a:masterClrMapping/>
+  </p:clrMapOvr>
+  <p:transition>
+    <p:fade thruBlk="1"/>
+  </p:transition>
+  <p:timing>
+    <p:tnLst>
+      <p:par>
+        <p:cTn id="1" dur="indefinite" restart="never" nodeType="tmRoot"/>
+      </p:par>
+    </p:tnLst>
+  </p:timing>
+</p:sld>
+</file>
+
+<file path=ppt/slides/slide11.xml><?xml version="1.0" encoding="utf-8"?>
+<p:sld xmlns:a="http://schemas.openxmlformats.org/drawingml/2006/main" xmlns:r="http://schemas.openxmlformats.org/officeDocument/2006/relationships" xmlns:p="http://schemas.openxmlformats.org/presentationml/2006/main">
+  <p:cSld>
+    <p:spTree>
+      <p:nvGrpSpPr>
+        <p:cNvPr id="1" name=""/>
+        <p:cNvGrpSpPr/>
+        <p:nvPr/>
+      </p:nvGrpSpPr>
+      <p:grpSpPr>
+        <a:xfrm>
+          <a:off x="0" y="0"/>
+          <a:ext cx="0" cy="0"/>
+          <a:chOff x="0" y="0"/>
+          <a:chExt cx="0" cy="0"/>
+        </a:xfrm>
+      </p:grpSpPr>
+      <p:sp>
+        <p:nvSpPr>
           <p:cNvPr id="6" name="Title 5"/>
           <p:cNvSpPr>
             <a:spLocks noGrp="1"/>
@@ -15669,7 +16293,7 @@
           <a:graphicData uri="http://schemas.openxmlformats.org/presentationml/2006/ole">
             <mc:AlternateContent xmlns:mc="http://schemas.openxmlformats.org/markup-compatibility/2006">
               <mc:Choice xmlns:v="urn:schemas-microsoft-com:vml" Requires="v">
-                <p:oleObj spid="_x0000_s1089" name="Packager Shell Object" showAsIcon="1" r:id="rId3" imgW="914400" imgH="771480" progId="Package">
+                <p:oleObj spid="_x0000_s1096" name="Packager Shell Object" showAsIcon="1" r:id="rId3" imgW="914400" imgH="771480" progId="Package">
                   <p:embed/>
                 </p:oleObj>
               </mc:Choice>
@@ -15727,7 +16351,7 @@
 </p:sld>
 </file>
 
-<file path=ppt/slides/slide11.xml><?xml version="1.0" encoding="utf-8"?>
+<file path=ppt/slides/slide12.xml><?xml version="1.0" encoding="utf-8"?>
 <p:sld xmlns:a="http://schemas.openxmlformats.org/drawingml/2006/main" xmlns:r="http://schemas.openxmlformats.org/officeDocument/2006/relationships" xmlns:p="http://schemas.openxmlformats.org/presentationml/2006/main">
   <p:cSld>
     <p:spTree>
@@ -15842,7 +16466,7 @@
           <a:graphicData uri="http://schemas.openxmlformats.org/presentationml/2006/ole">
             <mc:AlternateContent xmlns:mc="http://schemas.openxmlformats.org/markup-compatibility/2006">
               <mc:Choice xmlns:v="urn:schemas-microsoft-com:vml" Requires="v">
-                <p:oleObj spid="_x0000_s3104" name="Packager Shell Object" showAsIcon="1" r:id="rId4" imgW="1663920" imgH="685800" progId="Package">
+                <p:oleObj spid="_x0000_s3111" name="Packager Shell Object" showAsIcon="1" r:id="rId4" imgW="1663920" imgH="685800" progId="Package">
                   <p:embed/>
                 </p:oleObj>
               </mc:Choice>
@@ -15941,7 +16565,7 @@
 </p:sld>
 </file>
 
-<file path=ppt/slides/slide12.xml><?xml version="1.0" encoding="utf-8"?>
+<file path=ppt/slides/slide13.xml><?xml version="1.0" encoding="utf-8"?>
 <p:sld xmlns:a="http://schemas.openxmlformats.org/drawingml/2006/main" xmlns:r="http://schemas.openxmlformats.org/officeDocument/2006/relationships" xmlns:p="http://schemas.openxmlformats.org/presentationml/2006/main">
   <p:cSld>
     <p:spTree>
@@ -16046,7 +16670,7 @@
 </p:sld>
 </file>
 
-<file path=ppt/slides/slide13.xml><?xml version="1.0" encoding="utf-8"?>
+<file path=ppt/slides/slide14.xml><?xml version="1.0" encoding="utf-8"?>
 <p:sld xmlns:a="http://schemas.openxmlformats.org/drawingml/2006/main" xmlns:r="http://schemas.openxmlformats.org/officeDocument/2006/relationships" xmlns:p="http://schemas.openxmlformats.org/presentationml/2006/main">
   <p:cSld>
     <p:spTree>
@@ -16253,7 +16877,7 @@
         </p:blipFill>
         <p:spPr bwMode="auto">
           <a:xfrm>
-            <a:off x="4442747" y="3308603"/>
+            <a:off x="4442747" y="3568984"/>
             <a:ext cx="576064" cy="520762"/>
           </a:xfrm>
           <a:prstGeom prst="rect">
@@ -16317,7 +16941,7 @@
 </p:sld>
 </file>
 
-<file path=ppt/slides/slide14.xml><?xml version="1.0" encoding="utf-8"?>
+<file path=ppt/slides/slide15.xml><?xml version="1.0" encoding="utf-8"?>
 <p:sld xmlns:a="http://schemas.openxmlformats.org/drawingml/2006/main" xmlns:r="http://schemas.openxmlformats.org/officeDocument/2006/relationships" xmlns:p="http://schemas.openxmlformats.org/presentationml/2006/main">
   <p:cSld>
     <p:spTree>
@@ -16442,158 +17066,6 @@
 </p:sld>
 </file>
 
-<file path=ppt/slides/slide15.xml><?xml version="1.0" encoding="utf-8"?>
-<p:sld xmlns:a="http://schemas.openxmlformats.org/drawingml/2006/main" xmlns:r="http://schemas.openxmlformats.org/officeDocument/2006/relationships" xmlns:p="http://schemas.openxmlformats.org/presentationml/2006/main">
-  <p:cSld>
-    <p:spTree>
-      <p:nvGrpSpPr>
-        <p:cNvPr id="1" name=""/>
-        <p:cNvGrpSpPr/>
-        <p:nvPr/>
-      </p:nvGrpSpPr>
-      <p:grpSpPr>
-        <a:xfrm>
-          <a:off x="0" y="0"/>
-          <a:ext cx="0" cy="0"/>
-          <a:chOff x="0" y="0"/>
-          <a:chExt cx="0" cy="0"/>
-        </a:xfrm>
-      </p:grpSpPr>
-      <p:sp>
-        <p:nvSpPr>
-          <p:cNvPr id="2" name="Title 1"/>
-          <p:cNvSpPr>
-            <a:spLocks noGrp="1"/>
-          </p:cNvSpPr>
-          <p:nvPr>
-            <p:ph type="title"/>
-          </p:nvPr>
-        </p:nvSpPr>
-        <p:spPr/>
-        <p:txBody>
-          <a:bodyPr/>
-          <a:lstStyle/>
-          <a:p>
-            <a:r>
-              <a:rPr lang="en-AU" dirty="0" smtClean="0"/>
-              <a:t>Windows Azure SDK for Node.js</a:t>
-            </a:r>
-            <a:endParaRPr lang="en-AU" dirty="0"/>
-          </a:p>
-        </p:txBody>
-      </p:sp>
-      <p:sp>
-        <p:nvSpPr>
-          <p:cNvPr id="3" name="Text Placeholder 2"/>
-          <p:cNvSpPr>
-            <a:spLocks noGrp="1"/>
-          </p:cNvSpPr>
-          <p:nvPr>
-            <p:ph type="body" sz="quarter" idx="10"/>
-          </p:nvPr>
-        </p:nvSpPr>
-        <p:spPr/>
-        <p:txBody>
-          <a:bodyPr/>
-          <a:lstStyle/>
-          <a:p>
-            <a:r>
-              <a:rPr lang="en-AU" dirty="0" smtClean="0"/>
-              <a:t>Really easy to deploy (locally / cloud) using PowerShell </a:t>
-            </a:r>
-            <a:r>
-              <a:rPr lang="en-AU" dirty="0" err="1" smtClean="0"/>
-              <a:t>cmdlets</a:t>
-            </a:r>
-            <a:endParaRPr lang="en-AU" dirty="0" smtClean="0">
-              <a:sym typeface="Wingdings" pitchFamily="2" charset="2"/>
-            </a:endParaRPr>
-          </a:p>
-          <a:p>
-            <a:r>
-              <a:rPr lang="en-AU" dirty="0" smtClean="0">
-                <a:sym typeface="Wingdings" pitchFamily="2" charset="2"/>
-              </a:rPr>
-              <a:t>Azure package  gives access to</a:t>
-            </a:r>
-          </a:p>
-          <a:p>
-            <a:pPr lvl="1"/>
-            <a:r>
-              <a:rPr lang="en-AU" dirty="0" smtClean="0">
-                <a:sym typeface="Wingdings" pitchFamily="2" charset="2"/>
-              </a:rPr>
-              <a:t>blob service, table service, queue service, service bus …</a:t>
-            </a:r>
-            <a:endParaRPr lang="en-AU" dirty="0" smtClean="0"/>
-          </a:p>
-          <a:p>
-            <a:r>
-              <a:rPr lang="en-AU" dirty="0" smtClean="0"/>
-              <a:t>Currently you can’t deploy multiple node apps to the same instance </a:t>
-            </a:r>
-            <a:r>
-              <a:rPr lang="en-AU" dirty="0" smtClean="0">
-                <a:sym typeface="Wingdings" pitchFamily="2" charset="2"/>
-              </a:rPr>
-              <a:t></a:t>
-            </a:r>
-            <a:endParaRPr lang="en-AU" dirty="0" smtClean="0"/>
-          </a:p>
-          <a:p>
-            <a:r>
-              <a:rPr lang="en-AU" dirty="0" smtClean="0"/>
-              <a:t>You need to push up the source code for all packages you use</a:t>
-            </a:r>
-          </a:p>
-          <a:p>
-            <a:r>
-              <a:rPr lang="en-AU" dirty="0" smtClean="0"/>
-              <a:t>Debugging supported via </a:t>
-            </a:r>
-            <a:r>
-              <a:rPr lang="en-AU" dirty="0" err="1" smtClean="0"/>
-              <a:t>IISNode</a:t>
-            </a:r>
-            <a:r>
-              <a:rPr lang="en-AU" dirty="0" smtClean="0"/>
-              <a:t> &amp; </a:t>
-            </a:r>
-            <a:r>
-              <a:rPr lang="en-AU" dirty="0"/>
-              <a:t>n</a:t>
-            </a:r>
-            <a:r>
-              <a:rPr lang="en-AU" dirty="0" smtClean="0"/>
-              <a:t>ode Inspector</a:t>
-            </a:r>
-            <a:endParaRPr lang="en-AU" dirty="0"/>
-          </a:p>
-        </p:txBody>
-      </p:sp>
-    </p:spTree>
-    <p:extLst>
-      <p:ext uri="{BB962C8B-B14F-4D97-AF65-F5344CB8AC3E}">
-        <p14:creationId xmlns:p14="http://schemas.microsoft.com/office/powerpoint/2010/main" val="197175680"/>
-      </p:ext>
-    </p:extLst>
-  </p:cSld>
-  <p:clrMapOvr>
-    <a:masterClrMapping/>
-  </p:clrMapOvr>
-  <p:transition>
-    <p:fade thruBlk="1"/>
-  </p:transition>
-  <p:timing>
-    <p:tnLst>
-      <p:par>
-        <p:cTn id="1" dur="indefinite" restart="never" nodeType="tmRoot"/>
-      </p:par>
-    </p:tnLst>
-  </p:timing>
-</p:sld>
-</file>
-
 <file path=ppt/slides/slide16.xml><?xml version="1.0" encoding="utf-8"?>
 <p:sld xmlns:a="http://schemas.openxmlformats.org/drawingml/2006/main" xmlns:r="http://schemas.openxmlformats.org/officeDocument/2006/relationships" xmlns:p="http://schemas.openxmlformats.org/presentationml/2006/main">
   <p:cSld>
@@ -16613,12 +17085,12 @@
       </p:grpSpPr>
       <p:sp>
         <p:nvSpPr>
-          <p:cNvPr id="6" name="Title 5"/>
+          <p:cNvPr id="2" name="Title 1"/>
           <p:cNvSpPr>
             <a:spLocks noGrp="1"/>
           </p:cNvSpPr>
           <p:nvPr>
-            <p:ph type="ctrTitle"/>
+            <p:ph type="title"/>
           </p:nvPr>
         </p:nvSpPr>
         <p:spPr/>
@@ -16628,76 +17100,105 @@
           <a:p>
             <a:r>
               <a:rPr lang="en-AU" dirty="0" smtClean="0"/>
-              <a:t>Deep dive: Building a real-time </a:t>
+              <a:t>Windows Azure SDK for Node.js</a:t>
+            </a:r>
+            <a:endParaRPr lang="en-AU" dirty="0"/>
+          </a:p>
+        </p:txBody>
+      </p:sp>
+      <p:sp>
+        <p:nvSpPr>
+          <p:cNvPr id="3" name="Text Placeholder 2"/>
+          <p:cNvSpPr>
+            <a:spLocks noGrp="1"/>
+          </p:cNvSpPr>
+          <p:nvPr>
+            <p:ph type="body" sz="quarter" idx="10"/>
+          </p:nvPr>
+        </p:nvSpPr>
+        <p:spPr/>
+        <p:txBody>
+          <a:bodyPr/>
+          <a:lstStyle/>
+          <a:p>
+            <a:r>
+              <a:rPr lang="en-AU" dirty="0" smtClean="0"/>
+              <a:t>Really easy to deploy (locally / cloud) using PowerShell </a:t>
             </a:r>
             <a:r>
               <a:rPr lang="en-AU" dirty="0" err="1" smtClean="0"/>
-              <a:t>ChatRoom</a:t>
-            </a:r>
+              <a:t>cmdlets</a:t>
+            </a:r>
+            <a:endParaRPr lang="en-AU" dirty="0" smtClean="0">
+              <a:sym typeface="Wingdings" pitchFamily="2" charset="2"/>
+            </a:endParaRPr>
+          </a:p>
+          <a:p>
+            <a:r>
+              <a:rPr lang="en-AU" dirty="0" smtClean="0">
+                <a:sym typeface="Wingdings" pitchFamily="2" charset="2"/>
+              </a:rPr>
+              <a:t>Azure package  gives access to</a:t>
+            </a:r>
+          </a:p>
+          <a:p>
+            <a:pPr lvl="1"/>
+            <a:r>
+              <a:rPr lang="en-AU" dirty="0" smtClean="0">
+                <a:sym typeface="Wingdings" pitchFamily="2" charset="2"/>
+              </a:rPr>
+              <a:t>blob service, table service, queue service, service bus …</a:t>
+            </a:r>
+            <a:endParaRPr lang="en-AU" dirty="0" smtClean="0"/>
+          </a:p>
+          <a:p>
             <a:r>
               <a:rPr lang="en-AU" dirty="0" smtClean="0"/>
-              <a:t> with Node.js , Sockets.io and Knockout.js</a:t>
-            </a:r>
-            <a:br>
+              <a:t>Currently you can’t deploy multiple node apps to the same instance </a:t>
+            </a:r>
+            <a:r>
+              <a:rPr lang="en-AU" dirty="0" smtClean="0">
+                <a:sym typeface="Wingdings" pitchFamily="2" charset="2"/>
+              </a:rPr>
+              <a:t></a:t>
+            </a:r>
+            <a:endParaRPr lang="en-AU" dirty="0" smtClean="0"/>
+          </a:p>
+          <a:p>
+            <a:r>
               <a:rPr lang="en-AU" dirty="0" smtClean="0"/>
-            </a:br>
+              <a:t>You need to push up the source code for all packages you use</a:t>
+            </a:r>
+          </a:p>
+          <a:p>
+            <a:r>
+              <a:rPr lang="en-AU" dirty="0" smtClean="0"/>
+              <a:t>Debugging supported via </a:t>
+            </a:r>
+            <a:r>
+              <a:rPr lang="en-AU" dirty="0" err="1" smtClean="0"/>
+              <a:t>IISNode</a:t>
+            </a:r>
+            <a:r>
+              <a:rPr lang="en-AU" dirty="0" smtClean="0"/>
+              <a:t> &amp; </a:t>
+            </a:r>
             <a:r>
               <a:rPr lang="en-AU" dirty="0"/>
-              <a:t/>
-            </a:r>
-            <a:br>
-              <a:rPr lang="en-AU" dirty="0"/>
-            </a:br>
-            <a:endParaRPr lang="en-AU" sz="2400" dirty="0"/>
-          </a:p>
-        </p:txBody>
-      </p:sp>
-      <p:sp>
-        <p:nvSpPr>
-          <p:cNvPr id="2" name="TextBox 1"/>
-          <p:cNvSpPr txBox="1"/>
-          <p:nvPr/>
-        </p:nvSpPr>
-        <p:spPr>
-          <a:xfrm>
-            <a:off x="1015075" y="5301208"/>
-            <a:ext cx="4277005" cy="400110"/>
-          </a:xfrm>
-          <a:prstGeom prst="rect">
-            <a:avLst/>
-          </a:prstGeom>
-          <a:noFill/>
-          <a:ln>
-            <a:noFill/>
-          </a:ln>
-        </p:spPr>
-        <p:txBody>
-          <a:bodyPr wrap="none" rtlCol="0">
-            <a:spAutoFit/>
-          </a:bodyPr>
-          <a:lstStyle/>
-          <a:p>
-            <a:r>
-              <a:rPr lang="en-AU" sz="2000" dirty="0">
-                <a:solidFill>
-                  <a:schemeClr val="bg2"/>
-                </a:solidFill>
-                <a:hlinkClick r:id="rId2"/>
-              </a:rPr>
-              <a:t>http://saugnodechatapp.cloudapp.net/</a:t>
-            </a:r>
-            <a:endParaRPr lang="en-AU" sz="2000" dirty="0">
-              <a:solidFill>
-                <a:schemeClr val="bg2"/>
-              </a:solidFill>
-            </a:endParaRPr>
+              <a:t>n</a:t>
+            </a:r>
+            <a:r>
+              <a:rPr lang="en-AU" dirty="0" smtClean="0"/>
+              <a:t>ode Inspector</a:t>
+            </a:r>
+            <a:endParaRPr lang="en-AU" dirty="0"/>
           </a:p>
         </p:txBody>
       </p:sp>
     </p:spTree>
     <p:extLst>
       <p:ext uri="{BB962C8B-B14F-4D97-AF65-F5344CB8AC3E}">
-        <p14:creationId xmlns:p14="http://schemas.microsoft.com/office/powerpoint/2010/main" val="1621235693"/>
+        <p14:creationId xmlns:p14="http://schemas.microsoft.com/office/powerpoint/2010/main" val="197175680"/>
       </p:ext>
     </p:extLst>
   </p:cSld>
@@ -16736,6 +17237,129 @@
       </p:grpSpPr>
       <p:sp>
         <p:nvSpPr>
+          <p:cNvPr id="6" name="Title 5"/>
+          <p:cNvSpPr>
+            <a:spLocks noGrp="1"/>
+          </p:cNvSpPr>
+          <p:nvPr>
+            <p:ph type="ctrTitle"/>
+          </p:nvPr>
+        </p:nvSpPr>
+        <p:spPr/>
+        <p:txBody>
+          <a:bodyPr/>
+          <a:lstStyle/>
+          <a:p>
+            <a:r>
+              <a:rPr lang="en-AU" dirty="0" smtClean="0"/>
+              <a:t>Deep dive: Building a real-time </a:t>
+            </a:r>
+            <a:r>
+              <a:rPr lang="en-AU" dirty="0" err="1" smtClean="0"/>
+              <a:t>ChatRoom</a:t>
+            </a:r>
+            <a:r>
+              <a:rPr lang="en-AU" dirty="0" smtClean="0"/>
+              <a:t> with Node.js , Sockets.io and Knockout.js</a:t>
+            </a:r>
+            <a:br>
+              <a:rPr lang="en-AU" dirty="0" smtClean="0"/>
+            </a:br>
+            <a:r>
+              <a:rPr lang="en-AU" dirty="0"/>
+              <a:t/>
+            </a:r>
+            <a:br>
+              <a:rPr lang="en-AU" dirty="0"/>
+            </a:br>
+            <a:endParaRPr lang="en-AU" sz="2400" dirty="0"/>
+          </a:p>
+        </p:txBody>
+      </p:sp>
+      <p:sp>
+        <p:nvSpPr>
+          <p:cNvPr id="2" name="TextBox 1"/>
+          <p:cNvSpPr txBox="1"/>
+          <p:nvPr/>
+        </p:nvSpPr>
+        <p:spPr>
+          <a:xfrm>
+            <a:off x="1015075" y="5301208"/>
+            <a:ext cx="4277005" cy="400110"/>
+          </a:xfrm>
+          <a:prstGeom prst="rect">
+            <a:avLst/>
+          </a:prstGeom>
+          <a:noFill/>
+          <a:ln>
+            <a:noFill/>
+          </a:ln>
+        </p:spPr>
+        <p:txBody>
+          <a:bodyPr wrap="none" rtlCol="0">
+            <a:spAutoFit/>
+          </a:bodyPr>
+          <a:lstStyle/>
+          <a:p>
+            <a:r>
+              <a:rPr lang="en-AU" sz="2000" dirty="0">
+                <a:solidFill>
+                  <a:schemeClr val="bg2"/>
+                </a:solidFill>
+                <a:hlinkClick r:id="rId2"/>
+              </a:rPr>
+              <a:t>http://saugnodechatapp.cloudapp.net/</a:t>
+            </a:r>
+            <a:endParaRPr lang="en-AU" sz="2000" dirty="0">
+              <a:solidFill>
+                <a:schemeClr val="bg2"/>
+              </a:solidFill>
+            </a:endParaRPr>
+          </a:p>
+        </p:txBody>
+      </p:sp>
+    </p:spTree>
+    <p:extLst>
+      <p:ext uri="{BB962C8B-B14F-4D97-AF65-F5344CB8AC3E}">
+        <p14:creationId xmlns:p14="http://schemas.microsoft.com/office/powerpoint/2010/main" val="1621235693"/>
+      </p:ext>
+    </p:extLst>
+  </p:cSld>
+  <p:clrMapOvr>
+    <a:masterClrMapping/>
+  </p:clrMapOvr>
+  <p:transition>
+    <p:fade thruBlk="1"/>
+  </p:transition>
+  <p:timing>
+    <p:tnLst>
+      <p:par>
+        <p:cTn id="1" dur="indefinite" restart="never" nodeType="tmRoot"/>
+      </p:par>
+    </p:tnLst>
+  </p:timing>
+</p:sld>
+</file>
+
+<file path=ppt/slides/slide18.xml><?xml version="1.0" encoding="utf-8"?>
+<p:sld xmlns:a="http://schemas.openxmlformats.org/drawingml/2006/main" xmlns:r="http://schemas.openxmlformats.org/officeDocument/2006/relationships" xmlns:p="http://schemas.openxmlformats.org/presentationml/2006/main">
+  <p:cSld>
+    <p:spTree>
+      <p:nvGrpSpPr>
+        <p:cNvPr id="1" name=""/>
+        <p:cNvGrpSpPr/>
+        <p:nvPr/>
+      </p:nvGrpSpPr>
+      <p:grpSpPr>
+        <a:xfrm>
+          <a:off x="0" y="0"/>
+          <a:ext cx="0" cy="0"/>
+          <a:chOff x="0" y="0"/>
+          <a:chExt cx="0" cy="0"/>
+        </a:xfrm>
+      </p:grpSpPr>
+      <p:sp>
+        <p:nvSpPr>
           <p:cNvPr id="2" name="Title 1"/>
           <p:cNvSpPr>
             <a:spLocks noGrp="1"/>
@@ -16918,7 +17542,7 @@
 </p:sld>
 </file>
 
-<file path=ppt/slides/slide18.xml><?xml version="1.0" encoding="utf-8"?>
+<file path=ppt/slides/slide19.xml><?xml version="1.0" encoding="utf-8"?>
 <p:sld xmlns:a="http://schemas.openxmlformats.org/drawingml/2006/main" xmlns:r="http://schemas.openxmlformats.org/officeDocument/2006/relationships" xmlns:p="http://schemas.openxmlformats.org/presentationml/2006/main">
   <p:cSld>
     <p:spTree>
@@ -17092,7 +17716,7 @@
           <a:p>
             <a:r>
               <a:rPr lang="en-AU" dirty="0"/>
-              <a:t>s</a:t>
+              <a:t>S</a:t>
             </a:r>
             <a:r>
               <a:rPr lang="en-AU" dirty="0" smtClean="0"/>
@@ -17110,7 +17734,7 @@
           <a:p>
             <a:r>
               <a:rPr lang="en-AU" dirty="0"/>
-              <a:t>b</a:t>
+              <a:t>B</a:t>
             </a:r>
             <a:r>
               <a:rPr lang="en-AU" dirty="0" smtClean="0"/>
@@ -17126,7 +17750,7 @@
           <a:p>
             <a:r>
               <a:rPr lang="en-AU" dirty="0"/>
-              <a:t>c</a:t>
+              <a:t>C</a:t>
             </a:r>
             <a:r>
               <a:rPr lang="en-AU" dirty="0" smtClean="0"/>
@@ -17146,7 +17770,7 @@
             </a:r>
             <a:r>
               <a:rPr lang="en-AU" dirty="0" smtClean="0"/>
-              <a:t>accounting products – (C#.NET ,WCF, REST, SQL Server, .NET 4.0)</a:t>
+              <a:t>accounting products – (C#.NET, REST, SQL Server, .NET 4.0)</a:t>
             </a:r>
           </a:p>
           <a:p>
@@ -17161,7 +17785,7 @@
             </a:pPr>
             <a:r>
               <a:rPr lang="en-AU" sz="1400" dirty="0" smtClean="0"/>
-              <a:t> 			aidancasey@gmail.com</a:t>
+              <a:t> 		  		</a:t>
             </a:r>
           </a:p>
           <a:p>
@@ -17169,8 +17793,12 @@
               <a:buNone/>
             </a:pPr>
             <a:r>
+              <a:rPr lang="en-AU" sz="1400" dirty="0"/>
+              <a:t>	</a:t>
+            </a:r>
+            <a:r>
               <a:rPr lang="en-AU" sz="1400" dirty="0" smtClean="0"/>
-              <a:t>  			</a:t>
+              <a:t>		</a:t>
             </a:r>
             <a:r>
               <a:rPr lang="en-AU" sz="1400" dirty="0"/>
@@ -17259,7 +17887,7 @@
       </p:pic>
       <p:pic>
         <p:nvPicPr>
-          <p:cNvPr id="1029" name="Picture 5"/>
+          <p:cNvPr id="2050" name="Picture 2"/>
           <p:cNvPicPr>
             <a:picLocks noChangeAspect="1" noChangeArrowheads="1"/>
           </p:cNvPicPr>
@@ -17267,70 +17895,6 @@
         </p:nvPicPr>
         <p:blipFill>
           <a:blip r:embed="rId3" cstate="print">
-            <a:extLst>
-              <a:ext uri="{28A0092B-C50C-407E-A947-70E740481C1C}">
-                <a14:useLocalDpi xmlns:a14="http://schemas.microsoft.com/office/drawing/2010/main" val="0"/>
-              </a:ext>
-            </a:extLst>
-          </a:blip>
-          <a:srcRect/>
-          <a:stretch>
-            <a:fillRect/>
-          </a:stretch>
-        </p:blipFill>
-        <p:spPr bwMode="auto">
-          <a:xfrm>
-            <a:off x="1763688" y="4462690"/>
-            <a:ext cx="475878" cy="550486"/>
-          </a:xfrm>
-          <a:prstGeom prst="rect">
-            <a:avLst/>
-          </a:prstGeom>
-          <a:noFill/>
-          <a:ln>
-            <a:noFill/>
-          </a:ln>
-          <a:effectLst/>
-          <a:extLst>
-            <a:ext uri="{909E8E84-426E-40DD-AFC4-6F175D3DCCD1}">
-              <a14:hiddenFill xmlns:a14="http://schemas.microsoft.com/office/drawing/2010/main">
-                <a:solidFill>
-                  <a:schemeClr val="accent1"/>
-                </a:solidFill>
-              </a14:hiddenFill>
-            </a:ext>
-            <a:ext uri="{91240B29-F687-4F45-9708-019B960494DF}">
-              <a14:hiddenLine xmlns:a14="http://schemas.microsoft.com/office/drawing/2010/main" w="9525">
-                <a:solidFill>
-                  <a:schemeClr val="tx1"/>
-                </a:solidFill>
-                <a:miter lim="800000"/>
-                <a:headEnd/>
-                <a:tailEnd/>
-              </a14:hiddenLine>
-            </a:ext>
-            <a:ext uri="{AF507438-7753-43E0-B8FC-AC1667EBCBE1}">
-              <a14:hiddenEffects xmlns:a14="http://schemas.microsoft.com/office/drawing/2010/main">
-                <a:effectLst>
-                  <a:outerShdw dist="35921" dir="2700000" algn="ctr" rotWithShape="0">
-                    <a:schemeClr val="bg2"/>
-                  </a:outerShdw>
-                </a:effectLst>
-              </a14:hiddenEffects>
-            </a:ext>
-          </a:extLst>
-        </p:spPr>
-      </p:pic>
-      <p:pic>
-        <p:nvPicPr>
-          <p:cNvPr id="2050" name="Picture 2"/>
-          <p:cNvPicPr>
-            <a:picLocks noChangeAspect="1" noChangeArrowheads="1"/>
-          </p:cNvPicPr>
-          <p:nvPr/>
-        </p:nvPicPr>
-        <p:blipFill>
-          <a:blip r:embed="rId4" cstate="print">
             <a:extLst>
               <a:ext uri="{28A0092B-C50C-407E-A947-70E740481C1C}">
                 <a14:useLocalDpi xmlns:a14="http://schemas.microsoft.com/office/drawing/2010/main" val="0"/>
@@ -17542,6 +18106,142 @@
             <p:ph type="title"/>
           </p:nvPr>
         </p:nvSpPr>
+        <p:spPr/>
+        <p:txBody>
+          <a:bodyPr/>
+          <a:lstStyle/>
+          <a:p>
+            <a:r>
+              <a:rPr lang="en-AU" dirty="0" smtClean="0"/>
+              <a:t>Extra points to include</a:t>
+            </a:r>
+            <a:endParaRPr lang="en-AU" dirty="0"/>
+          </a:p>
+        </p:txBody>
+      </p:sp>
+      <p:sp>
+        <p:nvSpPr>
+          <p:cNvPr id="3" name="Text Placeholder 2"/>
+          <p:cNvSpPr>
+            <a:spLocks noGrp="1"/>
+          </p:cNvSpPr>
+          <p:nvPr>
+            <p:ph type="body" sz="quarter" idx="10"/>
+          </p:nvPr>
+        </p:nvSpPr>
+        <p:spPr/>
+        <p:txBody>
+          <a:bodyPr/>
+          <a:lstStyle/>
+          <a:p>
+            <a:r>
+              <a:rPr lang="en-AU" dirty="0" smtClean="0"/>
+              <a:t>Add a slide for V8 benchmarking stats ?</a:t>
+            </a:r>
+          </a:p>
+          <a:p>
+            <a:r>
+              <a:rPr lang="en-AU" dirty="0" smtClean="0"/>
+              <a:t>Very small install and the core is tiny…</a:t>
+            </a:r>
+          </a:p>
+          <a:p>
+            <a:r>
+              <a:rPr lang="en-AU" dirty="0">
+                <a:hlinkClick r:id="rId2"/>
+              </a:rPr>
+              <a:t>http://berb.github.com/nodejs-talk-chaosseminar/#</a:t>
+            </a:r>
+            <a:r>
+              <a:rPr lang="en-AU" dirty="0" smtClean="0">
+                <a:hlinkClick r:id="rId2"/>
+              </a:rPr>
+              <a:t>37</a:t>
+            </a:r>
+            <a:endParaRPr lang="en-AU" dirty="0" smtClean="0"/>
+          </a:p>
+          <a:p>
+            <a:r>
+              <a:rPr lang="en-AU" dirty="0">
+                <a:hlinkClick r:id="rId3"/>
+              </a:rPr>
+              <a:t>http://</a:t>
+            </a:r>
+            <a:r>
+              <a:rPr lang="en-AU" dirty="0" smtClean="0">
+                <a:hlinkClick r:id="rId3"/>
+              </a:rPr>
+              <a:t>s3.amazonaws.com/four.livejournal/20091117/jsconf.pdf</a:t>
+            </a:r>
+            <a:endParaRPr lang="en-AU" dirty="0" smtClean="0"/>
+          </a:p>
+          <a:p>
+            <a:endParaRPr lang="en-AU" dirty="0"/>
+          </a:p>
+          <a:p>
+            <a:r>
+              <a:rPr lang="en-AU" dirty="0" smtClean="0"/>
+              <a:t>Good example non blocking operation</a:t>
+            </a:r>
+          </a:p>
+          <a:p>
+            <a:pPr marL="0" indent="0">
+              <a:buNone/>
+            </a:pPr>
+            <a:r>
+              <a:rPr lang="en-AU" dirty="0"/>
+              <a:t>http://onteria.wordpress.com/2011/06/02/different-ways-to-read-in-files-using-node-js/</a:t>
+            </a:r>
+            <a:endParaRPr lang="en-AU" dirty="0" smtClean="0"/>
+          </a:p>
+          <a:p>
+            <a:endParaRPr lang="en-AU" dirty="0"/>
+          </a:p>
+        </p:txBody>
+      </p:sp>
+    </p:spTree>
+    <p:extLst>
+      <p:ext uri="{BB962C8B-B14F-4D97-AF65-F5344CB8AC3E}">
+        <p14:creationId xmlns:p14="http://schemas.microsoft.com/office/powerpoint/2010/main" val="2230106009"/>
+      </p:ext>
+    </p:extLst>
+  </p:cSld>
+  <p:clrMapOvr>
+    <a:masterClrMapping/>
+  </p:clrMapOvr>
+  <p:transition>
+    <p:fade thruBlk="1"/>
+  </p:transition>
+</p:sld>
+</file>
+
+<file path=ppt/slides/slide5.xml><?xml version="1.0" encoding="utf-8"?>
+<p:sld xmlns:a="http://schemas.openxmlformats.org/drawingml/2006/main" xmlns:r="http://schemas.openxmlformats.org/officeDocument/2006/relationships" xmlns:p="http://schemas.openxmlformats.org/presentationml/2006/main">
+  <p:cSld>
+    <p:spTree>
+      <p:nvGrpSpPr>
+        <p:cNvPr id="1" name=""/>
+        <p:cNvGrpSpPr/>
+        <p:nvPr/>
+      </p:nvGrpSpPr>
+      <p:grpSpPr>
+        <a:xfrm>
+          <a:off x="0" y="0"/>
+          <a:ext cx="0" cy="0"/>
+          <a:chOff x="0" y="0"/>
+          <a:chExt cx="0" cy="0"/>
+        </a:xfrm>
+      </p:grpSpPr>
+      <p:sp>
+        <p:nvSpPr>
+          <p:cNvPr id="2" name="Title 1"/>
+          <p:cNvSpPr>
+            <a:spLocks noGrp="1"/>
+          </p:cNvSpPr>
+          <p:nvPr>
+            <p:ph type="title"/>
+          </p:nvPr>
+        </p:nvSpPr>
         <p:spPr>
           <a:xfrm>
             <a:off x="457200" y="260648"/>
@@ -17632,7 +18332,7 @@
 </p:sld>
 </file>
 
-<file path=ppt/slides/slide5.xml><?xml version="1.0" encoding="utf-8"?>
+<file path=ppt/slides/slide6.xml><?xml version="1.0" encoding="utf-8"?>
 <p:sld xmlns:a="http://schemas.openxmlformats.org/drawingml/2006/main" xmlns:r="http://schemas.openxmlformats.org/officeDocument/2006/relationships" xmlns:p="http://schemas.openxmlformats.org/presentationml/2006/main">
   <p:cSld>
     <p:spTree>
@@ -18441,7 +19141,7 @@
 </p:sld>
 </file>
 
-<file path=ppt/slides/slide6.xml><?xml version="1.0" encoding="utf-8"?>
+<file path=ppt/slides/slide7.xml><?xml version="1.0" encoding="utf-8"?>
 <p:sld xmlns:a="http://schemas.openxmlformats.org/drawingml/2006/main" xmlns:r="http://schemas.openxmlformats.org/officeDocument/2006/relationships" xmlns:p="http://schemas.openxmlformats.org/presentationml/2006/main">
   <p:cSld>
     <p:spTree>
@@ -18504,7 +19204,7 @@
 </p:sld>
 </file>
 
-<file path=ppt/slides/slide7.xml><?xml version="1.0" encoding="utf-8"?>
+<file path=ppt/slides/slide8.xml><?xml version="1.0" encoding="utf-8"?>
 <p:sld xmlns:a="http://schemas.openxmlformats.org/drawingml/2006/main" xmlns:r="http://schemas.openxmlformats.org/officeDocument/2006/relationships" xmlns:p="http://schemas.openxmlformats.org/presentationml/2006/main">
   <p:cSld>
     <p:spTree>
@@ -19834,7 +20534,7 @@
 </p:sld>
 </file>
 
-<file path=ppt/slides/slide8.xml><?xml version="1.0" encoding="utf-8"?>
+<file path=ppt/slides/slide9.xml><?xml version="1.0" encoding="utf-8"?>
 <p:sld xmlns:a="http://schemas.openxmlformats.org/drawingml/2006/main" xmlns:r="http://schemas.openxmlformats.org/officeDocument/2006/relationships" xmlns:p="http://schemas.openxmlformats.org/presentationml/2006/main">
   <p:cSld>
     <p:spTree>
@@ -20880,237 +21580,6 @@
       <p:bldP spid="26" grpId="0"/>
       <p:bldP spid="28" grpId="0"/>
     </p:bldLst>
-  </p:timing>
-</p:sld>
-</file>
-
-<file path=ppt/slides/slide9.xml><?xml version="1.0" encoding="utf-8"?>
-<p:sld xmlns:a="http://schemas.openxmlformats.org/drawingml/2006/main" xmlns:r="http://schemas.openxmlformats.org/officeDocument/2006/relationships" xmlns:p="http://schemas.openxmlformats.org/presentationml/2006/main">
-  <p:cSld>
-    <p:spTree>
-      <p:nvGrpSpPr>
-        <p:cNvPr id="1" name=""/>
-        <p:cNvGrpSpPr/>
-        <p:nvPr/>
-      </p:nvGrpSpPr>
-      <p:grpSpPr>
-        <a:xfrm>
-          <a:off x="0" y="0"/>
-          <a:ext cx="0" cy="0"/>
-          <a:chOff x="0" y="0"/>
-          <a:chExt cx="0" cy="0"/>
-        </a:xfrm>
-      </p:grpSpPr>
-      <p:sp>
-        <p:nvSpPr>
-          <p:cNvPr id="2" name="Title 1"/>
-          <p:cNvSpPr>
-            <a:spLocks noGrp="1"/>
-          </p:cNvSpPr>
-          <p:nvPr>
-            <p:ph type="title"/>
-          </p:nvPr>
-        </p:nvSpPr>
-        <p:spPr/>
-        <p:txBody>
-          <a:bodyPr/>
-          <a:lstStyle/>
-          <a:p>
-            <a:r>
-              <a:rPr lang="en-AU" dirty="0" smtClean="0"/>
-              <a:t>Don’t Block!</a:t>
-            </a:r>
-            <a:endParaRPr lang="en-AU" dirty="0"/>
-          </a:p>
-        </p:txBody>
-      </p:sp>
-      <p:sp>
-        <p:nvSpPr>
-          <p:cNvPr id="8" name="TextBox 7"/>
-          <p:cNvSpPr txBox="1"/>
-          <p:nvPr/>
-        </p:nvSpPr>
-        <p:spPr>
-          <a:xfrm>
-            <a:off x="473713" y="2175012"/>
-            <a:ext cx="1694375" cy="369332"/>
-          </a:xfrm>
-          <a:prstGeom prst="rect">
-            <a:avLst/>
-          </a:prstGeom>
-          <a:noFill/>
-        </p:spPr>
-        <p:txBody>
-          <a:bodyPr wrap="none" rtlCol="0">
-            <a:spAutoFit/>
-          </a:bodyPr>
-          <a:lstStyle/>
-          <a:p>
-            <a:r>
-              <a:rPr lang="en-AU" dirty="0" smtClean="0"/>
-              <a:t>Blocking code….</a:t>
-            </a:r>
-            <a:endParaRPr lang="en-AU" dirty="0"/>
-          </a:p>
-        </p:txBody>
-      </p:sp>
-      <p:sp>
-        <p:nvSpPr>
-          <p:cNvPr id="9" name="TextBox 8"/>
-          <p:cNvSpPr txBox="1"/>
-          <p:nvPr/>
-        </p:nvSpPr>
-        <p:spPr>
-          <a:xfrm>
-            <a:off x="463158" y="4211796"/>
-            <a:ext cx="2111155" cy="369332"/>
-          </a:xfrm>
-          <a:prstGeom prst="rect">
-            <a:avLst/>
-          </a:prstGeom>
-          <a:noFill/>
-        </p:spPr>
-        <p:txBody>
-          <a:bodyPr wrap="none" rtlCol="0">
-            <a:spAutoFit/>
-          </a:bodyPr>
-          <a:lstStyle/>
-          <a:p>
-            <a:r>
-              <a:rPr lang="en-AU" dirty="0" smtClean="0"/>
-              <a:t>Non-blocking code…</a:t>
-            </a:r>
-            <a:endParaRPr lang="en-AU" dirty="0"/>
-          </a:p>
-        </p:txBody>
-      </p:sp>
-      <p:sp>
-        <p:nvSpPr>
-          <p:cNvPr id="10" name="TextBox 9"/>
-          <p:cNvSpPr txBox="1"/>
-          <p:nvPr/>
-        </p:nvSpPr>
-        <p:spPr>
-          <a:xfrm>
-            <a:off x="570845" y="1280220"/>
-            <a:ext cx="8240589" cy="646331"/>
-          </a:xfrm>
-          <a:prstGeom prst="rect">
-            <a:avLst/>
-          </a:prstGeom>
-          <a:noFill/>
-        </p:spPr>
-        <p:txBody>
-          <a:bodyPr wrap="none" rtlCol="0">
-            <a:spAutoFit/>
-          </a:bodyPr>
-          <a:lstStyle/>
-          <a:p>
-            <a:r>
-              <a:rPr lang="en-AU" dirty="0" smtClean="0"/>
-              <a:t>Since the event </a:t>
-            </a:r>
-            <a:r>
-              <a:rPr lang="en-AU" dirty="0"/>
-              <a:t>l</a:t>
-            </a:r>
-            <a:r>
-              <a:rPr lang="en-AU" dirty="0" smtClean="0"/>
-              <a:t>oop runs on a single thread you must avoid blocking calls at all times.</a:t>
-            </a:r>
-          </a:p>
-          <a:p>
-            <a:r>
-              <a:rPr lang="en-AU" dirty="0" smtClean="0"/>
-              <a:t>Blocking code blocks </a:t>
-            </a:r>
-            <a:r>
-              <a:rPr lang="en-AU" u="sng" dirty="0" smtClean="0"/>
-              <a:t>everything!</a:t>
-            </a:r>
-            <a:endParaRPr lang="en-AU" dirty="0"/>
-          </a:p>
-        </p:txBody>
-      </p:sp>
-      <p:pic>
-        <p:nvPicPr>
-          <p:cNvPr id="3" name="Picture 2"/>
-          <p:cNvPicPr>
-            <a:picLocks noChangeAspect="1"/>
-          </p:cNvPicPr>
-          <p:nvPr/>
-        </p:nvPicPr>
-        <p:blipFill>
-          <a:blip r:embed="rId2">
-            <a:extLst>
-              <a:ext uri="{28A0092B-C50C-407E-A947-70E740481C1C}">
-                <a14:useLocalDpi xmlns:a14="http://schemas.microsoft.com/office/drawing/2010/main" val="0"/>
-              </a:ext>
-            </a:extLst>
-          </a:blip>
-          <a:stretch>
-            <a:fillRect/>
-          </a:stretch>
-        </p:blipFill>
-        <p:spPr>
-          <a:xfrm>
-            <a:off x="1979712" y="2640171"/>
-            <a:ext cx="3314700" cy="1571625"/>
-          </a:xfrm>
-          <a:prstGeom prst="rect">
-            <a:avLst/>
-          </a:prstGeom>
-        </p:spPr>
-      </p:pic>
-      <p:pic>
-        <p:nvPicPr>
-          <p:cNvPr id="4" name="Picture 3"/>
-          <p:cNvPicPr>
-            <a:picLocks noChangeAspect="1"/>
-          </p:cNvPicPr>
-          <p:nvPr/>
-        </p:nvPicPr>
-        <p:blipFill>
-          <a:blip r:embed="rId3">
-            <a:extLst>
-              <a:ext uri="{28A0092B-C50C-407E-A947-70E740481C1C}">
-                <a14:useLocalDpi xmlns:a14="http://schemas.microsoft.com/office/drawing/2010/main" val="0"/>
-              </a:ext>
-            </a:extLst>
-          </a:blip>
-          <a:stretch>
-            <a:fillRect/>
-          </a:stretch>
-        </p:blipFill>
-        <p:spPr>
-          <a:xfrm>
-            <a:off x="2077278" y="4581128"/>
-            <a:ext cx="3181350" cy="2095500"/>
-          </a:xfrm>
-          <a:prstGeom prst="rect">
-            <a:avLst/>
-          </a:prstGeom>
-        </p:spPr>
-      </p:pic>
-    </p:spTree>
-    <p:extLst>
-      <p:ext uri="{BB962C8B-B14F-4D97-AF65-F5344CB8AC3E}">
-        <p14:creationId xmlns:p14="http://schemas.microsoft.com/office/powerpoint/2010/main" val="665949321"/>
-      </p:ext>
-    </p:extLst>
-  </p:cSld>
-  <p:clrMapOvr>
-    <a:masterClrMapping/>
-  </p:clrMapOvr>
-  <p:transition>
-    <p:fade thruBlk="1"/>
-  </p:transition>
-  <p:timing>
-    <p:tnLst>
-      <p:par>
-        <p:cTn id="1" dur="indefinite" restart="never" nodeType="tmRoot"/>
-      </p:par>
-    </p:tnLst>
   </p:timing>
 </p:sld>
 </file>
@@ -22566,21 +23035,6 @@
 </file>
 
 <file path=customXml/item1.xml><?xml version="1.0" encoding="utf-8"?>
-<p:properties xmlns:p="http://schemas.microsoft.com/office/2006/metadata/properties" xmlns:xsi="http://www.w3.org/2001/XMLSchema-instance">
-  <documentManagement/>
-</p:properties>
-</file>
-
-<file path=customXml/item2.xml><?xml version="1.0" encoding="utf-8"?>
-<?mso-contentType ?>
-<FormTemplates xmlns="http://schemas.microsoft.com/sharepoint/v3/contenttype/forms">
-  <Display>DocumentLibraryForm</Display>
-  <Edit>DocumentLibraryForm</Edit>
-  <New>DocumentLibraryForm</New>
-</FormTemplates>
-</file>
-
-<file path=customXml/item3.xml><?xml version="1.0" encoding="utf-8"?>
 <?mso-contentType ?>
 <rca:RCAuthoringProperties xmlns:rca="urn:sharePointPublishingRcaProperties">
   <rca:Converter rca:guid="6dfdc5b4-2a28-4a06-b0c6-ad3901e3a807">
@@ -22596,6 +23050,21 @@
     <rca:property rca:type="ConverterSpecificSettings"/>
   </rca:Converter>
 </rca:RCAuthoringProperties>
+</file>
+
+<file path=customXml/item2.xml><?xml version="1.0" encoding="utf-8"?>
+<?mso-contentType ?>
+<FormTemplates xmlns="http://schemas.microsoft.com/sharepoint/v3/contenttype/forms">
+  <Display>DocumentLibraryForm</Display>
+  <Edit>DocumentLibraryForm</Edit>
+  <New>DocumentLibraryForm</New>
+</FormTemplates>
+</file>
+
+<file path=customXml/item3.xml><?xml version="1.0" encoding="utf-8"?>
+<p:properties xmlns:p="http://schemas.microsoft.com/office/2006/metadata/properties" xmlns:xsi="http://www.w3.org/2001/XMLSchema-instance">
+  <documentManagement/>
+</p:properties>
 </file>
 
 <file path=customXml/item4.xml><?xml version="1.0" encoding="utf-8"?>
@@ -22648,15 +23117,9 @@
 </file>
 
 <file path=customXml/itemProps1.xml><?xml version="1.0" encoding="utf-8"?>
-<ds:datastoreItem xmlns:ds="http://schemas.openxmlformats.org/officeDocument/2006/customXml" ds:itemID="{BDEC00FF-5F1B-415D-9C89-173832172D95}">
+<ds:datastoreItem xmlns:ds="http://schemas.openxmlformats.org/officeDocument/2006/customXml" ds:itemID="{37DE6E84-255A-45E8-8353-BCD6A4998E02}">
   <ds:schemaRefs>
-    <ds:schemaRef ds:uri="http://schemas.microsoft.com/office/2006/metadata/properties"/>
-    <ds:schemaRef ds:uri="http://schemas.openxmlformats.org/package/2006/metadata/core-properties"/>
-    <ds:schemaRef ds:uri="http://schemas.microsoft.com/office/2006/documentManagement/types"/>
-    <ds:schemaRef ds:uri="http://purl.org/dc/elements/1.1/"/>
-    <ds:schemaRef ds:uri="http://purl.org/dc/dcmitype/"/>
-    <ds:schemaRef ds:uri="http://purl.org/dc/terms/"/>
-    <ds:schemaRef ds:uri="http://www.w3.org/XML/1998/namespace"/>
+    <ds:schemaRef ds:uri="urn:sharePointPublishingRcaProperties"/>
   </ds:schemaRefs>
 </ds:datastoreItem>
 </file>
@@ -22670,9 +23133,15 @@
 </file>
 
 <file path=customXml/itemProps3.xml><?xml version="1.0" encoding="utf-8"?>
-<ds:datastoreItem xmlns:ds="http://schemas.openxmlformats.org/officeDocument/2006/customXml" ds:itemID="{37DE6E84-255A-45E8-8353-BCD6A4998E02}">
+<ds:datastoreItem xmlns:ds="http://schemas.openxmlformats.org/officeDocument/2006/customXml" ds:itemID="{BDEC00FF-5F1B-415D-9C89-173832172D95}">
   <ds:schemaRefs>
-    <ds:schemaRef ds:uri="urn:sharePointPublishingRcaProperties"/>
+    <ds:schemaRef ds:uri="http://schemas.microsoft.com/office/2006/metadata/properties"/>
+    <ds:schemaRef ds:uri="http://schemas.openxmlformats.org/package/2006/metadata/core-properties"/>
+    <ds:schemaRef ds:uri="http://schemas.microsoft.com/office/2006/documentManagement/types"/>
+    <ds:schemaRef ds:uri="http://purl.org/dc/elements/1.1/"/>
+    <ds:schemaRef ds:uri="http://purl.org/dc/dcmitype/"/>
+    <ds:schemaRef ds:uri="http://purl.org/dc/terms/"/>
+    <ds:schemaRef ds:uri="http://www.w3.org/XML/1998/namespace"/>
   </ds:schemaRefs>
 </ds:datastoreItem>
 </file>

--- a/presentation/Building Node.js Applications on Windows Azure.pptx
+++ b/presentation/Building Node.js Applications on Windows Azure.pptx
@@ -7,31 +7,30 @@
     <p:sldMasterId id="2147483681" r:id="rId7"/>
   </p:sldMasterIdLst>
   <p:notesMasterIdLst>
-    <p:notesMasterId r:id="rId27"/>
+    <p:notesMasterId r:id="rId26"/>
   </p:notesMasterIdLst>
   <p:handoutMasterIdLst>
-    <p:handoutMasterId r:id="rId28"/>
+    <p:handoutMasterId r:id="rId27"/>
   </p:handoutMasterIdLst>
   <p:sldIdLst>
     <p:sldId id="256" r:id="rId8"/>
     <p:sldId id="257" r:id="rId9"/>
     <p:sldId id="258" r:id="rId10"/>
-    <p:sldId id="290" r:id="rId11"/>
-    <p:sldId id="260" r:id="rId12"/>
-    <p:sldId id="280" r:id="rId13"/>
-    <p:sldId id="279" r:id="rId14"/>
-    <p:sldId id="277" r:id="rId15"/>
-    <p:sldId id="278" r:id="rId16"/>
-    <p:sldId id="270" r:id="rId17"/>
-    <p:sldId id="281" r:id="rId18"/>
-    <p:sldId id="288" r:id="rId19"/>
-    <p:sldId id="285" r:id="rId20"/>
-    <p:sldId id="271" r:id="rId21"/>
-    <p:sldId id="289" r:id="rId22"/>
-    <p:sldId id="282" r:id="rId23"/>
-    <p:sldId id="286" r:id="rId24"/>
-    <p:sldId id="273" r:id="rId25"/>
-    <p:sldId id="287" r:id="rId26"/>
+    <p:sldId id="260" r:id="rId11"/>
+    <p:sldId id="280" r:id="rId12"/>
+    <p:sldId id="279" r:id="rId13"/>
+    <p:sldId id="277" r:id="rId14"/>
+    <p:sldId id="278" r:id="rId15"/>
+    <p:sldId id="270" r:id="rId16"/>
+    <p:sldId id="281" r:id="rId17"/>
+    <p:sldId id="288" r:id="rId18"/>
+    <p:sldId id="285" r:id="rId19"/>
+    <p:sldId id="271" r:id="rId20"/>
+    <p:sldId id="289" r:id="rId21"/>
+    <p:sldId id="282" r:id="rId22"/>
+    <p:sldId id="286" r:id="rId23"/>
+    <p:sldId id="273" r:id="rId24"/>
+    <p:sldId id="287" r:id="rId25"/>
   </p:sldIdLst>
   <p:sldSz cx="9144000" cy="6858000" type="screen4x3"/>
   <p:notesSz cx="7099300" cy="10234613"/>
@@ -5558,7 +5557,7 @@
             <a:fld id="{7785875F-706E-40BB-864A-2D06F0E4670E}" type="datetimeFigureOut">
               <a:rPr lang="en-AU" smtClean="0"/>
               <a:pPr/>
-              <a:t>4/05/2012</a:t>
+              <a:t>15/05/2012</a:t>
             </a:fld>
             <a:endParaRPr lang="en-AU" dirty="0"/>
           </a:p>
@@ -5725,7 +5724,7 @@
             <a:fld id="{7DDF49B5-0C03-42A4-A086-8D97D52D2493}" type="datetimeFigureOut">
               <a:rPr lang="en-AU" smtClean="0"/>
               <a:pPr/>
-              <a:t>4/05/2012</a:t>
+              <a:t>15/05/2012</a:t>
             </a:fld>
             <a:endParaRPr lang="en-AU" dirty="0"/>
           </a:p>
@@ -6147,7 +6146,7 @@
             <a:fld id="{0C6F02B4-1092-4461-B0F9-3B294B1D8DE8}" type="slidenum">
               <a:rPr lang="en-AU" smtClean="0"/>
               <a:pPr/>
-              <a:t>8</a:t>
+              <a:t>7</a:t>
             </a:fld>
             <a:endParaRPr lang="en-AU" dirty="0"/>
           </a:p>
@@ -6269,7 +6268,7 @@
             <a:fld id="{0C6F02B4-1092-4461-B0F9-3B294B1D8DE8}" type="slidenum">
               <a:rPr lang="en-AU" smtClean="0"/>
               <a:pPr/>
-              <a:t>9</a:t>
+              <a:t>8</a:t>
             </a:fld>
             <a:endParaRPr lang="en-AU" dirty="0"/>
           </a:p>
@@ -6867,7 +6866,7 @@
             <a:fld id="{0C6F02B4-1092-4461-B0F9-3B294B1D8DE8}" type="slidenum">
               <a:rPr lang="en-AU" smtClean="0"/>
               <a:pPr/>
-              <a:t>12</a:t>
+              <a:t>11</a:t>
             </a:fld>
             <a:endParaRPr lang="en-AU" dirty="0"/>
           </a:p>
@@ -8825,7 +8824,7 @@
             <a:fld id="{CA10310C-7EC1-470A-8BF5-D51EF2D864BA}" type="datetimeFigureOut">
               <a:rPr lang="en-AU" smtClean="0"/>
               <a:pPr/>
-              <a:t>4/05/2012</a:t>
+              <a:t>15/05/2012</a:t>
             </a:fld>
             <a:endParaRPr lang="en-AU"/>
           </a:p>
@@ -8992,7 +8991,7 @@
             <a:fld id="{CA10310C-7EC1-470A-8BF5-D51EF2D864BA}" type="datetimeFigureOut">
               <a:rPr lang="en-AU" smtClean="0"/>
               <a:pPr/>
-              <a:t>4/05/2012</a:t>
+              <a:t>15/05/2012</a:t>
             </a:fld>
             <a:endParaRPr lang="en-AU"/>
           </a:p>
@@ -9235,7 +9234,7 @@
             <a:fld id="{CA10310C-7EC1-470A-8BF5-D51EF2D864BA}" type="datetimeFigureOut">
               <a:rPr lang="en-AU" smtClean="0"/>
               <a:pPr/>
-              <a:t>4/05/2012</a:t>
+              <a:t>15/05/2012</a:t>
             </a:fld>
             <a:endParaRPr lang="en-AU"/>
           </a:p>
@@ -9520,7 +9519,7 @@
             <a:fld id="{CA10310C-7EC1-470A-8BF5-D51EF2D864BA}" type="datetimeFigureOut">
               <a:rPr lang="en-AU" smtClean="0"/>
               <a:pPr/>
-              <a:t>4/05/2012</a:t>
+              <a:t>15/05/2012</a:t>
             </a:fld>
             <a:endParaRPr lang="en-AU"/>
           </a:p>
@@ -9939,7 +9938,7 @@
             <a:fld id="{CA10310C-7EC1-470A-8BF5-D51EF2D864BA}" type="datetimeFigureOut">
               <a:rPr lang="en-AU" smtClean="0"/>
               <a:pPr/>
-              <a:t>4/05/2012</a:t>
+              <a:t>15/05/2012</a:t>
             </a:fld>
             <a:endParaRPr lang="en-AU"/>
           </a:p>
@@ -10054,7 +10053,7 @@
             <a:fld id="{CA10310C-7EC1-470A-8BF5-D51EF2D864BA}" type="datetimeFigureOut">
               <a:rPr lang="en-AU" smtClean="0"/>
               <a:pPr/>
-              <a:t>4/05/2012</a:t>
+              <a:t>15/05/2012</a:t>
             </a:fld>
             <a:endParaRPr lang="en-AU"/>
           </a:p>
@@ -10146,7 +10145,7 @@
             <a:fld id="{CA10310C-7EC1-470A-8BF5-D51EF2D864BA}" type="datetimeFigureOut">
               <a:rPr lang="en-AU" smtClean="0"/>
               <a:pPr/>
-              <a:t>4/05/2012</a:t>
+              <a:t>15/05/2012</a:t>
             </a:fld>
             <a:endParaRPr lang="en-AU"/>
           </a:p>
@@ -10420,7 +10419,7 @@
             <a:fld id="{CA10310C-7EC1-470A-8BF5-D51EF2D864BA}" type="datetimeFigureOut">
               <a:rPr lang="en-AU" smtClean="0"/>
               <a:pPr/>
-              <a:t>4/05/2012</a:t>
+              <a:t>15/05/2012</a:t>
             </a:fld>
             <a:endParaRPr lang="en-AU"/>
           </a:p>
@@ -10670,7 +10669,7 @@
             <a:fld id="{CA10310C-7EC1-470A-8BF5-D51EF2D864BA}" type="datetimeFigureOut">
               <a:rPr lang="en-AU" smtClean="0"/>
               <a:pPr/>
-              <a:t>4/05/2012</a:t>
+              <a:t>15/05/2012</a:t>
             </a:fld>
             <a:endParaRPr lang="en-AU"/>
           </a:p>
@@ -10837,7 +10836,7 @@
             <a:fld id="{CA10310C-7EC1-470A-8BF5-D51EF2D864BA}" type="datetimeFigureOut">
               <a:rPr lang="en-AU" smtClean="0"/>
               <a:pPr/>
-              <a:t>4/05/2012</a:t>
+              <a:t>15/05/2012</a:t>
             </a:fld>
             <a:endParaRPr lang="en-AU"/>
           </a:p>
@@ -11123,7 +11122,7 @@
             <a:fld id="{CA10310C-7EC1-470A-8BF5-D51EF2D864BA}" type="datetimeFigureOut">
               <a:rPr lang="en-AU" smtClean="0"/>
               <a:pPr/>
-              <a:t>4/05/2012</a:t>
+              <a:t>15/05/2012</a:t>
             </a:fld>
             <a:endParaRPr lang="en-AU"/>
           </a:p>
@@ -11362,7 +11361,7 @@
             <a:fld id="{85CE8AA0-9735-4FA2-95DD-391EE93AFE89}" type="datetimeFigureOut">
               <a:rPr lang="en-AU" smtClean="0"/>
               <a:pPr/>
-              <a:t>4/05/2012</a:t>
+              <a:t>15/05/2012</a:t>
             </a:fld>
             <a:endParaRPr lang="en-AU"/>
           </a:p>
@@ -11529,7 +11528,7 @@
             <a:fld id="{85CE8AA0-9735-4FA2-95DD-391EE93AFE89}" type="datetimeFigureOut">
               <a:rPr lang="en-AU" smtClean="0"/>
               <a:pPr/>
-              <a:t>4/05/2012</a:t>
+              <a:t>15/05/2012</a:t>
             </a:fld>
             <a:endParaRPr lang="en-AU"/>
           </a:p>
@@ -11772,7 +11771,7 @@
             <a:fld id="{85CE8AA0-9735-4FA2-95DD-391EE93AFE89}" type="datetimeFigureOut">
               <a:rPr lang="en-AU" smtClean="0"/>
               <a:pPr/>
-              <a:t>4/05/2012</a:t>
+              <a:t>15/05/2012</a:t>
             </a:fld>
             <a:endParaRPr lang="en-AU"/>
           </a:p>
@@ -12057,7 +12056,7 @@
             <a:fld id="{85CE8AA0-9735-4FA2-95DD-391EE93AFE89}" type="datetimeFigureOut">
               <a:rPr lang="en-AU" smtClean="0"/>
               <a:pPr/>
-              <a:t>4/05/2012</a:t>
+              <a:t>15/05/2012</a:t>
             </a:fld>
             <a:endParaRPr lang="en-AU"/>
           </a:p>
@@ -12476,7 +12475,7 @@
             <a:fld id="{85CE8AA0-9735-4FA2-95DD-391EE93AFE89}" type="datetimeFigureOut">
               <a:rPr lang="en-AU" smtClean="0"/>
               <a:pPr/>
-              <a:t>4/05/2012</a:t>
+              <a:t>15/05/2012</a:t>
             </a:fld>
             <a:endParaRPr lang="en-AU"/>
           </a:p>
@@ -12591,7 +12590,7 @@
             <a:fld id="{85CE8AA0-9735-4FA2-95DD-391EE93AFE89}" type="datetimeFigureOut">
               <a:rPr lang="en-AU" smtClean="0"/>
               <a:pPr/>
-              <a:t>4/05/2012</a:t>
+              <a:t>15/05/2012</a:t>
             </a:fld>
             <a:endParaRPr lang="en-AU"/>
           </a:p>
@@ -12683,7 +12682,7 @@
             <a:fld id="{85CE8AA0-9735-4FA2-95DD-391EE93AFE89}" type="datetimeFigureOut">
               <a:rPr lang="en-AU" smtClean="0"/>
               <a:pPr/>
-              <a:t>4/05/2012</a:t>
+              <a:t>15/05/2012</a:t>
             </a:fld>
             <a:endParaRPr lang="en-AU"/>
           </a:p>
@@ -12957,7 +12956,7 @@
             <a:fld id="{85CE8AA0-9735-4FA2-95DD-391EE93AFE89}" type="datetimeFigureOut">
               <a:rPr lang="en-AU" smtClean="0"/>
               <a:pPr/>
-              <a:t>4/05/2012</a:t>
+              <a:t>15/05/2012</a:t>
             </a:fld>
             <a:endParaRPr lang="en-AU"/>
           </a:p>
@@ -13207,7 +13206,7 @@
             <a:fld id="{85CE8AA0-9735-4FA2-95DD-391EE93AFE89}" type="datetimeFigureOut">
               <a:rPr lang="en-AU" smtClean="0"/>
               <a:pPr/>
-              <a:t>4/05/2012</a:t>
+              <a:t>15/05/2012</a:t>
             </a:fld>
             <a:endParaRPr lang="en-AU"/>
           </a:p>
@@ -13483,7 +13482,7 @@
             <a:fld id="{85CE8AA0-9735-4FA2-95DD-391EE93AFE89}" type="datetimeFigureOut">
               <a:rPr lang="en-AU" smtClean="0"/>
               <a:pPr/>
-              <a:t>4/05/2012</a:t>
+              <a:t>15/05/2012</a:t>
             </a:fld>
             <a:endParaRPr lang="en-AU"/>
           </a:p>
@@ -13660,7 +13659,7 @@
             <a:fld id="{85CE8AA0-9735-4FA2-95DD-391EE93AFE89}" type="datetimeFigureOut">
               <a:rPr lang="en-AU" smtClean="0"/>
               <a:pPr/>
-              <a:t>4/05/2012</a:t>
+              <a:t>15/05/2012</a:t>
             </a:fld>
             <a:endParaRPr lang="en-AU"/>
           </a:p>
@@ -13775,7 +13774,7 @@
             <a:fld id="{85CE8AA0-9735-4FA2-95DD-391EE93AFE89}" type="datetimeFigureOut">
               <a:rPr lang="en-AU" smtClean="0"/>
               <a:pPr/>
-              <a:t>4/05/2012</a:t>
+              <a:t>15/05/2012</a:t>
             </a:fld>
             <a:endParaRPr lang="en-AU"/>
           </a:p>
@@ -14863,7 +14862,7 @@
             <a:fld id="{CA10310C-7EC1-470A-8BF5-D51EF2D864BA}" type="datetimeFigureOut">
               <a:rPr lang="en-AU" smtClean="0"/>
               <a:pPr/>
-              <a:t>4/05/2012</a:t>
+              <a:t>15/05/2012</a:t>
             </a:fld>
             <a:endParaRPr lang="en-AU"/>
           </a:p>
@@ -15373,7 +15372,7 @@
             <a:fld id="{85CE8AA0-9735-4FA2-95DD-391EE93AFE89}" type="datetimeFigureOut">
               <a:rPr lang="en-AU" smtClean="0"/>
               <a:pPr/>
-              <a:t>4/05/2012</a:t>
+              <a:t>15/05/2012</a:t>
             </a:fld>
             <a:endParaRPr lang="en-AU"/>
           </a:p>
@@ -16019,237 +16018,6 @@
       </p:grpSpPr>
       <p:sp>
         <p:nvSpPr>
-          <p:cNvPr id="2" name="Title 1"/>
-          <p:cNvSpPr>
-            <a:spLocks noGrp="1"/>
-          </p:cNvSpPr>
-          <p:nvPr>
-            <p:ph type="title"/>
-          </p:nvPr>
-        </p:nvSpPr>
-        <p:spPr/>
-        <p:txBody>
-          <a:bodyPr/>
-          <a:lstStyle/>
-          <a:p>
-            <a:r>
-              <a:rPr lang="en-AU" dirty="0" smtClean="0"/>
-              <a:t>Don’t Block!</a:t>
-            </a:r>
-            <a:endParaRPr lang="en-AU" dirty="0"/>
-          </a:p>
-        </p:txBody>
-      </p:sp>
-      <p:sp>
-        <p:nvSpPr>
-          <p:cNvPr id="8" name="TextBox 7"/>
-          <p:cNvSpPr txBox="1"/>
-          <p:nvPr/>
-        </p:nvSpPr>
-        <p:spPr>
-          <a:xfrm>
-            <a:off x="473713" y="2175012"/>
-            <a:ext cx="1694375" cy="369332"/>
-          </a:xfrm>
-          <a:prstGeom prst="rect">
-            <a:avLst/>
-          </a:prstGeom>
-          <a:noFill/>
-        </p:spPr>
-        <p:txBody>
-          <a:bodyPr wrap="none" rtlCol="0">
-            <a:spAutoFit/>
-          </a:bodyPr>
-          <a:lstStyle/>
-          <a:p>
-            <a:r>
-              <a:rPr lang="en-AU" dirty="0" smtClean="0"/>
-              <a:t>Blocking code….</a:t>
-            </a:r>
-            <a:endParaRPr lang="en-AU" dirty="0"/>
-          </a:p>
-        </p:txBody>
-      </p:sp>
-      <p:sp>
-        <p:nvSpPr>
-          <p:cNvPr id="9" name="TextBox 8"/>
-          <p:cNvSpPr txBox="1"/>
-          <p:nvPr/>
-        </p:nvSpPr>
-        <p:spPr>
-          <a:xfrm>
-            <a:off x="463158" y="4211796"/>
-            <a:ext cx="2111155" cy="369332"/>
-          </a:xfrm>
-          <a:prstGeom prst="rect">
-            <a:avLst/>
-          </a:prstGeom>
-          <a:noFill/>
-        </p:spPr>
-        <p:txBody>
-          <a:bodyPr wrap="none" rtlCol="0">
-            <a:spAutoFit/>
-          </a:bodyPr>
-          <a:lstStyle/>
-          <a:p>
-            <a:r>
-              <a:rPr lang="en-AU" dirty="0" smtClean="0"/>
-              <a:t>Non-blocking code…</a:t>
-            </a:r>
-            <a:endParaRPr lang="en-AU" dirty="0"/>
-          </a:p>
-        </p:txBody>
-      </p:sp>
-      <p:sp>
-        <p:nvSpPr>
-          <p:cNvPr id="10" name="TextBox 9"/>
-          <p:cNvSpPr txBox="1"/>
-          <p:nvPr/>
-        </p:nvSpPr>
-        <p:spPr>
-          <a:xfrm>
-            <a:off x="570845" y="1280220"/>
-            <a:ext cx="8240589" cy="646331"/>
-          </a:xfrm>
-          <a:prstGeom prst="rect">
-            <a:avLst/>
-          </a:prstGeom>
-          <a:noFill/>
-        </p:spPr>
-        <p:txBody>
-          <a:bodyPr wrap="none" rtlCol="0">
-            <a:spAutoFit/>
-          </a:bodyPr>
-          <a:lstStyle/>
-          <a:p>
-            <a:r>
-              <a:rPr lang="en-AU" dirty="0" smtClean="0"/>
-              <a:t>Since the event </a:t>
-            </a:r>
-            <a:r>
-              <a:rPr lang="en-AU" dirty="0"/>
-              <a:t>l</a:t>
-            </a:r>
-            <a:r>
-              <a:rPr lang="en-AU" dirty="0" smtClean="0"/>
-              <a:t>oop runs on a single thread you must avoid blocking calls at all times.</a:t>
-            </a:r>
-          </a:p>
-          <a:p>
-            <a:r>
-              <a:rPr lang="en-AU" dirty="0" smtClean="0"/>
-              <a:t>Blocking code blocks </a:t>
-            </a:r>
-            <a:r>
-              <a:rPr lang="en-AU" u="sng" dirty="0" smtClean="0"/>
-              <a:t>everything!</a:t>
-            </a:r>
-            <a:endParaRPr lang="en-AU" dirty="0"/>
-          </a:p>
-        </p:txBody>
-      </p:sp>
-      <p:pic>
-        <p:nvPicPr>
-          <p:cNvPr id="3" name="Picture 2"/>
-          <p:cNvPicPr>
-            <a:picLocks noChangeAspect="1"/>
-          </p:cNvPicPr>
-          <p:nvPr/>
-        </p:nvPicPr>
-        <p:blipFill>
-          <a:blip r:embed="rId2">
-            <a:extLst>
-              <a:ext uri="{28A0092B-C50C-407E-A947-70E740481C1C}">
-                <a14:useLocalDpi xmlns:a14="http://schemas.microsoft.com/office/drawing/2010/main" val="0"/>
-              </a:ext>
-            </a:extLst>
-          </a:blip>
-          <a:stretch>
-            <a:fillRect/>
-          </a:stretch>
-        </p:blipFill>
-        <p:spPr>
-          <a:xfrm>
-            <a:off x="1979712" y="2640171"/>
-            <a:ext cx="3314700" cy="1571625"/>
-          </a:xfrm>
-          <a:prstGeom prst="rect">
-            <a:avLst/>
-          </a:prstGeom>
-        </p:spPr>
-      </p:pic>
-      <p:pic>
-        <p:nvPicPr>
-          <p:cNvPr id="4" name="Picture 3"/>
-          <p:cNvPicPr>
-            <a:picLocks noChangeAspect="1"/>
-          </p:cNvPicPr>
-          <p:nvPr/>
-        </p:nvPicPr>
-        <p:blipFill>
-          <a:blip r:embed="rId3">
-            <a:extLst>
-              <a:ext uri="{28A0092B-C50C-407E-A947-70E740481C1C}">
-                <a14:useLocalDpi xmlns:a14="http://schemas.microsoft.com/office/drawing/2010/main" val="0"/>
-              </a:ext>
-            </a:extLst>
-          </a:blip>
-          <a:stretch>
-            <a:fillRect/>
-          </a:stretch>
-        </p:blipFill>
-        <p:spPr>
-          <a:xfrm>
-            <a:off x="2077278" y="4581128"/>
-            <a:ext cx="3181350" cy="2095500"/>
-          </a:xfrm>
-          <a:prstGeom prst="rect">
-            <a:avLst/>
-          </a:prstGeom>
-        </p:spPr>
-      </p:pic>
-    </p:spTree>
-    <p:extLst>
-      <p:ext uri="{BB962C8B-B14F-4D97-AF65-F5344CB8AC3E}">
-        <p14:creationId xmlns:p14="http://schemas.microsoft.com/office/powerpoint/2010/main" val="665949321"/>
-      </p:ext>
-    </p:extLst>
-  </p:cSld>
-  <p:clrMapOvr>
-    <a:masterClrMapping/>
-  </p:clrMapOvr>
-  <p:transition>
-    <p:fade thruBlk="1"/>
-  </p:transition>
-  <p:timing>
-    <p:tnLst>
-      <p:par>
-        <p:cTn id="1" dur="indefinite" restart="never" nodeType="tmRoot"/>
-      </p:par>
-    </p:tnLst>
-  </p:timing>
-</p:sld>
-</file>
-
-<file path=ppt/slides/slide11.xml><?xml version="1.0" encoding="utf-8"?>
-<p:sld xmlns:a="http://schemas.openxmlformats.org/drawingml/2006/main" xmlns:r="http://schemas.openxmlformats.org/officeDocument/2006/relationships" xmlns:p="http://schemas.openxmlformats.org/presentationml/2006/main">
-  <p:cSld>
-    <p:spTree>
-      <p:nvGrpSpPr>
-        <p:cNvPr id="1" name=""/>
-        <p:cNvGrpSpPr/>
-        <p:nvPr/>
-      </p:nvGrpSpPr>
-      <p:grpSpPr>
-        <a:xfrm>
-          <a:off x="0" y="0"/>
-          <a:ext cx="0" cy="0"/>
-          <a:chOff x="0" y="0"/>
-          <a:chExt cx="0" cy="0"/>
-        </a:xfrm>
-      </p:grpSpPr>
-      <p:sp>
-        <p:nvSpPr>
           <p:cNvPr id="6" name="Title 5"/>
           <p:cNvSpPr>
             <a:spLocks noGrp="1"/>
@@ -16293,7 +16061,7 @@
           <a:graphicData uri="http://schemas.openxmlformats.org/presentationml/2006/ole">
             <mc:AlternateContent xmlns:mc="http://schemas.openxmlformats.org/markup-compatibility/2006">
               <mc:Choice xmlns:v="urn:schemas-microsoft-com:vml" Requires="v">
-                <p:oleObj spid="_x0000_s1096" name="Packager Shell Object" showAsIcon="1" r:id="rId3" imgW="914400" imgH="771480" progId="Package">
+                <p:oleObj spid="_x0000_s1097" name="Packager Shell Object" showAsIcon="1" r:id="rId3" imgW="914400" imgH="771480" progId="Package">
                   <p:embed/>
                 </p:oleObj>
               </mc:Choice>
@@ -16351,7 +16119,7 @@
 </p:sld>
 </file>
 
-<file path=ppt/slides/slide12.xml><?xml version="1.0" encoding="utf-8"?>
+<file path=ppt/slides/slide11.xml><?xml version="1.0" encoding="utf-8"?>
 <p:sld xmlns:a="http://schemas.openxmlformats.org/drawingml/2006/main" xmlns:r="http://schemas.openxmlformats.org/officeDocument/2006/relationships" xmlns:p="http://schemas.openxmlformats.org/presentationml/2006/main">
   <p:cSld>
     <p:spTree>
@@ -16466,7 +16234,7 @@
           <a:graphicData uri="http://schemas.openxmlformats.org/presentationml/2006/ole">
             <mc:AlternateContent xmlns:mc="http://schemas.openxmlformats.org/markup-compatibility/2006">
               <mc:Choice xmlns:v="urn:schemas-microsoft-com:vml" Requires="v">
-                <p:oleObj spid="_x0000_s3111" name="Packager Shell Object" showAsIcon="1" r:id="rId4" imgW="1663920" imgH="685800" progId="Package">
+                <p:oleObj spid="_x0000_s3112" name="Packager Shell Object" showAsIcon="1" r:id="rId4" imgW="1663920" imgH="685800" progId="Package">
                   <p:embed/>
                 </p:oleObj>
               </mc:Choice>
@@ -16565,7 +16333,7 @@
 </p:sld>
 </file>
 
-<file path=ppt/slides/slide13.xml><?xml version="1.0" encoding="utf-8"?>
+<file path=ppt/slides/slide12.xml><?xml version="1.0" encoding="utf-8"?>
 <p:sld xmlns:a="http://schemas.openxmlformats.org/drawingml/2006/main" xmlns:r="http://schemas.openxmlformats.org/officeDocument/2006/relationships" xmlns:p="http://schemas.openxmlformats.org/presentationml/2006/main">
   <p:cSld>
     <p:spTree>
@@ -16670,7 +16438,7 @@
 </p:sld>
 </file>
 
-<file path=ppt/slides/slide14.xml><?xml version="1.0" encoding="utf-8"?>
+<file path=ppt/slides/slide13.xml><?xml version="1.0" encoding="utf-8"?>
 <p:sld xmlns:a="http://schemas.openxmlformats.org/drawingml/2006/main" xmlns:r="http://schemas.openxmlformats.org/officeDocument/2006/relationships" xmlns:p="http://schemas.openxmlformats.org/presentationml/2006/main">
   <p:cSld>
     <p:spTree>
@@ -16941,7 +16709,7 @@
 </p:sld>
 </file>
 
-<file path=ppt/slides/slide15.xml><?xml version="1.0" encoding="utf-8"?>
+<file path=ppt/slides/slide14.xml><?xml version="1.0" encoding="utf-8"?>
 <p:sld xmlns:a="http://schemas.openxmlformats.org/drawingml/2006/main" xmlns:r="http://schemas.openxmlformats.org/officeDocument/2006/relationships" xmlns:p="http://schemas.openxmlformats.org/presentationml/2006/main">
   <p:cSld>
     <p:spTree>
@@ -17066,6 +16834,158 @@
 </p:sld>
 </file>
 
+<file path=ppt/slides/slide15.xml><?xml version="1.0" encoding="utf-8"?>
+<p:sld xmlns:a="http://schemas.openxmlformats.org/drawingml/2006/main" xmlns:r="http://schemas.openxmlformats.org/officeDocument/2006/relationships" xmlns:p="http://schemas.openxmlformats.org/presentationml/2006/main">
+  <p:cSld>
+    <p:spTree>
+      <p:nvGrpSpPr>
+        <p:cNvPr id="1" name=""/>
+        <p:cNvGrpSpPr/>
+        <p:nvPr/>
+      </p:nvGrpSpPr>
+      <p:grpSpPr>
+        <a:xfrm>
+          <a:off x="0" y="0"/>
+          <a:ext cx="0" cy="0"/>
+          <a:chOff x="0" y="0"/>
+          <a:chExt cx="0" cy="0"/>
+        </a:xfrm>
+      </p:grpSpPr>
+      <p:sp>
+        <p:nvSpPr>
+          <p:cNvPr id="2" name="Title 1"/>
+          <p:cNvSpPr>
+            <a:spLocks noGrp="1"/>
+          </p:cNvSpPr>
+          <p:nvPr>
+            <p:ph type="title"/>
+          </p:nvPr>
+        </p:nvSpPr>
+        <p:spPr/>
+        <p:txBody>
+          <a:bodyPr/>
+          <a:lstStyle/>
+          <a:p>
+            <a:r>
+              <a:rPr lang="en-AU" dirty="0" smtClean="0"/>
+              <a:t>Windows Azure SDK for Node.js</a:t>
+            </a:r>
+            <a:endParaRPr lang="en-AU" dirty="0"/>
+          </a:p>
+        </p:txBody>
+      </p:sp>
+      <p:sp>
+        <p:nvSpPr>
+          <p:cNvPr id="3" name="Text Placeholder 2"/>
+          <p:cNvSpPr>
+            <a:spLocks noGrp="1"/>
+          </p:cNvSpPr>
+          <p:nvPr>
+            <p:ph type="body" sz="quarter" idx="10"/>
+          </p:nvPr>
+        </p:nvSpPr>
+        <p:spPr/>
+        <p:txBody>
+          <a:bodyPr/>
+          <a:lstStyle/>
+          <a:p>
+            <a:r>
+              <a:rPr lang="en-AU" dirty="0" smtClean="0"/>
+              <a:t>Really easy to deploy (locally / cloud) using PowerShell </a:t>
+            </a:r>
+            <a:r>
+              <a:rPr lang="en-AU" dirty="0" err="1" smtClean="0"/>
+              <a:t>cmdlets</a:t>
+            </a:r>
+            <a:endParaRPr lang="en-AU" dirty="0" smtClean="0">
+              <a:sym typeface="Wingdings" pitchFamily="2" charset="2"/>
+            </a:endParaRPr>
+          </a:p>
+          <a:p>
+            <a:r>
+              <a:rPr lang="en-AU" dirty="0" smtClean="0">
+                <a:sym typeface="Wingdings" pitchFamily="2" charset="2"/>
+              </a:rPr>
+              <a:t>Azure package  gives access to</a:t>
+            </a:r>
+          </a:p>
+          <a:p>
+            <a:pPr lvl="1"/>
+            <a:r>
+              <a:rPr lang="en-AU" dirty="0" smtClean="0">
+                <a:sym typeface="Wingdings" pitchFamily="2" charset="2"/>
+              </a:rPr>
+              <a:t>blob service, table service, queue service, service bus …</a:t>
+            </a:r>
+            <a:endParaRPr lang="en-AU" dirty="0" smtClean="0"/>
+          </a:p>
+          <a:p>
+            <a:r>
+              <a:rPr lang="en-AU" dirty="0" smtClean="0"/>
+              <a:t>Currently you can’t deploy multiple node apps to the same instance </a:t>
+            </a:r>
+            <a:r>
+              <a:rPr lang="en-AU" dirty="0" smtClean="0">
+                <a:sym typeface="Wingdings" pitchFamily="2" charset="2"/>
+              </a:rPr>
+              <a:t></a:t>
+            </a:r>
+            <a:endParaRPr lang="en-AU" dirty="0" smtClean="0"/>
+          </a:p>
+          <a:p>
+            <a:r>
+              <a:rPr lang="en-AU" dirty="0" smtClean="0"/>
+              <a:t>You need to push up the source code for all packages you use</a:t>
+            </a:r>
+          </a:p>
+          <a:p>
+            <a:r>
+              <a:rPr lang="en-AU" dirty="0" smtClean="0"/>
+              <a:t>Debugging supported via </a:t>
+            </a:r>
+            <a:r>
+              <a:rPr lang="en-AU" dirty="0" err="1" smtClean="0"/>
+              <a:t>IISNode</a:t>
+            </a:r>
+            <a:r>
+              <a:rPr lang="en-AU" dirty="0" smtClean="0"/>
+              <a:t> &amp; </a:t>
+            </a:r>
+            <a:r>
+              <a:rPr lang="en-AU" dirty="0"/>
+              <a:t>n</a:t>
+            </a:r>
+            <a:r>
+              <a:rPr lang="en-AU" dirty="0" smtClean="0"/>
+              <a:t>ode Inspector</a:t>
+            </a:r>
+            <a:endParaRPr lang="en-AU" dirty="0"/>
+          </a:p>
+        </p:txBody>
+      </p:sp>
+    </p:spTree>
+    <p:extLst>
+      <p:ext uri="{BB962C8B-B14F-4D97-AF65-F5344CB8AC3E}">
+        <p14:creationId xmlns:p14="http://schemas.microsoft.com/office/powerpoint/2010/main" val="197175680"/>
+      </p:ext>
+    </p:extLst>
+  </p:cSld>
+  <p:clrMapOvr>
+    <a:masterClrMapping/>
+  </p:clrMapOvr>
+  <p:transition>
+    <p:fade thruBlk="1"/>
+  </p:transition>
+  <p:timing>
+    <p:tnLst>
+      <p:par>
+        <p:cTn id="1" dur="indefinite" restart="never" nodeType="tmRoot"/>
+      </p:par>
+    </p:tnLst>
+  </p:timing>
+</p:sld>
+</file>
+
 <file path=ppt/slides/slide16.xml><?xml version="1.0" encoding="utf-8"?>
 <p:sld xmlns:a="http://schemas.openxmlformats.org/drawingml/2006/main" xmlns:r="http://schemas.openxmlformats.org/officeDocument/2006/relationships" xmlns:p="http://schemas.openxmlformats.org/presentationml/2006/main">
   <p:cSld>
@@ -17085,12 +17005,12 @@
       </p:grpSpPr>
       <p:sp>
         <p:nvSpPr>
-          <p:cNvPr id="2" name="Title 1"/>
+          <p:cNvPr id="6" name="Title 5"/>
           <p:cNvSpPr>
             <a:spLocks noGrp="1"/>
           </p:cNvSpPr>
           <p:nvPr>
-            <p:ph type="title"/>
+            <p:ph type="ctrTitle"/>
           </p:nvPr>
         </p:nvSpPr>
         <p:spPr/>
@@ -17100,105 +17020,76 @@
           <a:p>
             <a:r>
               <a:rPr lang="en-AU" dirty="0" smtClean="0"/>
-              <a:t>Windows Azure SDK for Node.js</a:t>
-            </a:r>
-            <a:endParaRPr lang="en-AU" dirty="0"/>
-          </a:p>
-        </p:txBody>
-      </p:sp>
-      <p:sp>
-        <p:nvSpPr>
-          <p:cNvPr id="3" name="Text Placeholder 2"/>
-          <p:cNvSpPr>
-            <a:spLocks noGrp="1"/>
-          </p:cNvSpPr>
-          <p:nvPr>
-            <p:ph type="body" sz="quarter" idx="10"/>
-          </p:nvPr>
-        </p:nvSpPr>
-        <p:spPr/>
-        <p:txBody>
-          <a:bodyPr/>
+              <a:t>Deep dive: Building a real-time </a:t>
+            </a:r>
+            <a:r>
+              <a:rPr lang="en-AU" dirty="0" err="1" smtClean="0"/>
+              <a:t>ChatRoom</a:t>
+            </a:r>
+            <a:r>
+              <a:rPr lang="en-AU" dirty="0" smtClean="0"/>
+              <a:t> with Node.js , Sockets.io and Knockout.js</a:t>
+            </a:r>
+            <a:br>
+              <a:rPr lang="en-AU" dirty="0" smtClean="0"/>
+            </a:br>
+            <a:r>
+              <a:rPr lang="en-AU" dirty="0"/>
+              <a:t/>
+            </a:r>
+            <a:br>
+              <a:rPr lang="en-AU" dirty="0"/>
+            </a:br>
+            <a:endParaRPr lang="en-AU" sz="2400" dirty="0"/>
+          </a:p>
+        </p:txBody>
+      </p:sp>
+      <p:sp>
+        <p:nvSpPr>
+          <p:cNvPr id="2" name="TextBox 1"/>
+          <p:cNvSpPr txBox="1"/>
+          <p:nvPr/>
+        </p:nvSpPr>
+        <p:spPr>
+          <a:xfrm>
+            <a:off x="1015075" y="5301208"/>
+            <a:ext cx="4277005" cy="400110"/>
+          </a:xfrm>
+          <a:prstGeom prst="rect">
+            <a:avLst/>
+          </a:prstGeom>
+          <a:noFill/>
+          <a:ln>
+            <a:noFill/>
+          </a:ln>
+        </p:spPr>
+        <p:txBody>
+          <a:bodyPr wrap="none" rtlCol="0">
+            <a:spAutoFit/>
+          </a:bodyPr>
           <a:lstStyle/>
           <a:p>
             <a:r>
-              <a:rPr lang="en-AU" dirty="0" smtClean="0"/>
-              <a:t>Really easy to deploy (locally / cloud) using PowerShell </a:t>
-            </a:r>
-            <a:r>
-              <a:rPr lang="en-AU" dirty="0" err="1" smtClean="0"/>
-              <a:t>cmdlets</a:t>
-            </a:r>
-            <a:endParaRPr lang="en-AU" dirty="0" smtClean="0">
-              <a:sym typeface="Wingdings" pitchFamily="2" charset="2"/>
+              <a:rPr lang="en-AU" sz="2000" dirty="0">
+                <a:solidFill>
+                  <a:schemeClr val="bg2"/>
+                </a:solidFill>
+                <a:hlinkClick r:id="rId2"/>
+              </a:rPr>
+              <a:t>http://saugnodechatapp.cloudapp.net/</a:t>
+            </a:r>
+            <a:endParaRPr lang="en-AU" sz="2000" dirty="0">
+              <a:solidFill>
+                <a:schemeClr val="bg2"/>
+              </a:solidFill>
             </a:endParaRPr>
-          </a:p>
-          <a:p>
-            <a:r>
-              <a:rPr lang="en-AU" dirty="0" smtClean="0">
-                <a:sym typeface="Wingdings" pitchFamily="2" charset="2"/>
-              </a:rPr>
-              <a:t>Azure package  gives access to</a:t>
-            </a:r>
-          </a:p>
-          <a:p>
-            <a:pPr lvl="1"/>
-            <a:r>
-              <a:rPr lang="en-AU" dirty="0" smtClean="0">
-                <a:sym typeface="Wingdings" pitchFamily="2" charset="2"/>
-              </a:rPr>
-              <a:t>blob service, table service, queue service, service bus …</a:t>
-            </a:r>
-            <a:endParaRPr lang="en-AU" dirty="0" smtClean="0"/>
-          </a:p>
-          <a:p>
-            <a:r>
-              <a:rPr lang="en-AU" dirty="0" smtClean="0"/>
-              <a:t>Currently you can’t deploy multiple node apps to the same instance </a:t>
-            </a:r>
-            <a:r>
-              <a:rPr lang="en-AU" dirty="0" smtClean="0">
-                <a:sym typeface="Wingdings" pitchFamily="2" charset="2"/>
-              </a:rPr>
-              <a:t></a:t>
-            </a:r>
-            <a:endParaRPr lang="en-AU" dirty="0" smtClean="0"/>
-          </a:p>
-          <a:p>
-            <a:r>
-              <a:rPr lang="en-AU" dirty="0" smtClean="0"/>
-              <a:t>You need to push up the source code for all packages you use</a:t>
-            </a:r>
-          </a:p>
-          <a:p>
-            <a:r>
-              <a:rPr lang="en-AU" dirty="0" smtClean="0"/>
-              <a:t>Debugging supported via </a:t>
-            </a:r>
-            <a:r>
-              <a:rPr lang="en-AU" dirty="0" err="1" smtClean="0"/>
-              <a:t>IISNode</a:t>
-            </a:r>
-            <a:r>
-              <a:rPr lang="en-AU" dirty="0" smtClean="0"/>
-              <a:t> &amp; </a:t>
-            </a:r>
-            <a:r>
-              <a:rPr lang="en-AU" dirty="0"/>
-              <a:t>n</a:t>
-            </a:r>
-            <a:r>
-              <a:rPr lang="en-AU" dirty="0" smtClean="0"/>
-              <a:t>ode Inspector</a:t>
-            </a:r>
-            <a:endParaRPr lang="en-AU" dirty="0"/>
           </a:p>
         </p:txBody>
       </p:sp>
     </p:spTree>
     <p:extLst>
       <p:ext uri="{BB962C8B-B14F-4D97-AF65-F5344CB8AC3E}">
-        <p14:creationId xmlns:p14="http://schemas.microsoft.com/office/powerpoint/2010/main" val="197175680"/>
+        <p14:creationId xmlns:p14="http://schemas.microsoft.com/office/powerpoint/2010/main" val="1621235693"/>
       </p:ext>
     </p:extLst>
   </p:cSld>
@@ -17237,12 +17128,12 @@
       </p:grpSpPr>
       <p:sp>
         <p:nvSpPr>
-          <p:cNvPr id="6" name="Title 5"/>
+          <p:cNvPr id="2" name="Title 1"/>
           <p:cNvSpPr>
             <a:spLocks noGrp="1"/>
           </p:cNvSpPr>
           <p:nvPr>
-            <p:ph type="ctrTitle"/>
+            <p:ph type="title"/>
           </p:nvPr>
         </p:nvSpPr>
         <p:spPr/>
@@ -17252,76 +17143,154 @@
           <a:p>
             <a:r>
               <a:rPr lang="en-AU" dirty="0" smtClean="0"/>
-              <a:t>Deep dive: Building a real-time </a:t>
-            </a:r>
-            <a:r>
-              <a:rPr lang="en-AU" dirty="0" err="1" smtClean="0"/>
-              <a:t>ChatRoom</a:t>
+              <a:t>When should I use it?	</a:t>
+            </a:r>
+            <a:endParaRPr lang="en-AU" dirty="0"/>
+          </a:p>
+        </p:txBody>
+      </p:sp>
+      <p:sp>
+        <p:nvSpPr>
+          <p:cNvPr id="3" name="Text Placeholder 2"/>
+          <p:cNvSpPr>
+            <a:spLocks noGrp="1"/>
+          </p:cNvSpPr>
+          <p:nvPr>
+            <p:ph type="body" sz="quarter" idx="10"/>
+          </p:nvPr>
+        </p:nvSpPr>
+        <p:spPr/>
+        <p:txBody>
+          <a:bodyPr/>
+          <a:lstStyle/>
+          <a:p>
+            <a:pPr>
+              <a:buFont typeface="Wingdings" pitchFamily="2" charset="2"/>
+              <a:buChar char="Ø"/>
+            </a:pPr>
+            <a:r>
+              <a:rPr lang="en-AU" dirty="0"/>
+              <a:t>c</a:t>
             </a:r>
             <a:r>
               <a:rPr lang="en-AU" dirty="0" smtClean="0"/>
-              <a:t> with Node.js , Sockets.io and Knockout.js</a:t>
-            </a:r>
-            <a:br>
+              <a:t>hat / messaging type apps</a:t>
+            </a:r>
+          </a:p>
+          <a:p>
+            <a:pPr>
+              <a:buFont typeface="Wingdings" pitchFamily="2" charset="2"/>
+              <a:buChar char="Ø"/>
+            </a:pPr>
+            <a:r>
               <a:rPr lang="en-AU" dirty="0" smtClean="0"/>
-            </a:br>
+              <a:t>real </a:t>
+            </a:r>
             <a:r>
               <a:rPr lang="en-AU" dirty="0"/>
-              <a:t/>
-            </a:r>
-            <a:br>
+              <a:t>time </a:t>
+            </a:r>
+            <a:r>
+              <a:rPr lang="en-AU" dirty="0" smtClean="0"/>
+              <a:t>apps </a:t>
+            </a:r>
+            <a:r>
               <a:rPr lang="en-AU" dirty="0"/>
-            </a:br>
-            <a:endParaRPr lang="en-AU" sz="2400" dirty="0"/>
-          </a:p>
-        </p:txBody>
-      </p:sp>
-      <p:sp>
-        <p:nvSpPr>
-          <p:cNvPr id="2" name="TextBox 1"/>
-          <p:cNvSpPr txBox="1"/>
-          <p:nvPr/>
-        </p:nvSpPr>
-        <p:spPr>
-          <a:xfrm>
-            <a:off x="1015075" y="5301208"/>
-            <a:ext cx="4277005" cy="400110"/>
-          </a:xfrm>
-          <a:prstGeom prst="rect">
-            <a:avLst/>
-          </a:prstGeom>
-          <a:noFill/>
-          <a:ln>
-            <a:noFill/>
-          </a:ln>
-        </p:spPr>
-        <p:txBody>
-          <a:bodyPr wrap="none" rtlCol="0">
-            <a:spAutoFit/>
-          </a:bodyPr>
-          <a:lstStyle/>
-          <a:p>
-            <a:r>
-              <a:rPr lang="en-AU" sz="2000" dirty="0">
-                <a:solidFill>
-                  <a:schemeClr val="bg2"/>
-                </a:solidFill>
-                <a:hlinkClick r:id="rId2"/>
-              </a:rPr>
-              <a:t>http://saugnodechatapp.cloudapp.net/</a:t>
-            </a:r>
-            <a:endParaRPr lang="en-AU" sz="2000" dirty="0">
-              <a:solidFill>
-                <a:schemeClr val="bg2"/>
-              </a:solidFill>
-            </a:endParaRPr>
+              <a:t>( stocks / ticker tape)</a:t>
+            </a:r>
+          </a:p>
+          <a:p>
+            <a:pPr>
+              <a:buFont typeface="Wingdings" pitchFamily="2" charset="2"/>
+              <a:buChar char="Ø"/>
+            </a:pPr>
+            <a:r>
+              <a:rPr lang="en-AU" dirty="0" smtClean="0"/>
+              <a:t>highly concurrent </a:t>
+            </a:r>
+            <a:endParaRPr lang="en-AU" dirty="0"/>
+          </a:p>
+          <a:p>
+            <a:pPr>
+              <a:buFont typeface="Wingdings" pitchFamily="2" charset="2"/>
+              <a:buChar char="Ø"/>
+            </a:pPr>
+            <a:r>
+              <a:rPr lang="en-AU" dirty="0"/>
+              <a:t>s</a:t>
+            </a:r>
+            <a:r>
+              <a:rPr lang="en-AU" dirty="0" smtClean="0"/>
+              <a:t>ingle </a:t>
+            </a:r>
+            <a:r>
+              <a:rPr lang="en-AU" dirty="0"/>
+              <a:t>page apps with lots of asynchronous calls (Gmail etc.)</a:t>
+            </a:r>
+          </a:p>
+          <a:p>
+            <a:pPr>
+              <a:buFont typeface="Wingdings" pitchFamily="2" charset="2"/>
+              <a:buChar char="Ø"/>
+            </a:pPr>
+            <a:r>
+              <a:rPr lang="en-AU" dirty="0"/>
+              <a:t>g</a:t>
+            </a:r>
+            <a:r>
+              <a:rPr lang="en-AU" dirty="0" smtClean="0"/>
+              <a:t>ood for serving </a:t>
+            </a:r>
+            <a:r>
+              <a:rPr lang="en-AU" dirty="0"/>
+              <a:t>lots of dynamic content</a:t>
+            </a:r>
+          </a:p>
+          <a:p>
+            <a:pPr>
+              <a:buFont typeface="Wingdings" pitchFamily="2" charset="2"/>
+              <a:buChar char="Ø"/>
+            </a:pPr>
+            <a:r>
+              <a:rPr lang="en-AU" dirty="0" smtClean="0"/>
+              <a:t>Suits small </a:t>
+            </a:r>
+            <a:r>
+              <a:rPr lang="en-AU" dirty="0"/>
+              <a:t>development </a:t>
+            </a:r>
+            <a:r>
+              <a:rPr lang="en-AU" dirty="0" smtClean="0"/>
+              <a:t>teams</a:t>
+            </a:r>
+          </a:p>
+          <a:p>
+            <a:pPr>
+              <a:buFont typeface="Wingdings" pitchFamily="2" charset="2"/>
+              <a:buChar char="Ø"/>
+            </a:pPr>
+            <a:r>
+              <a:rPr lang="en-AU" dirty="0" smtClean="0"/>
+              <a:t>applications </a:t>
+            </a:r>
+            <a:r>
+              <a:rPr lang="en-AU" dirty="0"/>
+              <a:t>that have a lot of concurrent connections and each request only needs very few CPU cycles </a:t>
+            </a:r>
+          </a:p>
+          <a:p>
+            <a:pPr>
+              <a:buFont typeface="Wingdings" pitchFamily="2" charset="2"/>
+              <a:buChar char="Ø"/>
+            </a:pPr>
+            <a:endParaRPr lang="en-AU" dirty="0"/>
           </a:p>
         </p:txBody>
       </p:sp>
     </p:spTree>
     <p:extLst>
       <p:ext uri="{BB962C8B-B14F-4D97-AF65-F5344CB8AC3E}">
-        <p14:creationId xmlns:p14="http://schemas.microsoft.com/office/powerpoint/2010/main" val="1621235693"/>
+        <p14:creationId xmlns:p14="http://schemas.microsoft.com/office/powerpoint/2010/main" val="830066254"/>
       </p:ext>
     </p:extLst>
   </p:cSld>
@@ -17358,226 +17327,6 @@
           <a:chExt cx="0" cy="0"/>
         </a:xfrm>
       </p:grpSpPr>
-      <p:sp>
-        <p:nvSpPr>
-          <p:cNvPr id="2" name="Title 1"/>
-          <p:cNvSpPr>
-            <a:spLocks noGrp="1"/>
-          </p:cNvSpPr>
-          <p:nvPr>
-            <p:ph type="title"/>
-          </p:nvPr>
-        </p:nvSpPr>
-        <p:spPr/>
-        <p:txBody>
-          <a:bodyPr/>
-          <a:lstStyle/>
-          <a:p>
-            <a:r>
-              <a:rPr lang="en-AU" dirty="0" smtClean="0"/>
-              <a:t>When should I use it?	</a:t>
-            </a:r>
-            <a:endParaRPr lang="en-AU" dirty="0"/>
-          </a:p>
-        </p:txBody>
-      </p:sp>
-      <p:sp>
-        <p:nvSpPr>
-          <p:cNvPr id="3" name="Text Placeholder 2"/>
-          <p:cNvSpPr>
-            <a:spLocks noGrp="1"/>
-          </p:cNvSpPr>
-          <p:nvPr>
-            <p:ph type="body" sz="quarter" idx="10"/>
-          </p:nvPr>
-        </p:nvSpPr>
-        <p:spPr/>
-        <p:txBody>
-          <a:bodyPr/>
-          <a:lstStyle/>
-          <a:p>
-            <a:pPr>
-              <a:buFont typeface="Wingdings" pitchFamily="2" charset="2"/>
-              <a:buChar char="Ø"/>
-            </a:pPr>
-            <a:r>
-              <a:rPr lang="en-AU" dirty="0"/>
-              <a:t>c</a:t>
-            </a:r>
-            <a:r>
-              <a:rPr lang="en-AU" dirty="0" smtClean="0"/>
-              <a:t>hat / messaging type apps</a:t>
-            </a:r>
-          </a:p>
-          <a:p>
-            <a:pPr>
-              <a:buFont typeface="Wingdings" pitchFamily="2" charset="2"/>
-              <a:buChar char="Ø"/>
-            </a:pPr>
-            <a:r>
-              <a:rPr lang="en-AU" dirty="0" smtClean="0"/>
-              <a:t>real </a:t>
-            </a:r>
-            <a:r>
-              <a:rPr lang="en-AU" dirty="0"/>
-              <a:t>time </a:t>
-            </a:r>
-            <a:r>
-              <a:rPr lang="en-AU" dirty="0" smtClean="0"/>
-              <a:t>apps </a:t>
-            </a:r>
-            <a:r>
-              <a:rPr lang="en-AU" dirty="0"/>
-              <a:t>( stocks / ticker tape)</a:t>
-            </a:r>
-          </a:p>
-          <a:p>
-            <a:pPr>
-              <a:buFont typeface="Wingdings" pitchFamily="2" charset="2"/>
-              <a:buChar char="Ø"/>
-            </a:pPr>
-            <a:r>
-              <a:rPr lang="en-AU" dirty="0" smtClean="0"/>
-              <a:t>highly concurrent </a:t>
-            </a:r>
-            <a:endParaRPr lang="en-AU" dirty="0"/>
-          </a:p>
-          <a:p>
-            <a:pPr>
-              <a:buFont typeface="Wingdings" pitchFamily="2" charset="2"/>
-              <a:buChar char="Ø"/>
-            </a:pPr>
-            <a:r>
-              <a:rPr lang="en-AU" dirty="0"/>
-              <a:t>s</a:t>
-            </a:r>
-            <a:r>
-              <a:rPr lang="en-AU" dirty="0" smtClean="0"/>
-              <a:t>ingle </a:t>
-            </a:r>
-            <a:r>
-              <a:rPr lang="en-AU" dirty="0"/>
-              <a:t>page apps with lots of asynchronous calls (Gmail etc.)</a:t>
-            </a:r>
-          </a:p>
-          <a:p>
-            <a:pPr>
-              <a:buFont typeface="Wingdings" pitchFamily="2" charset="2"/>
-              <a:buChar char="Ø"/>
-            </a:pPr>
-            <a:r>
-              <a:rPr lang="en-AU" dirty="0"/>
-              <a:t>g</a:t>
-            </a:r>
-            <a:r>
-              <a:rPr lang="en-AU" dirty="0" smtClean="0"/>
-              <a:t>ood for serving </a:t>
-            </a:r>
-            <a:r>
-              <a:rPr lang="en-AU" dirty="0"/>
-              <a:t>lots of dynamic content</a:t>
-            </a:r>
-          </a:p>
-          <a:p>
-            <a:pPr>
-              <a:buFont typeface="Wingdings" pitchFamily="2" charset="2"/>
-              <a:buChar char="Ø"/>
-            </a:pPr>
-            <a:r>
-              <a:rPr lang="en-AU" dirty="0" smtClean="0"/>
-              <a:t>Suits small </a:t>
-            </a:r>
-            <a:r>
-              <a:rPr lang="en-AU" dirty="0"/>
-              <a:t>development </a:t>
-            </a:r>
-            <a:r>
-              <a:rPr lang="en-AU" dirty="0" smtClean="0"/>
-              <a:t>teams</a:t>
-            </a:r>
-          </a:p>
-          <a:p>
-            <a:pPr>
-              <a:buFont typeface="Wingdings" pitchFamily="2" charset="2"/>
-              <a:buChar char="Ø"/>
-            </a:pPr>
-            <a:r>
-              <a:rPr lang="en-AU" dirty="0" smtClean="0"/>
-              <a:t>applications </a:t>
-            </a:r>
-            <a:r>
-              <a:rPr lang="en-AU" dirty="0"/>
-              <a:t>that have a lot of concurrent connections and each request only needs very few CPU cycles </a:t>
-            </a:r>
-          </a:p>
-          <a:p>
-            <a:pPr>
-              <a:buFont typeface="Wingdings" pitchFamily="2" charset="2"/>
-              <a:buChar char="Ø"/>
-            </a:pPr>
-            <a:endParaRPr lang="en-AU" dirty="0"/>
-          </a:p>
-        </p:txBody>
-      </p:sp>
-    </p:spTree>
-    <p:extLst>
-      <p:ext uri="{BB962C8B-B14F-4D97-AF65-F5344CB8AC3E}">
-        <p14:creationId xmlns:p14="http://schemas.microsoft.com/office/powerpoint/2010/main" val="830066254"/>
-      </p:ext>
-    </p:extLst>
-  </p:cSld>
-  <p:clrMapOvr>
-    <a:masterClrMapping/>
-  </p:clrMapOvr>
-  <p:transition>
-    <p:fade thruBlk="1"/>
-  </p:transition>
-  <p:timing>
-    <p:tnLst>
-      <p:par>
-        <p:cTn id="1" dur="indefinite" restart="never" nodeType="tmRoot"/>
-      </p:par>
-    </p:tnLst>
-  </p:timing>
-</p:sld>
-</file>
-
-<file path=ppt/slides/slide19.xml><?xml version="1.0" encoding="utf-8"?>
-<p:sld xmlns:a="http://schemas.openxmlformats.org/drawingml/2006/main" xmlns:r="http://schemas.openxmlformats.org/officeDocument/2006/relationships" xmlns:p="http://schemas.openxmlformats.org/presentationml/2006/main">
-  <p:cSld>
-    <p:spTree>
-      <p:nvGrpSpPr>
-        <p:cNvPr id="1" name=""/>
-        <p:cNvGrpSpPr/>
-        <p:nvPr/>
-      </p:nvGrpSpPr>
-      <p:grpSpPr>
-        <a:xfrm>
-          <a:off x="0" y="0"/>
-          <a:ext cx="0" cy="0"/>
-          <a:chOff x="0" y="0"/>
-          <a:chExt cx="0" cy="0"/>
-        </a:xfrm>
-      </p:grpSpPr>
-      <p:sp>
-        <p:nvSpPr>
-          <p:cNvPr id="2" name="Title 1"/>
-          <p:cNvSpPr>
-            <a:spLocks noGrp="1"/>
-          </p:cNvSpPr>
-          <p:nvPr>
-            <p:ph type="title"/>
-          </p:nvPr>
-        </p:nvSpPr>
-        <p:spPr/>
-        <p:txBody>
-          <a:bodyPr/>
-          <a:lstStyle/>
-          <a:p>
-            <a:endParaRPr lang="en-AU"/>
-          </a:p>
-        </p:txBody>
-      </p:sp>
       <p:sp>
         <p:nvSpPr>
           <p:cNvPr id="3" name="Text Placeholder 2"/>
@@ -18106,142 +17855,6 @@
             <p:ph type="title"/>
           </p:nvPr>
         </p:nvSpPr>
-        <p:spPr/>
-        <p:txBody>
-          <a:bodyPr/>
-          <a:lstStyle/>
-          <a:p>
-            <a:r>
-              <a:rPr lang="en-AU" dirty="0" smtClean="0"/>
-              <a:t>Extra points to include</a:t>
-            </a:r>
-            <a:endParaRPr lang="en-AU" dirty="0"/>
-          </a:p>
-        </p:txBody>
-      </p:sp>
-      <p:sp>
-        <p:nvSpPr>
-          <p:cNvPr id="3" name="Text Placeholder 2"/>
-          <p:cNvSpPr>
-            <a:spLocks noGrp="1"/>
-          </p:cNvSpPr>
-          <p:nvPr>
-            <p:ph type="body" sz="quarter" idx="10"/>
-          </p:nvPr>
-        </p:nvSpPr>
-        <p:spPr/>
-        <p:txBody>
-          <a:bodyPr/>
-          <a:lstStyle/>
-          <a:p>
-            <a:r>
-              <a:rPr lang="en-AU" dirty="0" smtClean="0"/>
-              <a:t>Add a slide for V8 benchmarking stats ?</a:t>
-            </a:r>
-          </a:p>
-          <a:p>
-            <a:r>
-              <a:rPr lang="en-AU" dirty="0" smtClean="0"/>
-              <a:t>Very small install and the core is tiny…</a:t>
-            </a:r>
-          </a:p>
-          <a:p>
-            <a:r>
-              <a:rPr lang="en-AU" dirty="0">
-                <a:hlinkClick r:id="rId2"/>
-              </a:rPr>
-              <a:t>http://berb.github.com/nodejs-talk-chaosseminar/#</a:t>
-            </a:r>
-            <a:r>
-              <a:rPr lang="en-AU" dirty="0" smtClean="0">
-                <a:hlinkClick r:id="rId2"/>
-              </a:rPr>
-              <a:t>37</a:t>
-            </a:r>
-            <a:endParaRPr lang="en-AU" dirty="0" smtClean="0"/>
-          </a:p>
-          <a:p>
-            <a:r>
-              <a:rPr lang="en-AU" dirty="0">
-                <a:hlinkClick r:id="rId3"/>
-              </a:rPr>
-              <a:t>http://</a:t>
-            </a:r>
-            <a:r>
-              <a:rPr lang="en-AU" dirty="0" smtClean="0">
-                <a:hlinkClick r:id="rId3"/>
-              </a:rPr>
-              <a:t>s3.amazonaws.com/four.livejournal/20091117/jsconf.pdf</a:t>
-            </a:r>
-            <a:endParaRPr lang="en-AU" dirty="0" smtClean="0"/>
-          </a:p>
-          <a:p>
-            <a:endParaRPr lang="en-AU" dirty="0"/>
-          </a:p>
-          <a:p>
-            <a:r>
-              <a:rPr lang="en-AU" dirty="0" smtClean="0"/>
-              <a:t>Good example non blocking operation</a:t>
-            </a:r>
-          </a:p>
-          <a:p>
-            <a:pPr marL="0" indent="0">
-              <a:buNone/>
-            </a:pPr>
-            <a:r>
-              <a:rPr lang="en-AU" dirty="0"/>
-              <a:t>http://onteria.wordpress.com/2011/06/02/different-ways-to-read-in-files-using-node-js/</a:t>
-            </a:r>
-            <a:endParaRPr lang="en-AU" dirty="0" smtClean="0"/>
-          </a:p>
-          <a:p>
-            <a:endParaRPr lang="en-AU" dirty="0"/>
-          </a:p>
-        </p:txBody>
-      </p:sp>
-    </p:spTree>
-    <p:extLst>
-      <p:ext uri="{BB962C8B-B14F-4D97-AF65-F5344CB8AC3E}">
-        <p14:creationId xmlns:p14="http://schemas.microsoft.com/office/powerpoint/2010/main" val="2230106009"/>
-      </p:ext>
-    </p:extLst>
-  </p:cSld>
-  <p:clrMapOvr>
-    <a:masterClrMapping/>
-  </p:clrMapOvr>
-  <p:transition>
-    <p:fade thruBlk="1"/>
-  </p:transition>
-</p:sld>
-</file>
-
-<file path=ppt/slides/slide5.xml><?xml version="1.0" encoding="utf-8"?>
-<p:sld xmlns:a="http://schemas.openxmlformats.org/drawingml/2006/main" xmlns:r="http://schemas.openxmlformats.org/officeDocument/2006/relationships" xmlns:p="http://schemas.openxmlformats.org/presentationml/2006/main">
-  <p:cSld>
-    <p:spTree>
-      <p:nvGrpSpPr>
-        <p:cNvPr id="1" name=""/>
-        <p:cNvGrpSpPr/>
-        <p:nvPr/>
-      </p:nvGrpSpPr>
-      <p:grpSpPr>
-        <a:xfrm>
-          <a:off x="0" y="0"/>
-          <a:ext cx="0" cy="0"/>
-          <a:chOff x="0" y="0"/>
-          <a:chExt cx="0" cy="0"/>
-        </a:xfrm>
-      </p:grpSpPr>
-      <p:sp>
-        <p:nvSpPr>
-          <p:cNvPr id="2" name="Title 1"/>
-          <p:cNvSpPr>
-            <a:spLocks noGrp="1"/>
-          </p:cNvSpPr>
-          <p:nvPr>
-            <p:ph type="title"/>
-          </p:nvPr>
-        </p:nvSpPr>
         <p:spPr>
           <a:xfrm>
             <a:off x="457200" y="260648"/>
@@ -18332,7 +17945,7 @@
 </p:sld>
 </file>
 
-<file path=ppt/slides/slide6.xml><?xml version="1.0" encoding="utf-8"?>
+<file path=ppt/slides/slide5.xml><?xml version="1.0" encoding="utf-8"?>
 <p:sld xmlns:a="http://schemas.openxmlformats.org/drawingml/2006/main" xmlns:r="http://schemas.openxmlformats.org/officeDocument/2006/relationships" xmlns:p="http://schemas.openxmlformats.org/presentationml/2006/main">
   <p:cSld>
     <p:spTree>
@@ -19141,7 +18754,7 @@
 </p:sld>
 </file>
 
-<file path=ppt/slides/slide7.xml><?xml version="1.0" encoding="utf-8"?>
+<file path=ppt/slides/slide6.xml><?xml version="1.0" encoding="utf-8"?>
 <p:sld xmlns:a="http://schemas.openxmlformats.org/drawingml/2006/main" xmlns:r="http://schemas.openxmlformats.org/officeDocument/2006/relationships" xmlns:p="http://schemas.openxmlformats.org/presentationml/2006/main">
   <p:cSld>
     <p:spTree>
@@ -19204,7 +18817,7 @@
 </p:sld>
 </file>
 
-<file path=ppt/slides/slide8.xml><?xml version="1.0" encoding="utf-8"?>
+<file path=ppt/slides/slide7.xml><?xml version="1.0" encoding="utf-8"?>
 <p:sld xmlns:a="http://schemas.openxmlformats.org/drawingml/2006/main" xmlns:r="http://schemas.openxmlformats.org/officeDocument/2006/relationships" xmlns:p="http://schemas.openxmlformats.org/presentationml/2006/main">
   <p:cSld>
     <p:spTree>
@@ -20534,7 +20147,7 @@
 </p:sld>
 </file>
 
-<file path=ppt/slides/slide9.xml><?xml version="1.0" encoding="utf-8"?>
+<file path=ppt/slides/slide8.xml><?xml version="1.0" encoding="utf-8"?>
 <p:sld xmlns:a="http://schemas.openxmlformats.org/drawingml/2006/main" xmlns:r="http://schemas.openxmlformats.org/officeDocument/2006/relationships" xmlns:p="http://schemas.openxmlformats.org/presentationml/2006/main">
   <p:cSld>
     <p:spTree>
@@ -21580,6 +21193,237 @@
       <p:bldP spid="26" grpId="0"/>
       <p:bldP spid="28" grpId="0"/>
     </p:bldLst>
+  </p:timing>
+</p:sld>
+</file>
+
+<file path=ppt/slides/slide9.xml><?xml version="1.0" encoding="utf-8"?>
+<p:sld xmlns:a="http://schemas.openxmlformats.org/drawingml/2006/main" xmlns:r="http://schemas.openxmlformats.org/officeDocument/2006/relationships" xmlns:p="http://schemas.openxmlformats.org/presentationml/2006/main">
+  <p:cSld>
+    <p:spTree>
+      <p:nvGrpSpPr>
+        <p:cNvPr id="1" name=""/>
+        <p:cNvGrpSpPr/>
+        <p:nvPr/>
+      </p:nvGrpSpPr>
+      <p:grpSpPr>
+        <a:xfrm>
+          <a:off x="0" y="0"/>
+          <a:ext cx="0" cy="0"/>
+          <a:chOff x="0" y="0"/>
+          <a:chExt cx="0" cy="0"/>
+        </a:xfrm>
+      </p:grpSpPr>
+      <p:sp>
+        <p:nvSpPr>
+          <p:cNvPr id="2" name="Title 1"/>
+          <p:cNvSpPr>
+            <a:spLocks noGrp="1"/>
+          </p:cNvSpPr>
+          <p:nvPr>
+            <p:ph type="title"/>
+          </p:nvPr>
+        </p:nvSpPr>
+        <p:spPr/>
+        <p:txBody>
+          <a:bodyPr/>
+          <a:lstStyle/>
+          <a:p>
+            <a:r>
+              <a:rPr lang="en-AU" dirty="0" smtClean="0"/>
+              <a:t>Don’t Block!</a:t>
+            </a:r>
+            <a:endParaRPr lang="en-AU" dirty="0"/>
+          </a:p>
+        </p:txBody>
+      </p:sp>
+      <p:sp>
+        <p:nvSpPr>
+          <p:cNvPr id="8" name="TextBox 7"/>
+          <p:cNvSpPr txBox="1"/>
+          <p:nvPr/>
+        </p:nvSpPr>
+        <p:spPr>
+          <a:xfrm>
+            <a:off x="473713" y="2175012"/>
+            <a:ext cx="1694375" cy="369332"/>
+          </a:xfrm>
+          <a:prstGeom prst="rect">
+            <a:avLst/>
+          </a:prstGeom>
+          <a:noFill/>
+        </p:spPr>
+        <p:txBody>
+          <a:bodyPr wrap="none" rtlCol="0">
+            <a:spAutoFit/>
+          </a:bodyPr>
+          <a:lstStyle/>
+          <a:p>
+            <a:r>
+              <a:rPr lang="en-AU" dirty="0" smtClean="0"/>
+              <a:t>Blocking code….</a:t>
+            </a:r>
+            <a:endParaRPr lang="en-AU" dirty="0"/>
+          </a:p>
+        </p:txBody>
+      </p:sp>
+      <p:sp>
+        <p:nvSpPr>
+          <p:cNvPr id="9" name="TextBox 8"/>
+          <p:cNvSpPr txBox="1"/>
+          <p:nvPr/>
+        </p:nvSpPr>
+        <p:spPr>
+          <a:xfrm>
+            <a:off x="463158" y="4211796"/>
+            <a:ext cx="2111155" cy="369332"/>
+          </a:xfrm>
+          <a:prstGeom prst="rect">
+            <a:avLst/>
+          </a:prstGeom>
+          <a:noFill/>
+        </p:spPr>
+        <p:txBody>
+          <a:bodyPr wrap="none" rtlCol="0">
+            <a:spAutoFit/>
+          </a:bodyPr>
+          <a:lstStyle/>
+          <a:p>
+            <a:r>
+              <a:rPr lang="en-AU" dirty="0" smtClean="0"/>
+              <a:t>Non-blocking code…</a:t>
+            </a:r>
+            <a:endParaRPr lang="en-AU" dirty="0"/>
+          </a:p>
+        </p:txBody>
+      </p:sp>
+      <p:sp>
+        <p:nvSpPr>
+          <p:cNvPr id="10" name="TextBox 9"/>
+          <p:cNvSpPr txBox="1"/>
+          <p:nvPr/>
+        </p:nvSpPr>
+        <p:spPr>
+          <a:xfrm>
+            <a:off x="570845" y="1280220"/>
+            <a:ext cx="8240589" cy="646331"/>
+          </a:xfrm>
+          <a:prstGeom prst="rect">
+            <a:avLst/>
+          </a:prstGeom>
+          <a:noFill/>
+        </p:spPr>
+        <p:txBody>
+          <a:bodyPr wrap="none" rtlCol="0">
+            <a:spAutoFit/>
+          </a:bodyPr>
+          <a:lstStyle/>
+          <a:p>
+            <a:r>
+              <a:rPr lang="en-AU" dirty="0" smtClean="0"/>
+              <a:t>Since the event </a:t>
+            </a:r>
+            <a:r>
+              <a:rPr lang="en-AU" dirty="0"/>
+              <a:t>l</a:t>
+            </a:r>
+            <a:r>
+              <a:rPr lang="en-AU" dirty="0" smtClean="0"/>
+              <a:t>oop runs on a single thread you must avoid blocking calls at all times.</a:t>
+            </a:r>
+          </a:p>
+          <a:p>
+            <a:r>
+              <a:rPr lang="en-AU" dirty="0" smtClean="0"/>
+              <a:t>Blocking code blocks </a:t>
+            </a:r>
+            <a:r>
+              <a:rPr lang="en-AU" u="sng" dirty="0" smtClean="0"/>
+              <a:t>everything!</a:t>
+            </a:r>
+            <a:endParaRPr lang="en-AU" dirty="0"/>
+          </a:p>
+        </p:txBody>
+      </p:sp>
+      <p:pic>
+        <p:nvPicPr>
+          <p:cNvPr id="3" name="Picture 2"/>
+          <p:cNvPicPr>
+            <a:picLocks noChangeAspect="1"/>
+          </p:cNvPicPr>
+          <p:nvPr/>
+        </p:nvPicPr>
+        <p:blipFill>
+          <a:blip r:embed="rId2">
+            <a:extLst>
+              <a:ext uri="{28A0092B-C50C-407E-A947-70E740481C1C}">
+                <a14:useLocalDpi xmlns:a14="http://schemas.microsoft.com/office/drawing/2010/main" val="0"/>
+              </a:ext>
+            </a:extLst>
+          </a:blip>
+          <a:stretch>
+            <a:fillRect/>
+          </a:stretch>
+        </p:blipFill>
+        <p:spPr>
+          <a:xfrm>
+            <a:off x="1979712" y="2640171"/>
+            <a:ext cx="3314700" cy="1571625"/>
+          </a:xfrm>
+          <a:prstGeom prst="rect">
+            <a:avLst/>
+          </a:prstGeom>
+        </p:spPr>
+      </p:pic>
+      <p:pic>
+        <p:nvPicPr>
+          <p:cNvPr id="4" name="Picture 3"/>
+          <p:cNvPicPr>
+            <a:picLocks noChangeAspect="1"/>
+          </p:cNvPicPr>
+          <p:nvPr/>
+        </p:nvPicPr>
+        <p:blipFill>
+          <a:blip r:embed="rId3">
+            <a:extLst>
+              <a:ext uri="{28A0092B-C50C-407E-A947-70E740481C1C}">
+                <a14:useLocalDpi xmlns:a14="http://schemas.microsoft.com/office/drawing/2010/main" val="0"/>
+              </a:ext>
+            </a:extLst>
+          </a:blip>
+          <a:stretch>
+            <a:fillRect/>
+          </a:stretch>
+        </p:blipFill>
+        <p:spPr>
+          <a:xfrm>
+            <a:off x="2077278" y="4581128"/>
+            <a:ext cx="3181350" cy="2095500"/>
+          </a:xfrm>
+          <a:prstGeom prst="rect">
+            <a:avLst/>
+          </a:prstGeom>
+        </p:spPr>
+      </p:pic>
+    </p:spTree>
+    <p:extLst>
+      <p:ext uri="{BB962C8B-B14F-4D97-AF65-F5344CB8AC3E}">
+        <p14:creationId xmlns:p14="http://schemas.microsoft.com/office/powerpoint/2010/main" val="665949321"/>
+      </p:ext>
+    </p:extLst>
+  </p:cSld>
+  <p:clrMapOvr>
+    <a:masterClrMapping/>
+  </p:clrMapOvr>
+  <p:transition>
+    <p:fade thruBlk="1"/>
+  </p:transition>
+  <p:timing>
+    <p:tnLst>
+      <p:par>
+        <p:cTn id="1" dur="indefinite" restart="never" nodeType="tmRoot"/>
+      </p:par>
+    </p:tnLst>
   </p:timing>
 </p:sld>
 </file>
@@ -23035,6 +22879,21 @@
 </file>
 
 <file path=customXml/item1.xml><?xml version="1.0" encoding="utf-8"?>
+<p:properties xmlns:p="http://schemas.microsoft.com/office/2006/metadata/properties" xmlns:xsi="http://www.w3.org/2001/XMLSchema-instance">
+  <documentManagement/>
+</p:properties>
+</file>
+
+<file path=customXml/item2.xml><?xml version="1.0" encoding="utf-8"?>
+<?mso-contentType ?>
+<FormTemplates xmlns="http://schemas.microsoft.com/sharepoint/v3/contenttype/forms">
+  <Display>DocumentLibraryForm</Display>
+  <Edit>DocumentLibraryForm</Edit>
+  <New>DocumentLibraryForm</New>
+</FormTemplates>
+</file>
+
+<file path=customXml/item3.xml><?xml version="1.0" encoding="utf-8"?>
 <?mso-contentType ?>
 <rca:RCAuthoringProperties xmlns:rca="urn:sharePointPublishingRcaProperties">
   <rca:Converter rca:guid="6dfdc5b4-2a28-4a06-b0c6-ad3901e3a807">
@@ -23050,21 +22909,6 @@
     <rca:property rca:type="ConverterSpecificSettings"/>
   </rca:Converter>
 </rca:RCAuthoringProperties>
-</file>
-
-<file path=customXml/item2.xml><?xml version="1.0" encoding="utf-8"?>
-<?mso-contentType ?>
-<FormTemplates xmlns="http://schemas.microsoft.com/sharepoint/v3/contenttype/forms">
-  <Display>DocumentLibraryForm</Display>
-  <Edit>DocumentLibraryForm</Edit>
-  <New>DocumentLibraryForm</New>
-</FormTemplates>
-</file>
-
-<file path=customXml/item3.xml><?xml version="1.0" encoding="utf-8"?>
-<p:properties xmlns:p="http://schemas.microsoft.com/office/2006/metadata/properties" xmlns:xsi="http://www.w3.org/2001/XMLSchema-instance">
-  <documentManagement/>
-</p:properties>
 </file>
 
 <file path=customXml/item4.xml><?xml version="1.0" encoding="utf-8"?>
@@ -23117,9 +22961,15 @@
 </file>
 
 <file path=customXml/itemProps1.xml><?xml version="1.0" encoding="utf-8"?>
-<ds:datastoreItem xmlns:ds="http://schemas.openxmlformats.org/officeDocument/2006/customXml" ds:itemID="{37DE6E84-255A-45E8-8353-BCD6A4998E02}">
+<ds:datastoreItem xmlns:ds="http://schemas.openxmlformats.org/officeDocument/2006/customXml" ds:itemID="{BDEC00FF-5F1B-415D-9C89-173832172D95}">
   <ds:schemaRefs>
-    <ds:schemaRef ds:uri="urn:sharePointPublishingRcaProperties"/>
+    <ds:schemaRef ds:uri="http://schemas.microsoft.com/office/2006/metadata/properties"/>
+    <ds:schemaRef ds:uri="http://schemas.openxmlformats.org/package/2006/metadata/core-properties"/>
+    <ds:schemaRef ds:uri="http://schemas.microsoft.com/office/2006/documentManagement/types"/>
+    <ds:schemaRef ds:uri="http://purl.org/dc/elements/1.1/"/>
+    <ds:schemaRef ds:uri="http://purl.org/dc/dcmitype/"/>
+    <ds:schemaRef ds:uri="http://purl.org/dc/terms/"/>
+    <ds:schemaRef ds:uri="http://www.w3.org/XML/1998/namespace"/>
   </ds:schemaRefs>
 </ds:datastoreItem>
 </file>
@@ -23133,15 +22983,9 @@
 </file>
 
 <file path=customXml/itemProps3.xml><?xml version="1.0" encoding="utf-8"?>
-<ds:datastoreItem xmlns:ds="http://schemas.openxmlformats.org/officeDocument/2006/customXml" ds:itemID="{BDEC00FF-5F1B-415D-9C89-173832172D95}">
+<ds:datastoreItem xmlns:ds="http://schemas.openxmlformats.org/officeDocument/2006/customXml" ds:itemID="{37DE6E84-255A-45E8-8353-BCD6A4998E02}">
   <ds:schemaRefs>
-    <ds:schemaRef ds:uri="http://schemas.microsoft.com/office/2006/metadata/properties"/>
-    <ds:schemaRef ds:uri="http://schemas.openxmlformats.org/package/2006/metadata/core-properties"/>
-    <ds:schemaRef ds:uri="http://schemas.microsoft.com/office/2006/documentManagement/types"/>
-    <ds:schemaRef ds:uri="http://purl.org/dc/elements/1.1/"/>
-    <ds:schemaRef ds:uri="http://purl.org/dc/dcmitype/"/>
-    <ds:schemaRef ds:uri="http://purl.org/dc/terms/"/>
-    <ds:schemaRef ds:uri="http://www.w3.org/XML/1998/namespace"/>
+    <ds:schemaRef ds:uri="urn:sharePointPublishingRcaProperties"/>
   </ds:schemaRefs>
 </ds:datastoreItem>
 </file>
